--- a/diplomna.pptx
+++ b/diplomna.pptx
@@ -2985,20 +2985,88 @@
       </p:grpSpPr>
       <p:sp>
         <p:nvSpPr>
-          <p:cNvPr id="2" name="Заголовок 1"/>
-          <p:cNvSpPr>
-            <a:spLocks noGrp="1"/>
-          </p:cNvSpPr>
-          <p:nvPr>
-            <p:ph type="ctrTitle"/>
-          </p:nvPr>
-        </p:nvSpPr>
-        <p:spPr/>
-        <p:txBody>
-          <a:bodyPr/>
-          <a:lstStyle/>
-          <a:p>
-            <a:endParaRPr lang="ru-RU"/>
+          <p:cNvPr id="5" name="TextBox 4"/>
+          <p:cNvSpPr txBox="1"/>
+          <p:nvPr/>
+        </p:nvSpPr>
+        <p:spPr>
+          <a:xfrm>
+            <a:off x="2496000" y="1129675"/>
+            <a:ext cx="7200000" cy="769441"/>
+          </a:xfrm>
+          <a:prstGeom prst="rect">
+            <a:avLst/>
+          </a:prstGeom>
+          <a:noFill/>
+        </p:spPr>
+        <p:txBody>
+          <a:bodyPr wrap="square" rtlCol="0" anchor="ctr">
+            <a:spAutoFit/>
+          </a:bodyPr>
+          <a:lstStyle/>
+          <a:p>
+            <a:pPr algn="ctr"/>
+            <a:r>
+              <a:rPr lang="uk-UA" sz="4400" b="1" smtClean="0">
+                <a:latin typeface="Segoe Print" panose="02000600000000000000" pitchFamily="2" charset="0"/>
+                <a:ea typeface="Open Sans" panose="020B0606030504020204" pitchFamily="34" charset="0"/>
+                <a:cs typeface="Open Sans" panose="020B0606030504020204" pitchFamily="34" charset="0"/>
+              </a:rPr>
+              <a:t>Салон</a:t>
+            </a:r>
+            <a:r>
+              <a:rPr lang="en-US" sz="4400" b="1" smtClean="0">
+                <a:latin typeface="Segoe Print" panose="02000600000000000000" pitchFamily="2" charset="0"/>
+                <a:ea typeface="Open Sans" panose="020B0606030504020204" pitchFamily="34" charset="0"/>
+                <a:cs typeface="Open Sans" panose="020B0606030504020204" pitchFamily="34" charset="0"/>
+              </a:rPr>
+              <a:t> </a:t>
+            </a:r>
+            <a:r>
+              <a:rPr lang="uk-UA" sz="4400" b="1" smtClean="0">
+                <a:latin typeface="Segoe Print" panose="02000600000000000000" pitchFamily="2" charset="0"/>
+                <a:ea typeface="Open Sans" panose="020B0606030504020204" pitchFamily="34" charset="0"/>
+                <a:cs typeface="Open Sans" panose="020B0606030504020204" pitchFamily="34" charset="0"/>
+              </a:rPr>
+              <a:t>краси </a:t>
+            </a:r>
+            <a:r>
+              <a:rPr lang="ru-RU" sz="4400" b="1" smtClean="0">
+                <a:latin typeface="Segoe Print" panose="02000600000000000000" pitchFamily="2" charset="0"/>
+                <a:ea typeface="Open Sans" panose="020B0606030504020204" pitchFamily="34" charset="0"/>
+                <a:cs typeface="Open Sans" panose="020B0606030504020204" pitchFamily="34" charset="0"/>
+              </a:rPr>
+              <a:t>«</a:t>
+            </a:r>
+            <a:r>
+              <a:rPr lang="ru-RU" sz="4400" b="1" err="1" smtClean="0">
+                <a:latin typeface="Segoe Print" panose="02000600000000000000" pitchFamily="2" charset="0"/>
+                <a:ea typeface="Open Sans" panose="020B0606030504020204" pitchFamily="34" charset="0"/>
+                <a:cs typeface="Open Sans" panose="020B0606030504020204" pitchFamily="34" charset="0"/>
+              </a:rPr>
+              <a:t>Гламур</a:t>
+            </a:r>
+            <a:r>
+              <a:rPr lang="ru-RU" sz="4400" b="1" smtClean="0">
+                <a:latin typeface="Segoe Print" panose="02000600000000000000" pitchFamily="2" charset="0"/>
+                <a:ea typeface="Open Sans" panose="020B0606030504020204" pitchFamily="34" charset="0"/>
+                <a:cs typeface="Open Sans" panose="020B0606030504020204" pitchFamily="34" charset="0"/>
+              </a:rPr>
+              <a:t>»</a:t>
+            </a:r>
+            <a:r>
+              <a:rPr lang="en-US" sz="4400" b="1" smtClean="0">
+                <a:latin typeface="Segoe Print" panose="02000600000000000000" pitchFamily="2" charset="0"/>
+                <a:ea typeface="Open Sans" panose="020B0606030504020204" pitchFamily="34" charset="0"/>
+                <a:cs typeface="Open Sans" panose="020B0606030504020204" pitchFamily="34" charset="0"/>
+              </a:rPr>
+              <a:t> </a:t>
+            </a:r>
+            <a:endParaRPr lang="ru-RU" sz="4400" b="1">
+              <a:latin typeface="Segoe Print" panose="02000600000000000000" pitchFamily="2" charset="0"/>
+              <a:ea typeface="Open Sans" panose="020B0606030504020204" pitchFamily="34" charset="0"/>
+              <a:cs typeface="Open Sans" panose="020B0606030504020204" pitchFamily="34" charset="0"/>
+            </a:endParaRPr>
           </a:p>
         </p:txBody>
       </p:sp>

--- a/diplomna.pptx
+++ b/diplomna.pptx
@@ -123,6 +123,11 @@
       </a:defRPr>
     </a:lvl9pPr>
   </p:defaultTextStyle>
+  <p:extLst>
+    <p:ext uri="{EFAFB233-063F-42B5-8137-9DF3F51BA10A}">
+      <p15:sldGuideLst xmlns:p15="http://schemas.microsoft.com/office/powerpoint/2012/main"/>
+    </p:ext>
+  </p:extLst>
 </p:presentation>
 </file>
 
@@ -2991,8 +2996,8 @@
         </p:nvSpPr>
         <p:spPr>
           <a:xfrm>
-            <a:off x="2496000" y="1129675"/>
-            <a:ext cx="7200000" cy="769441"/>
+            <a:off x="1869507" y="898842"/>
+            <a:ext cx="8452987" cy="1231106"/>
           </a:xfrm>
           <a:prstGeom prst="rect">
             <a:avLst/>
@@ -3007,62 +3012,25 @@
           <a:p>
             <a:pPr algn="ctr"/>
             <a:r>
-              <a:rPr lang="uk-UA" sz="4400" b="1" smtClean="0">
+              <a:rPr lang="uk-UA" sz="5000" b="1" dirty="0" smtClean="0">
                 <a:latin typeface="Segoe Print" panose="02000600000000000000" pitchFamily="2" charset="0"/>
                 <a:ea typeface="Open Sans" panose="020B0606030504020204" pitchFamily="34" charset="0"/>
                 <a:cs typeface="Open Sans" panose="020B0606030504020204" pitchFamily="34" charset="0"/>
               </a:rPr>
-              <a:t>Салон</a:t>
-            </a:r>
-            <a:r>
-              <a:rPr lang="en-US" sz="4400" b="1" smtClean="0">
+              <a:t>Салон краси «Гламур»</a:t>
+            </a:r>
+          </a:p>
+          <a:p>
+            <a:pPr algn="ctr"/>
+            <a:r>
+              <a:rPr lang="uk-UA" sz="2400" dirty="0" smtClean="0">
                 <a:latin typeface="Segoe Print" panose="02000600000000000000" pitchFamily="2" charset="0"/>
                 <a:ea typeface="Open Sans" panose="020B0606030504020204" pitchFamily="34" charset="0"/>
                 <a:cs typeface="Open Sans" panose="020B0606030504020204" pitchFamily="34" charset="0"/>
               </a:rPr>
-              <a:t> </a:t>
-            </a:r>
-            <a:r>
-              <a:rPr lang="uk-UA" sz="4400" b="1" smtClean="0">
-                <a:latin typeface="Segoe Print" panose="02000600000000000000" pitchFamily="2" charset="0"/>
-                <a:ea typeface="Open Sans" panose="020B0606030504020204" pitchFamily="34" charset="0"/>
-                <a:cs typeface="Open Sans" panose="020B0606030504020204" pitchFamily="34" charset="0"/>
-              </a:rPr>
-              <a:t>краси </a:t>
-            </a:r>
-            <a:r>
-              <a:rPr lang="ru-RU" sz="4400" b="1" smtClean="0">
-                <a:latin typeface="Segoe Print" panose="02000600000000000000" pitchFamily="2" charset="0"/>
-                <a:ea typeface="Open Sans" panose="020B0606030504020204" pitchFamily="34" charset="0"/>
-                <a:cs typeface="Open Sans" panose="020B0606030504020204" pitchFamily="34" charset="0"/>
-              </a:rPr>
-              <a:t>«</a:t>
-            </a:r>
-            <a:r>
-              <a:rPr lang="ru-RU" sz="4400" b="1" err="1" smtClean="0">
-                <a:latin typeface="Segoe Print" panose="02000600000000000000" pitchFamily="2" charset="0"/>
-                <a:ea typeface="Open Sans" panose="020B0606030504020204" pitchFamily="34" charset="0"/>
-                <a:cs typeface="Open Sans" panose="020B0606030504020204" pitchFamily="34" charset="0"/>
-              </a:rPr>
-              <a:t>Гламур</a:t>
-            </a:r>
-            <a:r>
-              <a:rPr lang="ru-RU" sz="4400" b="1" smtClean="0">
-                <a:latin typeface="Segoe Print" panose="02000600000000000000" pitchFamily="2" charset="0"/>
-                <a:ea typeface="Open Sans" panose="020B0606030504020204" pitchFamily="34" charset="0"/>
-                <a:cs typeface="Open Sans" panose="020B0606030504020204" pitchFamily="34" charset="0"/>
-              </a:rPr>
-              <a:t>»</a:t>
-            </a:r>
-            <a:r>
-              <a:rPr lang="en-US" sz="4400" b="1" smtClean="0">
-                <a:latin typeface="Segoe Print" panose="02000600000000000000" pitchFamily="2" charset="0"/>
-                <a:ea typeface="Open Sans" panose="020B0606030504020204" pitchFamily="34" charset="0"/>
-                <a:cs typeface="Open Sans" panose="020B0606030504020204" pitchFamily="34" charset="0"/>
-              </a:rPr>
-              <a:t> </a:t>
-            </a:r>
-            <a:endParaRPr lang="ru-RU" sz="4400" b="1">
+              <a:t>Виконала учениця 23 групи</a:t>
+            </a:r>
+            <a:endParaRPr lang="uk-UA" sz="2000" dirty="0" smtClean="0">
               <a:latin typeface="Segoe Print" panose="02000600000000000000" pitchFamily="2" charset="0"/>
               <a:ea typeface="Open Sans" panose="020B0606030504020204" pitchFamily="34" charset="0"/>
               <a:cs typeface="Open Sans" panose="020B0606030504020204" pitchFamily="34" charset="0"/>

--- a/diplomna.pptx
+++ b/diplomna.pptx
@@ -2435,9 +2435,28 @@
 <p:sldMaster xmlns:a="http://schemas.openxmlformats.org/drawingml/2006/main" xmlns:r="http://schemas.openxmlformats.org/officeDocument/2006/relationships" xmlns:p="http://schemas.openxmlformats.org/presentationml/2006/main">
   <p:cSld>
     <p:bg>
-      <p:bgRef idx="1001">
-        <a:schemeClr val="bg1"/>
-      </p:bgRef>
+      <p:bgPr>
+        <a:gradFill flip="none" rotWithShape="1">
+          <a:gsLst>
+            <a:gs pos="12000">
+              <a:srgbClr val="FDF9CB">
+                <a:lumMod val="100000"/>
+              </a:srgbClr>
+            </a:gs>
+            <a:gs pos="81000">
+              <a:srgbClr val="E7EDFF"/>
+            </a:gs>
+            <a:gs pos="50000">
+              <a:srgbClr val="FFE5F6"/>
+            </a:gs>
+          </a:gsLst>
+          <a:path path="circle">
+            <a:fillToRect t="100000" r="100000"/>
+          </a:path>
+          <a:tileRect l="-100000" b="-100000"/>
+        </a:gradFill>
+        <a:effectLst/>
+      </p:bgPr>
     </p:bg>
     <p:spTree>
       <p:nvGrpSpPr>
@@ -3445,6 +3464,32 @@
           <a:chExt cx="0" cy="0"/>
         </a:xfrm>
       </p:grpSpPr>
+      <p:sp>
+        <p:nvSpPr>
+          <p:cNvPr id="2" name="TextBox 1"/>
+          <p:cNvSpPr txBox="1"/>
+          <p:nvPr/>
+        </p:nvSpPr>
+        <p:spPr>
+          <a:xfrm>
+            <a:off x="885825" y="457200"/>
+            <a:ext cx="10015538" cy="369332"/>
+          </a:xfrm>
+          <a:prstGeom prst="rect">
+            <a:avLst/>
+          </a:prstGeom>
+          <a:noFill/>
+        </p:spPr>
+        <p:txBody>
+          <a:bodyPr wrap="square" rtlCol="0">
+            <a:spAutoFit/>
+          </a:bodyPr>
+          <a:lstStyle/>
+          <a:p>
+            <a:endParaRPr lang="ru-RU" dirty="0"/>
+          </a:p>
+        </p:txBody>
+      </p:sp>
     </p:spTree>
     <p:extLst>
       <p:ext uri="{BB962C8B-B14F-4D97-AF65-F5344CB8AC3E}">

--- a/diplomna.pptx
+++ b/diplomna.pptx
@@ -2443,10 +2443,10 @@
                 <a:lumMod val="100000"/>
               </a:srgbClr>
             </a:gs>
-            <a:gs pos="81000">
-              <a:srgbClr val="E7EDFF"/>
+            <a:gs pos="92000">
+              <a:srgbClr val="E0EBF8"/>
             </a:gs>
-            <a:gs pos="50000">
+            <a:gs pos="49000">
               <a:srgbClr val="FFE5F6"/>
             </a:gs>
           </a:gsLst>
@@ -3427,6 +3427,73 @@
           <a:chExt cx="0" cy="0"/>
         </a:xfrm>
       </p:grpSpPr>
+      <p:sp>
+        <p:nvSpPr>
+          <p:cNvPr id="3" name="TextBox 2"/>
+          <p:cNvSpPr txBox="1"/>
+          <p:nvPr/>
+        </p:nvSpPr>
+        <p:spPr>
+          <a:xfrm>
+            <a:off x="1869507" y="210979"/>
+            <a:ext cx="8452987" cy="861774"/>
+          </a:xfrm>
+          <a:prstGeom prst="rect">
+            <a:avLst/>
+          </a:prstGeom>
+          <a:noFill/>
+        </p:spPr>
+        <p:txBody>
+          <a:bodyPr wrap="square" rtlCol="0" anchor="ctr">
+            <a:spAutoFit/>
+          </a:bodyPr>
+          <a:lstStyle/>
+          <a:p>
+            <a:pPr algn="ctr"/>
+            <a:r>
+              <a:rPr lang="uk-UA" sz="5000" b="1" dirty="0" smtClean="0">
+                <a:gradFill flip="none" rotWithShape="1">
+                  <a:gsLst>
+                    <a:gs pos="0">
+                      <a:srgbClr val="5A8B39">
+                        <a:lumMod val="100000"/>
+                      </a:srgbClr>
+                    </a:gs>
+                    <a:gs pos="100000">
+                      <a:srgbClr val="8BCD43"/>
+                    </a:gs>
+                  </a:gsLst>
+                  <a:lin ang="18900000" scaled="1"/>
+                  <a:tileRect/>
+                </a:gradFill>
+                <a:latin typeface="Segoe Print" panose="02000600000000000000" pitchFamily="2" charset="0"/>
+                <a:ea typeface="Open Sans" panose="020B0606030504020204" pitchFamily="34" charset="0"/>
+                <a:cs typeface="Open Sans" panose="020B0606030504020204" pitchFamily="34" charset="0"/>
+              </a:rPr>
+              <a:t>Ризики</a:t>
+            </a:r>
+            <a:endParaRPr lang="uk-UA" sz="5000" b="1" dirty="0" smtClean="0">
+              <a:gradFill flip="none" rotWithShape="1">
+                <a:gsLst>
+                  <a:gs pos="0">
+                    <a:srgbClr val="5A8B39">
+                      <a:lumMod val="100000"/>
+                    </a:srgbClr>
+                  </a:gs>
+                  <a:gs pos="100000">
+                    <a:srgbClr val="8BCD43"/>
+                  </a:gs>
+                </a:gsLst>
+                <a:lin ang="18900000" scaled="1"/>
+                <a:tileRect/>
+              </a:gradFill>
+              <a:latin typeface="Segoe Print" panose="02000600000000000000" pitchFamily="2" charset="0"/>
+              <a:ea typeface="Open Sans" panose="020B0606030504020204" pitchFamily="34" charset="0"/>
+              <a:cs typeface="Open Sans" panose="020B0606030504020204" pitchFamily="34" charset="0"/>
+            </a:endParaRPr>
+          </a:p>
+        </p:txBody>
+      </p:sp>
     </p:spTree>
     <p:extLst>
       <p:ext uri="{BB962C8B-B14F-4D97-AF65-F5344CB8AC3E}">
@@ -3490,6 +3557,73 @@
           </a:p>
         </p:txBody>
       </p:sp>
+      <p:sp>
+        <p:nvSpPr>
+          <p:cNvPr id="3" name="TextBox 2"/>
+          <p:cNvSpPr txBox="1"/>
+          <p:nvPr/>
+        </p:nvSpPr>
+        <p:spPr>
+          <a:xfrm>
+            <a:off x="1869507" y="210979"/>
+            <a:ext cx="8452987" cy="861774"/>
+          </a:xfrm>
+          <a:prstGeom prst="rect">
+            <a:avLst/>
+          </a:prstGeom>
+          <a:noFill/>
+        </p:spPr>
+        <p:txBody>
+          <a:bodyPr wrap="square" rtlCol="0" anchor="ctr">
+            <a:spAutoFit/>
+          </a:bodyPr>
+          <a:lstStyle/>
+          <a:p>
+            <a:pPr algn="ctr"/>
+            <a:r>
+              <a:rPr lang="uk-UA" sz="5000" b="1" dirty="0" smtClean="0">
+                <a:gradFill flip="none" rotWithShape="1">
+                  <a:gsLst>
+                    <a:gs pos="0">
+                      <a:srgbClr val="5A8B39">
+                        <a:lumMod val="100000"/>
+                      </a:srgbClr>
+                    </a:gs>
+                    <a:gs pos="100000">
+                      <a:srgbClr val="8BCD43"/>
+                    </a:gs>
+                  </a:gsLst>
+                  <a:lin ang="18900000" scaled="1"/>
+                  <a:tileRect/>
+                </a:gradFill>
+                <a:latin typeface="Segoe Print" panose="02000600000000000000" pitchFamily="2" charset="0"/>
+                <a:ea typeface="Open Sans" panose="020B0606030504020204" pitchFamily="34" charset="0"/>
+                <a:cs typeface="Open Sans" panose="020B0606030504020204" pitchFamily="34" charset="0"/>
+              </a:rPr>
+              <a:t>Резюме</a:t>
+            </a:r>
+            <a:endParaRPr lang="uk-UA" sz="5000" b="1" dirty="0" smtClean="0">
+              <a:gradFill flip="none" rotWithShape="1">
+                <a:gsLst>
+                  <a:gs pos="0">
+                    <a:srgbClr val="5A8B39">
+                      <a:lumMod val="100000"/>
+                    </a:srgbClr>
+                  </a:gs>
+                  <a:gs pos="100000">
+                    <a:srgbClr val="8BCD43"/>
+                  </a:gs>
+                </a:gsLst>
+                <a:lin ang="18900000" scaled="1"/>
+                <a:tileRect/>
+              </a:gradFill>
+              <a:latin typeface="Segoe Print" panose="02000600000000000000" pitchFamily="2" charset="0"/>
+              <a:ea typeface="Open Sans" panose="020B0606030504020204" pitchFamily="34" charset="0"/>
+              <a:cs typeface="Open Sans" panose="020B0606030504020204" pitchFamily="34" charset="0"/>
+            </a:endParaRPr>
+          </a:p>
+        </p:txBody>
+      </p:sp>
     </p:spTree>
     <p:extLst>
       <p:ext uri="{BB962C8B-B14F-4D97-AF65-F5344CB8AC3E}">
@@ -3527,6 +3661,45 @@
           <a:chExt cx="0" cy="0"/>
         </a:xfrm>
       </p:grpSpPr>
+      <p:sp>
+        <p:nvSpPr>
+          <p:cNvPr id="2" name="TextBox 1"/>
+          <p:cNvSpPr txBox="1"/>
+          <p:nvPr/>
+        </p:nvSpPr>
+        <p:spPr>
+          <a:xfrm>
+            <a:off x="1869507" y="1083507"/>
+            <a:ext cx="8452987" cy="861774"/>
+          </a:xfrm>
+          <a:prstGeom prst="rect">
+            <a:avLst/>
+          </a:prstGeom>
+          <a:noFill/>
+        </p:spPr>
+        <p:txBody>
+          <a:bodyPr wrap="square" rtlCol="0" anchor="ctr">
+            <a:spAutoFit/>
+          </a:bodyPr>
+          <a:lstStyle/>
+          <a:p>
+            <a:pPr algn="ctr"/>
+            <a:r>
+              <a:rPr lang="uk-UA" sz="5000" b="1" dirty="0" smtClean="0">
+                <a:latin typeface="Segoe Print" panose="02000600000000000000" pitchFamily="2" charset="0"/>
+                <a:ea typeface="Open Sans" panose="020B0606030504020204" pitchFamily="34" charset="0"/>
+                <a:cs typeface="Open Sans" panose="020B0606030504020204" pitchFamily="34" charset="0"/>
+              </a:rPr>
+              <a:t>Дякую за увагу!</a:t>
+            </a:r>
+            <a:endParaRPr lang="uk-UA" sz="5000" b="1" dirty="0" smtClean="0">
+              <a:latin typeface="Segoe Print" panose="02000600000000000000" pitchFamily="2" charset="0"/>
+              <a:ea typeface="Open Sans" panose="020B0606030504020204" pitchFamily="34" charset="0"/>
+              <a:cs typeface="Open Sans" panose="020B0606030504020204" pitchFamily="34" charset="0"/>
+            </a:endParaRPr>
+          </a:p>
+        </p:txBody>
+      </p:sp>
     </p:spTree>
     <p:extLst>
       <p:ext uri="{BB962C8B-B14F-4D97-AF65-F5344CB8AC3E}">

--- a/diplomna.pptx
+++ b/diplomna.pptx
@@ -3015,8 +3015,8 @@
         </p:nvSpPr>
         <p:spPr>
           <a:xfrm>
-            <a:off x="1869507" y="898842"/>
-            <a:ext cx="8452987" cy="1231106"/>
+            <a:off x="1869507" y="860370"/>
+            <a:ext cx="8452987" cy="1308050"/>
           </a:xfrm>
           <a:prstGeom prst="rect">
             <a:avLst/>
@@ -3029,9 +3029,25 @@
           </a:bodyPr>
           <a:lstStyle/>
           <a:p>
-            <a:pPr algn="ctr"/>
+            <a:pPr algn="ctr">
+              <a:spcAft>
+                <a:spcPts val="600"/>
+              </a:spcAft>
+            </a:pPr>
             <a:r>
               <a:rPr lang="uk-UA" sz="5000" b="1" dirty="0" smtClean="0">
+                <a:gradFill flip="none" rotWithShape="1">
+                  <a:gsLst>
+                    <a:gs pos="16000">
+                      <a:srgbClr val="276399"/>
+                    </a:gs>
+                    <a:gs pos="100000">
+                      <a:srgbClr val="5380FF"/>
+                    </a:gs>
+                  </a:gsLst>
+                  <a:lin ang="18900000" scaled="1"/>
+                  <a:tileRect/>
+                </a:gradFill>
                 <a:latin typeface="Segoe Print" panose="02000600000000000000" pitchFamily="2" charset="0"/>
                 <a:ea typeface="Open Sans" panose="020B0606030504020204" pitchFamily="34" charset="0"/>
                 <a:cs typeface="Open Sans" panose="020B0606030504020204" pitchFamily="34" charset="0"/>
@@ -3043,6 +3059,24 @@
             <a:pPr algn="ctr"/>
             <a:r>
               <a:rPr lang="uk-UA" sz="2400" dirty="0" smtClean="0">
+                <a:gradFill flip="none" rotWithShape="1">
+                  <a:gsLst>
+                    <a:gs pos="0">
+                      <a:schemeClr val="tx1">
+                        <a:lumMod val="95000"/>
+                        <a:lumOff val="5000"/>
+                      </a:schemeClr>
+                    </a:gs>
+                    <a:gs pos="100000">
+                      <a:schemeClr val="tx1">
+                        <a:lumMod val="65000"/>
+                        <a:lumOff val="35000"/>
+                      </a:schemeClr>
+                    </a:gs>
+                  </a:gsLst>
+                  <a:lin ang="18900000" scaled="1"/>
+                  <a:tileRect/>
+                </a:gradFill>
                 <a:latin typeface="Segoe Print" panose="02000600000000000000" pitchFamily="2" charset="0"/>
                 <a:ea typeface="Open Sans" panose="020B0606030504020204" pitchFamily="34" charset="0"/>
                 <a:cs typeface="Open Sans" panose="020B0606030504020204" pitchFamily="34" charset="0"/>
@@ -3050,6 +3084,24 @@
               <a:t>Виконала учениця 23 групи</a:t>
             </a:r>
             <a:endParaRPr lang="uk-UA" sz="2000" dirty="0" smtClean="0">
+              <a:gradFill flip="none" rotWithShape="1">
+                <a:gsLst>
+                  <a:gs pos="0">
+                    <a:schemeClr val="tx1">
+                      <a:lumMod val="95000"/>
+                      <a:lumOff val="5000"/>
+                    </a:schemeClr>
+                  </a:gs>
+                  <a:gs pos="100000">
+                    <a:schemeClr val="tx1">
+                      <a:lumMod val="65000"/>
+                      <a:lumOff val="35000"/>
+                    </a:schemeClr>
+                  </a:gs>
+                </a:gsLst>
+                <a:lin ang="18900000" scaled="1"/>
+                <a:tileRect/>
+              </a:gradFill>
               <a:latin typeface="Segoe Print" panose="02000600000000000000" pitchFamily="2" charset="0"/>
               <a:ea typeface="Open Sans" panose="020B0606030504020204" pitchFamily="34" charset="0"/>
               <a:cs typeface="Open Sans" panose="020B0606030504020204" pitchFamily="34" charset="0"/>
@@ -3067,6 +3119,9 @@
   <p:clrMapOvr>
     <a:masterClrMapping/>
   </p:clrMapOvr>
+  <p:transition spd="med">
+    <p:pull/>
+  </p:transition>
   <p:timing>
     <p:tnLst>
       <p:par>
@@ -3104,6 +3159,9 @@
   <p:clrMapOvr>
     <a:masterClrMapping/>
   </p:clrMapOvr>
+  <p:transition spd="med">
+    <p:pull/>
+  </p:transition>
   <p:timing>
     <p:tnLst>
       <p:par>
@@ -3141,6 +3199,9 @@
   <p:clrMapOvr>
     <a:masterClrMapping/>
   </p:clrMapOvr>
+  <p:transition spd="med">
+    <p:pull/>
+  </p:transition>
   <p:timing>
     <p:tnLst>
       <p:par>
@@ -3178,6 +3239,9 @@
   <p:clrMapOvr>
     <a:masterClrMapping/>
   </p:clrMapOvr>
+  <p:transition spd="med">
+    <p:pull/>
+  </p:transition>
   <p:timing>
     <p:tnLst>
       <p:par>
@@ -3215,6 +3279,9 @@
   <p:clrMapOvr>
     <a:masterClrMapping/>
   </p:clrMapOvr>
+  <p:transition spd="med">
+    <p:pull/>
+  </p:transition>
   <p:timing>
     <p:tnLst>
       <p:par>
@@ -3252,6 +3319,9 @@
   <p:clrMapOvr>
     <a:masterClrMapping/>
   </p:clrMapOvr>
+  <p:transition spd="med">
+    <p:pull/>
+  </p:transition>
   <p:timing>
     <p:tnLst>
       <p:par>
@@ -3289,6 +3359,9 @@
   <p:clrMapOvr>
     <a:masterClrMapping/>
   </p:clrMapOvr>
+  <p:transition spd="med">
+    <p:pull/>
+  </p:transition>
   <p:timing>
     <p:tnLst>
       <p:par>
@@ -3326,6 +3399,9 @@
   <p:clrMapOvr>
     <a:masterClrMapping/>
   </p:clrMapOvr>
+  <p:transition spd="med">
+    <p:pull/>
+  </p:transition>
   <p:timing>
     <p:tnLst>
       <p:par>
@@ -3363,6 +3439,9 @@
   <p:clrMapOvr>
     <a:masterClrMapping/>
   </p:clrMapOvr>
+  <p:transition spd="med">
+    <p:pull/>
+  </p:transition>
   <p:timing>
     <p:tnLst>
       <p:par>
@@ -3400,6 +3479,9 @@
   <p:clrMapOvr>
     <a:masterClrMapping/>
   </p:clrMapOvr>
+  <p:transition spd="med">
+    <p:pull/>
+  </p:transition>
   <p:timing>
     <p:tnLst>
       <p:par>
@@ -3429,7 +3511,7 @@
       </p:grpSpPr>
       <p:sp>
         <p:nvSpPr>
-          <p:cNvPr id="3" name="TextBox 2"/>
+          <p:cNvPr id="5" name="TextBox 4"/>
           <p:cNvSpPr txBox="1"/>
           <p:nvPr/>
         </p:nvSpPr>
@@ -3455,12 +3537,10 @@
                 <a:gradFill flip="none" rotWithShape="1">
                   <a:gsLst>
                     <a:gs pos="0">
-                      <a:srgbClr val="5A8B39">
-                        <a:lumMod val="100000"/>
-                      </a:srgbClr>
+                      <a:srgbClr val="229633"/>
                     </a:gs>
                     <a:gs pos="100000">
-                      <a:srgbClr val="8BCD43"/>
+                      <a:srgbClr val="85CA3A"/>
                     </a:gs>
                   </a:gsLst>
                   <a:lin ang="18900000" scaled="1"/>
@@ -3476,12 +3556,10 @@
               <a:gradFill flip="none" rotWithShape="1">
                 <a:gsLst>
                   <a:gs pos="0">
-                    <a:srgbClr val="5A8B39">
-                      <a:lumMod val="100000"/>
-                    </a:srgbClr>
+                    <a:srgbClr val="229633"/>
                   </a:gs>
                   <a:gs pos="100000">
-                    <a:srgbClr val="8BCD43"/>
+                    <a:srgbClr val="85CA3A"/>
                   </a:gs>
                 </a:gsLst>
                 <a:lin ang="18900000" scaled="1"/>
@@ -3504,6 +3582,9 @@
   <p:clrMapOvr>
     <a:masterClrMapping/>
   </p:clrMapOvr>
+  <p:transition spd="med">
+    <p:pull/>
+  </p:transition>
   <p:timing>
     <p:tnLst>
       <p:par>
@@ -3585,12 +3666,10 @@
                 <a:gradFill flip="none" rotWithShape="1">
                   <a:gsLst>
                     <a:gs pos="0">
-                      <a:srgbClr val="5A8B39">
-                        <a:lumMod val="100000"/>
-                      </a:srgbClr>
+                      <a:srgbClr val="229633"/>
                     </a:gs>
                     <a:gs pos="100000">
-                      <a:srgbClr val="8BCD43"/>
+                      <a:srgbClr val="85CA3A"/>
                     </a:gs>
                   </a:gsLst>
                   <a:lin ang="18900000" scaled="1"/>
@@ -3602,25 +3681,6 @@
               </a:rPr>
               <a:t>Резюме</a:t>
             </a:r>
-            <a:endParaRPr lang="uk-UA" sz="5000" b="1" dirty="0" smtClean="0">
-              <a:gradFill flip="none" rotWithShape="1">
-                <a:gsLst>
-                  <a:gs pos="0">
-                    <a:srgbClr val="5A8B39">
-                      <a:lumMod val="100000"/>
-                    </a:srgbClr>
-                  </a:gs>
-                  <a:gs pos="100000">
-                    <a:srgbClr val="8BCD43"/>
-                  </a:gs>
-                </a:gsLst>
-                <a:lin ang="18900000" scaled="1"/>
-                <a:tileRect/>
-              </a:gradFill>
-              <a:latin typeface="Segoe Print" panose="02000600000000000000" pitchFamily="2" charset="0"/>
-              <a:ea typeface="Open Sans" panose="020B0606030504020204" pitchFamily="34" charset="0"/>
-              <a:cs typeface="Open Sans" panose="020B0606030504020204" pitchFamily="34" charset="0"/>
-            </a:endParaRPr>
           </a:p>
         </p:txBody>
       </p:sp>
@@ -3634,6 +3694,9 @@
   <p:clrMapOvr>
     <a:masterClrMapping/>
   </p:clrMapOvr>
+  <p:transition spd="med">
+    <p:pull/>
+  </p:transition>
   <p:timing>
     <p:tnLst>
       <p:par>
@@ -3686,17 +3749,24 @@
             <a:pPr algn="ctr"/>
             <a:r>
               <a:rPr lang="uk-UA" sz="5000" b="1" dirty="0" smtClean="0">
+                <a:gradFill flip="none" rotWithShape="1">
+                  <a:gsLst>
+                    <a:gs pos="16000">
+                      <a:srgbClr val="276399"/>
+                    </a:gs>
+                    <a:gs pos="100000">
+                      <a:srgbClr val="5380FF"/>
+                    </a:gs>
+                  </a:gsLst>
+                  <a:lin ang="18900000" scaled="1"/>
+                  <a:tileRect/>
+                </a:gradFill>
                 <a:latin typeface="Segoe Print" panose="02000600000000000000" pitchFamily="2" charset="0"/>
                 <a:ea typeface="Open Sans" panose="020B0606030504020204" pitchFamily="34" charset="0"/>
                 <a:cs typeface="Open Sans" panose="020B0606030504020204" pitchFamily="34" charset="0"/>
               </a:rPr>
               <a:t>Дякую за увагу!</a:t>
             </a:r>
-            <a:endParaRPr lang="uk-UA" sz="5000" b="1" dirty="0" smtClean="0">
-              <a:latin typeface="Segoe Print" panose="02000600000000000000" pitchFamily="2" charset="0"/>
-              <a:ea typeface="Open Sans" panose="020B0606030504020204" pitchFamily="34" charset="0"/>
-              <a:cs typeface="Open Sans" panose="020B0606030504020204" pitchFamily="34" charset="0"/>
-            </a:endParaRPr>
           </a:p>
         </p:txBody>
       </p:sp>
@@ -3710,6 +3780,9 @@
   <p:clrMapOvr>
     <a:masterClrMapping/>
   </p:clrMapOvr>
+  <p:transition spd="med">
+    <p:pull/>
+  </p:transition>
   <p:timing>
     <p:tnLst>
       <p:par>
@@ -3737,6 +3810,69 @@
           <a:chExt cx="0" cy="0"/>
         </a:xfrm>
       </p:grpSpPr>
+      <p:sp>
+        <p:nvSpPr>
+          <p:cNvPr id="2" name="TextBox 1"/>
+          <p:cNvSpPr txBox="1"/>
+          <p:nvPr/>
+        </p:nvSpPr>
+        <p:spPr>
+          <a:xfrm>
+            <a:off x="1869507" y="210979"/>
+            <a:ext cx="8452987" cy="861774"/>
+          </a:xfrm>
+          <a:prstGeom prst="rect">
+            <a:avLst/>
+          </a:prstGeom>
+          <a:noFill/>
+        </p:spPr>
+        <p:txBody>
+          <a:bodyPr wrap="square" rtlCol="0" anchor="ctr">
+            <a:spAutoFit/>
+          </a:bodyPr>
+          <a:lstStyle/>
+          <a:p>
+            <a:pPr algn="ctr"/>
+            <a:r>
+              <a:rPr lang="uk-UA" sz="5000" b="1" dirty="0" smtClean="0">
+                <a:gradFill flip="none" rotWithShape="1">
+                  <a:gsLst>
+                    <a:gs pos="0">
+                      <a:srgbClr val="229633"/>
+                    </a:gs>
+                    <a:gs pos="100000">
+                      <a:srgbClr val="85CA3A"/>
+                    </a:gs>
+                  </a:gsLst>
+                  <a:lin ang="18900000" scaled="1"/>
+                  <a:tileRect/>
+                </a:gradFill>
+                <a:latin typeface="Segoe Print" panose="02000600000000000000" pitchFamily="2" charset="0"/>
+                <a:ea typeface="Open Sans" panose="020B0606030504020204" pitchFamily="34" charset="0"/>
+                <a:cs typeface="Open Sans" panose="020B0606030504020204" pitchFamily="34" charset="0"/>
+              </a:rPr>
+              <a:t>Зміст</a:t>
+            </a:r>
+            <a:endParaRPr lang="uk-UA" sz="5000" b="1" dirty="0" smtClean="0">
+              <a:gradFill flip="none" rotWithShape="1">
+                <a:gsLst>
+                  <a:gs pos="0">
+                    <a:srgbClr val="229633"/>
+                  </a:gs>
+                  <a:gs pos="100000">
+                    <a:srgbClr val="85CA3A"/>
+                  </a:gs>
+                </a:gsLst>
+                <a:lin ang="18900000" scaled="1"/>
+                <a:tileRect/>
+              </a:gradFill>
+              <a:latin typeface="Segoe Print" panose="02000600000000000000" pitchFamily="2" charset="0"/>
+              <a:ea typeface="Open Sans" panose="020B0606030504020204" pitchFamily="34" charset="0"/>
+              <a:cs typeface="Open Sans" panose="020B0606030504020204" pitchFamily="34" charset="0"/>
+            </a:endParaRPr>
+          </a:p>
+        </p:txBody>
+      </p:sp>
     </p:spTree>
     <p:extLst>
       <p:ext uri="{BB962C8B-B14F-4D97-AF65-F5344CB8AC3E}">
@@ -3747,6 +3883,9 @@
   <p:clrMapOvr>
     <a:masterClrMapping/>
   </p:clrMapOvr>
+  <p:transition spd="med">
+    <p:pull/>
+  </p:transition>
   <p:timing>
     <p:tnLst>
       <p:par>
@@ -3784,6 +3923,9 @@
   <p:clrMapOvr>
     <a:masterClrMapping/>
   </p:clrMapOvr>
+  <p:transition spd="med">
+    <p:pull/>
+  </p:transition>
   <p:timing>
     <p:tnLst>
       <p:par>
@@ -3821,6 +3963,9 @@
   <p:clrMapOvr>
     <a:masterClrMapping/>
   </p:clrMapOvr>
+  <p:transition spd="med">
+    <p:pull/>
+  </p:transition>
   <p:timing>
     <p:tnLst>
       <p:par>
@@ -3858,6 +4003,9 @@
   <p:clrMapOvr>
     <a:masterClrMapping/>
   </p:clrMapOvr>
+  <p:transition spd="med">
+    <p:pull/>
+  </p:transition>
   <p:timing>
     <p:tnLst>
       <p:par>
@@ -3895,6 +4043,9 @@
   <p:clrMapOvr>
     <a:masterClrMapping/>
   </p:clrMapOvr>
+  <p:transition spd="med">
+    <p:pull/>
+  </p:transition>
   <p:timing>
     <p:tnLst>
       <p:par>
@@ -3932,6 +4083,9 @@
   <p:clrMapOvr>
     <a:masterClrMapping/>
   </p:clrMapOvr>
+  <p:transition spd="med">
+    <p:pull/>
+  </p:transition>
   <p:timing>
     <p:tnLst>
       <p:par>
@@ -3969,6 +4123,9 @@
   <p:clrMapOvr>
     <a:masterClrMapping/>
   </p:clrMapOvr>
+  <p:transition spd="med">
+    <p:pull/>
+  </p:transition>
   <p:timing>
     <p:tnLst>
       <p:par>

--- a/diplomna.pptx
+++ b/diplomna.pptx
@@ -4,10 +4,13 @@
   <p:sldMasterIdLst>
     <p:sldMasterId id="2147483648" r:id="rId1"/>
   </p:sldMasterIdLst>
+  <p:notesMasterIdLst>
+    <p:notesMasterId r:id="rId22"/>
+  </p:notesMasterIdLst>
   <p:sldIdLst>
     <p:sldId id="276" r:id="rId2"/>
-    <p:sldId id="257" r:id="rId3"/>
-    <p:sldId id="258" r:id="rId4"/>
+    <p:sldId id="258" r:id="rId3"/>
+    <p:sldId id="257" r:id="rId4"/>
     <p:sldId id="259" r:id="rId5"/>
     <p:sldId id="260" r:id="rId6"/>
     <p:sldId id="261" r:id="rId7"/>
@@ -129,6 +132,440 @@
     </p:ext>
   </p:extLst>
 </p:presentation>
+</file>
+
+<file path=ppt/notesMasters/notesMaster1.xml><?xml version="1.0" encoding="utf-8"?>
+<p:notesMaster xmlns:a="http://schemas.openxmlformats.org/drawingml/2006/main" xmlns:r="http://schemas.openxmlformats.org/officeDocument/2006/relationships" xmlns:p="http://schemas.openxmlformats.org/presentationml/2006/main">
+  <p:cSld>
+    <p:bg>
+      <p:bgRef idx="1001">
+        <a:schemeClr val="bg1"/>
+      </p:bgRef>
+    </p:bg>
+    <p:spTree>
+      <p:nvGrpSpPr>
+        <p:cNvPr id="1" name=""/>
+        <p:cNvGrpSpPr/>
+        <p:nvPr/>
+      </p:nvGrpSpPr>
+      <p:grpSpPr>
+        <a:xfrm>
+          <a:off x="0" y="0"/>
+          <a:ext cx="0" cy="0"/>
+          <a:chOff x="0" y="0"/>
+          <a:chExt cx="0" cy="0"/>
+        </a:xfrm>
+      </p:grpSpPr>
+      <p:sp>
+        <p:nvSpPr>
+          <p:cNvPr id="2" name="Верхний колонтитул 1"/>
+          <p:cNvSpPr>
+            <a:spLocks noGrp="1"/>
+          </p:cNvSpPr>
+          <p:nvPr>
+            <p:ph type="hdr" sz="quarter"/>
+          </p:nvPr>
+        </p:nvSpPr>
+        <p:spPr>
+          <a:xfrm>
+            <a:off x="0" y="0"/>
+            <a:ext cx="2971800" cy="458788"/>
+          </a:xfrm>
+          <a:prstGeom prst="rect">
+            <a:avLst/>
+          </a:prstGeom>
+        </p:spPr>
+        <p:txBody>
+          <a:bodyPr vert="horz" lIns="91440" tIns="45720" rIns="91440" bIns="45720" rtlCol="0"/>
+          <a:lstStyle>
+            <a:lvl1pPr algn="l">
+              <a:defRPr sz="1200"/>
+            </a:lvl1pPr>
+          </a:lstStyle>
+          <a:p>
+            <a:endParaRPr lang="ru-RU"/>
+          </a:p>
+        </p:txBody>
+      </p:sp>
+      <p:sp>
+        <p:nvSpPr>
+          <p:cNvPr id="3" name="Дата 2"/>
+          <p:cNvSpPr>
+            <a:spLocks noGrp="1"/>
+          </p:cNvSpPr>
+          <p:nvPr>
+            <p:ph type="dt" idx="1"/>
+          </p:nvPr>
+        </p:nvSpPr>
+        <p:spPr>
+          <a:xfrm>
+            <a:off x="3884613" y="0"/>
+            <a:ext cx="2971800" cy="458788"/>
+          </a:xfrm>
+          <a:prstGeom prst="rect">
+            <a:avLst/>
+          </a:prstGeom>
+        </p:spPr>
+        <p:txBody>
+          <a:bodyPr vert="horz" lIns="91440" tIns="45720" rIns="91440" bIns="45720" rtlCol="0"/>
+          <a:lstStyle>
+            <a:lvl1pPr algn="r">
+              <a:defRPr sz="1200"/>
+            </a:lvl1pPr>
+          </a:lstStyle>
+          <a:p>
+            <a:fld id="{34ECBCA9-90F6-4EB5-BA36-98AE7DDCEFD0}" type="datetimeFigureOut">
+              <a:rPr lang="ru-RU" smtClean="0"/>
+              <a:t>26.02.2021</a:t>
+            </a:fld>
+            <a:endParaRPr lang="ru-RU"/>
+          </a:p>
+        </p:txBody>
+      </p:sp>
+      <p:sp>
+        <p:nvSpPr>
+          <p:cNvPr id="4" name="Образ слайда 3"/>
+          <p:cNvSpPr>
+            <a:spLocks noGrp="1" noRot="1" noChangeAspect="1"/>
+          </p:cNvSpPr>
+          <p:nvPr>
+            <p:ph type="sldImg" idx="2"/>
+          </p:nvPr>
+        </p:nvSpPr>
+        <p:spPr>
+          <a:xfrm>
+            <a:off x="685800" y="1143000"/>
+            <a:ext cx="5486400" cy="3086100"/>
+          </a:xfrm>
+          <a:prstGeom prst="rect">
+            <a:avLst/>
+          </a:prstGeom>
+          <a:noFill/>
+          <a:ln w="12700">
+            <a:solidFill>
+              <a:prstClr val="black"/>
+            </a:solidFill>
+          </a:ln>
+        </p:spPr>
+        <p:txBody>
+          <a:bodyPr vert="horz" lIns="91440" tIns="45720" rIns="91440" bIns="45720" rtlCol="0" anchor="ctr"/>
+          <a:lstStyle/>
+          <a:p>
+            <a:endParaRPr lang="ru-RU"/>
+          </a:p>
+        </p:txBody>
+      </p:sp>
+      <p:sp>
+        <p:nvSpPr>
+          <p:cNvPr id="5" name="Заметки 4"/>
+          <p:cNvSpPr>
+            <a:spLocks noGrp="1"/>
+          </p:cNvSpPr>
+          <p:nvPr>
+            <p:ph type="body" sz="quarter" idx="3"/>
+          </p:nvPr>
+        </p:nvSpPr>
+        <p:spPr>
+          <a:xfrm>
+            <a:off x="685800" y="4400550"/>
+            <a:ext cx="5486400" cy="3600450"/>
+          </a:xfrm>
+          <a:prstGeom prst="rect">
+            <a:avLst/>
+          </a:prstGeom>
+        </p:spPr>
+        <p:txBody>
+          <a:bodyPr vert="horz" lIns="91440" tIns="45720" rIns="91440" bIns="45720" rtlCol="0"/>
+          <a:lstStyle/>
+          <a:p>
+            <a:pPr lvl="0"/>
+            <a:r>
+              <a:rPr lang="ru-RU" smtClean="0"/>
+              <a:t>Образец текста</a:t>
+            </a:r>
+          </a:p>
+          <a:p>
+            <a:pPr lvl="1"/>
+            <a:r>
+              <a:rPr lang="ru-RU" smtClean="0"/>
+              <a:t>Второй уровень</a:t>
+            </a:r>
+          </a:p>
+          <a:p>
+            <a:pPr lvl="2"/>
+            <a:r>
+              <a:rPr lang="ru-RU" smtClean="0"/>
+              <a:t>Третий уровень</a:t>
+            </a:r>
+          </a:p>
+          <a:p>
+            <a:pPr lvl="3"/>
+            <a:r>
+              <a:rPr lang="ru-RU" smtClean="0"/>
+              <a:t>Четвертый уровень</a:t>
+            </a:r>
+          </a:p>
+          <a:p>
+            <a:pPr lvl="4"/>
+            <a:r>
+              <a:rPr lang="ru-RU" smtClean="0"/>
+              <a:t>Пятый уровень</a:t>
+            </a:r>
+            <a:endParaRPr lang="ru-RU"/>
+          </a:p>
+        </p:txBody>
+      </p:sp>
+      <p:sp>
+        <p:nvSpPr>
+          <p:cNvPr id="6" name="Нижний колонтитул 5"/>
+          <p:cNvSpPr>
+            <a:spLocks noGrp="1"/>
+          </p:cNvSpPr>
+          <p:nvPr>
+            <p:ph type="ftr" sz="quarter" idx="4"/>
+          </p:nvPr>
+        </p:nvSpPr>
+        <p:spPr>
+          <a:xfrm>
+            <a:off x="0" y="8685213"/>
+            <a:ext cx="2971800" cy="458787"/>
+          </a:xfrm>
+          <a:prstGeom prst="rect">
+            <a:avLst/>
+          </a:prstGeom>
+        </p:spPr>
+        <p:txBody>
+          <a:bodyPr vert="horz" lIns="91440" tIns="45720" rIns="91440" bIns="45720" rtlCol="0" anchor="b"/>
+          <a:lstStyle>
+            <a:lvl1pPr algn="l">
+              <a:defRPr sz="1200"/>
+            </a:lvl1pPr>
+          </a:lstStyle>
+          <a:p>
+            <a:endParaRPr lang="ru-RU"/>
+          </a:p>
+        </p:txBody>
+      </p:sp>
+      <p:sp>
+        <p:nvSpPr>
+          <p:cNvPr id="7" name="Номер слайда 6"/>
+          <p:cNvSpPr>
+            <a:spLocks noGrp="1"/>
+          </p:cNvSpPr>
+          <p:nvPr>
+            <p:ph type="sldNum" sz="quarter" idx="5"/>
+          </p:nvPr>
+        </p:nvSpPr>
+        <p:spPr>
+          <a:xfrm>
+            <a:off x="3884613" y="8685213"/>
+            <a:ext cx="2971800" cy="458787"/>
+          </a:xfrm>
+          <a:prstGeom prst="rect">
+            <a:avLst/>
+          </a:prstGeom>
+        </p:spPr>
+        <p:txBody>
+          <a:bodyPr vert="horz" lIns="91440" tIns="45720" rIns="91440" bIns="45720" rtlCol="0" anchor="b"/>
+          <a:lstStyle>
+            <a:lvl1pPr algn="r">
+              <a:defRPr sz="1200"/>
+            </a:lvl1pPr>
+          </a:lstStyle>
+          <a:p>
+            <a:fld id="{79024C78-B403-4BD1-9BD3-26ABC0EFA0C5}" type="slidenum">
+              <a:rPr lang="ru-RU" smtClean="0"/>
+              <a:t>‹#›</a:t>
+            </a:fld>
+            <a:endParaRPr lang="ru-RU"/>
+          </a:p>
+        </p:txBody>
+      </p:sp>
+    </p:spTree>
+    <p:extLst>
+      <p:ext uri="{BB962C8B-B14F-4D97-AF65-F5344CB8AC3E}">
+        <p14:creationId xmlns:p14="http://schemas.microsoft.com/office/powerpoint/2010/main" val="571422458"/>
+      </p:ext>
+    </p:extLst>
+  </p:cSld>
+  <p:clrMap bg1="lt1" tx1="dk1" bg2="lt2" tx2="dk2" accent1="accent1" accent2="accent2" accent3="accent3" accent4="accent4" accent5="accent5" accent6="accent6" hlink="hlink" folHlink="folHlink"/>
+  <p:notesStyle>
+    <a:lvl1pPr marL="0" algn="l" defTabSz="914400" rtl="0" eaLnBrk="1" latinLnBrk="0" hangingPunct="1">
+      <a:defRPr sz="1200" kern="1200">
+        <a:solidFill>
+          <a:schemeClr val="tx1"/>
+        </a:solidFill>
+        <a:latin typeface="+mn-lt"/>
+        <a:ea typeface="+mn-ea"/>
+        <a:cs typeface="+mn-cs"/>
+      </a:defRPr>
+    </a:lvl1pPr>
+    <a:lvl2pPr marL="457200" algn="l" defTabSz="914400" rtl="0" eaLnBrk="1" latinLnBrk="0" hangingPunct="1">
+      <a:defRPr sz="1200" kern="1200">
+        <a:solidFill>
+          <a:schemeClr val="tx1"/>
+        </a:solidFill>
+        <a:latin typeface="+mn-lt"/>
+        <a:ea typeface="+mn-ea"/>
+        <a:cs typeface="+mn-cs"/>
+      </a:defRPr>
+    </a:lvl2pPr>
+    <a:lvl3pPr marL="914400" algn="l" defTabSz="914400" rtl="0" eaLnBrk="1" latinLnBrk="0" hangingPunct="1">
+      <a:defRPr sz="1200" kern="1200">
+        <a:solidFill>
+          <a:schemeClr val="tx1"/>
+        </a:solidFill>
+        <a:latin typeface="+mn-lt"/>
+        <a:ea typeface="+mn-ea"/>
+        <a:cs typeface="+mn-cs"/>
+      </a:defRPr>
+    </a:lvl3pPr>
+    <a:lvl4pPr marL="1371600" algn="l" defTabSz="914400" rtl="0" eaLnBrk="1" latinLnBrk="0" hangingPunct="1">
+      <a:defRPr sz="1200" kern="1200">
+        <a:solidFill>
+          <a:schemeClr val="tx1"/>
+        </a:solidFill>
+        <a:latin typeface="+mn-lt"/>
+        <a:ea typeface="+mn-ea"/>
+        <a:cs typeface="+mn-cs"/>
+      </a:defRPr>
+    </a:lvl4pPr>
+    <a:lvl5pPr marL="1828800" algn="l" defTabSz="914400" rtl="0" eaLnBrk="1" latinLnBrk="0" hangingPunct="1">
+      <a:defRPr sz="1200" kern="1200">
+        <a:solidFill>
+          <a:schemeClr val="tx1"/>
+        </a:solidFill>
+        <a:latin typeface="+mn-lt"/>
+        <a:ea typeface="+mn-ea"/>
+        <a:cs typeface="+mn-cs"/>
+      </a:defRPr>
+    </a:lvl5pPr>
+    <a:lvl6pPr marL="2286000" algn="l" defTabSz="914400" rtl="0" eaLnBrk="1" latinLnBrk="0" hangingPunct="1">
+      <a:defRPr sz="1200" kern="1200">
+        <a:solidFill>
+          <a:schemeClr val="tx1"/>
+        </a:solidFill>
+        <a:latin typeface="+mn-lt"/>
+        <a:ea typeface="+mn-ea"/>
+        <a:cs typeface="+mn-cs"/>
+      </a:defRPr>
+    </a:lvl6pPr>
+    <a:lvl7pPr marL="2743200" algn="l" defTabSz="914400" rtl="0" eaLnBrk="1" latinLnBrk="0" hangingPunct="1">
+      <a:defRPr sz="1200" kern="1200">
+        <a:solidFill>
+          <a:schemeClr val="tx1"/>
+        </a:solidFill>
+        <a:latin typeface="+mn-lt"/>
+        <a:ea typeface="+mn-ea"/>
+        <a:cs typeface="+mn-cs"/>
+      </a:defRPr>
+    </a:lvl7pPr>
+    <a:lvl8pPr marL="3200400" algn="l" defTabSz="914400" rtl="0" eaLnBrk="1" latinLnBrk="0" hangingPunct="1">
+      <a:defRPr sz="1200" kern="1200">
+        <a:solidFill>
+          <a:schemeClr val="tx1"/>
+        </a:solidFill>
+        <a:latin typeface="+mn-lt"/>
+        <a:ea typeface="+mn-ea"/>
+        <a:cs typeface="+mn-cs"/>
+      </a:defRPr>
+    </a:lvl8pPr>
+    <a:lvl9pPr marL="3657600" algn="l" defTabSz="914400" rtl="0" eaLnBrk="1" latinLnBrk="0" hangingPunct="1">
+      <a:defRPr sz="1200" kern="1200">
+        <a:solidFill>
+          <a:schemeClr val="tx1"/>
+        </a:solidFill>
+        <a:latin typeface="+mn-lt"/>
+        <a:ea typeface="+mn-ea"/>
+        <a:cs typeface="+mn-cs"/>
+      </a:defRPr>
+    </a:lvl9pPr>
+  </p:notesStyle>
+</p:notesMaster>
+</file>
+
+<file path=ppt/notesSlides/notesSlide1.xml><?xml version="1.0" encoding="utf-8"?>
+<p:notes xmlns:a="http://schemas.openxmlformats.org/drawingml/2006/main" xmlns:r="http://schemas.openxmlformats.org/officeDocument/2006/relationships" xmlns:p="http://schemas.openxmlformats.org/presentationml/2006/main">
+  <p:cSld>
+    <p:spTree>
+      <p:nvGrpSpPr>
+        <p:cNvPr id="1" name=""/>
+        <p:cNvGrpSpPr/>
+        <p:nvPr/>
+      </p:nvGrpSpPr>
+      <p:grpSpPr>
+        <a:xfrm>
+          <a:off x="0" y="0"/>
+          <a:ext cx="0" cy="0"/>
+          <a:chOff x="0" y="0"/>
+          <a:chExt cx="0" cy="0"/>
+        </a:xfrm>
+      </p:grpSpPr>
+      <p:sp>
+        <p:nvSpPr>
+          <p:cNvPr id="2" name="Образ слайда 1"/>
+          <p:cNvSpPr>
+            <a:spLocks noGrp="1" noRot="1" noChangeAspect="1"/>
+          </p:cNvSpPr>
+          <p:nvPr>
+            <p:ph type="sldImg"/>
+          </p:nvPr>
+        </p:nvSpPr>
+        <p:spPr/>
+      </p:sp>
+      <p:sp>
+        <p:nvSpPr>
+          <p:cNvPr id="3" name="Заметки 2"/>
+          <p:cNvSpPr>
+            <a:spLocks noGrp="1"/>
+          </p:cNvSpPr>
+          <p:nvPr>
+            <p:ph type="body" idx="1"/>
+          </p:nvPr>
+        </p:nvSpPr>
+        <p:spPr/>
+        <p:txBody>
+          <a:bodyPr/>
+          <a:lstStyle/>
+          <a:p>
+            <a:endParaRPr lang="ru-RU" dirty="0"/>
+          </a:p>
+        </p:txBody>
+      </p:sp>
+      <p:sp>
+        <p:nvSpPr>
+          <p:cNvPr id="4" name="Номер слайда 3"/>
+          <p:cNvSpPr>
+            <a:spLocks noGrp="1"/>
+          </p:cNvSpPr>
+          <p:nvPr>
+            <p:ph type="sldNum" sz="quarter" idx="10"/>
+          </p:nvPr>
+        </p:nvSpPr>
+        <p:spPr/>
+        <p:txBody>
+          <a:bodyPr/>
+          <a:lstStyle/>
+          <a:p>
+            <a:fld id="{79024C78-B403-4BD1-9BD3-26ABC0EFA0C5}" type="slidenum">
+              <a:rPr lang="ru-RU" smtClean="0"/>
+              <a:t>3</a:t>
+            </a:fld>
+            <a:endParaRPr lang="ru-RU"/>
+          </a:p>
+        </p:txBody>
+      </p:sp>
+    </p:spTree>
+    <p:extLst>
+      <p:ext uri="{BB962C8B-B14F-4D97-AF65-F5344CB8AC3E}">
+        <p14:creationId xmlns:p14="http://schemas.microsoft.com/office/powerpoint/2010/main" val="4232312718"/>
+      </p:ext>
+    </p:extLst>
+  </p:cSld>
+  <p:clrMapOvr>
+    <a:masterClrMapping/>
+  </p:clrMapOvr>
+</p:notes>
 </file>
 
 <file path=ppt/slideLayouts/slideLayout1.xml><?xml version="1.0" encoding="utf-8"?>
@@ -3015,8 +3452,8 @@
         </p:nvSpPr>
         <p:spPr>
           <a:xfrm>
-            <a:off x="1869507" y="860370"/>
-            <a:ext cx="8452987" cy="1308050"/>
+            <a:off x="1087154" y="1200305"/>
+            <a:ext cx="10017693" cy="1800493"/>
           </a:xfrm>
           <a:prstGeom prst="rect">
             <a:avLst/>
@@ -3035,7 +3472,7 @@
               </a:spcAft>
             </a:pPr>
             <a:r>
-              <a:rPr lang="uk-UA" sz="5000" b="1" dirty="0" smtClean="0">
+              <a:rPr lang="uk-UA" sz="5400" b="1" dirty="0" smtClean="0">
                 <a:gradFill flip="none" rotWithShape="1">
                   <a:gsLst>
                     <a:gs pos="16000">
@@ -3058,10 +3495,10 @@
           <a:p>
             <a:pPr algn="ctr"/>
             <a:r>
-              <a:rPr lang="uk-UA" sz="2400" dirty="0" smtClean="0">
+              <a:rPr lang="uk-UA" sz="2800" dirty="0" smtClean="0">
                 <a:gradFill flip="none" rotWithShape="1">
                   <a:gsLst>
-                    <a:gs pos="0">
+                    <a:gs pos="5000">
                       <a:schemeClr val="tx1">
                         <a:lumMod val="95000"/>
                         <a:lumOff val="5000"/>
@@ -3081,12 +3518,67 @@
                 <a:ea typeface="Open Sans" panose="020B0606030504020204" pitchFamily="34" charset="0"/>
                 <a:cs typeface="Open Sans" panose="020B0606030504020204" pitchFamily="34" charset="0"/>
               </a:rPr>
-              <a:t>Виконала учениця 23 групи</a:t>
-            </a:r>
-            <a:endParaRPr lang="uk-UA" sz="2000" dirty="0" smtClean="0">
+              <a:t>Виконала учениця 23 </a:t>
+            </a:r>
+            <a:r>
+              <a:rPr lang="uk-UA" sz="2800" dirty="0" smtClean="0">
+                <a:gradFill flip="none" rotWithShape="1">
+                  <a:gsLst>
+                    <a:gs pos="5000">
+                      <a:schemeClr val="tx1">
+                        <a:lumMod val="95000"/>
+                        <a:lumOff val="5000"/>
+                      </a:schemeClr>
+                    </a:gs>
+                    <a:gs pos="100000">
+                      <a:schemeClr val="tx1">
+                        <a:lumMod val="65000"/>
+                        <a:lumOff val="35000"/>
+                      </a:schemeClr>
+                    </a:gs>
+                  </a:gsLst>
+                  <a:lin ang="18900000" scaled="1"/>
+                  <a:tileRect/>
+                </a:gradFill>
+                <a:latin typeface="Segoe Print" panose="02000600000000000000" pitchFamily="2" charset="0"/>
+                <a:ea typeface="Open Sans" panose="020B0606030504020204" pitchFamily="34" charset="0"/>
+                <a:cs typeface="Open Sans" panose="020B0606030504020204" pitchFamily="34" charset="0"/>
+              </a:rPr>
+              <a:t>групи</a:t>
+            </a:r>
+          </a:p>
+          <a:p>
+            <a:pPr algn="ctr"/>
+            <a:r>
+              <a:rPr lang="uk-UA" sz="2400" dirty="0">
+                <a:gradFill flip="none" rotWithShape="1">
+                  <a:gsLst>
+                    <a:gs pos="5000">
+                      <a:schemeClr val="tx1">
+                        <a:lumMod val="95000"/>
+                        <a:lumOff val="5000"/>
+                      </a:schemeClr>
+                    </a:gs>
+                    <a:gs pos="100000">
+                      <a:schemeClr val="tx1">
+                        <a:lumMod val="65000"/>
+                        <a:lumOff val="35000"/>
+                      </a:schemeClr>
+                    </a:gs>
+                  </a:gsLst>
+                  <a:lin ang="18900000" scaled="1"/>
+                  <a:tileRect/>
+                </a:gradFill>
+                <a:latin typeface="Segoe Print" panose="02000600000000000000" pitchFamily="2" charset="0"/>
+                <a:ea typeface="Open Sans" panose="020B0606030504020204" pitchFamily="34" charset="0"/>
+                <a:cs typeface="Open Sans" panose="020B0606030504020204" pitchFamily="34" charset="0"/>
+              </a:rPr>
+              <a:t>Гончарук Катерина Олександрівна</a:t>
+            </a:r>
+            <a:endParaRPr lang="uk-UA" sz="2400" dirty="0" smtClean="0">
               <a:gradFill flip="none" rotWithShape="1">
                 <a:gsLst>
-                  <a:gs pos="0">
+                  <a:gs pos="5000">
                     <a:schemeClr val="tx1">
                       <a:lumMod val="95000"/>
                       <a:lumOff val="5000"/>
@@ -3552,23 +4044,6 @@
               </a:rPr>
               <a:t>Ризики</a:t>
             </a:r>
-            <a:endParaRPr lang="uk-UA" sz="5000" b="1" dirty="0" smtClean="0">
-              <a:gradFill flip="none" rotWithShape="1">
-                <a:gsLst>
-                  <a:gs pos="0">
-                    <a:srgbClr val="229633"/>
-                  </a:gs>
-                  <a:gs pos="100000">
-                    <a:srgbClr val="85CA3A"/>
-                  </a:gs>
-                </a:gsLst>
-                <a:lin ang="18900000" scaled="1"/>
-                <a:tileRect/>
-              </a:gradFill>
-              <a:latin typeface="Segoe Print" panose="02000600000000000000" pitchFamily="2" charset="0"/>
-              <a:ea typeface="Open Sans" panose="020B0606030504020204" pitchFamily="34" charset="0"/>
-              <a:cs typeface="Open Sans" panose="020B0606030504020204" pitchFamily="34" charset="0"/>
-            </a:endParaRPr>
           </a:p>
         </p:txBody>
       </p:sp>
@@ -3620,32 +4095,6 @@
         </p:nvSpPr>
         <p:spPr>
           <a:xfrm>
-            <a:off x="885825" y="457200"/>
-            <a:ext cx="10015538" cy="369332"/>
-          </a:xfrm>
-          <a:prstGeom prst="rect">
-            <a:avLst/>
-          </a:prstGeom>
-          <a:noFill/>
-        </p:spPr>
-        <p:txBody>
-          <a:bodyPr wrap="square" rtlCol="0">
-            <a:spAutoFit/>
-          </a:bodyPr>
-          <a:lstStyle/>
-          <a:p>
-            <a:endParaRPr lang="ru-RU" dirty="0"/>
-          </a:p>
-        </p:txBody>
-      </p:sp>
-      <p:sp>
-        <p:nvSpPr>
-          <p:cNvPr id="3" name="TextBox 2"/>
-          <p:cNvSpPr txBox="1"/>
-          <p:nvPr/>
-        </p:nvSpPr>
-        <p:spPr>
-          <a:xfrm>
             <a:off x="1869507" y="210979"/>
             <a:ext cx="8452987" cy="861774"/>
           </a:xfrm>
@@ -3679,7 +4128,7 @@
                 <a:ea typeface="Open Sans" panose="020B0606030504020204" pitchFamily="34" charset="0"/>
                 <a:cs typeface="Open Sans" panose="020B0606030504020204" pitchFamily="34" charset="0"/>
               </a:rPr>
-              <a:t>Резюме</a:t>
+              <a:t>Зміст</a:t>
             </a:r>
           </a:p>
         </p:txBody>
@@ -3687,7 +4136,7 @@
     </p:spTree>
     <p:extLst>
       <p:ext uri="{BB962C8B-B14F-4D97-AF65-F5344CB8AC3E}">
-        <p14:creationId xmlns:p14="http://schemas.microsoft.com/office/powerpoint/2010/main" val="1368415126"/>
+        <p14:creationId xmlns:p14="http://schemas.microsoft.com/office/powerpoint/2010/main" val="3182662516"/>
       </p:ext>
     </p:extLst>
   </p:cSld>
@@ -3812,7 +4261,7 @@
       </p:grpSpPr>
       <p:sp>
         <p:nvSpPr>
-          <p:cNvPr id="2" name="TextBox 1"/>
+          <p:cNvPr id="3" name="TextBox 2"/>
           <p:cNvSpPr txBox="1"/>
           <p:nvPr/>
         </p:nvSpPr>
@@ -3851,24 +4300,121 @@
                 <a:ea typeface="Open Sans" panose="020B0606030504020204" pitchFamily="34" charset="0"/>
                 <a:cs typeface="Open Sans" panose="020B0606030504020204" pitchFamily="34" charset="0"/>
               </a:rPr>
-              <a:t>Зміст</a:t>
-            </a:r>
-            <a:endParaRPr lang="uk-UA" sz="5000" b="1" dirty="0" smtClean="0">
-              <a:gradFill flip="none" rotWithShape="1">
-                <a:gsLst>
-                  <a:gs pos="0">
-                    <a:srgbClr val="229633"/>
-                  </a:gs>
-                  <a:gs pos="100000">
-                    <a:srgbClr val="85CA3A"/>
-                  </a:gs>
-                </a:gsLst>
-                <a:lin ang="18900000" scaled="1"/>
-                <a:tileRect/>
-              </a:gradFill>
-              <a:latin typeface="Segoe Print" panose="02000600000000000000" pitchFamily="2" charset="0"/>
-              <a:ea typeface="Open Sans" panose="020B0606030504020204" pitchFamily="34" charset="0"/>
-              <a:cs typeface="Open Sans" panose="020B0606030504020204" pitchFamily="34" charset="0"/>
+              <a:t>Резюме</a:t>
+            </a:r>
+          </a:p>
+        </p:txBody>
+      </p:sp>
+      <p:sp>
+        <p:nvSpPr>
+          <p:cNvPr id="4" name="TextBox 3"/>
+          <p:cNvSpPr txBox="1"/>
+          <p:nvPr/>
+        </p:nvSpPr>
+        <p:spPr>
+          <a:xfrm>
+            <a:off x="336000" y="1072753"/>
+            <a:ext cx="11520000" cy="4524315"/>
+          </a:xfrm>
+          <a:prstGeom prst="rect">
+            <a:avLst/>
+          </a:prstGeom>
+          <a:noFill/>
+        </p:spPr>
+        <p:txBody>
+          <a:bodyPr wrap="square" rtlCol="0">
+            <a:spAutoFit/>
+          </a:bodyPr>
+          <a:lstStyle/>
+          <a:p>
+            <a:pPr algn="just"/>
+            <a:r>
+              <a:rPr lang="uk-UA" sz="2400" dirty="0" smtClean="0">
+                <a:latin typeface="Tahoma" panose="020B0604030504040204" pitchFamily="34" charset="0"/>
+                <a:ea typeface="Tahoma" panose="020B0604030504040204" pitchFamily="34" charset="0"/>
+                <a:cs typeface="Tahoma" panose="020B0604030504040204" pitchFamily="34" charset="0"/>
+              </a:rPr>
+              <a:t>Мета: Відкриття салону краси в м. Бар, здатного надати жителям міста високоякісні послуги по догляду за шкірою, обличчям, і тілом, а також перукарські послуги. Розрахунок фінансової моделі проведений для салону краси, розташованого в районі міста Бар. Потенційні клієнти салону - городяни із середнім достатком, переважно жінки віком від 25 до 40 років і старше, а також чоловіки і діти.</a:t>
+            </a:r>
+          </a:p>
+          <a:p>
+            <a:endParaRPr lang="uk-UA" sz="2400" dirty="0" smtClean="0">
+              <a:latin typeface="Tahoma" panose="020B0604030504040204" pitchFamily="34" charset="0"/>
+              <a:ea typeface="Tahoma" panose="020B0604030504040204" pitchFamily="34" charset="0"/>
+              <a:cs typeface="Tahoma" panose="020B0604030504040204" pitchFamily="34" charset="0"/>
+            </a:endParaRPr>
+          </a:p>
+          <a:p>
+            <a:r>
+              <a:rPr lang="uk-UA" sz="2400" dirty="0" smtClean="0">
+                <a:latin typeface="Tahoma" panose="020B0604030504040204" pitchFamily="34" charset="0"/>
+                <a:ea typeface="Tahoma" panose="020B0604030504040204" pitchFamily="34" charset="0"/>
+                <a:cs typeface="Tahoma" panose="020B0604030504040204" pitchFamily="34" charset="0"/>
+              </a:rPr>
+              <a:t>Основними послугами салону краси є:</a:t>
+            </a:r>
+          </a:p>
+          <a:p>
+            <a:pPr marL="342900" indent="-342900" algn="just">
+              <a:buFont typeface="Wingdings" panose="05000000000000000000" pitchFamily="2" charset="2"/>
+              <a:buChar char="Ø"/>
+            </a:pPr>
+            <a:r>
+              <a:rPr lang="uk-UA" sz="2400" dirty="0" smtClean="0">
+                <a:latin typeface="Tahoma" panose="020B0604030504040204" pitchFamily="34" charset="0"/>
+                <a:ea typeface="Tahoma" panose="020B0604030504040204" pitchFamily="34" charset="0"/>
+                <a:cs typeface="Tahoma" panose="020B0604030504040204" pitchFamily="34" charset="0"/>
+              </a:rPr>
+              <a:t>Перукарські послуги (чоловіча, жіноча, дитяча стрижка);</a:t>
+            </a:r>
+          </a:p>
+          <a:p>
+            <a:pPr marL="342900" indent="-342900" algn="just">
+              <a:buFont typeface="Wingdings" panose="05000000000000000000" pitchFamily="2" charset="2"/>
+              <a:buChar char="Ø"/>
+            </a:pPr>
+            <a:r>
+              <a:rPr lang="uk-UA" sz="2400" dirty="0" smtClean="0">
+                <a:latin typeface="Tahoma" panose="020B0604030504040204" pitchFamily="34" charset="0"/>
+                <a:ea typeface="Tahoma" panose="020B0604030504040204" pitchFamily="34" charset="0"/>
+                <a:cs typeface="Tahoma" panose="020B0604030504040204" pitchFamily="34" charset="0"/>
+              </a:rPr>
+              <a:t>Манікюр та педикюр (догляд, нарощування, дизайн, корекція);</a:t>
+            </a:r>
+          </a:p>
+          <a:p>
+            <a:pPr marL="342900" indent="-342900" algn="just">
+              <a:buFont typeface="Wingdings" panose="05000000000000000000" pitchFamily="2" charset="2"/>
+              <a:buChar char="Ø"/>
+            </a:pPr>
+            <a:r>
+              <a:rPr lang="uk-UA" sz="2400" dirty="0" smtClean="0">
+                <a:latin typeface="Tahoma" panose="020B0604030504040204" pitchFamily="34" charset="0"/>
+                <a:ea typeface="Tahoma" panose="020B0604030504040204" pitchFamily="34" charset="0"/>
+                <a:cs typeface="Tahoma" panose="020B0604030504040204" pitchFamily="34" charset="0"/>
+              </a:rPr>
+              <a:t>Косметологічні послуги (догляд за шкірою і чистка обличчя, догляд за бровами, догляд за віями, </a:t>
+            </a:r>
+            <a:r>
+              <a:rPr lang="uk-UA" sz="2400" dirty="0" err="1" smtClean="0">
+                <a:latin typeface="Tahoma" panose="020B0604030504040204" pitchFamily="34" charset="0"/>
+                <a:ea typeface="Tahoma" panose="020B0604030504040204" pitchFamily="34" charset="0"/>
+                <a:cs typeface="Tahoma" panose="020B0604030504040204" pitchFamily="34" charset="0"/>
+              </a:rPr>
+              <a:t>демакияж</a:t>
+            </a:r>
+            <a:r>
+              <a:rPr lang="uk-UA" sz="2400" dirty="0" smtClean="0">
+                <a:latin typeface="Tahoma" panose="020B0604030504040204" pitchFamily="34" charset="0"/>
+                <a:ea typeface="Tahoma" panose="020B0604030504040204" pitchFamily="34" charset="0"/>
+                <a:cs typeface="Tahoma" panose="020B0604030504040204" pitchFamily="34" charset="0"/>
+              </a:rPr>
+              <a:t>);</a:t>
+            </a:r>
+            <a:endParaRPr lang="uk-UA" sz="2400" dirty="0">
+              <a:latin typeface="Tahoma" panose="020B0604030504040204" pitchFamily="34" charset="0"/>
+              <a:ea typeface="Tahoma" panose="020B0604030504040204" pitchFamily="34" charset="0"/>
+              <a:cs typeface="Tahoma" panose="020B0604030504040204" pitchFamily="34" charset="0"/>
             </a:endParaRPr>
           </a:p>
         </p:txBody>
@@ -3876,7 +4422,7 @@
     </p:spTree>
     <p:extLst>
       <p:ext uri="{BB962C8B-B14F-4D97-AF65-F5344CB8AC3E}">
-        <p14:creationId xmlns:p14="http://schemas.microsoft.com/office/powerpoint/2010/main" val="3182662516"/>
+        <p14:creationId xmlns:p14="http://schemas.microsoft.com/office/powerpoint/2010/main" val="1368415126"/>
       </p:ext>
     </p:extLst>
   </p:cSld>
@@ -4395,4 +4941,265 @@
     </a:ext>
   </a:extLst>
 </a:theme>
+</file>
+
+<file path=ppt/theme/theme2.xml><?xml version="1.0" encoding="utf-8"?>
+<a:theme xmlns:a="http://schemas.openxmlformats.org/drawingml/2006/main" name="Тема Office">
+  <a:themeElements>
+    <a:clrScheme name="Стандартная">
+      <a:dk1>
+        <a:sysClr val="windowText" lastClr="000000"/>
+      </a:dk1>
+      <a:lt1>
+        <a:sysClr val="window" lastClr="FFFFFF"/>
+      </a:lt1>
+      <a:dk2>
+        <a:srgbClr val="44546A"/>
+      </a:dk2>
+      <a:lt2>
+        <a:srgbClr val="E7E6E6"/>
+      </a:lt2>
+      <a:accent1>
+        <a:srgbClr val="5B9BD5"/>
+      </a:accent1>
+      <a:accent2>
+        <a:srgbClr val="ED7D31"/>
+      </a:accent2>
+      <a:accent3>
+        <a:srgbClr val="A5A5A5"/>
+      </a:accent3>
+      <a:accent4>
+        <a:srgbClr val="FFC000"/>
+      </a:accent4>
+      <a:accent5>
+        <a:srgbClr val="4472C4"/>
+      </a:accent5>
+      <a:accent6>
+        <a:srgbClr val="70AD47"/>
+      </a:accent6>
+      <a:hlink>
+        <a:srgbClr val="0563C1"/>
+      </a:hlink>
+      <a:folHlink>
+        <a:srgbClr val="954F72"/>
+      </a:folHlink>
+    </a:clrScheme>
+    <a:fontScheme name="Стандартная">
+      <a:majorFont>
+        <a:latin typeface="Calibri Light" panose="020F0302020204030204"/>
+        <a:ea typeface=""/>
+        <a:cs typeface=""/>
+        <a:font script="Jpan" typeface="ＭＳ Ｐゴシック"/>
+        <a:font script="Hang" typeface="맑은 고딕"/>
+        <a:font script="Hans" typeface="宋体"/>
+        <a:font script="Hant" typeface="新細明體"/>
+        <a:font script="Arab" typeface="Times New Roman"/>
+        <a:font script="Hebr" typeface="Times New Roman"/>
+        <a:font script="Thai" typeface="Angsana New"/>
+        <a:font script="Ethi" typeface="Nyala"/>
+        <a:font script="Beng" typeface="Vrinda"/>
+        <a:font script="Gujr" typeface="Shruti"/>
+        <a:font script="Khmr" typeface="MoolBoran"/>
+        <a:font script="Knda" typeface="Tunga"/>
+        <a:font script="Guru" typeface="Raavi"/>
+        <a:font script="Cans" typeface="Euphemia"/>
+        <a:font script="Cher" typeface="Plantagenet Cherokee"/>
+        <a:font script="Yiii" typeface="Microsoft Yi Baiti"/>
+        <a:font script="Tibt" typeface="Microsoft Himalaya"/>
+        <a:font script="Thaa" typeface="MV Boli"/>
+        <a:font script="Deva" typeface="Mangal"/>
+        <a:font script="Telu" typeface="Gautami"/>
+        <a:font script="Taml" typeface="Latha"/>
+        <a:font script="Syrc" typeface="Estrangelo Edessa"/>
+        <a:font script="Orya" typeface="Kalinga"/>
+        <a:font script="Mlym" typeface="Kartika"/>
+        <a:font script="Laoo" typeface="DokChampa"/>
+        <a:font script="Sinh" typeface="Iskoola Pota"/>
+        <a:font script="Mong" typeface="Mongolian Baiti"/>
+        <a:font script="Viet" typeface="Times New Roman"/>
+        <a:font script="Uigh" typeface="Microsoft Uighur"/>
+        <a:font script="Geor" typeface="Sylfaen"/>
+      </a:majorFont>
+      <a:minorFont>
+        <a:latin typeface="Calibri" panose="020F0502020204030204"/>
+        <a:ea typeface=""/>
+        <a:cs typeface=""/>
+        <a:font script="Jpan" typeface="ＭＳ Ｐゴシック"/>
+        <a:font script="Hang" typeface="맑은 고딕"/>
+        <a:font script="Hans" typeface="宋体"/>
+        <a:font script="Hant" typeface="新細明體"/>
+        <a:font script="Arab" typeface="Arial"/>
+        <a:font script="Hebr" typeface="Arial"/>
+        <a:font script="Thai" typeface="Cordia New"/>
+        <a:font script="Ethi" typeface="Nyala"/>
+        <a:font script="Beng" typeface="Vrinda"/>
+        <a:font script="Gujr" typeface="Shruti"/>
+        <a:font script="Khmr" typeface="DaunPenh"/>
+        <a:font script="Knda" typeface="Tunga"/>
+        <a:font script="Guru" typeface="Raavi"/>
+        <a:font script="Cans" typeface="Euphemia"/>
+        <a:font script="Cher" typeface="Plantagenet Cherokee"/>
+        <a:font script="Yiii" typeface="Microsoft Yi Baiti"/>
+        <a:font script="Tibt" typeface="Microsoft Himalaya"/>
+        <a:font script="Thaa" typeface="MV Boli"/>
+        <a:font script="Deva" typeface="Mangal"/>
+        <a:font script="Telu" typeface="Gautami"/>
+        <a:font script="Taml" typeface="Latha"/>
+        <a:font script="Syrc" typeface="Estrangelo Edessa"/>
+        <a:font script="Orya" typeface="Kalinga"/>
+        <a:font script="Mlym" typeface="Kartika"/>
+        <a:font script="Laoo" typeface="DokChampa"/>
+        <a:font script="Sinh" typeface="Iskoola Pota"/>
+        <a:font script="Mong" typeface="Mongolian Baiti"/>
+        <a:font script="Viet" typeface="Arial"/>
+        <a:font script="Uigh" typeface="Microsoft Uighur"/>
+        <a:font script="Geor" typeface="Sylfaen"/>
+      </a:minorFont>
+    </a:fontScheme>
+    <a:fmtScheme name="Стандартная">
+      <a:fillStyleLst>
+        <a:solidFill>
+          <a:schemeClr val="phClr"/>
+        </a:solidFill>
+        <a:gradFill rotWithShape="1">
+          <a:gsLst>
+            <a:gs pos="0">
+              <a:schemeClr val="phClr">
+                <a:lumMod val="110000"/>
+                <a:satMod val="105000"/>
+                <a:tint val="67000"/>
+              </a:schemeClr>
+            </a:gs>
+            <a:gs pos="50000">
+              <a:schemeClr val="phClr">
+                <a:lumMod val="105000"/>
+                <a:satMod val="103000"/>
+                <a:tint val="73000"/>
+              </a:schemeClr>
+            </a:gs>
+            <a:gs pos="100000">
+              <a:schemeClr val="phClr">
+                <a:lumMod val="105000"/>
+                <a:satMod val="109000"/>
+                <a:tint val="81000"/>
+              </a:schemeClr>
+            </a:gs>
+          </a:gsLst>
+          <a:lin ang="5400000" scaled="0"/>
+        </a:gradFill>
+        <a:gradFill rotWithShape="1">
+          <a:gsLst>
+            <a:gs pos="0">
+              <a:schemeClr val="phClr">
+                <a:satMod val="103000"/>
+                <a:lumMod val="102000"/>
+                <a:tint val="94000"/>
+              </a:schemeClr>
+            </a:gs>
+            <a:gs pos="50000">
+              <a:schemeClr val="phClr">
+                <a:satMod val="110000"/>
+                <a:lumMod val="100000"/>
+                <a:shade val="100000"/>
+              </a:schemeClr>
+            </a:gs>
+            <a:gs pos="100000">
+              <a:schemeClr val="phClr">
+                <a:lumMod val="99000"/>
+                <a:satMod val="120000"/>
+                <a:shade val="78000"/>
+              </a:schemeClr>
+            </a:gs>
+          </a:gsLst>
+          <a:lin ang="5400000" scaled="0"/>
+        </a:gradFill>
+      </a:fillStyleLst>
+      <a:lnStyleLst>
+        <a:ln w="6350" cap="flat" cmpd="sng" algn="ctr">
+          <a:solidFill>
+            <a:schemeClr val="phClr"/>
+          </a:solidFill>
+          <a:prstDash val="solid"/>
+          <a:miter lim="800000"/>
+        </a:ln>
+        <a:ln w="12700" cap="flat" cmpd="sng" algn="ctr">
+          <a:solidFill>
+            <a:schemeClr val="phClr"/>
+          </a:solidFill>
+          <a:prstDash val="solid"/>
+          <a:miter lim="800000"/>
+        </a:ln>
+        <a:ln w="19050" cap="flat" cmpd="sng" algn="ctr">
+          <a:solidFill>
+            <a:schemeClr val="phClr"/>
+          </a:solidFill>
+          <a:prstDash val="solid"/>
+          <a:miter lim="800000"/>
+        </a:ln>
+      </a:lnStyleLst>
+      <a:effectStyleLst>
+        <a:effectStyle>
+          <a:effectLst/>
+        </a:effectStyle>
+        <a:effectStyle>
+          <a:effectLst/>
+        </a:effectStyle>
+        <a:effectStyle>
+          <a:effectLst>
+            <a:outerShdw blurRad="57150" dist="19050" dir="5400000" algn="ctr" rotWithShape="0">
+              <a:srgbClr val="000000">
+                <a:alpha val="63000"/>
+              </a:srgbClr>
+            </a:outerShdw>
+          </a:effectLst>
+        </a:effectStyle>
+      </a:effectStyleLst>
+      <a:bgFillStyleLst>
+        <a:solidFill>
+          <a:schemeClr val="phClr"/>
+        </a:solidFill>
+        <a:solidFill>
+          <a:schemeClr val="phClr">
+            <a:tint val="95000"/>
+            <a:satMod val="170000"/>
+          </a:schemeClr>
+        </a:solidFill>
+        <a:gradFill rotWithShape="1">
+          <a:gsLst>
+            <a:gs pos="0">
+              <a:schemeClr val="phClr">
+                <a:tint val="93000"/>
+                <a:satMod val="150000"/>
+                <a:shade val="98000"/>
+                <a:lumMod val="102000"/>
+              </a:schemeClr>
+            </a:gs>
+            <a:gs pos="50000">
+              <a:schemeClr val="phClr">
+                <a:tint val="98000"/>
+                <a:satMod val="130000"/>
+                <a:shade val="90000"/>
+                <a:lumMod val="103000"/>
+              </a:schemeClr>
+            </a:gs>
+            <a:gs pos="100000">
+              <a:schemeClr val="phClr">
+                <a:shade val="63000"/>
+                <a:satMod val="120000"/>
+              </a:schemeClr>
+            </a:gs>
+          </a:gsLst>
+          <a:lin ang="5400000" scaled="0"/>
+        </a:gradFill>
+      </a:bgFillStyleLst>
+    </a:fmtScheme>
+  </a:themeElements>
+  <a:objectDefaults/>
+  <a:extraClrSchemeLst/>
+  <a:extLst>
+    <a:ext uri="{05A4C25C-085E-4340-85A3-A5531E510DB2}">
+      <thm15:themeFamily xmlns:thm15="http://schemas.microsoft.com/office/thememl/2012/main" name="Office Theme" id="{62F939B6-93AF-4DB8-9C6B-D6C7DFDC589F}" vid="{4A3C46E8-61CC-4603-A589-7422A47A8E4A}"/>
+    </a:ext>
+  </a:extLst>
+</a:theme>
 </file>
--- a/diplomna.pptx
+++ b/diplomna.pptx
@@ -3518,33 +3518,7 @@
                 <a:ea typeface="Open Sans" panose="020B0606030504020204" pitchFamily="34" charset="0"/>
                 <a:cs typeface="Open Sans" panose="020B0606030504020204" pitchFamily="34" charset="0"/>
               </a:rPr>
-              <a:t>Виконала учениця 23 </a:t>
-            </a:r>
-            <a:r>
-              <a:rPr lang="uk-UA" sz="2800" dirty="0" smtClean="0">
-                <a:gradFill flip="none" rotWithShape="1">
-                  <a:gsLst>
-                    <a:gs pos="5000">
-                      <a:schemeClr val="tx1">
-                        <a:lumMod val="95000"/>
-                        <a:lumOff val="5000"/>
-                      </a:schemeClr>
-                    </a:gs>
-                    <a:gs pos="100000">
-                      <a:schemeClr val="tx1">
-                        <a:lumMod val="65000"/>
-                        <a:lumOff val="35000"/>
-                      </a:schemeClr>
-                    </a:gs>
-                  </a:gsLst>
-                  <a:lin ang="18900000" scaled="1"/>
-                  <a:tileRect/>
-                </a:gradFill>
-                <a:latin typeface="Segoe Print" panose="02000600000000000000" pitchFamily="2" charset="0"/>
-                <a:ea typeface="Open Sans" panose="020B0606030504020204" pitchFamily="34" charset="0"/>
-                <a:cs typeface="Open Sans" panose="020B0606030504020204" pitchFamily="34" charset="0"/>
-              </a:rPr>
-              <a:t>групи</a:t>
+              <a:t>Виконала учениця 23 групи</a:t>
             </a:r>
           </a:p>
           <a:p>
@@ -4459,6 +4433,976 @@
           <a:chExt cx="0" cy="0"/>
         </a:xfrm>
       </p:grpSpPr>
+      <p:sp>
+        <p:nvSpPr>
+          <p:cNvPr id="2" name="TextBox 1"/>
+          <p:cNvSpPr txBox="1"/>
+          <p:nvPr/>
+        </p:nvSpPr>
+        <p:spPr>
+          <a:xfrm>
+            <a:off x="1869507" y="210979"/>
+            <a:ext cx="8452987" cy="861774"/>
+          </a:xfrm>
+          <a:prstGeom prst="rect">
+            <a:avLst/>
+          </a:prstGeom>
+          <a:noFill/>
+        </p:spPr>
+        <p:txBody>
+          <a:bodyPr wrap="square" rtlCol="0" anchor="ctr">
+            <a:spAutoFit/>
+          </a:bodyPr>
+          <a:lstStyle/>
+          <a:p>
+            <a:pPr algn="ctr"/>
+            <a:r>
+              <a:rPr lang="uk-UA" sz="5000" b="1" dirty="0" smtClean="0">
+                <a:gradFill flip="none" rotWithShape="1">
+                  <a:gsLst>
+                    <a:gs pos="0">
+                      <a:srgbClr val="229633"/>
+                    </a:gs>
+                    <a:gs pos="100000">
+                      <a:srgbClr val="85CA3A"/>
+                    </a:gs>
+                  </a:gsLst>
+                  <a:lin ang="18900000" scaled="1"/>
+                  <a:tileRect/>
+                </a:gradFill>
+                <a:latin typeface="Segoe Print" panose="02000600000000000000" pitchFamily="2" charset="0"/>
+                <a:ea typeface="Open Sans" panose="020B0606030504020204" pitchFamily="34" charset="0"/>
+                <a:cs typeface="Open Sans" panose="020B0606030504020204" pitchFamily="34" charset="0"/>
+              </a:rPr>
+              <a:t>Витрати на рекламу</a:t>
+            </a:r>
+            <a:endParaRPr lang="uk-UA" sz="5000" b="1" dirty="0" smtClean="0">
+              <a:gradFill flip="none" rotWithShape="1">
+                <a:gsLst>
+                  <a:gs pos="0">
+                    <a:srgbClr val="229633"/>
+                  </a:gs>
+                  <a:gs pos="100000">
+                    <a:srgbClr val="85CA3A"/>
+                  </a:gs>
+                </a:gsLst>
+                <a:lin ang="18900000" scaled="1"/>
+                <a:tileRect/>
+              </a:gradFill>
+              <a:latin typeface="Segoe Print" panose="02000600000000000000" pitchFamily="2" charset="0"/>
+              <a:ea typeface="Open Sans" panose="020B0606030504020204" pitchFamily="34" charset="0"/>
+              <a:cs typeface="Open Sans" panose="020B0606030504020204" pitchFamily="34" charset="0"/>
+            </a:endParaRPr>
+          </a:p>
+        </p:txBody>
+      </p:sp>
+      <p:graphicFrame>
+        <p:nvGraphicFramePr>
+          <p:cNvPr id="4" name="Таблица 3"/>
+          <p:cNvGraphicFramePr>
+            <a:graphicFrameLocks noGrp="1"/>
+          </p:cNvGraphicFramePr>
+          <p:nvPr>
+            <p:extLst>
+              <p:ext uri="{D42A27DB-BD31-4B8C-83A1-F6EECF244321}">
+                <p14:modId xmlns:p14="http://schemas.microsoft.com/office/powerpoint/2010/main" val="1476208578"/>
+              </p:ext>
+            </p:extLst>
+          </p:nvPr>
+        </p:nvGraphicFramePr>
+        <p:xfrm>
+          <a:off x="624000" y="1466676"/>
+          <a:ext cx="10944000" cy="4674858"/>
+        </p:xfrm>
+        <a:graphic>
+          <a:graphicData uri="http://schemas.openxmlformats.org/drawingml/2006/table">
+            <a:tbl>
+              <a:tblPr firstRow="1" bandRow="1">
+                <a:tableStyleId>{5C22544A-7EE6-4342-B048-85BDC9FD1C3A}</a:tableStyleId>
+              </a:tblPr>
+              <a:tblGrid>
+                <a:gridCol w="5040000"/>
+                <a:gridCol w="2016000"/>
+                <a:gridCol w="1944000"/>
+                <a:gridCol w="1944000"/>
+              </a:tblGrid>
+              <a:tr h="972000">
+                <a:tc>
+                  <a:txBody>
+                    <a:bodyPr/>
+                    <a:lstStyle/>
+                    <a:p>
+                      <a:pPr algn="ctr"/>
+                      <a:r>
+                        <a:rPr lang="uk-UA" sz="2400" dirty="0" smtClean="0">
+                          <a:solidFill>
+                            <a:schemeClr val="tx1"/>
+                          </a:solidFill>
+                          <a:latin typeface="Segoe Print" panose="02000600000000000000" pitchFamily="2" charset="0"/>
+                          <a:ea typeface="Open Sans" panose="020B0606030504020204" pitchFamily="34" charset="0"/>
+                          <a:cs typeface="Open Sans" panose="020B0606030504020204" pitchFamily="34" charset="0"/>
+                        </a:rPr>
+                        <a:t>Послуга</a:t>
+                      </a:r>
+                      <a:endParaRPr lang="ru-RU" sz="2400" dirty="0">
+                        <a:solidFill>
+                          <a:schemeClr val="tx1"/>
+                        </a:solidFill>
+                        <a:latin typeface="Segoe Print" panose="02000600000000000000" pitchFamily="2" charset="0"/>
+                        <a:ea typeface="Open Sans" panose="020B0606030504020204" pitchFamily="34" charset="0"/>
+                        <a:cs typeface="Open Sans" panose="020B0606030504020204" pitchFamily="34" charset="0"/>
+                      </a:endParaRPr>
+                    </a:p>
+                  </a:txBody>
+                  <a:tcPr anchor="ctr">
+                    <a:solidFill>
+                      <a:schemeClr val="accent6">
+                        <a:lumMod val="50000"/>
+                        <a:alpha val="40000"/>
+                      </a:schemeClr>
+                    </a:solidFill>
+                  </a:tcPr>
+                </a:tc>
+                <a:tc>
+                  <a:txBody>
+                    <a:bodyPr/>
+                    <a:lstStyle/>
+                    <a:p>
+                      <a:pPr algn="ctr"/>
+                      <a:r>
+                        <a:rPr lang="uk-UA" sz="2400" dirty="0" smtClean="0">
+                          <a:solidFill>
+                            <a:schemeClr val="tx1"/>
+                          </a:solidFill>
+                          <a:latin typeface="Segoe Print" panose="02000600000000000000" pitchFamily="2" charset="0"/>
+                          <a:ea typeface="Open Sans" panose="020B0606030504020204" pitchFamily="34" charset="0"/>
+                          <a:cs typeface="Open Sans" panose="020B0606030504020204" pitchFamily="34" charset="0"/>
+                        </a:rPr>
+                        <a:t>Вартість 1 шт.</a:t>
+                      </a:r>
+                      <a:endParaRPr lang="ru-RU" sz="2400" dirty="0">
+                        <a:solidFill>
+                          <a:schemeClr val="tx1"/>
+                        </a:solidFill>
+                        <a:latin typeface="Segoe Print" panose="02000600000000000000" pitchFamily="2" charset="0"/>
+                        <a:ea typeface="Open Sans" panose="020B0606030504020204" pitchFamily="34" charset="0"/>
+                        <a:cs typeface="Open Sans" panose="020B0606030504020204" pitchFamily="34" charset="0"/>
+                      </a:endParaRPr>
+                    </a:p>
+                  </a:txBody>
+                  <a:tcPr anchor="ctr">
+                    <a:solidFill>
+                      <a:schemeClr val="accent6">
+                        <a:lumMod val="50000"/>
+                        <a:alpha val="40000"/>
+                      </a:schemeClr>
+                    </a:solidFill>
+                  </a:tcPr>
+                </a:tc>
+                <a:tc>
+                  <a:txBody>
+                    <a:bodyPr/>
+                    <a:lstStyle/>
+                    <a:p>
+                      <a:pPr algn="ctr"/>
+                      <a:r>
+                        <a:rPr lang="uk-UA" sz="2400" dirty="0" smtClean="0">
+                          <a:solidFill>
+                            <a:schemeClr val="tx1"/>
+                          </a:solidFill>
+                          <a:latin typeface="Segoe Print" panose="02000600000000000000" pitchFamily="2" charset="0"/>
+                          <a:ea typeface="Open Sans" panose="020B0606030504020204" pitchFamily="34" charset="0"/>
+                          <a:cs typeface="Open Sans" panose="020B0606030504020204" pitchFamily="34" charset="0"/>
+                        </a:rPr>
+                        <a:t>Кількість</a:t>
+                      </a:r>
+                      <a:endParaRPr lang="ru-RU" sz="2400" dirty="0">
+                        <a:solidFill>
+                          <a:schemeClr val="tx1"/>
+                        </a:solidFill>
+                        <a:latin typeface="Segoe Print" panose="02000600000000000000" pitchFamily="2" charset="0"/>
+                        <a:ea typeface="Open Sans" panose="020B0606030504020204" pitchFamily="34" charset="0"/>
+                        <a:cs typeface="Open Sans" panose="020B0606030504020204" pitchFamily="34" charset="0"/>
+                      </a:endParaRPr>
+                    </a:p>
+                  </a:txBody>
+                  <a:tcPr anchor="ctr">
+                    <a:solidFill>
+                      <a:schemeClr val="accent6">
+                        <a:lumMod val="50000"/>
+                        <a:alpha val="40000"/>
+                      </a:schemeClr>
+                    </a:solidFill>
+                  </a:tcPr>
+                </a:tc>
+                <a:tc>
+                  <a:txBody>
+                    <a:bodyPr/>
+                    <a:lstStyle/>
+                    <a:p>
+                      <a:pPr algn="ctr"/>
+                      <a:r>
+                        <a:rPr lang="uk-UA" sz="2400" dirty="0" smtClean="0">
+                          <a:solidFill>
+                            <a:schemeClr val="tx1"/>
+                          </a:solidFill>
+                          <a:latin typeface="Segoe Print" panose="02000600000000000000" pitchFamily="2" charset="0"/>
+                          <a:ea typeface="Open Sans" panose="020B0606030504020204" pitchFamily="34" charset="0"/>
+                          <a:cs typeface="Open Sans" panose="020B0606030504020204" pitchFamily="34" charset="0"/>
+                        </a:rPr>
+                        <a:t>Вартість</a:t>
+                      </a:r>
+                      <a:endParaRPr lang="ru-RU" sz="2400" dirty="0">
+                        <a:solidFill>
+                          <a:schemeClr val="tx1"/>
+                        </a:solidFill>
+                        <a:latin typeface="Segoe Print" panose="02000600000000000000" pitchFamily="2" charset="0"/>
+                        <a:ea typeface="Open Sans" panose="020B0606030504020204" pitchFamily="34" charset="0"/>
+                        <a:cs typeface="Open Sans" panose="020B0606030504020204" pitchFamily="34" charset="0"/>
+                      </a:endParaRPr>
+                    </a:p>
+                  </a:txBody>
+                  <a:tcPr anchor="ctr">
+                    <a:solidFill>
+                      <a:schemeClr val="accent6">
+                        <a:lumMod val="50000"/>
+                        <a:alpha val="40000"/>
+                      </a:schemeClr>
+                    </a:solidFill>
+                  </a:tcPr>
+                </a:tc>
+              </a:tr>
+              <a:tr h="617143">
+                <a:tc>
+                  <a:txBody>
+                    <a:bodyPr/>
+                    <a:lstStyle/>
+                    <a:p>
+                      <a:pPr algn="l"/>
+                      <a:r>
+                        <a:rPr lang="uk-UA" sz="2200" b="1" i="0" dirty="0" smtClean="0">
+                          <a:latin typeface="Segoe Print" panose="02000600000000000000" pitchFamily="2" charset="0"/>
+                        </a:rPr>
+                        <a:t>Оголошення на дошках об’яв</a:t>
+                      </a:r>
+                      <a:endParaRPr lang="ru-RU" sz="2200" b="1" i="0" dirty="0">
+                        <a:latin typeface="Segoe Print" panose="02000600000000000000" pitchFamily="2" charset="0"/>
+                      </a:endParaRPr>
+                    </a:p>
+                  </a:txBody>
+                  <a:tcPr anchor="ctr">
+                    <a:solidFill>
+                      <a:schemeClr val="accent6">
+                        <a:lumMod val="40000"/>
+                        <a:lumOff val="60000"/>
+                        <a:alpha val="60000"/>
+                      </a:schemeClr>
+                    </a:solidFill>
+                  </a:tcPr>
+                </a:tc>
+                <a:tc>
+                  <a:txBody>
+                    <a:bodyPr/>
+                    <a:lstStyle/>
+                    <a:p>
+                      <a:pPr algn="ctr"/>
+                      <a:r>
+                        <a:rPr lang="uk-UA" sz="2000" dirty="0" smtClean="0">
+                          <a:latin typeface="Segoe Print" panose="02000600000000000000" pitchFamily="2" charset="0"/>
+                        </a:rPr>
+                        <a:t>6 грн</a:t>
+                      </a:r>
+                      <a:endParaRPr lang="ru-RU" sz="2000" dirty="0">
+                        <a:latin typeface="Segoe Print" panose="02000600000000000000" pitchFamily="2" charset="0"/>
+                      </a:endParaRPr>
+                    </a:p>
+                  </a:txBody>
+                  <a:tcPr anchor="ctr">
+                    <a:solidFill>
+                      <a:schemeClr val="accent6">
+                        <a:lumMod val="40000"/>
+                        <a:lumOff val="60000"/>
+                        <a:alpha val="60000"/>
+                      </a:schemeClr>
+                    </a:solidFill>
+                  </a:tcPr>
+                </a:tc>
+                <a:tc>
+                  <a:txBody>
+                    <a:bodyPr/>
+                    <a:lstStyle/>
+                    <a:p>
+                      <a:pPr algn="ctr"/>
+                      <a:r>
+                        <a:rPr lang="uk-UA" sz="2000" dirty="0" smtClean="0">
+                          <a:latin typeface="Segoe Print" panose="02000600000000000000" pitchFamily="2" charset="0"/>
+                        </a:rPr>
+                        <a:t>20</a:t>
+                      </a:r>
+                      <a:endParaRPr lang="ru-RU" sz="2000" dirty="0">
+                        <a:latin typeface="Segoe Print" panose="02000600000000000000" pitchFamily="2" charset="0"/>
+                      </a:endParaRPr>
+                    </a:p>
+                  </a:txBody>
+                  <a:tcPr anchor="ctr">
+                    <a:solidFill>
+                      <a:schemeClr val="accent6">
+                        <a:lumMod val="40000"/>
+                        <a:lumOff val="60000"/>
+                        <a:alpha val="60000"/>
+                      </a:schemeClr>
+                    </a:solidFill>
+                  </a:tcPr>
+                </a:tc>
+                <a:tc>
+                  <a:txBody>
+                    <a:bodyPr/>
+                    <a:lstStyle/>
+                    <a:p>
+                      <a:pPr algn="ctr"/>
+                      <a:r>
+                        <a:rPr lang="uk-UA" sz="2000" dirty="0" smtClean="0">
+                          <a:latin typeface="Segoe Print" panose="02000600000000000000" pitchFamily="2" charset="0"/>
+                        </a:rPr>
+                        <a:t>120</a:t>
+                      </a:r>
+                      <a:endParaRPr lang="ru-RU" sz="2000" dirty="0">
+                        <a:latin typeface="Segoe Print" panose="02000600000000000000" pitchFamily="2" charset="0"/>
+                      </a:endParaRPr>
+                    </a:p>
+                  </a:txBody>
+                  <a:tcPr anchor="ctr">
+                    <a:solidFill>
+                      <a:schemeClr val="accent6">
+                        <a:lumMod val="40000"/>
+                        <a:lumOff val="60000"/>
+                        <a:alpha val="60000"/>
+                      </a:schemeClr>
+                    </a:solidFill>
+                  </a:tcPr>
+                </a:tc>
+              </a:tr>
+              <a:tr h="617143">
+                <a:tc>
+                  <a:txBody>
+                    <a:bodyPr/>
+                    <a:lstStyle/>
+                    <a:p>
+                      <a:pPr algn="l"/>
+                      <a:r>
+                        <a:rPr lang="uk-UA" sz="2200" b="1" i="0" dirty="0" smtClean="0">
+                          <a:latin typeface="Segoe Print" panose="02000600000000000000" pitchFamily="2" charset="0"/>
+                        </a:rPr>
+                        <a:t>Вивіски</a:t>
+                      </a:r>
+                      <a:endParaRPr lang="ru-RU" sz="2200" b="1" i="0" dirty="0">
+                        <a:latin typeface="Segoe Print" panose="02000600000000000000" pitchFamily="2" charset="0"/>
+                      </a:endParaRPr>
+                    </a:p>
+                  </a:txBody>
+                  <a:tcPr anchor="ctr">
+                    <a:solidFill>
+                      <a:schemeClr val="accent6">
+                        <a:lumMod val="60000"/>
+                        <a:lumOff val="40000"/>
+                        <a:alpha val="60000"/>
+                      </a:schemeClr>
+                    </a:solidFill>
+                  </a:tcPr>
+                </a:tc>
+                <a:tc>
+                  <a:txBody>
+                    <a:bodyPr/>
+                    <a:lstStyle/>
+                    <a:p>
+                      <a:pPr algn="ctr"/>
+                      <a:r>
+                        <a:rPr lang="uk-UA" sz="2000" dirty="0" smtClean="0">
+                          <a:latin typeface="Segoe Print" panose="02000600000000000000" pitchFamily="2" charset="0"/>
+                        </a:rPr>
+                        <a:t>100 грн</a:t>
+                      </a:r>
+                      <a:endParaRPr lang="ru-RU" sz="2000" dirty="0">
+                        <a:latin typeface="Segoe Print" panose="02000600000000000000" pitchFamily="2" charset="0"/>
+                      </a:endParaRPr>
+                    </a:p>
+                  </a:txBody>
+                  <a:tcPr anchor="ctr">
+                    <a:solidFill>
+                      <a:schemeClr val="accent6">
+                        <a:lumMod val="60000"/>
+                        <a:lumOff val="40000"/>
+                        <a:alpha val="60000"/>
+                      </a:schemeClr>
+                    </a:solidFill>
+                  </a:tcPr>
+                </a:tc>
+                <a:tc>
+                  <a:txBody>
+                    <a:bodyPr/>
+                    <a:lstStyle/>
+                    <a:p>
+                      <a:pPr algn="ctr"/>
+                      <a:r>
+                        <a:rPr lang="uk-UA" sz="2000" dirty="0" smtClean="0">
+                          <a:latin typeface="Segoe Print" panose="02000600000000000000" pitchFamily="2" charset="0"/>
+                        </a:rPr>
+                        <a:t>4</a:t>
+                      </a:r>
+                      <a:endParaRPr lang="ru-RU" sz="2000" dirty="0">
+                        <a:latin typeface="Segoe Print" panose="02000600000000000000" pitchFamily="2" charset="0"/>
+                      </a:endParaRPr>
+                    </a:p>
+                  </a:txBody>
+                  <a:tcPr anchor="ctr">
+                    <a:solidFill>
+                      <a:schemeClr val="accent6">
+                        <a:lumMod val="60000"/>
+                        <a:lumOff val="40000"/>
+                        <a:alpha val="60000"/>
+                      </a:schemeClr>
+                    </a:solidFill>
+                  </a:tcPr>
+                </a:tc>
+                <a:tc>
+                  <a:txBody>
+                    <a:bodyPr/>
+                    <a:lstStyle/>
+                    <a:p>
+                      <a:pPr algn="ctr"/>
+                      <a:r>
+                        <a:rPr lang="uk-UA" sz="2000" dirty="0" smtClean="0">
+                          <a:latin typeface="Segoe Print" panose="02000600000000000000" pitchFamily="2" charset="0"/>
+                        </a:rPr>
+                        <a:t>400</a:t>
+                      </a:r>
+                      <a:endParaRPr lang="ru-RU" sz="2000" dirty="0">
+                        <a:latin typeface="Segoe Print" panose="02000600000000000000" pitchFamily="2" charset="0"/>
+                      </a:endParaRPr>
+                    </a:p>
+                  </a:txBody>
+                  <a:tcPr anchor="ctr">
+                    <a:solidFill>
+                      <a:schemeClr val="accent6">
+                        <a:lumMod val="60000"/>
+                        <a:lumOff val="40000"/>
+                        <a:alpha val="60000"/>
+                      </a:schemeClr>
+                    </a:solidFill>
+                  </a:tcPr>
+                </a:tc>
+              </a:tr>
+              <a:tr h="617143">
+                <a:tc>
+                  <a:txBody>
+                    <a:bodyPr/>
+                    <a:lstStyle/>
+                    <a:p>
+                      <a:pPr algn="l"/>
+                      <a:r>
+                        <a:rPr lang="uk-UA" sz="2200" b="1" i="0" dirty="0" smtClean="0">
+                          <a:latin typeface="Segoe Print" panose="02000600000000000000" pitchFamily="2" charset="0"/>
+                        </a:rPr>
+                        <a:t>Візитки</a:t>
+                      </a:r>
+                      <a:r>
+                        <a:rPr lang="uk-UA" sz="2200" b="1" i="0" baseline="0" dirty="0" smtClean="0">
+                          <a:latin typeface="Segoe Print" panose="02000600000000000000" pitchFamily="2" charset="0"/>
+                        </a:rPr>
+                        <a:t> клієнтам</a:t>
+                      </a:r>
+                      <a:endParaRPr lang="ru-RU" sz="2200" b="1" i="0" dirty="0">
+                        <a:latin typeface="Segoe Print" panose="02000600000000000000" pitchFamily="2" charset="0"/>
+                      </a:endParaRPr>
+                    </a:p>
+                  </a:txBody>
+                  <a:tcPr anchor="ctr">
+                    <a:solidFill>
+                      <a:schemeClr val="accent6">
+                        <a:lumMod val="40000"/>
+                        <a:lumOff val="60000"/>
+                        <a:alpha val="60000"/>
+                      </a:schemeClr>
+                    </a:solidFill>
+                  </a:tcPr>
+                </a:tc>
+                <a:tc>
+                  <a:txBody>
+                    <a:bodyPr/>
+                    <a:lstStyle/>
+                    <a:p>
+                      <a:pPr algn="ctr"/>
+                      <a:r>
+                        <a:rPr lang="uk-UA" sz="2000" dirty="0" smtClean="0">
+                          <a:latin typeface="Segoe Print" panose="02000600000000000000" pitchFamily="2" charset="0"/>
+                        </a:rPr>
+                        <a:t>2</a:t>
+                      </a:r>
+                      <a:r>
+                        <a:rPr lang="uk-UA" sz="2000" baseline="0" dirty="0" smtClean="0">
+                          <a:latin typeface="Segoe Print" panose="02000600000000000000" pitchFamily="2" charset="0"/>
+                        </a:rPr>
+                        <a:t> грн</a:t>
+                      </a:r>
+                      <a:endParaRPr lang="ru-RU" sz="2000" dirty="0">
+                        <a:latin typeface="Segoe Print" panose="02000600000000000000" pitchFamily="2" charset="0"/>
+                      </a:endParaRPr>
+                    </a:p>
+                  </a:txBody>
+                  <a:tcPr anchor="ctr">
+                    <a:solidFill>
+                      <a:schemeClr val="accent6">
+                        <a:lumMod val="40000"/>
+                        <a:lumOff val="60000"/>
+                        <a:alpha val="60000"/>
+                      </a:schemeClr>
+                    </a:solidFill>
+                  </a:tcPr>
+                </a:tc>
+                <a:tc>
+                  <a:txBody>
+                    <a:bodyPr/>
+                    <a:lstStyle/>
+                    <a:p>
+                      <a:pPr algn="ctr"/>
+                      <a:r>
+                        <a:rPr lang="uk-UA" sz="2000" dirty="0" smtClean="0">
+                          <a:latin typeface="Segoe Print" panose="02000600000000000000" pitchFamily="2" charset="0"/>
+                        </a:rPr>
+                        <a:t>1</a:t>
+                      </a:r>
+                      <a:r>
+                        <a:rPr lang="en-US" sz="2000" dirty="0" smtClean="0">
+                          <a:latin typeface="Segoe Print" panose="02000600000000000000" pitchFamily="2" charset="0"/>
+                        </a:rPr>
+                        <a:t> </a:t>
+                      </a:r>
+                      <a:r>
+                        <a:rPr lang="uk-UA" sz="2000" dirty="0" smtClean="0">
+                          <a:latin typeface="Segoe Print" panose="02000600000000000000" pitchFamily="2" charset="0"/>
+                        </a:rPr>
+                        <a:t>000</a:t>
+                      </a:r>
+                      <a:endParaRPr lang="ru-RU" sz="2000" dirty="0">
+                        <a:latin typeface="Segoe Print" panose="02000600000000000000" pitchFamily="2" charset="0"/>
+                      </a:endParaRPr>
+                    </a:p>
+                  </a:txBody>
+                  <a:tcPr anchor="ctr">
+                    <a:solidFill>
+                      <a:schemeClr val="accent6">
+                        <a:lumMod val="40000"/>
+                        <a:lumOff val="60000"/>
+                        <a:alpha val="60000"/>
+                      </a:schemeClr>
+                    </a:solidFill>
+                  </a:tcPr>
+                </a:tc>
+                <a:tc>
+                  <a:txBody>
+                    <a:bodyPr/>
+                    <a:lstStyle/>
+                    <a:p>
+                      <a:pPr algn="ctr"/>
+                      <a:r>
+                        <a:rPr lang="uk-UA" sz="2000" b="0" dirty="0" smtClean="0">
+                          <a:latin typeface="Segoe Print" panose="02000600000000000000" pitchFamily="2" charset="0"/>
+                        </a:rPr>
+                        <a:t>2</a:t>
+                      </a:r>
+                      <a:r>
+                        <a:rPr lang="en-US" sz="2000" b="0" dirty="0" smtClean="0">
+                          <a:latin typeface="Segoe Print" panose="02000600000000000000" pitchFamily="2" charset="0"/>
+                        </a:rPr>
+                        <a:t> </a:t>
+                      </a:r>
+                      <a:r>
+                        <a:rPr lang="uk-UA" sz="2000" b="0" dirty="0" smtClean="0">
+                          <a:latin typeface="Segoe Print" panose="02000600000000000000" pitchFamily="2" charset="0"/>
+                        </a:rPr>
+                        <a:t>000</a:t>
+                      </a:r>
+                      <a:r>
+                        <a:rPr lang="en-US" sz="2000" dirty="0" smtClean="0">
+                          <a:latin typeface="Segoe Print" panose="02000600000000000000" pitchFamily="2" charset="0"/>
+                        </a:rPr>
+                        <a:t> </a:t>
+                      </a:r>
+                      <a:r>
+                        <a:rPr lang="uk-UA" sz="2000" b="0" dirty="0" smtClean="0">
+                          <a:latin typeface="Segoe Print" panose="02000600000000000000" pitchFamily="2" charset="0"/>
+                        </a:rPr>
+                        <a:t>грн</a:t>
+                      </a:r>
+                      <a:endParaRPr lang="ru-RU" sz="2000" b="0" dirty="0">
+                        <a:latin typeface="Segoe Print" panose="02000600000000000000" pitchFamily="2" charset="0"/>
+                      </a:endParaRPr>
+                    </a:p>
+                  </a:txBody>
+                  <a:tcPr anchor="ctr">
+                    <a:solidFill>
+                      <a:schemeClr val="accent6">
+                        <a:lumMod val="40000"/>
+                        <a:lumOff val="60000"/>
+                        <a:alpha val="60000"/>
+                      </a:schemeClr>
+                    </a:solidFill>
+                  </a:tcPr>
+                </a:tc>
+              </a:tr>
+              <a:tr h="617143">
+                <a:tc>
+                  <a:txBody>
+                    <a:bodyPr/>
+                    <a:lstStyle/>
+                    <a:p>
+                      <a:pPr algn="ctr"/>
+                      <a:endParaRPr lang="ru-RU" sz="2000" b="1" i="0" dirty="0">
+                        <a:latin typeface="Segoe Print" panose="02000600000000000000" pitchFamily="2" charset="0"/>
+                      </a:endParaRPr>
+                    </a:p>
+                  </a:txBody>
+                  <a:tcPr anchor="ctr">
+                    <a:solidFill>
+                      <a:schemeClr val="accent6">
+                        <a:lumMod val="60000"/>
+                        <a:lumOff val="40000"/>
+                        <a:alpha val="60000"/>
+                      </a:schemeClr>
+                    </a:solidFill>
+                  </a:tcPr>
+                </a:tc>
+                <a:tc>
+                  <a:txBody>
+                    <a:bodyPr/>
+                    <a:lstStyle/>
+                    <a:p>
+                      <a:pPr algn="ctr"/>
+                      <a:endParaRPr lang="ru-RU" sz="2000" dirty="0">
+                        <a:latin typeface="Segoe Print" panose="02000600000000000000" pitchFamily="2" charset="0"/>
+                      </a:endParaRPr>
+                    </a:p>
+                  </a:txBody>
+                  <a:tcPr anchor="ctr">
+                    <a:solidFill>
+                      <a:schemeClr val="accent6">
+                        <a:lumMod val="60000"/>
+                        <a:lumOff val="40000"/>
+                        <a:alpha val="60000"/>
+                      </a:schemeClr>
+                    </a:solidFill>
+                  </a:tcPr>
+                </a:tc>
+                <a:tc>
+                  <a:txBody>
+                    <a:bodyPr/>
+                    <a:lstStyle/>
+                    <a:p>
+                      <a:pPr algn="ctr"/>
+                      <a:endParaRPr lang="ru-RU" sz="2000" dirty="0">
+                        <a:latin typeface="Segoe Print" panose="02000600000000000000" pitchFamily="2" charset="0"/>
+                      </a:endParaRPr>
+                    </a:p>
+                  </a:txBody>
+                  <a:tcPr anchor="ctr">
+                    <a:solidFill>
+                      <a:schemeClr val="accent6">
+                        <a:lumMod val="60000"/>
+                        <a:lumOff val="40000"/>
+                        <a:alpha val="60000"/>
+                      </a:schemeClr>
+                    </a:solidFill>
+                  </a:tcPr>
+                </a:tc>
+                <a:tc>
+                  <a:txBody>
+                    <a:bodyPr/>
+                    <a:lstStyle/>
+                    <a:p>
+                      <a:pPr algn="ctr"/>
+                      <a:endParaRPr lang="ru-RU" sz="2000" dirty="0">
+                        <a:latin typeface="Segoe Print" panose="02000600000000000000" pitchFamily="2" charset="0"/>
+                      </a:endParaRPr>
+                    </a:p>
+                  </a:txBody>
+                  <a:tcPr anchor="ctr">
+                    <a:solidFill>
+                      <a:schemeClr val="accent6">
+                        <a:lumMod val="60000"/>
+                        <a:lumOff val="40000"/>
+                        <a:alpha val="60000"/>
+                      </a:schemeClr>
+                    </a:solidFill>
+                  </a:tcPr>
+                </a:tc>
+              </a:tr>
+              <a:tr h="617143">
+                <a:tc>
+                  <a:txBody>
+                    <a:bodyPr/>
+                    <a:lstStyle/>
+                    <a:p>
+                      <a:pPr algn="ctr"/>
+                      <a:endParaRPr lang="ru-RU" sz="2000" b="1" i="0" dirty="0">
+                        <a:latin typeface="Segoe Print" panose="02000600000000000000" pitchFamily="2" charset="0"/>
+                      </a:endParaRPr>
+                    </a:p>
+                  </a:txBody>
+                  <a:tcPr anchor="ctr">
+                    <a:solidFill>
+                      <a:schemeClr val="accent6">
+                        <a:lumMod val="40000"/>
+                        <a:lumOff val="60000"/>
+                        <a:alpha val="60000"/>
+                      </a:schemeClr>
+                    </a:solidFill>
+                  </a:tcPr>
+                </a:tc>
+                <a:tc>
+                  <a:txBody>
+                    <a:bodyPr/>
+                    <a:lstStyle/>
+                    <a:p>
+                      <a:pPr algn="ctr"/>
+                      <a:endParaRPr lang="ru-RU" sz="2000" dirty="0">
+                        <a:latin typeface="Segoe Print" panose="02000600000000000000" pitchFamily="2" charset="0"/>
+                      </a:endParaRPr>
+                    </a:p>
+                  </a:txBody>
+                  <a:tcPr anchor="ctr">
+                    <a:solidFill>
+                      <a:schemeClr val="accent6">
+                        <a:lumMod val="40000"/>
+                        <a:lumOff val="60000"/>
+                        <a:alpha val="60000"/>
+                      </a:schemeClr>
+                    </a:solidFill>
+                  </a:tcPr>
+                </a:tc>
+                <a:tc>
+                  <a:txBody>
+                    <a:bodyPr/>
+                    <a:lstStyle/>
+                    <a:p>
+                      <a:pPr algn="ctr"/>
+                      <a:endParaRPr lang="ru-RU" sz="2000" dirty="0">
+                        <a:latin typeface="Segoe Print" panose="02000600000000000000" pitchFamily="2" charset="0"/>
+                      </a:endParaRPr>
+                    </a:p>
+                  </a:txBody>
+                  <a:tcPr anchor="ctr">
+                    <a:solidFill>
+                      <a:schemeClr val="accent6">
+                        <a:lumMod val="40000"/>
+                        <a:lumOff val="60000"/>
+                        <a:alpha val="60000"/>
+                      </a:schemeClr>
+                    </a:solidFill>
+                  </a:tcPr>
+                </a:tc>
+                <a:tc>
+                  <a:txBody>
+                    <a:bodyPr/>
+                    <a:lstStyle/>
+                    <a:p>
+                      <a:pPr algn="ctr"/>
+                      <a:endParaRPr lang="ru-RU" sz="2000" dirty="0">
+                        <a:latin typeface="Segoe Print" panose="02000600000000000000" pitchFamily="2" charset="0"/>
+                      </a:endParaRPr>
+                    </a:p>
+                  </a:txBody>
+                  <a:tcPr anchor="ctr">
+                    <a:solidFill>
+                      <a:schemeClr val="accent6">
+                        <a:lumMod val="40000"/>
+                        <a:lumOff val="60000"/>
+                        <a:alpha val="60000"/>
+                      </a:schemeClr>
+                    </a:solidFill>
+                  </a:tcPr>
+                </a:tc>
+              </a:tr>
+              <a:tr h="617143">
+                <a:tc gridSpan="3">
+                  <a:txBody>
+                    <a:bodyPr/>
+                    <a:lstStyle/>
+                    <a:p>
+                      <a:pPr algn="r"/>
+                      <a:r>
+                        <a:rPr lang="uk-UA" sz="3200" b="1" i="0" dirty="0" smtClean="0">
+                          <a:gradFill>
+                            <a:gsLst>
+                              <a:gs pos="0">
+                                <a:srgbClr val="FF0505"/>
+                              </a:gs>
+                              <a:gs pos="100000">
+                                <a:srgbClr val="FE4C4C"/>
+                              </a:gs>
+                            </a:gsLst>
+                            <a:lin ang="18900000" scaled="1"/>
+                          </a:gradFill>
+                          <a:latin typeface="Segoe Print" panose="02000600000000000000" pitchFamily="2" charset="0"/>
+                        </a:rPr>
+                        <a:t>Всього</a:t>
+                      </a:r>
+                      <a:r>
+                        <a:rPr lang="en-US" sz="3200" b="1" i="0" dirty="0" smtClean="0">
+                          <a:gradFill>
+                            <a:gsLst>
+                              <a:gs pos="0">
+                                <a:srgbClr val="FF0505"/>
+                              </a:gs>
+                              <a:gs pos="100000">
+                                <a:srgbClr val="FE4C4C"/>
+                              </a:gs>
+                            </a:gsLst>
+                            <a:lin ang="18900000" scaled="1"/>
+                          </a:gradFill>
+                          <a:latin typeface="Segoe Print" panose="02000600000000000000" pitchFamily="2" charset="0"/>
+                        </a:rPr>
+                        <a:t>:</a:t>
+                      </a:r>
+                      <a:endParaRPr lang="ru-RU" sz="2000" b="1" i="0" dirty="0">
+                        <a:gradFill>
+                          <a:gsLst>
+                            <a:gs pos="0">
+                              <a:srgbClr val="FF0505"/>
+                            </a:gs>
+                            <a:gs pos="100000">
+                              <a:srgbClr val="FE4C4C"/>
+                            </a:gs>
+                          </a:gsLst>
+                          <a:lin ang="18900000" scaled="1"/>
+                        </a:gradFill>
+                        <a:latin typeface="Segoe Print" panose="02000600000000000000" pitchFamily="2" charset="0"/>
+                      </a:endParaRPr>
+                    </a:p>
+                  </a:txBody>
+                  <a:tcPr anchor="ctr">
+                    <a:solidFill>
+                      <a:schemeClr val="accent6">
+                        <a:lumMod val="60000"/>
+                        <a:lumOff val="40000"/>
+                        <a:alpha val="68000"/>
+                      </a:schemeClr>
+                    </a:solidFill>
+                  </a:tcPr>
+                </a:tc>
+                <a:tc hMerge="1">
+                  <a:txBody>
+                    <a:bodyPr/>
+                    <a:lstStyle/>
+                    <a:p>
+                      <a:pPr algn="ctr"/>
+                      <a:endParaRPr lang="ru-RU" sz="2000" dirty="0">
+                        <a:latin typeface="Segoe Print" panose="02000600000000000000" pitchFamily="2" charset="0"/>
+                      </a:endParaRPr>
+                    </a:p>
+                  </a:txBody>
+                  <a:tcPr anchor="ctr"/>
+                </a:tc>
+                <a:tc hMerge="1">
+                  <a:txBody>
+                    <a:bodyPr/>
+                    <a:lstStyle/>
+                    <a:p>
+                      <a:pPr algn="ctr"/>
+                      <a:endParaRPr lang="ru-RU" sz="2000" dirty="0">
+                        <a:latin typeface="Segoe Print" panose="02000600000000000000" pitchFamily="2" charset="0"/>
+                      </a:endParaRPr>
+                    </a:p>
+                  </a:txBody>
+                  <a:tcPr anchor="ctr"/>
+                </a:tc>
+                <a:tc>
+                  <a:txBody>
+                    <a:bodyPr/>
+                    <a:lstStyle/>
+                    <a:p>
+                      <a:pPr algn="ctr"/>
+                      <a:r>
+                        <a:rPr lang="ru-RU" sz="2000" b="1" dirty="0" smtClean="0">
+                          <a:gradFill>
+                            <a:gsLst>
+                              <a:gs pos="0">
+                                <a:srgbClr val="FF0505"/>
+                              </a:gs>
+                              <a:gs pos="100000">
+                                <a:srgbClr val="FE4C4C"/>
+                              </a:gs>
+                            </a:gsLst>
+                            <a:lin ang="18900000" scaled="1"/>
+                          </a:gradFill>
+                          <a:latin typeface="Segoe Print" panose="02000600000000000000" pitchFamily="2" charset="0"/>
+                        </a:rPr>
+                        <a:t>2 520</a:t>
+                      </a:r>
+                      <a:r>
+                        <a:rPr lang="en-US" sz="2000" b="1" dirty="0" smtClean="0">
+                          <a:gradFill>
+                            <a:gsLst>
+                              <a:gs pos="0">
+                                <a:srgbClr val="FF0505"/>
+                              </a:gs>
+                              <a:gs pos="100000">
+                                <a:srgbClr val="FE4C4C"/>
+                              </a:gs>
+                            </a:gsLst>
+                            <a:lin ang="18900000" scaled="1"/>
+                          </a:gradFill>
+                          <a:latin typeface="Segoe Print" panose="02000600000000000000" pitchFamily="2" charset="0"/>
+                        </a:rPr>
+                        <a:t> </a:t>
+                      </a:r>
+                      <a:r>
+                        <a:rPr lang="ru-RU" sz="2000" b="1" dirty="0" smtClean="0">
+                          <a:gradFill>
+                            <a:gsLst>
+                              <a:gs pos="0">
+                                <a:srgbClr val="FF0505"/>
+                              </a:gs>
+                              <a:gs pos="100000">
+                                <a:srgbClr val="FE4C4C"/>
+                              </a:gs>
+                            </a:gsLst>
+                            <a:lin ang="18900000" scaled="1"/>
+                          </a:gradFill>
+                          <a:latin typeface="Segoe Print" panose="02000600000000000000" pitchFamily="2" charset="0"/>
+                        </a:rPr>
+                        <a:t>грн</a:t>
+                      </a:r>
+                      <a:endParaRPr lang="ru-RU" sz="2000" b="1" dirty="0">
+                        <a:gradFill>
+                          <a:gsLst>
+                            <a:gs pos="0">
+                              <a:srgbClr val="FF0505"/>
+                            </a:gs>
+                            <a:gs pos="100000">
+                              <a:srgbClr val="FE4C4C"/>
+                            </a:gs>
+                          </a:gsLst>
+                          <a:lin ang="18900000" scaled="1"/>
+                        </a:gradFill>
+                        <a:latin typeface="Segoe Print" panose="02000600000000000000" pitchFamily="2" charset="0"/>
+                      </a:endParaRPr>
+                    </a:p>
+                  </a:txBody>
+                  <a:tcPr anchor="ctr">
+                    <a:solidFill>
+                      <a:schemeClr val="accent6">
+                        <a:lumMod val="60000"/>
+                        <a:lumOff val="40000"/>
+                        <a:alpha val="68000"/>
+                      </a:schemeClr>
+                    </a:solidFill>
+                  </a:tcPr>
+                </a:tc>
+              </a:tr>
+            </a:tbl>
+          </a:graphicData>
+        </a:graphic>
+      </p:graphicFrame>
     </p:spTree>
     <p:extLst>
       <p:ext uri="{BB962C8B-B14F-4D97-AF65-F5344CB8AC3E}">

--- a/diplomna.pptx
+++ b/diplomna.pptx
@@ -4476,23 +4476,6 @@
               </a:rPr>
               <a:t>Витрати на рекламу</a:t>
             </a:r>
-            <a:endParaRPr lang="uk-UA" sz="5000" b="1" dirty="0" smtClean="0">
-              <a:gradFill flip="none" rotWithShape="1">
-                <a:gsLst>
-                  <a:gs pos="0">
-                    <a:srgbClr val="229633"/>
-                  </a:gs>
-                  <a:gs pos="100000">
-                    <a:srgbClr val="85CA3A"/>
-                  </a:gs>
-                </a:gsLst>
-                <a:lin ang="18900000" scaled="1"/>
-                <a:tileRect/>
-              </a:gradFill>
-              <a:latin typeface="Segoe Print" panose="02000600000000000000" pitchFamily="2" charset="0"/>
-              <a:ea typeface="Open Sans" panose="020B0606030504020204" pitchFamily="34" charset="0"/>
-              <a:cs typeface="Open Sans" panose="020B0606030504020204" pitchFamily="34" charset="0"/>
-            </a:endParaRPr>
           </a:p>
         </p:txBody>
       </p:sp>
@@ -4505,7 +4488,7 @@
           <p:nvPr>
             <p:extLst>
               <p:ext uri="{D42A27DB-BD31-4B8C-83A1-F6EECF244321}">
-                <p14:modId xmlns:p14="http://schemas.microsoft.com/office/powerpoint/2010/main" val="1476208578"/>
+                <p14:modId xmlns:p14="http://schemas.microsoft.com/office/powerpoint/2010/main" val="3058798799"/>
               </p:ext>
             </p:extLst>
           </p:nvPr>
@@ -4556,10 +4539,9 @@
                   </a:txBody>
                   <a:tcPr anchor="ctr">
                     <a:solidFill>
-                      <a:schemeClr val="accent6">
-                        <a:lumMod val="50000"/>
-                        <a:alpha val="40000"/>
-                      </a:schemeClr>
+                      <a:srgbClr val="558335">
+                        <a:alpha val="60000"/>
+                      </a:srgbClr>
                     </a:solidFill>
                   </a:tcPr>
                 </a:tc>
@@ -4592,10 +4574,9 @@
                   </a:txBody>
                   <a:tcPr anchor="ctr">
                     <a:solidFill>
-                      <a:schemeClr val="accent6">
-                        <a:lumMod val="50000"/>
-                        <a:alpha val="40000"/>
-                      </a:schemeClr>
+                      <a:srgbClr val="558335">
+                        <a:alpha val="60000"/>
+                      </a:srgbClr>
                     </a:solidFill>
                   </a:tcPr>
                 </a:tc>
@@ -4628,10 +4609,9 @@
                   </a:txBody>
                   <a:tcPr anchor="ctr">
                     <a:solidFill>
-                      <a:schemeClr val="accent6">
-                        <a:lumMod val="50000"/>
-                        <a:alpha val="40000"/>
-                      </a:schemeClr>
+                      <a:srgbClr val="558335">
+                        <a:alpha val="60000"/>
+                      </a:srgbClr>
                     </a:solidFill>
                   </a:tcPr>
                 </a:tc>
@@ -4664,10 +4644,9 @@
                   </a:txBody>
                   <a:tcPr anchor="ctr">
                     <a:solidFill>
-                      <a:schemeClr val="accent6">
-                        <a:lumMod val="50000"/>
-                        <a:alpha val="40000"/>
-                      </a:schemeClr>
+                      <a:srgbClr val="558335">
+                        <a:alpha val="60000"/>
+                      </a:srgbClr>
                     </a:solidFill>
                   </a:tcPr>
                 </a:tc>
@@ -5282,9 +5261,8 @@
                   <a:tcPr anchor="ctr">
                     <a:solidFill>
                       <a:schemeClr val="accent6">
-                        <a:lumMod val="60000"/>
-                        <a:lumOff val="40000"/>
-                        <a:alpha val="68000"/>
+                        <a:lumMod val="75000"/>
+                        <a:alpha val="30000"/>
                       </a:schemeClr>
                     </a:solidFill>
                   </a:tcPr>
@@ -5391,9 +5369,8 @@
                   <a:tcPr anchor="ctr">
                     <a:solidFill>
                       <a:schemeClr val="accent6">
-                        <a:lumMod val="60000"/>
-                        <a:lumOff val="40000"/>
-                        <a:alpha val="68000"/>
+                        <a:lumMod val="75000"/>
+                        <a:alpha val="30000"/>
                       </a:schemeClr>
                     </a:solidFill>
                   </a:tcPr>

--- a/diplomna.pptx
+++ b/diplomna.pptx
@@ -216,7 +216,7 @@
           <a:p>
             <a:fld id="{34ECBCA9-90F6-4EB5-BA36-98AE7DDCEFD0}" type="datetimeFigureOut">
               <a:rPr lang="ru-RU" smtClean="0"/>
-              <a:t>26.02.2021</a:t>
+              <a:t>27.02.2021</a:t>
             </a:fld>
             <a:endParaRPr lang="ru-RU"/>
           </a:p>
@@ -699,7 +699,7 @@
           <a:p>
             <a:fld id="{EF786B2F-4D74-4715-9B36-473B5F938BB9}" type="datetimeFigureOut">
               <a:rPr lang="ru-RU" smtClean="0"/>
-              <a:t>26.02.2021</a:t>
+              <a:t>27.02.2021</a:t>
             </a:fld>
             <a:endParaRPr lang="ru-RU"/>
           </a:p>
@@ -869,7 +869,7 @@
           <a:p>
             <a:fld id="{EF786B2F-4D74-4715-9B36-473B5F938BB9}" type="datetimeFigureOut">
               <a:rPr lang="ru-RU" smtClean="0"/>
-              <a:t>26.02.2021</a:t>
+              <a:t>27.02.2021</a:t>
             </a:fld>
             <a:endParaRPr lang="ru-RU"/>
           </a:p>
@@ -1049,7 +1049,7 @@
           <a:p>
             <a:fld id="{EF786B2F-4D74-4715-9B36-473B5F938BB9}" type="datetimeFigureOut">
               <a:rPr lang="ru-RU" smtClean="0"/>
-              <a:t>26.02.2021</a:t>
+              <a:t>27.02.2021</a:t>
             </a:fld>
             <a:endParaRPr lang="ru-RU"/>
           </a:p>
@@ -1219,7 +1219,7 @@
           <a:p>
             <a:fld id="{EF786B2F-4D74-4715-9B36-473B5F938BB9}" type="datetimeFigureOut">
               <a:rPr lang="ru-RU" smtClean="0"/>
-              <a:t>26.02.2021</a:t>
+              <a:t>27.02.2021</a:t>
             </a:fld>
             <a:endParaRPr lang="ru-RU"/>
           </a:p>
@@ -1465,7 +1465,7 @@
           <a:p>
             <a:fld id="{EF786B2F-4D74-4715-9B36-473B5F938BB9}" type="datetimeFigureOut">
               <a:rPr lang="ru-RU" smtClean="0"/>
-              <a:t>26.02.2021</a:t>
+              <a:t>27.02.2021</a:t>
             </a:fld>
             <a:endParaRPr lang="ru-RU"/>
           </a:p>
@@ -1697,7 +1697,7 @@
           <a:p>
             <a:fld id="{EF786B2F-4D74-4715-9B36-473B5F938BB9}" type="datetimeFigureOut">
               <a:rPr lang="ru-RU" smtClean="0"/>
-              <a:t>26.02.2021</a:t>
+              <a:t>27.02.2021</a:t>
             </a:fld>
             <a:endParaRPr lang="ru-RU"/>
           </a:p>
@@ -2064,7 +2064,7 @@
           <a:p>
             <a:fld id="{EF786B2F-4D74-4715-9B36-473B5F938BB9}" type="datetimeFigureOut">
               <a:rPr lang="ru-RU" smtClean="0"/>
-              <a:t>26.02.2021</a:t>
+              <a:t>27.02.2021</a:t>
             </a:fld>
             <a:endParaRPr lang="ru-RU"/>
           </a:p>
@@ -2182,7 +2182,7 @@
           <a:p>
             <a:fld id="{EF786B2F-4D74-4715-9B36-473B5F938BB9}" type="datetimeFigureOut">
               <a:rPr lang="ru-RU" smtClean="0"/>
-              <a:t>26.02.2021</a:t>
+              <a:t>27.02.2021</a:t>
             </a:fld>
             <a:endParaRPr lang="ru-RU"/>
           </a:p>
@@ -2277,7 +2277,7 @@
           <a:p>
             <a:fld id="{EF786B2F-4D74-4715-9B36-473B5F938BB9}" type="datetimeFigureOut">
               <a:rPr lang="ru-RU" smtClean="0"/>
-              <a:t>26.02.2021</a:t>
+              <a:t>27.02.2021</a:t>
             </a:fld>
             <a:endParaRPr lang="ru-RU"/>
           </a:p>
@@ -2554,7 +2554,7 @@
           <a:p>
             <a:fld id="{EF786B2F-4D74-4715-9B36-473B5F938BB9}" type="datetimeFigureOut">
               <a:rPr lang="ru-RU" smtClean="0"/>
-              <a:t>26.02.2021</a:t>
+              <a:t>27.02.2021</a:t>
             </a:fld>
             <a:endParaRPr lang="ru-RU"/>
           </a:p>
@@ -2807,7 +2807,7 @@
           <a:p>
             <a:fld id="{EF786B2F-4D74-4715-9B36-473B5F938BB9}" type="datetimeFigureOut">
               <a:rPr lang="ru-RU" smtClean="0"/>
-              <a:t>26.02.2021</a:t>
+              <a:t>27.02.2021</a:t>
             </a:fld>
             <a:endParaRPr lang="ru-RU"/>
           </a:p>
@@ -3039,7 +3039,7 @@
           <a:p>
             <a:fld id="{EF786B2F-4D74-4715-9B36-473B5F938BB9}" type="datetimeFigureOut">
               <a:rPr lang="ru-RU" smtClean="0"/>
-              <a:t>26.02.2021</a:t>
+              <a:t>27.02.2021</a:t>
             </a:fld>
             <a:endParaRPr lang="ru-RU"/>
           </a:p>
@@ -4304,6 +4304,24 @@
             <a:pPr algn="just"/>
             <a:r>
               <a:rPr lang="uk-UA" sz="2400" dirty="0" smtClean="0">
+                <a:gradFill flip="none" rotWithShape="1">
+                  <a:gsLst>
+                    <a:gs pos="100000">
+                      <a:schemeClr val="tx1">
+                        <a:lumMod val="85000"/>
+                        <a:lumOff val="15000"/>
+                      </a:schemeClr>
+                    </a:gs>
+                    <a:gs pos="0">
+                      <a:schemeClr val="tx1">
+                        <a:lumMod val="95000"/>
+                        <a:lumOff val="5000"/>
+                      </a:schemeClr>
+                    </a:gs>
+                  </a:gsLst>
+                  <a:lin ang="18900000" scaled="1"/>
+                  <a:tileRect/>
+                </a:gradFill>
                 <a:latin typeface="Tahoma" panose="020B0604030504040204" pitchFamily="34" charset="0"/>
                 <a:ea typeface="Tahoma" panose="020B0604030504040204" pitchFamily="34" charset="0"/>
                 <a:cs typeface="Tahoma" panose="020B0604030504040204" pitchFamily="34" charset="0"/>
@@ -4321,6 +4339,24 @@
           <a:p>
             <a:r>
               <a:rPr lang="uk-UA" sz="2400" dirty="0" smtClean="0">
+                <a:gradFill flip="none" rotWithShape="1">
+                  <a:gsLst>
+                    <a:gs pos="100000">
+                      <a:schemeClr val="tx1">
+                        <a:lumMod val="85000"/>
+                        <a:lumOff val="15000"/>
+                      </a:schemeClr>
+                    </a:gs>
+                    <a:gs pos="0">
+                      <a:schemeClr val="tx1">
+                        <a:lumMod val="95000"/>
+                        <a:lumOff val="5000"/>
+                      </a:schemeClr>
+                    </a:gs>
+                  </a:gsLst>
+                  <a:lin ang="18900000" scaled="1"/>
+                  <a:tileRect/>
+                </a:gradFill>
                 <a:latin typeface="Tahoma" panose="020B0604030504040204" pitchFamily="34" charset="0"/>
                 <a:ea typeface="Tahoma" panose="020B0604030504040204" pitchFamily="34" charset="0"/>
                 <a:cs typeface="Tahoma" panose="020B0604030504040204" pitchFamily="34" charset="0"/>
@@ -4335,6 +4371,24 @@
             </a:pPr>
             <a:r>
               <a:rPr lang="uk-UA" sz="2400" dirty="0" smtClean="0">
+                <a:gradFill flip="none" rotWithShape="1">
+                  <a:gsLst>
+                    <a:gs pos="100000">
+                      <a:schemeClr val="tx1">
+                        <a:lumMod val="85000"/>
+                        <a:lumOff val="15000"/>
+                      </a:schemeClr>
+                    </a:gs>
+                    <a:gs pos="0">
+                      <a:schemeClr val="tx1">
+                        <a:lumMod val="95000"/>
+                        <a:lumOff val="5000"/>
+                      </a:schemeClr>
+                    </a:gs>
+                  </a:gsLst>
+                  <a:lin ang="18900000" scaled="1"/>
+                  <a:tileRect/>
+                </a:gradFill>
                 <a:latin typeface="Tahoma" panose="020B0604030504040204" pitchFamily="34" charset="0"/>
                 <a:ea typeface="Tahoma" panose="020B0604030504040204" pitchFamily="34" charset="0"/>
                 <a:cs typeface="Tahoma" panose="020B0604030504040204" pitchFamily="34" charset="0"/>
@@ -4349,6 +4403,24 @@
             </a:pPr>
             <a:r>
               <a:rPr lang="uk-UA" sz="2400" dirty="0" smtClean="0">
+                <a:gradFill flip="none" rotWithShape="1">
+                  <a:gsLst>
+                    <a:gs pos="100000">
+                      <a:schemeClr val="tx1">
+                        <a:lumMod val="85000"/>
+                        <a:lumOff val="15000"/>
+                      </a:schemeClr>
+                    </a:gs>
+                    <a:gs pos="0">
+                      <a:schemeClr val="tx1">
+                        <a:lumMod val="95000"/>
+                        <a:lumOff val="5000"/>
+                      </a:schemeClr>
+                    </a:gs>
+                  </a:gsLst>
+                  <a:lin ang="18900000" scaled="1"/>
+                  <a:tileRect/>
+                </a:gradFill>
                 <a:latin typeface="Tahoma" panose="020B0604030504040204" pitchFamily="34" charset="0"/>
                 <a:ea typeface="Tahoma" panose="020B0604030504040204" pitchFamily="34" charset="0"/>
                 <a:cs typeface="Tahoma" panose="020B0604030504040204" pitchFamily="34" charset="0"/>
@@ -4363,6 +4435,24 @@
             </a:pPr>
             <a:r>
               <a:rPr lang="uk-UA" sz="2400" dirty="0" smtClean="0">
+                <a:gradFill flip="none" rotWithShape="1">
+                  <a:gsLst>
+                    <a:gs pos="100000">
+                      <a:schemeClr val="tx1">
+                        <a:lumMod val="85000"/>
+                        <a:lumOff val="15000"/>
+                      </a:schemeClr>
+                    </a:gs>
+                    <a:gs pos="0">
+                      <a:schemeClr val="tx1">
+                        <a:lumMod val="95000"/>
+                        <a:lumOff val="5000"/>
+                      </a:schemeClr>
+                    </a:gs>
+                  </a:gsLst>
+                  <a:lin ang="18900000" scaled="1"/>
+                  <a:tileRect/>
+                </a:gradFill>
                 <a:latin typeface="Tahoma" panose="020B0604030504040204" pitchFamily="34" charset="0"/>
                 <a:ea typeface="Tahoma" panose="020B0604030504040204" pitchFamily="34" charset="0"/>
                 <a:cs typeface="Tahoma" panose="020B0604030504040204" pitchFamily="34" charset="0"/>
@@ -4371,6 +4461,24 @@
             </a:r>
             <a:r>
               <a:rPr lang="uk-UA" sz="2400" dirty="0" err="1" smtClean="0">
+                <a:gradFill flip="none" rotWithShape="1">
+                  <a:gsLst>
+                    <a:gs pos="100000">
+                      <a:schemeClr val="tx1">
+                        <a:lumMod val="85000"/>
+                        <a:lumOff val="15000"/>
+                      </a:schemeClr>
+                    </a:gs>
+                    <a:gs pos="0">
+                      <a:schemeClr val="tx1">
+                        <a:lumMod val="95000"/>
+                        <a:lumOff val="5000"/>
+                      </a:schemeClr>
+                    </a:gs>
+                  </a:gsLst>
+                  <a:lin ang="18900000" scaled="1"/>
+                  <a:tileRect/>
+                </a:gradFill>
                 <a:latin typeface="Tahoma" panose="020B0604030504040204" pitchFamily="34" charset="0"/>
                 <a:ea typeface="Tahoma" panose="020B0604030504040204" pitchFamily="34" charset="0"/>
                 <a:cs typeface="Tahoma" panose="020B0604030504040204" pitchFamily="34" charset="0"/>
@@ -4379,6 +4487,24 @@
             </a:r>
             <a:r>
               <a:rPr lang="uk-UA" sz="2400" dirty="0" smtClean="0">
+                <a:gradFill flip="none" rotWithShape="1">
+                  <a:gsLst>
+                    <a:gs pos="100000">
+                      <a:schemeClr val="tx1">
+                        <a:lumMod val="85000"/>
+                        <a:lumOff val="15000"/>
+                      </a:schemeClr>
+                    </a:gs>
+                    <a:gs pos="0">
+                      <a:schemeClr val="tx1">
+                        <a:lumMod val="95000"/>
+                        <a:lumOff val="5000"/>
+                      </a:schemeClr>
+                    </a:gs>
+                  </a:gsLst>
+                  <a:lin ang="18900000" scaled="1"/>
+                  <a:tileRect/>
+                </a:gradFill>
                 <a:latin typeface="Tahoma" panose="020B0604030504040204" pitchFamily="34" charset="0"/>
                 <a:ea typeface="Tahoma" panose="020B0604030504040204" pitchFamily="34" charset="0"/>
                 <a:cs typeface="Tahoma" panose="020B0604030504040204" pitchFamily="34" charset="0"/>
@@ -4386,6 +4512,24 @@
               <a:t>);</a:t>
             </a:r>
             <a:endParaRPr lang="uk-UA" sz="2400" dirty="0">
+              <a:gradFill flip="none" rotWithShape="1">
+                <a:gsLst>
+                  <a:gs pos="100000">
+                    <a:schemeClr val="tx1">
+                      <a:lumMod val="85000"/>
+                      <a:lumOff val="15000"/>
+                    </a:schemeClr>
+                  </a:gs>
+                  <a:gs pos="0">
+                    <a:schemeClr val="tx1">
+                      <a:lumMod val="95000"/>
+                      <a:lumOff val="5000"/>
+                    </a:schemeClr>
+                  </a:gs>
+                </a:gsLst>
+                <a:lin ang="18900000" scaled="1"/>
+                <a:tileRect/>
+              </a:gradFill>
               <a:latin typeface="Tahoma" panose="020B0604030504040204" pitchFamily="34" charset="0"/>
               <a:ea typeface="Tahoma" panose="020B0604030504040204" pitchFamily="34" charset="0"/>
               <a:cs typeface="Tahoma" panose="020B0604030504040204" pitchFamily="34" charset="0"/>
@@ -4457,7 +4601,7 @@
           <a:p>
             <a:pPr algn="ctr"/>
             <a:r>
-              <a:rPr lang="uk-UA" sz="5000" b="1" dirty="0" smtClean="0">
+              <a:rPr lang="uk-UA" sz="5000" b="1" dirty="0">
                 <a:gradFill flip="none" rotWithShape="1">
                   <a:gsLst>
                     <a:gs pos="0">
@@ -4474,8 +4618,25 @@
                 <a:ea typeface="Open Sans" panose="020B0606030504020204" pitchFamily="34" charset="0"/>
                 <a:cs typeface="Open Sans" panose="020B0606030504020204" pitchFamily="34" charset="0"/>
               </a:rPr>
-              <a:t>Витрати на рекламу</a:t>
-            </a:r>
+              <a:t>Маркетинговий план</a:t>
+            </a:r>
+            <a:endParaRPr lang="uk-UA" sz="5000" b="1" dirty="0" smtClean="0">
+              <a:gradFill flip="none" rotWithShape="1">
+                <a:gsLst>
+                  <a:gs pos="0">
+                    <a:srgbClr val="229633"/>
+                  </a:gs>
+                  <a:gs pos="100000">
+                    <a:srgbClr val="85CA3A"/>
+                  </a:gs>
+                </a:gsLst>
+                <a:lin ang="18900000" scaled="1"/>
+                <a:tileRect/>
+              </a:gradFill>
+              <a:latin typeface="Segoe Print" panose="02000600000000000000" pitchFamily="2" charset="0"/>
+              <a:ea typeface="Open Sans" panose="020B0606030504020204" pitchFamily="34" charset="0"/>
+              <a:cs typeface="Open Sans" panose="020B0606030504020204" pitchFamily="34" charset="0"/>
+            </a:endParaRPr>
           </a:p>
         </p:txBody>
       </p:sp>
@@ -4488,28 +4649,28 @@
           <p:nvPr>
             <p:extLst>
               <p:ext uri="{D42A27DB-BD31-4B8C-83A1-F6EECF244321}">
-                <p14:modId xmlns:p14="http://schemas.microsoft.com/office/powerpoint/2010/main" val="3058798799"/>
+                <p14:modId xmlns:p14="http://schemas.microsoft.com/office/powerpoint/2010/main" val="3091253428"/>
               </p:ext>
             </p:extLst>
           </p:nvPr>
         </p:nvGraphicFramePr>
         <p:xfrm>
-          <a:off x="624000" y="1466676"/>
-          <a:ext cx="10944000" cy="4674858"/>
+          <a:off x="1146000" y="1603836"/>
+          <a:ext cx="10224000" cy="4638858"/>
         </p:xfrm>
         <a:graphic>
           <a:graphicData uri="http://schemas.openxmlformats.org/drawingml/2006/table">
             <a:tbl>
-              <a:tblPr firstRow="1" bandRow="1">
-                <a:tableStyleId>{5C22544A-7EE6-4342-B048-85BDC9FD1C3A}</a:tableStyleId>
+              <a:tblPr firstRow="1" lastRow="1" bandRow="1">
+                <a:tableStyleId>{93296810-A885-4BE3-A3E7-6D5BEEA58F35}</a:tableStyleId>
               </a:tblPr>
               <a:tblGrid>
                 <a:gridCol w="5040000"/>
-                <a:gridCol w="2016000"/>
-                <a:gridCol w="1944000"/>
-                <a:gridCol w="1944000"/>
+                <a:gridCol w="1728000"/>
+                <a:gridCol w="1728000"/>
+                <a:gridCol w="1728000"/>
               </a:tblGrid>
-              <a:tr h="972000">
+              <a:tr h="936000">
                 <a:tc>
                   <a:txBody>
                     <a:bodyPr/>
@@ -4517,33 +4678,29 @@
                     <a:p>
                       <a:pPr algn="ctr"/>
                       <a:r>
-                        <a:rPr lang="uk-UA" sz="2400" dirty="0" smtClean="0">
+                        <a:rPr lang="uk-UA" sz="2000" dirty="0" smtClean="0">
                           <a:solidFill>
                             <a:schemeClr val="tx1"/>
                           </a:solidFill>
-                          <a:latin typeface="Segoe Print" panose="02000600000000000000" pitchFamily="2" charset="0"/>
+                          <a:effectLst/>
+                          <a:latin typeface="Open Sans" panose="020B0606030504020204" pitchFamily="34" charset="0"/>
                           <a:ea typeface="Open Sans" panose="020B0606030504020204" pitchFamily="34" charset="0"/>
                           <a:cs typeface="Open Sans" panose="020B0606030504020204" pitchFamily="34" charset="0"/>
                         </a:rPr>
                         <a:t>Послуга</a:t>
                       </a:r>
-                      <a:endParaRPr lang="ru-RU" sz="2400" dirty="0">
+                      <a:endParaRPr lang="ru-RU" sz="2000" dirty="0">
                         <a:solidFill>
                           <a:schemeClr val="tx1"/>
                         </a:solidFill>
-                        <a:latin typeface="Segoe Print" panose="02000600000000000000" pitchFamily="2" charset="0"/>
+                        <a:effectLst/>
+                        <a:latin typeface="Open Sans" panose="020B0606030504020204" pitchFamily="34" charset="0"/>
                         <a:ea typeface="Open Sans" panose="020B0606030504020204" pitchFamily="34" charset="0"/>
                         <a:cs typeface="Open Sans" panose="020B0606030504020204" pitchFamily="34" charset="0"/>
                       </a:endParaRPr>
                     </a:p>
                   </a:txBody>
-                  <a:tcPr anchor="ctr">
-                    <a:solidFill>
-                      <a:srgbClr val="558335">
-                        <a:alpha val="60000"/>
-                      </a:srgbClr>
-                    </a:solidFill>
-                  </a:tcPr>
+                  <a:tcPr anchor="ctr"/>
                 </a:tc>
                 <a:tc>
                   <a:txBody>
@@ -4552,33 +4709,65 @@
                     <a:p>
                       <a:pPr algn="ctr"/>
                       <a:r>
-                        <a:rPr lang="uk-UA" sz="2400" dirty="0" smtClean="0">
+                        <a:rPr lang="uk-UA" sz="2000" dirty="0" smtClean="0">
                           <a:solidFill>
                             <a:schemeClr val="tx1"/>
                           </a:solidFill>
-                          <a:latin typeface="Segoe Print" panose="02000600000000000000" pitchFamily="2" charset="0"/>
+                          <a:effectLst/>
+                          <a:latin typeface="Open Sans" panose="020B0606030504020204" pitchFamily="34" charset="0"/>
                           <a:ea typeface="Open Sans" panose="020B0606030504020204" pitchFamily="34" charset="0"/>
                           <a:cs typeface="Open Sans" panose="020B0606030504020204" pitchFamily="34" charset="0"/>
                         </a:rPr>
-                        <a:t>Вартість 1 шт.</a:t>
+                        <a:t>Вартість</a:t>
                       </a:r>
-                      <a:endParaRPr lang="ru-RU" sz="2400" dirty="0">
+                      <a:endParaRPr lang="en-US" sz="2000" dirty="0" smtClean="0">
                         <a:solidFill>
                           <a:schemeClr val="tx1"/>
                         </a:solidFill>
-                        <a:latin typeface="Segoe Print" panose="02000600000000000000" pitchFamily="2" charset="0"/>
+                        <a:effectLst/>
+                        <a:latin typeface="Open Sans" panose="020B0606030504020204" pitchFamily="34" charset="0"/>
+                        <a:ea typeface="Open Sans" panose="020B0606030504020204" pitchFamily="34" charset="0"/>
+                        <a:cs typeface="Open Sans" panose="020B0606030504020204" pitchFamily="34" charset="0"/>
+                      </a:endParaRPr>
+                    </a:p>
+                    <a:p>
+                      <a:pPr algn="ctr"/>
+                      <a:r>
+                        <a:rPr lang="uk-UA" sz="2000" dirty="0" smtClean="0">
+                          <a:solidFill>
+                            <a:schemeClr val="tx1"/>
+                          </a:solidFill>
+                          <a:effectLst/>
+                          <a:latin typeface="Open Sans" panose="020B0606030504020204" pitchFamily="34" charset="0"/>
+                          <a:ea typeface="Open Sans" panose="020B0606030504020204" pitchFamily="34" charset="0"/>
+                          <a:cs typeface="Open Sans" panose="020B0606030504020204" pitchFamily="34" charset="0"/>
+                        </a:rPr>
+                        <a:t>1 </a:t>
+                      </a:r>
+                      <a:r>
+                        <a:rPr lang="uk-UA" sz="2000" dirty="0" smtClean="0">
+                          <a:solidFill>
+                            <a:schemeClr val="tx1"/>
+                          </a:solidFill>
+                          <a:effectLst/>
+                          <a:latin typeface="Open Sans" panose="020B0606030504020204" pitchFamily="34" charset="0"/>
+                          <a:ea typeface="Open Sans" panose="020B0606030504020204" pitchFamily="34" charset="0"/>
+                          <a:cs typeface="Open Sans" panose="020B0606030504020204" pitchFamily="34" charset="0"/>
+                        </a:rPr>
+                        <a:t>шт.</a:t>
+                      </a:r>
+                      <a:endParaRPr lang="ru-RU" sz="2000" dirty="0">
+                        <a:solidFill>
+                          <a:schemeClr val="tx1"/>
+                        </a:solidFill>
+                        <a:effectLst/>
+                        <a:latin typeface="Open Sans" panose="020B0606030504020204" pitchFamily="34" charset="0"/>
                         <a:ea typeface="Open Sans" panose="020B0606030504020204" pitchFamily="34" charset="0"/>
                         <a:cs typeface="Open Sans" panose="020B0606030504020204" pitchFamily="34" charset="0"/>
                       </a:endParaRPr>
                     </a:p>
                   </a:txBody>
-                  <a:tcPr anchor="ctr">
-                    <a:solidFill>
-                      <a:srgbClr val="558335">
-                        <a:alpha val="60000"/>
-                      </a:srgbClr>
-                    </a:solidFill>
-                  </a:tcPr>
+                  <a:tcPr anchor="ctr"/>
                 </a:tc>
                 <a:tc>
                   <a:txBody>
@@ -4587,33 +4776,29 @@
                     <a:p>
                       <a:pPr algn="ctr"/>
                       <a:r>
-                        <a:rPr lang="uk-UA" sz="2400" dirty="0" smtClean="0">
+                        <a:rPr lang="uk-UA" sz="2000" dirty="0" smtClean="0">
                           <a:solidFill>
                             <a:schemeClr val="tx1"/>
                           </a:solidFill>
-                          <a:latin typeface="Segoe Print" panose="02000600000000000000" pitchFamily="2" charset="0"/>
+                          <a:effectLst/>
+                          <a:latin typeface="Open Sans" panose="020B0606030504020204" pitchFamily="34" charset="0"/>
                           <a:ea typeface="Open Sans" panose="020B0606030504020204" pitchFamily="34" charset="0"/>
                           <a:cs typeface="Open Sans" panose="020B0606030504020204" pitchFamily="34" charset="0"/>
                         </a:rPr>
                         <a:t>Кількість</a:t>
                       </a:r>
-                      <a:endParaRPr lang="ru-RU" sz="2400" dirty="0">
+                      <a:endParaRPr lang="ru-RU" sz="2000" dirty="0">
                         <a:solidFill>
                           <a:schemeClr val="tx1"/>
                         </a:solidFill>
-                        <a:latin typeface="Segoe Print" panose="02000600000000000000" pitchFamily="2" charset="0"/>
+                        <a:effectLst/>
+                        <a:latin typeface="Open Sans" panose="020B0606030504020204" pitchFamily="34" charset="0"/>
                         <a:ea typeface="Open Sans" panose="020B0606030504020204" pitchFamily="34" charset="0"/>
                         <a:cs typeface="Open Sans" panose="020B0606030504020204" pitchFamily="34" charset="0"/>
                       </a:endParaRPr>
                     </a:p>
                   </a:txBody>
-                  <a:tcPr anchor="ctr">
-                    <a:solidFill>
-                      <a:srgbClr val="558335">
-                        <a:alpha val="60000"/>
-                      </a:srgbClr>
-                    </a:solidFill>
-                  </a:tcPr>
+                  <a:tcPr anchor="ctr"/>
                 </a:tc>
                 <a:tc>
                   <a:txBody>
@@ -4622,33 +4807,29 @@
                     <a:p>
                       <a:pPr algn="ctr"/>
                       <a:r>
-                        <a:rPr lang="uk-UA" sz="2400" dirty="0" smtClean="0">
+                        <a:rPr lang="uk-UA" sz="2000" dirty="0" smtClean="0">
                           <a:solidFill>
                             <a:schemeClr val="tx1"/>
                           </a:solidFill>
-                          <a:latin typeface="Segoe Print" panose="02000600000000000000" pitchFamily="2" charset="0"/>
+                          <a:effectLst/>
+                          <a:latin typeface="Open Sans" panose="020B0606030504020204" pitchFamily="34" charset="0"/>
                           <a:ea typeface="Open Sans" panose="020B0606030504020204" pitchFamily="34" charset="0"/>
                           <a:cs typeface="Open Sans" panose="020B0606030504020204" pitchFamily="34" charset="0"/>
                         </a:rPr>
                         <a:t>Вартість</a:t>
                       </a:r>
-                      <a:endParaRPr lang="ru-RU" sz="2400" dirty="0">
+                      <a:endParaRPr lang="ru-RU" sz="2000" dirty="0">
                         <a:solidFill>
                           <a:schemeClr val="tx1"/>
                         </a:solidFill>
-                        <a:latin typeface="Segoe Print" panose="02000600000000000000" pitchFamily="2" charset="0"/>
+                        <a:effectLst/>
+                        <a:latin typeface="Open Sans" panose="020B0606030504020204" pitchFamily="34" charset="0"/>
                         <a:ea typeface="Open Sans" panose="020B0606030504020204" pitchFamily="34" charset="0"/>
                         <a:cs typeface="Open Sans" panose="020B0606030504020204" pitchFamily="34" charset="0"/>
                       </a:endParaRPr>
                     </a:p>
                   </a:txBody>
-                  <a:tcPr anchor="ctr">
-                    <a:solidFill>
-                      <a:srgbClr val="558335">
-                        <a:alpha val="60000"/>
-                      </a:srgbClr>
-                    </a:solidFill>
-                  </a:tcPr>
+                  <a:tcPr anchor="ctr"/>
                 </a:tc>
               </a:tr>
               <a:tr h="617143">
@@ -4659,25 +4840,21 @@
                     <a:p>
                       <a:pPr algn="l"/>
                       <a:r>
-                        <a:rPr lang="uk-UA" sz="2200" b="1" i="0" dirty="0" smtClean="0">
+                        <a:rPr lang="uk-UA" sz="2000" b="1" dirty="0" smtClean="0">
+                          <a:effectLst/>
                           <a:latin typeface="Segoe Print" panose="02000600000000000000" pitchFamily="2" charset="0"/>
                         </a:rPr>
                         <a:t>Оголошення на дошках об’яв</a:t>
                       </a:r>
-                      <a:endParaRPr lang="ru-RU" sz="2200" b="1" i="0" dirty="0">
+                      <a:endParaRPr lang="ru-RU" sz="2000" b="1" i="0" dirty="0">
+                        <a:effectLst/>
                         <a:latin typeface="Segoe Print" panose="02000600000000000000" pitchFamily="2" charset="0"/>
+                        <a:ea typeface="Tahoma" panose="020B0604030504040204" pitchFamily="34" charset="0"/>
+                        <a:cs typeface="Tahoma" panose="020B0604030504040204" pitchFamily="34" charset="0"/>
                       </a:endParaRPr>
                     </a:p>
                   </a:txBody>
-                  <a:tcPr anchor="ctr">
-                    <a:solidFill>
-                      <a:schemeClr val="accent6">
-                        <a:lumMod val="40000"/>
-                        <a:lumOff val="60000"/>
-                        <a:alpha val="60000"/>
-                      </a:schemeClr>
-                    </a:solidFill>
-                  </a:tcPr>
+                  <a:tcPr anchor="ctr"/>
                 </a:tc>
                 <a:tc>
                   <a:txBody>
@@ -4687,24 +4864,20 @@
                       <a:pPr algn="ctr"/>
                       <a:r>
                         <a:rPr lang="uk-UA" sz="2000" dirty="0" smtClean="0">
+                          <a:effectLst/>
                           <a:latin typeface="Segoe Print" panose="02000600000000000000" pitchFamily="2" charset="0"/>
                         </a:rPr>
                         <a:t>6 грн</a:t>
                       </a:r>
                       <a:endParaRPr lang="ru-RU" sz="2000" dirty="0">
+                        <a:effectLst/>
                         <a:latin typeface="Segoe Print" panose="02000600000000000000" pitchFamily="2" charset="0"/>
+                        <a:ea typeface="Tahoma" panose="020B0604030504040204" pitchFamily="34" charset="0"/>
+                        <a:cs typeface="Tahoma" panose="020B0604030504040204" pitchFamily="34" charset="0"/>
                       </a:endParaRPr>
                     </a:p>
                   </a:txBody>
-                  <a:tcPr anchor="ctr">
-                    <a:solidFill>
-                      <a:schemeClr val="accent6">
-                        <a:lumMod val="40000"/>
-                        <a:lumOff val="60000"/>
-                        <a:alpha val="60000"/>
-                      </a:schemeClr>
-                    </a:solidFill>
-                  </a:tcPr>
+                  <a:tcPr anchor="ctr"/>
                 </a:tc>
                 <a:tc>
                   <a:txBody>
@@ -4714,24 +4887,20 @@
                       <a:pPr algn="ctr"/>
                       <a:r>
                         <a:rPr lang="uk-UA" sz="2000" dirty="0" smtClean="0">
+                          <a:effectLst/>
                           <a:latin typeface="Segoe Print" panose="02000600000000000000" pitchFamily="2" charset="0"/>
                         </a:rPr>
                         <a:t>20</a:t>
                       </a:r>
                       <a:endParaRPr lang="ru-RU" sz="2000" dirty="0">
+                        <a:effectLst/>
                         <a:latin typeface="Segoe Print" panose="02000600000000000000" pitchFamily="2" charset="0"/>
+                        <a:ea typeface="Tahoma" panose="020B0604030504040204" pitchFamily="34" charset="0"/>
+                        <a:cs typeface="Tahoma" panose="020B0604030504040204" pitchFamily="34" charset="0"/>
                       </a:endParaRPr>
                     </a:p>
                   </a:txBody>
-                  <a:tcPr anchor="ctr">
-                    <a:solidFill>
-                      <a:schemeClr val="accent6">
-                        <a:lumMod val="40000"/>
-                        <a:lumOff val="60000"/>
-                        <a:alpha val="60000"/>
-                      </a:schemeClr>
-                    </a:solidFill>
-                  </a:tcPr>
+                  <a:tcPr anchor="ctr"/>
                 </a:tc>
                 <a:tc>
                   <a:txBody>
@@ -4741,24 +4910,20 @@
                       <a:pPr algn="ctr"/>
                       <a:r>
                         <a:rPr lang="uk-UA" sz="2000" dirty="0" smtClean="0">
+                          <a:effectLst/>
                           <a:latin typeface="Segoe Print" panose="02000600000000000000" pitchFamily="2" charset="0"/>
                         </a:rPr>
                         <a:t>120</a:t>
                       </a:r>
                       <a:endParaRPr lang="ru-RU" sz="2000" dirty="0">
+                        <a:effectLst/>
                         <a:latin typeface="Segoe Print" panose="02000600000000000000" pitchFamily="2" charset="0"/>
+                        <a:ea typeface="Tahoma" panose="020B0604030504040204" pitchFamily="34" charset="0"/>
+                        <a:cs typeface="Tahoma" panose="020B0604030504040204" pitchFamily="34" charset="0"/>
                       </a:endParaRPr>
                     </a:p>
                   </a:txBody>
-                  <a:tcPr anchor="ctr">
-                    <a:solidFill>
-                      <a:schemeClr val="accent6">
-                        <a:lumMod val="40000"/>
-                        <a:lumOff val="60000"/>
-                        <a:alpha val="60000"/>
-                      </a:schemeClr>
-                    </a:solidFill>
-                  </a:tcPr>
+                  <a:tcPr anchor="ctr"/>
                 </a:tc>
               </a:tr>
               <a:tr h="617143">
@@ -4769,25 +4934,21 @@
                     <a:p>
                       <a:pPr algn="l"/>
                       <a:r>
-                        <a:rPr lang="uk-UA" sz="2200" b="1" i="0" dirty="0" smtClean="0">
+                        <a:rPr lang="uk-UA" sz="2000" b="1" dirty="0" smtClean="0">
+                          <a:effectLst/>
                           <a:latin typeface="Segoe Print" panose="02000600000000000000" pitchFamily="2" charset="0"/>
                         </a:rPr>
                         <a:t>Вивіски</a:t>
                       </a:r>
-                      <a:endParaRPr lang="ru-RU" sz="2200" b="1" i="0" dirty="0">
+                      <a:endParaRPr lang="ru-RU" sz="2000" b="1" i="0" dirty="0">
+                        <a:effectLst/>
                         <a:latin typeface="Segoe Print" panose="02000600000000000000" pitchFamily="2" charset="0"/>
+                        <a:ea typeface="Tahoma" panose="020B0604030504040204" pitchFamily="34" charset="0"/>
+                        <a:cs typeface="Tahoma" panose="020B0604030504040204" pitchFamily="34" charset="0"/>
                       </a:endParaRPr>
                     </a:p>
                   </a:txBody>
-                  <a:tcPr anchor="ctr">
-                    <a:solidFill>
-                      <a:schemeClr val="accent6">
-                        <a:lumMod val="60000"/>
-                        <a:lumOff val="40000"/>
-                        <a:alpha val="60000"/>
-                      </a:schemeClr>
-                    </a:solidFill>
-                  </a:tcPr>
+                  <a:tcPr anchor="ctr"/>
                 </a:tc>
                 <a:tc>
                   <a:txBody>
@@ -4797,24 +4958,20 @@
                       <a:pPr algn="ctr"/>
                       <a:r>
                         <a:rPr lang="uk-UA" sz="2000" dirty="0" smtClean="0">
+                          <a:effectLst/>
                           <a:latin typeface="Segoe Print" panose="02000600000000000000" pitchFamily="2" charset="0"/>
                         </a:rPr>
                         <a:t>100 грн</a:t>
                       </a:r>
                       <a:endParaRPr lang="ru-RU" sz="2000" dirty="0">
+                        <a:effectLst/>
                         <a:latin typeface="Segoe Print" panose="02000600000000000000" pitchFamily="2" charset="0"/>
+                        <a:ea typeface="Tahoma" panose="020B0604030504040204" pitchFamily="34" charset="0"/>
+                        <a:cs typeface="Tahoma" panose="020B0604030504040204" pitchFamily="34" charset="0"/>
                       </a:endParaRPr>
                     </a:p>
                   </a:txBody>
-                  <a:tcPr anchor="ctr">
-                    <a:solidFill>
-                      <a:schemeClr val="accent6">
-                        <a:lumMod val="60000"/>
-                        <a:lumOff val="40000"/>
-                        <a:alpha val="60000"/>
-                      </a:schemeClr>
-                    </a:solidFill>
-                  </a:tcPr>
+                  <a:tcPr anchor="ctr"/>
                 </a:tc>
                 <a:tc>
                   <a:txBody>
@@ -4824,24 +4981,20 @@
                       <a:pPr algn="ctr"/>
                       <a:r>
                         <a:rPr lang="uk-UA" sz="2000" dirty="0" smtClean="0">
+                          <a:effectLst/>
                           <a:latin typeface="Segoe Print" panose="02000600000000000000" pitchFamily="2" charset="0"/>
                         </a:rPr>
                         <a:t>4</a:t>
                       </a:r>
                       <a:endParaRPr lang="ru-RU" sz="2000" dirty="0">
+                        <a:effectLst/>
                         <a:latin typeface="Segoe Print" panose="02000600000000000000" pitchFamily="2" charset="0"/>
+                        <a:ea typeface="Tahoma" panose="020B0604030504040204" pitchFamily="34" charset="0"/>
+                        <a:cs typeface="Tahoma" panose="020B0604030504040204" pitchFamily="34" charset="0"/>
                       </a:endParaRPr>
                     </a:p>
                   </a:txBody>
-                  <a:tcPr anchor="ctr">
-                    <a:solidFill>
-                      <a:schemeClr val="accent6">
-                        <a:lumMod val="60000"/>
-                        <a:lumOff val="40000"/>
-                        <a:alpha val="60000"/>
-                      </a:schemeClr>
-                    </a:solidFill>
-                  </a:tcPr>
+                  <a:tcPr anchor="ctr"/>
                 </a:tc>
                 <a:tc>
                   <a:txBody>
@@ -4851,24 +5004,20 @@
                       <a:pPr algn="ctr"/>
                       <a:r>
                         <a:rPr lang="uk-UA" sz="2000" dirty="0" smtClean="0">
+                          <a:effectLst/>
                           <a:latin typeface="Segoe Print" panose="02000600000000000000" pitchFamily="2" charset="0"/>
                         </a:rPr>
                         <a:t>400</a:t>
                       </a:r>
                       <a:endParaRPr lang="ru-RU" sz="2000" dirty="0">
+                        <a:effectLst/>
                         <a:latin typeface="Segoe Print" panose="02000600000000000000" pitchFamily="2" charset="0"/>
+                        <a:ea typeface="Tahoma" panose="020B0604030504040204" pitchFamily="34" charset="0"/>
+                        <a:cs typeface="Tahoma" panose="020B0604030504040204" pitchFamily="34" charset="0"/>
                       </a:endParaRPr>
                     </a:p>
                   </a:txBody>
-                  <a:tcPr anchor="ctr">
-                    <a:solidFill>
-                      <a:schemeClr val="accent6">
-                        <a:lumMod val="60000"/>
-                        <a:lumOff val="40000"/>
-                        <a:alpha val="60000"/>
-                      </a:schemeClr>
-                    </a:solidFill>
-                  </a:tcPr>
+                  <a:tcPr anchor="ctr"/>
                 </a:tc>
               </a:tr>
               <a:tr h="617143">
@@ -4879,31 +5028,28 @@
                     <a:p>
                       <a:pPr algn="l"/>
                       <a:r>
-                        <a:rPr lang="uk-UA" sz="2200" b="1" i="0" dirty="0" smtClean="0">
+                        <a:rPr lang="uk-UA" sz="2000" b="1" dirty="0" smtClean="0">
+                          <a:effectLst/>
                           <a:latin typeface="Segoe Print" panose="02000600000000000000" pitchFamily="2" charset="0"/>
                         </a:rPr>
                         <a:t>Візитки</a:t>
                       </a:r>
                       <a:r>
-                        <a:rPr lang="uk-UA" sz="2200" b="1" i="0" baseline="0" dirty="0" smtClean="0">
+                        <a:rPr lang="uk-UA" sz="2000" b="1" baseline="0" dirty="0" smtClean="0">
+                          <a:effectLst/>
                           <a:latin typeface="Segoe Print" panose="02000600000000000000" pitchFamily="2" charset="0"/>
                         </a:rPr>
                         <a:t> клієнтам</a:t>
                       </a:r>
-                      <a:endParaRPr lang="ru-RU" sz="2200" b="1" i="0" dirty="0">
+                      <a:endParaRPr lang="ru-RU" sz="2000" b="1" i="0" dirty="0">
+                        <a:effectLst/>
                         <a:latin typeface="Segoe Print" panose="02000600000000000000" pitchFamily="2" charset="0"/>
+                        <a:ea typeface="Tahoma" panose="020B0604030504040204" pitchFamily="34" charset="0"/>
+                        <a:cs typeface="Tahoma" panose="020B0604030504040204" pitchFamily="34" charset="0"/>
                       </a:endParaRPr>
                     </a:p>
                   </a:txBody>
-                  <a:tcPr anchor="ctr">
-                    <a:solidFill>
-                      <a:schemeClr val="accent6">
-                        <a:lumMod val="40000"/>
-                        <a:lumOff val="60000"/>
-                        <a:alpha val="60000"/>
-                      </a:schemeClr>
-                    </a:solidFill>
-                  </a:tcPr>
+                  <a:tcPr anchor="ctr"/>
                 </a:tc>
                 <a:tc>
                   <a:txBody>
@@ -4913,30 +5059,27 @@
                       <a:pPr algn="ctr"/>
                       <a:r>
                         <a:rPr lang="uk-UA" sz="2000" dirty="0" smtClean="0">
+                          <a:effectLst/>
                           <a:latin typeface="Segoe Print" panose="02000600000000000000" pitchFamily="2" charset="0"/>
                         </a:rPr>
                         <a:t>2</a:t>
                       </a:r>
                       <a:r>
                         <a:rPr lang="uk-UA" sz="2000" baseline="0" dirty="0" smtClean="0">
+                          <a:effectLst/>
                           <a:latin typeface="Segoe Print" panose="02000600000000000000" pitchFamily="2" charset="0"/>
                         </a:rPr>
                         <a:t> грн</a:t>
                       </a:r>
                       <a:endParaRPr lang="ru-RU" sz="2000" dirty="0">
+                        <a:effectLst/>
                         <a:latin typeface="Segoe Print" panose="02000600000000000000" pitchFamily="2" charset="0"/>
+                        <a:ea typeface="Tahoma" panose="020B0604030504040204" pitchFamily="34" charset="0"/>
+                        <a:cs typeface="Tahoma" panose="020B0604030504040204" pitchFamily="34" charset="0"/>
                       </a:endParaRPr>
                     </a:p>
                   </a:txBody>
-                  <a:tcPr anchor="ctr">
-                    <a:solidFill>
-                      <a:schemeClr val="accent6">
-                        <a:lumMod val="40000"/>
-                        <a:lumOff val="60000"/>
-                        <a:alpha val="60000"/>
-                      </a:schemeClr>
-                    </a:solidFill>
-                  </a:tcPr>
+                  <a:tcPr anchor="ctr"/>
                 </a:tc>
                 <a:tc>
                   <a:txBody>
@@ -4946,36 +5089,34 @@
                       <a:pPr algn="ctr"/>
                       <a:r>
                         <a:rPr lang="uk-UA" sz="2000" dirty="0" smtClean="0">
+                          <a:effectLst/>
                           <a:latin typeface="Segoe Print" panose="02000600000000000000" pitchFamily="2" charset="0"/>
                         </a:rPr>
                         <a:t>1</a:t>
                       </a:r>
                       <a:r>
                         <a:rPr lang="en-US" sz="2000" dirty="0" smtClean="0">
+                          <a:effectLst/>
                           <a:latin typeface="Segoe Print" panose="02000600000000000000" pitchFamily="2" charset="0"/>
                         </a:rPr>
                         <a:t> </a:t>
                       </a:r>
                       <a:r>
                         <a:rPr lang="uk-UA" sz="2000" dirty="0" smtClean="0">
+                          <a:effectLst/>
                           <a:latin typeface="Segoe Print" panose="02000600000000000000" pitchFamily="2" charset="0"/>
                         </a:rPr>
                         <a:t>000</a:t>
                       </a:r>
                       <a:endParaRPr lang="ru-RU" sz="2000" dirty="0">
+                        <a:effectLst/>
                         <a:latin typeface="Segoe Print" panose="02000600000000000000" pitchFamily="2" charset="0"/>
+                        <a:ea typeface="Tahoma" panose="020B0604030504040204" pitchFamily="34" charset="0"/>
+                        <a:cs typeface="Tahoma" panose="020B0604030504040204" pitchFamily="34" charset="0"/>
                       </a:endParaRPr>
                     </a:p>
                   </a:txBody>
-                  <a:tcPr anchor="ctr">
-                    <a:solidFill>
-                      <a:schemeClr val="accent6">
-                        <a:lumMod val="40000"/>
-                        <a:lumOff val="60000"/>
-                        <a:alpha val="60000"/>
-                      </a:schemeClr>
-                    </a:solidFill>
-                  </a:tcPr>
+                  <a:tcPr anchor="ctr"/>
                 </a:tc>
                 <a:tc>
                   <a:txBody>
@@ -4984,49 +5125,49 @@
                     <a:p>
                       <a:pPr algn="ctr"/>
                       <a:r>
-                        <a:rPr lang="uk-UA" sz="2000" b="0" dirty="0" smtClean="0">
+                        <a:rPr lang="uk-UA" sz="2000" dirty="0" smtClean="0">
+                          <a:effectLst/>
                           <a:latin typeface="Segoe Print" panose="02000600000000000000" pitchFamily="2" charset="0"/>
                         </a:rPr>
                         <a:t>2</a:t>
                       </a:r>
                       <a:r>
-                        <a:rPr lang="en-US" sz="2000" b="0" dirty="0" smtClean="0">
+                        <a:rPr lang="en-US" sz="2000" dirty="0" smtClean="0">
+                          <a:effectLst/>
                           <a:latin typeface="Segoe Print" panose="02000600000000000000" pitchFamily="2" charset="0"/>
                         </a:rPr>
                         <a:t> </a:t>
                       </a:r>
                       <a:r>
-                        <a:rPr lang="uk-UA" sz="2000" b="0" dirty="0" smtClean="0">
+                        <a:rPr lang="uk-UA" sz="2000" dirty="0" smtClean="0">
+                          <a:effectLst/>
                           <a:latin typeface="Segoe Print" panose="02000600000000000000" pitchFamily="2" charset="0"/>
                         </a:rPr>
                         <a:t>000</a:t>
                       </a:r>
                       <a:r>
                         <a:rPr lang="en-US" sz="2000" dirty="0" smtClean="0">
+                          <a:effectLst/>
                           <a:latin typeface="Segoe Print" panose="02000600000000000000" pitchFamily="2" charset="0"/>
                         </a:rPr>
                         <a:t> </a:t>
                       </a:r>
                       <a:r>
-                        <a:rPr lang="uk-UA" sz="2000" b="0" dirty="0" smtClean="0">
+                        <a:rPr lang="uk-UA" sz="2000" dirty="0" smtClean="0">
+                          <a:effectLst/>
                           <a:latin typeface="Segoe Print" panose="02000600000000000000" pitchFamily="2" charset="0"/>
                         </a:rPr>
                         <a:t>грн</a:t>
                       </a:r>
                       <a:endParaRPr lang="ru-RU" sz="2000" b="0" dirty="0">
+                        <a:effectLst/>
                         <a:latin typeface="Segoe Print" panose="02000600000000000000" pitchFamily="2" charset="0"/>
+                        <a:ea typeface="Tahoma" panose="020B0604030504040204" pitchFamily="34" charset="0"/>
+                        <a:cs typeface="Tahoma" panose="020B0604030504040204" pitchFamily="34" charset="0"/>
                       </a:endParaRPr>
                     </a:p>
                   </a:txBody>
-                  <a:tcPr anchor="ctr">
-                    <a:solidFill>
-                      <a:schemeClr val="accent6">
-                        <a:lumMod val="40000"/>
-                        <a:lumOff val="60000"/>
-                        <a:alpha val="60000"/>
-                      </a:schemeClr>
-                    </a:solidFill>
-                  </a:tcPr>
+                  <a:tcPr anchor="ctr"/>
                 </a:tc>
               </a:tr>
               <a:tr h="617143">
@@ -5037,19 +5178,14 @@
                     <a:p>
                       <a:pPr algn="ctr"/>
                       <a:endParaRPr lang="ru-RU" sz="2000" b="1" i="0" dirty="0">
+                        <a:effectLst/>
                         <a:latin typeface="Segoe Print" panose="02000600000000000000" pitchFamily="2" charset="0"/>
+                        <a:ea typeface="Tahoma" panose="020B0604030504040204" pitchFamily="34" charset="0"/>
+                        <a:cs typeface="Tahoma" panose="020B0604030504040204" pitchFamily="34" charset="0"/>
                       </a:endParaRPr>
                     </a:p>
                   </a:txBody>
-                  <a:tcPr anchor="ctr">
-                    <a:solidFill>
-                      <a:schemeClr val="accent6">
-                        <a:lumMod val="60000"/>
-                        <a:lumOff val="40000"/>
-                        <a:alpha val="60000"/>
-                      </a:schemeClr>
-                    </a:solidFill>
-                  </a:tcPr>
+                  <a:tcPr anchor="ctr"/>
                 </a:tc>
                 <a:tc>
                   <a:txBody>
@@ -5058,19 +5194,14 @@
                     <a:p>
                       <a:pPr algn="ctr"/>
                       <a:endParaRPr lang="ru-RU" sz="2000" dirty="0">
+                        <a:effectLst/>
                         <a:latin typeface="Segoe Print" panose="02000600000000000000" pitchFamily="2" charset="0"/>
+                        <a:ea typeface="Tahoma" panose="020B0604030504040204" pitchFamily="34" charset="0"/>
+                        <a:cs typeface="Tahoma" panose="020B0604030504040204" pitchFamily="34" charset="0"/>
                       </a:endParaRPr>
                     </a:p>
                   </a:txBody>
-                  <a:tcPr anchor="ctr">
-                    <a:solidFill>
-                      <a:schemeClr val="accent6">
-                        <a:lumMod val="60000"/>
-                        <a:lumOff val="40000"/>
-                        <a:alpha val="60000"/>
-                      </a:schemeClr>
-                    </a:solidFill>
-                  </a:tcPr>
+                  <a:tcPr anchor="ctr"/>
                 </a:tc>
                 <a:tc>
                   <a:txBody>
@@ -5079,19 +5210,14 @@
                     <a:p>
                       <a:pPr algn="ctr"/>
                       <a:endParaRPr lang="ru-RU" sz="2000" dirty="0">
+                        <a:effectLst/>
                         <a:latin typeface="Segoe Print" panose="02000600000000000000" pitchFamily="2" charset="0"/>
+                        <a:ea typeface="Tahoma" panose="020B0604030504040204" pitchFamily="34" charset="0"/>
+                        <a:cs typeface="Tahoma" panose="020B0604030504040204" pitchFamily="34" charset="0"/>
                       </a:endParaRPr>
                     </a:p>
                   </a:txBody>
-                  <a:tcPr anchor="ctr">
-                    <a:solidFill>
-                      <a:schemeClr val="accent6">
-                        <a:lumMod val="60000"/>
-                        <a:lumOff val="40000"/>
-                        <a:alpha val="60000"/>
-                      </a:schemeClr>
-                    </a:solidFill>
-                  </a:tcPr>
+                  <a:tcPr anchor="ctr"/>
                 </a:tc>
                 <a:tc>
                   <a:txBody>
@@ -5100,19 +5226,14 @@
                     <a:p>
                       <a:pPr algn="ctr"/>
                       <a:endParaRPr lang="ru-RU" sz="2000" dirty="0">
+                        <a:effectLst/>
                         <a:latin typeface="Segoe Print" panose="02000600000000000000" pitchFamily="2" charset="0"/>
+                        <a:ea typeface="Tahoma" panose="020B0604030504040204" pitchFamily="34" charset="0"/>
+                        <a:cs typeface="Tahoma" panose="020B0604030504040204" pitchFamily="34" charset="0"/>
                       </a:endParaRPr>
                     </a:p>
                   </a:txBody>
-                  <a:tcPr anchor="ctr">
-                    <a:solidFill>
-                      <a:schemeClr val="accent6">
-                        <a:lumMod val="60000"/>
-                        <a:lumOff val="40000"/>
-                        <a:alpha val="60000"/>
-                      </a:schemeClr>
-                    </a:solidFill>
-                  </a:tcPr>
+                  <a:tcPr anchor="ctr"/>
                 </a:tc>
               </a:tr>
               <a:tr h="617143">
@@ -5123,19 +5244,14 @@
                     <a:p>
                       <a:pPr algn="ctr"/>
                       <a:endParaRPr lang="ru-RU" sz="2000" b="1" i="0" dirty="0">
+                        <a:effectLst/>
                         <a:latin typeface="Segoe Print" panose="02000600000000000000" pitchFamily="2" charset="0"/>
+                        <a:ea typeface="Tahoma" panose="020B0604030504040204" pitchFamily="34" charset="0"/>
+                        <a:cs typeface="Tahoma" panose="020B0604030504040204" pitchFamily="34" charset="0"/>
                       </a:endParaRPr>
                     </a:p>
                   </a:txBody>
-                  <a:tcPr anchor="ctr">
-                    <a:solidFill>
-                      <a:schemeClr val="accent6">
-                        <a:lumMod val="40000"/>
-                        <a:lumOff val="60000"/>
-                        <a:alpha val="60000"/>
-                      </a:schemeClr>
-                    </a:solidFill>
-                  </a:tcPr>
+                  <a:tcPr anchor="ctr"/>
                 </a:tc>
                 <a:tc>
                   <a:txBody>
@@ -5144,19 +5260,14 @@
                     <a:p>
                       <a:pPr algn="ctr"/>
                       <a:endParaRPr lang="ru-RU" sz="2000" dirty="0">
+                        <a:effectLst/>
                         <a:latin typeface="Segoe Print" panose="02000600000000000000" pitchFamily="2" charset="0"/>
+                        <a:ea typeface="Tahoma" panose="020B0604030504040204" pitchFamily="34" charset="0"/>
+                        <a:cs typeface="Tahoma" panose="020B0604030504040204" pitchFamily="34" charset="0"/>
                       </a:endParaRPr>
                     </a:p>
                   </a:txBody>
-                  <a:tcPr anchor="ctr">
-                    <a:solidFill>
-                      <a:schemeClr val="accent6">
-                        <a:lumMod val="40000"/>
-                        <a:lumOff val="60000"/>
-                        <a:alpha val="60000"/>
-                      </a:schemeClr>
-                    </a:solidFill>
-                  </a:tcPr>
+                  <a:tcPr anchor="ctr"/>
                 </a:tc>
                 <a:tc>
                   <a:txBody>
@@ -5165,19 +5276,14 @@
                     <a:p>
                       <a:pPr algn="ctr"/>
                       <a:endParaRPr lang="ru-RU" sz="2000" dirty="0">
+                        <a:effectLst/>
                         <a:latin typeface="Segoe Print" panose="02000600000000000000" pitchFamily="2" charset="0"/>
+                        <a:ea typeface="Tahoma" panose="020B0604030504040204" pitchFamily="34" charset="0"/>
+                        <a:cs typeface="Tahoma" panose="020B0604030504040204" pitchFamily="34" charset="0"/>
                       </a:endParaRPr>
                     </a:p>
                   </a:txBody>
-                  <a:tcPr anchor="ctr">
-                    <a:solidFill>
-                      <a:schemeClr val="accent6">
-                        <a:lumMod val="40000"/>
-                        <a:lumOff val="60000"/>
-                        <a:alpha val="60000"/>
-                      </a:schemeClr>
-                    </a:solidFill>
-                  </a:tcPr>
+                  <a:tcPr anchor="ctr"/>
                 </a:tc>
                 <a:tc>
                   <a:txBody>
@@ -5186,19 +5292,14 @@
                     <a:p>
                       <a:pPr algn="ctr"/>
                       <a:endParaRPr lang="ru-RU" sz="2000" dirty="0">
+                        <a:effectLst/>
                         <a:latin typeface="Segoe Print" panose="02000600000000000000" pitchFamily="2" charset="0"/>
+                        <a:ea typeface="Tahoma" panose="020B0604030504040204" pitchFamily="34" charset="0"/>
+                        <a:cs typeface="Tahoma" panose="020B0604030504040204" pitchFamily="34" charset="0"/>
                       </a:endParaRPr>
                     </a:p>
                   </a:txBody>
-                  <a:tcPr anchor="ctr">
-                    <a:solidFill>
-                      <a:schemeClr val="accent6">
-                        <a:lumMod val="40000"/>
-                        <a:lumOff val="60000"/>
-                        <a:alpha val="60000"/>
-                      </a:schemeClr>
-                    </a:solidFill>
-                  </a:tcPr>
+                  <a:tcPr anchor="ctr"/>
                 </a:tc>
               </a:tr>
               <a:tr h="617143">
@@ -5209,63 +5310,86 @@
                     <a:p>
                       <a:pPr algn="r"/>
                       <a:r>
-                        <a:rPr lang="uk-UA" sz="3200" b="1" i="0" dirty="0" smtClean="0">
-                          <a:gradFill>
+                        <a:rPr lang="uk-UA" sz="2800" dirty="0" smtClean="0">
+                          <a:gradFill flip="none" rotWithShape="1">
                             <a:gsLst>
                               <a:gs pos="0">
-                                <a:srgbClr val="FF0505"/>
+                                <a:schemeClr val="tx1">
+                                  <a:lumMod val="95000"/>
+                                  <a:lumOff val="5000"/>
+                                </a:schemeClr>
                               </a:gs>
                               <a:gs pos="100000">
-                                <a:srgbClr val="FE4C4C"/>
+                                <a:schemeClr val="tx1">
+                                  <a:lumMod val="85000"/>
+                                  <a:lumOff val="15000"/>
+                                </a:schemeClr>
                               </a:gs>
                             </a:gsLst>
                             <a:lin ang="18900000" scaled="1"/>
+                            <a:tileRect/>
                           </a:gradFill>
-                          <a:latin typeface="Segoe Print" panose="02000600000000000000" pitchFamily="2" charset="0"/>
+                          <a:effectLst/>
+                          <a:latin typeface="Tahoma" panose="020B0604030504040204" pitchFamily="34" charset="0"/>
+                          <a:ea typeface="Tahoma" panose="020B0604030504040204" pitchFamily="34" charset="0"/>
+                          <a:cs typeface="Tahoma" panose="020B0604030504040204" pitchFamily="34" charset="0"/>
                         </a:rPr>
                         <a:t>Всього</a:t>
                       </a:r>
                       <a:r>
-                        <a:rPr lang="en-US" sz="3200" b="1" i="0" dirty="0" smtClean="0">
-                          <a:gradFill>
+                        <a:rPr lang="en-US" sz="2800" dirty="0" smtClean="0">
+                          <a:gradFill flip="none" rotWithShape="1">
                             <a:gsLst>
                               <a:gs pos="0">
-                                <a:srgbClr val="FF0505"/>
+                                <a:schemeClr val="tx1">
+                                  <a:lumMod val="95000"/>
+                                  <a:lumOff val="5000"/>
+                                </a:schemeClr>
                               </a:gs>
                               <a:gs pos="100000">
-                                <a:srgbClr val="FE4C4C"/>
+                                <a:schemeClr val="tx1">
+                                  <a:lumMod val="85000"/>
+                                  <a:lumOff val="15000"/>
+                                </a:schemeClr>
                               </a:gs>
                             </a:gsLst>
                             <a:lin ang="18900000" scaled="1"/>
+                            <a:tileRect/>
                           </a:gradFill>
-                          <a:latin typeface="Segoe Print" panose="02000600000000000000" pitchFamily="2" charset="0"/>
+                          <a:effectLst/>
+                          <a:latin typeface="Tahoma" panose="020B0604030504040204" pitchFamily="34" charset="0"/>
+                          <a:ea typeface="Tahoma" panose="020B0604030504040204" pitchFamily="34" charset="0"/>
+                          <a:cs typeface="Tahoma" panose="020B0604030504040204" pitchFamily="34" charset="0"/>
                         </a:rPr>
                         <a:t>:</a:t>
                       </a:r>
-                      <a:endParaRPr lang="ru-RU" sz="2000" b="1" i="0" dirty="0">
-                        <a:gradFill>
+                      <a:endParaRPr lang="ru-RU" sz="2800" b="1" i="0" dirty="0">
+                        <a:gradFill flip="none" rotWithShape="1">
                           <a:gsLst>
                             <a:gs pos="0">
-                              <a:srgbClr val="FF0505"/>
+                              <a:schemeClr val="tx1">
+                                <a:lumMod val="95000"/>
+                                <a:lumOff val="5000"/>
+                              </a:schemeClr>
                             </a:gs>
                             <a:gs pos="100000">
-                              <a:srgbClr val="FE4C4C"/>
+                              <a:schemeClr val="tx1">
+                                <a:lumMod val="85000"/>
+                                <a:lumOff val="15000"/>
+                              </a:schemeClr>
                             </a:gs>
                           </a:gsLst>
                           <a:lin ang="18900000" scaled="1"/>
+                          <a:tileRect/>
                         </a:gradFill>
-                        <a:latin typeface="Segoe Print" panose="02000600000000000000" pitchFamily="2" charset="0"/>
+                        <a:effectLst/>
+                        <a:latin typeface="Tahoma" panose="020B0604030504040204" pitchFamily="34" charset="0"/>
+                        <a:ea typeface="Tahoma" panose="020B0604030504040204" pitchFamily="34" charset="0"/>
+                        <a:cs typeface="Tahoma" panose="020B0604030504040204" pitchFamily="34" charset="0"/>
                       </a:endParaRPr>
                     </a:p>
                   </a:txBody>
-                  <a:tcPr anchor="ctr">
-                    <a:solidFill>
-                      <a:schemeClr val="accent6">
-                        <a:lumMod val="75000"/>
-                        <a:alpha val="30000"/>
-                      </a:schemeClr>
-                    </a:solidFill>
-                  </a:tcPr>
+                  <a:tcPr anchor="ctr"/>
                 </a:tc>
                 <a:tc hMerge="1">
                   <a:txBody>
@@ -5300,80 +5424,113 @@
                     <a:p>
                       <a:pPr algn="ctr"/>
                       <a:r>
-                        <a:rPr lang="ru-RU" sz="2000" b="1" dirty="0" smtClean="0">
-                          <a:gradFill>
+                        <a:rPr lang="ru-RU" sz="2000" dirty="0" smtClean="0">
+                          <a:gradFill flip="none" rotWithShape="1">
                             <a:gsLst>
                               <a:gs pos="0">
-                                <a:srgbClr val="FF0505"/>
+                                <a:schemeClr val="tx1">
+                                  <a:lumMod val="95000"/>
+                                  <a:lumOff val="5000"/>
+                                </a:schemeClr>
                               </a:gs>
                               <a:gs pos="100000">
-                                <a:srgbClr val="FE4C4C"/>
+                                <a:schemeClr val="tx1">
+                                  <a:lumMod val="85000"/>
+                                  <a:lumOff val="15000"/>
+                                </a:schemeClr>
                               </a:gs>
                             </a:gsLst>
                             <a:lin ang="18900000" scaled="1"/>
+                            <a:tileRect/>
                           </a:gradFill>
-                          <a:latin typeface="Segoe Print" panose="02000600000000000000" pitchFamily="2" charset="0"/>
+                          <a:effectLst/>
+                          <a:latin typeface="Tahoma" panose="020B0604030504040204" pitchFamily="34" charset="0"/>
+                          <a:ea typeface="Tahoma" panose="020B0604030504040204" pitchFamily="34" charset="0"/>
+                          <a:cs typeface="Tahoma" panose="020B0604030504040204" pitchFamily="34" charset="0"/>
                         </a:rPr>
                         <a:t>2 520</a:t>
                       </a:r>
                       <a:r>
-                        <a:rPr lang="en-US" sz="2000" b="1" dirty="0" smtClean="0">
-                          <a:gradFill>
+                        <a:rPr lang="en-US" sz="2000" dirty="0" smtClean="0">
+                          <a:gradFill flip="none" rotWithShape="1">
                             <a:gsLst>
                               <a:gs pos="0">
-                                <a:srgbClr val="FF0505"/>
+                                <a:schemeClr val="tx1">
+                                  <a:lumMod val="95000"/>
+                                  <a:lumOff val="5000"/>
+                                </a:schemeClr>
                               </a:gs>
                               <a:gs pos="100000">
-                                <a:srgbClr val="FE4C4C"/>
+                                <a:schemeClr val="tx1">
+                                  <a:lumMod val="85000"/>
+                                  <a:lumOff val="15000"/>
+                                </a:schemeClr>
                               </a:gs>
                             </a:gsLst>
                             <a:lin ang="18900000" scaled="1"/>
+                            <a:tileRect/>
                           </a:gradFill>
-                          <a:latin typeface="Segoe Print" panose="02000600000000000000" pitchFamily="2" charset="0"/>
+                          <a:effectLst/>
+                          <a:latin typeface="Tahoma" panose="020B0604030504040204" pitchFamily="34" charset="0"/>
+                          <a:ea typeface="Tahoma" panose="020B0604030504040204" pitchFamily="34" charset="0"/>
+                          <a:cs typeface="Tahoma" panose="020B0604030504040204" pitchFamily="34" charset="0"/>
                         </a:rPr>
                         <a:t> </a:t>
                       </a:r>
                       <a:r>
-                        <a:rPr lang="ru-RU" sz="2000" b="1" dirty="0" smtClean="0">
-                          <a:gradFill>
+                        <a:rPr lang="ru-RU" sz="2000" dirty="0" smtClean="0">
+                          <a:gradFill flip="none" rotWithShape="1">
                             <a:gsLst>
                               <a:gs pos="0">
-                                <a:srgbClr val="FF0505"/>
+                                <a:schemeClr val="tx1">
+                                  <a:lumMod val="95000"/>
+                                  <a:lumOff val="5000"/>
+                                </a:schemeClr>
                               </a:gs>
                               <a:gs pos="100000">
-                                <a:srgbClr val="FE4C4C"/>
+                                <a:schemeClr val="tx1">
+                                  <a:lumMod val="85000"/>
+                                  <a:lumOff val="15000"/>
+                                </a:schemeClr>
                               </a:gs>
                             </a:gsLst>
                             <a:lin ang="18900000" scaled="1"/>
+                            <a:tileRect/>
                           </a:gradFill>
-                          <a:latin typeface="Segoe Print" panose="02000600000000000000" pitchFamily="2" charset="0"/>
+                          <a:effectLst/>
+                          <a:latin typeface="Tahoma" panose="020B0604030504040204" pitchFamily="34" charset="0"/>
+                          <a:ea typeface="Tahoma" panose="020B0604030504040204" pitchFamily="34" charset="0"/>
+                          <a:cs typeface="Tahoma" panose="020B0604030504040204" pitchFamily="34" charset="0"/>
                         </a:rPr>
                         <a:t>грн</a:t>
                       </a:r>
                       <a:endParaRPr lang="ru-RU" sz="2000" b="1" dirty="0">
-                        <a:gradFill>
+                        <a:gradFill flip="none" rotWithShape="1">
                           <a:gsLst>
                             <a:gs pos="0">
-                              <a:srgbClr val="FF0505"/>
+                              <a:schemeClr val="tx1">
+                                <a:lumMod val="95000"/>
+                                <a:lumOff val="5000"/>
+                              </a:schemeClr>
                             </a:gs>
                             <a:gs pos="100000">
-                              <a:srgbClr val="FE4C4C"/>
+                              <a:schemeClr val="tx1">
+                                <a:lumMod val="85000"/>
+                                <a:lumOff val="15000"/>
+                              </a:schemeClr>
                             </a:gs>
                           </a:gsLst>
                           <a:lin ang="18900000" scaled="1"/>
+                          <a:tileRect/>
                         </a:gradFill>
-                        <a:latin typeface="Segoe Print" panose="02000600000000000000" pitchFamily="2" charset="0"/>
+                        <a:effectLst/>
+                        <a:latin typeface="Tahoma" panose="020B0604030504040204" pitchFamily="34" charset="0"/>
+                        <a:ea typeface="Tahoma" panose="020B0604030504040204" pitchFamily="34" charset="0"/>
+                        <a:cs typeface="Tahoma" panose="020B0604030504040204" pitchFamily="34" charset="0"/>
                       </a:endParaRPr>
                     </a:p>
                   </a:txBody>
-                  <a:tcPr anchor="ctr">
-                    <a:solidFill>
-                      <a:schemeClr val="accent6">
-                        <a:lumMod val="75000"/>
-                        <a:alpha val="30000"/>
-                      </a:schemeClr>
-                    </a:solidFill>
-                  </a:tcPr>
+                  <a:tcPr anchor="ctr"/>
                 </a:tc>
               </a:tr>
             </a:tbl>

--- a/diplomna.pptx
+++ b/diplomna.pptx
@@ -4021,6 +4021,152 @@
           </a:p>
         </p:txBody>
       </p:sp>
+      <p:sp>
+        <p:nvSpPr>
+          <p:cNvPr id="3" name="TextBox 2"/>
+          <p:cNvSpPr txBox="1"/>
+          <p:nvPr/>
+        </p:nvSpPr>
+        <p:spPr>
+          <a:xfrm>
+            <a:off x="336000" y="1072753"/>
+            <a:ext cx="11520000" cy="4154984"/>
+          </a:xfrm>
+          <a:prstGeom prst="rect">
+            <a:avLst/>
+          </a:prstGeom>
+          <a:noFill/>
+        </p:spPr>
+        <p:txBody>
+          <a:bodyPr wrap="square" rtlCol="0">
+            <a:spAutoFit/>
+          </a:bodyPr>
+          <a:lstStyle/>
+          <a:p>
+            <a:pPr algn="just"/>
+            <a:r>
+              <a:rPr lang="uk-UA" sz="2400" dirty="0" smtClean="0"/>
+              <a:t>Внутрішні ризики пов'язані з помилками підприємця в організації бізнесу. До них відносяться наступні:</a:t>
+            </a:r>
+          </a:p>
+          <a:p>
+            <a:pPr marL="342900" indent="-342900" algn="just">
+              <a:buFont typeface="Wingdings" panose="05000000000000000000" pitchFamily="2" charset="2"/>
+              <a:buChar char="Ø"/>
+            </a:pPr>
+            <a:r>
+              <a:rPr lang="uk-UA" sz="2400" dirty="0" smtClean="0"/>
+              <a:t>Низька компетентність персоналу</a:t>
+            </a:r>
+          </a:p>
+          <a:p>
+            <a:pPr marL="342900" indent="-342900" algn="just">
+              <a:buFont typeface="Wingdings" panose="05000000000000000000" pitchFamily="2" charset="2"/>
+              <a:buChar char="Ø"/>
+            </a:pPr>
+            <a:r>
+              <a:rPr lang="uk-UA" sz="2400" dirty="0" smtClean="0"/>
+              <a:t>Текучка кадрів</a:t>
+            </a:r>
+          </a:p>
+          <a:p>
+            <a:pPr marL="342900" indent="-342900" algn="just">
+              <a:buFont typeface="Wingdings" panose="05000000000000000000" pitchFamily="2" charset="2"/>
+              <a:buChar char="Ø"/>
+            </a:pPr>
+            <a:r>
+              <a:rPr lang="uk-UA" sz="2400" dirty="0" smtClean="0"/>
+              <a:t>Крадіжка майна</a:t>
+            </a:r>
+          </a:p>
+          <a:p>
+            <a:pPr marL="342900" indent="-342900" algn="just">
+              <a:buFont typeface="Wingdings" panose="05000000000000000000" pitchFamily="2" charset="2"/>
+              <a:buChar char="Ø"/>
+            </a:pPr>
+            <a:r>
+              <a:rPr lang="uk-UA" sz="2400" dirty="0" smtClean="0"/>
+              <a:t>Неефективна реклама</a:t>
+            </a:r>
+          </a:p>
+          <a:p>
+            <a:pPr algn="just"/>
+            <a:endParaRPr lang="uk-UA" sz="2400" dirty="0" smtClean="0">
+              <a:gradFill flip="none" rotWithShape="1">
+                <a:gsLst>
+                  <a:gs pos="100000">
+                    <a:schemeClr val="tx1">
+                      <a:lumMod val="85000"/>
+                      <a:lumOff val="15000"/>
+                    </a:schemeClr>
+                  </a:gs>
+                  <a:gs pos="0">
+                    <a:schemeClr val="tx1">
+                      <a:lumMod val="95000"/>
+                      <a:lumOff val="5000"/>
+                    </a:schemeClr>
+                  </a:gs>
+                </a:gsLst>
+                <a:lin ang="18900000" scaled="1"/>
+                <a:tileRect/>
+              </a:gradFill>
+              <a:latin typeface="Tahoma" panose="020B0604030504040204" pitchFamily="34" charset="0"/>
+              <a:ea typeface="Tahoma" panose="020B0604030504040204" pitchFamily="34" charset="0"/>
+              <a:cs typeface="Tahoma" panose="020B0604030504040204" pitchFamily="34" charset="0"/>
+            </a:endParaRPr>
+          </a:p>
+          <a:p>
+            <a:pPr algn="just"/>
+            <a:r>
+              <a:rPr lang="uk-UA" sz="2400" dirty="0" smtClean="0"/>
+              <a:t>Більшою мірою бізнес салону краси схильний до зовнішніх ризиків. Останні не залежать від організаторських здібностей підприємця. До них відносяться наступні:</a:t>
+            </a:r>
+          </a:p>
+          <a:p>
+            <a:pPr marL="342900" indent="-342900" algn="just">
+              <a:buFont typeface="Wingdings" panose="05000000000000000000" pitchFamily="2" charset="2"/>
+              <a:buChar char="Ø"/>
+            </a:pPr>
+            <a:r>
+              <a:rPr lang="uk-UA" sz="2400" dirty="0" smtClean="0"/>
+              <a:t>Поява нових конкурентів</a:t>
+            </a:r>
+          </a:p>
+          <a:p>
+            <a:pPr marL="342900" indent="-342900" algn="just">
+              <a:buFont typeface="Wingdings" panose="05000000000000000000" pitchFamily="2" charset="2"/>
+              <a:buChar char="Ø"/>
+            </a:pPr>
+            <a:r>
+              <a:rPr lang="uk-UA" sz="2400" dirty="0" smtClean="0"/>
+              <a:t>Зниження платоспроможності населення</a:t>
+            </a:r>
+            <a:endParaRPr lang="uk-UA" sz="2400" dirty="0">
+              <a:gradFill flip="none" rotWithShape="1">
+                <a:gsLst>
+                  <a:gs pos="100000">
+                    <a:schemeClr val="tx1">
+                      <a:lumMod val="85000"/>
+                      <a:lumOff val="15000"/>
+                    </a:schemeClr>
+                  </a:gs>
+                  <a:gs pos="0">
+                    <a:schemeClr val="tx1">
+                      <a:lumMod val="95000"/>
+                      <a:lumOff val="5000"/>
+                    </a:schemeClr>
+                  </a:gs>
+                </a:gsLst>
+                <a:lin ang="18900000" scaled="1"/>
+                <a:tileRect/>
+              </a:gradFill>
+              <a:latin typeface="Tahoma" panose="020B0604030504040204" pitchFamily="34" charset="0"/>
+              <a:ea typeface="Tahoma" panose="020B0604030504040204" pitchFamily="34" charset="0"/>
+              <a:cs typeface="Tahoma" panose="020B0604030504040204" pitchFamily="34" charset="0"/>
+            </a:endParaRPr>
+          </a:p>
+        </p:txBody>
+      </p:sp>
     </p:spTree>
     <p:extLst>
       <p:ext uri="{BB962C8B-B14F-4D97-AF65-F5344CB8AC3E}">
@@ -4742,19 +4888,7 @@
                           <a:ea typeface="Open Sans" panose="020B0606030504020204" pitchFamily="34" charset="0"/>
                           <a:cs typeface="Open Sans" panose="020B0606030504020204" pitchFamily="34" charset="0"/>
                         </a:rPr>
-                        <a:t>1 </a:t>
-                      </a:r>
-                      <a:r>
-                        <a:rPr lang="uk-UA" sz="2000" dirty="0" smtClean="0">
-                          <a:solidFill>
-                            <a:schemeClr val="tx1"/>
-                          </a:solidFill>
-                          <a:effectLst/>
-                          <a:latin typeface="Open Sans" panose="020B0606030504020204" pitchFamily="34" charset="0"/>
-                          <a:ea typeface="Open Sans" panose="020B0606030504020204" pitchFamily="34" charset="0"/>
-                          <a:cs typeface="Open Sans" panose="020B0606030504020204" pitchFamily="34" charset="0"/>
-                        </a:rPr>
-                        <a:t>шт.</a:t>
+                        <a:t>1 шт.</a:t>
                       </a:r>
                       <a:endParaRPr lang="ru-RU" sz="2000" dirty="0">
                         <a:solidFill>

--- a/diplomna.pptx
+++ b/diplomna.pptx
@@ -4253,6 +4253,349 @@
           </a:p>
         </p:txBody>
       </p:sp>
+      <p:sp>
+        <p:nvSpPr>
+          <p:cNvPr id="3" name="TextBox 2"/>
+          <p:cNvSpPr txBox="1"/>
+          <p:nvPr/>
+        </p:nvSpPr>
+        <p:spPr>
+          <a:xfrm>
+            <a:off x="336000" y="1072800"/>
+            <a:ext cx="11520000" cy="3570208"/>
+          </a:xfrm>
+          <a:prstGeom prst="rect">
+            <a:avLst/>
+          </a:prstGeom>
+          <a:noFill/>
+        </p:spPr>
+        <p:txBody>
+          <a:bodyPr wrap="square" rtlCol="0" anchor="ctr">
+            <a:spAutoFit/>
+          </a:bodyPr>
+          <a:lstStyle/>
+          <a:p>
+            <a:pPr marL="342900" indent="-342900">
+              <a:spcAft>
+                <a:spcPts val="600"/>
+              </a:spcAft>
+              <a:buFont typeface="Wingdings" panose="05000000000000000000" pitchFamily="2" charset="2"/>
+              <a:buChar char="Ø"/>
+            </a:pPr>
+            <a:r>
+              <a:rPr lang="uk-UA" sz="2800" b="1" dirty="0" smtClean="0">
+                <a:gradFill flip="none" rotWithShape="1">
+                  <a:gsLst>
+                    <a:gs pos="16000">
+                      <a:srgbClr val="276399"/>
+                    </a:gs>
+                    <a:gs pos="100000">
+                      <a:srgbClr val="5380FF"/>
+                    </a:gs>
+                  </a:gsLst>
+                  <a:lin ang="18900000" scaled="1"/>
+                  <a:tileRect/>
+                </a:gradFill>
+                <a:latin typeface="Segoe Print" panose="02000600000000000000" pitchFamily="2" charset="0"/>
+                <a:ea typeface="Open Sans" panose="020B0606030504020204" pitchFamily="34" charset="0"/>
+                <a:cs typeface="Open Sans" panose="020B0606030504020204" pitchFamily="34" charset="0"/>
+              </a:rPr>
+              <a:t>Резюме</a:t>
+            </a:r>
+          </a:p>
+          <a:p>
+            <a:pPr marL="342900" indent="-342900">
+              <a:spcAft>
+                <a:spcPts val="600"/>
+              </a:spcAft>
+              <a:buFont typeface="Wingdings" panose="05000000000000000000" pitchFamily="2" charset="2"/>
+              <a:buChar char="Ø"/>
+            </a:pPr>
+            <a:r>
+              <a:rPr lang="uk-UA" sz="2800" b="1" dirty="0">
+                <a:gradFill flip="none" rotWithShape="1">
+                  <a:gsLst>
+                    <a:gs pos="16000">
+                      <a:srgbClr val="276399"/>
+                    </a:gs>
+                    <a:gs pos="100000">
+                      <a:srgbClr val="5380FF"/>
+                    </a:gs>
+                  </a:gsLst>
+                  <a:lin ang="18900000" scaled="1"/>
+                  <a:tileRect/>
+                </a:gradFill>
+                <a:latin typeface="Segoe Print" panose="02000600000000000000" pitchFamily="2" charset="0"/>
+                <a:ea typeface="Open Sans" panose="020B0606030504020204" pitchFamily="34" charset="0"/>
+                <a:cs typeface="Open Sans" panose="020B0606030504020204" pitchFamily="34" charset="0"/>
+              </a:rPr>
+              <a:t>Опис підприємства (графік роботи</a:t>
+            </a:r>
+            <a:r>
+              <a:rPr lang="uk-UA" sz="2800" b="1" dirty="0" smtClean="0">
+                <a:gradFill flip="none" rotWithShape="1">
+                  <a:gsLst>
+                    <a:gs pos="16000">
+                      <a:srgbClr val="276399"/>
+                    </a:gs>
+                    <a:gs pos="100000">
+                      <a:srgbClr val="5380FF"/>
+                    </a:gs>
+                  </a:gsLst>
+                  <a:lin ang="18900000" scaled="1"/>
+                  <a:tileRect/>
+                </a:gradFill>
+                <a:latin typeface="Segoe Print" panose="02000600000000000000" pitchFamily="2" charset="0"/>
+                <a:ea typeface="Open Sans" panose="020B0606030504020204" pitchFamily="34" charset="0"/>
+                <a:cs typeface="Open Sans" panose="020B0606030504020204" pitchFamily="34" charset="0"/>
+              </a:rPr>
+              <a:t>)</a:t>
+            </a:r>
+          </a:p>
+          <a:p>
+            <a:pPr marL="342900" indent="-342900">
+              <a:spcAft>
+                <a:spcPts val="600"/>
+              </a:spcAft>
+              <a:buFont typeface="Wingdings" panose="05000000000000000000" pitchFamily="2" charset="2"/>
+              <a:buChar char="Ø"/>
+            </a:pPr>
+            <a:r>
+              <a:rPr lang="uk-UA" sz="2800" b="1" dirty="0">
+                <a:gradFill flip="none" rotWithShape="1">
+                  <a:gsLst>
+                    <a:gs pos="16000">
+                      <a:srgbClr val="276399"/>
+                    </a:gs>
+                    <a:gs pos="100000">
+                      <a:srgbClr val="5380FF"/>
+                    </a:gs>
+                  </a:gsLst>
+                  <a:lin ang="18900000" scaled="1"/>
+                  <a:tileRect/>
+                </a:gradFill>
+                <a:latin typeface="Segoe Print" panose="02000600000000000000" pitchFamily="2" charset="0"/>
+                <a:ea typeface="Open Sans" panose="020B0606030504020204" pitchFamily="34" charset="0"/>
+                <a:cs typeface="Open Sans" panose="020B0606030504020204" pitchFamily="34" charset="0"/>
+              </a:rPr>
+              <a:t>Аналіз </a:t>
+            </a:r>
+            <a:r>
+              <a:rPr lang="uk-UA" sz="2800" b="1" dirty="0" smtClean="0">
+                <a:gradFill flip="none" rotWithShape="1">
+                  <a:gsLst>
+                    <a:gs pos="16000">
+                      <a:srgbClr val="276399"/>
+                    </a:gs>
+                    <a:gs pos="100000">
+                      <a:srgbClr val="5380FF"/>
+                    </a:gs>
+                  </a:gsLst>
+                  <a:lin ang="18900000" scaled="1"/>
+                  <a:tileRect/>
+                </a:gradFill>
+                <a:latin typeface="Segoe Print" panose="02000600000000000000" pitchFamily="2" charset="0"/>
+                <a:ea typeface="Open Sans" panose="020B0606030504020204" pitchFamily="34" charset="0"/>
+                <a:cs typeface="Open Sans" panose="020B0606030504020204" pitchFamily="34" charset="0"/>
+              </a:rPr>
+              <a:t>ринку</a:t>
+            </a:r>
+          </a:p>
+          <a:p>
+            <a:pPr marL="342900" indent="-342900">
+              <a:spcAft>
+                <a:spcPts val="600"/>
+              </a:spcAft>
+              <a:buFont typeface="Wingdings" panose="05000000000000000000" pitchFamily="2" charset="2"/>
+              <a:buChar char="Ø"/>
+            </a:pPr>
+            <a:r>
+              <a:rPr lang="uk-UA" sz="2800" b="1" dirty="0">
+                <a:gradFill flip="none" rotWithShape="1">
+                  <a:gsLst>
+                    <a:gs pos="16000">
+                      <a:srgbClr val="276399"/>
+                    </a:gs>
+                    <a:gs pos="100000">
+                      <a:srgbClr val="5380FF"/>
+                    </a:gs>
+                  </a:gsLst>
+                  <a:lin ang="18900000" scaled="1"/>
+                  <a:tileRect/>
+                </a:gradFill>
+                <a:latin typeface="Segoe Print" panose="02000600000000000000" pitchFamily="2" charset="0"/>
+                <a:ea typeface="Open Sans" panose="020B0606030504020204" pitchFamily="34" charset="0"/>
+                <a:cs typeface="Open Sans" panose="020B0606030504020204" pitchFamily="34" charset="0"/>
+              </a:rPr>
+              <a:t>Маркетинговий план (обладнання</a:t>
+            </a:r>
+            <a:r>
+              <a:rPr lang="uk-UA" sz="2800" b="1" dirty="0" smtClean="0">
+                <a:gradFill flip="none" rotWithShape="1">
+                  <a:gsLst>
+                    <a:gs pos="16000">
+                      <a:srgbClr val="276399"/>
+                    </a:gs>
+                    <a:gs pos="100000">
+                      <a:srgbClr val="5380FF"/>
+                    </a:gs>
+                  </a:gsLst>
+                  <a:lin ang="18900000" scaled="1"/>
+                  <a:tileRect/>
+                </a:gradFill>
+                <a:latin typeface="Segoe Print" panose="02000600000000000000" pitchFamily="2" charset="0"/>
+                <a:ea typeface="Open Sans" panose="020B0606030504020204" pitchFamily="34" charset="0"/>
+                <a:cs typeface="Open Sans" panose="020B0606030504020204" pitchFamily="34" charset="0"/>
+              </a:rPr>
+              <a:t>)</a:t>
+            </a:r>
+          </a:p>
+          <a:p>
+            <a:pPr marL="342900" indent="-342900">
+              <a:spcAft>
+                <a:spcPts val="600"/>
+              </a:spcAft>
+              <a:buFont typeface="Wingdings" panose="05000000000000000000" pitchFamily="2" charset="2"/>
+              <a:buChar char="Ø"/>
+            </a:pPr>
+            <a:r>
+              <a:rPr lang="uk-UA" sz="2800" b="1" dirty="0">
+                <a:gradFill flip="none" rotWithShape="1">
+                  <a:gsLst>
+                    <a:gs pos="16000">
+                      <a:srgbClr val="276399"/>
+                    </a:gs>
+                    <a:gs pos="100000">
+                      <a:srgbClr val="5380FF"/>
+                    </a:gs>
+                  </a:gsLst>
+                  <a:lin ang="18900000" scaled="1"/>
+                  <a:tileRect/>
+                </a:gradFill>
+                <a:latin typeface="Segoe Print" panose="02000600000000000000" pitchFamily="2" charset="0"/>
+                <a:ea typeface="Open Sans" panose="020B0606030504020204" pitchFamily="34" charset="0"/>
+                <a:cs typeface="Open Sans" panose="020B0606030504020204" pitchFamily="34" charset="0"/>
+              </a:rPr>
+              <a:t>Організація </a:t>
+            </a:r>
+            <a:r>
+              <a:rPr lang="uk-UA" sz="2800" b="1" dirty="0" smtClean="0">
+                <a:gradFill flip="none" rotWithShape="1">
+                  <a:gsLst>
+                    <a:gs pos="16000">
+                      <a:srgbClr val="276399"/>
+                    </a:gs>
+                    <a:gs pos="100000">
+                      <a:srgbClr val="5380FF"/>
+                    </a:gs>
+                  </a:gsLst>
+                  <a:lin ang="18900000" scaled="1"/>
+                  <a:tileRect/>
+                </a:gradFill>
+                <a:latin typeface="Segoe Print" panose="02000600000000000000" pitchFamily="2" charset="0"/>
+                <a:ea typeface="Open Sans" panose="020B0606030504020204" pitchFamily="34" charset="0"/>
+                <a:cs typeface="Open Sans" panose="020B0606030504020204" pitchFamily="34" charset="0"/>
+              </a:rPr>
+              <a:t>виробництва</a:t>
+            </a:r>
+          </a:p>
+          <a:p>
+            <a:pPr marL="342900" indent="-342900">
+              <a:spcAft>
+                <a:spcPts val="600"/>
+              </a:spcAft>
+              <a:buFont typeface="Wingdings" panose="05000000000000000000" pitchFamily="2" charset="2"/>
+              <a:buChar char="Ø"/>
+            </a:pPr>
+            <a:r>
+              <a:rPr lang="uk-UA" sz="2800" b="1" dirty="0">
+                <a:gradFill flip="none" rotWithShape="1">
+                  <a:gsLst>
+                    <a:gs pos="16000">
+                      <a:srgbClr val="276399"/>
+                    </a:gs>
+                    <a:gs pos="100000">
+                      <a:srgbClr val="5380FF"/>
+                    </a:gs>
+                  </a:gsLst>
+                  <a:lin ang="18900000" scaled="1"/>
+                  <a:tileRect/>
+                </a:gradFill>
+                <a:latin typeface="Segoe Print" panose="02000600000000000000" pitchFamily="2" charset="0"/>
+                <a:ea typeface="Open Sans" panose="020B0606030504020204" pitchFamily="34" charset="0"/>
+                <a:cs typeface="Open Sans" panose="020B0606030504020204" pitchFamily="34" charset="0"/>
+              </a:rPr>
+              <a:t>Фінансовий план (кредит</a:t>
+            </a:r>
+            <a:r>
+              <a:rPr lang="uk-UA" sz="2800" b="1" dirty="0" smtClean="0">
+                <a:gradFill flip="none" rotWithShape="1">
+                  <a:gsLst>
+                    <a:gs pos="16000">
+                      <a:srgbClr val="276399"/>
+                    </a:gs>
+                    <a:gs pos="100000">
+                      <a:srgbClr val="5380FF"/>
+                    </a:gs>
+                  </a:gsLst>
+                  <a:lin ang="18900000" scaled="1"/>
+                  <a:tileRect/>
+                </a:gradFill>
+                <a:latin typeface="Segoe Print" panose="02000600000000000000" pitchFamily="2" charset="0"/>
+                <a:ea typeface="Open Sans" panose="020B0606030504020204" pitchFamily="34" charset="0"/>
+                <a:cs typeface="Open Sans" panose="020B0606030504020204" pitchFamily="34" charset="0"/>
+              </a:rPr>
+              <a:t>)</a:t>
+            </a:r>
+          </a:p>
+          <a:p>
+            <a:pPr marL="342900" indent="-342900">
+              <a:spcAft>
+                <a:spcPts val="600"/>
+              </a:spcAft>
+              <a:buFont typeface="Wingdings" panose="05000000000000000000" pitchFamily="2" charset="2"/>
+              <a:buChar char="Ø"/>
+            </a:pPr>
+            <a:r>
+              <a:rPr lang="uk-UA" sz="2800" b="1" dirty="0">
+                <a:gradFill flip="none" rotWithShape="1">
+                  <a:gsLst>
+                    <a:gs pos="16000">
+                      <a:srgbClr val="276399"/>
+                    </a:gs>
+                    <a:gs pos="100000">
+                      <a:srgbClr val="5380FF"/>
+                    </a:gs>
+                  </a:gsLst>
+                  <a:lin ang="18900000" scaled="1"/>
+                  <a:tileRect/>
+                </a:gradFill>
+                <a:latin typeface="Segoe Print" panose="02000600000000000000" pitchFamily="2" charset="0"/>
+                <a:ea typeface="Open Sans" panose="020B0606030504020204" pitchFamily="34" charset="0"/>
+                <a:cs typeface="Open Sans" panose="020B0606030504020204" pitchFamily="34" charset="0"/>
+              </a:rPr>
+              <a:t>Ризики</a:t>
+            </a:r>
+            <a:endParaRPr lang="uk-UA" sz="2800" b="1" dirty="0" smtClean="0">
+              <a:gradFill flip="none" rotWithShape="1">
+                <a:gsLst>
+                  <a:gs pos="16000">
+                    <a:srgbClr val="276399"/>
+                  </a:gs>
+                  <a:gs pos="100000">
+                    <a:srgbClr val="5380FF"/>
+                  </a:gs>
+                </a:gsLst>
+                <a:lin ang="18900000" scaled="1"/>
+                <a:tileRect/>
+              </a:gradFill>
+              <a:latin typeface="Segoe Print" panose="02000600000000000000" pitchFamily="2" charset="0"/>
+              <a:ea typeface="Open Sans" panose="020B0606030504020204" pitchFamily="34" charset="0"/>
+              <a:cs typeface="Open Sans" panose="020B0606030504020204" pitchFamily="34" charset="0"/>
+            </a:endParaRPr>
+          </a:p>
+        </p:txBody>
+      </p:sp>
     </p:spTree>
     <p:extLst>
       <p:ext uri="{BB962C8B-B14F-4D97-AF65-F5344CB8AC3E}">
@@ -4795,26 +5138,33 @@
           <p:nvPr>
             <p:extLst>
               <p:ext uri="{D42A27DB-BD31-4B8C-83A1-F6EECF244321}">
-                <p14:modId xmlns:p14="http://schemas.microsoft.com/office/powerpoint/2010/main" val="3091253428"/>
+                <p14:modId xmlns:p14="http://schemas.microsoft.com/office/powerpoint/2010/main" val="2708252953"/>
               </p:ext>
             </p:extLst>
           </p:nvPr>
         </p:nvGraphicFramePr>
         <p:xfrm>
-          <a:off x="1146000" y="1603836"/>
-          <a:ext cx="10224000" cy="4638858"/>
+          <a:off x="426000" y="1352760"/>
+          <a:ext cx="11340000" cy="4638858"/>
         </p:xfrm>
         <a:graphic>
           <a:graphicData uri="http://schemas.openxmlformats.org/drawingml/2006/table">
             <a:tbl>
               <a:tblPr firstRow="1" lastRow="1" bandRow="1">
+                <a:effectLst>
+                  <a:outerShdw blurRad="571500" dir="5400000" algn="ctr" rotWithShape="0">
+                    <a:schemeClr val="tx1">
+                      <a:alpha val="35000"/>
+                    </a:schemeClr>
+                  </a:outerShdw>
+                </a:effectLst>
                 <a:tableStyleId>{93296810-A885-4BE3-A3E7-6D5BEEA58F35}</a:tableStyleId>
               </a:tblPr>
               <a:tblGrid>
-                <a:gridCol w="5040000"/>
-                <a:gridCol w="1728000"/>
-                <a:gridCol w="1728000"/>
-                <a:gridCol w="1728000"/>
+                <a:gridCol w="5400000"/>
+                <a:gridCol w="1980000"/>
+                <a:gridCol w="1980000"/>
+                <a:gridCol w="1980000"/>
               </a:tblGrid>
               <a:tr h="936000">
                 <a:tc>
@@ -4824,7 +5174,7 @@
                     <a:p>
                       <a:pPr algn="ctr"/>
                       <a:r>
-                        <a:rPr lang="uk-UA" sz="2000" dirty="0" smtClean="0">
+                        <a:rPr lang="uk-UA" sz="2000" noProof="0" dirty="0" smtClean="0">
                           <a:solidFill>
                             <a:schemeClr val="tx1"/>
                           </a:solidFill>
@@ -4835,7 +5185,7 @@
                         </a:rPr>
                         <a:t>Послуга</a:t>
                       </a:r>
-                      <a:endParaRPr lang="ru-RU" sz="2000" dirty="0">
+                      <a:endParaRPr lang="uk-UA" sz="2000" noProof="0" dirty="0">
                         <a:solidFill>
                           <a:schemeClr val="tx1"/>
                         </a:solidFill>
@@ -4846,7 +5196,13 @@
                       </a:endParaRPr>
                     </a:p>
                   </a:txBody>
-                  <a:tcPr anchor="ctr"/>
+                  <a:tcPr anchor="ctr">
+                    <a:solidFill>
+                      <a:schemeClr val="accent6">
+                        <a:alpha val="80000"/>
+                      </a:schemeClr>
+                    </a:solidFill>
+                  </a:tcPr>
                 </a:tc>
                 <a:tc>
                   <a:txBody>
@@ -4855,7 +5211,7 @@
                     <a:p>
                       <a:pPr algn="ctr"/>
                       <a:r>
-                        <a:rPr lang="uk-UA" sz="2000" dirty="0" smtClean="0">
+                        <a:rPr lang="uk-UA" sz="2000" noProof="0" dirty="0" smtClean="0">
                           <a:solidFill>
                             <a:schemeClr val="tx1"/>
                           </a:solidFill>
@@ -4866,20 +5222,11 @@
                         </a:rPr>
                         <a:t>Вартість</a:t>
                       </a:r>
-                      <a:endParaRPr lang="en-US" sz="2000" dirty="0" smtClean="0">
-                        <a:solidFill>
-                          <a:schemeClr val="tx1"/>
-                        </a:solidFill>
-                        <a:effectLst/>
-                        <a:latin typeface="Open Sans" panose="020B0606030504020204" pitchFamily="34" charset="0"/>
-                        <a:ea typeface="Open Sans" panose="020B0606030504020204" pitchFamily="34" charset="0"/>
-                        <a:cs typeface="Open Sans" panose="020B0606030504020204" pitchFamily="34" charset="0"/>
-                      </a:endParaRPr>
                     </a:p>
                     <a:p>
                       <a:pPr algn="ctr"/>
                       <a:r>
-                        <a:rPr lang="uk-UA" sz="2000" dirty="0" smtClean="0">
+                        <a:rPr lang="uk-UA" sz="2000" noProof="0" dirty="0" smtClean="0">
                           <a:solidFill>
                             <a:schemeClr val="tx1"/>
                           </a:solidFill>
@@ -4890,7 +5237,7 @@
                         </a:rPr>
                         <a:t>1 шт.</a:t>
                       </a:r>
-                      <a:endParaRPr lang="ru-RU" sz="2000" dirty="0">
+                      <a:endParaRPr lang="uk-UA" sz="2000" noProof="0" dirty="0">
                         <a:solidFill>
                           <a:schemeClr val="tx1"/>
                         </a:solidFill>
@@ -4901,7 +5248,13 @@
                       </a:endParaRPr>
                     </a:p>
                   </a:txBody>
-                  <a:tcPr anchor="ctr"/>
+                  <a:tcPr anchor="ctr">
+                    <a:solidFill>
+                      <a:schemeClr val="accent6">
+                        <a:alpha val="80000"/>
+                      </a:schemeClr>
+                    </a:solidFill>
+                  </a:tcPr>
                 </a:tc>
                 <a:tc>
                   <a:txBody>
@@ -4910,7 +5263,7 @@
                     <a:p>
                       <a:pPr algn="ctr"/>
                       <a:r>
-                        <a:rPr lang="uk-UA" sz="2000" dirty="0" smtClean="0">
+                        <a:rPr lang="uk-UA" sz="2000" noProof="0" dirty="0" smtClean="0">
                           <a:solidFill>
                             <a:schemeClr val="tx1"/>
                           </a:solidFill>
@@ -4921,7 +5274,7 @@
                         </a:rPr>
                         <a:t>Кількість</a:t>
                       </a:r>
-                      <a:endParaRPr lang="ru-RU" sz="2000" dirty="0">
+                      <a:endParaRPr lang="uk-UA" sz="2000" noProof="0" dirty="0">
                         <a:solidFill>
                           <a:schemeClr val="tx1"/>
                         </a:solidFill>
@@ -4932,7 +5285,13 @@
                       </a:endParaRPr>
                     </a:p>
                   </a:txBody>
-                  <a:tcPr anchor="ctr"/>
+                  <a:tcPr anchor="ctr">
+                    <a:solidFill>
+                      <a:schemeClr val="accent6">
+                        <a:alpha val="80000"/>
+                      </a:schemeClr>
+                    </a:solidFill>
+                  </a:tcPr>
                 </a:tc>
                 <a:tc>
                   <a:txBody>
@@ -4941,7 +5300,7 @@
                     <a:p>
                       <a:pPr algn="ctr"/>
                       <a:r>
-                        <a:rPr lang="uk-UA" sz="2000" dirty="0" smtClean="0">
+                        <a:rPr lang="uk-UA" sz="2000" noProof="0" dirty="0" smtClean="0">
                           <a:solidFill>
                             <a:schemeClr val="tx1"/>
                           </a:solidFill>
@@ -4952,7 +5311,7 @@
                         </a:rPr>
                         <a:t>Вартість</a:t>
                       </a:r>
-                      <a:endParaRPr lang="ru-RU" sz="2000" dirty="0">
+                      <a:endParaRPr lang="uk-UA" sz="2000" noProof="0" dirty="0">
                         <a:solidFill>
                           <a:schemeClr val="tx1"/>
                         </a:solidFill>
@@ -4963,7 +5322,13 @@
                       </a:endParaRPr>
                     </a:p>
                   </a:txBody>
-                  <a:tcPr anchor="ctr"/>
+                  <a:tcPr anchor="ctr">
+                    <a:solidFill>
+                      <a:schemeClr val="accent6">
+                        <a:alpha val="80000"/>
+                      </a:schemeClr>
+                    </a:solidFill>
+                  </a:tcPr>
                 </a:tc>
               </a:tr>
               <a:tr h="617143">
@@ -4974,13 +5339,13 @@
                     <a:p>
                       <a:pPr algn="l"/>
                       <a:r>
-                        <a:rPr lang="uk-UA" sz="2000" b="1" dirty="0" smtClean="0">
+                        <a:rPr lang="uk-UA" sz="2400" b="1" noProof="0" dirty="0" smtClean="0">
                           <a:effectLst/>
                           <a:latin typeface="Segoe Print" panose="02000600000000000000" pitchFamily="2" charset="0"/>
                         </a:rPr>
-                        <a:t>Оголошення на дошках об’яв</a:t>
+                        <a:t>Вивіски</a:t>
                       </a:r>
-                      <a:endParaRPr lang="ru-RU" sz="2000" b="1" i="0" dirty="0">
+                      <a:endParaRPr lang="uk-UA" sz="2400" b="1" i="0" noProof="0" dirty="0">
                         <a:effectLst/>
                         <a:latin typeface="Segoe Print" panose="02000600000000000000" pitchFamily="2" charset="0"/>
                         <a:ea typeface="Tahoma" panose="020B0604030504040204" pitchFamily="34" charset="0"/>
@@ -4988,7 +5353,14 @@
                       </a:endParaRPr>
                     </a:p>
                   </a:txBody>
-                  <a:tcPr anchor="ctr"/>
+                  <a:tcPr anchor="ctr">
+                    <a:solidFill>
+                      <a:schemeClr val="accent6">
+                        <a:tint val="40000"/>
+                        <a:alpha val="80000"/>
+                      </a:schemeClr>
+                    </a:solidFill>
+                  </a:tcPr>
                 </a:tc>
                 <a:tc>
                   <a:txBody>
@@ -4997,13 +5369,13 @@
                     <a:p>
                       <a:pPr algn="ctr"/>
                       <a:r>
-                        <a:rPr lang="uk-UA" sz="2000" dirty="0" smtClean="0">
+                        <a:rPr lang="uk-UA" sz="2000" noProof="0" dirty="0" smtClean="0">
                           <a:effectLst/>
                           <a:latin typeface="Segoe Print" panose="02000600000000000000" pitchFamily="2" charset="0"/>
                         </a:rPr>
-                        <a:t>6 грн</a:t>
+                        <a:t>100 грн</a:t>
                       </a:r>
-                      <a:endParaRPr lang="ru-RU" sz="2000" dirty="0">
+                      <a:endParaRPr lang="uk-UA" sz="2000" noProof="0" dirty="0">
                         <a:effectLst/>
                         <a:latin typeface="Segoe Print" panose="02000600000000000000" pitchFamily="2" charset="0"/>
                         <a:ea typeface="Tahoma" panose="020B0604030504040204" pitchFamily="34" charset="0"/>
@@ -5011,7 +5383,14 @@
                       </a:endParaRPr>
                     </a:p>
                   </a:txBody>
-                  <a:tcPr anchor="ctr"/>
+                  <a:tcPr anchor="ctr">
+                    <a:solidFill>
+                      <a:schemeClr val="accent6">
+                        <a:tint val="40000"/>
+                        <a:alpha val="80000"/>
+                      </a:schemeClr>
+                    </a:solidFill>
+                  </a:tcPr>
                 </a:tc>
                 <a:tc>
                   <a:txBody>
@@ -5020,13 +5399,13 @@
                     <a:p>
                       <a:pPr algn="ctr"/>
                       <a:r>
-                        <a:rPr lang="uk-UA" sz="2000" dirty="0" smtClean="0">
+                        <a:rPr lang="uk-UA" sz="2000" noProof="0" dirty="0" smtClean="0">
                           <a:effectLst/>
                           <a:latin typeface="Segoe Print" panose="02000600000000000000" pitchFamily="2" charset="0"/>
                         </a:rPr>
-                        <a:t>20</a:t>
+                        <a:t>4</a:t>
                       </a:r>
-                      <a:endParaRPr lang="ru-RU" sz="2000" dirty="0">
+                      <a:endParaRPr lang="uk-UA" sz="2000" noProof="0" dirty="0">
                         <a:effectLst/>
                         <a:latin typeface="Segoe Print" panose="02000600000000000000" pitchFamily="2" charset="0"/>
                         <a:ea typeface="Tahoma" panose="020B0604030504040204" pitchFamily="34" charset="0"/>
@@ -5034,7 +5413,14 @@
                       </a:endParaRPr>
                     </a:p>
                   </a:txBody>
-                  <a:tcPr anchor="ctr"/>
+                  <a:tcPr anchor="ctr">
+                    <a:solidFill>
+                      <a:schemeClr val="accent6">
+                        <a:tint val="40000"/>
+                        <a:alpha val="80000"/>
+                      </a:schemeClr>
+                    </a:solidFill>
+                  </a:tcPr>
                 </a:tc>
                 <a:tc>
                   <a:txBody>
@@ -5043,13 +5429,13 @@
                     <a:p>
                       <a:pPr algn="ctr"/>
                       <a:r>
-                        <a:rPr lang="uk-UA" sz="2000" dirty="0" smtClean="0">
+                        <a:rPr lang="uk-UA" sz="2000" noProof="0" dirty="0" smtClean="0">
                           <a:effectLst/>
                           <a:latin typeface="Segoe Print" panose="02000600000000000000" pitchFamily="2" charset="0"/>
                         </a:rPr>
-                        <a:t>120</a:t>
+                        <a:t>400 грн</a:t>
                       </a:r>
-                      <a:endParaRPr lang="ru-RU" sz="2000" dirty="0">
+                      <a:endParaRPr lang="uk-UA" sz="2000" noProof="0" dirty="0">
                         <a:effectLst/>
                         <a:latin typeface="Segoe Print" panose="02000600000000000000" pitchFamily="2" charset="0"/>
                         <a:ea typeface="Tahoma" panose="020B0604030504040204" pitchFamily="34" charset="0"/>
@@ -5057,7 +5443,14 @@
                       </a:endParaRPr>
                     </a:p>
                   </a:txBody>
-                  <a:tcPr anchor="ctr"/>
+                  <a:tcPr anchor="ctr">
+                    <a:solidFill>
+                      <a:schemeClr val="accent6">
+                        <a:tint val="40000"/>
+                        <a:alpha val="80000"/>
+                      </a:schemeClr>
+                    </a:solidFill>
+                  </a:tcPr>
                 </a:tc>
               </a:tr>
               <a:tr h="617143">
@@ -5068,13 +5461,20 @@
                     <a:p>
                       <a:pPr algn="l"/>
                       <a:r>
-                        <a:rPr lang="uk-UA" sz="2000" b="1" dirty="0" smtClean="0">
+                        <a:rPr lang="uk-UA" sz="2400" b="1" noProof="0" dirty="0" smtClean="0">
                           <a:effectLst/>
                           <a:latin typeface="Segoe Print" panose="02000600000000000000" pitchFamily="2" charset="0"/>
                         </a:rPr>
-                        <a:t>Вивіски</a:t>
+                        <a:t>Візитки</a:t>
                       </a:r>
-                      <a:endParaRPr lang="ru-RU" sz="2000" b="1" i="0" dirty="0">
+                      <a:r>
+                        <a:rPr lang="uk-UA" sz="2400" b="1" baseline="0" noProof="0" dirty="0" smtClean="0">
+                          <a:effectLst/>
+                          <a:latin typeface="Segoe Print" panose="02000600000000000000" pitchFamily="2" charset="0"/>
+                        </a:rPr>
+                        <a:t> клієнтам</a:t>
+                      </a:r>
+                      <a:endParaRPr lang="uk-UA" sz="2400" b="1" i="0" noProof="0" dirty="0">
                         <a:effectLst/>
                         <a:latin typeface="Segoe Print" panose="02000600000000000000" pitchFamily="2" charset="0"/>
                         <a:ea typeface="Tahoma" panose="020B0604030504040204" pitchFamily="34" charset="0"/>
@@ -5082,7 +5482,14 @@
                       </a:endParaRPr>
                     </a:p>
                   </a:txBody>
-                  <a:tcPr anchor="ctr"/>
+                  <a:tcPr anchor="ctr">
+                    <a:solidFill>
+                      <a:schemeClr val="accent6">
+                        <a:tint val="20000"/>
+                        <a:alpha val="80000"/>
+                      </a:schemeClr>
+                    </a:solidFill>
+                  </a:tcPr>
                 </a:tc>
                 <a:tc>
                   <a:txBody>
@@ -5091,13 +5498,20 @@
                     <a:p>
                       <a:pPr algn="ctr"/>
                       <a:r>
-                        <a:rPr lang="uk-UA" sz="2000" dirty="0" smtClean="0">
+                        <a:rPr lang="uk-UA" sz="2000" noProof="0" dirty="0" smtClean="0">
                           <a:effectLst/>
                           <a:latin typeface="Segoe Print" panose="02000600000000000000" pitchFamily="2" charset="0"/>
                         </a:rPr>
-                        <a:t>100 грн</a:t>
+                        <a:t>2</a:t>
                       </a:r>
-                      <a:endParaRPr lang="ru-RU" sz="2000" dirty="0">
+                      <a:r>
+                        <a:rPr lang="uk-UA" sz="2000" baseline="0" noProof="0" dirty="0" smtClean="0">
+                          <a:effectLst/>
+                          <a:latin typeface="Segoe Print" panose="02000600000000000000" pitchFamily="2" charset="0"/>
+                        </a:rPr>
+                        <a:t> грн</a:t>
+                      </a:r>
+                      <a:endParaRPr lang="uk-UA" sz="2000" noProof="0" dirty="0">
                         <a:effectLst/>
                         <a:latin typeface="Segoe Print" panose="02000600000000000000" pitchFamily="2" charset="0"/>
                         <a:ea typeface="Tahoma" panose="020B0604030504040204" pitchFamily="34" charset="0"/>
@@ -5105,7 +5519,14 @@
                       </a:endParaRPr>
                     </a:p>
                   </a:txBody>
-                  <a:tcPr anchor="ctr"/>
+                  <a:tcPr anchor="ctr">
+                    <a:solidFill>
+                      <a:schemeClr val="accent6">
+                        <a:tint val="20000"/>
+                        <a:alpha val="80000"/>
+                      </a:schemeClr>
+                    </a:solidFill>
+                  </a:tcPr>
                 </a:tc>
                 <a:tc>
                   <a:txBody>
@@ -5114,13 +5535,13 @@
                     <a:p>
                       <a:pPr algn="ctr"/>
                       <a:r>
-                        <a:rPr lang="uk-UA" sz="2000" dirty="0" smtClean="0">
+                        <a:rPr lang="uk-UA" sz="2000" noProof="0" dirty="0" smtClean="0">
                           <a:effectLst/>
                           <a:latin typeface="Segoe Print" panose="02000600000000000000" pitchFamily="2" charset="0"/>
                         </a:rPr>
-                        <a:t>4</a:t>
+                        <a:t>1 000</a:t>
                       </a:r>
-                      <a:endParaRPr lang="ru-RU" sz="2000" dirty="0">
+                      <a:endParaRPr lang="uk-UA" sz="2000" noProof="0" dirty="0">
                         <a:effectLst/>
                         <a:latin typeface="Segoe Print" panose="02000600000000000000" pitchFamily="2" charset="0"/>
                         <a:ea typeface="Tahoma" panose="020B0604030504040204" pitchFamily="34" charset="0"/>
@@ -5128,7 +5549,14 @@
                       </a:endParaRPr>
                     </a:p>
                   </a:txBody>
-                  <a:tcPr anchor="ctr"/>
+                  <a:tcPr anchor="ctr">
+                    <a:solidFill>
+                      <a:schemeClr val="accent6">
+                        <a:tint val="20000"/>
+                        <a:alpha val="80000"/>
+                      </a:schemeClr>
+                    </a:solidFill>
+                  </a:tcPr>
                 </a:tc>
                 <a:tc>
                   <a:txBody>
@@ -5137,13 +5565,13 @@
                     <a:p>
                       <a:pPr algn="ctr"/>
                       <a:r>
-                        <a:rPr lang="uk-UA" sz="2000" dirty="0" smtClean="0">
+                        <a:rPr lang="uk-UA" sz="2000" noProof="0" dirty="0" smtClean="0">
                           <a:effectLst/>
                           <a:latin typeface="Segoe Print" panose="02000600000000000000" pitchFamily="2" charset="0"/>
                         </a:rPr>
-                        <a:t>400</a:t>
+                        <a:t>2 000 грн</a:t>
                       </a:r>
-                      <a:endParaRPr lang="ru-RU" sz="2000" dirty="0">
+                      <a:endParaRPr lang="uk-UA" sz="2000" b="0" noProof="0" dirty="0">
                         <a:effectLst/>
                         <a:latin typeface="Segoe Print" panose="02000600000000000000" pitchFamily="2" charset="0"/>
                         <a:ea typeface="Tahoma" panose="020B0604030504040204" pitchFamily="34" charset="0"/>
@@ -5151,7 +5579,14 @@
                       </a:endParaRPr>
                     </a:p>
                   </a:txBody>
-                  <a:tcPr anchor="ctr"/>
+                  <a:tcPr anchor="ctr">
+                    <a:solidFill>
+                      <a:schemeClr val="accent6">
+                        <a:tint val="20000"/>
+                        <a:alpha val="80000"/>
+                      </a:schemeClr>
+                    </a:solidFill>
+                  </a:tcPr>
                 </a:tc>
               </a:tr>
               <a:tr h="617143">
@@ -5162,20 +5597,24 @@
                     <a:p>
                       <a:pPr algn="l"/>
                       <a:r>
-                        <a:rPr lang="uk-UA" sz="2000" b="1" dirty="0" smtClean="0">
+                        <a:rPr lang="uk-UA" sz="2400" b="1" i="0" noProof="0" dirty="0" smtClean="0">
                           <a:effectLst/>
                           <a:latin typeface="Segoe Print" panose="02000600000000000000" pitchFamily="2" charset="0"/>
+                          <a:ea typeface="Tahoma" panose="020B0604030504040204" pitchFamily="34" charset="0"/>
+                          <a:cs typeface="Tahoma" panose="020B0604030504040204" pitchFamily="34" charset="0"/>
                         </a:rPr>
-                        <a:t>Візитки</a:t>
+                        <a:t>Оголошення</a:t>
                       </a:r>
                       <a:r>
-                        <a:rPr lang="uk-UA" sz="2000" b="1" baseline="0" dirty="0" smtClean="0">
+                        <a:rPr lang="uk-UA" sz="2400" b="1" i="0" baseline="0" noProof="0" dirty="0" smtClean="0">
                           <a:effectLst/>
                           <a:latin typeface="Segoe Print" panose="02000600000000000000" pitchFamily="2" charset="0"/>
+                          <a:ea typeface="Tahoma" panose="020B0604030504040204" pitchFamily="34" charset="0"/>
+                          <a:cs typeface="Tahoma" panose="020B0604030504040204" pitchFamily="34" charset="0"/>
                         </a:rPr>
-                        <a:t> клієнтам</a:t>
+                        <a:t> в газеті</a:t>
                       </a:r>
-                      <a:endParaRPr lang="ru-RU" sz="2000" b="1" i="0" dirty="0">
+                      <a:endParaRPr lang="uk-UA" sz="2400" b="1" i="0" noProof="0" dirty="0">
                         <a:effectLst/>
                         <a:latin typeface="Segoe Print" panose="02000600000000000000" pitchFamily="2" charset="0"/>
                         <a:ea typeface="Tahoma" panose="020B0604030504040204" pitchFamily="34" charset="0"/>
@@ -5183,7 +5622,14 @@
                       </a:endParaRPr>
                     </a:p>
                   </a:txBody>
-                  <a:tcPr anchor="ctr"/>
+                  <a:tcPr anchor="ctr">
+                    <a:solidFill>
+                      <a:schemeClr val="accent6">
+                        <a:tint val="40000"/>
+                        <a:alpha val="80000"/>
+                      </a:schemeClr>
+                    </a:solidFill>
+                  </a:tcPr>
                 </a:tc>
                 <a:tc>
                   <a:txBody>
@@ -5192,20 +5638,15 @@
                     <a:p>
                       <a:pPr algn="ctr"/>
                       <a:r>
-                        <a:rPr lang="uk-UA" sz="2000" dirty="0" smtClean="0">
+                        <a:rPr lang="uk-UA" sz="2000" noProof="0" dirty="0" smtClean="0">
                           <a:effectLst/>
                           <a:latin typeface="Segoe Print" panose="02000600000000000000" pitchFamily="2" charset="0"/>
+                          <a:ea typeface="Tahoma" panose="020B0604030504040204" pitchFamily="34" charset="0"/>
+                          <a:cs typeface="Tahoma" panose="020B0604030504040204" pitchFamily="34" charset="0"/>
                         </a:rPr>
-                        <a:t>2</a:t>
+                        <a:t>25 грн</a:t>
                       </a:r>
-                      <a:r>
-                        <a:rPr lang="uk-UA" sz="2000" baseline="0" dirty="0" smtClean="0">
-                          <a:effectLst/>
-                          <a:latin typeface="Segoe Print" panose="02000600000000000000" pitchFamily="2" charset="0"/>
-                        </a:rPr>
-                        <a:t> грн</a:t>
-                      </a:r>
-                      <a:endParaRPr lang="ru-RU" sz="2000" dirty="0">
+                      <a:endParaRPr lang="uk-UA" sz="2000" noProof="0" dirty="0">
                         <a:effectLst/>
                         <a:latin typeface="Segoe Print" panose="02000600000000000000" pitchFamily="2" charset="0"/>
                         <a:ea typeface="Tahoma" panose="020B0604030504040204" pitchFamily="34" charset="0"/>
@@ -5213,7 +5654,14 @@
                       </a:endParaRPr>
                     </a:p>
                   </a:txBody>
-                  <a:tcPr anchor="ctr"/>
+                  <a:tcPr anchor="ctr">
+                    <a:solidFill>
+                      <a:schemeClr val="accent6">
+                        <a:tint val="40000"/>
+                        <a:alpha val="80000"/>
+                      </a:schemeClr>
+                    </a:solidFill>
+                  </a:tcPr>
                 </a:tc>
                 <a:tc>
                   <a:txBody>
@@ -5222,27 +5670,15 @@
                     <a:p>
                       <a:pPr algn="ctr"/>
                       <a:r>
-                        <a:rPr lang="uk-UA" sz="2000" dirty="0" smtClean="0">
+                        <a:rPr lang="uk-UA" sz="2000" noProof="0" dirty="0" smtClean="0">
                           <a:effectLst/>
                           <a:latin typeface="Segoe Print" panose="02000600000000000000" pitchFamily="2" charset="0"/>
+                          <a:ea typeface="Tahoma" panose="020B0604030504040204" pitchFamily="34" charset="0"/>
+                          <a:cs typeface="Tahoma" panose="020B0604030504040204" pitchFamily="34" charset="0"/>
                         </a:rPr>
-                        <a:t>1</a:t>
+                        <a:t>20</a:t>
                       </a:r>
-                      <a:r>
-                        <a:rPr lang="en-US" sz="2000" dirty="0" smtClean="0">
-                          <a:effectLst/>
-                          <a:latin typeface="Segoe Print" panose="02000600000000000000" pitchFamily="2" charset="0"/>
-                        </a:rPr>
-                        <a:t> </a:t>
-                      </a:r>
-                      <a:r>
-                        <a:rPr lang="uk-UA" sz="2000" dirty="0" smtClean="0">
-                          <a:effectLst/>
-                          <a:latin typeface="Segoe Print" panose="02000600000000000000" pitchFamily="2" charset="0"/>
-                        </a:rPr>
-                        <a:t>000</a:t>
-                      </a:r>
-                      <a:endParaRPr lang="ru-RU" sz="2000" dirty="0">
+                      <a:endParaRPr lang="uk-UA" sz="2000" noProof="0" dirty="0">
                         <a:effectLst/>
                         <a:latin typeface="Segoe Print" panose="02000600000000000000" pitchFamily="2" charset="0"/>
                         <a:ea typeface="Tahoma" panose="020B0604030504040204" pitchFamily="34" charset="0"/>
@@ -5250,7 +5686,14 @@
                       </a:endParaRPr>
                     </a:p>
                   </a:txBody>
-                  <a:tcPr anchor="ctr"/>
+                  <a:tcPr anchor="ctr">
+                    <a:solidFill>
+                      <a:schemeClr val="accent6">
+                        <a:tint val="40000"/>
+                        <a:alpha val="80000"/>
+                      </a:schemeClr>
+                    </a:solidFill>
+                  </a:tcPr>
                 </a:tc>
                 <a:tc>
                   <a:txBody>
@@ -5259,41 +5702,15 @@
                     <a:p>
                       <a:pPr algn="ctr"/>
                       <a:r>
-                        <a:rPr lang="uk-UA" sz="2000" dirty="0" smtClean="0">
+                        <a:rPr lang="uk-UA" sz="2000" noProof="0" dirty="0" smtClean="0">
                           <a:effectLst/>
                           <a:latin typeface="Segoe Print" panose="02000600000000000000" pitchFamily="2" charset="0"/>
+                          <a:ea typeface="Tahoma" panose="020B0604030504040204" pitchFamily="34" charset="0"/>
+                          <a:cs typeface="Tahoma" panose="020B0604030504040204" pitchFamily="34" charset="0"/>
                         </a:rPr>
-                        <a:t>2</a:t>
+                        <a:t>500 грн</a:t>
                       </a:r>
-                      <a:r>
-                        <a:rPr lang="en-US" sz="2000" dirty="0" smtClean="0">
-                          <a:effectLst/>
-                          <a:latin typeface="Segoe Print" panose="02000600000000000000" pitchFamily="2" charset="0"/>
-                        </a:rPr>
-                        <a:t> </a:t>
-                      </a:r>
-                      <a:r>
-                        <a:rPr lang="uk-UA" sz="2000" dirty="0" smtClean="0">
-                          <a:effectLst/>
-                          <a:latin typeface="Segoe Print" panose="02000600000000000000" pitchFamily="2" charset="0"/>
-                        </a:rPr>
-                        <a:t>000</a:t>
-                      </a:r>
-                      <a:r>
-                        <a:rPr lang="en-US" sz="2000" dirty="0" smtClean="0">
-                          <a:effectLst/>
-                          <a:latin typeface="Segoe Print" panose="02000600000000000000" pitchFamily="2" charset="0"/>
-                        </a:rPr>
-                        <a:t> </a:t>
-                      </a:r>
-                      <a:r>
-                        <a:rPr lang="uk-UA" sz="2000" dirty="0" smtClean="0">
-                          <a:effectLst/>
-                          <a:latin typeface="Segoe Print" panose="02000600000000000000" pitchFamily="2" charset="0"/>
-                        </a:rPr>
-                        <a:t>грн</a:t>
-                      </a:r>
-                      <a:endParaRPr lang="ru-RU" sz="2000" b="0" dirty="0">
+                      <a:endParaRPr lang="uk-UA" sz="2000" noProof="0" dirty="0">
                         <a:effectLst/>
                         <a:latin typeface="Segoe Print" panose="02000600000000000000" pitchFamily="2" charset="0"/>
                         <a:ea typeface="Tahoma" panose="020B0604030504040204" pitchFamily="34" charset="0"/>
@@ -5301,7 +5718,14 @@
                       </a:endParaRPr>
                     </a:p>
                   </a:txBody>
-                  <a:tcPr anchor="ctr"/>
+                  <a:tcPr anchor="ctr">
+                    <a:solidFill>
+                      <a:schemeClr val="accent6">
+                        <a:tint val="40000"/>
+                        <a:alpha val="80000"/>
+                      </a:schemeClr>
+                    </a:solidFill>
+                  </a:tcPr>
                 </a:tc>
               </a:tr>
               <a:tr h="617143">
@@ -5310,8 +5734,15 @@
                     <a:bodyPr/>
                     <a:lstStyle/>
                     <a:p>
-                      <a:pPr algn="ctr"/>
-                      <a:endParaRPr lang="ru-RU" sz="2000" b="1" i="0" dirty="0">
+                      <a:pPr algn="l"/>
+                      <a:r>
+                        <a:rPr lang="uk-UA" sz="2400" b="1" noProof="0" dirty="0" smtClean="0">
+                          <a:effectLst/>
+                          <a:latin typeface="Segoe Print" panose="02000600000000000000" pitchFamily="2" charset="0"/>
+                        </a:rPr>
+                        <a:t>Оголошення на дошках об’яв</a:t>
+                      </a:r>
+                      <a:endParaRPr lang="uk-UA" sz="2400" b="1" i="0" noProof="0" dirty="0">
                         <a:effectLst/>
                         <a:latin typeface="Segoe Print" panose="02000600000000000000" pitchFamily="2" charset="0"/>
                         <a:ea typeface="Tahoma" panose="020B0604030504040204" pitchFamily="34" charset="0"/>
@@ -5319,7 +5750,14 @@
                       </a:endParaRPr>
                     </a:p>
                   </a:txBody>
-                  <a:tcPr anchor="ctr"/>
+                  <a:tcPr anchor="ctr">
+                    <a:solidFill>
+                      <a:schemeClr val="accent6">
+                        <a:tint val="20000"/>
+                        <a:alpha val="80000"/>
+                      </a:schemeClr>
+                    </a:solidFill>
+                  </a:tcPr>
                 </a:tc>
                 <a:tc>
                   <a:txBody>
@@ -5327,7 +5765,14 @@
                     <a:lstStyle/>
                     <a:p>
                       <a:pPr algn="ctr"/>
-                      <a:endParaRPr lang="ru-RU" sz="2000" dirty="0">
+                      <a:r>
+                        <a:rPr lang="uk-UA" sz="2000" noProof="0" dirty="0" smtClean="0">
+                          <a:effectLst/>
+                          <a:latin typeface="Segoe Print" panose="02000600000000000000" pitchFamily="2" charset="0"/>
+                        </a:rPr>
+                        <a:t>6 грн</a:t>
+                      </a:r>
+                      <a:endParaRPr lang="uk-UA" sz="2000" noProof="0" dirty="0">
                         <a:effectLst/>
                         <a:latin typeface="Segoe Print" panose="02000600000000000000" pitchFamily="2" charset="0"/>
                         <a:ea typeface="Tahoma" panose="020B0604030504040204" pitchFamily="34" charset="0"/>
@@ -5335,7 +5780,14 @@
                       </a:endParaRPr>
                     </a:p>
                   </a:txBody>
-                  <a:tcPr anchor="ctr"/>
+                  <a:tcPr anchor="ctr">
+                    <a:solidFill>
+                      <a:schemeClr val="accent6">
+                        <a:tint val="20000"/>
+                        <a:alpha val="80000"/>
+                      </a:schemeClr>
+                    </a:solidFill>
+                  </a:tcPr>
                 </a:tc>
                 <a:tc>
                   <a:txBody>
@@ -5343,7 +5795,14 @@
                     <a:lstStyle/>
                     <a:p>
                       <a:pPr algn="ctr"/>
-                      <a:endParaRPr lang="ru-RU" sz="2000" dirty="0">
+                      <a:r>
+                        <a:rPr lang="uk-UA" sz="2000" noProof="0" dirty="0" smtClean="0">
+                          <a:effectLst/>
+                          <a:latin typeface="Segoe Print" panose="02000600000000000000" pitchFamily="2" charset="0"/>
+                        </a:rPr>
+                        <a:t>20</a:t>
+                      </a:r>
+                      <a:endParaRPr lang="uk-UA" sz="2000" noProof="0" dirty="0">
                         <a:effectLst/>
                         <a:latin typeface="Segoe Print" panose="02000600000000000000" pitchFamily="2" charset="0"/>
                         <a:ea typeface="Tahoma" panose="020B0604030504040204" pitchFamily="34" charset="0"/>
@@ -5351,7 +5810,14 @@
                       </a:endParaRPr>
                     </a:p>
                   </a:txBody>
-                  <a:tcPr anchor="ctr"/>
+                  <a:tcPr anchor="ctr">
+                    <a:solidFill>
+                      <a:schemeClr val="accent6">
+                        <a:tint val="20000"/>
+                        <a:alpha val="80000"/>
+                      </a:schemeClr>
+                    </a:solidFill>
+                  </a:tcPr>
                 </a:tc>
                 <a:tc>
                   <a:txBody>
@@ -5359,7 +5825,14 @@
                     <a:lstStyle/>
                     <a:p>
                       <a:pPr algn="ctr"/>
-                      <a:endParaRPr lang="ru-RU" sz="2000" dirty="0">
+                      <a:r>
+                        <a:rPr lang="uk-UA" sz="2000" noProof="0" dirty="0" smtClean="0">
+                          <a:effectLst/>
+                          <a:latin typeface="Segoe Print" panose="02000600000000000000" pitchFamily="2" charset="0"/>
+                        </a:rPr>
+                        <a:t>120 грн</a:t>
+                      </a:r>
+                      <a:endParaRPr lang="uk-UA" sz="2000" noProof="0" dirty="0">
                         <a:effectLst/>
                         <a:latin typeface="Segoe Print" panose="02000600000000000000" pitchFamily="2" charset="0"/>
                         <a:ea typeface="Tahoma" panose="020B0604030504040204" pitchFamily="34" charset="0"/>
@@ -5367,7 +5840,14 @@
                       </a:endParaRPr>
                     </a:p>
                   </a:txBody>
-                  <a:tcPr anchor="ctr"/>
+                  <a:tcPr anchor="ctr">
+                    <a:solidFill>
+                      <a:schemeClr val="accent6">
+                        <a:tint val="20000"/>
+                        <a:alpha val="80000"/>
+                      </a:schemeClr>
+                    </a:solidFill>
+                  </a:tcPr>
                 </a:tc>
               </a:tr>
               <a:tr h="617143">
@@ -5376,64 +5856,74 @@
                     <a:bodyPr/>
                     <a:lstStyle/>
                     <a:p>
-                      <a:pPr algn="ctr"/>
-                      <a:endParaRPr lang="ru-RU" sz="2000" b="1" i="0" dirty="0">
-                        <a:effectLst/>
-                        <a:latin typeface="Segoe Print" panose="02000600000000000000" pitchFamily="2" charset="0"/>
-                        <a:ea typeface="Tahoma" panose="020B0604030504040204" pitchFamily="34" charset="0"/>
-                        <a:cs typeface="Tahoma" panose="020B0604030504040204" pitchFamily="34" charset="0"/>
-                      </a:endParaRPr>
+                      <a:endParaRPr lang="uk-UA" noProof="0" dirty="0"/>
                     </a:p>
                   </a:txBody>
-                  <a:tcPr anchor="ctr"/>
+                  <a:tcPr anchor="ctr">
+                    <a:solidFill>
+                      <a:schemeClr val="accent6">
+                        <a:tint val="40000"/>
+                        <a:alpha val="80000"/>
+                      </a:schemeClr>
+                    </a:solidFill>
+                  </a:tcPr>
                 </a:tc>
                 <a:tc>
                   <a:txBody>
                     <a:bodyPr/>
                     <a:lstStyle/>
                     <a:p>
-                      <a:pPr algn="ctr"/>
-                      <a:endParaRPr lang="ru-RU" sz="2000" dirty="0">
-                        <a:effectLst/>
+                      <a:endParaRPr lang="uk-UA" sz="2000" noProof="0" dirty="0">
                         <a:latin typeface="Segoe Print" panose="02000600000000000000" pitchFamily="2" charset="0"/>
-                        <a:ea typeface="Tahoma" panose="020B0604030504040204" pitchFamily="34" charset="0"/>
-                        <a:cs typeface="Tahoma" panose="020B0604030504040204" pitchFamily="34" charset="0"/>
                       </a:endParaRPr>
                     </a:p>
                   </a:txBody>
-                  <a:tcPr anchor="ctr"/>
+                  <a:tcPr anchor="ctr">
+                    <a:solidFill>
+                      <a:schemeClr val="accent6">
+                        <a:tint val="40000"/>
+                        <a:alpha val="80000"/>
+                      </a:schemeClr>
+                    </a:solidFill>
+                  </a:tcPr>
                 </a:tc>
                 <a:tc>
                   <a:txBody>
                     <a:bodyPr/>
                     <a:lstStyle/>
                     <a:p>
-                      <a:pPr algn="ctr"/>
-                      <a:endParaRPr lang="ru-RU" sz="2000" dirty="0">
-                        <a:effectLst/>
+                      <a:endParaRPr lang="uk-UA" sz="2000" noProof="0" dirty="0">
                         <a:latin typeface="Segoe Print" panose="02000600000000000000" pitchFamily="2" charset="0"/>
-                        <a:ea typeface="Tahoma" panose="020B0604030504040204" pitchFamily="34" charset="0"/>
-                        <a:cs typeface="Tahoma" panose="020B0604030504040204" pitchFamily="34" charset="0"/>
                       </a:endParaRPr>
                     </a:p>
                   </a:txBody>
-                  <a:tcPr anchor="ctr"/>
+                  <a:tcPr anchor="ctr">
+                    <a:solidFill>
+                      <a:schemeClr val="accent6">
+                        <a:tint val="40000"/>
+                        <a:alpha val="80000"/>
+                      </a:schemeClr>
+                    </a:solidFill>
+                  </a:tcPr>
                 </a:tc>
                 <a:tc>
                   <a:txBody>
                     <a:bodyPr/>
                     <a:lstStyle/>
                     <a:p>
-                      <a:pPr algn="ctr"/>
-                      <a:endParaRPr lang="ru-RU" sz="2000" dirty="0">
-                        <a:effectLst/>
+                      <a:endParaRPr lang="uk-UA" sz="2000" noProof="0" dirty="0">
                         <a:latin typeface="Segoe Print" panose="02000600000000000000" pitchFamily="2" charset="0"/>
-                        <a:ea typeface="Tahoma" panose="020B0604030504040204" pitchFamily="34" charset="0"/>
-                        <a:cs typeface="Tahoma" panose="020B0604030504040204" pitchFamily="34" charset="0"/>
                       </a:endParaRPr>
                     </a:p>
                   </a:txBody>
-                  <a:tcPr anchor="ctr"/>
+                  <a:tcPr anchor="ctr">
+                    <a:solidFill>
+                      <a:schemeClr val="accent6">
+                        <a:tint val="40000"/>
+                        <a:alpha val="80000"/>
+                      </a:schemeClr>
+                    </a:solidFill>
+                  </a:tcPr>
                 </a:tc>
               </a:tr>
               <a:tr h="617143">
@@ -5444,7 +5934,7 @@
                     <a:p>
                       <a:pPr algn="r"/>
                       <a:r>
-                        <a:rPr lang="uk-UA" sz="2800" dirty="0" smtClean="0">
+                        <a:rPr lang="uk-UA" sz="2800" noProof="0" dirty="0" smtClean="0">
                           <a:gradFill flip="none" rotWithShape="1">
                             <a:gsLst>
                               <a:gs pos="0">
@@ -5468,36 +5958,9 @@
                           <a:ea typeface="Tahoma" panose="020B0604030504040204" pitchFamily="34" charset="0"/>
                           <a:cs typeface="Tahoma" panose="020B0604030504040204" pitchFamily="34" charset="0"/>
                         </a:rPr>
-                        <a:t>Всього</a:t>
+                        <a:t>Всього:</a:t>
                       </a:r>
-                      <a:r>
-                        <a:rPr lang="en-US" sz="2800" dirty="0" smtClean="0">
-                          <a:gradFill flip="none" rotWithShape="1">
-                            <a:gsLst>
-                              <a:gs pos="0">
-                                <a:schemeClr val="tx1">
-                                  <a:lumMod val="95000"/>
-                                  <a:lumOff val="5000"/>
-                                </a:schemeClr>
-                              </a:gs>
-                              <a:gs pos="100000">
-                                <a:schemeClr val="tx1">
-                                  <a:lumMod val="85000"/>
-                                  <a:lumOff val="15000"/>
-                                </a:schemeClr>
-                              </a:gs>
-                            </a:gsLst>
-                            <a:lin ang="18900000" scaled="1"/>
-                            <a:tileRect/>
-                          </a:gradFill>
-                          <a:effectLst/>
-                          <a:latin typeface="Tahoma" panose="020B0604030504040204" pitchFamily="34" charset="0"/>
-                          <a:ea typeface="Tahoma" panose="020B0604030504040204" pitchFamily="34" charset="0"/>
-                          <a:cs typeface="Tahoma" panose="020B0604030504040204" pitchFamily="34" charset="0"/>
-                        </a:rPr>
-                        <a:t>:</a:t>
-                      </a:r>
-                      <a:endParaRPr lang="ru-RU" sz="2800" b="1" i="0" dirty="0">
+                      <a:endParaRPr lang="uk-UA" sz="2800" b="1" i="0" noProof="0" dirty="0">
                         <a:gradFill flip="none" rotWithShape="1">
                           <a:gsLst>
                             <a:gs pos="0">
@@ -5523,7 +5986,13 @@
                       </a:endParaRPr>
                     </a:p>
                   </a:txBody>
-                  <a:tcPr anchor="ctr"/>
+                  <a:tcPr anchor="ctr">
+                    <a:solidFill>
+                      <a:schemeClr val="accent6">
+                        <a:alpha val="80000"/>
+                      </a:schemeClr>
+                    </a:solidFill>
+                  </a:tcPr>
                 </a:tc>
                 <a:tc hMerge="1">
                   <a:txBody>
@@ -5558,7 +6027,7 @@
                     <a:p>
                       <a:pPr algn="ctr"/>
                       <a:r>
-                        <a:rPr lang="ru-RU" sz="2000" dirty="0" smtClean="0">
+                        <a:rPr lang="uk-UA" sz="2000" noProof="0" dirty="0" smtClean="0">
                           <a:gradFill flip="none" rotWithShape="1">
                             <a:gsLst>
                               <a:gs pos="0">
@@ -5582,63 +6051,9 @@
                           <a:ea typeface="Tahoma" panose="020B0604030504040204" pitchFamily="34" charset="0"/>
                           <a:cs typeface="Tahoma" panose="020B0604030504040204" pitchFamily="34" charset="0"/>
                         </a:rPr>
-                        <a:t>2 520</a:t>
+                        <a:t>3 020 грн</a:t>
                       </a:r>
-                      <a:r>
-                        <a:rPr lang="en-US" sz="2000" dirty="0" smtClean="0">
-                          <a:gradFill flip="none" rotWithShape="1">
-                            <a:gsLst>
-                              <a:gs pos="0">
-                                <a:schemeClr val="tx1">
-                                  <a:lumMod val="95000"/>
-                                  <a:lumOff val="5000"/>
-                                </a:schemeClr>
-                              </a:gs>
-                              <a:gs pos="100000">
-                                <a:schemeClr val="tx1">
-                                  <a:lumMod val="85000"/>
-                                  <a:lumOff val="15000"/>
-                                </a:schemeClr>
-                              </a:gs>
-                            </a:gsLst>
-                            <a:lin ang="18900000" scaled="1"/>
-                            <a:tileRect/>
-                          </a:gradFill>
-                          <a:effectLst/>
-                          <a:latin typeface="Tahoma" panose="020B0604030504040204" pitchFamily="34" charset="0"/>
-                          <a:ea typeface="Tahoma" panose="020B0604030504040204" pitchFamily="34" charset="0"/>
-                          <a:cs typeface="Tahoma" panose="020B0604030504040204" pitchFamily="34" charset="0"/>
-                        </a:rPr>
-                        <a:t> </a:t>
-                      </a:r>
-                      <a:r>
-                        <a:rPr lang="ru-RU" sz="2000" dirty="0" smtClean="0">
-                          <a:gradFill flip="none" rotWithShape="1">
-                            <a:gsLst>
-                              <a:gs pos="0">
-                                <a:schemeClr val="tx1">
-                                  <a:lumMod val="95000"/>
-                                  <a:lumOff val="5000"/>
-                                </a:schemeClr>
-                              </a:gs>
-                              <a:gs pos="100000">
-                                <a:schemeClr val="tx1">
-                                  <a:lumMod val="85000"/>
-                                  <a:lumOff val="15000"/>
-                                </a:schemeClr>
-                              </a:gs>
-                            </a:gsLst>
-                            <a:lin ang="18900000" scaled="1"/>
-                            <a:tileRect/>
-                          </a:gradFill>
-                          <a:effectLst/>
-                          <a:latin typeface="Tahoma" panose="020B0604030504040204" pitchFamily="34" charset="0"/>
-                          <a:ea typeface="Tahoma" panose="020B0604030504040204" pitchFamily="34" charset="0"/>
-                          <a:cs typeface="Tahoma" panose="020B0604030504040204" pitchFamily="34" charset="0"/>
-                        </a:rPr>
-                        <a:t>грн</a:t>
-                      </a:r>
-                      <a:endParaRPr lang="ru-RU" sz="2000" b="1" dirty="0">
+                      <a:endParaRPr lang="uk-UA" sz="2000" b="1" noProof="0" dirty="0">
                         <a:gradFill flip="none" rotWithShape="1">
                           <a:gsLst>
                             <a:gs pos="0">
@@ -5664,7 +6079,13 @@
                       </a:endParaRPr>
                     </a:p>
                   </a:txBody>
-                  <a:tcPr anchor="ctr"/>
+                  <a:tcPr anchor="ctr">
+                    <a:solidFill>
+                      <a:schemeClr val="accent6">
+                        <a:alpha val="80000"/>
+                      </a:schemeClr>
+                    </a:solidFill>
+                  </a:tcPr>
                 </a:tc>
               </a:tr>
             </a:tbl>
@@ -5711,6 +6132,69 @@
           <a:chExt cx="0" cy="0"/>
         </a:xfrm>
       </p:grpSpPr>
+      <p:sp>
+        <p:nvSpPr>
+          <p:cNvPr id="2" name="TextBox 1"/>
+          <p:cNvSpPr txBox="1"/>
+          <p:nvPr/>
+        </p:nvSpPr>
+        <p:spPr>
+          <a:xfrm>
+            <a:off x="1869507" y="210979"/>
+            <a:ext cx="8452987" cy="861774"/>
+          </a:xfrm>
+          <a:prstGeom prst="rect">
+            <a:avLst/>
+          </a:prstGeom>
+          <a:noFill/>
+        </p:spPr>
+        <p:txBody>
+          <a:bodyPr wrap="square" rtlCol="0" anchor="ctr">
+            <a:spAutoFit/>
+          </a:bodyPr>
+          <a:lstStyle/>
+          <a:p>
+            <a:pPr algn="ctr"/>
+            <a:r>
+              <a:rPr lang="uk-UA" sz="5000" b="1" dirty="0">
+                <a:gradFill flip="none" rotWithShape="1">
+                  <a:gsLst>
+                    <a:gs pos="0">
+                      <a:srgbClr val="229633"/>
+                    </a:gs>
+                    <a:gs pos="100000">
+                      <a:srgbClr val="85CA3A"/>
+                    </a:gs>
+                  </a:gsLst>
+                  <a:lin ang="18900000" scaled="1"/>
+                  <a:tileRect/>
+                </a:gradFill>
+                <a:latin typeface="Segoe Print" panose="02000600000000000000" pitchFamily="2" charset="0"/>
+                <a:ea typeface="Open Sans" panose="020B0606030504020204" pitchFamily="34" charset="0"/>
+                <a:cs typeface="Open Sans" panose="020B0606030504020204" pitchFamily="34" charset="0"/>
+              </a:rPr>
+              <a:t>Аналіз ринку</a:t>
+            </a:r>
+            <a:endParaRPr lang="uk-UA" sz="5000" b="1" dirty="0" smtClean="0">
+              <a:gradFill flip="none" rotWithShape="1">
+                <a:gsLst>
+                  <a:gs pos="0">
+                    <a:srgbClr val="229633"/>
+                  </a:gs>
+                  <a:gs pos="100000">
+                    <a:srgbClr val="85CA3A"/>
+                  </a:gs>
+                </a:gsLst>
+                <a:lin ang="18900000" scaled="1"/>
+                <a:tileRect/>
+              </a:gradFill>
+              <a:latin typeface="Segoe Print" panose="02000600000000000000" pitchFamily="2" charset="0"/>
+              <a:ea typeface="Open Sans" panose="020B0606030504020204" pitchFamily="34" charset="0"/>
+              <a:cs typeface="Open Sans" panose="020B0606030504020204" pitchFamily="34" charset="0"/>
+            </a:endParaRPr>
+          </a:p>
+        </p:txBody>
+      </p:sp>
     </p:spTree>
     <p:extLst>
       <p:ext uri="{BB962C8B-B14F-4D97-AF65-F5344CB8AC3E}">
@@ -5751,6 +6235,69 @@
           <a:chExt cx="0" cy="0"/>
         </a:xfrm>
       </p:grpSpPr>
+      <p:sp>
+        <p:nvSpPr>
+          <p:cNvPr id="2" name="TextBox 1"/>
+          <p:cNvSpPr txBox="1"/>
+          <p:nvPr/>
+        </p:nvSpPr>
+        <p:spPr>
+          <a:xfrm>
+            <a:off x="0" y="210979"/>
+            <a:ext cx="12191999" cy="861774"/>
+          </a:xfrm>
+          <a:prstGeom prst="rect">
+            <a:avLst/>
+          </a:prstGeom>
+          <a:noFill/>
+        </p:spPr>
+        <p:txBody>
+          <a:bodyPr wrap="square" rtlCol="0" anchor="ctr">
+            <a:spAutoFit/>
+          </a:bodyPr>
+          <a:lstStyle/>
+          <a:p>
+            <a:pPr algn="ctr"/>
+            <a:r>
+              <a:rPr lang="uk-UA" sz="5000" b="1" dirty="0" smtClean="0">
+                <a:gradFill flip="none" rotWithShape="1">
+                  <a:gsLst>
+                    <a:gs pos="0">
+                      <a:srgbClr val="229633"/>
+                    </a:gs>
+                    <a:gs pos="100000">
+                      <a:srgbClr val="85CA3A"/>
+                    </a:gs>
+                  </a:gsLst>
+                  <a:lin ang="18900000" scaled="1"/>
+                  <a:tileRect/>
+                </a:gradFill>
+                <a:latin typeface="Segoe Print" panose="02000600000000000000" pitchFamily="2" charset="0"/>
+                <a:ea typeface="Open Sans" panose="020B0606030504020204" pitchFamily="34" charset="0"/>
+                <a:cs typeface="Open Sans" panose="020B0606030504020204" pitchFamily="34" charset="0"/>
+              </a:rPr>
+              <a:t>Організація виробництва</a:t>
+            </a:r>
+            <a:endParaRPr lang="uk-UA" sz="5000" b="1" dirty="0" smtClean="0">
+              <a:gradFill flip="none" rotWithShape="1">
+                <a:gsLst>
+                  <a:gs pos="0">
+                    <a:srgbClr val="229633"/>
+                  </a:gs>
+                  <a:gs pos="100000">
+                    <a:srgbClr val="85CA3A"/>
+                  </a:gs>
+                </a:gsLst>
+                <a:lin ang="18900000" scaled="1"/>
+                <a:tileRect/>
+              </a:gradFill>
+              <a:latin typeface="Segoe Print" panose="02000600000000000000" pitchFamily="2" charset="0"/>
+              <a:ea typeface="Open Sans" panose="020B0606030504020204" pitchFamily="34" charset="0"/>
+              <a:cs typeface="Open Sans" panose="020B0606030504020204" pitchFamily="34" charset="0"/>
+            </a:endParaRPr>
+          </a:p>
+        </p:txBody>
+      </p:sp>
     </p:spTree>
     <p:extLst>
       <p:ext uri="{BB962C8B-B14F-4D97-AF65-F5344CB8AC3E}">

--- a/diplomna.pptx
+++ b/diplomna.pptx
@@ -11,10 +11,10 @@
     <p:sldId id="276" r:id="rId2"/>
     <p:sldId id="258" r:id="rId3"/>
     <p:sldId id="257" r:id="rId4"/>
-    <p:sldId id="259" r:id="rId5"/>
+    <p:sldId id="262" r:id="rId5"/>
     <p:sldId id="260" r:id="rId6"/>
-    <p:sldId id="261" r:id="rId7"/>
-    <p:sldId id="262" r:id="rId8"/>
+    <p:sldId id="259" r:id="rId7"/>
+    <p:sldId id="261" r:id="rId8"/>
     <p:sldId id="263" r:id="rId9"/>
     <p:sldId id="264" r:id="rId10"/>
     <p:sldId id="265" r:id="rId11"/>
@@ -3983,7 +3983,7 @@
         </p:nvSpPr>
         <p:spPr>
           <a:xfrm>
-            <a:off x="1869507" y="210979"/>
+            <a:off x="1869507" y="144000"/>
             <a:ext cx="8452987" cy="861774"/>
           </a:xfrm>
           <a:prstGeom prst="rect">
@@ -4029,7 +4029,7 @@
         </p:nvSpPr>
         <p:spPr>
           <a:xfrm>
-            <a:off x="336000" y="1072753"/>
+            <a:off x="336000" y="1080000"/>
             <a:ext cx="11520000" cy="4154984"/>
           </a:xfrm>
           <a:prstGeom prst="rect">
@@ -4215,7 +4215,7 @@
         </p:nvSpPr>
         <p:spPr>
           <a:xfrm>
-            <a:off x="1869507" y="210979"/>
+            <a:off x="1869507" y="144000"/>
             <a:ext cx="8452987" cy="861774"/>
           </a:xfrm>
           <a:prstGeom prst="rect">
@@ -4261,7 +4261,7 @@
         </p:nvSpPr>
         <p:spPr>
           <a:xfrm>
-            <a:off x="336000" y="1072800"/>
+            <a:off x="336000" y="1080000"/>
             <a:ext cx="11520000" cy="3570208"/>
           </a:xfrm>
           <a:prstGeom prst="rect">
@@ -4286,7 +4286,7 @@
               <a:rPr lang="uk-UA" sz="2800" b="1" dirty="0" smtClean="0">
                 <a:gradFill flip="none" rotWithShape="1">
                   <a:gsLst>
-                    <a:gs pos="16000">
+                    <a:gs pos="0">
                       <a:srgbClr val="276399"/>
                     </a:gs>
                     <a:gs pos="100000">
@@ -4315,7 +4315,7 @@
               <a:rPr lang="uk-UA" sz="2800" b="1" dirty="0">
                 <a:gradFill flip="none" rotWithShape="1">
                   <a:gsLst>
-                    <a:gs pos="16000">
+                    <a:gs pos="0">
                       <a:srgbClr val="276399"/>
                     </a:gs>
                     <a:gs pos="100000">
@@ -4335,7 +4335,7 @@
               <a:rPr lang="uk-UA" sz="2800" b="1" dirty="0" smtClean="0">
                 <a:gradFill flip="none" rotWithShape="1">
                   <a:gsLst>
-                    <a:gs pos="16000">
+                    <a:gs pos="0">
                       <a:srgbClr val="276399"/>
                     </a:gs>
                     <a:gs pos="100000">
@@ -4364,7 +4364,7 @@
               <a:rPr lang="uk-UA" sz="2800" b="1" dirty="0">
                 <a:gradFill flip="none" rotWithShape="1">
                   <a:gsLst>
-                    <a:gs pos="16000">
+                    <a:gs pos="0">
                       <a:srgbClr val="276399"/>
                     </a:gs>
                     <a:gs pos="100000">
@@ -4384,7 +4384,7 @@
               <a:rPr lang="uk-UA" sz="2800" b="1" dirty="0" smtClean="0">
                 <a:gradFill flip="none" rotWithShape="1">
                   <a:gsLst>
-                    <a:gs pos="16000">
+                    <a:gs pos="0">
                       <a:srgbClr val="276399"/>
                     </a:gs>
                     <a:gs pos="100000">
@@ -4413,7 +4413,7 @@
               <a:rPr lang="uk-UA" sz="2800" b="1" dirty="0">
                 <a:gradFill flip="none" rotWithShape="1">
                   <a:gsLst>
-                    <a:gs pos="16000">
+                    <a:gs pos="0">
                       <a:srgbClr val="276399"/>
                     </a:gs>
                     <a:gs pos="100000">
@@ -4427,13 +4427,13 @@
                 <a:ea typeface="Open Sans" panose="020B0606030504020204" pitchFamily="34" charset="0"/>
                 <a:cs typeface="Open Sans" panose="020B0606030504020204" pitchFamily="34" charset="0"/>
               </a:rPr>
-              <a:t>Маркетинговий план (обладнання</a:t>
+              <a:t>Маркетинговий </a:t>
             </a:r>
             <a:r>
               <a:rPr lang="uk-UA" sz="2800" b="1" dirty="0" smtClean="0">
                 <a:gradFill flip="none" rotWithShape="1">
                   <a:gsLst>
-                    <a:gs pos="16000">
+                    <a:gs pos="0">
                       <a:srgbClr val="276399"/>
                     </a:gs>
                     <a:gs pos="100000">
@@ -4447,8 +4447,25 @@
                 <a:ea typeface="Open Sans" panose="020B0606030504020204" pitchFamily="34" charset="0"/>
                 <a:cs typeface="Open Sans" panose="020B0606030504020204" pitchFamily="34" charset="0"/>
               </a:rPr>
-              <a:t>)</a:t>
-            </a:r>
+              <a:t>план</a:t>
+            </a:r>
+            <a:endParaRPr lang="uk-UA" sz="2800" b="1" dirty="0" smtClean="0">
+              <a:gradFill flip="none" rotWithShape="1">
+                <a:gsLst>
+                  <a:gs pos="0">
+                    <a:srgbClr val="276399"/>
+                  </a:gs>
+                  <a:gs pos="100000">
+                    <a:srgbClr val="5380FF"/>
+                  </a:gs>
+                </a:gsLst>
+                <a:lin ang="18900000" scaled="1"/>
+                <a:tileRect/>
+              </a:gradFill>
+              <a:latin typeface="Segoe Print" panose="02000600000000000000" pitchFamily="2" charset="0"/>
+              <a:ea typeface="Open Sans" panose="020B0606030504020204" pitchFamily="34" charset="0"/>
+              <a:cs typeface="Open Sans" panose="020B0606030504020204" pitchFamily="34" charset="0"/>
+            </a:endParaRPr>
           </a:p>
           <a:p>
             <a:pPr marL="342900" indent="-342900">
@@ -4462,7 +4479,7 @@
               <a:rPr lang="uk-UA" sz="2800" b="1" dirty="0">
                 <a:gradFill flip="none" rotWithShape="1">
                   <a:gsLst>
-                    <a:gs pos="16000">
+                    <a:gs pos="0">
                       <a:srgbClr val="276399"/>
                     </a:gs>
                     <a:gs pos="100000">
@@ -4482,7 +4499,7 @@
               <a:rPr lang="uk-UA" sz="2800" b="1" dirty="0" smtClean="0">
                 <a:gradFill flip="none" rotWithShape="1">
                   <a:gsLst>
-                    <a:gs pos="16000">
+                    <a:gs pos="0">
                       <a:srgbClr val="276399"/>
                     </a:gs>
                     <a:gs pos="100000">
@@ -4511,7 +4528,7 @@
               <a:rPr lang="uk-UA" sz="2800" b="1" dirty="0">
                 <a:gradFill flip="none" rotWithShape="1">
                   <a:gsLst>
-                    <a:gs pos="16000">
+                    <a:gs pos="0">
                       <a:srgbClr val="276399"/>
                     </a:gs>
                     <a:gs pos="100000">
@@ -4525,13 +4542,13 @@
                 <a:ea typeface="Open Sans" panose="020B0606030504020204" pitchFamily="34" charset="0"/>
                 <a:cs typeface="Open Sans" panose="020B0606030504020204" pitchFamily="34" charset="0"/>
               </a:rPr>
-              <a:t>Фінансовий план (кредит</a:t>
+              <a:t>Фінансовий </a:t>
             </a:r>
             <a:r>
               <a:rPr lang="uk-UA" sz="2800" b="1" dirty="0" smtClean="0">
                 <a:gradFill flip="none" rotWithShape="1">
                   <a:gsLst>
-                    <a:gs pos="16000">
+                    <a:gs pos="0">
                       <a:srgbClr val="276399"/>
                     </a:gs>
                     <a:gs pos="100000">
@@ -4545,8 +4562,25 @@
                 <a:ea typeface="Open Sans" panose="020B0606030504020204" pitchFamily="34" charset="0"/>
                 <a:cs typeface="Open Sans" panose="020B0606030504020204" pitchFamily="34" charset="0"/>
               </a:rPr>
-              <a:t>)</a:t>
-            </a:r>
+              <a:t>план</a:t>
+            </a:r>
+            <a:endParaRPr lang="uk-UA" sz="2800" b="1" dirty="0" smtClean="0">
+              <a:gradFill flip="none" rotWithShape="1">
+                <a:gsLst>
+                  <a:gs pos="0">
+                    <a:srgbClr val="276399"/>
+                  </a:gs>
+                  <a:gs pos="100000">
+                    <a:srgbClr val="5380FF"/>
+                  </a:gs>
+                </a:gsLst>
+                <a:lin ang="18900000" scaled="1"/>
+                <a:tileRect/>
+              </a:gradFill>
+              <a:latin typeface="Segoe Print" panose="02000600000000000000" pitchFamily="2" charset="0"/>
+              <a:ea typeface="Open Sans" panose="020B0606030504020204" pitchFamily="34" charset="0"/>
+              <a:cs typeface="Open Sans" panose="020B0606030504020204" pitchFamily="34" charset="0"/>
+            </a:endParaRPr>
           </a:p>
           <a:p>
             <a:pPr marL="342900" indent="-342900">
@@ -4560,7 +4594,7 @@
               <a:rPr lang="uk-UA" sz="2800" b="1" dirty="0">
                 <a:gradFill flip="none" rotWithShape="1">
                   <a:gsLst>
-                    <a:gs pos="16000">
+                    <a:gs pos="0">
                       <a:srgbClr val="276399"/>
                     </a:gs>
                     <a:gs pos="100000">
@@ -4579,7 +4613,7 @@
             <a:endParaRPr lang="uk-UA" sz="2800" b="1" dirty="0" smtClean="0">
               <a:gradFill flip="none" rotWithShape="1">
                 <a:gsLst>
-                  <a:gs pos="16000">
+                  <a:gs pos="0">
                     <a:srgbClr val="276399"/>
                   </a:gs>
                   <a:gs pos="100000">
@@ -4730,7 +4764,7 @@
         </p:nvSpPr>
         <p:spPr>
           <a:xfrm>
-            <a:off x="1869507" y="210979"/>
+            <a:off x="1869507" y="144000"/>
             <a:ext cx="8452987" cy="861774"/>
           </a:xfrm>
           <a:prstGeom prst="rect">
@@ -4776,7 +4810,7 @@
         </p:nvSpPr>
         <p:spPr>
           <a:xfrm>
-            <a:off x="336000" y="1072753"/>
+            <a:off x="336000" y="1080000"/>
             <a:ext cx="11520000" cy="4524315"/>
           </a:xfrm>
           <a:prstGeom prst="rect">
@@ -5068,13 +5102,219 @@
       </p:grpSpPr>
       <p:sp>
         <p:nvSpPr>
+          <p:cNvPr id="3" name="TextBox 2"/>
+          <p:cNvSpPr txBox="1"/>
+          <p:nvPr/>
+        </p:nvSpPr>
+        <p:spPr>
+          <a:xfrm>
+            <a:off x="0" y="144000"/>
+            <a:ext cx="12191999" cy="861774"/>
+          </a:xfrm>
+          <a:prstGeom prst="rect">
+            <a:avLst/>
+          </a:prstGeom>
+          <a:noFill/>
+        </p:spPr>
+        <p:txBody>
+          <a:bodyPr wrap="square" rtlCol="0" anchor="ctr">
+            <a:spAutoFit/>
+          </a:bodyPr>
+          <a:lstStyle/>
+          <a:p>
+            <a:pPr algn="ctr"/>
+            <a:r>
+              <a:rPr lang="uk-UA" sz="5000" b="1" dirty="0">
+                <a:gradFill flip="none" rotWithShape="1">
+                  <a:gsLst>
+                    <a:gs pos="0">
+                      <a:srgbClr val="229633"/>
+                    </a:gs>
+                    <a:gs pos="100000">
+                      <a:srgbClr val="85CA3A"/>
+                    </a:gs>
+                  </a:gsLst>
+                  <a:lin ang="18900000" scaled="1"/>
+                  <a:tileRect/>
+                </a:gradFill>
+                <a:latin typeface="Segoe Print" panose="02000600000000000000" pitchFamily="2" charset="0"/>
+                <a:ea typeface="Open Sans" panose="020B0606030504020204" pitchFamily="34" charset="0"/>
+                <a:cs typeface="Open Sans" panose="020B0606030504020204" pitchFamily="34" charset="0"/>
+              </a:rPr>
+              <a:t>Опис підприємства</a:t>
+            </a:r>
+            <a:endParaRPr lang="uk-UA" sz="5000" b="1" dirty="0" smtClean="0">
+              <a:gradFill flip="none" rotWithShape="1">
+                <a:gsLst>
+                  <a:gs pos="0">
+                    <a:srgbClr val="229633"/>
+                  </a:gs>
+                  <a:gs pos="100000">
+                    <a:srgbClr val="85CA3A"/>
+                  </a:gs>
+                </a:gsLst>
+                <a:lin ang="18900000" scaled="1"/>
+                <a:tileRect/>
+              </a:gradFill>
+              <a:latin typeface="Segoe Print" panose="02000600000000000000" pitchFamily="2" charset="0"/>
+              <a:ea typeface="Open Sans" panose="020B0606030504020204" pitchFamily="34" charset="0"/>
+              <a:cs typeface="Open Sans" panose="020B0606030504020204" pitchFamily="34" charset="0"/>
+            </a:endParaRPr>
+          </a:p>
+        </p:txBody>
+      </p:sp>
+    </p:spTree>
+    <p:extLst>
+      <p:ext uri="{BB962C8B-B14F-4D97-AF65-F5344CB8AC3E}">
+        <p14:creationId xmlns:p14="http://schemas.microsoft.com/office/powerpoint/2010/main" val="2924096935"/>
+      </p:ext>
+    </p:extLst>
+  </p:cSld>
+  <p:clrMapOvr>
+    <a:masterClrMapping/>
+  </p:clrMapOvr>
+  <p:transition spd="med">
+    <p:pull/>
+  </p:transition>
+  <p:timing>
+    <p:tnLst>
+      <p:par>
+        <p:cTn id="1" dur="indefinite" restart="never" nodeType="tmRoot"/>
+      </p:par>
+    </p:tnLst>
+  </p:timing>
+</p:sld>
+</file>
+
+<file path=ppt/slides/slide5.xml><?xml version="1.0" encoding="utf-8"?>
+<p:sld xmlns:a="http://schemas.openxmlformats.org/drawingml/2006/main" xmlns:r="http://schemas.openxmlformats.org/officeDocument/2006/relationships" xmlns:p="http://schemas.openxmlformats.org/presentationml/2006/main">
+  <p:cSld>
+    <p:spTree>
+      <p:nvGrpSpPr>
+        <p:cNvPr id="1" name=""/>
+        <p:cNvGrpSpPr/>
+        <p:nvPr/>
+      </p:nvGrpSpPr>
+      <p:grpSpPr>
+        <a:xfrm>
+          <a:off x="0" y="0"/>
+          <a:ext cx="0" cy="0"/>
+          <a:chOff x="0" y="0"/>
+          <a:chExt cx="0" cy="0"/>
+        </a:xfrm>
+      </p:grpSpPr>
+      <p:sp>
+        <p:nvSpPr>
           <p:cNvPr id="2" name="TextBox 1"/>
           <p:cNvSpPr txBox="1"/>
           <p:nvPr/>
         </p:nvSpPr>
         <p:spPr>
           <a:xfrm>
-            <a:off x="1869507" y="210979"/>
+            <a:off x="1869507" y="144000"/>
+            <a:ext cx="8452987" cy="861774"/>
+          </a:xfrm>
+          <a:prstGeom prst="rect">
+            <a:avLst/>
+          </a:prstGeom>
+          <a:noFill/>
+        </p:spPr>
+        <p:txBody>
+          <a:bodyPr wrap="square" rtlCol="0" anchor="ctr">
+            <a:spAutoFit/>
+          </a:bodyPr>
+          <a:lstStyle/>
+          <a:p>
+            <a:pPr algn="ctr"/>
+            <a:r>
+              <a:rPr lang="uk-UA" sz="5000" b="1" dirty="0">
+                <a:gradFill flip="none" rotWithShape="1">
+                  <a:gsLst>
+                    <a:gs pos="0">
+                      <a:srgbClr val="229633"/>
+                    </a:gs>
+                    <a:gs pos="100000">
+                      <a:srgbClr val="85CA3A"/>
+                    </a:gs>
+                  </a:gsLst>
+                  <a:lin ang="18900000" scaled="1"/>
+                  <a:tileRect/>
+                </a:gradFill>
+                <a:latin typeface="Segoe Print" panose="02000600000000000000" pitchFamily="2" charset="0"/>
+                <a:ea typeface="Open Sans" panose="020B0606030504020204" pitchFamily="34" charset="0"/>
+                <a:cs typeface="Open Sans" panose="020B0606030504020204" pitchFamily="34" charset="0"/>
+              </a:rPr>
+              <a:t>Аналіз ринку</a:t>
+            </a:r>
+            <a:endParaRPr lang="uk-UA" sz="5000" b="1" dirty="0" smtClean="0">
+              <a:gradFill flip="none" rotWithShape="1">
+                <a:gsLst>
+                  <a:gs pos="0">
+                    <a:srgbClr val="229633"/>
+                  </a:gs>
+                  <a:gs pos="100000">
+                    <a:srgbClr val="85CA3A"/>
+                  </a:gs>
+                </a:gsLst>
+                <a:lin ang="18900000" scaled="1"/>
+                <a:tileRect/>
+              </a:gradFill>
+              <a:latin typeface="Segoe Print" panose="02000600000000000000" pitchFamily="2" charset="0"/>
+              <a:ea typeface="Open Sans" panose="020B0606030504020204" pitchFamily="34" charset="0"/>
+              <a:cs typeface="Open Sans" panose="020B0606030504020204" pitchFamily="34" charset="0"/>
+            </a:endParaRPr>
+          </a:p>
+        </p:txBody>
+      </p:sp>
+    </p:spTree>
+    <p:extLst>
+      <p:ext uri="{BB962C8B-B14F-4D97-AF65-F5344CB8AC3E}">
+        <p14:creationId xmlns:p14="http://schemas.microsoft.com/office/powerpoint/2010/main" val="3733678756"/>
+      </p:ext>
+    </p:extLst>
+  </p:cSld>
+  <p:clrMapOvr>
+    <a:masterClrMapping/>
+  </p:clrMapOvr>
+  <p:transition spd="med">
+    <p:pull/>
+  </p:transition>
+  <p:timing>
+    <p:tnLst>
+      <p:par>
+        <p:cTn id="1" dur="indefinite" restart="never" nodeType="tmRoot"/>
+      </p:par>
+    </p:tnLst>
+  </p:timing>
+</p:sld>
+</file>
+
+<file path=ppt/slides/slide6.xml><?xml version="1.0" encoding="utf-8"?>
+<p:sld xmlns:a="http://schemas.openxmlformats.org/drawingml/2006/main" xmlns:r="http://schemas.openxmlformats.org/officeDocument/2006/relationships" xmlns:p="http://schemas.openxmlformats.org/presentationml/2006/main">
+  <p:cSld>
+    <p:spTree>
+      <p:nvGrpSpPr>
+        <p:cNvPr id="1" name=""/>
+        <p:cNvGrpSpPr/>
+        <p:nvPr/>
+      </p:nvGrpSpPr>
+      <p:grpSpPr>
+        <a:xfrm>
+          <a:off x="0" y="0"/>
+          <a:ext cx="0" cy="0"/>
+          <a:chOff x="0" y="0"/>
+          <a:chExt cx="0" cy="0"/>
+        </a:xfrm>
+      </p:grpSpPr>
+      <p:sp>
+        <p:nvSpPr>
+          <p:cNvPr id="2" name="TextBox 1"/>
+          <p:cNvSpPr txBox="1"/>
+          <p:nvPr/>
+        </p:nvSpPr>
+        <p:spPr>
+          <a:xfrm>
+            <a:off x="1869507" y="144000"/>
             <a:ext cx="8452987" cy="861774"/>
           </a:xfrm>
           <a:prstGeom prst="rect">
@@ -5138,13 +5378,13 @@
           <p:nvPr>
             <p:extLst>
               <p:ext uri="{D42A27DB-BD31-4B8C-83A1-F6EECF244321}">
-                <p14:modId xmlns:p14="http://schemas.microsoft.com/office/powerpoint/2010/main" val="2708252953"/>
+                <p14:modId xmlns:p14="http://schemas.microsoft.com/office/powerpoint/2010/main" val="2058177614"/>
               </p:ext>
             </p:extLst>
           </p:nvPr>
         </p:nvGraphicFramePr>
         <p:xfrm>
-          <a:off x="426000" y="1352760"/>
+          <a:off x="426000" y="1368000"/>
           <a:ext cx="11340000" cy="4638858"/>
         </p:xfrm>
         <a:graphic>
@@ -6115,7 +6355,7 @@
 </p:sld>
 </file>
 
-<file path=ppt/slides/slide5.xml><?xml version="1.0" encoding="utf-8"?>
+<file path=ppt/slides/slide7.xml><?xml version="1.0" encoding="utf-8"?>
 <p:sld xmlns:a="http://schemas.openxmlformats.org/drawingml/2006/main" xmlns:r="http://schemas.openxmlformats.org/officeDocument/2006/relationships" xmlns:p="http://schemas.openxmlformats.org/presentationml/2006/main">
   <p:cSld>
     <p:spTree>
@@ -6140,110 +6380,7 @@
         </p:nvSpPr>
         <p:spPr>
           <a:xfrm>
-            <a:off x="1869507" y="210979"/>
-            <a:ext cx="8452987" cy="861774"/>
-          </a:xfrm>
-          <a:prstGeom prst="rect">
-            <a:avLst/>
-          </a:prstGeom>
-          <a:noFill/>
-        </p:spPr>
-        <p:txBody>
-          <a:bodyPr wrap="square" rtlCol="0" anchor="ctr">
-            <a:spAutoFit/>
-          </a:bodyPr>
-          <a:lstStyle/>
-          <a:p>
-            <a:pPr algn="ctr"/>
-            <a:r>
-              <a:rPr lang="uk-UA" sz="5000" b="1" dirty="0">
-                <a:gradFill flip="none" rotWithShape="1">
-                  <a:gsLst>
-                    <a:gs pos="0">
-                      <a:srgbClr val="229633"/>
-                    </a:gs>
-                    <a:gs pos="100000">
-                      <a:srgbClr val="85CA3A"/>
-                    </a:gs>
-                  </a:gsLst>
-                  <a:lin ang="18900000" scaled="1"/>
-                  <a:tileRect/>
-                </a:gradFill>
-                <a:latin typeface="Segoe Print" panose="02000600000000000000" pitchFamily="2" charset="0"/>
-                <a:ea typeface="Open Sans" panose="020B0606030504020204" pitchFamily="34" charset="0"/>
-                <a:cs typeface="Open Sans" panose="020B0606030504020204" pitchFamily="34" charset="0"/>
-              </a:rPr>
-              <a:t>Аналіз ринку</a:t>
-            </a:r>
-            <a:endParaRPr lang="uk-UA" sz="5000" b="1" dirty="0" smtClean="0">
-              <a:gradFill flip="none" rotWithShape="1">
-                <a:gsLst>
-                  <a:gs pos="0">
-                    <a:srgbClr val="229633"/>
-                  </a:gs>
-                  <a:gs pos="100000">
-                    <a:srgbClr val="85CA3A"/>
-                  </a:gs>
-                </a:gsLst>
-                <a:lin ang="18900000" scaled="1"/>
-                <a:tileRect/>
-              </a:gradFill>
-              <a:latin typeface="Segoe Print" panose="02000600000000000000" pitchFamily="2" charset="0"/>
-              <a:ea typeface="Open Sans" panose="020B0606030504020204" pitchFamily="34" charset="0"/>
-              <a:cs typeface="Open Sans" panose="020B0606030504020204" pitchFamily="34" charset="0"/>
-            </a:endParaRPr>
-          </a:p>
-        </p:txBody>
-      </p:sp>
-    </p:spTree>
-    <p:extLst>
-      <p:ext uri="{BB962C8B-B14F-4D97-AF65-F5344CB8AC3E}">
-        <p14:creationId xmlns:p14="http://schemas.microsoft.com/office/powerpoint/2010/main" val="3733678756"/>
-      </p:ext>
-    </p:extLst>
-  </p:cSld>
-  <p:clrMapOvr>
-    <a:masterClrMapping/>
-  </p:clrMapOvr>
-  <p:transition spd="med">
-    <p:pull/>
-  </p:transition>
-  <p:timing>
-    <p:tnLst>
-      <p:par>
-        <p:cTn id="1" dur="indefinite" restart="never" nodeType="tmRoot"/>
-      </p:par>
-    </p:tnLst>
-  </p:timing>
-</p:sld>
-</file>
-
-<file path=ppt/slides/slide6.xml><?xml version="1.0" encoding="utf-8"?>
-<p:sld xmlns:a="http://schemas.openxmlformats.org/drawingml/2006/main" xmlns:r="http://schemas.openxmlformats.org/officeDocument/2006/relationships" xmlns:p="http://schemas.openxmlformats.org/presentationml/2006/main">
-  <p:cSld>
-    <p:spTree>
-      <p:nvGrpSpPr>
-        <p:cNvPr id="1" name=""/>
-        <p:cNvGrpSpPr/>
-        <p:nvPr/>
-      </p:nvGrpSpPr>
-      <p:grpSpPr>
-        <a:xfrm>
-          <a:off x="0" y="0"/>
-          <a:ext cx="0" cy="0"/>
-          <a:chOff x="0" y="0"/>
-          <a:chExt cx="0" cy="0"/>
-        </a:xfrm>
-      </p:grpSpPr>
-      <p:sp>
-        <p:nvSpPr>
-          <p:cNvPr id="2" name="TextBox 1"/>
-          <p:cNvSpPr txBox="1"/>
-          <p:nvPr/>
-        </p:nvSpPr>
-        <p:spPr>
-          <a:xfrm>
-            <a:off x="0" y="210979"/>
+            <a:off x="0" y="144000"/>
             <a:ext cx="12191999" cy="861774"/>
           </a:xfrm>
           <a:prstGeom prst="rect">
@@ -6278,23 +6415,6 @@
               </a:rPr>
               <a:t>Організація виробництва</a:t>
             </a:r>
-            <a:endParaRPr lang="uk-UA" sz="5000" b="1" dirty="0" smtClean="0">
-              <a:gradFill flip="none" rotWithShape="1">
-                <a:gsLst>
-                  <a:gs pos="0">
-                    <a:srgbClr val="229633"/>
-                  </a:gs>
-                  <a:gs pos="100000">
-                    <a:srgbClr val="85CA3A"/>
-                  </a:gs>
-                </a:gsLst>
-                <a:lin ang="18900000" scaled="1"/>
-                <a:tileRect/>
-              </a:gradFill>
-              <a:latin typeface="Segoe Print" panose="02000600000000000000" pitchFamily="2" charset="0"/>
-              <a:ea typeface="Open Sans" panose="020B0606030504020204" pitchFamily="34" charset="0"/>
-              <a:cs typeface="Open Sans" panose="020B0606030504020204" pitchFamily="34" charset="0"/>
-            </a:endParaRPr>
           </a:p>
         </p:txBody>
       </p:sp>
@@ -6302,46 +6422,6 @@
     <p:extLst>
       <p:ext uri="{BB962C8B-B14F-4D97-AF65-F5344CB8AC3E}">
         <p14:creationId xmlns:p14="http://schemas.microsoft.com/office/powerpoint/2010/main" val="2902322015"/>
-      </p:ext>
-    </p:extLst>
-  </p:cSld>
-  <p:clrMapOvr>
-    <a:masterClrMapping/>
-  </p:clrMapOvr>
-  <p:transition spd="med">
-    <p:pull/>
-  </p:transition>
-  <p:timing>
-    <p:tnLst>
-      <p:par>
-        <p:cTn id="1" dur="indefinite" restart="never" nodeType="tmRoot"/>
-      </p:par>
-    </p:tnLst>
-  </p:timing>
-</p:sld>
-</file>
-
-<file path=ppt/slides/slide7.xml><?xml version="1.0" encoding="utf-8"?>
-<p:sld xmlns:a="http://schemas.openxmlformats.org/drawingml/2006/main" xmlns:r="http://schemas.openxmlformats.org/officeDocument/2006/relationships" xmlns:p="http://schemas.openxmlformats.org/presentationml/2006/main">
-  <p:cSld>
-    <p:spTree>
-      <p:nvGrpSpPr>
-        <p:cNvPr id="1" name=""/>
-        <p:cNvGrpSpPr/>
-        <p:nvPr/>
-      </p:nvGrpSpPr>
-      <p:grpSpPr>
-        <a:xfrm>
-          <a:off x="0" y="0"/>
-          <a:ext cx="0" cy="0"/>
-          <a:chOff x="0" y="0"/>
-          <a:chExt cx="0" cy="0"/>
-        </a:xfrm>
-      </p:grpSpPr>
-    </p:spTree>
-    <p:extLst>
-      <p:ext uri="{BB962C8B-B14F-4D97-AF65-F5344CB8AC3E}">
-        <p14:creationId xmlns:p14="http://schemas.microsoft.com/office/powerpoint/2010/main" val="2924096935"/>
       </p:ext>
     </p:extLst>
   </p:cSld>
@@ -6378,6 +6458,89 @@
           <a:chExt cx="0" cy="0"/>
         </a:xfrm>
       </p:grpSpPr>
+      <p:sp>
+        <p:nvSpPr>
+          <p:cNvPr id="2" name="TextBox 1"/>
+          <p:cNvSpPr txBox="1"/>
+          <p:nvPr/>
+        </p:nvSpPr>
+        <p:spPr>
+          <a:xfrm>
+            <a:off x="0" y="144000"/>
+            <a:ext cx="12191999" cy="861774"/>
+          </a:xfrm>
+          <a:prstGeom prst="rect">
+            <a:avLst/>
+          </a:prstGeom>
+          <a:noFill/>
+        </p:spPr>
+        <p:txBody>
+          <a:bodyPr wrap="square" rtlCol="0" anchor="ctr">
+            <a:spAutoFit/>
+          </a:bodyPr>
+          <a:lstStyle/>
+          <a:p>
+            <a:pPr algn="ctr"/>
+            <a:r>
+              <a:rPr lang="uk-UA" sz="5000" b="1" dirty="0">
+                <a:gradFill flip="none" rotWithShape="1">
+                  <a:gsLst>
+                    <a:gs pos="0">
+                      <a:srgbClr val="229633"/>
+                    </a:gs>
+                    <a:gs pos="100000">
+                      <a:srgbClr val="85CA3A"/>
+                    </a:gs>
+                  </a:gsLst>
+                  <a:lin ang="18900000" scaled="1"/>
+                  <a:tileRect/>
+                </a:gradFill>
+                <a:latin typeface="Segoe Print" panose="02000600000000000000" pitchFamily="2" charset="0"/>
+                <a:ea typeface="Open Sans" panose="020B0606030504020204" pitchFamily="34" charset="0"/>
+                <a:cs typeface="Open Sans" panose="020B0606030504020204" pitchFamily="34" charset="0"/>
+              </a:rPr>
+              <a:t>Фінансовий </a:t>
+            </a:r>
+            <a:r>
+              <a:rPr lang="uk-UA" sz="5000" b="1" dirty="0" smtClean="0">
+                <a:gradFill flip="none" rotWithShape="1">
+                  <a:gsLst>
+                    <a:gs pos="0">
+                      <a:srgbClr val="229633"/>
+                    </a:gs>
+                    <a:gs pos="100000">
+                      <a:srgbClr val="85CA3A"/>
+                    </a:gs>
+                  </a:gsLst>
+                  <a:lin ang="18900000" scaled="1"/>
+                  <a:tileRect/>
+                </a:gradFill>
+                <a:latin typeface="Segoe Print" panose="02000600000000000000" pitchFamily="2" charset="0"/>
+                <a:ea typeface="Open Sans" panose="020B0606030504020204" pitchFamily="34" charset="0"/>
+                <a:cs typeface="Open Sans" panose="020B0606030504020204" pitchFamily="34" charset="0"/>
+              </a:rPr>
+              <a:t>план</a:t>
+            </a:r>
+            <a:endParaRPr lang="uk-UA" sz="5000" b="1" dirty="0" smtClean="0">
+              <a:gradFill flip="none" rotWithShape="1">
+                <a:gsLst>
+                  <a:gs pos="0">
+                    <a:srgbClr val="229633"/>
+                  </a:gs>
+                  <a:gs pos="100000">
+                    <a:srgbClr val="85CA3A"/>
+                  </a:gs>
+                </a:gsLst>
+                <a:lin ang="18900000" scaled="1"/>
+                <a:tileRect/>
+              </a:gradFill>
+              <a:latin typeface="Segoe Print" panose="02000600000000000000" pitchFamily="2" charset="0"/>
+              <a:ea typeface="Open Sans" panose="020B0606030504020204" pitchFamily="34" charset="0"/>
+              <a:cs typeface="Open Sans" panose="020B0606030504020204" pitchFamily="34" charset="0"/>
+            </a:endParaRPr>
+          </a:p>
+        </p:txBody>
+      </p:sp>
     </p:spTree>
     <p:extLst>
       <p:ext uri="{BB962C8B-B14F-4D97-AF65-F5344CB8AC3E}">

--- a/diplomna.pptx
+++ b/diplomna.pptx
@@ -4449,23 +4449,6 @@
               </a:rPr>
               <a:t>план</a:t>
             </a:r>
-            <a:endParaRPr lang="uk-UA" sz="2800" b="1" dirty="0" smtClean="0">
-              <a:gradFill flip="none" rotWithShape="1">
-                <a:gsLst>
-                  <a:gs pos="0">
-                    <a:srgbClr val="276399"/>
-                  </a:gs>
-                  <a:gs pos="100000">
-                    <a:srgbClr val="5380FF"/>
-                  </a:gs>
-                </a:gsLst>
-                <a:lin ang="18900000" scaled="1"/>
-                <a:tileRect/>
-              </a:gradFill>
-              <a:latin typeface="Segoe Print" panose="02000600000000000000" pitchFamily="2" charset="0"/>
-              <a:ea typeface="Open Sans" panose="020B0606030504020204" pitchFamily="34" charset="0"/>
-              <a:cs typeface="Open Sans" panose="020B0606030504020204" pitchFamily="34" charset="0"/>
-            </a:endParaRPr>
           </a:p>
           <a:p>
             <a:pPr marL="342900" indent="-342900">
@@ -4564,23 +4547,6 @@
               </a:rPr>
               <a:t>план</a:t>
             </a:r>
-            <a:endParaRPr lang="uk-UA" sz="2800" b="1" dirty="0" smtClean="0">
-              <a:gradFill flip="none" rotWithShape="1">
-                <a:gsLst>
-                  <a:gs pos="0">
-                    <a:srgbClr val="276399"/>
-                  </a:gs>
-                  <a:gs pos="100000">
-                    <a:srgbClr val="5380FF"/>
-                  </a:gs>
-                </a:gsLst>
-                <a:lin ang="18900000" scaled="1"/>
-                <a:tileRect/>
-              </a:gradFill>
-              <a:latin typeface="Segoe Print" panose="02000600000000000000" pitchFamily="2" charset="0"/>
-              <a:ea typeface="Open Sans" panose="020B0606030504020204" pitchFamily="34" charset="0"/>
-              <a:cs typeface="Open Sans" panose="020B0606030504020204" pitchFamily="34" charset="0"/>
-            </a:endParaRPr>
           </a:p>
           <a:p>
             <a:pPr marL="342900" indent="-342900">
@@ -6467,7 +6433,7 @@
         <p:spPr>
           <a:xfrm>
             <a:off x="0" y="144000"/>
-            <a:ext cx="12191999" cy="861774"/>
+            <a:ext cx="12191999" cy="1354217"/>
           </a:xfrm>
           <a:prstGeom prst="rect">
             <a:avLst/>
@@ -6481,26 +6447,6 @@
           <a:lstStyle/>
           <a:p>
             <a:pPr algn="ctr"/>
-            <a:r>
-              <a:rPr lang="uk-UA" sz="5000" b="1" dirty="0">
-                <a:gradFill flip="none" rotWithShape="1">
-                  <a:gsLst>
-                    <a:gs pos="0">
-                      <a:srgbClr val="229633"/>
-                    </a:gs>
-                    <a:gs pos="100000">
-                      <a:srgbClr val="85CA3A"/>
-                    </a:gs>
-                  </a:gsLst>
-                  <a:lin ang="18900000" scaled="1"/>
-                  <a:tileRect/>
-                </a:gradFill>
-                <a:latin typeface="Segoe Print" panose="02000600000000000000" pitchFamily="2" charset="0"/>
-                <a:ea typeface="Open Sans" panose="020B0606030504020204" pitchFamily="34" charset="0"/>
-                <a:cs typeface="Open Sans" panose="020B0606030504020204" pitchFamily="34" charset="0"/>
-              </a:rPr>
-              <a:t>Фінансовий </a:t>
-            </a:r>
             <a:r>
               <a:rPr lang="uk-UA" sz="5000" b="1" dirty="0" smtClean="0">
                 <a:gradFill flip="none" rotWithShape="1">
@@ -6519,9 +6465,32 @@
                 <a:ea typeface="Open Sans" panose="020B0606030504020204" pitchFamily="34" charset="0"/>
                 <a:cs typeface="Open Sans" panose="020B0606030504020204" pitchFamily="34" charset="0"/>
               </a:rPr>
-              <a:t>план</a:t>
-            </a:r>
-            <a:endParaRPr lang="uk-UA" sz="5000" b="1" dirty="0" smtClean="0">
+              <a:t>Фінансовий план</a:t>
+            </a:r>
+          </a:p>
+          <a:p>
+            <a:pPr algn="ctr"/>
+            <a:r>
+              <a:rPr lang="uk-UA" sz="3200" b="1" dirty="0" smtClean="0">
+                <a:gradFill flip="none" rotWithShape="1">
+                  <a:gsLst>
+                    <a:gs pos="16000">
+                      <a:srgbClr val="276399"/>
+                    </a:gs>
+                    <a:gs pos="100000">
+                      <a:srgbClr val="5380FF"/>
+                    </a:gs>
+                  </a:gsLst>
+                  <a:lin ang="18900000" scaled="1"/>
+                  <a:tileRect/>
+                </a:gradFill>
+                <a:latin typeface="Segoe Print" panose="02000600000000000000" pitchFamily="2" charset="0"/>
+                <a:ea typeface="Open Sans" panose="020B0606030504020204" pitchFamily="34" charset="0"/>
+                <a:cs typeface="Open Sans" panose="020B0606030504020204" pitchFamily="34" charset="0"/>
+              </a:rPr>
+              <a:t>Витрати на персонал</a:t>
+            </a:r>
+            <a:endParaRPr lang="uk-UA" sz="3200" b="1" dirty="0" smtClean="0">
               <a:gradFill flip="none" rotWithShape="1">
                 <a:gsLst>
                   <a:gs pos="0">
@@ -6541,6 +6510,1237 @@
           </a:p>
         </p:txBody>
       </p:sp>
+      <p:graphicFrame>
+        <p:nvGraphicFramePr>
+          <p:cNvPr id="3" name="Таблица 2"/>
+          <p:cNvGraphicFramePr>
+            <a:graphicFrameLocks noGrp="1"/>
+          </p:cNvGraphicFramePr>
+          <p:nvPr>
+            <p:extLst>
+              <p:ext uri="{D42A27DB-BD31-4B8C-83A1-F6EECF244321}">
+                <p14:modId xmlns:p14="http://schemas.microsoft.com/office/powerpoint/2010/main" val="465075575"/>
+              </p:ext>
+            </p:extLst>
+          </p:nvPr>
+        </p:nvGraphicFramePr>
+        <p:xfrm>
+          <a:off x="1145999" y="1916640"/>
+          <a:ext cx="9900000" cy="3964320"/>
+        </p:xfrm>
+        <a:graphic>
+          <a:graphicData uri="http://schemas.openxmlformats.org/drawingml/2006/table">
+            <a:tbl>
+              <a:tblPr firstRow="1" lastRow="1" bandRow="1">
+                <a:effectLst>
+                  <a:outerShdw blurRad="571500" dir="5400000" algn="ctr" rotWithShape="0">
+                    <a:schemeClr val="tx1">
+                      <a:alpha val="35000"/>
+                    </a:schemeClr>
+                  </a:outerShdw>
+                </a:effectLst>
+                <a:tableStyleId>{93296810-A885-4BE3-A3E7-6D5BEEA58F35}</a:tableStyleId>
+              </a:tblPr>
+              <a:tblGrid>
+                <a:gridCol w="3600000"/>
+                <a:gridCol w="2340000"/>
+                <a:gridCol w="1980000"/>
+                <a:gridCol w="1980000"/>
+              </a:tblGrid>
+              <a:tr h="864000">
+                <a:tc>
+                  <a:txBody>
+                    <a:bodyPr/>
+                    <a:lstStyle/>
+                    <a:p>
+                      <a:pPr algn="ctr"/>
+                      <a:r>
+                        <a:rPr lang="uk-UA" sz="2000" noProof="0" dirty="0" smtClean="0">
+                          <a:solidFill>
+                            <a:schemeClr val="tx1"/>
+                          </a:solidFill>
+                          <a:effectLst/>
+                          <a:latin typeface="Open Sans" panose="020B0606030504020204" pitchFamily="34" charset="0"/>
+                          <a:ea typeface="Open Sans" panose="020B0606030504020204" pitchFamily="34" charset="0"/>
+                          <a:cs typeface="Open Sans" panose="020B0606030504020204" pitchFamily="34" charset="0"/>
+                        </a:rPr>
+                        <a:t>Посада</a:t>
+                      </a:r>
+                      <a:endParaRPr lang="uk-UA" sz="2000" noProof="0" dirty="0">
+                        <a:solidFill>
+                          <a:schemeClr val="tx1"/>
+                        </a:solidFill>
+                        <a:effectLst/>
+                        <a:latin typeface="Open Sans" panose="020B0606030504020204" pitchFamily="34" charset="0"/>
+                        <a:ea typeface="Open Sans" panose="020B0606030504020204" pitchFamily="34" charset="0"/>
+                        <a:cs typeface="Open Sans" panose="020B0606030504020204" pitchFamily="34" charset="0"/>
+                      </a:endParaRPr>
+                    </a:p>
+                  </a:txBody>
+                  <a:tcPr anchor="ctr">
+                    <a:solidFill>
+                      <a:schemeClr val="accent6">
+                        <a:alpha val="80000"/>
+                      </a:schemeClr>
+                    </a:solidFill>
+                  </a:tcPr>
+                </a:tc>
+                <a:tc>
+                  <a:txBody>
+                    <a:bodyPr/>
+                    <a:lstStyle/>
+                    <a:p>
+                      <a:pPr algn="ctr"/>
+                      <a:r>
+                        <a:rPr lang="uk-UA" sz="2000" noProof="0" dirty="0" smtClean="0">
+                          <a:solidFill>
+                            <a:schemeClr val="tx1"/>
+                          </a:solidFill>
+                          <a:effectLst/>
+                          <a:latin typeface="Open Sans" panose="020B0606030504020204" pitchFamily="34" charset="0"/>
+                          <a:ea typeface="Open Sans" panose="020B0606030504020204" pitchFamily="34" charset="0"/>
+                          <a:cs typeface="Open Sans" panose="020B0606030504020204" pitchFamily="34" charset="0"/>
+                        </a:rPr>
+                        <a:t>Оплата одному працівникові</a:t>
+                      </a:r>
+                      <a:endParaRPr lang="uk-UA" sz="2000" noProof="0" dirty="0">
+                        <a:solidFill>
+                          <a:schemeClr val="tx1"/>
+                        </a:solidFill>
+                        <a:effectLst/>
+                        <a:latin typeface="Open Sans" panose="020B0606030504020204" pitchFamily="34" charset="0"/>
+                        <a:ea typeface="Open Sans" panose="020B0606030504020204" pitchFamily="34" charset="0"/>
+                        <a:cs typeface="Open Sans" panose="020B0606030504020204" pitchFamily="34" charset="0"/>
+                      </a:endParaRPr>
+                    </a:p>
+                  </a:txBody>
+                  <a:tcPr anchor="ctr">
+                    <a:solidFill>
+                      <a:schemeClr val="accent6">
+                        <a:alpha val="80000"/>
+                      </a:schemeClr>
+                    </a:solidFill>
+                  </a:tcPr>
+                </a:tc>
+                <a:tc>
+                  <a:txBody>
+                    <a:bodyPr/>
+                    <a:lstStyle/>
+                    <a:p>
+                      <a:pPr algn="ctr"/>
+                      <a:r>
+                        <a:rPr lang="uk-UA" sz="2000" noProof="0" dirty="0" smtClean="0">
+                          <a:solidFill>
+                            <a:schemeClr val="tx1"/>
+                          </a:solidFill>
+                          <a:effectLst/>
+                          <a:latin typeface="Open Sans" panose="020B0606030504020204" pitchFamily="34" charset="0"/>
+                          <a:ea typeface="Open Sans" panose="020B0606030504020204" pitchFamily="34" charset="0"/>
+                          <a:cs typeface="Open Sans" panose="020B0606030504020204" pitchFamily="34" charset="0"/>
+                        </a:rPr>
+                        <a:t>Кількість</a:t>
+                      </a:r>
+                    </a:p>
+                    <a:p>
+                      <a:pPr algn="ctr"/>
+                      <a:r>
+                        <a:rPr lang="uk-UA" sz="2000" noProof="0" dirty="0" smtClean="0">
+                          <a:solidFill>
+                            <a:schemeClr val="tx1"/>
+                          </a:solidFill>
+                          <a:effectLst/>
+                          <a:latin typeface="Open Sans" panose="020B0606030504020204" pitchFamily="34" charset="0"/>
+                          <a:ea typeface="Open Sans" panose="020B0606030504020204" pitchFamily="34" charset="0"/>
+                          <a:cs typeface="Open Sans" panose="020B0606030504020204" pitchFamily="34" charset="0"/>
+                        </a:rPr>
+                        <a:t>працівників</a:t>
+                      </a:r>
+                      <a:endParaRPr lang="uk-UA" sz="2000" noProof="0" dirty="0">
+                        <a:solidFill>
+                          <a:schemeClr val="tx1"/>
+                        </a:solidFill>
+                        <a:effectLst/>
+                        <a:latin typeface="Open Sans" panose="020B0606030504020204" pitchFamily="34" charset="0"/>
+                        <a:ea typeface="Open Sans" panose="020B0606030504020204" pitchFamily="34" charset="0"/>
+                        <a:cs typeface="Open Sans" panose="020B0606030504020204" pitchFamily="34" charset="0"/>
+                      </a:endParaRPr>
+                    </a:p>
+                  </a:txBody>
+                  <a:tcPr anchor="ctr">
+                    <a:solidFill>
+                      <a:schemeClr val="accent6">
+                        <a:alpha val="80000"/>
+                      </a:schemeClr>
+                    </a:solidFill>
+                  </a:tcPr>
+                </a:tc>
+                <a:tc>
+                  <a:txBody>
+                    <a:bodyPr/>
+                    <a:lstStyle/>
+                    <a:p>
+                      <a:pPr algn="ctr"/>
+                      <a:r>
+                        <a:rPr lang="uk-UA" sz="2000" noProof="0" dirty="0" smtClean="0">
+                          <a:solidFill>
+                            <a:schemeClr val="tx1"/>
+                          </a:solidFill>
+                          <a:effectLst/>
+                          <a:latin typeface="Open Sans" panose="020B0606030504020204" pitchFamily="34" charset="0"/>
+                          <a:ea typeface="Open Sans" panose="020B0606030504020204" pitchFamily="34" charset="0"/>
+                          <a:cs typeface="Open Sans" panose="020B0606030504020204" pitchFamily="34" charset="0"/>
+                        </a:rPr>
+                        <a:t>Сума</a:t>
+                      </a:r>
+                      <a:endParaRPr lang="uk-UA" sz="2000" noProof="0" dirty="0">
+                        <a:solidFill>
+                          <a:schemeClr val="tx1"/>
+                        </a:solidFill>
+                        <a:effectLst/>
+                        <a:latin typeface="Open Sans" panose="020B0606030504020204" pitchFamily="34" charset="0"/>
+                        <a:ea typeface="Open Sans" panose="020B0606030504020204" pitchFamily="34" charset="0"/>
+                        <a:cs typeface="Open Sans" panose="020B0606030504020204" pitchFamily="34" charset="0"/>
+                      </a:endParaRPr>
+                    </a:p>
+                  </a:txBody>
+                  <a:tcPr anchor="ctr">
+                    <a:solidFill>
+                      <a:schemeClr val="accent6">
+                        <a:alpha val="80000"/>
+                      </a:schemeClr>
+                    </a:solidFill>
+                  </a:tcPr>
+                </a:tc>
+              </a:tr>
+              <a:tr h="0">
+                <a:tc>
+                  <a:txBody>
+                    <a:bodyPr/>
+                    <a:lstStyle/>
+                    <a:p>
+                      <a:pPr algn="l"/>
+                      <a:r>
+                        <a:rPr lang="uk-UA" sz="1800" b="1" i="0" noProof="0" dirty="0" smtClean="0">
+                          <a:effectLst/>
+                          <a:latin typeface="Segoe Print" panose="02000600000000000000" pitchFamily="2" charset="0"/>
+                          <a:ea typeface="Tahoma" panose="020B0604030504040204" pitchFamily="34" charset="0"/>
+                          <a:cs typeface="Tahoma" panose="020B0604030504040204" pitchFamily="34" charset="0"/>
+                        </a:rPr>
+                        <a:t>Директор</a:t>
+                      </a:r>
+                      <a:endParaRPr lang="uk-UA" sz="1800" b="1" i="0" noProof="0" dirty="0">
+                        <a:effectLst/>
+                        <a:latin typeface="Segoe Print" panose="02000600000000000000" pitchFamily="2" charset="0"/>
+                        <a:ea typeface="Tahoma" panose="020B0604030504040204" pitchFamily="34" charset="0"/>
+                        <a:cs typeface="Tahoma" panose="020B0604030504040204" pitchFamily="34" charset="0"/>
+                      </a:endParaRPr>
+                    </a:p>
+                  </a:txBody>
+                  <a:tcPr anchor="ctr">
+                    <a:solidFill>
+                      <a:schemeClr val="accent6">
+                        <a:tint val="40000"/>
+                        <a:alpha val="80000"/>
+                      </a:schemeClr>
+                    </a:solidFill>
+                  </a:tcPr>
+                </a:tc>
+                <a:tc>
+                  <a:txBody>
+                    <a:bodyPr/>
+                    <a:lstStyle/>
+                    <a:p>
+                      <a:pPr algn="ctr"/>
+                      <a:r>
+                        <a:rPr lang="uk-UA" sz="1800" noProof="0" dirty="0" smtClean="0">
+                          <a:effectLst/>
+                          <a:latin typeface="Segoe Print" panose="02000600000000000000" pitchFamily="2" charset="0"/>
+                        </a:rPr>
+                        <a:t>12 000 </a:t>
+                      </a:r>
+                      <a:r>
+                        <a:rPr lang="uk-UA" sz="1800" noProof="0" dirty="0" smtClean="0">
+                          <a:effectLst/>
+                          <a:latin typeface="Segoe Print" panose="02000600000000000000" pitchFamily="2" charset="0"/>
+                        </a:rPr>
+                        <a:t>грн</a:t>
+                      </a:r>
+                      <a:endParaRPr lang="uk-UA" sz="1800" noProof="0" dirty="0">
+                        <a:effectLst/>
+                        <a:latin typeface="Segoe Print" panose="02000600000000000000" pitchFamily="2" charset="0"/>
+                        <a:ea typeface="Tahoma" panose="020B0604030504040204" pitchFamily="34" charset="0"/>
+                        <a:cs typeface="Tahoma" panose="020B0604030504040204" pitchFamily="34" charset="0"/>
+                      </a:endParaRPr>
+                    </a:p>
+                  </a:txBody>
+                  <a:tcPr anchor="ctr">
+                    <a:solidFill>
+                      <a:schemeClr val="accent6">
+                        <a:tint val="40000"/>
+                        <a:alpha val="80000"/>
+                      </a:schemeClr>
+                    </a:solidFill>
+                  </a:tcPr>
+                </a:tc>
+                <a:tc>
+                  <a:txBody>
+                    <a:bodyPr/>
+                    <a:lstStyle/>
+                    <a:p>
+                      <a:pPr algn="ctr"/>
+                      <a:r>
+                        <a:rPr lang="en-US" sz="1800" noProof="0" dirty="0" smtClean="0">
+                          <a:effectLst/>
+                          <a:latin typeface="Segoe Print" panose="02000600000000000000" pitchFamily="2" charset="0"/>
+                        </a:rPr>
+                        <a:t>1</a:t>
+                      </a:r>
+                      <a:endParaRPr lang="uk-UA" sz="1800" noProof="0" dirty="0">
+                        <a:effectLst/>
+                        <a:latin typeface="Segoe Print" panose="02000600000000000000" pitchFamily="2" charset="0"/>
+                        <a:ea typeface="Tahoma" panose="020B0604030504040204" pitchFamily="34" charset="0"/>
+                        <a:cs typeface="Tahoma" panose="020B0604030504040204" pitchFamily="34" charset="0"/>
+                      </a:endParaRPr>
+                    </a:p>
+                  </a:txBody>
+                  <a:tcPr anchor="ctr">
+                    <a:solidFill>
+                      <a:schemeClr val="accent6">
+                        <a:tint val="40000"/>
+                        <a:alpha val="80000"/>
+                      </a:schemeClr>
+                    </a:solidFill>
+                  </a:tcPr>
+                </a:tc>
+                <a:tc>
+                  <a:txBody>
+                    <a:bodyPr/>
+                    <a:lstStyle/>
+                    <a:p>
+                      <a:pPr algn="ctr"/>
+                      <a:r>
+                        <a:rPr lang="uk-UA" sz="1800" noProof="0" dirty="0" smtClean="0">
+                          <a:effectLst/>
+                          <a:latin typeface="Segoe Print" panose="02000600000000000000" pitchFamily="2" charset="0"/>
+                          <a:ea typeface="Tahoma" panose="020B0604030504040204" pitchFamily="34" charset="0"/>
+                          <a:cs typeface="Tahoma" panose="020B0604030504040204" pitchFamily="34" charset="0"/>
+                        </a:rPr>
+                        <a:t>12 000 грн</a:t>
+                      </a:r>
+                      <a:endParaRPr lang="uk-UA" sz="1800" noProof="0" dirty="0">
+                        <a:effectLst/>
+                        <a:latin typeface="Segoe Print" panose="02000600000000000000" pitchFamily="2" charset="0"/>
+                        <a:ea typeface="Tahoma" panose="020B0604030504040204" pitchFamily="34" charset="0"/>
+                        <a:cs typeface="Tahoma" panose="020B0604030504040204" pitchFamily="34" charset="0"/>
+                      </a:endParaRPr>
+                    </a:p>
+                  </a:txBody>
+                  <a:tcPr anchor="ctr">
+                    <a:solidFill>
+                      <a:schemeClr val="accent6">
+                        <a:tint val="40000"/>
+                        <a:alpha val="80000"/>
+                      </a:schemeClr>
+                    </a:solidFill>
+                  </a:tcPr>
+                </a:tc>
+              </a:tr>
+              <a:tr h="0">
+                <a:tc>
+                  <a:txBody>
+                    <a:bodyPr/>
+                    <a:lstStyle/>
+                    <a:p>
+                      <a:pPr algn="l"/>
+                      <a:r>
+                        <a:rPr lang="uk-UA" sz="1800" b="1" i="0" noProof="0" dirty="0" smtClean="0">
+                          <a:effectLst/>
+                          <a:latin typeface="Segoe Print" panose="02000600000000000000" pitchFamily="2" charset="0"/>
+                          <a:ea typeface="Tahoma" panose="020B0604030504040204" pitchFamily="34" charset="0"/>
+                          <a:cs typeface="Tahoma" panose="020B0604030504040204" pitchFamily="34" charset="0"/>
+                        </a:rPr>
+                        <a:t>Майстер манікюру</a:t>
+                      </a:r>
+                      <a:endParaRPr lang="uk-UA" sz="1800" b="1" i="0" noProof="0" dirty="0">
+                        <a:effectLst/>
+                        <a:latin typeface="Segoe Print" panose="02000600000000000000" pitchFamily="2" charset="0"/>
+                        <a:ea typeface="Tahoma" panose="020B0604030504040204" pitchFamily="34" charset="0"/>
+                        <a:cs typeface="Tahoma" panose="020B0604030504040204" pitchFamily="34" charset="0"/>
+                      </a:endParaRPr>
+                    </a:p>
+                  </a:txBody>
+                  <a:tcPr anchor="ctr">
+                    <a:solidFill>
+                      <a:schemeClr val="accent6">
+                        <a:tint val="20000"/>
+                        <a:alpha val="80000"/>
+                      </a:schemeClr>
+                    </a:solidFill>
+                  </a:tcPr>
+                </a:tc>
+                <a:tc>
+                  <a:txBody>
+                    <a:bodyPr/>
+                    <a:lstStyle/>
+                    <a:p>
+                      <a:pPr algn="ctr"/>
+                      <a:r>
+                        <a:rPr lang="uk-UA" sz="1800" noProof="0" dirty="0" smtClean="0">
+                          <a:effectLst/>
+                          <a:latin typeface="Segoe Print" panose="02000600000000000000" pitchFamily="2" charset="0"/>
+                          <a:ea typeface="Tahoma" panose="020B0604030504040204" pitchFamily="34" charset="0"/>
+                          <a:cs typeface="Tahoma" panose="020B0604030504040204" pitchFamily="34" charset="0"/>
+                        </a:rPr>
+                        <a:t>10 000 грн</a:t>
+                      </a:r>
+                      <a:endParaRPr lang="uk-UA" sz="1800" noProof="0" dirty="0">
+                        <a:effectLst/>
+                        <a:latin typeface="Segoe Print" panose="02000600000000000000" pitchFamily="2" charset="0"/>
+                        <a:ea typeface="Tahoma" panose="020B0604030504040204" pitchFamily="34" charset="0"/>
+                        <a:cs typeface="Tahoma" panose="020B0604030504040204" pitchFamily="34" charset="0"/>
+                      </a:endParaRPr>
+                    </a:p>
+                  </a:txBody>
+                  <a:tcPr anchor="ctr">
+                    <a:solidFill>
+                      <a:schemeClr val="accent6">
+                        <a:tint val="20000"/>
+                        <a:alpha val="80000"/>
+                      </a:schemeClr>
+                    </a:solidFill>
+                  </a:tcPr>
+                </a:tc>
+                <a:tc>
+                  <a:txBody>
+                    <a:bodyPr/>
+                    <a:lstStyle/>
+                    <a:p>
+                      <a:pPr algn="ctr"/>
+                      <a:r>
+                        <a:rPr lang="en-US" sz="1800" noProof="0" dirty="0" smtClean="0">
+                          <a:effectLst/>
+                          <a:latin typeface="Segoe Print" panose="02000600000000000000" pitchFamily="2" charset="0"/>
+                        </a:rPr>
+                        <a:t>4</a:t>
+                      </a:r>
+                      <a:endParaRPr lang="uk-UA" sz="1800" noProof="0" dirty="0">
+                        <a:effectLst/>
+                        <a:latin typeface="Segoe Print" panose="02000600000000000000" pitchFamily="2" charset="0"/>
+                        <a:ea typeface="Tahoma" panose="020B0604030504040204" pitchFamily="34" charset="0"/>
+                        <a:cs typeface="Tahoma" panose="020B0604030504040204" pitchFamily="34" charset="0"/>
+                      </a:endParaRPr>
+                    </a:p>
+                  </a:txBody>
+                  <a:tcPr anchor="ctr">
+                    <a:solidFill>
+                      <a:schemeClr val="accent6">
+                        <a:tint val="20000"/>
+                        <a:alpha val="80000"/>
+                      </a:schemeClr>
+                    </a:solidFill>
+                  </a:tcPr>
+                </a:tc>
+                <a:tc>
+                  <a:txBody>
+                    <a:bodyPr/>
+                    <a:lstStyle/>
+                    <a:p>
+                      <a:pPr algn="ctr"/>
+                      <a:r>
+                        <a:rPr lang="uk-UA" sz="1800" b="0" noProof="0" dirty="0" smtClean="0">
+                          <a:effectLst/>
+                          <a:latin typeface="Segoe Print" panose="02000600000000000000" pitchFamily="2" charset="0"/>
+                          <a:ea typeface="Tahoma" panose="020B0604030504040204" pitchFamily="34" charset="0"/>
+                          <a:cs typeface="Tahoma" panose="020B0604030504040204" pitchFamily="34" charset="0"/>
+                        </a:rPr>
+                        <a:t>40 000 грн</a:t>
+                      </a:r>
+                      <a:endParaRPr lang="uk-UA" sz="1800" b="0" noProof="0" dirty="0">
+                        <a:effectLst/>
+                        <a:latin typeface="Segoe Print" panose="02000600000000000000" pitchFamily="2" charset="0"/>
+                        <a:ea typeface="Tahoma" panose="020B0604030504040204" pitchFamily="34" charset="0"/>
+                        <a:cs typeface="Tahoma" panose="020B0604030504040204" pitchFamily="34" charset="0"/>
+                      </a:endParaRPr>
+                    </a:p>
+                  </a:txBody>
+                  <a:tcPr anchor="ctr">
+                    <a:solidFill>
+                      <a:schemeClr val="accent6">
+                        <a:tint val="20000"/>
+                        <a:alpha val="80000"/>
+                      </a:schemeClr>
+                    </a:solidFill>
+                  </a:tcPr>
+                </a:tc>
+              </a:tr>
+              <a:tr h="0">
+                <a:tc>
+                  <a:txBody>
+                    <a:bodyPr/>
+                    <a:lstStyle/>
+                    <a:p>
+                      <a:pPr algn="l"/>
+                      <a:r>
+                        <a:rPr lang="uk-UA" sz="1800" b="1" i="0" noProof="0" dirty="0" smtClean="0">
+                          <a:effectLst/>
+                          <a:latin typeface="Segoe Print" panose="02000600000000000000" pitchFamily="2" charset="0"/>
+                          <a:ea typeface="Tahoma" panose="020B0604030504040204" pitchFamily="34" charset="0"/>
+                          <a:cs typeface="Tahoma" panose="020B0604030504040204" pitchFamily="34" charset="0"/>
+                        </a:rPr>
+                        <a:t>Майстер педикюру</a:t>
+                      </a:r>
+                      <a:endParaRPr lang="uk-UA" sz="1800" b="1" i="0" noProof="0" dirty="0">
+                        <a:effectLst/>
+                        <a:latin typeface="Segoe Print" panose="02000600000000000000" pitchFamily="2" charset="0"/>
+                        <a:ea typeface="Tahoma" panose="020B0604030504040204" pitchFamily="34" charset="0"/>
+                        <a:cs typeface="Tahoma" panose="020B0604030504040204" pitchFamily="34" charset="0"/>
+                      </a:endParaRPr>
+                    </a:p>
+                  </a:txBody>
+                  <a:tcPr anchor="ctr">
+                    <a:solidFill>
+                      <a:schemeClr val="accent6">
+                        <a:tint val="40000"/>
+                        <a:alpha val="80000"/>
+                      </a:schemeClr>
+                    </a:solidFill>
+                  </a:tcPr>
+                </a:tc>
+                <a:tc>
+                  <a:txBody>
+                    <a:bodyPr/>
+                    <a:lstStyle/>
+                    <a:p>
+                      <a:pPr algn="ctr"/>
+                      <a:r>
+                        <a:rPr lang="uk-UA" sz="1800" noProof="0" dirty="0" smtClean="0">
+                          <a:effectLst/>
+                          <a:latin typeface="Segoe Print" panose="02000600000000000000" pitchFamily="2" charset="0"/>
+                          <a:ea typeface="Tahoma" panose="020B0604030504040204" pitchFamily="34" charset="0"/>
+                          <a:cs typeface="Tahoma" panose="020B0604030504040204" pitchFamily="34" charset="0"/>
+                        </a:rPr>
+                        <a:t>10 000 грн</a:t>
+                      </a:r>
+                      <a:endParaRPr lang="uk-UA" sz="1800" noProof="0" dirty="0">
+                        <a:effectLst/>
+                        <a:latin typeface="Segoe Print" panose="02000600000000000000" pitchFamily="2" charset="0"/>
+                        <a:ea typeface="Tahoma" panose="020B0604030504040204" pitchFamily="34" charset="0"/>
+                        <a:cs typeface="Tahoma" panose="020B0604030504040204" pitchFamily="34" charset="0"/>
+                      </a:endParaRPr>
+                    </a:p>
+                  </a:txBody>
+                  <a:tcPr anchor="ctr">
+                    <a:solidFill>
+                      <a:schemeClr val="accent6">
+                        <a:tint val="40000"/>
+                        <a:alpha val="80000"/>
+                      </a:schemeClr>
+                    </a:solidFill>
+                  </a:tcPr>
+                </a:tc>
+                <a:tc>
+                  <a:txBody>
+                    <a:bodyPr/>
+                    <a:lstStyle/>
+                    <a:p>
+                      <a:pPr algn="ctr"/>
+                      <a:r>
+                        <a:rPr lang="uk-UA" sz="1800" noProof="0" dirty="0" smtClean="0">
+                          <a:effectLst/>
+                          <a:latin typeface="Segoe Print" panose="02000600000000000000" pitchFamily="2" charset="0"/>
+                          <a:ea typeface="Tahoma" panose="020B0604030504040204" pitchFamily="34" charset="0"/>
+                          <a:cs typeface="Tahoma" panose="020B0604030504040204" pitchFamily="34" charset="0"/>
+                        </a:rPr>
+                        <a:t>2</a:t>
+                      </a:r>
+                      <a:endParaRPr lang="uk-UA" sz="1800" noProof="0" dirty="0">
+                        <a:effectLst/>
+                        <a:latin typeface="Segoe Print" panose="02000600000000000000" pitchFamily="2" charset="0"/>
+                        <a:ea typeface="Tahoma" panose="020B0604030504040204" pitchFamily="34" charset="0"/>
+                        <a:cs typeface="Tahoma" panose="020B0604030504040204" pitchFamily="34" charset="0"/>
+                      </a:endParaRPr>
+                    </a:p>
+                  </a:txBody>
+                  <a:tcPr anchor="ctr">
+                    <a:solidFill>
+                      <a:schemeClr val="accent6">
+                        <a:tint val="40000"/>
+                        <a:alpha val="80000"/>
+                      </a:schemeClr>
+                    </a:solidFill>
+                  </a:tcPr>
+                </a:tc>
+                <a:tc>
+                  <a:txBody>
+                    <a:bodyPr/>
+                    <a:lstStyle/>
+                    <a:p>
+                      <a:pPr algn="ctr"/>
+                      <a:r>
+                        <a:rPr lang="uk-UA" sz="1800" noProof="0" dirty="0" smtClean="0">
+                          <a:effectLst/>
+                          <a:latin typeface="Segoe Print" panose="02000600000000000000" pitchFamily="2" charset="0"/>
+                          <a:ea typeface="Tahoma" panose="020B0604030504040204" pitchFamily="34" charset="0"/>
+                          <a:cs typeface="Tahoma" panose="020B0604030504040204" pitchFamily="34" charset="0"/>
+                        </a:rPr>
+                        <a:t>20 000 грн</a:t>
+                      </a:r>
+                      <a:endParaRPr lang="uk-UA" sz="1800" noProof="0" dirty="0">
+                        <a:effectLst/>
+                        <a:latin typeface="Segoe Print" panose="02000600000000000000" pitchFamily="2" charset="0"/>
+                        <a:ea typeface="Tahoma" panose="020B0604030504040204" pitchFamily="34" charset="0"/>
+                        <a:cs typeface="Tahoma" panose="020B0604030504040204" pitchFamily="34" charset="0"/>
+                      </a:endParaRPr>
+                    </a:p>
+                  </a:txBody>
+                  <a:tcPr anchor="ctr">
+                    <a:solidFill>
+                      <a:schemeClr val="accent6">
+                        <a:tint val="40000"/>
+                        <a:alpha val="80000"/>
+                      </a:schemeClr>
+                    </a:solidFill>
+                  </a:tcPr>
+                </a:tc>
+              </a:tr>
+              <a:tr h="0">
+                <a:tc>
+                  <a:txBody>
+                    <a:bodyPr/>
+                    <a:lstStyle/>
+                    <a:p>
+                      <a:pPr algn="l"/>
+                      <a:r>
+                        <a:rPr lang="uk-UA" sz="1800" b="1" i="0" noProof="0" dirty="0" smtClean="0">
+                          <a:effectLst/>
+                          <a:latin typeface="Segoe Print" panose="02000600000000000000" pitchFamily="2" charset="0"/>
+                          <a:ea typeface="Tahoma" panose="020B0604030504040204" pitchFamily="34" charset="0"/>
+                          <a:cs typeface="Tahoma" panose="020B0604030504040204" pitchFamily="34" charset="0"/>
+                        </a:rPr>
+                        <a:t>Косметолог</a:t>
+                      </a:r>
+                      <a:endParaRPr lang="uk-UA" sz="1800" b="1" i="0" noProof="0" dirty="0">
+                        <a:effectLst/>
+                        <a:latin typeface="Segoe Print" panose="02000600000000000000" pitchFamily="2" charset="0"/>
+                        <a:ea typeface="Tahoma" panose="020B0604030504040204" pitchFamily="34" charset="0"/>
+                        <a:cs typeface="Tahoma" panose="020B0604030504040204" pitchFamily="34" charset="0"/>
+                      </a:endParaRPr>
+                    </a:p>
+                  </a:txBody>
+                  <a:tcPr anchor="ctr">
+                    <a:solidFill>
+                      <a:schemeClr val="accent6">
+                        <a:tint val="20000"/>
+                        <a:alpha val="80000"/>
+                      </a:schemeClr>
+                    </a:solidFill>
+                  </a:tcPr>
+                </a:tc>
+                <a:tc>
+                  <a:txBody>
+                    <a:bodyPr/>
+                    <a:lstStyle/>
+                    <a:p>
+                      <a:pPr algn="ctr"/>
+                      <a:r>
+                        <a:rPr lang="uk-UA" sz="1800" noProof="0" dirty="0" smtClean="0">
+                          <a:effectLst/>
+                          <a:latin typeface="Segoe Print" panose="02000600000000000000" pitchFamily="2" charset="0"/>
+                          <a:ea typeface="Tahoma" panose="020B0604030504040204" pitchFamily="34" charset="0"/>
+                          <a:cs typeface="Tahoma" panose="020B0604030504040204" pitchFamily="34" charset="0"/>
+                        </a:rPr>
+                        <a:t>8 000 грн</a:t>
+                      </a:r>
+                      <a:endParaRPr lang="uk-UA" sz="1800" noProof="0" dirty="0">
+                        <a:effectLst/>
+                        <a:latin typeface="Segoe Print" panose="02000600000000000000" pitchFamily="2" charset="0"/>
+                        <a:ea typeface="Tahoma" panose="020B0604030504040204" pitchFamily="34" charset="0"/>
+                        <a:cs typeface="Tahoma" panose="020B0604030504040204" pitchFamily="34" charset="0"/>
+                      </a:endParaRPr>
+                    </a:p>
+                  </a:txBody>
+                  <a:tcPr anchor="ctr">
+                    <a:solidFill>
+                      <a:schemeClr val="accent6">
+                        <a:tint val="20000"/>
+                        <a:alpha val="80000"/>
+                      </a:schemeClr>
+                    </a:solidFill>
+                  </a:tcPr>
+                </a:tc>
+                <a:tc>
+                  <a:txBody>
+                    <a:bodyPr/>
+                    <a:lstStyle/>
+                    <a:p>
+                      <a:pPr algn="ctr"/>
+                      <a:r>
+                        <a:rPr lang="uk-UA" sz="1800" noProof="0" dirty="0" smtClean="0">
+                          <a:effectLst/>
+                          <a:latin typeface="Segoe Print" panose="02000600000000000000" pitchFamily="2" charset="0"/>
+                        </a:rPr>
+                        <a:t>2</a:t>
+                      </a:r>
+                      <a:endParaRPr lang="uk-UA" sz="1800" noProof="0" dirty="0">
+                        <a:effectLst/>
+                        <a:latin typeface="Segoe Print" panose="02000600000000000000" pitchFamily="2" charset="0"/>
+                        <a:ea typeface="Tahoma" panose="020B0604030504040204" pitchFamily="34" charset="0"/>
+                        <a:cs typeface="Tahoma" panose="020B0604030504040204" pitchFamily="34" charset="0"/>
+                      </a:endParaRPr>
+                    </a:p>
+                  </a:txBody>
+                  <a:tcPr anchor="ctr">
+                    <a:solidFill>
+                      <a:schemeClr val="accent6">
+                        <a:tint val="20000"/>
+                        <a:alpha val="80000"/>
+                      </a:schemeClr>
+                    </a:solidFill>
+                  </a:tcPr>
+                </a:tc>
+                <a:tc>
+                  <a:txBody>
+                    <a:bodyPr/>
+                    <a:lstStyle/>
+                    <a:p>
+                      <a:pPr algn="ctr"/>
+                      <a:r>
+                        <a:rPr lang="uk-UA" sz="1800" noProof="0" dirty="0" smtClean="0">
+                          <a:effectLst/>
+                          <a:latin typeface="Segoe Print" panose="02000600000000000000" pitchFamily="2" charset="0"/>
+                          <a:ea typeface="Tahoma" panose="020B0604030504040204" pitchFamily="34" charset="0"/>
+                          <a:cs typeface="Tahoma" panose="020B0604030504040204" pitchFamily="34" charset="0"/>
+                        </a:rPr>
+                        <a:t>16 000 грн</a:t>
+                      </a:r>
+                      <a:endParaRPr lang="uk-UA" sz="1800" noProof="0" dirty="0">
+                        <a:effectLst/>
+                        <a:latin typeface="Segoe Print" panose="02000600000000000000" pitchFamily="2" charset="0"/>
+                        <a:ea typeface="Tahoma" panose="020B0604030504040204" pitchFamily="34" charset="0"/>
+                        <a:cs typeface="Tahoma" panose="020B0604030504040204" pitchFamily="34" charset="0"/>
+                      </a:endParaRPr>
+                    </a:p>
+                  </a:txBody>
+                  <a:tcPr anchor="ctr">
+                    <a:solidFill>
+                      <a:schemeClr val="accent6">
+                        <a:tint val="20000"/>
+                        <a:alpha val="80000"/>
+                      </a:schemeClr>
+                    </a:solidFill>
+                  </a:tcPr>
+                </a:tc>
+              </a:tr>
+              <a:tr h="0">
+                <a:tc>
+                  <a:txBody>
+                    <a:bodyPr/>
+                    <a:lstStyle/>
+                    <a:p>
+                      <a:r>
+                        <a:rPr lang="uk-UA" sz="1800" b="1" noProof="0" dirty="0" smtClean="0">
+                          <a:latin typeface="Segoe Print" panose="02000600000000000000" pitchFamily="2" charset="0"/>
+                        </a:rPr>
+                        <a:t>Масажист</a:t>
+                      </a:r>
+                      <a:endParaRPr lang="uk-UA" sz="1800" b="1" noProof="0" dirty="0">
+                        <a:latin typeface="Segoe Print" panose="02000600000000000000" pitchFamily="2" charset="0"/>
+                      </a:endParaRPr>
+                    </a:p>
+                  </a:txBody>
+                  <a:tcPr anchor="ctr">
+                    <a:solidFill>
+                      <a:schemeClr val="accent6">
+                        <a:tint val="40000"/>
+                        <a:alpha val="80000"/>
+                      </a:schemeClr>
+                    </a:solidFill>
+                  </a:tcPr>
+                </a:tc>
+                <a:tc>
+                  <a:txBody>
+                    <a:bodyPr/>
+                    <a:lstStyle/>
+                    <a:p>
+                      <a:pPr algn="ctr"/>
+                      <a:r>
+                        <a:rPr lang="uk-UA" sz="1800" noProof="0" dirty="0" smtClean="0">
+                          <a:latin typeface="Segoe Print" panose="02000600000000000000" pitchFamily="2" charset="0"/>
+                        </a:rPr>
+                        <a:t>8 000 грн</a:t>
+                      </a:r>
+                      <a:endParaRPr lang="uk-UA" sz="1800" noProof="0" dirty="0">
+                        <a:latin typeface="Segoe Print" panose="02000600000000000000" pitchFamily="2" charset="0"/>
+                      </a:endParaRPr>
+                    </a:p>
+                  </a:txBody>
+                  <a:tcPr anchor="ctr">
+                    <a:solidFill>
+                      <a:schemeClr val="accent6">
+                        <a:tint val="40000"/>
+                        <a:alpha val="80000"/>
+                      </a:schemeClr>
+                    </a:solidFill>
+                  </a:tcPr>
+                </a:tc>
+                <a:tc>
+                  <a:txBody>
+                    <a:bodyPr/>
+                    <a:lstStyle/>
+                    <a:p>
+                      <a:pPr algn="ctr"/>
+                      <a:r>
+                        <a:rPr lang="en-US" sz="1800" noProof="0" dirty="0" smtClean="0">
+                          <a:latin typeface="Segoe Print" panose="02000600000000000000" pitchFamily="2" charset="0"/>
+                        </a:rPr>
+                        <a:t>2</a:t>
+                      </a:r>
+                      <a:endParaRPr lang="uk-UA" sz="1800" noProof="0" dirty="0">
+                        <a:latin typeface="Segoe Print" panose="02000600000000000000" pitchFamily="2" charset="0"/>
+                      </a:endParaRPr>
+                    </a:p>
+                  </a:txBody>
+                  <a:tcPr anchor="ctr">
+                    <a:solidFill>
+                      <a:schemeClr val="accent6">
+                        <a:tint val="40000"/>
+                        <a:alpha val="80000"/>
+                      </a:schemeClr>
+                    </a:solidFill>
+                  </a:tcPr>
+                </a:tc>
+                <a:tc>
+                  <a:txBody>
+                    <a:bodyPr/>
+                    <a:lstStyle/>
+                    <a:p>
+                      <a:pPr algn="ctr"/>
+                      <a:r>
+                        <a:rPr lang="uk-UA" sz="1800" noProof="0" dirty="0" smtClean="0">
+                          <a:latin typeface="Segoe Print" panose="02000600000000000000" pitchFamily="2" charset="0"/>
+                        </a:rPr>
+                        <a:t>16 000 грн</a:t>
+                      </a:r>
+                      <a:endParaRPr lang="uk-UA" sz="1800" noProof="0" dirty="0">
+                        <a:latin typeface="Segoe Print" panose="02000600000000000000" pitchFamily="2" charset="0"/>
+                      </a:endParaRPr>
+                    </a:p>
+                  </a:txBody>
+                  <a:tcPr anchor="ctr">
+                    <a:solidFill>
+                      <a:schemeClr val="accent6">
+                        <a:tint val="40000"/>
+                        <a:alpha val="80000"/>
+                      </a:schemeClr>
+                    </a:solidFill>
+                  </a:tcPr>
+                </a:tc>
+              </a:tr>
+              <a:tr h="0">
+                <a:tc>
+                  <a:txBody>
+                    <a:bodyPr/>
+                    <a:lstStyle/>
+                    <a:p>
+                      <a:r>
+                        <a:rPr lang="uk-UA" sz="1800" b="1" noProof="0" dirty="0" smtClean="0">
+                          <a:latin typeface="Segoe Print" panose="02000600000000000000" pitchFamily="2" charset="0"/>
+                        </a:rPr>
+                        <a:t>Перукар</a:t>
+                      </a:r>
+                      <a:endParaRPr lang="uk-UA" sz="1800" b="1" noProof="0" dirty="0">
+                        <a:latin typeface="Segoe Print" panose="02000600000000000000" pitchFamily="2" charset="0"/>
+                      </a:endParaRPr>
+                    </a:p>
+                  </a:txBody>
+                  <a:tcPr anchor="ctr">
+                    <a:solidFill>
+                      <a:srgbClr val="EBF1E9">
+                        <a:alpha val="80000"/>
+                      </a:srgbClr>
+                    </a:solidFill>
+                  </a:tcPr>
+                </a:tc>
+                <a:tc>
+                  <a:txBody>
+                    <a:bodyPr/>
+                    <a:lstStyle/>
+                    <a:p>
+                      <a:pPr algn="ctr"/>
+                      <a:r>
+                        <a:rPr lang="uk-UA" sz="1800" noProof="0" dirty="0" smtClean="0">
+                          <a:latin typeface="Segoe Print" panose="02000600000000000000" pitchFamily="2" charset="0"/>
+                        </a:rPr>
+                        <a:t>8 000 грн</a:t>
+                      </a:r>
+                      <a:endParaRPr lang="uk-UA" sz="1800" noProof="0" dirty="0">
+                        <a:latin typeface="Segoe Print" panose="02000600000000000000" pitchFamily="2" charset="0"/>
+                      </a:endParaRPr>
+                    </a:p>
+                  </a:txBody>
+                  <a:tcPr anchor="ctr">
+                    <a:solidFill>
+                      <a:srgbClr val="EBF1E9">
+                        <a:alpha val="80000"/>
+                      </a:srgbClr>
+                    </a:solidFill>
+                  </a:tcPr>
+                </a:tc>
+                <a:tc>
+                  <a:txBody>
+                    <a:bodyPr/>
+                    <a:lstStyle/>
+                    <a:p>
+                      <a:pPr algn="ctr"/>
+                      <a:r>
+                        <a:rPr lang="en-US" sz="1800" noProof="0" dirty="0" smtClean="0">
+                          <a:latin typeface="Segoe Print" panose="02000600000000000000" pitchFamily="2" charset="0"/>
+                        </a:rPr>
+                        <a:t>3</a:t>
+                      </a:r>
+                      <a:endParaRPr lang="uk-UA" sz="1800" noProof="0" dirty="0">
+                        <a:latin typeface="Segoe Print" panose="02000600000000000000" pitchFamily="2" charset="0"/>
+                      </a:endParaRPr>
+                    </a:p>
+                  </a:txBody>
+                  <a:tcPr anchor="ctr">
+                    <a:solidFill>
+                      <a:srgbClr val="EBF1E9">
+                        <a:alpha val="80000"/>
+                      </a:srgbClr>
+                    </a:solidFill>
+                  </a:tcPr>
+                </a:tc>
+                <a:tc>
+                  <a:txBody>
+                    <a:bodyPr/>
+                    <a:lstStyle/>
+                    <a:p>
+                      <a:pPr algn="ctr"/>
+                      <a:r>
+                        <a:rPr lang="uk-UA" sz="1800" noProof="0" dirty="0" smtClean="0">
+                          <a:latin typeface="Segoe Print" panose="02000600000000000000" pitchFamily="2" charset="0"/>
+                        </a:rPr>
+                        <a:t>24 000 грн</a:t>
+                      </a:r>
+                      <a:endParaRPr lang="uk-UA" sz="1800" noProof="0" dirty="0">
+                        <a:latin typeface="Segoe Print" panose="02000600000000000000" pitchFamily="2" charset="0"/>
+                      </a:endParaRPr>
+                    </a:p>
+                  </a:txBody>
+                  <a:tcPr anchor="ctr">
+                    <a:solidFill>
+                      <a:srgbClr val="EBF1E9">
+                        <a:alpha val="80000"/>
+                      </a:srgbClr>
+                    </a:solidFill>
+                  </a:tcPr>
+                </a:tc>
+              </a:tr>
+              <a:tr h="0">
+                <a:tc>
+                  <a:txBody>
+                    <a:bodyPr/>
+                    <a:lstStyle/>
+                    <a:p>
+                      <a:r>
+                        <a:rPr lang="uk-UA" sz="1800" b="1" noProof="0" dirty="0" smtClean="0">
+                          <a:latin typeface="Segoe Print" panose="02000600000000000000" pitchFamily="2" charset="0"/>
+                        </a:rPr>
+                        <a:t>Прибиральниця</a:t>
+                      </a:r>
+                      <a:endParaRPr lang="uk-UA" sz="1800" b="1" noProof="0" dirty="0">
+                        <a:latin typeface="Segoe Print" panose="02000600000000000000" pitchFamily="2" charset="0"/>
+                      </a:endParaRPr>
+                    </a:p>
+                  </a:txBody>
+                  <a:tcPr anchor="ctr">
+                    <a:solidFill>
+                      <a:schemeClr val="accent6">
+                        <a:tint val="40000"/>
+                        <a:alpha val="80000"/>
+                      </a:schemeClr>
+                    </a:solidFill>
+                  </a:tcPr>
+                </a:tc>
+                <a:tc>
+                  <a:txBody>
+                    <a:bodyPr/>
+                    <a:lstStyle/>
+                    <a:p>
+                      <a:pPr algn="ctr"/>
+                      <a:r>
+                        <a:rPr lang="uk-UA" sz="1800" noProof="0" dirty="0" smtClean="0">
+                          <a:latin typeface="Segoe Print" panose="02000600000000000000" pitchFamily="2" charset="0"/>
+                        </a:rPr>
+                        <a:t>7 000грн</a:t>
+                      </a:r>
+                      <a:endParaRPr lang="uk-UA" sz="1800" noProof="0" dirty="0">
+                        <a:latin typeface="Segoe Print" panose="02000600000000000000" pitchFamily="2" charset="0"/>
+                      </a:endParaRPr>
+                    </a:p>
+                  </a:txBody>
+                  <a:tcPr anchor="ctr">
+                    <a:solidFill>
+                      <a:schemeClr val="accent6">
+                        <a:tint val="40000"/>
+                        <a:alpha val="80000"/>
+                      </a:schemeClr>
+                    </a:solidFill>
+                  </a:tcPr>
+                </a:tc>
+                <a:tc>
+                  <a:txBody>
+                    <a:bodyPr/>
+                    <a:lstStyle/>
+                    <a:p>
+                      <a:pPr algn="ctr"/>
+                      <a:r>
+                        <a:rPr lang="en-US" sz="1800" noProof="0" dirty="0" smtClean="0">
+                          <a:latin typeface="Segoe Print" panose="02000600000000000000" pitchFamily="2" charset="0"/>
+                        </a:rPr>
+                        <a:t>1</a:t>
+                      </a:r>
+                      <a:endParaRPr lang="uk-UA" sz="1800" noProof="0" dirty="0">
+                        <a:latin typeface="Segoe Print" panose="02000600000000000000" pitchFamily="2" charset="0"/>
+                      </a:endParaRPr>
+                    </a:p>
+                  </a:txBody>
+                  <a:tcPr anchor="ctr">
+                    <a:solidFill>
+                      <a:schemeClr val="accent6">
+                        <a:tint val="40000"/>
+                        <a:alpha val="80000"/>
+                      </a:schemeClr>
+                    </a:solidFill>
+                  </a:tcPr>
+                </a:tc>
+                <a:tc>
+                  <a:txBody>
+                    <a:bodyPr/>
+                    <a:lstStyle/>
+                    <a:p>
+                      <a:pPr algn="ctr"/>
+                      <a:r>
+                        <a:rPr lang="en-US" sz="1800" noProof="0" dirty="0" smtClean="0">
+                          <a:latin typeface="Segoe Print" panose="02000600000000000000" pitchFamily="2" charset="0"/>
+                        </a:rPr>
+                        <a:t>7 000 </a:t>
+                      </a:r>
+                      <a:r>
+                        <a:rPr lang="uk-UA" sz="1800" noProof="0" dirty="0" smtClean="0">
+                          <a:latin typeface="Segoe Print" panose="02000600000000000000" pitchFamily="2" charset="0"/>
+                        </a:rPr>
+                        <a:t>грн</a:t>
+                      </a:r>
+                      <a:endParaRPr lang="uk-UA" sz="1800" noProof="0" dirty="0">
+                        <a:latin typeface="Segoe Print" panose="02000600000000000000" pitchFamily="2" charset="0"/>
+                      </a:endParaRPr>
+                    </a:p>
+                  </a:txBody>
+                  <a:tcPr anchor="ctr">
+                    <a:solidFill>
+                      <a:schemeClr val="accent6">
+                        <a:tint val="40000"/>
+                        <a:alpha val="80000"/>
+                      </a:schemeClr>
+                    </a:solidFill>
+                  </a:tcPr>
+                </a:tc>
+              </a:tr>
+              <a:tr h="540000">
+                <a:tc gridSpan="3">
+                  <a:txBody>
+                    <a:bodyPr/>
+                    <a:lstStyle/>
+                    <a:p>
+                      <a:pPr algn="r"/>
+                      <a:r>
+                        <a:rPr lang="uk-UA" sz="2800" noProof="0" dirty="0" smtClean="0">
+                          <a:gradFill flip="none" rotWithShape="1">
+                            <a:gsLst>
+                              <a:gs pos="0">
+                                <a:schemeClr val="tx1">
+                                  <a:lumMod val="95000"/>
+                                  <a:lumOff val="5000"/>
+                                </a:schemeClr>
+                              </a:gs>
+                              <a:gs pos="100000">
+                                <a:schemeClr val="tx1">
+                                  <a:lumMod val="85000"/>
+                                  <a:lumOff val="15000"/>
+                                </a:schemeClr>
+                              </a:gs>
+                            </a:gsLst>
+                            <a:lin ang="18900000" scaled="1"/>
+                            <a:tileRect/>
+                          </a:gradFill>
+                          <a:effectLst/>
+                          <a:latin typeface="Tahoma" panose="020B0604030504040204" pitchFamily="34" charset="0"/>
+                          <a:ea typeface="Tahoma" panose="020B0604030504040204" pitchFamily="34" charset="0"/>
+                          <a:cs typeface="Tahoma" panose="020B0604030504040204" pitchFamily="34" charset="0"/>
+                        </a:rPr>
+                        <a:t>Всього:</a:t>
+                      </a:r>
+                      <a:endParaRPr lang="uk-UA" sz="2800" b="1" i="0" noProof="0" dirty="0">
+                        <a:gradFill flip="none" rotWithShape="1">
+                          <a:gsLst>
+                            <a:gs pos="0">
+                              <a:schemeClr val="tx1">
+                                <a:lumMod val="95000"/>
+                                <a:lumOff val="5000"/>
+                              </a:schemeClr>
+                            </a:gs>
+                            <a:gs pos="100000">
+                              <a:schemeClr val="tx1">
+                                <a:lumMod val="85000"/>
+                                <a:lumOff val="15000"/>
+                              </a:schemeClr>
+                            </a:gs>
+                          </a:gsLst>
+                          <a:lin ang="18900000" scaled="1"/>
+                          <a:tileRect/>
+                        </a:gradFill>
+                        <a:effectLst/>
+                        <a:latin typeface="Tahoma" panose="020B0604030504040204" pitchFamily="34" charset="0"/>
+                        <a:ea typeface="Tahoma" panose="020B0604030504040204" pitchFamily="34" charset="0"/>
+                        <a:cs typeface="Tahoma" panose="020B0604030504040204" pitchFamily="34" charset="0"/>
+                      </a:endParaRPr>
+                    </a:p>
+                  </a:txBody>
+                  <a:tcPr anchor="ctr">
+                    <a:solidFill>
+                      <a:schemeClr val="accent6">
+                        <a:alpha val="80000"/>
+                      </a:schemeClr>
+                    </a:solidFill>
+                  </a:tcPr>
+                </a:tc>
+                <a:tc hMerge="1">
+                  <a:txBody>
+                    <a:bodyPr/>
+                    <a:lstStyle/>
+                    <a:p>
+                      <a:pPr algn="ctr"/>
+                      <a:endParaRPr lang="ru-RU" sz="2000" dirty="0">
+                        <a:latin typeface="Segoe Print" panose="02000600000000000000" pitchFamily="2" charset="0"/>
+                      </a:endParaRPr>
+                    </a:p>
+                  </a:txBody>
+                  <a:tcPr anchor="ctr"/>
+                </a:tc>
+                <a:tc hMerge="1">
+                  <a:txBody>
+                    <a:bodyPr/>
+                    <a:lstStyle/>
+                    <a:p>
+                      <a:pPr algn="ctr"/>
+                      <a:endParaRPr lang="ru-RU" sz="2000" dirty="0">
+                        <a:latin typeface="Segoe Print" panose="02000600000000000000" pitchFamily="2" charset="0"/>
+                      </a:endParaRPr>
+                    </a:p>
+                  </a:txBody>
+                  <a:tcPr anchor="ctr"/>
+                </a:tc>
+                <a:tc>
+                  <a:txBody>
+                    <a:bodyPr/>
+                    <a:lstStyle/>
+                    <a:p>
+                      <a:pPr algn="ctr"/>
+                      <a:r>
+                        <a:rPr lang="uk-UA" sz="2000" noProof="0" dirty="0" smtClean="0">
+                          <a:gradFill flip="none" rotWithShape="1">
+                            <a:gsLst>
+                              <a:gs pos="0">
+                                <a:schemeClr val="tx1">
+                                  <a:lumMod val="95000"/>
+                                  <a:lumOff val="5000"/>
+                                </a:schemeClr>
+                              </a:gs>
+                              <a:gs pos="100000">
+                                <a:schemeClr val="tx1">
+                                  <a:lumMod val="85000"/>
+                                  <a:lumOff val="15000"/>
+                                </a:schemeClr>
+                              </a:gs>
+                            </a:gsLst>
+                            <a:lin ang="18900000" scaled="1"/>
+                            <a:tileRect/>
+                          </a:gradFill>
+                          <a:effectLst/>
+                          <a:latin typeface="Tahoma" panose="020B0604030504040204" pitchFamily="34" charset="0"/>
+                          <a:ea typeface="Tahoma" panose="020B0604030504040204" pitchFamily="34" charset="0"/>
+                          <a:cs typeface="Tahoma" panose="020B0604030504040204" pitchFamily="34" charset="0"/>
+                        </a:rPr>
+                        <a:t>135 000 </a:t>
+                      </a:r>
+                      <a:r>
+                        <a:rPr lang="uk-UA" sz="2000" i="0" noProof="0" dirty="0" smtClean="0">
+                          <a:gradFill flip="none" rotWithShape="1">
+                            <a:gsLst>
+                              <a:gs pos="0">
+                                <a:schemeClr val="tx1">
+                                  <a:lumMod val="95000"/>
+                                  <a:lumOff val="5000"/>
+                                </a:schemeClr>
+                              </a:gs>
+                              <a:gs pos="100000">
+                                <a:schemeClr val="tx1">
+                                  <a:lumMod val="85000"/>
+                                  <a:lumOff val="15000"/>
+                                </a:schemeClr>
+                              </a:gs>
+                            </a:gsLst>
+                            <a:lin ang="18900000" scaled="1"/>
+                            <a:tileRect/>
+                          </a:gradFill>
+                          <a:effectLst/>
+                          <a:latin typeface="Tahoma" panose="020B0604030504040204" pitchFamily="34" charset="0"/>
+                          <a:ea typeface="Tahoma" panose="020B0604030504040204" pitchFamily="34" charset="0"/>
+                          <a:cs typeface="Tahoma" panose="020B0604030504040204" pitchFamily="34" charset="0"/>
+                        </a:rPr>
+                        <a:t>грн</a:t>
+                      </a:r>
+                      <a:endParaRPr lang="uk-UA" sz="2000" b="1" i="0" noProof="0" dirty="0">
+                        <a:gradFill flip="none" rotWithShape="1">
+                          <a:gsLst>
+                            <a:gs pos="0">
+                              <a:schemeClr val="tx1">
+                                <a:lumMod val="95000"/>
+                                <a:lumOff val="5000"/>
+                              </a:schemeClr>
+                            </a:gs>
+                            <a:gs pos="100000">
+                              <a:schemeClr val="tx1">
+                                <a:lumMod val="85000"/>
+                                <a:lumOff val="15000"/>
+                              </a:schemeClr>
+                            </a:gs>
+                          </a:gsLst>
+                          <a:lin ang="18900000" scaled="1"/>
+                          <a:tileRect/>
+                        </a:gradFill>
+                        <a:effectLst/>
+                        <a:latin typeface="Tahoma" panose="020B0604030504040204" pitchFamily="34" charset="0"/>
+                        <a:ea typeface="Tahoma" panose="020B0604030504040204" pitchFamily="34" charset="0"/>
+                        <a:cs typeface="Tahoma" panose="020B0604030504040204" pitchFamily="34" charset="0"/>
+                      </a:endParaRPr>
+                    </a:p>
+                  </a:txBody>
+                  <a:tcPr anchor="ctr">
+                    <a:solidFill>
+                      <a:schemeClr val="accent6">
+                        <a:alpha val="80000"/>
+                      </a:schemeClr>
+                    </a:solidFill>
+                  </a:tcPr>
+                </a:tc>
+              </a:tr>
+            </a:tbl>
+          </a:graphicData>
+        </a:graphic>
+      </p:graphicFrame>
     </p:spTree>
     <p:extLst>
       <p:ext uri="{BB962C8B-B14F-4D97-AF65-F5344CB8AC3E}">

--- a/diplomna.pptx
+++ b/diplomna.pptx
@@ -3615,6 +3615,303 @@
           <a:chExt cx="0" cy="0"/>
         </a:xfrm>
       </p:grpSpPr>
+      <p:sp>
+        <p:nvSpPr>
+          <p:cNvPr id="2" name="TextBox 1"/>
+          <p:cNvSpPr txBox="1"/>
+          <p:nvPr/>
+        </p:nvSpPr>
+        <p:spPr>
+          <a:xfrm>
+            <a:off x="0" y="144000"/>
+            <a:ext cx="12191999" cy="1354217"/>
+          </a:xfrm>
+          <a:prstGeom prst="rect">
+            <a:avLst/>
+          </a:prstGeom>
+          <a:noFill/>
+        </p:spPr>
+        <p:txBody>
+          <a:bodyPr wrap="square" rtlCol="0" anchor="ctr">
+            <a:spAutoFit/>
+          </a:bodyPr>
+          <a:lstStyle/>
+          <a:p>
+            <a:pPr algn="ctr"/>
+            <a:r>
+              <a:rPr lang="uk-UA" sz="5000" b="1" dirty="0" smtClean="0">
+                <a:gradFill flip="none" rotWithShape="1">
+                  <a:gsLst>
+                    <a:gs pos="0">
+                      <a:srgbClr val="229633"/>
+                    </a:gs>
+                    <a:gs pos="100000">
+                      <a:srgbClr val="85CA3A"/>
+                    </a:gs>
+                  </a:gsLst>
+                  <a:lin ang="18900000" scaled="1"/>
+                  <a:tileRect/>
+                </a:gradFill>
+                <a:latin typeface="Segoe Print" panose="02000600000000000000" pitchFamily="2" charset="0"/>
+                <a:ea typeface="Open Sans" panose="020B0606030504020204" pitchFamily="34" charset="0"/>
+                <a:cs typeface="Open Sans" panose="020B0606030504020204" pitchFamily="34" charset="0"/>
+              </a:rPr>
+              <a:t>Фінансовий план</a:t>
+            </a:r>
+          </a:p>
+          <a:p>
+            <a:pPr algn="ctr"/>
+            <a:r>
+              <a:rPr lang="uk-UA" sz="3200" b="1" dirty="0">
+                <a:gradFill flip="none" rotWithShape="1">
+                  <a:gsLst>
+                    <a:gs pos="16000">
+                      <a:srgbClr val="276399"/>
+                    </a:gs>
+                    <a:gs pos="100000">
+                      <a:srgbClr val="5380FF"/>
+                    </a:gs>
+                  </a:gsLst>
+                  <a:lin ang="18900000" scaled="1"/>
+                  <a:tileRect/>
+                </a:gradFill>
+                <a:latin typeface="Segoe Print" panose="02000600000000000000" pitchFamily="2" charset="0"/>
+                <a:ea typeface="Open Sans" panose="020B0606030504020204" pitchFamily="34" charset="0"/>
+                <a:cs typeface="Open Sans" panose="020B0606030504020204" pitchFamily="34" charset="0"/>
+              </a:rPr>
+              <a:t>Початкові </a:t>
+            </a:r>
+            <a:r>
+              <a:rPr lang="uk-UA" sz="3200" b="1" dirty="0" smtClean="0">
+                <a:gradFill flip="none" rotWithShape="1">
+                  <a:gsLst>
+                    <a:gs pos="16000">
+                      <a:srgbClr val="276399"/>
+                    </a:gs>
+                    <a:gs pos="100000">
+                      <a:srgbClr val="5380FF"/>
+                    </a:gs>
+                  </a:gsLst>
+                  <a:lin ang="18900000" scaled="1"/>
+                  <a:tileRect/>
+                </a:gradFill>
+                <a:latin typeface="Segoe Print" panose="02000600000000000000" pitchFamily="2" charset="0"/>
+                <a:ea typeface="Open Sans" panose="020B0606030504020204" pitchFamily="34" charset="0"/>
+                <a:cs typeface="Open Sans" panose="020B0606030504020204" pitchFamily="34" charset="0"/>
+              </a:rPr>
+              <a:t>інвестиції</a:t>
+            </a:r>
+            <a:endParaRPr lang="uk-UA" sz="3200" b="1" dirty="0" smtClean="0">
+              <a:gradFill flip="none" rotWithShape="1">
+                <a:gsLst>
+                  <a:gs pos="0">
+                    <a:srgbClr val="229633"/>
+                  </a:gs>
+                  <a:gs pos="100000">
+                    <a:srgbClr val="85CA3A"/>
+                  </a:gs>
+                </a:gsLst>
+                <a:lin ang="18900000" scaled="1"/>
+                <a:tileRect/>
+              </a:gradFill>
+              <a:latin typeface="Segoe Print" panose="02000600000000000000" pitchFamily="2" charset="0"/>
+              <a:ea typeface="Open Sans" panose="020B0606030504020204" pitchFamily="34" charset="0"/>
+              <a:cs typeface="Open Sans" panose="020B0606030504020204" pitchFamily="34" charset="0"/>
+            </a:endParaRPr>
+          </a:p>
+        </p:txBody>
+      </p:sp>
+      <p:sp>
+        <p:nvSpPr>
+          <p:cNvPr id="3" name="TextBox 2"/>
+          <p:cNvSpPr txBox="1"/>
+          <p:nvPr/>
+        </p:nvSpPr>
+        <p:spPr>
+          <a:xfrm>
+            <a:off x="335999" y="1771568"/>
+            <a:ext cx="11520000" cy="2431435"/>
+          </a:xfrm>
+          <a:prstGeom prst="rect">
+            <a:avLst/>
+          </a:prstGeom>
+          <a:noFill/>
+        </p:spPr>
+        <p:txBody>
+          <a:bodyPr wrap="square" rtlCol="0">
+            <a:spAutoFit/>
+          </a:bodyPr>
+          <a:lstStyle/>
+          <a:p>
+            <a:pPr marL="342900" indent="-342900" algn="just">
+              <a:buFont typeface="Wingdings" panose="05000000000000000000" pitchFamily="2" charset="2"/>
+              <a:buChar char="Ø"/>
+            </a:pPr>
+            <a:r>
+              <a:rPr lang="uk-UA" sz="2400" dirty="0" smtClean="0">
+                <a:gradFill flip="none" rotWithShape="1">
+                  <a:gsLst>
+                    <a:gs pos="100000">
+                      <a:schemeClr val="tx1">
+                        <a:lumMod val="85000"/>
+                        <a:lumOff val="15000"/>
+                      </a:schemeClr>
+                    </a:gs>
+                    <a:gs pos="0">
+                      <a:schemeClr val="tx1">
+                        <a:lumMod val="95000"/>
+                        <a:lumOff val="5000"/>
+                      </a:schemeClr>
+                    </a:gs>
+                  </a:gsLst>
+                  <a:lin ang="18900000" scaled="1"/>
+                  <a:tileRect/>
+                </a:gradFill>
+                <a:latin typeface="Tahoma" panose="020B0604030504040204" pitchFamily="34" charset="0"/>
+                <a:ea typeface="Tahoma" panose="020B0604030504040204" pitchFamily="34" charset="0"/>
+                <a:cs typeface="Tahoma" panose="020B0604030504040204" pitchFamily="34" charset="0"/>
+              </a:rPr>
+              <a:t>Реєстрація бізнесу, оформлення дозвільної документації – 8 000 грн</a:t>
+            </a:r>
+          </a:p>
+          <a:p>
+            <a:pPr marL="342900" indent="-342900" algn="just">
+              <a:buFont typeface="Wingdings" panose="05000000000000000000" pitchFamily="2" charset="2"/>
+              <a:buChar char="Ø"/>
+            </a:pPr>
+            <a:r>
+              <a:rPr lang="uk-UA" sz="2400" dirty="0" smtClean="0">
+                <a:gradFill flip="none" rotWithShape="1">
+                  <a:gsLst>
+                    <a:gs pos="100000">
+                      <a:schemeClr val="tx1">
+                        <a:lumMod val="85000"/>
+                        <a:lumOff val="15000"/>
+                      </a:schemeClr>
+                    </a:gs>
+                    <a:gs pos="0">
+                      <a:schemeClr val="tx1">
+                        <a:lumMod val="95000"/>
+                        <a:lumOff val="5000"/>
+                      </a:schemeClr>
+                    </a:gs>
+                  </a:gsLst>
+                  <a:lin ang="18900000" scaled="1"/>
+                  <a:tileRect/>
+                </a:gradFill>
+                <a:latin typeface="Tahoma" panose="020B0604030504040204" pitchFamily="34" charset="0"/>
+                <a:ea typeface="Tahoma" panose="020B0604030504040204" pitchFamily="34" charset="0"/>
+                <a:cs typeface="Tahoma" panose="020B0604030504040204" pitchFamily="34" charset="0"/>
+              </a:rPr>
+              <a:t>Інженерне та технологічні проектування, ремонт та облаштування приміщення відповідно до обов'язкових вимог– 16 000 грн</a:t>
+            </a:r>
+          </a:p>
+          <a:p>
+            <a:pPr marL="342900" indent="-342900" algn="just">
+              <a:buFont typeface="Wingdings" panose="05000000000000000000" pitchFamily="2" charset="2"/>
+              <a:buChar char="Ø"/>
+            </a:pPr>
+            <a:r>
+              <a:rPr lang="uk-UA" sz="2400" dirty="0" smtClean="0">
+                <a:gradFill flip="none" rotWithShape="1">
+                  <a:gsLst>
+                    <a:gs pos="100000">
+                      <a:schemeClr val="tx1">
+                        <a:lumMod val="85000"/>
+                        <a:lumOff val="15000"/>
+                      </a:schemeClr>
+                    </a:gs>
+                    <a:gs pos="0">
+                      <a:schemeClr val="tx1">
+                        <a:lumMod val="95000"/>
+                        <a:lumOff val="5000"/>
+                      </a:schemeClr>
+                    </a:gs>
+                  </a:gsLst>
+                  <a:lin ang="18900000" scaled="1"/>
+                  <a:tileRect/>
+                </a:gradFill>
+                <a:latin typeface="Tahoma" panose="020B0604030504040204" pitchFamily="34" charset="0"/>
+                <a:ea typeface="Tahoma" panose="020B0604030504040204" pitchFamily="34" charset="0"/>
+                <a:cs typeface="Tahoma" panose="020B0604030504040204" pitchFamily="34" charset="0"/>
+              </a:rPr>
+              <a:t>Закупівля необхідного обладнання, інструментів та меблів – 40 000 грн</a:t>
+            </a:r>
+          </a:p>
+          <a:p>
+            <a:pPr algn="just"/>
+            <a:endParaRPr lang="uk-UA" sz="2400" dirty="0" smtClean="0">
+              <a:gradFill flip="none" rotWithShape="1">
+                <a:gsLst>
+                  <a:gs pos="100000">
+                    <a:schemeClr val="tx1">
+                      <a:lumMod val="85000"/>
+                      <a:lumOff val="15000"/>
+                    </a:schemeClr>
+                  </a:gs>
+                  <a:gs pos="0">
+                    <a:schemeClr val="tx1">
+                      <a:lumMod val="95000"/>
+                      <a:lumOff val="5000"/>
+                    </a:schemeClr>
+                  </a:gs>
+                </a:gsLst>
+                <a:lin ang="18900000" scaled="1"/>
+                <a:tileRect/>
+              </a:gradFill>
+              <a:latin typeface="Tahoma" panose="020B0604030504040204" pitchFamily="34" charset="0"/>
+              <a:ea typeface="Tahoma" panose="020B0604030504040204" pitchFamily="34" charset="0"/>
+              <a:cs typeface="Tahoma" panose="020B0604030504040204" pitchFamily="34" charset="0"/>
+            </a:endParaRPr>
+          </a:p>
+          <a:p>
+            <a:pPr algn="just"/>
+            <a:r>
+              <a:rPr lang="uk-UA" sz="3200" b="1" dirty="0" smtClean="0">
+                <a:gradFill flip="none" rotWithShape="1">
+                  <a:gsLst>
+                    <a:gs pos="16000">
+                      <a:srgbClr val="276399"/>
+                    </a:gs>
+                    <a:gs pos="100000">
+                      <a:srgbClr val="5380FF"/>
+                    </a:gs>
+                  </a:gsLst>
+                  <a:lin ang="18900000" scaled="1"/>
+                  <a:tileRect/>
+                </a:gradFill>
+                <a:latin typeface="Segoe Print" panose="02000600000000000000" pitchFamily="2" charset="0"/>
+                <a:ea typeface="Open Sans" panose="020B0606030504020204" pitchFamily="34" charset="0"/>
+                <a:cs typeface="Open Sans" panose="020B0606030504020204" pitchFamily="34" charset="0"/>
+              </a:rPr>
+              <a:t>Разом 165 020 грн</a:t>
+            </a:r>
+            <a:endParaRPr lang="uk-UA" sz="3200" b="1" dirty="0">
+              <a:gradFill flip="none" rotWithShape="1">
+                <a:gsLst>
+                  <a:gs pos="100000">
+                    <a:schemeClr val="tx1">
+                      <a:lumMod val="85000"/>
+                      <a:lumOff val="15000"/>
+                    </a:schemeClr>
+                  </a:gs>
+                  <a:gs pos="0">
+                    <a:schemeClr val="tx1">
+                      <a:lumMod val="95000"/>
+                      <a:lumOff val="5000"/>
+                    </a:schemeClr>
+                  </a:gs>
+                </a:gsLst>
+                <a:lin ang="18900000" scaled="1"/>
+                <a:tileRect/>
+              </a:gradFill>
+              <a:latin typeface="Tahoma" panose="020B0604030504040204" pitchFamily="34" charset="0"/>
+              <a:ea typeface="Tahoma" panose="020B0604030504040204" pitchFamily="34" charset="0"/>
+              <a:cs typeface="Tahoma" panose="020B0604030504040204" pitchFamily="34" charset="0"/>
+            </a:endParaRPr>
+          </a:p>
+        </p:txBody>
+      </p:sp>
     </p:spTree>
     <p:extLst>
       <p:ext uri="{BB962C8B-B14F-4D97-AF65-F5344CB8AC3E}">
@@ -6756,14 +7053,7 @@
                           <a:effectLst/>
                           <a:latin typeface="Segoe Print" panose="02000600000000000000" pitchFamily="2" charset="0"/>
                         </a:rPr>
-                        <a:t>12 000 </a:t>
-                      </a:r>
-                      <a:r>
-                        <a:rPr lang="uk-UA" sz="1800" noProof="0" dirty="0" smtClean="0">
-                          <a:effectLst/>
-                          <a:latin typeface="Segoe Print" panose="02000600000000000000" pitchFamily="2" charset="0"/>
-                        </a:rPr>
-                        <a:t>грн</a:t>
+                        <a:t>12 000 грн</a:t>
                       </a:r>
                       <a:endParaRPr lang="uk-UA" sz="1800" noProof="0" dirty="0">
                         <a:effectLst/>
@@ -7781,6 +8071,352 @@
           <a:chExt cx="0" cy="0"/>
         </a:xfrm>
       </p:grpSpPr>
+      <p:sp>
+        <p:nvSpPr>
+          <p:cNvPr id="2" name="TextBox 1"/>
+          <p:cNvSpPr txBox="1"/>
+          <p:nvPr/>
+        </p:nvSpPr>
+        <p:spPr>
+          <a:xfrm>
+            <a:off x="0" y="144000"/>
+            <a:ext cx="12191999" cy="1354217"/>
+          </a:xfrm>
+          <a:prstGeom prst="rect">
+            <a:avLst/>
+          </a:prstGeom>
+          <a:noFill/>
+        </p:spPr>
+        <p:txBody>
+          <a:bodyPr wrap="square" rtlCol="0" anchor="ctr">
+            <a:spAutoFit/>
+          </a:bodyPr>
+          <a:lstStyle/>
+          <a:p>
+            <a:pPr algn="ctr"/>
+            <a:r>
+              <a:rPr lang="uk-UA" sz="5000" b="1" dirty="0" smtClean="0">
+                <a:gradFill flip="none" rotWithShape="1">
+                  <a:gsLst>
+                    <a:gs pos="0">
+                      <a:srgbClr val="229633"/>
+                    </a:gs>
+                    <a:gs pos="100000">
+                      <a:srgbClr val="85CA3A"/>
+                    </a:gs>
+                  </a:gsLst>
+                  <a:lin ang="18900000" scaled="1"/>
+                  <a:tileRect/>
+                </a:gradFill>
+                <a:latin typeface="Segoe Print" panose="02000600000000000000" pitchFamily="2" charset="0"/>
+                <a:ea typeface="Open Sans" panose="020B0606030504020204" pitchFamily="34" charset="0"/>
+                <a:cs typeface="Open Sans" panose="020B0606030504020204" pitchFamily="34" charset="0"/>
+              </a:rPr>
+              <a:t>Фінансовий план</a:t>
+            </a:r>
+          </a:p>
+          <a:p>
+            <a:pPr algn="ctr"/>
+            <a:r>
+              <a:rPr lang="uk-UA" sz="3200" b="1" dirty="0">
+                <a:gradFill flip="none" rotWithShape="1">
+                  <a:gsLst>
+                    <a:gs pos="16000">
+                      <a:srgbClr val="276399"/>
+                    </a:gs>
+                    <a:gs pos="100000">
+                      <a:srgbClr val="5380FF"/>
+                    </a:gs>
+                  </a:gsLst>
+                  <a:lin ang="18900000" scaled="1"/>
+                  <a:tileRect/>
+                </a:gradFill>
+                <a:latin typeface="Segoe Print" panose="02000600000000000000" pitchFamily="2" charset="0"/>
+                <a:ea typeface="Open Sans" panose="020B0606030504020204" pitchFamily="34" charset="0"/>
+                <a:cs typeface="Open Sans" panose="020B0606030504020204" pitchFamily="34" charset="0"/>
+              </a:rPr>
+              <a:t>Щомісячні витрати</a:t>
+            </a:r>
+            <a:endParaRPr lang="uk-UA" sz="3200" b="1" dirty="0" smtClean="0">
+              <a:gradFill flip="none" rotWithShape="1">
+                <a:gsLst>
+                  <a:gs pos="0">
+                    <a:srgbClr val="229633"/>
+                  </a:gs>
+                  <a:gs pos="100000">
+                    <a:srgbClr val="85CA3A"/>
+                  </a:gs>
+                </a:gsLst>
+                <a:lin ang="18900000" scaled="1"/>
+                <a:tileRect/>
+              </a:gradFill>
+              <a:latin typeface="Segoe Print" panose="02000600000000000000" pitchFamily="2" charset="0"/>
+              <a:ea typeface="Open Sans" panose="020B0606030504020204" pitchFamily="34" charset="0"/>
+              <a:cs typeface="Open Sans" panose="020B0606030504020204" pitchFamily="34" charset="0"/>
+            </a:endParaRPr>
+          </a:p>
+        </p:txBody>
+      </p:sp>
+      <p:sp>
+        <p:nvSpPr>
+          <p:cNvPr id="3" name="TextBox 2"/>
+          <p:cNvSpPr txBox="1"/>
+          <p:nvPr/>
+        </p:nvSpPr>
+        <p:spPr>
+          <a:xfrm>
+            <a:off x="335999" y="1771568"/>
+            <a:ext cx="11520000" cy="2800767"/>
+          </a:xfrm>
+          <a:prstGeom prst="rect">
+            <a:avLst/>
+          </a:prstGeom>
+          <a:noFill/>
+        </p:spPr>
+        <p:txBody>
+          <a:bodyPr wrap="square" rtlCol="0">
+            <a:spAutoFit/>
+          </a:bodyPr>
+          <a:lstStyle/>
+          <a:p>
+            <a:pPr algn="just"/>
+            <a:r>
+              <a:rPr lang="uk-UA" sz="2400" dirty="0" smtClean="0">
+                <a:gradFill flip="none" rotWithShape="1">
+                  <a:gsLst>
+                    <a:gs pos="100000">
+                      <a:schemeClr val="tx1">
+                        <a:lumMod val="85000"/>
+                        <a:lumOff val="15000"/>
+                      </a:schemeClr>
+                    </a:gs>
+                    <a:gs pos="0">
+                      <a:schemeClr val="tx1">
+                        <a:lumMod val="95000"/>
+                        <a:lumOff val="5000"/>
+                      </a:schemeClr>
+                    </a:gs>
+                  </a:gsLst>
+                  <a:lin ang="18900000" scaled="1"/>
+                  <a:tileRect/>
+                </a:gradFill>
+                <a:latin typeface="Tahoma" panose="020B0604030504040204" pitchFamily="34" charset="0"/>
+                <a:ea typeface="Tahoma" panose="020B0604030504040204" pitchFamily="34" charset="0"/>
+                <a:cs typeface="Tahoma" panose="020B0604030504040204" pitchFamily="34" charset="0"/>
+              </a:rPr>
+              <a:t>Оренда приміщення – 8 000 грн</a:t>
+            </a:r>
+          </a:p>
+          <a:p>
+            <a:pPr algn="just"/>
+            <a:r>
+              <a:rPr lang="uk-UA" sz="2400" dirty="0" smtClean="0">
+                <a:gradFill flip="none" rotWithShape="1">
+                  <a:gsLst>
+                    <a:gs pos="100000">
+                      <a:schemeClr val="tx1">
+                        <a:lumMod val="85000"/>
+                        <a:lumOff val="15000"/>
+                      </a:schemeClr>
+                    </a:gs>
+                    <a:gs pos="0">
+                      <a:schemeClr val="tx1">
+                        <a:lumMod val="95000"/>
+                        <a:lumOff val="5000"/>
+                      </a:schemeClr>
+                    </a:gs>
+                  </a:gsLst>
+                  <a:lin ang="18900000" scaled="1"/>
+                  <a:tileRect/>
+                </a:gradFill>
+                <a:latin typeface="Tahoma" panose="020B0604030504040204" pitchFamily="34" charset="0"/>
+                <a:ea typeface="Tahoma" panose="020B0604030504040204" pitchFamily="34" charset="0"/>
+                <a:cs typeface="Tahoma" panose="020B0604030504040204" pitchFamily="34" charset="0"/>
+              </a:rPr>
+              <a:t>Комунальні платежі – 9 000 грн</a:t>
+            </a:r>
+          </a:p>
+          <a:p>
+            <a:pPr algn="just"/>
+            <a:r>
+              <a:rPr lang="uk-UA" sz="2400" dirty="0" smtClean="0">
+                <a:gradFill flip="none" rotWithShape="1">
+                  <a:gsLst>
+                    <a:gs pos="100000">
+                      <a:schemeClr val="tx1">
+                        <a:lumMod val="85000"/>
+                        <a:lumOff val="15000"/>
+                      </a:schemeClr>
+                    </a:gs>
+                    <a:gs pos="0">
+                      <a:schemeClr val="tx1">
+                        <a:lumMod val="95000"/>
+                        <a:lumOff val="5000"/>
+                      </a:schemeClr>
+                    </a:gs>
+                  </a:gsLst>
+                  <a:lin ang="18900000" scaled="1"/>
+                  <a:tileRect/>
+                </a:gradFill>
+                <a:latin typeface="Tahoma" panose="020B0604030504040204" pitchFamily="34" charset="0"/>
+                <a:ea typeface="Tahoma" panose="020B0604030504040204" pitchFamily="34" charset="0"/>
+                <a:cs typeface="Tahoma" panose="020B0604030504040204" pitchFamily="34" charset="0"/>
+              </a:rPr>
+              <a:t>Реклама – 3 020 грн</a:t>
+            </a:r>
+          </a:p>
+          <a:p>
+            <a:pPr algn="just"/>
+            <a:r>
+              <a:rPr lang="uk-UA" sz="2400" dirty="0" smtClean="0">
+                <a:gradFill flip="none" rotWithShape="1">
+                  <a:gsLst>
+                    <a:gs pos="100000">
+                      <a:schemeClr val="tx1">
+                        <a:lumMod val="85000"/>
+                        <a:lumOff val="15000"/>
+                      </a:schemeClr>
+                    </a:gs>
+                    <a:gs pos="0">
+                      <a:schemeClr val="tx1">
+                        <a:lumMod val="95000"/>
+                        <a:lumOff val="5000"/>
+                      </a:schemeClr>
+                    </a:gs>
+                  </a:gsLst>
+                  <a:lin ang="18900000" scaled="1"/>
+                  <a:tileRect/>
+                </a:gradFill>
+                <a:latin typeface="Tahoma" panose="020B0604030504040204" pitchFamily="34" charset="0"/>
+                <a:ea typeface="Tahoma" panose="020B0604030504040204" pitchFamily="34" charset="0"/>
+                <a:cs typeface="Tahoma" panose="020B0604030504040204" pitchFamily="34" charset="0"/>
+              </a:rPr>
+              <a:t>Оплата праці персоналу – 135 000 грн</a:t>
+            </a:r>
+          </a:p>
+          <a:p>
+            <a:pPr algn="just"/>
+            <a:r>
+              <a:rPr lang="uk-UA" sz="2400" dirty="0" smtClean="0">
+                <a:gradFill flip="none" rotWithShape="1">
+                  <a:gsLst>
+                    <a:gs pos="100000">
+                      <a:schemeClr val="tx1">
+                        <a:lumMod val="85000"/>
+                        <a:lumOff val="15000"/>
+                      </a:schemeClr>
+                    </a:gs>
+                    <a:gs pos="0">
+                      <a:schemeClr val="tx1">
+                        <a:lumMod val="95000"/>
+                        <a:lumOff val="5000"/>
+                      </a:schemeClr>
+                    </a:gs>
+                  </a:gsLst>
+                  <a:lin ang="18900000" scaled="1"/>
+                  <a:tileRect/>
+                </a:gradFill>
+                <a:latin typeface="Tahoma" panose="020B0604030504040204" pitchFamily="34" charset="0"/>
+                <a:ea typeface="Tahoma" panose="020B0604030504040204" pitchFamily="34" charset="0"/>
+                <a:cs typeface="Tahoma" panose="020B0604030504040204" pitchFamily="34" charset="0"/>
+              </a:rPr>
+              <a:t>Витратні матеріали і косметика – 10 000 грн</a:t>
+            </a:r>
+          </a:p>
+          <a:p>
+            <a:pPr algn="just"/>
+            <a:endParaRPr lang="uk-UA" sz="2400" dirty="0" smtClean="0">
+              <a:gradFill flip="none" rotWithShape="1">
+                <a:gsLst>
+                  <a:gs pos="100000">
+                    <a:schemeClr val="tx1">
+                      <a:lumMod val="85000"/>
+                      <a:lumOff val="15000"/>
+                    </a:schemeClr>
+                  </a:gs>
+                  <a:gs pos="0">
+                    <a:schemeClr val="tx1">
+                      <a:lumMod val="95000"/>
+                      <a:lumOff val="5000"/>
+                    </a:schemeClr>
+                  </a:gs>
+                </a:gsLst>
+                <a:lin ang="18900000" scaled="1"/>
+                <a:tileRect/>
+              </a:gradFill>
+              <a:latin typeface="Tahoma" panose="020B0604030504040204" pitchFamily="34" charset="0"/>
+              <a:ea typeface="Tahoma" panose="020B0604030504040204" pitchFamily="34" charset="0"/>
+              <a:cs typeface="Tahoma" panose="020B0604030504040204" pitchFamily="34" charset="0"/>
+            </a:endParaRPr>
+          </a:p>
+          <a:p>
+            <a:pPr algn="just"/>
+            <a:r>
+              <a:rPr lang="uk-UA" sz="3200" b="1" dirty="0">
+                <a:gradFill flip="none" rotWithShape="1">
+                  <a:gsLst>
+                    <a:gs pos="16000">
+                      <a:srgbClr val="276399"/>
+                    </a:gs>
+                    <a:gs pos="100000">
+                      <a:srgbClr val="5380FF"/>
+                    </a:gs>
+                  </a:gsLst>
+                  <a:lin ang="18900000" scaled="1"/>
+                  <a:tileRect/>
+                </a:gradFill>
+                <a:latin typeface="Segoe Print" panose="02000600000000000000" pitchFamily="2" charset="0"/>
+                <a:ea typeface="Open Sans" panose="020B0606030504020204" pitchFamily="34" charset="0"/>
+                <a:cs typeface="Open Sans" panose="020B0606030504020204" pitchFamily="34" charset="0"/>
+              </a:rPr>
+              <a:t>Разом 165 020 </a:t>
+            </a:r>
+            <a:r>
+              <a:rPr lang="uk-UA" sz="3200" b="1" dirty="0" smtClean="0">
+                <a:gradFill flip="none" rotWithShape="1">
+                  <a:gsLst>
+                    <a:gs pos="16000">
+                      <a:srgbClr val="276399"/>
+                    </a:gs>
+                    <a:gs pos="100000">
+                      <a:srgbClr val="5380FF"/>
+                    </a:gs>
+                  </a:gsLst>
+                  <a:lin ang="18900000" scaled="1"/>
+                  <a:tileRect/>
+                </a:gradFill>
+                <a:latin typeface="Segoe Print" panose="02000600000000000000" pitchFamily="2" charset="0"/>
+                <a:ea typeface="Open Sans" panose="020B0606030504020204" pitchFamily="34" charset="0"/>
+                <a:cs typeface="Open Sans" panose="020B0606030504020204" pitchFamily="34" charset="0"/>
+              </a:rPr>
+              <a:t>грн</a:t>
+            </a:r>
+            <a:endParaRPr lang="uk-UA" sz="3200" b="1" dirty="0">
+              <a:gradFill flip="none" rotWithShape="1">
+                <a:gsLst>
+                  <a:gs pos="100000">
+                    <a:schemeClr val="tx1">
+                      <a:lumMod val="85000"/>
+                      <a:lumOff val="15000"/>
+                    </a:schemeClr>
+                  </a:gs>
+                  <a:gs pos="0">
+                    <a:schemeClr val="tx1">
+                      <a:lumMod val="95000"/>
+                      <a:lumOff val="5000"/>
+                    </a:schemeClr>
+                  </a:gs>
+                </a:gsLst>
+                <a:lin ang="18900000" scaled="1"/>
+                <a:tileRect/>
+              </a:gradFill>
+              <a:latin typeface="Tahoma" panose="020B0604030504040204" pitchFamily="34" charset="0"/>
+              <a:ea typeface="Tahoma" panose="020B0604030504040204" pitchFamily="34" charset="0"/>
+              <a:cs typeface="Tahoma" panose="020B0604030504040204" pitchFamily="34" charset="0"/>
+            </a:endParaRPr>
+          </a:p>
+        </p:txBody>
+      </p:sp>
     </p:spTree>
     <p:extLst>
       <p:ext uri="{BB962C8B-B14F-4D97-AF65-F5344CB8AC3E}">

--- a/diplomna.pptx
+++ b/diplomna.pptx
@@ -216,7 +216,7 @@
           <a:p>
             <a:fld id="{34ECBCA9-90F6-4EB5-BA36-98AE7DDCEFD0}" type="datetimeFigureOut">
               <a:rPr lang="ru-RU" smtClean="0"/>
-              <a:t>27.02.2021</a:t>
+              <a:t>28.02.2021</a:t>
             </a:fld>
             <a:endParaRPr lang="ru-RU"/>
           </a:p>
@@ -699,7 +699,7 @@
           <a:p>
             <a:fld id="{EF786B2F-4D74-4715-9B36-473B5F938BB9}" type="datetimeFigureOut">
               <a:rPr lang="ru-RU" smtClean="0"/>
-              <a:t>27.02.2021</a:t>
+              <a:t>28.02.2021</a:t>
             </a:fld>
             <a:endParaRPr lang="ru-RU"/>
           </a:p>
@@ -869,7 +869,7 @@
           <a:p>
             <a:fld id="{EF786B2F-4D74-4715-9B36-473B5F938BB9}" type="datetimeFigureOut">
               <a:rPr lang="ru-RU" smtClean="0"/>
-              <a:t>27.02.2021</a:t>
+              <a:t>28.02.2021</a:t>
             </a:fld>
             <a:endParaRPr lang="ru-RU"/>
           </a:p>
@@ -1049,7 +1049,7 @@
           <a:p>
             <a:fld id="{EF786B2F-4D74-4715-9B36-473B5F938BB9}" type="datetimeFigureOut">
               <a:rPr lang="ru-RU" smtClean="0"/>
-              <a:t>27.02.2021</a:t>
+              <a:t>28.02.2021</a:t>
             </a:fld>
             <a:endParaRPr lang="ru-RU"/>
           </a:p>
@@ -1219,7 +1219,7 @@
           <a:p>
             <a:fld id="{EF786B2F-4D74-4715-9B36-473B5F938BB9}" type="datetimeFigureOut">
               <a:rPr lang="ru-RU" smtClean="0"/>
-              <a:t>27.02.2021</a:t>
+              <a:t>28.02.2021</a:t>
             </a:fld>
             <a:endParaRPr lang="ru-RU"/>
           </a:p>
@@ -1465,7 +1465,7 @@
           <a:p>
             <a:fld id="{EF786B2F-4D74-4715-9B36-473B5F938BB9}" type="datetimeFigureOut">
               <a:rPr lang="ru-RU" smtClean="0"/>
-              <a:t>27.02.2021</a:t>
+              <a:t>28.02.2021</a:t>
             </a:fld>
             <a:endParaRPr lang="ru-RU"/>
           </a:p>
@@ -1697,7 +1697,7 @@
           <a:p>
             <a:fld id="{EF786B2F-4D74-4715-9B36-473B5F938BB9}" type="datetimeFigureOut">
               <a:rPr lang="ru-RU" smtClean="0"/>
-              <a:t>27.02.2021</a:t>
+              <a:t>28.02.2021</a:t>
             </a:fld>
             <a:endParaRPr lang="ru-RU"/>
           </a:p>
@@ -2064,7 +2064,7 @@
           <a:p>
             <a:fld id="{EF786B2F-4D74-4715-9B36-473B5F938BB9}" type="datetimeFigureOut">
               <a:rPr lang="ru-RU" smtClean="0"/>
-              <a:t>27.02.2021</a:t>
+              <a:t>28.02.2021</a:t>
             </a:fld>
             <a:endParaRPr lang="ru-RU"/>
           </a:p>
@@ -2182,7 +2182,7 @@
           <a:p>
             <a:fld id="{EF786B2F-4D74-4715-9B36-473B5F938BB9}" type="datetimeFigureOut">
               <a:rPr lang="ru-RU" smtClean="0"/>
-              <a:t>27.02.2021</a:t>
+              <a:t>28.02.2021</a:t>
             </a:fld>
             <a:endParaRPr lang="ru-RU"/>
           </a:p>
@@ -2277,7 +2277,7 @@
           <a:p>
             <a:fld id="{EF786B2F-4D74-4715-9B36-473B5F938BB9}" type="datetimeFigureOut">
               <a:rPr lang="ru-RU" smtClean="0"/>
-              <a:t>27.02.2021</a:t>
+              <a:t>28.02.2021</a:t>
             </a:fld>
             <a:endParaRPr lang="ru-RU"/>
           </a:p>
@@ -2554,7 +2554,7 @@
           <a:p>
             <a:fld id="{EF786B2F-4D74-4715-9B36-473B5F938BB9}" type="datetimeFigureOut">
               <a:rPr lang="ru-RU" smtClean="0"/>
-              <a:t>27.02.2021</a:t>
+              <a:t>28.02.2021</a:t>
             </a:fld>
             <a:endParaRPr lang="ru-RU"/>
           </a:p>
@@ -2807,7 +2807,7 @@
           <a:p>
             <a:fld id="{EF786B2F-4D74-4715-9B36-473B5F938BB9}" type="datetimeFigureOut">
               <a:rPr lang="ru-RU" smtClean="0"/>
-              <a:t>27.02.2021</a:t>
+              <a:t>28.02.2021</a:t>
             </a:fld>
             <a:endParaRPr lang="ru-RU"/>
           </a:p>
@@ -3039,7 +3039,7 @@
           <a:p>
             <a:fld id="{EF786B2F-4D74-4715-9B36-473B5F938BB9}" type="datetimeFigureOut">
               <a:rPr lang="ru-RU" smtClean="0"/>
-              <a:t>27.02.2021</a:t>
+              <a:t>28.02.2021</a:t>
             </a:fld>
             <a:endParaRPr lang="ru-RU"/>
           </a:p>
@@ -3952,6 +3952,1217 @@
           <a:chExt cx="0" cy="0"/>
         </a:xfrm>
       </p:grpSpPr>
+      <p:sp>
+        <p:nvSpPr>
+          <p:cNvPr id="2" name="TextBox 1"/>
+          <p:cNvSpPr txBox="1"/>
+          <p:nvPr/>
+        </p:nvSpPr>
+        <p:spPr>
+          <a:xfrm>
+            <a:off x="0" y="144000"/>
+            <a:ext cx="12191999" cy="861774"/>
+          </a:xfrm>
+          <a:prstGeom prst="rect">
+            <a:avLst/>
+          </a:prstGeom>
+          <a:noFill/>
+        </p:spPr>
+        <p:txBody>
+          <a:bodyPr wrap="square" rtlCol="0" anchor="ctr">
+            <a:spAutoFit/>
+          </a:bodyPr>
+          <a:lstStyle/>
+          <a:p>
+            <a:pPr algn="ctr"/>
+            <a:r>
+              <a:rPr lang="uk-UA" sz="5000" b="1" dirty="0">
+                <a:gradFill flip="none" rotWithShape="1">
+                  <a:gsLst>
+                    <a:gs pos="0">
+                      <a:srgbClr val="229633"/>
+                    </a:gs>
+                    <a:gs pos="100000">
+                      <a:srgbClr val="85CA3A"/>
+                    </a:gs>
+                  </a:gsLst>
+                  <a:lin ang="18900000" scaled="1"/>
+                  <a:tileRect/>
+                </a:gradFill>
+                <a:latin typeface="Segoe Print" panose="02000600000000000000" pitchFamily="2" charset="0"/>
+                <a:ea typeface="Open Sans" panose="020B0606030504020204" pitchFamily="34" charset="0"/>
+                <a:cs typeface="Open Sans" panose="020B0606030504020204" pitchFamily="34" charset="0"/>
+              </a:rPr>
+              <a:t>Манікюрний кабінет</a:t>
+            </a:r>
+            <a:endParaRPr lang="uk-UA" sz="5000" b="1" dirty="0" smtClean="0">
+              <a:gradFill flip="none" rotWithShape="1">
+                <a:gsLst>
+                  <a:gs pos="0">
+                    <a:srgbClr val="229633"/>
+                  </a:gs>
+                  <a:gs pos="100000">
+                    <a:srgbClr val="85CA3A"/>
+                  </a:gs>
+                </a:gsLst>
+                <a:lin ang="18900000" scaled="1"/>
+                <a:tileRect/>
+              </a:gradFill>
+              <a:latin typeface="Segoe Print" panose="02000600000000000000" pitchFamily="2" charset="0"/>
+              <a:ea typeface="Open Sans" panose="020B0606030504020204" pitchFamily="34" charset="0"/>
+              <a:cs typeface="Open Sans" panose="020B0606030504020204" pitchFamily="34" charset="0"/>
+            </a:endParaRPr>
+          </a:p>
+        </p:txBody>
+      </p:sp>
+      <p:graphicFrame>
+        <p:nvGraphicFramePr>
+          <p:cNvPr id="3" name="Таблица 2"/>
+          <p:cNvGraphicFramePr>
+            <a:graphicFrameLocks noGrp="1"/>
+          </p:cNvGraphicFramePr>
+          <p:nvPr>
+            <p:extLst>
+              <p:ext uri="{D42A27DB-BD31-4B8C-83A1-F6EECF244321}">
+                <p14:modId xmlns:p14="http://schemas.microsoft.com/office/powerpoint/2010/main" val="3695030345"/>
+              </p:ext>
+            </p:extLst>
+          </p:nvPr>
+        </p:nvGraphicFramePr>
+        <p:xfrm>
+          <a:off x="947999" y="1682178"/>
+          <a:ext cx="10296000" cy="3924000"/>
+        </p:xfrm>
+        <a:graphic>
+          <a:graphicData uri="http://schemas.openxmlformats.org/drawingml/2006/table">
+            <a:tbl>
+              <a:tblPr firstRow="1" lastRow="1" bandRow="1">
+                <a:effectLst>
+                  <a:outerShdw blurRad="571500" dir="5400000" algn="ctr" rotWithShape="0">
+                    <a:schemeClr val="tx1">
+                      <a:alpha val="35000"/>
+                    </a:schemeClr>
+                  </a:outerShdw>
+                </a:effectLst>
+                <a:tableStyleId>{93296810-A885-4BE3-A3E7-6D5BEEA58F35}</a:tableStyleId>
+              </a:tblPr>
+              <a:tblGrid>
+                <a:gridCol w="3600000"/>
+                <a:gridCol w="2520000"/>
+                <a:gridCol w="2088000"/>
+                <a:gridCol w="2088000"/>
+              </a:tblGrid>
+              <a:tr h="864000">
+                <a:tc>
+                  <a:txBody>
+                    <a:bodyPr/>
+                    <a:lstStyle/>
+                    <a:p>
+                      <a:pPr algn="ctr"/>
+                      <a:r>
+                        <a:rPr lang="uk-UA" sz="2400" noProof="0" dirty="0" smtClean="0">
+                          <a:solidFill>
+                            <a:schemeClr val="tx1"/>
+                          </a:solidFill>
+                          <a:effectLst/>
+                          <a:latin typeface="Open Sans" panose="020B0606030504020204" pitchFamily="34" charset="0"/>
+                          <a:ea typeface="Open Sans" panose="020B0606030504020204" pitchFamily="34" charset="0"/>
+                          <a:cs typeface="Open Sans" panose="020B0606030504020204" pitchFamily="34" charset="0"/>
+                        </a:rPr>
+                        <a:t>Інвентар</a:t>
+                      </a:r>
+                      <a:endParaRPr lang="uk-UA" sz="2400" noProof="0" dirty="0">
+                        <a:solidFill>
+                          <a:schemeClr val="tx1"/>
+                        </a:solidFill>
+                        <a:effectLst/>
+                        <a:latin typeface="Open Sans" panose="020B0606030504020204" pitchFamily="34" charset="0"/>
+                        <a:ea typeface="Open Sans" panose="020B0606030504020204" pitchFamily="34" charset="0"/>
+                        <a:cs typeface="Open Sans" panose="020B0606030504020204" pitchFamily="34" charset="0"/>
+                      </a:endParaRPr>
+                    </a:p>
+                  </a:txBody>
+                  <a:tcPr anchor="ctr">
+                    <a:solidFill>
+                      <a:schemeClr val="accent6">
+                        <a:alpha val="80000"/>
+                      </a:schemeClr>
+                    </a:solidFill>
+                  </a:tcPr>
+                </a:tc>
+                <a:tc>
+                  <a:txBody>
+                    <a:bodyPr/>
+                    <a:lstStyle/>
+                    <a:p>
+                      <a:pPr algn="ctr"/>
+                      <a:r>
+                        <a:rPr lang="uk-UA" sz="2400" noProof="0" dirty="0" smtClean="0">
+                          <a:solidFill>
+                            <a:schemeClr val="tx1"/>
+                          </a:solidFill>
+                          <a:effectLst/>
+                          <a:latin typeface="Open Sans" panose="020B0606030504020204" pitchFamily="34" charset="0"/>
+                          <a:ea typeface="Open Sans" panose="020B0606030504020204" pitchFamily="34" charset="0"/>
+                          <a:cs typeface="Open Sans" panose="020B0606030504020204" pitchFamily="34" charset="0"/>
+                        </a:rPr>
+                        <a:t>Вартість 1 шт.</a:t>
+                      </a:r>
+                      <a:endParaRPr lang="uk-UA" sz="2400" noProof="0" dirty="0">
+                        <a:solidFill>
+                          <a:schemeClr val="tx1"/>
+                        </a:solidFill>
+                        <a:effectLst/>
+                        <a:latin typeface="Open Sans" panose="020B0606030504020204" pitchFamily="34" charset="0"/>
+                        <a:ea typeface="Open Sans" panose="020B0606030504020204" pitchFamily="34" charset="0"/>
+                        <a:cs typeface="Open Sans" panose="020B0606030504020204" pitchFamily="34" charset="0"/>
+                      </a:endParaRPr>
+                    </a:p>
+                  </a:txBody>
+                  <a:tcPr anchor="ctr">
+                    <a:solidFill>
+                      <a:schemeClr val="accent6">
+                        <a:alpha val="80000"/>
+                      </a:schemeClr>
+                    </a:solidFill>
+                  </a:tcPr>
+                </a:tc>
+                <a:tc>
+                  <a:txBody>
+                    <a:bodyPr/>
+                    <a:lstStyle/>
+                    <a:p>
+                      <a:pPr algn="ctr"/>
+                      <a:r>
+                        <a:rPr lang="uk-UA" sz="2400" noProof="0" dirty="0" smtClean="0">
+                          <a:solidFill>
+                            <a:schemeClr val="tx1"/>
+                          </a:solidFill>
+                          <a:effectLst/>
+                          <a:latin typeface="Open Sans" panose="020B0606030504020204" pitchFamily="34" charset="0"/>
+                          <a:ea typeface="Open Sans" panose="020B0606030504020204" pitchFamily="34" charset="0"/>
+                          <a:cs typeface="Open Sans" panose="020B0606030504020204" pitchFamily="34" charset="0"/>
+                        </a:rPr>
+                        <a:t>Кількість</a:t>
+                      </a:r>
+                      <a:endParaRPr lang="uk-UA" sz="2400" noProof="0" dirty="0">
+                        <a:solidFill>
+                          <a:schemeClr val="tx1"/>
+                        </a:solidFill>
+                        <a:effectLst/>
+                        <a:latin typeface="Open Sans" panose="020B0606030504020204" pitchFamily="34" charset="0"/>
+                        <a:ea typeface="Open Sans" panose="020B0606030504020204" pitchFamily="34" charset="0"/>
+                        <a:cs typeface="Open Sans" panose="020B0606030504020204" pitchFamily="34" charset="0"/>
+                      </a:endParaRPr>
+                    </a:p>
+                  </a:txBody>
+                  <a:tcPr anchor="ctr">
+                    <a:solidFill>
+                      <a:schemeClr val="accent6">
+                        <a:alpha val="80000"/>
+                      </a:schemeClr>
+                    </a:solidFill>
+                  </a:tcPr>
+                </a:tc>
+                <a:tc>
+                  <a:txBody>
+                    <a:bodyPr/>
+                    <a:lstStyle/>
+                    <a:p>
+                      <a:pPr algn="ctr"/>
+                      <a:r>
+                        <a:rPr lang="uk-UA" sz="2400" noProof="0" dirty="0" smtClean="0">
+                          <a:solidFill>
+                            <a:schemeClr val="tx1"/>
+                          </a:solidFill>
+                          <a:effectLst/>
+                          <a:latin typeface="Open Sans" panose="020B0606030504020204" pitchFamily="34" charset="0"/>
+                          <a:ea typeface="Open Sans" panose="020B0606030504020204" pitchFamily="34" charset="0"/>
+                          <a:cs typeface="Open Sans" panose="020B0606030504020204" pitchFamily="34" charset="0"/>
+                        </a:rPr>
+                        <a:t>Сума</a:t>
+                      </a:r>
+                      <a:endParaRPr lang="uk-UA" sz="2400" noProof="0" dirty="0">
+                        <a:solidFill>
+                          <a:schemeClr val="tx1"/>
+                        </a:solidFill>
+                        <a:effectLst/>
+                        <a:latin typeface="Open Sans" panose="020B0606030504020204" pitchFamily="34" charset="0"/>
+                        <a:ea typeface="Open Sans" panose="020B0606030504020204" pitchFamily="34" charset="0"/>
+                        <a:cs typeface="Open Sans" panose="020B0606030504020204" pitchFamily="34" charset="0"/>
+                      </a:endParaRPr>
+                    </a:p>
+                  </a:txBody>
+                  <a:tcPr anchor="ctr">
+                    <a:solidFill>
+                      <a:schemeClr val="accent6">
+                        <a:alpha val="80000"/>
+                      </a:schemeClr>
+                    </a:solidFill>
+                  </a:tcPr>
+                </a:tc>
+              </a:tr>
+              <a:tr h="504000">
+                <a:tc>
+                  <a:txBody>
+                    <a:bodyPr/>
+                    <a:lstStyle/>
+                    <a:p>
+                      <a:pPr algn="l"/>
+                      <a:r>
+                        <a:rPr lang="uk-UA" sz="2000" b="1" i="0" noProof="0" dirty="0" smtClean="0">
+                          <a:effectLst/>
+                          <a:latin typeface="Segoe Print" panose="02000600000000000000" pitchFamily="2" charset="0"/>
+                          <a:ea typeface="Tahoma" panose="020B0604030504040204" pitchFamily="34" charset="0"/>
+                          <a:cs typeface="Tahoma" panose="020B0604030504040204" pitchFamily="34" charset="0"/>
+                        </a:rPr>
+                        <a:t>Крісло</a:t>
+                      </a:r>
+                      <a:endParaRPr lang="uk-UA" sz="2000" b="1" i="0" noProof="0" dirty="0">
+                        <a:effectLst/>
+                        <a:latin typeface="Segoe Print" panose="02000600000000000000" pitchFamily="2" charset="0"/>
+                        <a:ea typeface="Tahoma" panose="020B0604030504040204" pitchFamily="34" charset="0"/>
+                        <a:cs typeface="Tahoma" panose="020B0604030504040204" pitchFamily="34" charset="0"/>
+                      </a:endParaRPr>
+                    </a:p>
+                  </a:txBody>
+                  <a:tcPr anchor="ctr">
+                    <a:solidFill>
+                      <a:schemeClr val="accent6">
+                        <a:tint val="40000"/>
+                        <a:alpha val="80000"/>
+                      </a:schemeClr>
+                    </a:solidFill>
+                  </a:tcPr>
+                </a:tc>
+                <a:tc>
+                  <a:txBody>
+                    <a:bodyPr/>
+                    <a:lstStyle/>
+                    <a:p>
+                      <a:pPr algn="ctr"/>
+                      <a:r>
+                        <a:rPr lang="uk-UA" sz="2000" noProof="0" dirty="0" smtClean="0">
+                          <a:effectLst/>
+                          <a:latin typeface="Segoe Print" panose="02000600000000000000" pitchFamily="2" charset="0"/>
+                        </a:rPr>
+                        <a:t>2 </a:t>
+                      </a:r>
+                      <a:r>
+                        <a:rPr lang="uk-UA" sz="2000" noProof="0" dirty="0" smtClean="0">
+                          <a:effectLst/>
+                          <a:latin typeface="Segoe Print" panose="02000600000000000000" pitchFamily="2" charset="0"/>
+                        </a:rPr>
+                        <a:t>000 грн</a:t>
+                      </a:r>
+                      <a:endParaRPr lang="uk-UA" sz="2000" noProof="0" dirty="0">
+                        <a:effectLst/>
+                        <a:latin typeface="Segoe Print" panose="02000600000000000000" pitchFamily="2" charset="0"/>
+                        <a:ea typeface="Tahoma" panose="020B0604030504040204" pitchFamily="34" charset="0"/>
+                        <a:cs typeface="Tahoma" panose="020B0604030504040204" pitchFamily="34" charset="0"/>
+                      </a:endParaRPr>
+                    </a:p>
+                  </a:txBody>
+                  <a:tcPr anchor="ctr">
+                    <a:solidFill>
+                      <a:schemeClr val="accent6">
+                        <a:tint val="40000"/>
+                        <a:alpha val="80000"/>
+                      </a:schemeClr>
+                    </a:solidFill>
+                  </a:tcPr>
+                </a:tc>
+                <a:tc>
+                  <a:txBody>
+                    <a:bodyPr/>
+                    <a:lstStyle/>
+                    <a:p>
+                      <a:pPr algn="ctr"/>
+                      <a:r>
+                        <a:rPr lang="en-US" sz="2000" noProof="0" dirty="0" smtClean="0">
+                          <a:effectLst/>
+                          <a:latin typeface="Segoe Print" panose="02000600000000000000" pitchFamily="2" charset="0"/>
+                        </a:rPr>
+                        <a:t>4</a:t>
+                      </a:r>
+                      <a:endParaRPr lang="uk-UA" sz="2000" noProof="0" dirty="0">
+                        <a:effectLst/>
+                        <a:latin typeface="Segoe Print" panose="02000600000000000000" pitchFamily="2" charset="0"/>
+                        <a:ea typeface="Tahoma" panose="020B0604030504040204" pitchFamily="34" charset="0"/>
+                        <a:cs typeface="Tahoma" panose="020B0604030504040204" pitchFamily="34" charset="0"/>
+                      </a:endParaRPr>
+                    </a:p>
+                  </a:txBody>
+                  <a:tcPr anchor="ctr">
+                    <a:solidFill>
+                      <a:schemeClr val="accent6">
+                        <a:tint val="40000"/>
+                        <a:alpha val="80000"/>
+                      </a:schemeClr>
+                    </a:solidFill>
+                  </a:tcPr>
+                </a:tc>
+                <a:tc>
+                  <a:txBody>
+                    <a:bodyPr/>
+                    <a:lstStyle/>
+                    <a:p>
+                      <a:pPr algn="ctr"/>
+                      <a:r>
+                        <a:rPr lang="en-US" sz="2000" noProof="0" dirty="0" smtClean="0">
+                          <a:effectLst/>
+                          <a:latin typeface="Segoe Print" panose="02000600000000000000" pitchFamily="2" charset="0"/>
+                          <a:ea typeface="Tahoma" panose="020B0604030504040204" pitchFamily="34" charset="0"/>
+                          <a:cs typeface="Tahoma" panose="020B0604030504040204" pitchFamily="34" charset="0"/>
+                        </a:rPr>
+                        <a:t>8</a:t>
+                      </a:r>
+                      <a:r>
+                        <a:rPr lang="uk-UA" sz="2000" noProof="0" dirty="0" smtClean="0">
+                          <a:effectLst/>
+                          <a:latin typeface="Segoe Print" panose="02000600000000000000" pitchFamily="2" charset="0"/>
+                          <a:ea typeface="Tahoma" panose="020B0604030504040204" pitchFamily="34" charset="0"/>
+                          <a:cs typeface="Tahoma" panose="020B0604030504040204" pitchFamily="34" charset="0"/>
+                        </a:rPr>
+                        <a:t> </a:t>
+                      </a:r>
+                      <a:r>
+                        <a:rPr lang="uk-UA" sz="2000" noProof="0" dirty="0" smtClean="0">
+                          <a:effectLst/>
+                          <a:latin typeface="Segoe Print" panose="02000600000000000000" pitchFamily="2" charset="0"/>
+                          <a:ea typeface="Tahoma" panose="020B0604030504040204" pitchFamily="34" charset="0"/>
+                          <a:cs typeface="Tahoma" panose="020B0604030504040204" pitchFamily="34" charset="0"/>
+                        </a:rPr>
+                        <a:t>000 грн</a:t>
+                      </a:r>
+                      <a:endParaRPr lang="uk-UA" sz="2000" noProof="0" dirty="0">
+                        <a:effectLst/>
+                        <a:latin typeface="Segoe Print" panose="02000600000000000000" pitchFamily="2" charset="0"/>
+                        <a:ea typeface="Tahoma" panose="020B0604030504040204" pitchFamily="34" charset="0"/>
+                        <a:cs typeface="Tahoma" panose="020B0604030504040204" pitchFamily="34" charset="0"/>
+                      </a:endParaRPr>
+                    </a:p>
+                  </a:txBody>
+                  <a:tcPr anchor="ctr">
+                    <a:solidFill>
+                      <a:schemeClr val="accent6">
+                        <a:tint val="40000"/>
+                        <a:alpha val="80000"/>
+                      </a:schemeClr>
+                    </a:solidFill>
+                  </a:tcPr>
+                </a:tc>
+              </a:tr>
+              <a:tr h="504000">
+                <a:tc>
+                  <a:txBody>
+                    <a:bodyPr/>
+                    <a:lstStyle/>
+                    <a:p>
+                      <a:pPr algn="l"/>
+                      <a:r>
+                        <a:rPr lang="uk-UA" sz="2000" b="1" i="0" noProof="0" dirty="0" smtClean="0">
+                          <a:effectLst/>
+                          <a:latin typeface="Segoe Print" panose="02000600000000000000" pitchFamily="2" charset="0"/>
+                          <a:ea typeface="Tahoma" panose="020B0604030504040204" pitchFamily="34" charset="0"/>
+                          <a:cs typeface="Tahoma" panose="020B0604030504040204" pitchFamily="34" charset="0"/>
+                        </a:rPr>
+                        <a:t>Манікюрна витяжка</a:t>
+                      </a:r>
+                      <a:endParaRPr lang="uk-UA" sz="2000" b="1" i="0" noProof="0" dirty="0">
+                        <a:effectLst/>
+                        <a:latin typeface="Segoe Print" panose="02000600000000000000" pitchFamily="2" charset="0"/>
+                        <a:ea typeface="Tahoma" panose="020B0604030504040204" pitchFamily="34" charset="0"/>
+                        <a:cs typeface="Tahoma" panose="020B0604030504040204" pitchFamily="34" charset="0"/>
+                      </a:endParaRPr>
+                    </a:p>
+                  </a:txBody>
+                  <a:tcPr anchor="ctr">
+                    <a:solidFill>
+                      <a:schemeClr val="accent6">
+                        <a:tint val="20000"/>
+                        <a:alpha val="80000"/>
+                      </a:schemeClr>
+                    </a:solidFill>
+                  </a:tcPr>
+                </a:tc>
+                <a:tc>
+                  <a:txBody>
+                    <a:bodyPr/>
+                    <a:lstStyle/>
+                    <a:p>
+                      <a:pPr algn="ctr"/>
+                      <a:r>
+                        <a:rPr lang="en-US" sz="2000" noProof="0" dirty="0" smtClean="0">
+                          <a:effectLst/>
+                          <a:latin typeface="Segoe Print" panose="02000600000000000000" pitchFamily="2" charset="0"/>
+                          <a:ea typeface="Tahoma" panose="020B0604030504040204" pitchFamily="34" charset="0"/>
+                          <a:cs typeface="Tahoma" panose="020B0604030504040204" pitchFamily="34" charset="0"/>
+                        </a:rPr>
+                        <a:t>8</a:t>
+                      </a:r>
+                      <a:r>
+                        <a:rPr lang="uk-UA" sz="2000" noProof="0" dirty="0" smtClean="0">
+                          <a:effectLst/>
+                          <a:latin typeface="Segoe Print" panose="02000600000000000000" pitchFamily="2" charset="0"/>
+                          <a:ea typeface="Tahoma" panose="020B0604030504040204" pitchFamily="34" charset="0"/>
+                          <a:cs typeface="Tahoma" panose="020B0604030504040204" pitchFamily="34" charset="0"/>
+                        </a:rPr>
+                        <a:t> </a:t>
+                      </a:r>
+                      <a:r>
+                        <a:rPr lang="uk-UA" sz="2000" noProof="0" dirty="0" smtClean="0">
+                          <a:effectLst/>
+                          <a:latin typeface="Segoe Print" panose="02000600000000000000" pitchFamily="2" charset="0"/>
+                          <a:ea typeface="Tahoma" panose="020B0604030504040204" pitchFamily="34" charset="0"/>
+                          <a:cs typeface="Tahoma" panose="020B0604030504040204" pitchFamily="34" charset="0"/>
+                        </a:rPr>
+                        <a:t>000 грн</a:t>
+                      </a:r>
+                      <a:endParaRPr lang="uk-UA" sz="2000" noProof="0" dirty="0">
+                        <a:effectLst/>
+                        <a:latin typeface="Segoe Print" panose="02000600000000000000" pitchFamily="2" charset="0"/>
+                        <a:ea typeface="Tahoma" panose="020B0604030504040204" pitchFamily="34" charset="0"/>
+                        <a:cs typeface="Tahoma" panose="020B0604030504040204" pitchFamily="34" charset="0"/>
+                      </a:endParaRPr>
+                    </a:p>
+                  </a:txBody>
+                  <a:tcPr anchor="ctr">
+                    <a:solidFill>
+                      <a:schemeClr val="accent6">
+                        <a:tint val="20000"/>
+                        <a:alpha val="80000"/>
+                      </a:schemeClr>
+                    </a:solidFill>
+                  </a:tcPr>
+                </a:tc>
+                <a:tc>
+                  <a:txBody>
+                    <a:bodyPr/>
+                    <a:lstStyle/>
+                    <a:p>
+                      <a:pPr algn="ctr"/>
+                      <a:r>
+                        <a:rPr lang="en-US" sz="2000" noProof="0" dirty="0" smtClean="0">
+                          <a:effectLst/>
+                          <a:latin typeface="Segoe Print" panose="02000600000000000000" pitchFamily="2" charset="0"/>
+                        </a:rPr>
+                        <a:t>2</a:t>
+                      </a:r>
+                      <a:endParaRPr lang="uk-UA" sz="2000" noProof="0" dirty="0">
+                        <a:effectLst/>
+                        <a:latin typeface="Segoe Print" panose="02000600000000000000" pitchFamily="2" charset="0"/>
+                        <a:ea typeface="Tahoma" panose="020B0604030504040204" pitchFamily="34" charset="0"/>
+                        <a:cs typeface="Tahoma" panose="020B0604030504040204" pitchFamily="34" charset="0"/>
+                      </a:endParaRPr>
+                    </a:p>
+                  </a:txBody>
+                  <a:tcPr anchor="ctr">
+                    <a:solidFill>
+                      <a:schemeClr val="accent6">
+                        <a:tint val="20000"/>
+                        <a:alpha val="80000"/>
+                      </a:schemeClr>
+                    </a:solidFill>
+                  </a:tcPr>
+                </a:tc>
+                <a:tc>
+                  <a:txBody>
+                    <a:bodyPr/>
+                    <a:lstStyle/>
+                    <a:p>
+                      <a:pPr algn="ctr"/>
+                      <a:r>
+                        <a:rPr lang="en-US" sz="2000" b="0" noProof="0" dirty="0" smtClean="0">
+                          <a:effectLst/>
+                          <a:latin typeface="Segoe Print" panose="02000600000000000000" pitchFamily="2" charset="0"/>
+                          <a:ea typeface="Tahoma" panose="020B0604030504040204" pitchFamily="34" charset="0"/>
+                          <a:cs typeface="Tahoma" panose="020B0604030504040204" pitchFamily="34" charset="0"/>
+                        </a:rPr>
+                        <a:t>16</a:t>
+                      </a:r>
+                      <a:r>
+                        <a:rPr lang="uk-UA" sz="2000" b="0" noProof="0" dirty="0" smtClean="0">
+                          <a:effectLst/>
+                          <a:latin typeface="Segoe Print" panose="02000600000000000000" pitchFamily="2" charset="0"/>
+                          <a:ea typeface="Tahoma" panose="020B0604030504040204" pitchFamily="34" charset="0"/>
+                          <a:cs typeface="Tahoma" panose="020B0604030504040204" pitchFamily="34" charset="0"/>
+                        </a:rPr>
+                        <a:t> </a:t>
+                      </a:r>
+                      <a:r>
+                        <a:rPr lang="uk-UA" sz="2000" b="0" noProof="0" dirty="0" smtClean="0">
+                          <a:effectLst/>
+                          <a:latin typeface="Segoe Print" panose="02000600000000000000" pitchFamily="2" charset="0"/>
+                          <a:ea typeface="Tahoma" panose="020B0604030504040204" pitchFamily="34" charset="0"/>
+                          <a:cs typeface="Tahoma" panose="020B0604030504040204" pitchFamily="34" charset="0"/>
+                        </a:rPr>
+                        <a:t>000 грн</a:t>
+                      </a:r>
+                      <a:endParaRPr lang="uk-UA" sz="2000" b="0" noProof="0" dirty="0">
+                        <a:effectLst/>
+                        <a:latin typeface="Segoe Print" panose="02000600000000000000" pitchFamily="2" charset="0"/>
+                        <a:ea typeface="Tahoma" panose="020B0604030504040204" pitchFamily="34" charset="0"/>
+                        <a:cs typeface="Tahoma" panose="020B0604030504040204" pitchFamily="34" charset="0"/>
+                      </a:endParaRPr>
+                    </a:p>
+                  </a:txBody>
+                  <a:tcPr anchor="ctr">
+                    <a:solidFill>
+                      <a:schemeClr val="accent6">
+                        <a:tint val="20000"/>
+                        <a:alpha val="80000"/>
+                      </a:schemeClr>
+                    </a:solidFill>
+                  </a:tcPr>
+                </a:tc>
+              </a:tr>
+              <a:tr h="504000">
+                <a:tc>
+                  <a:txBody>
+                    <a:bodyPr/>
+                    <a:lstStyle/>
+                    <a:p>
+                      <a:pPr algn="l"/>
+                      <a:r>
+                        <a:rPr lang="uk-UA" sz="2000" b="1" i="0" noProof="0" dirty="0" smtClean="0">
+                          <a:effectLst/>
+                          <a:latin typeface="Segoe Print" panose="02000600000000000000" pitchFamily="2" charset="0"/>
+                          <a:ea typeface="Tahoma" panose="020B0604030504040204" pitchFamily="34" charset="0"/>
+                          <a:cs typeface="Tahoma" panose="020B0604030504040204" pitchFamily="34" charset="0"/>
+                        </a:rPr>
+                        <a:t>Манікюрна лампа</a:t>
+                      </a:r>
+                      <a:endParaRPr lang="uk-UA" sz="2000" b="1" i="0" noProof="0" dirty="0">
+                        <a:effectLst/>
+                        <a:latin typeface="Segoe Print" panose="02000600000000000000" pitchFamily="2" charset="0"/>
+                        <a:ea typeface="Tahoma" panose="020B0604030504040204" pitchFamily="34" charset="0"/>
+                        <a:cs typeface="Tahoma" panose="020B0604030504040204" pitchFamily="34" charset="0"/>
+                      </a:endParaRPr>
+                    </a:p>
+                  </a:txBody>
+                  <a:tcPr anchor="ctr">
+                    <a:solidFill>
+                      <a:schemeClr val="accent6">
+                        <a:tint val="40000"/>
+                        <a:alpha val="80000"/>
+                      </a:schemeClr>
+                    </a:solidFill>
+                  </a:tcPr>
+                </a:tc>
+                <a:tc>
+                  <a:txBody>
+                    <a:bodyPr/>
+                    <a:lstStyle/>
+                    <a:p>
+                      <a:pPr algn="ctr"/>
+                      <a:r>
+                        <a:rPr lang="en-US" sz="2000" noProof="0" dirty="0" smtClean="0">
+                          <a:effectLst/>
+                          <a:latin typeface="Segoe Print" panose="02000600000000000000" pitchFamily="2" charset="0"/>
+                          <a:ea typeface="Tahoma" panose="020B0604030504040204" pitchFamily="34" charset="0"/>
+                          <a:cs typeface="Tahoma" panose="020B0604030504040204" pitchFamily="34" charset="0"/>
+                        </a:rPr>
+                        <a:t>2</a:t>
+                      </a:r>
+                      <a:r>
+                        <a:rPr lang="uk-UA" sz="2000" noProof="0" dirty="0" smtClean="0">
+                          <a:effectLst/>
+                          <a:latin typeface="Segoe Print" panose="02000600000000000000" pitchFamily="2" charset="0"/>
+                          <a:ea typeface="Tahoma" panose="020B0604030504040204" pitchFamily="34" charset="0"/>
+                          <a:cs typeface="Tahoma" panose="020B0604030504040204" pitchFamily="34" charset="0"/>
+                        </a:rPr>
+                        <a:t> </a:t>
+                      </a:r>
+                      <a:r>
+                        <a:rPr lang="uk-UA" sz="2000" noProof="0" dirty="0" smtClean="0">
+                          <a:effectLst/>
+                          <a:latin typeface="Segoe Print" panose="02000600000000000000" pitchFamily="2" charset="0"/>
+                          <a:ea typeface="Tahoma" panose="020B0604030504040204" pitchFamily="34" charset="0"/>
+                          <a:cs typeface="Tahoma" panose="020B0604030504040204" pitchFamily="34" charset="0"/>
+                        </a:rPr>
+                        <a:t>000 грн</a:t>
+                      </a:r>
+                      <a:endParaRPr lang="uk-UA" sz="2000" noProof="0" dirty="0">
+                        <a:effectLst/>
+                        <a:latin typeface="Segoe Print" panose="02000600000000000000" pitchFamily="2" charset="0"/>
+                        <a:ea typeface="Tahoma" panose="020B0604030504040204" pitchFamily="34" charset="0"/>
+                        <a:cs typeface="Tahoma" panose="020B0604030504040204" pitchFamily="34" charset="0"/>
+                      </a:endParaRPr>
+                    </a:p>
+                  </a:txBody>
+                  <a:tcPr anchor="ctr">
+                    <a:solidFill>
+                      <a:schemeClr val="accent6">
+                        <a:tint val="40000"/>
+                        <a:alpha val="80000"/>
+                      </a:schemeClr>
+                    </a:solidFill>
+                  </a:tcPr>
+                </a:tc>
+                <a:tc>
+                  <a:txBody>
+                    <a:bodyPr/>
+                    <a:lstStyle/>
+                    <a:p>
+                      <a:pPr algn="ctr"/>
+                      <a:r>
+                        <a:rPr lang="uk-UA" sz="2000" noProof="0" dirty="0" smtClean="0">
+                          <a:effectLst/>
+                          <a:latin typeface="Segoe Print" panose="02000600000000000000" pitchFamily="2" charset="0"/>
+                          <a:ea typeface="Tahoma" panose="020B0604030504040204" pitchFamily="34" charset="0"/>
+                          <a:cs typeface="Tahoma" panose="020B0604030504040204" pitchFamily="34" charset="0"/>
+                        </a:rPr>
+                        <a:t>2</a:t>
+                      </a:r>
+                      <a:endParaRPr lang="uk-UA" sz="2000" noProof="0" dirty="0">
+                        <a:effectLst/>
+                        <a:latin typeface="Segoe Print" panose="02000600000000000000" pitchFamily="2" charset="0"/>
+                        <a:ea typeface="Tahoma" panose="020B0604030504040204" pitchFamily="34" charset="0"/>
+                        <a:cs typeface="Tahoma" panose="020B0604030504040204" pitchFamily="34" charset="0"/>
+                      </a:endParaRPr>
+                    </a:p>
+                  </a:txBody>
+                  <a:tcPr anchor="ctr">
+                    <a:solidFill>
+                      <a:schemeClr val="accent6">
+                        <a:tint val="40000"/>
+                        <a:alpha val="80000"/>
+                      </a:schemeClr>
+                    </a:solidFill>
+                  </a:tcPr>
+                </a:tc>
+                <a:tc>
+                  <a:txBody>
+                    <a:bodyPr/>
+                    <a:lstStyle/>
+                    <a:p>
+                      <a:pPr algn="ctr"/>
+                      <a:r>
+                        <a:rPr lang="en-US" sz="2000" noProof="0" dirty="0" smtClean="0">
+                          <a:effectLst/>
+                          <a:latin typeface="Segoe Print" panose="02000600000000000000" pitchFamily="2" charset="0"/>
+                          <a:ea typeface="Tahoma" panose="020B0604030504040204" pitchFamily="34" charset="0"/>
+                          <a:cs typeface="Tahoma" panose="020B0604030504040204" pitchFamily="34" charset="0"/>
+                        </a:rPr>
+                        <a:t>4</a:t>
+                      </a:r>
+                      <a:r>
+                        <a:rPr lang="uk-UA" sz="2000" noProof="0" dirty="0" smtClean="0">
+                          <a:effectLst/>
+                          <a:latin typeface="Segoe Print" panose="02000600000000000000" pitchFamily="2" charset="0"/>
+                          <a:ea typeface="Tahoma" panose="020B0604030504040204" pitchFamily="34" charset="0"/>
+                          <a:cs typeface="Tahoma" panose="020B0604030504040204" pitchFamily="34" charset="0"/>
+                        </a:rPr>
+                        <a:t> </a:t>
+                      </a:r>
+                      <a:r>
+                        <a:rPr lang="uk-UA" sz="2000" noProof="0" dirty="0" smtClean="0">
+                          <a:effectLst/>
+                          <a:latin typeface="Segoe Print" panose="02000600000000000000" pitchFamily="2" charset="0"/>
+                          <a:ea typeface="Tahoma" panose="020B0604030504040204" pitchFamily="34" charset="0"/>
+                          <a:cs typeface="Tahoma" panose="020B0604030504040204" pitchFamily="34" charset="0"/>
+                        </a:rPr>
+                        <a:t>000 грн</a:t>
+                      </a:r>
+                      <a:endParaRPr lang="uk-UA" sz="2000" noProof="0" dirty="0">
+                        <a:effectLst/>
+                        <a:latin typeface="Segoe Print" panose="02000600000000000000" pitchFamily="2" charset="0"/>
+                        <a:ea typeface="Tahoma" panose="020B0604030504040204" pitchFamily="34" charset="0"/>
+                        <a:cs typeface="Tahoma" panose="020B0604030504040204" pitchFamily="34" charset="0"/>
+                      </a:endParaRPr>
+                    </a:p>
+                  </a:txBody>
+                  <a:tcPr anchor="ctr">
+                    <a:solidFill>
+                      <a:schemeClr val="accent6">
+                        <a:tint val="40000"/>
+                        <a:alpha val="80000"/>
+                      </a:schemeClr>
+                    </a:solidFill>
+                  </a:tcPr>
+                </a:tc>
+              </a:tr>
+              <a:tr h="504000">
+                <a:tc>
+                  <a:txBody>
+                    <a:bodyPr/>
+                    <a:lstStyle/>
+                    <a:p>
+                      <a:pPr algn="l"/>
+                      <a:r>
+                        <a:rPr lang="uk-UA" sz="2000" b="1" i="0" noProof="0" dirty="0" smtClean="0">
+                          <a:effectLst/>
+                          <a:latin typeface="Segoe Print" panose="02000600000000000000" pitchFamily="2" charset="0"/>
+                          <a:ea typeface="Tahoma" panose="020B0604030504040204" pitchFamily="34" charset="0"/>
+                          <a:cs typeface="Tahoma" panose="020B0604030504040204" pitchFamily="34" charset="0"/>
+                        </a:rPr>
+                        <a:t>Манікюрний столик</a:t>
+                      </a:r>
+                      <a:endParaRPr lang="uk-UA" sz="2000" b="1" i="0" noProof="0" dirty="0">
+                        <a:effectLst/>
+                        <a:latin typeface="Segoe Print" panose="02000600000000000000" pitchFamily="2" charset="0"/>
+                        <a:ea typeface="Tahoma" panose="020B0604030504040204" pitchFamily="34" charset="0"/>
+                        <a:cs typeface="Tahoma" panose="020B0604030504040204" pitchFamily="34" charset="0"/>
+                      </a:endParaRPr>
+                    </a:p>
+                  </a:txBody>
+                  <a:tcPr anchor="ctr">
+                    <a:solidFill>
+                      <a:schemeClr val="accent6">
+                        <a:tint val="20000"/>
+                        <a:alpha val="80000"/>
+                      </a:schemeClr>
+                    </a:solidFill>
+                  </a:tcPr>
+                </a:tc>
+                <a:tc>
+                  <a:txBody>
+                    <a:bodyPr/>
+                    <a:lstStyle/>
+                    <a:p>
+                      <a:pPr algn="ctr"/>
+                      <a:r>
+                        <a:rPr lang="en-US" sz="2000" noProof="0" dirty="0" smtClean="0">
+                          <a:effectLst/>
+                          <a:latin typeface="Segoe Print" panose="02000600000000000000" pitchFamily="2" charset="0"/>
+                          <a:ea typeface="Tahoma" panose="020B0604030504040204" pitchFamily="34" charset="0"/>
+                          <a:cs typeface="Tahoma" panose="020B0604030504040204" pitchFamily="34" charset="0"/>
+                        </a:rPr>
+                        <a:t>4</a:t>
+                      </a:r>
+                      <a:r>
+                        <a:rPr lang="uk-UA" sz="2000" noProof="0" dirty="0" smtClean="0">
+                          <a:effectLst/>
+                          <a:latin typeface="Segoe Print" panose="02000600000000000000" pitchFamily="2" charset="0"/>
+                          <a:ea typeface="Tahoma" panose="020B0604030504040204" pitchFamily="34" charset="0"/>
+                          <a:cs typeface="Tahoma" panose="020B0604030504040204" pitchFamily="34" charset="0"/>
+                        </a:rPr>
+                        <a:t> </a:t>
+                      </a:r>
+                      <a:r>
+                        <a:rPr lang="uk-UA" sz="2000" noProof="0" dirty="0" smtClean="0">
+                          <a:effectLst/>
+                          <a:latin typeface="Segoe Print" panose="02000600000000000000" pitchFamily="2" charset="0"/>
+                          <a:ea typeface="Tahoma" panose="020B0604030504040204" pitchFamily="34" charset="0"/>
+                          <a:cs typeface="Tahoma" panose="020B0604030504040204" pitchFamily="34" charset="0"/>
+                        </a:rPr>
+                        <a:t>000 грн</a:t>
+                      </a:r>
+                      <a:endParaRPr lang="uk-UA" sz="2000" noProof="0" dirty="0">
+                        <a:effectLst/>
+                        <a:latin typeface="Segoe Print" panose="02000600000000000000" pitchFamily="2" charset="0"/>
+                        <a:ea typeface="Tahoma" panose="020B0604030504040204" pitchFamily="34" charset="0"/>
+                        <a:cs typeface="Tahoma" panose="020B0604030504040204" pitchFamily="34" charset="0"/>
+                      </a:endParaRPr>
+                    </a:p>
+                  </a:txBody>
+                  <a:tcPr anchor="ctr">
+                    <a:solidFill>
+                      <a:schemeClr val="accent6">
+                        <a:tint val="20000"/>
+                        <a:alpha val="80000"/>
+                      </a:schemeClr>
+                    </a:solidFill>
+                  </a:tcPr>
+                </a:tc>
+                <a:tc>
+                  <a:txBody>
+                    <a:bodyPr/>
+                    <a:lstStyle/>
+                    <a:p>
+                      <a:pPr algn="ctr"/>
+                      <a:r>
+                        <a:rPr lang="en-US" sz="2000" noProof="0" dirty="0" smtClean="0">
+                          <a:effectLst/>
+                          <a:latin typeface="Segoe Print" panose="02000600000000000000" pitchFamily="2" charset="0"/>
+                        </a:rPr>
+                        <a:t>4</a:t>
+                      </a:r>
+                      <a:endParaRPr lang="uk-UA" sz="2000" noProof="0" dirty="0">
+                        <a:effectLst/>
+                        <a:latin typeface="Segoe Print" panose="02000600000000000000" pitchFamily="2" charset="0"/>
+                        <a:ea typeface="Tahoma" panose="020B0604030504040204" pitchFamily="34" charset="0"/>
+                        <a:cs typeface="Tahoma" panose="020B0604030504040204" pitchFamily="34" charset="0"/>
+                      </a:endParaRPr>
+                    </a:p>
+                  </a:txBody>
+                  <a:tcPr anchor="ctr">
+                    <a:solidFill>
+                      <a:schemeClr val="accent6">
+                        <a:tint val="20000"/>
+                        <a:alpha val="80000"/>
+                      </a:schemeClr>
+                    </a:solidFill>
+                  </a:tcPr>
+                </a:tc>
+                <a:tc>
+                  <a:txBody>
+                    <a:bodyPr/>
+                    <a:lstStyle/>
+                    <a:p>
+                      <a:pPr algn="ctr"/>
+                      <a:r>
+                        <a:rPr lang="uk-UA" sz="2000" noProof="0" dirty="0" smtClean="0">
+                          <a:effectLst/>
+                          <a:latin typeface="Segoe Print" panose="02000600000000000000" pitchFamily="2" charset="0"/>
+                          <a:ea typeface="Tahoma" panose="020B0604030504040204" pitchFamily="34" charset="0"/>
+                          <a:cs typeface="Tahoma" panose="020B0604030504040204" pitchFamily="34" charset="0"/>
+                        </a:rPr>
+                        <a:t>16 000 грн</a:t>
+                      </a:r>
+                      <a:endParaRPr lang="uk-UA" sz="2000" noProof="0" dirty="0">
+                        <a:effectLst/>
+                        <a:latin typeface="Segoe Print" panose="02000600000000000000" pitchFamily="2" charset="0"/>
+                        <a:ea typeface="Tahoma" panose="020B0604030504040204" pitchFamily="34" charset="0"/>
+                        <a:cs typeface="Tahoma" panose="020B0604030504040204" pitchFamily="34" charset="0"/>
+                      </a:endParaRPr>
+                    </a:p>
+                  </a:txBody>
+                  <a:tcPr anchor="ctr">
+                    <a:solidFill>
+                      <a:schemeClr val="accent6">
+                        <a:tint val="20000"/>
+                        <a:alpha val="80000"/>
+                      </a:schemeClr>
+                    </a:solidFill>
+                  </a:tcPr>
+                </a:tc>
+              </a:tr>
+              <a:tr h="504000">
+                <a:tc>
+                  <a:txBody>
+                    <a:bodyPr/>
+                    <a:lstStyle/>
+                    <a:p>
+                      <a:r>
+                        <a:rPr lang="uk-UA" sz="2000" b="1" noProof="0" dirty="0" smtClean="0">
+                          <a:latin typeface="Segoe Print" panose="02000600000000000000" pitchFamily="2" charset="0"/>
+                        </a:rPr>
+                        <a:t>Підставки для лаків</a:t>
+                      </a:r>
+                      <a:endParaRPr lang="uk-UA" sz="2000" b="1" noProof="0" dirty="0">
+                        <a:latin typeface="Segoe Print" panose="02000600000000000000" pitchFamily="2" charset="0"/>
+                      </a:endParaRPr>
+                    </a:p>
+                  </a:txBody>
+                  <a:tcPr anchor="ctr">
+                    <a:solidFill>
+                      <a:schemeClr val="accent6">
+                        <a:tint val="40000"/>
+                        <a:alpha val="80000"/>
+                      </a:schemeClr>
+                    </a:solidFill>
+                  </a:tcPr>
+                </a:tc>
+                <a:tc>
+                  <a:txBody>
+                    <a:bodyPr/>
+                    <a:lstStyle/>
+                    <a:p>
+                      <a:pPr algn="ctr"/>
+                      <a:r>
+                        <a:rPr lang="en-US" sz="2000" noProof="0" dirty="0" smtClean="0">
+                          <a:latin typeface="Segoe Print" panose="02000600000000000000" pitchFamily="2" charset="0"/>
+                        </a:rPr>
+                        <a:t>1</a:t>
+                      </a:r>
+                      <a:r>
+                        <a:rPr lang="uk-UA" sz="2000" noProof="0" dirty="0" smtClean="0">
+                          <a:latin typeface="Segoe Print" panose="02000600000000000000" pitchFamily="2" charset="0"/>
+                        </a:rPr>
+                        <a:t> </a:t>
+                      </a:r>
+                      <a:r>
+                        <a:rPr lang="en-US" sz="2000" noProof="0" dirty="0" smtClean="0">
+                          <a:latin typeface="Segoe Print" panose="02000600000000000000" pitchFamily="2" charset="0"/>
+                        </a:rPr>
+                        <a:t>5</a:t>
+                      </a:r>
+                      <a:r>
+                        <a:rPr lang="uk-UA" sz="2000" noProof="0" dirty="0" smtClean="0">
+                          <a:latin typeface="Segoe Print" panose="02000600000000000000" pitchFamily="2" charset="0"/>
+                        </a:rPr>
+                        <a:t>00 </a:t>
+                      </a:r>
+                      <a:r>
+                        <a:rPr lang="uk-UA" sz="2000" noProof="0" dirty="0" smtClean="0">
+                          <a:latin typeface="Segoe Print" panose="02000600000000000000" pitchFamily="2" charset="0"/>
+                        </a:rPr>
+                        <a:t>грн</a:t>
+                      </a:r>
+                      <a:endParaRPr lang="uk-UA" sz="2000" noProof="0" dirty="0">
+                        <a:latin typeface="Segoe Print" panose="02000600000000000000" pitchFamily="2" charset="0"/>
+                      </a:endParaRPr>
+                    </a:p>
+                  </a:txBody>
+                  <a:tcPr anchor="ctr">
+                    <a:solidFill>
+                      <a:schemeClr val="accent6">
+                        <a:tint val="40000"/>
+                        <a:alpha val="80000"/>
+                      </a:schemeClr>
+                    </a:solidFill>
+                  </a:tcPr>
+                </a:tc>
+                <a:tc>
+                  <a:txBody>
+                    <a:bodyPr/>
+                    <a:lstStyle/>
+                    <a:p>
+                      <a:pPr algn="ctr"/>
+                      <a:r>
+                        <a:rPr lang="en-US" sz="2000" noProof="0" dirty="0" smtClean="0">
+                          <a:latin typeface="Segoe Print" panose="02000600000000000000" pitchFamily="2" charset="0"/>
+                        </a:rPr>
+                        <a:t>2</a:t>
+                      </a:r>
+                      <a:endParaRPr lang="uk-UA" sz="2000" noProof="0" dirty="0">
+                        <a:latin typeface="Segoe Print" panose="02000600000000000000" pitchFamily="2" charset="0"/>
+                      </a:endParaRPr>
+                    </a:p>
+                  </a:txBody>
+                  <a:tcPr anchor="ctr">
+                    <a:solidFill>
+                      <a:schemeClr val="accent6">
+                        <a:tint val="40000"/>
+                        <a:alpha val="80000"/>
+                      </a:schemeClr>
+                    </a:solidFill>
+                  </a:tcPr>
+                </a:tc>
+                <a:tc>
+                  <a:txBody>
+                    <a:bodyPr/>
+                    <a:lstStyle/>
+                    <a:p>
+                      <a:pPr algn="ctr"/>
+                      <a:r>
+                        <a:rPr lang="en-US" sz="2000" noProof="0" dirty="0" smtClean="0">
+                          <a:latin typeface="Segoe Print" panose="02000600000000000000" pitchFamily="2" charset="0"/>
+                        </a:rPr>
+                        <a:t>3</a:t>
+                      </a:r>
+                      <a:r>
+                        <a:rPr lang="uk-UA" sz="2000" noProof="0" dirty="0" smtClean="0">
+                          <a:latin typeface="Segoe Print" panose="02000600000000000000" pitchFamily="2" charset="0"/>
+                        </a:rPr>
+                        <a:t> </a:t>
+                      </a:r>
+                      <a:r>
+                        <a:rPr lang="uk-UA" sz="2000" noProof="0" dirty="0" smtClean="0">
+                          <a:latin typeface="Segoe Print" panose="02000600000000000000" pitchFamily="2" charset="0"/>
+                        </a:rPr>
+                        <a:t>000 грн</a:t>
+                      </a:r>
+                      <a:endParaRPr lang="uk-UA" sz="2000" noProof="0" dirty="0">
+                        <a:latin typeface="Segoe Print" panose="02000600000000000000" pitchFamily="2" charset="0"/>
+                      </a:endParaRPr>
+                    </a:p>
+                  </a:txBody>
+                  <a:tcPr anchor="ctr">
+                    <a:solidFill>
+                      <a:schemeClr val="accent6">
+                        <a:tint val="40000"/>
+                        <a:alpha val="80000"/>
+                      </a:schemeClr>
+                    </a:solidFill>
+                  </a:tcPr>
+                </a:tc>
+              </a:tr>
+              <a:tr h="540000">
+                <a:tc gridSpan="3">
+                  <a:txBody>
+                    <a:bodyPr/>
+                    <a:lstStyle/>
+                    <a:p>
+                      <a:pPr algn="r"/>
+                      <a:r>
+                        <a:rPr lang="uk-UA" sz="2800" noProof="0" dirty="0" smtClean="0">
+                          <a:gradFill flip="none" rotWithShape="1">
+                            <a:gsLst>
+                              <a:gs pos="0">
+                                <a:schemeClr val="tx1">
+                                  <a:lumMod val="95000"/>
+                                  <a:lumOff val="5000"/>
+                                </a:schemeClr>
+                              </a:gs>
+                              <a:gs pos="100000">
+                                <a:schemeClr val="tx1">
+                                  <a:lumMod val="85000"/>
+                                  <a:lumOff val="15000"/>
+                                </a:schemeClr>
+                              </a:gs>
+                            </a:gsLst>
+                            <a:lin ang="18900000" scaled="1"/>
+                            <a:tileRect/>
+                          </a:gradFill>
+                          <a:effectLst/>
+                          <a:latin typeface="Tahoma" panose="020B0604030504040204" pitchFamily="34" charset="0"/>
+                          <a:ea typeface="Tahoma" panose="020B0604030504040204" pitchFamily="34" charset="0"/>
+                          <a:cs typeface="Tahoma" panose="020B0604030504040204" pitchFamily="34" charset="0"/>
+                        </a:rPr>
+                        <a:t>Всього:</a:t>
+                      </a:r>
+                      <a:endParaRPr lang="uk-UA" sz="2800" b="1" i="0" noProof="0" dirty="0">
+                        <a:gradFill flip="none" rotWithShape="1">
+                          <a:gsLst>
+                            <a:gs pos="0">
+                              <a:schemeClr val="tx1">
+                                <a:lumMod val="95000"/>
+                                <a:lumOff val="5000"/>
+                              </a:schemeClr>
+                            </a:gs>
+                            <a:gs pos="100000">
+                              <a:schemeClr val="tx1">
+                                <a:lumMod val="85000"/>
+                                <a:lumOff val="15000"/>
+                              </a:schemeClr>
+                            </a:gs>
+                          </a:gsLst>
+                          <a:lin ang="18900000" scaled="1"/>
+                          <a:tileRect/>
+                        </a:gradFill>
+                        <a:effectLst/>
+                        <a:latin typeface="Tahoma" panose="020B0604030504040204" pitchFamily="34" charset="0"/>
+                        <a:ea typeface="Tahoma" panose="020B0604030504040204" pitchFamily="34" charset="0"/>
+                        <a:cs typeface="Tahoma" panose="020B0604030504040204" pitchFamily="34" charset="0"/>
+                      </a:endParaRPr>
+                    </a:p>
+                  </a:txBody>
+                  <a:tcPr anchor="ctr">
+                    <a:solidFill>
+                      <a:schemeClr val="accent6">
+                        <a:alpha val="80000"/>
+                      </a:schemeClr>
+                    </a:solidFill>
+                  </a:tcPr>
+                </a:tc>
+                <a:tc hMerge="1">
+                  <a:txBody>
+                    <a:bodyPr/>
+                    <a:lstStyle/>
+                    <a:p>
+                      <a:pPr algn="ctr"/>
+                      <a:endParaRPr lang="ru-RU" sz="2000" dirty="0">
+                        <a:latin typeface="Segoe Print" panose="02000600000000000000" pitchFamily="2" charset="0"/>
+                      </a:endParaRPr>
+                    </a:p>
+                  </a:txBody>
+                  <a:tcPr anchor="ctr"/>
+                </a:tc>
+                <a:tc hMerge="1">
+                  <a:txBody>
+                    <a:bodyPr/>
+                    <a:lstStyle/>
+                    <a:p>
+                      <a:pPr algn="ctr"/>
+                      <a:endParaRPr lang="ru-RU" sz="2000" dirty="0">
+                        <a:latin typeface="Segoe Print" panose="02000600000000000000" pitchFamily="2" charset="0"/>
+                      </a:endParaRPr>
+                    </a:p>
+                  </a:txBody>
+                  <a:tcPr anchor="ctr"/>
+                </a:tc>
+                <a:tc>
+                  <a:txBody>
+                    <a:bodyPr/>
+                    <a:lstStyle/>
+                    <a:p>
+                      <a:pPr algn="ctr"/>
+                      <a:r>
+                        <a:rPr lang="uk-UA" sz="2000" noProof="0" dirty="0" smtClean="0">
+                          <a:gradFill flip="none" rotWithShape="1">
+                            <a:gsLst>
+                              <a:gs pos="0">
+                                <a:schemeClr val="tx1">
+                                  <a:lumMod val="95000"/>
+                                  <a:lumOff val="5000"/>
+                                </a:schemeClr>
+                              </a:gs>
+                              <a:gs pos="100000">
+                                <a:schemeClr val="tx1">
+                                  <a:lumMod val="85000"/>
+                                  <a:lumOff val="15000"/>
+                                </a:schemeClr>
+                              </a:gs>
+                            </a:gsLst>
+                            <a:lin ang="18900000" scaled="1"/>
+                            <a:tileRect/>
+                          </a:gradFill>
+                          <a:effectLst/>
+                          <a:latin typeface="Tahoma" panose="020B0604030504040204" pitchFamily="34" charset="0"/>
+                          <a:ea typeface="Tahoma" panose="020B0604030504040204" pitchFamily="34" charset="0"/>
+                          <a:cs typeface="Tahoma" panose="020B0604030504040204" pitchFamily="34" charset="0"/>
+                        </a:rPr>
+                        <a:t>135 000 </a:t>
+                      </a:r>
+                      <a:r>
+                        <a:rPr lang="uk-UA" sz="2000" i="0" noProof="0" dirty="0" smtClean="0">
+                          <a:gradFill flip="none" rotWithShape="1">
+                            <a:gsLst>
+                              <a:gs pos="0">
+                                <a:schemeClr val="tx1">
+                                  <a:lumMod val="95000"/>
+                                  <a:lumOff val="5000"/>
+                                </a:schemeClr>
+                              </a:gs>
+                              <a:gs pos="100000">
+                                <a:schemeClr val="tx1">
+                                  <a:lumMod val="85000"/>
+                                  <a:lumOff val="15000"/>
+                                </a:schemeClr>
+                              </a:gs>
+                            </a:gsLst>
+                            <a:lin ang="18900000" scaled="1"/>
+                            <a:tileRect/>
+                          </a:gradFill>
+                          <a:effectLst/>
+                          <a:latin typeface="Tahoma" panose="020B0604030504040204" pitchFamily="34" charset="0"/>
+                          <a:ea typeface="Tahoma" panose="020B0604030504040204" pitchFamily="34" charset="0"/>
+                          <a:cs typeface="Tahoma" panose="020B0604030504040204" pitchFamily="34" charset="0"/>
+                        </a:rPr>
+                        <a:t>грн</a:t>
+                      </a:r>
+                      <a:endParaRPr lang="uk-UA" sz="2000" b="1" i="0" noProof="0" dirty="0">
+                        <a:gradFill flip="none" rotWithShape="1">
+                          <a:gsLst>
+                            <a:gs pos="0">
+                              <a:schemeClr val="tx1">
+                                <a:lumMod val="95000"/>
+                                <a:lumOff val="5000"/>
+                              </a:schemeClr>
+                            </a:gs>
+                            <a:gs pos="100000">
+                              <a:schemeClr val="tx1">
+                                <a:lumMod val="85000"/>
+                                <a:lumOff val="15000"/>
+                              </a:schemeClr>
+                            </a:gs>
+                          </a:gsLst>
+                          <a:lin ang="18900000" scaled="1"/>
+                          <a:tileRect/>
+                        </a:gradFill>
+                        <a:effectLst/>
+                        <a:latin typeface="Tahoma" panose="020B0604030504040204" pitchFamily="34" charset="0"/>
+                        <a:ea typeface="Tahoma" panose="020B0604030504040204" pitchFamily="34" charset="0"/>
+                        <a:cs typeface="Tahoma" panose="020B0604030504040204" pitchFamily="34" charset="0"/>
+                      </a:endParaRPr>
+                    </a:p>
+                  </a:txBody>
+                  <a:tcPr anchor="ctr">
+                    <a:solidFill>
+                      <a:schemeClr val="accent6">
+                        <a:alpha val="80000"/>
+                      </a:schemeClr>
+                    </a:solidFill>
+                  </a:tcPr>
+                </a:tc>
+              </a:tr>
+            </a:tbl>
+          </a:graphicData>
+        </a:graphic>
+      </p:graphicFrame>
     </p:spTree>
     <p:extLst>
       <p:ext uri="{BB962C8B-B14F-4D97-AF65-F5344CB8AC3E}">

--- a/diplomna.pptx
+++ b/diplomna.pptx
@@ -16,8 +16,8 @@
     <p:sldId id="259" r:id="rId7"/>
     <p:sldId id="261" r:id="rId8"/>
     <p:sldId id="263" r:id="rId9"/>
-    <p:sldId id="264" r:id="rId10"/>
-    <p:sldId id="265" r:id="rId11"/>
+    <p:sldId id="265" r:id="rId10"/>
+    <p:sldId id="264" r:id="rId11"/>
     <p:sldId id="266" r:id="rId12"/>
     <p:sldId id="267" r:id="rId13"/>
     <p:sldId id="268" r:id="rId14"/>
@@ -3679,27 +3679,7 @@
                 <a:ea typeface="Open Sans" panose="020B0606030504020204" pitchFamily="34" charset="0"/>
                 <a:cs typeface="Open Sans" panose="020B0606030504020204" pitchFamily="34" charset="0"/>
               </a:rPr>
-              <a:t>Початкові </a:t>
-            </a:r>
-            <a:r>
-              <a:rPr lang="uk-UA" sz="3200" b="1" dirty="0" smtClean="0">
-                <a:gradFill flip="none" rotWithShape="1">
-                  <a:gsLst>
-                    <a:gs pos="16000">
-                      <a:srgbClr val="276399"/>
-                    </a:gs>
-                    <a:gs pos="100000">
-                      <a:srgbClr val="5380FF"/>
-                    </a:gs>
-                  </a:gsLst>
-                  <a:lin ang="18900000" scaled="1"/>
-                  <a:tileRect/>
-                </a:gradFill>
-                <a:latin typeface="Segoe Print" panose="02000600000000000000" pitchFamily="2" charset="0"/>
-                <a:ea typeface="Open Sans" panose="020B0606030504020204" pitchFamily="34" charset="0"/>
-                <a:cs typeface="Open Sans" panose="020B0606030504020204" pitchFamily="34" charset="0"/>
-              </a:rPr>
-              <a:t>інвестиції</a:t>
+              <a:t>Щомісячні витрати</a:t>
             </a:r>
             <a:endParaRPr lang="uk-UA" sz="3200" b="1" dirty="0" smtClean="0">
               <a:gradFill flip="none" rotWithShape="1">
@@ -3729,8 +3709,8 @@
         </p:nvSpPr>
         <p:spPr>
           <a:xfrm>
-            <a:off x="335999" y="1771568"/>
-            <a:ext cx="11520000" cy="2431435"/>
+            <a:off x="335999" y="1800000"/>
+            <a:ext cx="11520000" cy="2800767"/>
           </a:xfrm>
           <a:prstGeom prst="rect">
             <a:avLst/>
@@ -3743,10 +3723,7 @@
           </a:bodyPr>
           <a:lstStyle/>
           <a:p>
-            <a:pPr marL="342900" indent="-342900" algn="just">
-              <a:buFont typeface="Wingdings" panose="05000000000000000000" pitchFamily="2" charset="2"/>
-              <a:buChar char="Ø"/>
-            </a:pPr>
+            <a:pPr algn="just"/>
             <a:r>
               <a:rPr lang="uk-UA" sz="2400" dirty="0" smtClean="0">
                 <a:gradFill flip="none" rotWithShape="1">
@@ -3771,14 +3748,11 @@
                 <a:ea typeface="Tahoma" panose="020B0604030504040204" pitchFamily="34" charset="0"/>
                 <a:cs typeface="Tahoma" panose="020B0604030504040204" pitchFamily="34" charset="0"/>
               </a:rPr>
-              <a:t>Реєстрація бізнесу, оформлення дозвільної документації – 8 000 грн</a:t>
-            </a:r>
-          </a:p>
-          <a:p>
-            <a:pPr marL="342900" indent="-342900" algn="just">
-              <a:buFont typeface="Wingdings" panose="05000000000000000000" pitchFamily="2" charset="2"/>
-              <a:buChar char="Ø"/>
-            </a:pPr>
+              <a:t>Оренда приміщення – 8 000 грн</a:t>
+            </a:r>
+          </a:p>
+          <a:p>
+            <a:pPr algn="just"/>
             <a:r>
               <a:rPr lang="uk-UA" sz="2400" dirty="0" smtClean="0">
                 <a:gradFill flip="none" rotWithShape="1">
@@ -3803,14 +3777,11 @@
                 <a:ea typeface="Tahoma" panose="020B0604030504040204" pitchFamily="34" charset="0"/>
                 <a:cs typeface="Tahoma" panose="020B0604030504040204" pitchFamily="34" charset="0"/>
               </a:rPr>
-              <a:t>Інженерне та технологічні проектування, ремонт та облаштування приміщення відповідно до обов'язкових вимог– 16 000 грн</a:t>
-            </a:r>
-          </a:p>
-          <a:p>
-            <a:pPr marL="342900" indent="-342900" algn="just">
-              <a:buFont typeface="Wingdings" panose="05000000000000000000" pitchFamily="2" charset="2"/>
-              <a:buChar char="Ø"/>
-            </a:pPr>
+              <a:t>Комунальні платежі – 9 000 грн</a:t>
+            </a:r>
+          </a:p>
+          <a:p>
+            <a:pPr algn="just"/>
             <a:r>
               <a:rPr lang="uk-UA" sz="2400" dirty="0" smtClean="0">
                 <a:gradFill flip="none" rotWithShape="1">
@@ -3835,7 +3806,65 @@
                 <a:ea typeface="Tahoma" panose="020B0604030504040204" pitchFamily="34" charset="0"/>
                 <a:cs typeface="Tahoma" panose="020B0604030504040204" pitchFamily="34" charset="0"/>
               </a:rPr>
-              <a:t>Закупівля необхідного обладнання, інструментів та меблів – 40 000 грн</a:t>
+              <a:t>Реклама – 3 020 грн</a:t>
+            </a:r>
+          </a:p>
+          <a:p>
+            <a:pPr algn="just"/>
+            <a:r>
+              <a:rPr lang="uk-UA" sz="2400" dirty="0" smtClean="0">
+                <a:gradFill flip="none" rotWithShape="1">
+                  <a:gsLst>
+                    <a:gs pos="100000">
+                      <a:schemeClr val="tx1">
+                        <a:lumMod val="85000"/>
+                        <a:lumOff val="15000"/>
+                      </a:schemeClr>
+                    </a:gs>
+                    <a:gs pos="0">
+                      <a:schemeClr val="tx1">
+                        <a:lumMod val="95000"/>
+                        <a:lumOff val="5000"/>
+                      </a:schemeClr>
+                    </a:gs>
+                  </a:gsLst>
+                  <a:lin ang="18900000" scaled="1"/>
+                  <a:tileRect/>
+                </a:gradFill>
+                <a:latin typeface="Tahoma" panose="020B0604030504040204" pitchFamily="34" charset="0"/>
+                <a:ea typeface="Tahoma" panose="020B0604030504040204" pitchFamily="34" charset="0"/>
+                <a:cs typeface="Tahoma" panose="020B0604030504040204" pitchFamily="34" charset="0"/>
+              </a:rPr>
+              <a:t>Оплата праці персоналу – 135 000 грн</a:t>
+            </a:r>
+          </a:p>
+          <a:p>
+            <a:pPr algn="just"/>
+            <a:r>
+              <a:rPr lang="uk-UA" sz="2400" dirty="0" smtClean="0">
+                <a:gradFill flip="none" rotWithShape="1">
+                  <a:gsLst>
+                    <a:gs pos="100000">
+                      <a:schemeClr val="tx1">
+                        <a:lumMod val="85000"/>
+                        <a:lumOff val="15000"/>
+                      </a:schemeClr>
+                    </a:gs>
+                    <a:gs pos="0">
+                      <a:schemeClr val="tx1">
+                        <a:lumMod val="95000"/>
+                        <a:lumOff val="5000"/>
+                      </a:schemeClr>
+                    </a:gs>
+                  </a:gsLst>
+                  <a:lin ang="18900000" scaled="1"/>
+                  <a:tileRect/>
+                </a:gradFill>
+                <a:latin typeface="Tahoma" panose="020B0604030504040204" pitchFamily="34" charset="0"/>
+                <a:ea typeface="Tahoma" panose="020B0604030504040204" pitchFamily="34" charset="0"/>
+                <a:cs typeface="Tahoma" panose="020B0604030504040204" pitchFamily="34" charset="0"/>
+              </a:rPr>
+              <a:t>Витратні матеріали і косметика – 10 000 грн</a:t>
             </a:r>
           </a:p>
           <a:p>
@@ -3867,7 +3896,7 @@
           <a:p>
             <a:pPr algn="just"/>
             <a:r>
-              <a:rPr lang="uk-UA" sz="3200" b="1" dirty="0" smtClean="0">
+              <a:rPr lang="uk-UA" sz="3200" b="1" dirty="0">
                 <a:gradFill flip="none" rotWithShape="1">
                   <a:gsLst>
                     <a:gs pos="16000">
@@ -3884,7 +3913,27 @@
                 <a:ea typeface="Open Sans" panose="020B0606030504020204" pitchFamily="34" charset="0"/>
                 <a:cs typeface="Open Sans" panose="020B0606030504020204" pitchFamily="34" charset="0"/>
               </a:rPr>
-              <a:t>Разом 165 020 грн</a:t>
+              <a:t>Разом 165 020 </a:t>
+            </a:r>
+            <a:r>
+              <a:rPr lang="uk-UA" sz="3200" b="1" dirty="0" smtClean="0">
+                <a:gradFill flip="none" rotWithShape="1">
+                  <a:gsLst>
+                    <a:gs pos="16000">
+                      <a:srgbClr val="276399"/>
+                    </a:gs>
+                    <a:gs pos="100000">
+                      <a:srgbClr val="5380FF"/>
+                    </a:gs>
+                  </a:gsLst>
+                  <a:lin ang="18900000" scaled="1"/>
+                  <a:tileRect/>
+                </a:gradFill>
+                <a:latin typeface="Segoe Print" panose="02000600000000000000" pitchFamily="2" charset="0"/>
+                <a:ea typeface="Open Sans" panose="020B0606030504020204" pitchFamily="34" charset="0"/>
+                <a:cs typeface="Open Sans" panose="020B0606030504020204" pitchFamily="34" charset="0"/>
+              </a:rPr>
+              <a:t>грн</a:t>
             </a:r>
             <a:endParaRPr lang="uk-UA" sz="3200" b="1" dirty="0">
               <a:gradFill flip="none" rotWithShape="1">
@@ -3915,7 +3964,7 @@
     </p:spTree>
     <p:extLst>
       <p:ext uri="{BB962C8B-B14F-4D97-AF65-F5344CB8AC3E}">
-        <p14:creationId xmlns:p14="http://schemas.microsoft.com/office/powerpoint/2010/main" val="2745074324"/>
+        <p14:creationId xmlns:p14="http://schemas.microsoft.com/office/powerpoint/2010/main" val="1660777227"/>
       </p:ext>
     </p:extLst>
   </p:cSld>
@@ -4246,14 +4295,7 @@
                           <a:effectLst/>
                           <a:latin typeface="Segoe Print" panose="02000600000000000000" pitchFamily="2" charset="0"/>
                         </a:rPr>
-                        <a:t>2 </a:t>
-                      </a:r>
-                      <a:r>
-                        <a:rPr lang="uk-UA" sz="2000" noProof="0" dirty="0" smtClean="0">
-                          <a:effectLst/>
-                          <a:latin typeface="Segoe Print" panose="02000600000000000000" pitchFamily="2" charset="0"/>
-                        </a:rPr>
-                        <a:t>000 грн</a:t>
+                        <a:t>2 000 грн</a:t>
                       </a:r>
                       <a:endParaRPr lang="uk-UA" sz="2000" noProof="0" dirty="0">
                         <a:effectLst/>
@@ -4324,16 +4366,7 @@
                           <a:ea typeface="Tahoma" panose="020B0604030504040204" pitchFamily="34" charset="0"/>
                           <a:cs typeface="Tahoma" panose="020B0604030504040204" pitchFamily="34" charset="0"/>
                         </a:rPr>
-                        <a:t> </a:t>
-                      </a:r>
-                      <a:r>
-                        <a:rPr lang="uk-UA" sz="2000" noProof="0" dirty="0" smtClean="0">
-                          <a:effectLst/>
-                          <a:latin typeface="Segoe Print" panose="02000600000000000000" pitchFamily="2" charset="0"/>
-                          <a:ea typeface="Tahoma" panose="020B0604030504040204" pitchFamily="34" charset="0"/>
-                          <a:cs typeface="Tahoma" panose="020B0604030504040204" pitchFamily="34" charset="0"/>
-                        </a:rPr>
-                        <a:t>000 грн</a:t>
+                        <a:t> 000 грн</a:t>
                       </a:r>
                       <a:endParaRPr lang="uk-UA" sz="2000" noProof="0" dirty="0">
                         <a:effectLst/>
@@ -4408,16 +4441,7 @@
                           <a:ea typeface="Tahoma" panose="020B0604030504040204" pitchFamily="34" charset="0"/>
                           <a:cs typeface="Tahoma" panose="020B0604030504040204" pitchFamily="34" charset="0"/>
                         </a:rPr>
-                        <a:t> </a:t>
-                      </a:r>
-                      <a:r>
-                        <a:rPr lang="uk-UA" sz="2000" noProof="0" dirty="0" smtClean="0">
-                          <a:effectLst/>
-                          <a:latin typeface="Segoe Print" panose="02000600000000000000" pitchFamily="2" charset="0"/>
-                          <a:ea typeface="Tahoma" panose="020B0604030504040204" pitchFamily="34" charset="0"/>
-                          <a:cs typeface="Tahoma" panose="020B0604030504040204" pitchFamily="34" charset="0"/>
-                        </a:rPr>
-                        <a:t>000 грн</a:t>
+                        <a:t> 000 грн</a:t>
                       </a:r>
                       <a:endParaRPr lang="uk-UA" sz="2000" noProof="0" dirty="0">
                         <a:effectLst/>
@@ -4488,16 +4512,7 @@
                           <a:ea typeface="Tahoma" panose="020B0604030504040204" pitchFamily="34" charset="0"/>
                           <a:cs typeface="Tahoma" panose="020B0604030504040204" pitchFamily="34" charset="0"/>
                         </a:rPr>
-                        <a:t> </a:t>
-                      </a:r>
-                      <a:r>
-                        <a:rPr lang="uk-UA" sz="2000" b="0" noProof="0" dirty="0" smtClean="0">
-                          <a:effectLst/>
-                          <a:latin typeface="Segoe Print" panose="02000600000000000000" pitchFamily="2" charset="0"/>
-                          <a:ea typeface="Tahoma" panose="020B0604030504040204" pitchFamily="34" charset="0"/>
-                          <a:cs typeface="Tahoma" panose="020B0604030504040204" pitchFamily="34" charset="0"/>
-                        </a:rPr>
-                        <a:t>000 грн</a:t>
+                        <a:t> 000 грн</a:t>
                       </a:r>
                       <a:endParaRPr lang="uk-UA" sz="2000" b="0" noProof="0" dirty="0">
                         <a:effectLst/>
@@ -4572,16 +4587,7 @@
                           <a:ea typeface="Tahoma" panose="020B0604030504040204" pitchFamily="34" charset="0"/>
                           <a:cs typeface="Tahoma" panose="020B0604030504040204" pitchFamily="34" charset="0"/>
                         </a:rPr>
-                        <a:t> </a:t>
-                      </a:r>
-                      <a:r>
-                        <a:rPr lang="uk-UA" sz="2000" noProof="0" dirty="0" smtClean="0">
-                          <a:effectLst/>
-                          <a:latin typeface="Segoe Print" panose="02000600000000000000" pitchFamily="2" charset="0"/>
-                          <a:ea typeface="Tahoma" panose="020B0604030504040204" pitchFamily="34" charset="0"/>
-                          <a:cs typeface="Tahoma" panose="020B0604030504040204" pitchFamily="34" charset="0"/>
-                        </a:rPr>
-                        <a:t>000 грн</a:t>
+                        <a:t> 000 грн</a:t>
                       </a:r>
                       <a:endParaRPr lang="uk-UA" sz="2000" noProof="0" dirty="0">
                         <a:effectLst/>
@@ -4654,16 +4660,7 @@
                           <a:ea typeface="Tahoma" panose="020B0604030504040204" pitchFamily="34" charset="0"/>
                           <a:cs typeface="Tahoma" panose="020B0604030504040204" pitchFamily="34" charset="0"/>
                         </a:rPr>
-                        <a:t> </a:t>
-                      </a:r>
-                      <a:r>
-                        <a:rPr lang="uk-UA" sz="2000" noProof="0" dirty="0" smtClean="0">
-                          <a:effectLst/>
-                          <a:latin typeface="Segoe Print" panose="02000600000000000000" pitchFamily="2" charset="0"/>
-                          <a:ea typeface="Tahoma" panose="020B0604030504040204" pitchFamily="34" charset="0"/>
-                          <a:cs typeface="Tahoma" panose="020B0604030504040204" pitchFamily="34" charset="0"/>
-                        </a:rPr>
-                        <a:t>000 грн</a:t>
+                        <a:t> 000 грн</a:t>
                       </a:r>
                       <a:endParaRPr lang="uk-UA" sz="2000" noProof="0" dirty="0">
                         <a:effectLst/>
@@ -4738,16 +4735,7 @@
                           <a:ea typeface="Tahoma" panose="020B0604030504040204" pitchFamily="34" charset="0"/>
                           <a:cs typeface="Tahoma" panose="020B0604030504040204" pitchFamily="34" charset="0"/>
                         </a:rPr>
-                        <a:t> </a:t>
-                      </a:r>
-                      <a:r>
-                        <a:rPr lang="uk-UA" sz="2000" noProof="0" dirty="0" smtClean="0">
-                          <a:effectLst/>
-                          <a:latin typeface="Segoe Print" panose="02000600000000000000" pitchFamily="2" charset="0"/>
-                          <a:ea typeface="Tahoma" panose="020B0604030504040204" pitchFamily="34" charset="0"/>
-                          <a:cs typeface="Tahoma" panose="020B0604030504040204" pitchFamily="34" charset="0"/>
-                        </a:rPr>
-                        <a:t>000 грн</a:t>
+                        <a:t> 000 грн</a:t>
                       </a:r>
                       <a:endParaRPr lang="uk-UA" sz="2000" noProof="0" dirty="0">
                         <a:effectLst/>
@@ -4883,13 +4871,7 @@
                         <a:rPr lang="uk-UA" sz="2000" noProof="0" dirty="0" smtClean="0">
                           <a:latin typeface="Segoe Print" panose="02000600000000000000" pitchFamily="2" charset="0"/>
                         </a:rPr>
-                        <a:t>00 </a:t>
-                      </a:r>
-                      <a:r>
-                        <a:rPr lang="uk-UA" sz="2000" noProof="0" dirty="0" smtClean="0">
-                          <a:latin typeface="Segoe Print" panose="02000600000000000000" pitchFamily="2" charset="0"/>
-                        </a:rPr>
-                        <a:t>грн</a:t>
+                        <a:t>00 грн</a:t>
                       </a:r>
                       <a:endParaRPr lang="uk-UA" sz="2000" noProof="0" dirty="0">
                         <a:latin typeface="Segoe Print" panose="02000600000000000000" pitchFamily="2" charset="0"/>
@@ -4947,13 +4929,7 @@
                         <a:rPr lang="uk-UA" sz="2000" noProof="0" dirty="0" smtClean="0">
                           <a:latin typeface="Segoe Print" panose="02000600000000000000" pitchFamily="2" charset="0"/>
                         </a:rPr>
-                        <a:t> </a:t>
-                      </a:r>
-                      <a:r>
-                        <a:rPr lang="uk-UA" sz="2000" noProof="0" dirty="0" smtClean="0">
-                          <a:latin typeface="Segoe Print" panose="02000600000000000000" pitchFamily="2" charset="0"/>
-                        </a:rPr>
-                        <a:t>000 грн</a:t>
+                        <a:t> 000 грн</a:t>
                       </a:r>
                       <a:endParaRPr lang="uk-UA" sz="2000" noProof="0" dirty="0">
                         <a:latin typeface="Segoe Print" panose="02000600000000000000" pitchFamily="2" charset="0"/>
@@ -5537,8 +5513,8 @@
         </p:nvSpPr>
         <p:spPr>
           <a:xfrm>
-            <a:off x="336000" y="1080000"/>
-            <a:ext cx="11520000" cy="4154984"/>
+            <a:off x="336000" y="1152000"/>
+            <a:ext cx="11520000" cy="4524315"/>
           </a:xfrm>
           <a:prstGeom prst="rect">
             <a:avLst/>
@@ -5553,7 +5529,11 @@
           <a:p>
             <a:pPr algn="just"/>
             <a:r>
-              <a:rPr lang="uk-UA" sz="2400" dirty="0" smtClean="0"/>
+              <a:rPr lang="uk-UA" sz="2400" dirty="0" smtClean="0">
+                <a:latin typeface="Tahoma" panose="020B0604030504040204" pitchFamily="34" charset="0"/>
+                <a:ea typeface="Tahoma" panose="020B0604030504040204" pitchFamily="34" charset="0"/>
+                <a:cs typeface="Tahoma" panose="020B0604030504040204" pitchFamily="34" charset="0"/>
+              </a:rPr>
               <a:t>Внутрішні ризики пов'язані з помилками підприємця в організації бізнесу. До них відносяться наступні:</a:t>
             </a:r>
           </a:p>
@@ -5563,7 +5543,11 @@
               <a:buChar char="Ø"/>
             </a:pPr>
             <a:r>
-              <a:rPr lang="uk-UA" sz="2400" dirty="0" smtClean="0"/>
+              <a:rPr lang="uk-UA" sz="2400" dirty="0" smtClean="0">
+                <a:latin typeface="Tahoma" panose="020B0604030504040204" pitchFamily="34" charset="0"/>
+                <a:ea typeface="Tahoma" panose="020B0604030504040204" pitchFamily="34" charset="0"/>
+                <a:cs typeface="Tahoma" panose="020B0604030504040204" pitchFamily="34" charset="0"/>
+              </a:rPr>
               <a:t>Низька компетентність персоналу</a:t>
             </a:r>
           </a:p>
@@ -5573,7 +5557,11 @@
               <a:buChar char="Ø"/>
             </a:pPr>
             <a:r>
-              <a:rPr lang="uk-UA" sz="2400" dirty="0" smtClean="0"/>
+              <a:rPr lang="uk-UA" sz="2400" dirty="0" smtClean="0">
+                <a:latin typeface="Tahoma" panose="020B0604030504040204" pitchFamily="34" charset="0"/>
+                <a:ea typeface="Tahoma" panose="020B0604030504040204" pitchFamily="34" charset="0"/>
+                <a:cs typeface="Tahoma" panose="020B0604030504040204" pitchFamily="34" charset="0"/>
+              </a:rPr>
               <a:t>Текучка кадрів</a:t>
             </a:r>
           </a:p>
@@ -5583,7 +5571,11 @@
               <a:buChar char="Ø"/>
             </a:pPr>
             <a:r>
-              <a:rPr lang="uk-UA" sz="2400" dirty="0" smtClean="0"/>
+              <a:rPr lang="uk-UA" sz="2400" dirty="0" smtClean="0">
+                <a:latin typeface="Tahoma" panose="020B0604030504040204" pitchFamily="34" charset="0"/>
+                <a:ea typeface="Tahoma" panose="020B0604030504040204" pitchFamily="34" charset="0"/>
+                <a:cs typeface="Tahoma" panose="020B0604030504040204" pitchFamily="34" charset="0"/>
+              </a:rPr>
               <a:t>Крадіжка майна</a:t>
             </a:r>
           </a:p>
@@ -5593,7 +5585,11 @@
               <a:buChar char="Ø"/>
             </a:pPr>
             <a:r>
-              <a:rPr lang="uk-UA" sz="2400" dirty="0" smtClean="0"/>
+              <a:rPr lang="uk-UA" sz="2400" dirty="0" smtClean="0">
+                <a:latin typeface="Tahoma" panose="020B0604030504040204" pitchFamily="34" charset="0"/>
+                <a:ea typeface="Tahoma" panose="020B0604030504040204" pitchFamily="34" charset="0"/>
+                <a:cs typeface="Tahoma" panose="020B0604030504040204" pitchFamily="34" charset="0"/>
+              </a:rPr>
               <a:t>Неефективна реклама</a:t>
             </a:r>
           </a:p>
@@ -5626,7 +5622,11 @@
           <a:p>
             <a:pPr algn="just"/>
             <a:r>
-              <a:rPr lang="uk-UA" sz="2400" dirty="0" smtClean="0"/>
+              <a:rPr lang="uk-UA" sz="2400" dirty="0" smtClean="0">
+                <a:latin typeface="Tahoma" panose="020B0604030504040204" pitchFamily="34" charset="0"/>
+                <a:ea typeface="Tahoma" panose="020B0604030504040204" pitchFamily="34" charset="0"/>
+                <a:cs typeface="Tahoma" panose="020B0604030504040204" pitchFamily="34" charset="0"/>
+              </a:rPr>
               <a:t>Більшою мірою бізнес салону краси схильний до зовнішніх ризиків. Останні не залежать від організаторських здібностей підприємця. До них відносяться наступні:</a:t>
             </a:r>
           </a:p>
@@ -5636,7 +5636,11 @@
               <a:buChar char="Ø"/>
             </a:pPr>
             <a:r>
-              <a:rPr lang="uk-UA" sz="2400" dirty="0" smtClean="0"/>
+              <a:rPr lang="uk-UA" sz="2400" dirty="0" smtClean="0">
+                <a:latin typeface="Tahoma" panose="020B0604030504040204" pitchFamily="34" charset="0"/>
+                <a:ea typeface="Tahoma" panose="020B0604030504040204" pitchFamily="34" charset="0"/>
+                <a:cs typeface="Tahoma" panose="020B0604030504040204" pitchFamily="34" charset="0"/>
+              </a:rPr>
               <a:t>Поява нових конкурентів</a:t>
             </a:r>
           </a:p>
@@ -5646,7 +5650,11 @@
               <a:buChar char="Ø"/>
             </a:pPr>
             <a:r>
-              <a:rPr lang="uk-UA" sz="2400" dirty="0" smtClean="0"/>
+              <a:rPr lang="uk-UA" sz="2400" dirty="0" smtClean="0">
+                <a:latin typeface="Tahoma" panose="020B0604030504040204" pitchFamily="34" charset="0"/>
+                <a:ea typeface="Tahoma" panose="020B0604030504040204" pitchFamily="34" charset="0"/>
+                <a:cs typeface="Tahoma" panose="020B0604030504040204" pitchFamily="34" charset="0"/>
+              </a:rPr>
               <a:t>Зниження платоспроможності населення</a:t>
             </a:r>
             <a:endParaRPr lang="uk-UA" sz="2400" dirty="0">
@@ -7889,6 +7897,237 @@
               </a:rPr>
               <a:t>Організація виробництва</a:t>
             </a:r>
+          </a:p>
+        </p:txBody>
+      </p:sp>
+      <p:sp>
+        <p:nvSpPr>
+          <p:cNvPr id="3" name="TextBox 2"/>
+          <p:cNvSpPr txBox="1"/>
+          <p:nvPr/>
+        </p:nvSpPr>
+        <p:spPr>
+          <a:xfrm>
+            <a:off x="-3" y="1743632"/>
+            <a:ext cx="12192004" cy="1323439"/>
+          </a:xfrm>
+          <a:prstGeom prst="rect">
+            <a:avLst/>
+          </a:prstGeom>
+          <a:noFill/>
+        </p:spPr>
+        <p:txBody>
+          <a:bodyPr wrap="square" rtlCol="0" anchor="ctr">
+            <a:spAutoFit/>
+          </a:bodyPr>
+          <a:lstStyle/>
+          <a:p>
+            <a:pPr algn="ctr"/>
+            <a:r>
+              <a:rPr lang="uk-UA" sz="4000" b="1" dirty="0" smtClean="0">
+                <a:gradFill flip="none" rotWithShape="1">
+                  <a:gsLst>
+                    <a:gs pos="5000">
+                      <a:schemeClr val="tx1">
+                        <a:lumMod val="95000"/>
+                        <a:lumOff val="5000"/>
+                      </a:schemeClr>
+                    </a:gs>
+                    <a:gs pos="100000">
+                      <a:schemeClr val="tx1">
+                        <a:lumMod val="65000"/>
+                        <a:lumOff val="35000"/>
+                      </a:schemeClr>
+                    </a:gs>
+                  </a:gsLst>
+                  <a:lin ang="18900000" scaled="1"/>
+                  <a:tileRect/>
+                </a:gradFill>
+                <a:latin typeface="Segoe Print" panose="02000600000000000000" pitchFamily="2" charset="0"/>
+                <a:ea typeface="Open Sans" panose="020B0606030504020204" pitchFamily="34" charset="0"/>
+                <a:cs typeface="Open Sans" panose="020B0606030504020204" pitchFamily="34" charset="0"/>
+              </a:rPr>
+              <a:t>Графік роботи</a:t>
+            </a:r>
+            <a:r>
+              <a:rPr lang="en-US" sz="4000" b="1" dirty="0" smtClean="0">
+                <a:gradFill flip="none" rotWithShape="1">
+                  <a:gsLst>
+                    <a:gs pos="5000">
+                      <a:schemeClr val="tx1">
+                        <a:lumMod val="95000"/>
+                        <a:lumOff val="5000"/>
+                      </a:schemeClr>
+                    </a:gs>
+                    <a:gs pos="100000">
+                      <a:schemeClr val="tx1">
+                        <a:lumMod val="65000"/>
+                        <a:lumOff val="35000"/>
+                      </a:schemeClr>
+                    </a:gs>
+                  </a:gsLst>
+                  <a:lin ang="18900000" scaled="1"/>
+                  <a:tileRect/>
+                </a:gradFill>
+                <a:latin typeface="Segoe Print" panose="02000600000000000000" pitchFamily="2" charset="0"/>
+                <a:ea typeface="Open Sans" panose="020B0606030504020204" pitchFamily="34" charset="0"/>
+                <a:cs typeface="Open Sans" panose="020B0606030504020204" pitchFamily="34" charset="0"/>
+              </a:rPr>
+              <a:t>:</a:t>
+            </a:r>
+            <a:endParaRPr lang="uk-UA" sz="4000" b="1" dirty="0" smtClean="0">
+              <a:gradFill flip="none" rotWithShape="1">
+                <a:gsLst>
+                  <a:gs pos="5000">
+                    <a:schemeClr val="tx1">
+                      <a:lumMod val="95000"/>
+                      <a:lumOff val="5000"/>
+                    </a:schemeClr>
+                  </a:gs>
+                  <a:gs pos="100000">
+                    <a:schemeClr val="tx1">
+                      <a:lumMod val="65000"/>
+                      <a:lumOff val="35000"/>
+                    </a:schemeClr>
+                  </a:gs>
+                </a:gsLst>
+                <a:lin ang="18900000" scaled="1"/>
+                <a:tileRect/>
+              </a:gradFill>
+              <a:latin typeface="Segoe Print" panose="02000600000000000000" pitchFamily="2" charset="0"/>
+              <a:ea typeface="Open Sans" panose="020B0606030504020204" pitchFamily="34" charset="0"/>
+              <a:cs typeface="Open Sans" panose="020B0606030504020204" pitchFamily="34" charset="0"/>
+            </a:endParaRPr>
+          </a:p>
+          <a:p>
+            <a:pPr algn="ctr"/>
+            <a:r>
+              <a:rPr lang="uk-UA" sz="4000" dirty="0" smtClean="0">
+                <a:gradFill flip="none" rotWithShape="1">
+                  <a:gsLst>
+                    <a:gs pos="5000">
+                      <a:schemeClr val="tx1">
+                        <a:lumMod val="95000"/>
+                        <a:lumOff val="5000"/>
+                      </a:schemeClr>
+                    </a:gs>
+                    <a:gs pos="100000">
+                      <a:schemeClr val="tx1">
+                        <a:lumMod val="65000"/>
+                        <a:lumOff val="35000"/>
+                      </a:schemeClr>
+                    </a:gs>
+                  </a:gsLst>
+                  <a:lin ang="18900000" scaled="1"/>
+                  <a:tileRect/>
+                </a:gradFill>
+                <a:latin typeface="Segoe Print" panose="02000600000000000000" pitchFamily="2" charset="0"/>
+                <a:ea typeface="Open Sans" panose="020B0606030504020204" pitchFamily="34" charset="0"/>
+                <a:cs typeface="Open Sans" panose="020B0606030504020204" pitchFamily="34" charset="0"/>
+              </a:rPr>
+              <a:t>Працюємо без вихідних з 9</a:t>
+            </a:r>
+            <a:r>
+              <a:rPr lang="en-US" sz="4000" dirty="0" smtClean="0">
+                <a:gradFill flip="none" rotWithShape="1">
+                  <a:gsLst>
+                    <a:gs pos="5000">
+                      <a:schemeClr val="tx1">
+                        <a:lumMod val="95000"/>
+                        <a:lumOff val="5000"/>
+                      </a:schemeClr>
+                    </a:gs>
+                    <a:gs pos="100000">
+                      <a:schemeClr val="tx1">
+                        <a:lumMod val="65000"/>
+                        <a:lumOff val="35000"/>
+                      </a:schemeClr>
+                    </a:gs>
+                  </a:gsLst>
+                  <a:lin ang="18900000" scaled="1"/>
+                  <a:tileRect/>
+                </a:gradFill>
+                <a:latin typeface="Segoe Print" panose="02000600000000000000" pitchFamily="2" charset="0"/>
+                <a:ea typeface="Open Sans" panose="020B0606030504020204" pitchFamily="34" charset="0"/>
+                <a:cs typeface="Open Sans" panose="020B0606030504020204" pitchFamily="34" charset="0"/>
+              </a:rPr>
+              <a:t>:00 </a:t>
+            </a:r>
+            <a:r>
+              <a:rPr lang="ru-RU" sz="4000" dirty="0" smtClean="0">
+                <a:gradFill flip="none" rotWithShape="1">
+                  <a:gsLst>
+                    <a:gs pos="5000">
+                      <a:schemeClr val="tx1">
+                        <a:lumMod val="95000"/>
+                        <a:lumOff val="5000"/>
+                      </a:schemeClr>
+                    </a:gs>
+                    <a:gs pos="100000">
+                      <a:schemeClr val="tx1">
+                        <a:lumMod val="65000"/>
+                        <a:lumOff val="35000"/>
+                      </a:schemeClr>
+                    </a:gs>
+                  </a:gsLst>
+                  <a:lin ang="18900000" scaled="1"/>
+                  <a:tileRect/>
+                </a:gradFill>
+                <a:latin typeface="Segoe Print" panose="02000600000000000000" pitchFamily="2" charset="0"/>
+                <a:ea typeface="Open Sans" panose="020B0606030504020204" pitchFamily="34" charset="0"/>
+                <a:cs typeface="Open Sans" panose="020B0606030504020204" pitchFamily="34" charset="0"/>
+              </a:rPr>
+              <a:t>до 18</a:t>
+            </a:r>
+            <a:r>
+              <a:rPr lang="en-US" sz="4000" dirty="0" smtClean="0">
+                <a:gradFill flip="none" rotWithShape="1">
+                  <a:gsLst>
+                    <a:gs pos="5000">
+                      <a:schemeClr val="tx1">
+                        <a:lumMod val="95000"/>
+                        <a:lumOff val="5000"/>
+                      </a:schemeClr>
+                    </a:gs>
+                    <a:gs pos="100000">
+                      <a:schemeClr val="tx1">
+                        <a:lumMod val="65000"/>
+                        <a:lumOff val="35000"/>
+                      </a:schemeClr>
+                    </a:gs>
+                  </a:gsLst>
+                  <a:lin ang="18900000" scaled="1"/>
+                  <a:tileRect/>
+                </a:gradFill>
+                <a:latin typeface="Segoe Print" panose="02000600000000000000" pitchFamily="2" charset="0"/>
+                <a:ea typeface="Open Sans" panose="020B0606030504020204" pitchFamily="34" charset="0"/>
+                <a:cs typeface="Open Sans" panose="020B0606030504020204" pitchFamily="34" charset="0"/>
+              </a:rPr>
+              <a:t>:00</a:t>
+            </a:r>
+            <a:endParaRPr lang="en-US" sz="4000" dirty="0" smtClean="0">
+              <a:gradFill flip="none" rotWithShape="1">
+                <a:gsLst>
+                  <a:gs pos="5000">
+                    <a:schemeClr val="tx1">
+                      <a:lumMod val="95000"/>
+                      <a:lumOff val="5000"/>
+                    </a:schemeClr>
+                  </a:gs>
+                  <a:gs pos="100000">
+                    <a:schemeClr val="tx1">
+                      <a:lumMod val="65000"/>
+                      <a:lumOff val="35000"/>
+                    </a:schemeClr>
+                  </a:gs>
+                </a:gsLst>
+                <a:lin ang="18900000" scaled="1"/>
+                <a:tileRect/>
+              </a:gradFill>
+              <a:latin typeface="Segoe Print" panose="02000600000000000000" pitchFamily="2" charset="0"/>
+              <a:ea typeface="Open Sans" panose="020B0606030504020204" pitchFamily="34" charset="0"/>
+              <a:cs typeface="Open Sans" panose="020B0606030504020204" pitchFamily="34" charset="0"/>
+            </a:endParaRPr>
           </a:p>
         </p:txBody>
       </p:sp>
@@ -9346,7 +9585,27 @@
                 <a:ea typeface="Open Sans" panose="020B0606030504020204" pitchFamily="34" charset="0"/>
                 <a:cs typeface="Open Sans" panose="020B0606030504020204" pitchFamily="34" charset="0"/>
               </a:rPr>
-              <a:t>Щомісячні витрати</a:t>
+              <a:t>Початкові </a:t>
+            </a:r>
+            <a:r>
+              <a:rPr lang="uk-UA" sz="3200" b="1" dirty="0" smtClean="0">
+                <a:gradFill flip="none" rotWithShape="1">
+                  <a:gsLst>
+                    <a:gs pos="16000">
+                      <a:srgbClr val="276399"/>
+                    </a:gs>
+                    <a:gs pos="100000">
+                      <a:srgbClr val="5380FF"/>
+                    </a:gs>
+                  </a:gsLst>
+                  <a:lin ang="18900000" scaled="1"/>
+                  <a:tileRect/>
+                </a:gradFill>
+                <a:latin typeface="Segoe Print" panose="02000600000000000000" pitchFamily="2" charset="0"/>
+                <a:ea typeface="Open Sans" panose="020B0606030504020204" pitchFamily="34" charset="0"/>
+                <a:cs typeface="Open Sans" panose="020B0606030504020204" pitchFamily="34" charset="0"/>
+              </a:rPr>
+              <a:t>інвестиції</a:t>
             </a:r>
             <a:endParaRPr lang="uk-UA" sz="3200" b="1" dirty="0" smtClean="0">
               <a:gradFill flip="none" rotWithShape="1">
@@ -9376,8 +9635,8 @@
         </p:nvSpPr>
         <p:spPr>
           <a:xfrm>
-            <a:off x="335999" y="1771568"/>
-            <a:ext cx="11520000" cy="2800767"/>
+            <a:off x="335999" y="1800000"/>
+            <a:ext cx="11520000" cy="2431435"/>
           </a:xfrm>
           <a:prstGeom prst="rect">
             <a:avLst/>
@@ -9390,7 +9649,10 @@
           </a:bodyPr>
           <a:lstStyle/>
           <a:p>
-            <a:pPr algn="just"/>
+            <a:pPr marL="342900" indent="-342900" algn="just">
+              <a:buFont typeface="Wingdings" panose="05000000000000000000" pitchFamily="2" charset="2"/>
+              <a:buChar char="Ø"/>
+            </a:pPr>
             <a:r>
               <a:rPr lang="uk-UA" sz="2400" dirty="0" smtClean="0">
                 <a:gradFill flip="none" rotWithShape="1">
@@ -9415,11 +9677,14 @@
                 <a:ea typeface="Tahoma" panose="020B0604030504040204" pitchFamily="34" charset="0"/>
                 <a:cs typeface="Tahoma" panose="020B0604030504040204" pitchFamily="34" charset="0"/>
               </a:rPr>
-              <a:t>Оренда приміщення – 8 000 грн</a:t>
-            </a:r>
-          </a:p>
-          <a:p>
-            <a:pPr algn="just"/>
+              <a:t>Реєстрація бізнесу, оформлення дозвільної документації – 8 000 грн</a:t>
+            </a:r>
+          </a:p>
+          <a:p>
+            <a:pPr marL="342900" indent="-342900" algn="just">
+              <a:buFont typeface="Wingdings" panose="05000000000000000000" pitchFamily="2" charset="2"/>
+              <a:buChar char="Ø"/>
+            </a:pPr>
             <a:r>
               <a:rPr lang="uk-UA" sz="2400" dirty="0" smtClean="0">
                 <a:gradFill flip="none" rotWithShape="1">
@@ -9444,11 +9709,14 @@
                 <a:ea typeface="Tahoma" panose="020B0604030504040204" pitchFamily="34" charset="0"/>
                 <a:cs typeface="Tahoma" panose="020B0604030504040204" pitchFamily="34" charset="0"/>
               </a:rPr>
-              <a:t>Комунальні платежі – 9 000 грн</a:t>
-            </a:r>
-          </a:p>
-          <a:p>
-            <a:pPr algn="just"/>
+              <a:t>Інженерне та технологічні проектування, ремонт та облаштування приміщення відповідно до обов'язкових вимог– 16 000 грн</a:t>
+            </a:r>
+          </a:p>
+          <a:p>
+            <a:pPr marL="342900" indent="-342900" algn="just">
+              <a:buFont typeface="Wingdings" panose="05000000000000000000" pitchFamily="2" charset="2"/>
+              <a:buChar char="Ø"/>
+            </a:pPr>
             <a:r>
               <a:rPr lang="uk-UA" sz="2400" dirty="0" smtClean="0">
                 <a:gradFill flip="none" rotWithShape="1">
@@ -9473,65 +9741,7 @@
                 <a:ea typeface="Tahoma" panose="020B0604030504040204" pitchFamily="34" charset="0"/>
                 <a:cs typeface="Tahoma" panose="020B0604030504040204" pitchFamily="34" charset="0"/>
               </a:rPr>
-              <a:t>Реклама – 3 020 грн</a:t>
-            </a:r>
-          </a:p>
-          <a:p>
-            <a:pPr algn="just"/>
-            <a:r>
-              <a:rPr lang="uk-UA" sz="2400" dirty="0" smtClean="0">
-                <a:gradFill flip="none" rotWithShape="1">
-                  <a:gsLst>
-                    <a:gs pos="100000">
-                      <a:schemeClr val="tx1">
-                        <a:lumMod val="85000"/>
-                        <a:lumOff val="15000"/>
-                      </a:schemeClr>
-                    </a:gs>
-                    <a:gs pos="0">
-                      <a:schemeClr val="tx1">
-                        <a:lumMod val="95000"/>
-                        <a:lumOff val="5000"/>
-                      </a:schemeClr>
-                    </a:gs>
-                  </a:gsLst>
-                  <a:lin ang="18900000" scaled="1"/>
-                  <a:tileRect/>
-                </a:gradFill>
-                <a:latin typeface="Tahoma" panose="020B0604030504040204" pitchFamily="34" charset="0"/>
-                <a:ea typeface="Tahoma" panose="020B0604030504040204" pitchFamily="34" charset="0"/>
-                <a:cs typeface="Tahoma" panose="020B0604030504040204" pitchFamily="34" charset="0"/>
-              </a:rPr>
-              <a:t>Оплата праці персоналу – 135 000 грн</a:t>
-            </a:r>
-          </a:p>
-          <a:p>
-            <a:pPr algn="just"/>
-            <a:r>
-              <a:rPr lang="uk-UA" sz="2400" dirty="0" smtClean="0">
-                <a:gradFill flip="none" rotWithShape="1">
-                  <a:gsLst>
-                    <a:gs pos="100000">
-                      <a:schemeClr val="tx1">
-                        <a:lumMod val="85000"/>
-                        <a:lumOff val="15000"/>
-                      </a:schemeClr>
-                    </a:gs>
-                    <a:gs pos="0">
-                      <a:schemeClr val="tx1">
-                        <a:lumMod val="95000"/>
-                        <a:lumOff val="5000"/>
-                      </a:schemeClr>
-                    </a:gs>
-                  </a:gsLst>
-                  <a:lin ang="18900000" scaled="1"/>
-                  <a:tileRect/>
-                </a:gradFill>
-                <a:latin typeface="Tahoma" panose="020B0604030504040204" pitchFamily="34" charset="0"/>
-                <a:ea typeface="Tahoma" panose="020B0604030504040204" pitchFamily="34" charset="0"/>
-                <a:cs typeface="Tahoma" panose="020B0604030504040204" pitchFamily="34" charset="0"/>
-              </a:rPr>
-              <a:t>Витратні матеріали і косметика – 10 000 грн</a:t>
+              <a:t>Закупівля необхідного обладнання, інструментів та меблів – 40 000 грн</a:t>
             </a:r>
           </a:p>
           <a:p>
@@ -9563,7 +9773,7 @@
           <a:p>
             <a:pPr algn="just"/>
             <a:r>
-              <a:rPr lang="uk-UA" sz="3200" b="1" dirty="0">
+              <a:rPr lang="uk-UA" sz="3200" b="1" dirty="0" smtClean="0">
                 <a:gradFill flip="none" rotWithShape="1">
                   <a:gsLst>
                     <a:gs pos="16000">
@@ -9580,27 +9790,7 @@
                 <a:ea typeface="Open Sans" panose="020B0606030504020204" pitchFamily="34" charset="0"/>
                 <a:cs typeface="Open Sans" panose="020B0606030504020204" pitchFamily="34" charset="0"/>
               </a:rPr>
-              <a:t>Разом 165 020 </a:t>
-            </a:r>
-            <a:r>
-              <a:rPr lang="uk-UA" sz="3200" b="1" dirty="0" smtClean="0">
-                <a:gradFill flip="none" rotWithShape="1">
-                  <a:gsLst>
-                    <a:gs pos="16000">
-                      <a:srgbClr val="276399"/>
-                    </a:gs>
-                    <a:gs pos="100000">
-                      <a:srgbClr val="5380FF"/>
-                    </a:gs>
-                  </a:gsLst>
-                  <a:lin ang="18900000" scaled="1"/>
-                  <a:tileRect/>
-                </a:gradFill>
-                <a:latin typeface="Segoe Print" panose="02000600000000000000" pitchFamily="2" charset="0"/>
-                <a:ea typeface="Open Sans" panose="020B0606030504020204" pitchFamily="34" charset="0"/>
-                <a:cs typeface="Open Sans" panose="020B0606030504020204" pitchFamily="34" charset="0"/>
-              </a:rPr>
-              <a:t>грн</a:t>
+              <a:t>Разом 165 020 грн</a:t>
             </a:r>
             <a:endParaRPr lang="uk-UA" sz="3200" b="1" dirty="0">
               <a:gradFill flip="none" rotWithShape="1">
@@ -9631,7 +9821,7 @@
     </p:spTree>
     <p:extLst>
       <p:ext uri="{BB962C8B-B14F-4D97-AF65-F5344CB8AC3E}">
-        <p14:creationId xmlns:p14="http://schemas.microsoft.com/office/powerpoint/2010/main" val="1660777227"/>
+        <p14:creationId xmlns:p14="http://schemas.microsoft.com/office/powerpoint/2010/main" val="2745074324"/>
       </p:ext>
     </p:extLst>
   </p:cSld>

--- a/diplomna.pptx
+++ b/diplomna.pptx
@@ -8105,29 +8105,6 @@
               </a:rPr>
               <a:t>:00</a:t>
             </a:r>
-            <a:endParaRPr lang="en-US" sz="4000" dirty="0" smtClean="0">
-              <a:gradFill flip="none" rotWithShape="1">
-                <a:gsLst>
-                  <a:gs pos="5000">
-                    <a:schemeClr val="tx1">
-                      <a:lumMod val="95000"/>
-                      <a:lumOff val="5000"/>
-                    </a:schemeClr>
-                  </a:gs>
-                  <a:gs pos="100000">
-                    <a:schemeClr val="tx1">
-                      <a:lumMod val="65000"/>
-                      <a:lumOff val="35000"/>
-                    </a:schemeClr>
-                  </a:gs>
-                </a:gsLst>
-                <a:lin ang="18900000" scaled="1"/>
-                <a:tileRect/>
-              </a:gradFill>
-              <a:latin typeface="Segoe Print" panose="02000600000000000000" pitchFamily="2" charset="0"/>
-              <a:ea typeface="Open Sans" panose="020B0606030504020204" pitchFamily="34" charset="0"/>
-              <a:cs typeface="Open Sans" panose="020B0606030504020204" pitchFamily="34" charset="0"/>
-            </a:endParaRPr>
           </a:p>
         </p:txBody>
       </p:sp>

--- a/diplomna.pptx
+++ b/diplomna.pptx
@@ -5,29 +5,30 @@
     <p:sldMasterId id="2147483648" r:id="rId1"/>
   </p:sldMasterIdLst>
   <p:notesMasterIdLst>
-    <p:notesMasterId r:id="rId22"/>
+    <p:notesMasterId r:id="rId23"/>
   </p:notesMasterIdLst>
   <p:sldIdLst>
     <p:sldId id="276" r:id="rId2"/>
     <p:sldId id="258" r:id="rId3"/>
-    <p:sldId id="257" r:id="rId4"/>
-    <p:sldId id="262" r:id="rId5"/>
-    <p:sldId id="260" r:id="rId6"/>
-    <p:sldId id="259" r:id="rId7"/>
-    <p:sldId id="261" r:id="rId8"/>
-    <p:sldId id="263" r:id="rId9"/>
-    <p:sldId id="265" r:id="rId10"/>
-    <p:sldId id="264" r:id="rId11"/>
-    <p:sldId id="266" r:id="rId12"/>
-    <p:sldId id="267" r:id="rId13"/>
-    <p:sldId id="268" r:id="rId14"/>
-    <p:sldId id="269" r:id="rId15"/>
-    <p:sldId id="270" r:id="rId16"/>
-    <p:sldId id="271" r:id="rId17"/>
-    <p:sldId id="272" r:id="rId18"/>
-    <p:sldId id="273" r:id="rId19"/>
-    <p:sldId id="274" r:id="rId20"/>
-    <p:sldId id="275" r:id="rId21"/>
+    <p:sldId id="277" r:id="rId4"/>
+    <p:sldId id="257" r:id="rId5"/>
+    <p:sldId id="262" r:id="rId6"/>
+    <p:sldId id="260" r:id="rId7"/>
+    <p:sldId id="259" r:id="rId8"/>
+    <p:sldId id="267" r:id="rId9"/>
+    <p:sldId id="261" r:id="rId10"/>
+    <p:sldId id="263" r:id="rId11"/>
+    <p:sldId id="265" r:id="rId12"/>
+    <p:sldId id="264" r:id="rId13"/>
+    <p:sldId id="266" r:id="rId14"/>
+    <p:sldId id="268" r:id="rId15"/>
+    <p:sldId id="269" r:id="rId16"/>
+    <p:sldId id="270" r:id="rId17"/>
+    <p:sldId id="271" r:id="rId18"/>
+    <p:sldId id="272" r:id="rId19"/>
+    <p:sldId id="273" r:id="rId20"/>
+    <p:sldId id="274" r:id="rId21"/>
+    <p:sldId id="275" r:id="rId22"/>
   </p:sldIdLst>
   <p:sldSz cx="12192000" cy="6858000"/>
   <p:notesSz cx="6858000" cy="9144000"/>
@@ -280,38 +281,37 @@
           <a:p>
             <a:pPr lvl="0"/>
             <a:r>
-              <a:rPr lang="ru-RU" smtClean="0"/>
+              <a:rPr lang="ru-RU"/>
               <a:t>Образец текста</a:t>
             </a:r>
           </a:p>
           <a:p>
             <a:pPr lvl="1"/>
             <a:r>
-              <a:rPr lang="ru-RU" smtClean="0"/>
+              <a:rPr lang="ru-RU"/>
               <a:t>Второй уровень</a:t>
             </a:r>
           </a:p>
           <a:p>
             <a:pPr lvl="2"/>
             <a:r>
-              <a:rPr lang="ru-RU" smtClean="0"/>
+              <a:rPr lang="ru-RU"/>
               <a:t>Третий уровень</a:t>
             </a:r>
           </a:p>
           <a:p>
             <a:pPr lvl="3"/>
             <a:r>
-              <a:rPr lang="ru-RU" smtClean="0"/>
+              <a:rPr lang="ru-RU"/>
               <a:t>Четвертый уровень</a:t>
             </a:r>
           </a:p>
           <a:p>
             <a:pPr lvl="4"/>
             <a:r>
-              <a:rPr lang="ru-RU" smtClean="0"/>
+              <a:rPr lang="ru-RU"/>
               <a:t>Пятый уровень</a:t>
             </a:r>
-            <a:endParaRPr lang="ru-RU"/>
           </a:p>
         </p:txBody>
       </p:sp>
@@ -549,7 +549,7 @@
           <a:p>
             <a:fld id="{79024C78-B403-4BD1-9BD3-26ABC0EFA0C5}" type="slidenum">
               <a:rPr lang="ru-RU" smtClean="0"/>
-              <a:t>3</a:t>
+              <a:t>4</a:t>
             </a:fld>
             <a:endParaRPr lang="ru-RU"/>
           </a:p>
@@ -610,10 +610,9 @@
           </a:lstStyle>
           <a:p>
             <a:r>
-              <a:rPr lang="ru-RU" smtClean="0"/>
+              <a:rPr lang="ru-RU"/>
               <a:t>Образец заголовка</a:t>
             </a:r>
-            <a:endParaRPr lang="ru-RU"/>
           </a:p>
         </p:txBody>
       </p:sp>
@@ -675,10 +674,9 @@
           </a:lstStyle>
           <a:p>
             <a:r>
-              <a:rPr lang="ru-RU" smtClean="0"/>
+              <a:rPr lang="ru-RU"/>
               <a:t>Образец подзаголовка</a:t>
             </a:r>
-            <a:endParaRPr lang="ru-RU"/>
           </a:p>
         </p:txBody>
       </p:sp>
@@ -793,10 +791,9 @@
           <a:lstStyle/>
           <a:p>
             <a:r>
-              <a:rPr lang="ru-RU" smtClean="0"/>
+              <a:rPr lang="ru-RU"/>
               <a:t>Образец заголовка</a:t>
             </a:r>
-            <a:endParaRPr lang="ru-RU"/>
           </a:p>
         </p:txBody>
       </p:sp>
@@ -817,38 +814,37 @@
           <a:p>
             <a:pPr lvl="0"/>
             <a:r>
-              <a:rPr lang="ru-RU" smtClean="0"/>
+              <a:rPr lang="ru-RU"/>
               <a:t>Образец текста</a:t>
             </a:r>
           </a:p>
           <a:p>
             <a:pPr lvl="1"/>
             <a:r>
-              <a:rPr lang="ru-RU" smtClean="0"/>
+              <a:rPr lang="ru-RU"/>
               <a:t>Второй уровень</a:t>
             </a:r>
           </a:p>
           <a:p>
             <a:pPr lvl="2"/>
             <a:r>
-              <a:rPr lang="ru-RU" smtClean="0"/>
+              <a:rPr lang="ru-RU"/>
               <a:t>Третий уровень</a:t>
             </a:r>
           </a:p>
           <a:p>
             <a:pPr lvl="3"/>
             <a:r>
-              <a:rPr lang="ru-RU" smtClean="0"/>
+              <a:rPr lang="ru-RU"/>
               <a:t>Четвертый уровень</a:t>
             </a:r>
           </a:p>
           <a:p>
             <a:pPr lvl="4"/>
             <a:r>
-              <a:rPr lang="ru-RU" smtClean="0"/>
+              <a:rPr lang="ru-RU"/>
               <a:t>Пятый уровень</a:t>
             </a:r>
-            <a:endParaRPr lang="ru-RU"/>
           </a:p>
         </p:txBody>
       </p:sp>
@@ -968,10 +964,9 @@
           <a:lstStyle/>
           <a:p>
             <a:r>
-              <a:rPr lang="ru-RU" smtClean="0"/>
+              <a:rPr lang="ru-RU"/>
               <a:t>Образец заголовка</a:t>
             </a:r>
-            <a:endParaRPr lang="ru-RU"/>
           </a:p>
         </p:txBody>
       </p:sp>
@@ -997,38 +992,37 @@
           <a:p>
             <a:pPr lvl="0"/>
             <a:r>
-              <a:rPr lang="ru-RU" smtClean="0"/>
+              <a:rPr lang="ru-RU"/>
               <a:t>Образец текста</a:t>
             </a:r>
           </a:p>
           <a:p>
             <a:pPr lvl="1"/>
             <a:r>
-              <a:rPr lang="ru-RU" smtClean="0"/>
+              <a:rPr lang="ru-RU"/>
               <a:t>Второй уровень</a:t>
             </a:r>
           </a:p>
           <a:p>
             <a:pPr lvl="2"/>
             <a:r>
-              <a:rPr lang="ru-RU" smtClean="0"/>
+              <a:rPr lang="ru-RU"/>
               <a:t>Третий уровень</a:t>
             </a:r>
           </a:p>
           <a:p>
             <a:pPr lvl="3"/>
             <a:r>
-              <a:rPr lang="ru-RU" smtClean="0"/>
+              <a:rPr lang="ru-RU"/>
               <a:t>Четвертый уровень</a:t>
             </a:r>
           </a:p>
           <a:p>
             <a:pPr lvl="4"/>
             <a:r>
-              <a:rPr lang="ru-RU" smtClean="0"/>
+              <a:rPr lang="ru-RU"/>
               <a:t>Пятый уровень</a:t>
             </a:r>
-            <a:endParaRPr lang="ru-RU"/>
           </a:p>
         </p:txBody>
       </p:sp>
@@ -1143,10 +1137,9 @@
           <a:lstStyle/>
           <a:p>
             <a:r>
-              <a:rPr lang="ru-RU" smtClean="0"/>
+              <a:rPr lang="ru-RU"/>
               <a:t>Образец заголовка</a:t>
             </a:r>
-            <a:endParaRPr lang="ru-RU"/>
           </a:p>
         </p:txBody>
       </p:sp>
@@ -1167,38 +1160,37 @@
           <a:p>
             <a:pPr lvl="0"/>
             <a:r>
-              <a:rPr lang="ru-RU" smtClean="0"/>
+              <a:rPr lang="ru-RU"/>
               <a:t>Образец текста</a:t>
             </a:r>
           </a:p>
           <a:p>
             <a:pPr lvl="1"/>
             <a:r>
-              <a:rPr lang="ru-RU" smtClean="0"/>
+              <a:rPr lang="ru-RU"/>
               <a:t>Второй уровень</a:t>
             </a:r>
           </a:p>
           <a:p>
             <a:pPr lvl="2"/>
             <a:r>
-              <a:rPr lang="ru-RU" smtClean="0"/>
+              <a:rPr lang="ru-RU"/>
               <a:t>Третий уровень</a:t>
             </a:r>
           </a:p>
           <a:p>
             <a:pPr lvl="3"/>
             <a:r>
-              <a:rPr lang="ru-RU" smtClean="0"/>
+              <a:rPr lang="ru-RU"/>
               <a:t>Четвертый уровень</a:t>
             </a:r>
           </a:p>
           <a:p>
             <a:pPr lvl="4"/>
             <a:r>
-              <a:rPr lang="ru-RU" smtClean="0"/>
+              <a:rPr lang="ru-RU"/>
               <a:t>Пятый уровень</a:t>
             </a:r>
-            <a:endParaRPr lang="ru-RU"/>
           </a:p>
         </p:txBody>
       </p:sp>
@@ -1322,10 +1314,9 @@
           </a:lstStyle>
           <a:p>
             <a:r>
-              <a:rPr lang="ru-RU" smtClean="0"/>
+              <a:rPr lang="ru-RU"/>
               <a:t>Образец заголовка</a:t>
             </a:r>
-            <a:endParaRPr lang="ru-RU"/>
           </a:p>
         </p:txBody>
       </p:sp>
@@ -1442,7 +1433,7 @@
           <a:p>
             <a:pPr lvl="0"/>
             <a:r>
-              <a:rPr lang="ru-RU" smtClean="0"/>
+              <a:rPr lang="ru-RU"/>
               <a:t>Образец текста</a:t>
             </a:r>
           </a:p>
@@ -1559,10 +1550,9 @@
           <a:lstStyle/>
           <a:p>
             <a:r>
-              <a:rPr lang="ru-RU" smtClean="0"/>
+              <a:rPr lang="ru-RU"/>
               <a:t>Образец заголовка</a:t>
             </a:r>
-            <a:endParaRPr lang="ru-RU"/>
           </a:p>
         </p:txBody>
       </p:sp>
@@ -1588,38 +1578,37 @@
           <a:p>
             <a:pPr lvl="0"/>
             <a:r>
-              <a:rPr lang="ru-RU" smtClean="0"/>
+              <a:rPr lang="ru-RU"/>
               <a:t>Образец текста</a:t>
             </a:r>
           </a:p>
           <a:p>
             <a:pPr lvl="1"/>
             <a:r>
-              <a:rPr lang="ru-RU" smtClean="0"/>
+              <a:rPr lang="ru-RU"/>
               <a:t>Второй уровень</a:t>
             </a:r>
           </a:p>
           <a:p>
             <a:pPr lvl="2"/>
             <a:r>
-              <a:rPr lang="ru-RU" smtClean="0"/>
+              <a:rPr lang="ru-RU"/>
               <a:t>Третий уровень</a:t>
             </a:r>
           </a:p>
           <a:p>
             <a:pPr lvl="3"/>
             <a:r>
-              <a:rPr lang="ru-RU" smtClean="0"/>
+              <a:rPr lang="ru-RU"/>
               <a:t>Четвертый уровень</a:t>
             </a:r>
           </a:p>
           <a:p>
             <a:pPr lvl="4"/>
             <a:r>
-              <a:rPr lang="ru-RU" smtClean="0"/>
+              <a:rPr lang="ru-RU"/>
               <a:t>Пятый уровень</a:t>
             </a:r>
-            <a:endParaRPr lang="ru-RU"/>
           </a:p>
         </p:txBody>
       </p:sp>
@@ -1645,38 +1634,37 @@
           <a:p>
             <a:pPr lvl="0"/>
             <a:r>
-              <a:rPr lang="ru-RU" smtClean="0"/>
+              <a:rPr lang="ru-RU"/>
               <a:t>Образец текста</a:t>
             </a:r>
           </a:p>
           <a:p>
             <a:pPr lvl="1"/>
             <a:r>
-              <a:rPr lang="ru-RU" smtClean="0"/>
+              <a:rPr lang="ru-RU"/>
               <a:t>Второй уровень</a:t>
             </a:r>
           </a:p>
           <a:p>
             <a:pPr lvl="2"/>
             <a:r>
-              <a:rPr lang="ru-RU" smtClean="0"/>
+              <a:rPr lang="ru-RU"/>
               <a:t>Третий уровень</a:t>
             </a:r>
           </a:p>
           <a:p>
             <a:pPr lvl="3"/>
             <a:r>
-              <a:rPr lang="ru-RU" smtClean="0"/>
+              <a:rPr lang="ru-RU"/>
               <a:t>Четвертый уровень</a:t>
             </a:r>
           </a:p>
           <a:p>
             <a:pPr lvl="4"/>
             <a:r>
-              <a:rPr lang="ru-RU" smtClean="0"/>
+              <a:rPr lang="ru-RU"/>
               <a:t>Пятый уровень</a:t>
             </a:r>
-            <a:endParaRPr lang="ru-RU"/>
           </a:p>
         </p:txBody>
       </p:sp>
@@ -1796,10 +1784,9 @@
           <a:lstStyle/>
           <a:p>
             <a:r>
-              <a:rPr lang="ru-RU" smtClean="0"/>
+              <a:rPr lang="ru-RU"/>
               <a:t>Образец заголовка</a:t>
             </a:r>
-            <a:endParaRPr lang="ru-RU"/>
           </a:p>
         </p:txBody>
       </p:sp>
@@ -1862,7 +1849,7 @@
           <a:p>
             <a:pPr lvl="0"/>
             <a:r>
-              <a:rPr lang="ru-RU" smtClean="0"/>
+              <a:rPr lang="ru-RU"/>
               <a:t>Образец текста</a:t>
             </a:r>
           </a:p>
@@ -1890,38 +1877,37 @@
           <a:p>
             <a:pPr lvl="0"/>
             <a:r>
-              <a:rPr lang="ru-RU" smtClean="0"/>
+              <a:rPr lang="ru-RU"/>
               <a:t>Образец текста</a:t>
             </a:r>
           </a:p>
           <a:p>
             <a:pPr lvl="1"/>
             <a:r>
-              <a:rPr lang="ru-RU" smtClean="0"/>
+              <a:rPr lang="ru-RU"/>
               <a:t>Второй уровень</a:t>
             </a:r>
           </a:p>
           <a:p>
             <a:pPr lvl="2"/>
             <a:r>
-              <a:rPr lang="ru-RU" smtClean="0"/>
+              <a:rPr lang="ru-RU"/>
               <a:t>Третий уровень</a:t>
             </a:r>
           </a:p>
           <a:p>
             <a:pPr lvl="3"/>
             <a:r>
-              <a:rPr lang="ru-RU" smtClean="0"/>
+              <a:rPr lang="ru-RU"/>
               <a:t>Четвертый уровень</a:t>
             </a:r>
           </a:p>
           <a:p>
             <a:pPr lvl="4"/>
             <a:r>
-              <a:rPr lang="ru-RU" smtClean="0"/>
+              <a:rPr lang="ru-RU"/>
               <a:t>Пятый уровень</a:t>
             </a:r>
-            <a:endParaRPr lang="ru-RU"/>
           </a:p>
         </p:txBody>
       </p:sp>
@@ -1984,7 +1970,7 @@
           <a:p>
             <a:pPr lvl="0"/>
             <a:r>
-              <a:rPr lang="ru-RU" smtClean="0"/>
+              <a:rPr lang="ru-RU"/>
               <a:t>Образец текста</a:t>
             </a:r>
           </a:p>
@@ -2012,38 +1998,37 @@
           <a:p>
             <a:pPr lvl="0"/>
             <a:r>
-              <a:rPr lang="ru-RU" smtClean="0"/>
+              <a:rPr lang="ru-RU"/>
               <a:t>Образец текста</a:t>
             </a:r>
           </a:p>
           <a:p>
             <a:pPr lvl="1"/>
             <a:r>
-              <a:rPr lang="ru-RU" smtClean="0"/>
+              <a:rPr lang="ru-RU"/>
               <a:t>Второй уровень</a:t>
             </a:r>
           </a:p>
           <a:p>
             <a:pPr lvl="2"/>
             <a:r>
-              <a:rPr lang="ru-RU" smtClean="0"/>
+              <a:rPr lang="ru-RU"/>
               <a:t>Третий уровень</a:t>
             </a:r>
           </a:p>
           <a:p>
             <a:pPr lvl="3"/>
             <a:r>
-              <a:rPr lang="ru-RU" smtClean="0"/>
+              <a:rPr lang="ru-RU"/>
               <a:t>Четвертый уровень</a:t>
             </a:r>
           </a:p>
           <a:p>
             <a:pPr lvl="4"/>
             <a:r>
-              <a:rPr lang="ru-RU" smtClean="0"/>
+              <a:rPr lang="ru-RU"/>
               <a:t>Пятый уровень</a:t>
             </a:r>
-            <a:endParaRPr lang="ru-RU"/>
           </a:p>
         </p:txBody>
       </p:sp>
@@ -2158,10 +2143,9 @@
           <a:lstStyle/>
           <a:p>
             <a:r>
-              <a:rPr lang="ru-RU" smtClean="0"/>
+              <a:rPr lang="ru-RU"/>
               <a:t>Образец заголовка</a:t>
             </a:r>
-            <a:endParaRPr lang="ru-RU"/>
           </a:p>
         </p:txBody>
       </p:sp>
@@ -2380,10 +2364,9 @@
           </a:lstStyle>
           <a:p>
             <a:r>
-              <a:rPr lang="ru-RU" smtClean="0"/>
+              <a:rPr lang="ru-RU"/>
               <a:t>Образец заголовка</a:t>
             </a:r>
-            <a:endParaRPr lang="ru-RU"/>
           </a:p>
         </p:txBody>
       </p:sp>
@@ -2437,38 +2420,37 @@
           <a:p>
             <a:pPr lvl="0"/>
             <a:r>
-              <a:rPr lang="ru-RU" smtClean="0"/>
+              <a:rPr lang="ru-RU"/>
               <a:t>Образец текста</a:t>
             </a:r>
           </a:p>
           <a:p>
             <a:pPr lvl="1"/>
             <a:r>
-              <a:rPr lang="ru-RU" smtClean="0"/>
+              <a:rPr lang="ru-RU"/>
               <a:t>Второй уровень</a:t>
             </a:r>
           </a:p>
           <a:p>
             <a:pPr lvl="2"/>
             <a:r>
-              <a:rPr lang="ru-RU" smtClean="0"/>
+              <a:rPr lang="ru-RU"/>
               <a:t>Третий уровень</a:t>
             </a:r>
           </a:p>
           <a:p>
             <a:pPr lvl="3"/>
             <a:r>
-              <a:rPr lang="ru-RU" smtClean="0"/>
+              <a:rPr lang="ru-RU"/>
               <a:t>Четвертый уровень</a:t>
             </a:r>
           </a:p>
           <a:p>
             <a:pPr lvl="4"/>
             <a:r>
-              <a:rPr lang="ru-RU" smtClean="0"/>
+              <a:rPr lang="ru-RU"/>
               <a:t>Пятый уровень</a:t>
             </a:r>
-            <a:endParaRPr lang="ru-RU"/>
           </a:p>
         </p:txBody>
       </p:sp>
@@ -2531,7 +2513,7 @@
           <a:p>
             <a:pPr lvl="0"/>
             <a:r>
-              <a:rPr lang="ru-RU" smtClean="0"/>
+              <a:rPr lang="ru-RU"/>
               <a:t>Образец текста</a:t>
             </a:r>
           </a:p>
@@ -2657,10 +2639,9 @@
           </a:lstStyle>
           <a:p>
             <a:r>
-              <a:rPr lang="ru-RU" smtClean="0"/>
+              <a:rPr lang="ru-RU"/>
               <a:t>Образец заголовка</a:t>
             </a:r>
-            <a:endParaRPr lang="ru-RU"/>
           </a:p>
         </p:txBody>
       </p:sp>
@@ -2784,7 +2765,7 @@
           <a:p>
             <a:pPr lvl="0"/>
             <a:r>
-              <a:rPr lang="ru-RU" smtClean="0"/>
+              <a:rPr lang="ru-RU"/>
               <a:t>Образец текста</a:t>
             </a:r>
           </a:p>
@@ -2935,10 +2916,9 @@
           <a:lstStyle/>
           <a:p>
             <a:r>
-              <a:rPr lang="ru-RU" smtClean="0"/>
+              <a:rPr lang="ru-RU"/>
               <a:t>Образец заголовка</a:t>
             </a:r>
-            <a:endParaRPr lang="ru-RU"/>
           </a:p>
         </p:txBody>
       </p:sp>
@@ -2969,38 +2949,37 @@
           <a:p>
             <a:pPr lvl="0"/>
             <a:r>
-              <a:rPr lang="ru-RU" smtClean="0"/>
+              <a:rPr lang="ru-RU"/>
               <a:t>Образец текста</a:t>
             </a:r>
           </a:p>
           <a:p>
             <a:pPr lvl="1"/>
             <a:r>
-              <a:rPr lang="ru-RU" smtClean="0"/>
+              <a:rPr lang="ru-RU"/>
               <a:t>Второй уровень</a:t>
             </a:r>
           </a:p>
           <a:p>
             <a:pPr lvl="2"/>
             <a:r>
-              <a:rPr lang="ru-RU" smtClean="0"/>
+              <a:rPr lang="ru-RU"/>
               <a:t>Третий уровень</a:t>
             </a:r>
           </a:p>
           <a:p>
             <a:pPr lvl="3"/>
             <a:r>
-              <a:rPr lang="ru-RU" smtClean="0"/>
+              <a:rPr lang="ru-RU"/>
               <a:t>Четвертый уровень</a:t>
             </a:r>
           </a:p>
           <a:p>
             <a:pPr lvl="4"/>
             <a:r>
-              <a:rPr lang="ru-RU" smtClean="0"/>
+              <a:rPr lang="ru-RU"/>
               <a:t>Пятый уровень</a:t>
             </a:r>
-            <a:endParaRPr lang="ru-RU"/>
           </a:p>
         </p:txBody>
       </p:sp>
@@ -3472,7 +3451,7 @@
               </a:spcAft>
             </a:pPr>
             <a:r>
-              <a:rPr lang="uk-UA" sz="5400" b="1" dirty="0" smtClean="0">
+              <a:rPr lang="uk-UA" sz="5400" b="1" dirty="0">
                 <a:gradFill flip="none" rotWithShape="1">
                   <a:gsLst>
                     <a:gs pos="16000">
@@ -3495,7 +3474,7 @@
           <a:p>
             <a:pPr algn="ctr"/>
             <a:r>
-              <a:rPr lang="uk-UA" sz="2800" dirty="0" smtClean="0">
+              <a:rPr lang="uk-UA" sz="2800" dirty="0">
                 <a:gradFill flip="none" rotWithShape="1">
                   <a:gsLst>
                     <a:gs pos="5000">
@@ -3549,29 +3528,6 @@
               </a:rPr>
               <a:t>Гончарук Катерина Олександрівна</a:t>
             </a:r>
-            <a:endParaRPr lang="uk-UA" sz="2400" dirty="0" smtClean="0">
-              <a:gradFill flip="none" rotWithShape="1">
-                <a:gsLst>
-                  <a:gs pos="5000">
-                    <a:schemeClr val="tx1">
-                      <a:lumMod val="95000"/>
-                      <a:lumOff val="5000"/>
-                    </a:schemeClr>
-                  </a:gs>
-                  <a:gs pos="100000">
-                    <a:schemeClr val="tx1">
-                      <a:lumMod val="65000"/>
-                      <a:lumOff val="35000"/>
-                    </a:schemeClr>
-                  </a:gs>
-                </a:gsLst>
-                <a:lin ang="18900000" scaled="1"/>
-                <a:tileRect/>
-              </a:gradFill>
-              <a:latin typeface="Segoe Print" panose="02000600000000000000" pitchFamily="2" charset="0"/>
-              <a:ea typeface="Open Sans" panose="020B0606030504020204" pitchFamily="34" charset="0"/>
-              <a:cs typeface="Open Sans" panose="020B0606030504020204" pitchFamily="34" charset="0"/>
-            </a:endParaRPr>
           </a:p>
         </p:txBody>
       </p:sp>
@@ -3588,13 +3544,6 @@
   <p:transition spd="med">
     <p:pull/>
   </p:transition>
-  <p:timing>
-    <p:tnLst>
-      <p:par>
-        <p:cTn id="1" dur="indefinite" restart="never" nodeType="tmRoot"/>
-      </p:par>
-    </p:tnLst>
-  </p:timing>
 </p:sld>
 </file>
 
@@ -3639,7 +3588,7 @@
           <a:p>
             <a:pPr algn="ctr"/>
             <a:r>
-              <a:rPr lang="uk-UA" sz="5000" b="1" dirty="0" smtClean="0">
+              <a:rPr lang="uk-UA" sz="5000" b="1" dirty="0">
                 <a:gradFill flip="none" rotWithShape="1">
                   <a:gsLst>
                     <a:gs pos="0">
@@ -3679,9 +3628,1925 @@
                 <a:ea typeface="Open Sans" panose="020B0606030504020204" pitchFamily="34" charset="0"/>
                 <a:cs typeface="Open Sans" panose="020B0606030504020204" pitchFamily="34" charset="0"/>
               </a:rPr>
+              <a:t>Витрати на персонал</a:t>
+            </a:r>
+            <a:endParaRPr lang="uk-UA" sz="3200" b="1" dirty="0">
+              <a:gradFill flip="none" rotWithShape="1">
+                <a:gsLst>
+                  <a:gs pos="0">
+                    <a:srgbClr val="229633"/>
+                  </a:gs>
+                  <a:gs pos="100000">
+                    <a:srgbClr val="85CA3A"/>
+                  </a:gs>
+                </a:gsLst>
+                <a:lin ang="18900000" scaled="1"/>
+                <a:tileRect/>
+              </a:gradFill>
+              <a:latin typeface="Segoe Print" panose="02000600000000000000" pitchFamily="2" charset="0"/>
+              <a:ea typeface="Open Sans" panose="020B0606030504020204" pitchFamily="34" charset="0"/>
+              <a:cs typeface="Open Sans" panose="020B0606030504020204" pitchFamily="34" charset="0"/>
+            </a:endParaRPr>
+          </a:p>
+        </p:txBody>
+      </p:sp>
+      <p:graphicFrame>
+        <p:nvGraphicFramePr>
+          <p:cNvPr id="3" name="Таблица 2"/>
+          <p:cNvGraphicFramePr>
+            <a:graphicFrameLocks noGrp="1"/>
+          </p:cNvGraphicFramePr>
+          <p:nvPr>
+            <p:extLst>
+              <p:ext uri="{D42A27DB-BD31-4B8C-83A1-F6EECF244321}">
+                <p14:modId xmlns:p14="http://schemas.microsoft.com/office/powerpoint/2010/main" val="2835153406"/>
+              </p:ext>
+            </p:extLst>
+          </p:nvPr>
+        </p:nvGraphicFramePr>
+        <p:xfrm>
+          <a:off x="1145999" y="1916640"/>
+          <a:ext cx="9900000" cy="3964320"/>
+        </p:xfrm>
+        <a:graphic>
+          <a:graphicData uri="http://schemas.openxmlformats.org/drawingml/2006/table">
+            <a:tbl>
+              <a:tblPr firstRow="1" lastRow="1" bandRow="1">
+                <a:effectLst>
+                  <a:outerShdw blurRad="571500" dir="5400000" algn="ctr" rotWithShape="0">
+                    <a:schemeClr val="tx1">
+                      <a:alpha val="35000"/>
+                    </a:schemeClr>
+                  </a:outerShdw>
+                </a:effectLst>
+                <a:tableStyleId>{93296810-A885-4BE3-A3E7-6D5BEEA58F35}</a:tableStyleId>
+              </a:tblPr>
+              <a:tblGrid>
+                <a:gridCol w="3600000">
+                  <a:extLst>
+                    <a:ext uri="{9D8B030D-6E8A-4147-A177-3AD203B41FA5}">
+                      <a16:colId xmlns:a16="http://schemas.microsoft.com/office/drawing/2014/main" val="20000"/>
+                    </a:ext>
+                  </a:extLst>
+                </a:gridCol>
+                <a:gridCol w="2340000">
+                  <a:extLst>
+                    <a:ext uri="{9D8B030D-6E8A-4147-A177-3AD203B41FA5}">
+                      <a16:colId xmlns:a16="http://schemas.microsoft.com/office/drawing/2014/main" val="20001"/>
+                    </a:ext>
+                  </a:extLst>
+                </a:gridCol>
+                <a:gridCol w="1980000">
+                  <a:extLst>
+                    <a:ext uri="{9D8B030D-6E8A-4147-A177-3AD203B41FA5}">
+                      <a16:colId xmlns:a16="http://schemas.microsoft.com/office/drawing/2014/main" val="20002"/>
+                    </a:ext>
+                  </a:extLst>
+                </a:gridCol>
+                <a:gridCol w="1980000">
+                  <a:extLst>
+                    <a:ext uri="{9D8B030D-6E8A-4147-A177-3AD203B41FA5}">
+                      <a16:colId xmlns:a16="http://schemas.microsoft.com/office/drawing/2014/main" val="20003"/>
+                    </a:ext>
+                  </a:extLst>
+                </a:gridCol>
+              </a:tblGrid>
+              <a:tr h="864000">
+                <a:tc>
+                  <a:txBody>
+                    <a:bodyPr/>
+                    <a:lstStyle/>
+                    <a:p>
+                      <a:pPr algn="ctr"/>
+                      <a:r>
+                        <a:rPr lang="uk-UA" sz="2000" noProof="0" dirty="0">
+                          <a:solidFill>
+                            <a:schemeClr val="tx1"/>
+                          </a:solidFill>
+                          <a:effectLst/>
+                          <a:latin typeface="Open Sans" panose="020B0606030504020204" pitchFamily="34" charset="0"/>
+                          <a:ea typeface="Open Sans" panose="020B0606030504020204" pitchFamily="34" charset="0"/>
+                          <a:cs typeface="Open Sans" panose="020B0606030504020204" pitchFamily="34" charset="0"/>
+                        </a:rPr>
+                        <a:t>Посада</a:t>
+                      </a:r>
+                    </a:p>
+                  </a:txBody>
+                  <a:tcPr anchor="ctr">
+                    <a:solidFill>
+                      <a:schemeClr val="accent6">
+                        <a:alpha val="80000"/>
+                      </a:schemeClr>
+                    </a:solidFill>
+                  </a:tcPr>
+                </a:tc>
+                <a:tc>
+                  <a:txBody>
+                    <a:bodyPr/>
+                    <a:lstStyle/>
+                    <a:p>
+                      <a:pPr algn="ctr"/>
+                      <a:r>
+                        <a:rPr lang="uk-UA" sz="2000" noProof="0" dirty="0">
+                          <a:solidFill>
+                            <a:schemeClr val="tx1"/>
+                          </a:solidFill>
+                          <a:effectLst/>
+                          <a:latin typeface="Open Sans" panose="020B0606030504020204" pitchFamily="34" charset="0"/>
+                          <a:ea typeface="Open Sans" panose="020B0606030504020204" pitchFamily="34" charset="0"/>
+                          <a:cs typeface="Open Sans" panose="020B0606030504020204" pitchFamily="34" charset="0"/>
+                        </a:rPr>
+                        <a:t>Оплата одному працівникові</a:t>
+                      </a:r>
+                    </a:p>
+                  </a:txBody>
+                  <a:tcPr anchor="ctr">
+                    <a:solidFill>
+                      <a:schemeClr val="accent6">
+                        <a:alpha val="80000"/>
+                      </a:schemeClr>
+                    </a:solidFill>
+                  </a:tcPr>
+                </a:tc>
+                <a:tc>
+                  <a:txBody>
+                    <a:bodyPr/>
+                    <a:lstStyle/>
+                    <a:p>
+                      <a:pPr algn="ctr"/>
+                      <a:r>
+                        <a:rPr lang="uk-UA" sz="2000" noProof="0" dirty="0">
+                          <a:solidFill>
+                            <a:schemeClr val="tx1"/>
+                          </a:solidFill>
+                          <a:effectLst/>
+                          <a:latin typeface="Open Sans" panose="020B0606030504020204" pitchFamily="34" charset="0"/>
+                          <a:ea typeface="Open Sans" panose="020B0606030504020204" pitchFamily="34" charset="0"/>
+                          <a:cs typeface="Open Sans" panose="020B0606030504020204" pitchFamily="34" charset="0"/>
+                        </a:rPr>
+                        <a:t>Кількість</a:t>
+                      </a:r>
+                    </a:p>
+                    <a:p>
+                      <a:pPr algn="ctr"/>
+                      <a:r>
+                        <a:rPr lang="uk-UA" sz="2000" noProof="0" dirty="0">
+                          <a:solidFill>
+                            <a:schemeClr val="tx1"/>
+                          </a:solidFill>
+                          <a:effectLst/>
+                          <a:latin typeface="Open Sans" panose="020B0606030504020204" pitchFamily="34" charset="0"/>
+                          <a:ea typeface="Open Sans" panose="020B0606030504020204" pitchFamily="34" charset="0"/>
+                          <a:cs typeface="Open Sans" panose="020B0606030504020204" pitchFamily="34" charset="0"/>
+                        </a:rPr>
+                        <a:t>працівників</a:t>
+                      </a:r>
+                    </a:p>
+                  </a:txBody>
+                  <a:tcPr anchor="ctr">
+                    <a:solidFill>
+                      <a:schemeClr val="accent6">
+                        <a:alpha val="80000"/>
+                      </a:schemeClr>
+                    </a:solidFill>
+                  </a:tcPr>
+                </a:tc>
+                <a:tc>
+                  <a:txBody>
+                    <a:bodyPr/>
+                    <a:lstStyle/>
+                    <a:p>
+                      <a:pPr algn="ctr"/>
+                      <a:r>
+                        <a:rPr lang="uk-UA" sz="2000" noProof="0" dirty="0">
+                          <a:solidFill>
+                            <a:schemeClr val="tx1"/>
+                          </a:solidFill>
+                          <a:effectLst/>
+                          <a:latin typeface="Open Sans" panose="020B0606030504020204" pitchFamily="34" charset="0"/>
+                          <a:ea typeface="Open Sans" panose="020B0606030504020204" pitchFamily="34" charset="0"/>
+                          <a:cs typeface="Open Sans" panose="020B0606030504020204" pitchFamily="34" charset="0"/>
+                        </a:rPr>
+                        <a:t>Сума</a:t>
+                      </a:r>
+                    </a:p>
+                  </a:txBody>
+                  <a:tcPr anchor="ctr">
+                    <a:solidFill>
+                      <a:schemeClr val="accent6">
+                        <a:alpha val="80000"/>
+                      </a:schemeClr>
+                    </a:solidFill>
+                  </a:tcPr>
+                </a:tc>
+                <a:extLst>
+                  <a:ext uri="{0D108BD9-81ED-4DB2-BD59-A6C34878D82A}">
+                    <a16:rowId xmlns:a16="http://schemas.microsoft.com/office/drawing/2014/main" val="10000"/>
+                  </a:ext>
+                </a:extLst>
+              </a:tr>
+              <a:tr h="0">
+                <a:tc>
+                  <a:txBody>
+                    <a:bodyPr/>
+                    <a:lstStyle/>
+                    <a:p>
+                      <a:pPr algn="l"/>
+                      <a:r>
+                        <a:rPr lang="uk-UA" sz="1800" b="1" i="0" noProof="0" dirty="0">
+                          <a:effectLst/>
+                          <a:latin typeface="Segoe Print" panose="02000600000000000000" pitchFamily="2" charset="0"/>
+                          <a:ea typeface="Tahoma" panose="020B0604030504040204" pitchFamily="34" charset="0"/>
+                          <a:cs typeface="Tahoma" panose="020B0604030504040204" pitchFamily="34" charset="0"/>
+                        </a:rPr>
+                        <a:t>Директор</a:t>
+                      </a:r>
+                    </a:p>
+                  </a:txBody>
+                  <a:tcPr anchor="ctr">
+                    <a:solidFill>
+                      <a:schemeClr val="accent6">
+                        <a:tint val="40000"/>
+                        <a:alpha val="80000"/>
+                      </a:schemeClr>
+                    </a:solidFill>
+                  </a:tcPr>
+                </a:tc>
+                <a:tc>
+                  <a:txBody>
+                    <a:bodyPr/>
+                    <a:lstStyle/>
+                    <a:p>
+                      <a:pPr algn="ctr"/>
+                      <a:r>
+                        <a:rPr lang="uk-UA" sz="1800" noProof="0" dirty="0">
+                          <a:effectLst/>
+                          <a:latin typeface="Segoe Print" panose="02000600000000000000" pitchFamily="2" charset="0"/>
+                        </a:rPr>
+                        <a:t>1</a:t>
+                      </a:r>
+                      <a:r>
+                        <a:rPr lang="en-US" sz="1800" noProof="0" dirty="0">
+                          <a:effectLst/>
+                          <a:latin typeface="Segoe Print" panose="02000600000000000000" pitchFamily="2" charset="0"/>
+                        </a:rPr>
+                        <a:t>0</a:t>
+                      </a:r>
+                      <a:r>
+                        <a:rPr lang="uk-UA" sz="1800" noProof="0" dirty="0">
+                          <a:effectLst/>
+                          <a:latin typeface="Segoe Print" panose="02000600000000000000" pitchFamily="2" charset="0"/>
+                        </a:rPr>
+                        <a:t> 000 грн</a:t>
+                      </a:r>
+                      <a:endParaRPr lang="uk-UA" sz="1800" noProof="0" dirty="0">
+                        <a:effectLst/>
+                        <a:latin typeface="Segoe Print" panose="02000600000000000000" pitchFamily="2" charset="0"/>
+                        <a:ea typeface="Tahoma" panose="020B0604030504040204" pitchFamily="34" charset="0"/>
+                        <a:cs typeface="Tahoma" panose="020B0604030504040204" pitchFamily="34" charset="0"/>
+                      </a:endParaRPr>
+                    </a:p>
+                  </a:txBody>
+                  <a:tcPr anchor="ctr">
+                    <a:solidFill>
+                      <a:schemeClr val="accent6">
+                        <a:tint val="40000"/>
+                        <a:alpha val="80000"/>
+                      </a:schemeClr>
+                    </a:solidFill>
+                  </a:tcPr>
+                </a:tc>
+                <a:tc>
+                  <a:txBody>
+                    <a:bodyPr/>
+                    <a:lstStyle/>
+                    <a:p>
+                      <a:pPr algn="ctr"/>
+                      <a:r>
+                        <a:rPr lang="en-US" sz="1800" noProof="0" dirty="0">
+                          <a:effectLst/>
+                          <a:latin typeface="Segoe Print" panose="02000600000000000000" pitchFamily="2" charset="0"/>
+                        </a:rPr>
+                        <a:t>1</a:t>
+                      </a:r>
+                      <a:endParaRPr lang="uk-UA" sz="1800" noProof="0" dirty="0">
+                        <a:effectLst/>
+                        <a:latin typeface="Segoe Print" panose="02000600000000000000" pitchFamily="2" charset="0"/>
+                        <a:ea typeface="Tahoma" panose="020B0604030504040204" pitchFamily="34" charset="0"/>
+                        <a:cs typeface="Tahoma" panose="020B0604030504040204" pitchFamily="34" charset="0"/>
+                      </a:endParaRPr>
+                    </a:p>
+                  </a:txBody>
+                  <a:tcPr anchor="ctr">
+                    <a:solidFill>
+                      <a:schemeClr val="accent6">
+                        <a:tint val="40000"/>
+                        <a:alpha val="80000"/>
+                      </a:schemeClr>
+                    </a:solidFill>
+                  </a:tcPr>
+                </a:tc>
+                <a:tc>
+                  <a:txBody>
+                    <a:bodyPr/>
+                    <a:lstStyle/>
+                    <a:p>
+                      <a:pPr algn="ctr"/>
+                      <a:r>
+                        <a:rPr lang="uk-UA" sz="1800" noProof="0" dirty="0">
+                          <a:effectLst/>
+                          <a:latin typeface="Segoe Print" panose="02000600000000000000" pitchFamily="2" charset="0"/>
+                          <a:ea typeface="Tahoma" panose="020B0604030504040204" pitchFamily="34" charset="0"/>
+                          <a:cs typeface="Tahoma" panose="020B0604030504040204" pitchFamily="34" charset="0"/>
+                        </a:rPr>
+                        <a:t>1</a:t>
+                      </a:r>
+                      <a:r>
+                        <a:rPr lang="en-US" sz="1800" noProof="0" dirty="0">
+                          <a:effectLst/>
+                          <a:latin typeface="Segoe Print" panose="02000600000000000000" pitchFamily="2" charset="0"/>
+                          <a:ea typeface="Tahoma" panose="020B0604030504040204" pitchFamily="34" charset="0"/>
+                          <a:cs typeface="Tahoma" panose="020B0604030504040204" pitchFamily="34" charset="0"/>
+                        </a:rPr>
+                        <a:t>0</a:t>
+                      </a:r>
+                      <a:r>
+                        <a:rPr lang="uk-UA" sz="1800" noProof="0" dirty="0">
+                          <a:effectLst/>
+                          <a:latin typeface="Segoe Print" panose="02000600000000000000" pitchFamily="2" charset="0"/>
+                          <a:ea typeface="Tahoma" panose="020B0604030504040204" pitchFamily="34" charset="0"/>
+                          <a:cs typeface="Tahoma" panose="020B0604030504040204" pitchFamily="34" charset="0"/>
+                        </a:rPr>
+                        <a:t> 000 грн</a:t>
+                      </a:r>
+                    </a:p>
+                  </a:txBody>
+                  <a:tcPr anchor="ctr">
+                    <a:solidFill>
+                      <a:schemeClr val="accent6">
+                        <a:tint val="40000"/>
+                        <a:alpha val="80000"/>
+                      </a:schemeClr>
+                    </a:solidFill>
+                  </a:tcPr>
+                </a:tc>
+                <a:extLst>
+                  <a:ext uri="{0D108BD9-81ED-4DB2-BD59-A6C34878D82A}">
+                    <a16:rowId xmlns:a16="http://schemas.microsoft.com/office/drawing/2014/main" val="10001"/>
+                  </a:ext>
+                </a:extLst>
+              </a:tr>
+              <a:tr h="0">
+                <a:tc>
+                  <a:txBody>
+                    <a:bodyPr/>
+                    <a:lstStyle/>
+                    <a:p>
+                      <a:pPr algn="l"/>
+                      <a:r>
+                        <a:rPr lang="uk-UA" sz="1800" b="1" i="0" noProof="0" dirty="0">
+                          <a:effectLst/>
+                          <a:latin typeface="Segoe Print" panose="02000600000000000000" pitchFamily="2" charset="0"/>
+                          <a:ea typeface="Tahoma" panose="020B0604030504040204" pitchFamily="34" charset="0"/>
+                          <a:cs typeface="Tahoma" panose="020B0604030504040204" pitchFamily="34" charset="0"/>
+                        </a:rPr>
+                        <a:t>Майстер манікюру</a:t>
+                      </a:r>
+                    </a:p>
+                  </a:txBody>
+                  <a:tcPr anchor="ctr">
+                    <a:solidFill>
+                      <a:schemeClr val="accent6">
+                        <a:tint val="20000"/>
+                        <a:alpha val="80000"/>
+                      </a:schemeClr>
+                    </a:solidFill>
+                  </a:tcPr>
+                </a:tc>
+                <a:tc>
+                  <a:txBody>
+                    <a:bodyPr/>
+                    <a:lstStyle/>
+                    <a:p>
+                      <a:pPr algn="ctr"/>
+                      <a:r>
+                        <a:rPr lang="en-US" sz="1800" noProof="0" dirty="0">
+                          <a:effectLst/>
+                          <a:latin typeface="Segoe Print" panose="02000600000000000000" pitchFamily="2" charset="0"/>
+                          <a:ea typeface="Tahoma" panose="020B0604030504040204" pitchFamily="34" charset="0"/>
+                          <a:cs typeface="Tahoma" panose="020B0604030504040204" pitchFamily="34" charset="0"/>
+                        </a:rPr>
+                        <a:t>8</a:t>
+                      </a:r>
+                      <a:r>
+                        <a:rPr lang="uk-UA" sz="1800" noProof="0" dirty="0">
+                          <a:effectLst/>
+                          <a:latin typeface="Segoe Print" panose="02000600000000000000" pitchFamily="2" charset="0"/>
+                          <a:ea typeface="Tahoma" panose="020B0604030504040204" pitchFamily="34" charset="0"/>
+                          <a:cs typeface="Tahoma" panose="020B0604030504040204" pitchFamily="34" charset="0"/>
+                        </a:rPr>
+                        <a:t> 000 грн</a:t>
+                      </a:r>
+                    </a:p>
+                  </a:txBody>
+                  <a:tcPr anchor="ctr">
+                    <a:solidFill>
+                      <a:schemeClr val="accent6">
+                        <a:tint val="20000"/>
+                        <a:alpha val="80000"/>
+                      </a:schemeClr>
+                    </a:solidFill>
+                  </a:tcPr>
+                </a:tc>
+                <a:tc>
+                  <a:txBody>
+                    <a:bodyPr/>
+                    <a:lstStyle/>
+                    <a:p>
+                      <a:pPr algn="ctr"/>
+                      <a:r>
+                        <a:rPr lang="en-US" sz="1800" noProof="0" dirty="0">
+                          <a:effectLst/>
+                          <a:latin typeface="Segoe Print" panose="02000600000000000000" pitchFamily="2" charset="0"/>
+                        </a:rPr>
+                        <a:t>4</a:t>
+                      </a:r>
+                      <a:endParaRPr lang="uk-UA" sz="1800" noProof="0" dirty="0">
+                        <a:effectLst/>
+                        <a:latin typeface="Segoe Print" panose="02000600000000000000" pitchFamily="2" charset="0"/>
+                        <a:ea typeface="Tahoma" panose="020B0604030504040204" pitchFamily="34" charset="0"/>
+                        <a:cs typeface="Tahoma" panose="020B0604030504040204" pitchFamily="34" charset="0"/>
+                      </a:endParaRPr>
+                    </a:p>
+                  </a:txBody>
+                  <a:tcPr anchor="ctr">
+                    <a:solidFill>
+                      <a:schemeClr val="accent6">
+                        <a:tint val="20000"/>
+                        <a:alpha val="80000"/>
+                      </a:schemeClr>
+                    </a:solidFill>
+                  </a:tcPr>
+                </a:tc>
+                <a:tc>
+                  <a:txBody>
+                    <a:bodyPr/>
+                    <a:lstStyle/>
+                    <a:p>
+                      <a:pPr algn="ctr"/>
+                      <a:r>
+                        <a:rPr lang="en-US" sz="1800" b="0" noProof="0" dirty="0">
+                          <a:effectLst/>
+                          <a:latin typeface="Segoe Print" panose="02000600000000000000" pitchFamily="2" charset="0"/>
+                          <a:ea typeface="Tahoma" panose="020B0604030504040204" pitchFamily="34" charset="0"/>
+                          <a:cs typeface="Tahoma" panose="020B0604030504040204" pitchFamily="34" charset="0"/>
+                        </a:rPr>
+                        <a:t>32</a:t>
+                      </a:r>
+                      <a:r>
+                        <a:rPr lang="uk-UA" sz="1800" b="0" noProof="0" dirty="0">
+                          <a:effectLst/>
+                          <a:latin typeface="Segoe Print" panose="02000600000000000000" pitchFamily="2" charset="0"/>
+                          <a:ea typeface="Tahoma" panose="020B0604030504040204" pitchFamily="34" charset="0"/>
+                          <a:cs typeface="Tahoma" panose="020B0604030504040204" pitchFamily="34" charset="0"/>
+                        </a:rPr>
+                        <a:t> 000 грн</a:t>
+                      </a:r>
+                    </a:p>
+                  </a:txBody>
+                  <a:tcPr anchor="ctr">
+                    <a:solidFill>
+                      <a:schemeClr val="accent6">
+                        <a:tint val="20000"/>
+                        <a:alpha val="80000"/>
+                      </a:schemeClr>
+                    </a:solidFill>
+                  </a:tcPr>
+                </a:tc>
+                <a:extLst>
+                  <a:ext uri="{0D108BD9-81ED-4DB2-BD59-A6C34878D82A}">
+                    <a16:rowId xmlns:a16="http://schemas.microsoft.com/office/drawing/2014/main" val="10002"/>
+                  </a:ext>
+                </a:extLst>
+              </a:tr>
+              <a:tr h="0">
+                <a:tc>
+                  <a:txBody>
+                    <a:bodyPr/>
+                    <a:lstStyle/>
+                    <a:p>
+                      <a:pPr algn="l"/>
+                      <a:r>
+                        <a:rPr lang="uk-UA" sz="1800" b="1" i="0" noProof="0" dirty="0">
+                          <a:effectLst/>
+                          <a:latin typeface="Segoe Print" panose="02000600000000000000" pitchFamily="2" charset="0"/>
+                          <a:ea typeface="Tahoma" panose="020B0604030504040204" pitchFamily="34" charset="0"/>
+                          <a:cs typeface="Tahoma" panose="020B0604030504040204" pitchFamily="34" charset="0"/>
+                        </a:rPr>
+                        <a:t>Майстер педикюру</a:t>
+                      </a:r>
+                    </a:p>
+                  </a:txBody>
+                  <a:tcPr anchor="ctr">
+                    <a:solidFill>
+                      <a:schemeClr val="accent6">
+                        <a:tint val="40000"/>
+                        <a:alpha val="80000"/>
+                      </a:schemeClr>
+                    </a:solidFill>
+                  </a:tcPr>
+                </a:tc>
+                <a:tc>
+                  <a:txBody>
+                    <a:bodyPr/>
+                    <a:lstStyle/>
+                    <a:p>
+                      <a:pPr algn="ctr"/>
+                      <a:r>
+                        <a:rPr lang="en-US" sz="1800" noProof="0" dirty="0">
+                          <a:effectLst/>
+                          <a:latin typeface="Segoe Print" panose="02000600000000000000" pitchFamily="2" charset="0"/>
+                          <a:ea typeface="Tahoma" panose="020B0604030504040204" pitchFamily="34" charset="0"/>
+                          <a:cs typeface="Tahoma" panose="020B0604030504040204" pitchFamily="34" charset="0"/>
+                        </a:rPr>
+                        <a:t>8</a:t>
+                      </a:r>
+                      <a:r>
+                        <a:rPr lang="uk-UA" sz="1800" noProof="0" dirty="0">
+                          <a:effectLst/>
+                          <a:latin typeface="Segoe Print" panose="02000600000000000000" pitchFamily="2" charset="0"/>
+                          <a:ea typeface="Tahoma" panose="020B0604030504040204" pitchFamily="34" charset="0"/>
+                          <a:cs typeface="Tahoma" panose="020B0604030504040204" pitchFamily="34" charset="0"/>
+                        </a:rPr>
+                        <a:t> 000 грн</a:t>
+                      </a:r>
+                    </a:p>
+                  </a:txBody>
+                  <a:tcPr anchor="ctr">
+                    <a:solidFill>
+                      <a:schemeClr val="accent6">
+                        <a:tint val="40000"/>
+                        <a:alpha val="80000"/>
+                      </a:schemeClr>
+                    </a:solidFill>
+                  </a:tcPr>
+                </a:tc>
+                <a:tc>
+                  <a:txBody>
+                    <a:bodyPr/>
+                    <a:lstStyle/>
+                    <a:p>
+                      <a:pPr algn="ctr"/>
+                      <a:r>
+                        <a:rPr lang="uk-UA" sz="1800" noProof="0" dirty="0">
+                          <a:effectLst/>
+                          <a:latin typeface="Segoe Print" panose="02000600000000000000" pitchFamily="2" charset="0"/>
+                          <a:ea typeface="Tahoma" panose="020B0604030504040204" pitchFamily="34" charset="0"/>
+                          <a:cs typeface="Tahoma" panose="020B0604030504040204" pitchFamily="34" charset="0"/>
+                        </a:rPr>
+                        <a:t>2</a:t>
+                      </a:r>
+                    </a:p>
+                  </a:txBody>
+                  <a:tcPr anchor="ctr">
+                    <a:solidFill>
+                      <a:schemeClr val="accent6">
+                        <a:tint val="40000"/>
+                        <a:alpha val="80000"/>
+                      </a:schemeClr>
+                    </a:solidFill>
+                  </a:tcPr>
+                </a:tc>
+                <a:tc>
+                  <a:txBody>
+                    <a:bodyPr/>
+                    <a:lstStyle/>
+                    <a:p>
+                      <a:pPr algn="ctr"/>
+                      <a:r>
+                        <a:rPr lang="en-US" sz="1800" noProof="0" dirty="0">
+                          <a:effectLst/>
+                          <a:latin typeface="Segoe Print" panose="02000600000000000000" pitchFamily="2" charset="0"/>
+                          <a:ea typeface="Tahoma" panose="020B0604030504040204" pitchFamily="34" charset="0"/>
+                          <a:cs typeface="Tahoma" panose="020B0604030504040204" pitchFamily="34" charset="0"/>
+                        </a:rPr>
+                        <a:t>16</a:t>
+                      </a:r>
+                      <a:r>
+                        <a:rPr lang="uk-UA" sz="1800" noProof="0" dirty="0">
+                          <a:effectLst/>
+                          <a:latin typeface="Segoe Print" panose="02000600000000000000" pitchFamily="2" charset="0"/>
+                          <a:ea typeface="Tahoma" panose="020B0604030504040204" pitchFamily="34" charset="0"/>
+                          <a:cs typeface="Tahoma" panose="020B0604030504040204" pitchFamily="34" charset="0"/>
+                        </a:rPr>
+                        <a:t> 000 грн</a:t>
+                      </a:r>
+                    </a:p>
+                  </a:txBody>
+                  <a:tcPr anchor="ctr">
+                    <a:solidFill>
+                      <a:schemeClr val="accent6">
+                        <a:tint val="40000"/>
+                        <a:alpha val="80000"/>
+                      </a:schemeClr>
+                    </a:solidFill>
+                  </a:tcPr>
+                </a:tc>
+                <a:extLst>
+                  <a:ext uri="{0D108BD9-81ED-4DB2-BD59-A6C34878D82A}">
+                    <a16:rowId xmlns:a16="http://schemas.microsoft.com/office/drawing/2014/main" val="10003"/>
+                  </a:ext>
+                </a:extLst>
+              </a:tr>
+              <a:tr h="0">
+                <a:tc>
+                  <a:txBody>
+                    <a:bodyPr/>
+                    <a:lstStyle/>
+                    <a:p>
+                      <a:pPr algn="l"/>
+                      <a:r>
+                        <a:rPr lang="uk-UA" sz="1800" b="1" i="0" noProof="0" dirty="0">
+                          <a:effectLst/>
+                          <a:latin typeface="Segoe Print" panose="02000600000000000000" pitchFamily="2" charset="0"/>
+                          <a:ea typeface="Tahoma" panose="020B0604030504040204" pitchFamily="34" charset="0"/>
+                          <a:cs typeface="Tahoma" panose="020B0604030504040204" pitchFamily="34" charset="0"/>
+                        </a:rPr>
+                        <a:t>Косметолог</a:t>
+                      </a:r>
+                    </a:p>
+                  </a:txBody>
+                  <a:tcPr anchor="ctr">
+                    <a:solidFill>
+                      <a:schemeClr val="accent6">
+                        <a:tint val="20000"/>
+                        <a:alpha val="80000"/>
+                      </a:schemeClr>
+                    </a:solidFill>
+                  </a:tcPr>
+                </a:tc>
+                <a:tc>
+                  <a:txBody>
+                    <a:bodyPr/>
+                    <a:lstStyle/>
+                    <a:p>
+                      <a:pPr algn="ctr"/>
+                      <a:r>
+                        <a:rPr lang="en-US" sz="1800" noProof="0" dirty="0">
+                          <a:effectLst/>
+                          <a:latin typeface="Segoe Print" panose="02000600000000000000" pitchFamily="2" charset="0"/>
+                          <a:ea typeface="Tahoma" panose="020B0604030504040204" pitchFamily="34" charset="0"/>
+                          <a:cs typeface="Tahoma" panose="020B0604030504040204" pitchFamily="34" charset="0"/>
+                        </a:rPr>
+                        <a:t>7</a:t>
+                      </a:r>
+                      <a:r>
+                        <a:rPr lang="uk-UA" sz="1800" noProof="0" dirty="0">
+                          <a:effectLst/>
+                          <a:latin typeface="Segoe Print" panose="02000600000000000000" pitchFamily="2" charset="0"/>
+                          <a:ea typeface="Tahoma" panose="020B0604030504040204" pitchFamily="34" charset="0"/>
+                          <a:cs typeface="Tahoma" panose="020B0604030504040204" pitchFamily="34" charset="0"/>
+                        </a:rPr>
+                        <a:t> 000 грн</a:t>
+                      </a:r>
+                    </a:p>
+                  </a:txBody>
+                  <a:tcPr anchor="ctr">
+                    <a:solidFill>
+                      <a:schemeClr val="accent6">
+                        <a:tint val="20000"/>
+                        <a:alpha val="80000"/>
+                      </a:schemeClr>
+                    </a:solidFill>
+                  </a:tcPr>
+                </a:tc>
+                <a:tc>
+                  <a:txBody>
+                    <a:bodyPr/>
+                    <a:lstStyle/>
+                    <a:p>
+                      <a:pPr algn="ctr"/>
+                      <a:r>
+                        <a:rPr lang="uk-UA" sz="1800" noProof="0" dirty="0">
+                          <a:effectLst/>
+                          <a:latin typeface="Segoe Print" panose="02000600000000000000" pitchFamily="2" charset="0"/>
+                        </a:rPr>
+                        <a:t>2</a:t>
+                      </a:r>
+                      <a:endParaRPr lang="uk-UA" sz="1800" noProof="0" dirty="0">
+                        <a:effectLst/>
+                        <a:latin typeface="Segoe Print" panose="02000600000000000000" pitchFamily="2" charset="0"/>
+                        <a:ea typeface="Tahoma" panose="020B0604030504040204" pitchFamily="34" charset="0"/>
+                        <a:cs typeface="Tahoma" panose="020B0604030504040204" pitchFamily="34" charset="0"/>
+                      </a:endParaRPr>
+                    </a:p>
+                  </a:txBody>
+                  <a:tcPr anchor="ctr">
+                    <a:solidFill>
+                      <a:schemeClr val="accent6">
+                        <a:tint val="20000"/>
+                        <a:alpha val="80000"/>
+                      </a:schemeClr>
+                    </a:solidFill>
+                  </a:tcPr>
+                </a:tc>
+                <a:tc>
+                  <a:txBody>
+                    <a:bodyPr/>
+                    <a:lstStyle/>
+                    <a:p>
+                      <a:pPr algn="ctr"/>
+                      <a:r>
+                        <a:rPr lang="uk-UA" sz="1800" noProof="0" dirty="0">
+                          <a:effectLst/>
+                          <a:latin typeface="Segoe Print" panose="02000600000000000000" pitchFamily="2" charset="0"/>
+                          <a:ea typeface="Tahoma" panose="020B0604030504040204" pitchFamily="34" charset="0"/>
+                          <a:cs typeface="Tahoma" panose="020B0604030504040204" pitchFamily="34" charset="0"/>
+                        </a:rPr>
+                        <a:t>1</a:t>
+                      </a:r>
+                      <a:r>
+                        <a:rPr lang="en-US" sz="1800" noProof="0" dirty="0">
+                          <a:effectLst/>
+                          <a:latin typeface="Segoe Print" panose="02000600000000000000" pitchFamily="2" charset="0"/>
+                          <a:ea typeface="Tahoma" panose="020B0604030504040204" pitchFamily="34" charset="0"/>
+                          <a:cs typeface="Tahoma" panose="020B0604030504040204" pitchFamily="34" charset="0"/>
+                        </a:rPr>
+                        <a:t>4</a:t>
+                      </a:r>
+                      <a:r>
+                        <a:rPr lang="uk-UA" sz="1800" noProof="0" dirty="0">
+                          <a:effectLst/>
+                          <a:latin typeface="Segoe Print" panose="02000600000000000000" pitchFamily="2" charset="0"/>
+                          <a:ea typeface="Tahoma" panose="020B0604030504040204" pitchFamily="34" charset="0"/>
+                          <a:cs typeface="Tahoma" panose="020B0604030504040204" pitchFamily="34" charset="0"/>
+                        </a:rPr>
+                        <a:t> 000 грн</a:t>
+                      </a:r>
+                    </a:p>
+                  </a:txBody>
+                  <a:tcPr anchor="ctr">
+                    <a:solidFill>
+                      <a:schemeClr val="accent6">
+                        <a:tint val="20000"/>
+                        <a:alpha val="80000"/>
+                      </a:schemeClr>
+                    </a:solidFill>
+                  </a:tcPr>
+                </a:tc>
+                <a:extLst>
+                  <a:ext uri="{0D108BD9-81ED-4DB2-BD59-A6C34878D82A}">
+                    <a16:rowId xmlns:a16="http://schemas.microsoft.com/office/drawing/2014/main" val="10004"/>
+                  </a:ext>
+                </a:extLst>
+              </a:tr>
+              <a:tr h="0">
+                <a:tc>
+                  <a:txBody>
+                    <a:bodyPr/>
+                    <a:lstStyle/>
+                    <a:p>
+                      <a:r>
+                        <a:rPr lang="uk-UA" sz="1800" b="1" noProof="0" dirty="0">
+                          <a:latin typeface="Segoe Print" panose="02000600000000000000" pitchFamily="2" charset="0"/>
+                        </a:rPr>
+                        <a:t>Масажист</a:t>
+                      </a:r>
+                    </a:p>
+                  </a:txBody>
+                  <a:tcPr anchor="ctr">
+                    <a:solidFill>
+                      <a:schemeClr val="accent6">
+                        <a:tint val="40000"/>
+                        <a:alpha val="80000"/>
+                      </a:schemeClr>
+                    </a:solidFill>
+                  </a:tcPr>
+                </a:tc>
+                <a:tc>
+                  <a:txBody>
+                    <a:bodyPr/>
+                    <a:lstStyle/>
+                    <a:p>
+                      <a:pPr algn="ctr"/>
+                      <a:r>
+                        <a:rPr lang="en-US" sz="1800" noProof="0" dirty="0">
+                          <a:latin typeface="Segoe Print" panose="02000600000000000000" pitchFamily="2" charset="0"/>
+                        </a:rPr>
+                        <a:t>6</a:t>
+                      </a:r>
+                      <a:r>
+                        <a:rPr lang="uk-UA" sz="1800" noProof="0" dirty="0">
+                          <a:latin typeface="Segoe Print" panose="02000600000000000000" pitchFamily="2" charset="0"/>
+                        </a:rPr>
+                        <a:t> </a:t>
+                      </a:r>
+                      <a:r>
+                        <a:rPr lang="en-US" sz="1800" noProof="0" dirty="0">
+                          <a:latin typeface="Segoe Print" panose="02000600000000000000" pitchFamily="2" charset="0"/>
+                        </a:rPr>
+                        <a:t>5</a:t>
+                      </a:r>
+                      <a:r>
+                        <a:rPr lang="uk-UA" sz="1800" noProof="0" dirty="0">
+                          <a:latin typeface="Segoe Print" panose="02000600000000000000" pitchFamily="2" charset="0"/>
+                        </a:rPr>
+                        <a:t>00 грн</a:t>
+                      </a:r>
+                    </a:p>
+                  </a:txBody>
+                  <a:tcPr anchor="ctr">
+                    <a:solidFill>
+                      <a:schemeClr val="accent6">
+                        <a:tint val="40000"/>
+                        <a:alpha val="80000"/>
+                      </a:schemeClr>
+                    </a:solidFill>
+                  </a:tcPr>
+                </a:tc>
+                <a:tc>
+                  <a:txBody>
+                    <a:bodyPr/>
+                    <a:lstStyle/>
+                    <a:p>
+                      <a:pPr algn="ctr"/>
+                      <a:r>
+                        <a:rPr lang="en-US" sz="1800" noProof="0" dirty="0">
+                          <a:latin typeface="Segoe Print" panose="02000600000000000000" pitchFamily="2" charset="0"/>
+                        </a:rPr>
+                        <a:t>2</a:t>
+                      </a:r>
+                      <a:endParaRPr lang="uk-UA" sz="1800" noProof="0" dirty="0">
+                        <a:latin typeface="Segoe Print" panose="02000600000000000000" pitchFamily="2" charset="0"/>
+                      </a:endParaRPr>
+                    </a:p>
+                  </a:txBody>
+                  <a:tcPr anchor="ctr">
+                    <a:solidFill>
+                      <a:schemeClr val="accent6">
+                        <a:tint val="40000"/>
+                        <a:alpha val="80000"/>
+                      </a:schemeClr>
+                    </a:solidFill>
+                  </a:tcPr>
+                </a:tc>
+                <a:tc>
+                  <a:txBody>
+                    <a:bodyPr/>
+                    <a:lstStyle/>
+                    <a:p>
+                      <a:pPr algn="ctr"/>
+                      <a:r>
+                        <a:rPr lang="uk-UA" sz="1800" noProof="0" dirty="0">
+                          <a:latin typeface="Segoe Print" panose="02000600000000000000" pitchFamily="2" charset="0"/>
+                        </a:rPr>
+                        <a:t>1</a:t>
+                      </a:r>
+                      <a:r>
+                        <a:rPr lang="en-US" sz="1800" noProof="0" dirty="0">
+                          <a:latin typeface="Segoe Print" panose="02000600000000000000" pitchFamily="2" charset="0"/>
+                        </a:rPr>
+                        <a:t>3</a:t>
+                      </a:r>
+                      <a:r>
+                        <a:rPr lang="uk-UA" sz="1800" noProof="0" dirty="0">
+                          <a:latin typeface="Segoe Print" panose="02000600000000000000" pitchFamily="2" charset="0"/>
+                        </a:rPr>
+                        <a:t> 000 грн</a:t>
+                      </a:r>
+                    </a:p>
+                  </a:txBody>
+                  <a:tcPr anchor="ctr">
+                    <a:solidFill>
+                      <a:schemeClr val="accent6">
+                        <a:tint val="40000"/>
+                        <a:alpha val="80000"/>
+                      </a:schemeClr>
+                    </a:solidFill>
+                  </a:tcPr>
+                </a:tc>
+                <a:extLst>
+                  <a:ext uri="{0D108BD9-81ED-4DB2-BD59-A6C34878D82A}">
+                    <a16:rowId xmlns:a16="http://schemas.microsoft.com/office/drawing/2014/main" val="10005"/>
+                  </a:ext>
+                </a:extLst>
+              </a:tr>
+              <a:tr h="0">
+                <a:tc>
+                  <a:txBody>
+                    <a:bodyPr/>
+                    <a:lstStyle/>
+                    <a:p>
+                      <a:r>
+                        <a:rPr lang="uk-UA" sz="1800" b="1" noProof="0" dirty="0">
+                          <a:latin typeface="Segoe Print" panose="02000600000000000000" pitchFamily="2" charset="0"/>
+                        </a:rPr>
+                        <a:t>Перукар</a:t>
+                      </a:r>
+                    </a:p>
+                  </a:txBody>
+                  <a:tcPr anchor="ctr">
+                    <a:solidFill>
+                      <a:srgbClr val="EBF1E9">
+                        <a:alpha val="80000"/>
+                      </a:srgbClr>
+                    </a:solidFill>
+                  </a:tcPr>
+                </a:tc>
+                <a:tc>
+                  <a:txBody>
+                    <a:bodyPr/>
+                    <a:lstStyle/>
+                    <a:p>
+                      <a:pPr algn="ctr"/>
+                      <a:r>
+                        <a:rPr lang="en-US" sz="1800" noProof="0" dirty="0">
+                          <a:latin typeface="Segoe Print" panose="02000600000000000000" pitchFamily="2" charset="0"/>
+                        </a:rPr>
+                        <a:t>6</a:t>
+                      </a:r>
+                      <a:r>
+                        <a:rPr lang="uk-UA" sz="1800" noProof="0" dirty="0">
+                          <a:latin typeface="Segoe Print" panose="02000600000000000000" pitchFamily="2" charset="0"/>
+                        </a:rPr>
+                        <a:t> 000 грн</a:t>
+                      </a:r>
+                    </a:p>
+                  </a:txBody>
+                  <a:tcPr anchor="ctr">
+                    <a:solidFill>
+                      <a:srgbClr val="EBF1E9">
+                        <a:alpha val="80000"/>
+                      </a:srgbClr>
+                    </a:solidFill>
+                  </a:tcPr>
+                </a:tc>
+                <a:tc>
+                  <a:txBody>
+                    <a:bodyPr/>
+                    <a:lstStyle/>
+                    <a:p>
+                      <a:pPr algn="ctr"/>
+                      <a:r>
+                        <a:rPr lang="en-US" sz="1800" noProof="0" dirty="0">
+                          <a:latin typeface="Segoe Print" panose="02000600000000000000" pitchFamily="2" charset="0"/>
+                        </a:rPr>
+                        <a:t>3</a:t>
+                      </a:r>
+                      <a:endParaRPr lang="uk-UA" sz="1800" noProof="0" dirty="0">
+                        <a:latin typeface="Segoe Print" panose="02000600000000000000" pitchFamily="2" charset="0"/>
+                      </a:endParaRPr>
+                    </a:p>
+                  </a:txBody>
+                  <a:tcPr anchor="ctr">
+                    <a:solidFill>
+                      <a:srgbClr val="EBF1E9">
+                        <a:alpha val="80000"/>
+                      </a:srgbClr>
+                    </a:solidFill>
+                  </a:tcPr>
+                </a:tc>
+                <a:tc>
+                  <a:txBody>
+                    <a:bodyPr/>
+                    <a:lstStyle/>
+                    <a:p>
+                      <a:pPr algn="ctr"/>
+                      <a:r>
+                        <a:rPr lang="en-US" sz="1800" noProof="0" dirty="0">
+                          <a:latin typeface="Segoe Print" panose="02000600000000000000" pitchFamily="2" charset="0"/>
+                        </a:rPr>
+                        <a:t>18</a:t>
+                      </a:r>
+                      <a:r>
+                        <a:rPr lang="uk-UA" sz="1800" noProof="0" dirty="0">
+                          <a:latin typeface="Segoe Print" panose="02000600000000000000" pitchFamily="2" charset="0"/>
+                        </a:rPr>
+                        <a:t> 000 грн</a:t>
+                      </a:r>
+                    </a:p>
+                  </a:txBody>
+                  <a:tcPr anchor="ctr">
+                    <a:solidFill>
+                      <a:srgbClr val="EBF1E9">
+                        <a:alpha val="80000"/>
+                      </a:srgbClr>
+                    </a:solidFill>
+                  </a:tcPr>
+                </a:tc>
+                <a:extLst>
+                  <a:ext uri="{0D108BD9-81ED-4DB2-BD59-A6C34878D82A}">
+                    <a16:rowId xmlns:a16="http://schemas.microsoft.com/office/drawing/2014/main" val="10006"/>
+                  </a:ext>
+                </a:extLst>
+              </a:tr>
+              <a:tr h="0">
+                <a:tc>
+                  <a:txBody>
+                    <a:bodyPr/>
+                    <a:lstStyle/>
+                    <a:p>
+                      <a:r>
+                        <a:rPr lang="uk-UA" sz="1800" b="1" noProof="0" dirty="0">
+                          <a:latin typeface="Segoe Print" panose="02000600000000000000" pitchFamily="2" charset="0"/>
+                        </a:rPr>
+                        <a:t>Прибиральниця</a:t>
+                      </a:r>
+                    </a:p>
+                  </a:txBody>
+                  <a:tcPr anchor="ctr">
+                    <a:solidFill>
+                      <a:schemeClr val="accent6">
+                        <a:tint val="40000"/>
+                        <a:alpha val="80000"/>
+                      </a:schemeClr>
+                    </a:solidFill>
+                  </a:tcPr>
+                </a:tc>
+                <a:tc>
+                  <a:txBody>
+                    <a:bodyPr/>
+                    <a:lstStyle/>
+                    <a:p>
+                      <a:pPr algn="ctr"/>
+                      <a:r>
+                        <a:rPr lang="en-US" sz="1800" noProof="0" dirty="0">
+                          <a:latin typeface="Segoe Print" panose="02000600000000000000" pitchFamily="2" charset="0"/>
+                        </a:rPr>
+                        <a:t>6</a:t>
+                      </a:r>
+                      <a:r>
+                        <a:rPr lang="uk-UA" sz="1800" noProof="0" dirty="0">
+                          <a:latin typeface="Segoe Print" panose="02000600000000000000" pitchFamily="2" charset="0"/>
+                        </a:rPr>
+                        <a:t> 000грн</a:t>
+                      </a:r>
+                    </a:p>
+                  </a:txBody>
+                  <a:tcPr anchor="ctr">
+                    <a:solidFill>
+                      <a:schemeClr val="accent6">
+                        <a:tint val="40000"/>
+                        <a:alpha val="80000"/>
+                      </a:schemeClr>
+                    </a:solidFill>
+                  </a:tcPr>
+                </a:tc>
+                <a:tc>
+                  <a:txBody>
+                    <a:bodyPr/>
+                    <a:lstStyle/>
+                    <a:p>
+                      <a:pPr algn="ctr"/>
+                      <a:r>
+                        <a:rPr lang="en-US" sz="1800" noProof="0" dirty="0">
+                          <a:latin typeface="Segoe Print" panose="02000600000000000000" pitchFamily="2" charset="0"/>
+                        </a:rPr>
+                        <a:t>1</a:t>
+                      </a:r>
+                      <a:endParaRPr lang="uk-UA" sz="1800" noProof="0" dirty="0">
+                        <a:latin typeface="Segoe Print" panose="02000600000000000000" pitchFamily="2" charset="0"/>
+                      </a:endParaRPr>
+                    </a:p>
+                  </a:txBody>
+                  <a:tcPr anchor="ctr">
+                    <a:solidFill>
+                      <a:schemeClr val="accent6">
+                        <a:tint val="40000"/>
+                        <a:alpha val="80000"/>
+                      </a:schemeClr>
+                    </a:solidFill>
+                  </a:tcPr>
+                </a:tc>
+                <a:tc>
+                  <a:txBody>
+                    <a:bodyPr/>
+                    <a:lstStyle/>
+                    <a:p>
+                      <a:pPr algn="ctr"/>
+                      <a:r>
+                        <a:rPr lang="en-US" sz="1800" noProof="0" dirty="0">
+                          <a:latin typeface="Segoe Print" panose="02000600000000000000" pitchFamily="2" charset="0"/>
+                        </a:rPr>
+                        <a:t>6 000 </a:t>
+                      </a:r>
+                      <a:r>
+                        <a:rPr lang="uk-UA" sz="1800" noProof="0" dirty="0">
+                          <a:latin typeface="Segoe Print" panose="02000600000000000000" pitchFamily="2" charset="0"/>
+                        </a:rPr>
+                        <a:t>грн</a:t>
+                      </a:r>
+                    </a:p>
+                  </a:txBody>
+                  <a:tcPr anchor="ctr">
+                    <a:solidFill>
+                      <a:schemeClr val="accent6">
+                        <a:tint val="40000"/>
+                        <a:alpha val="80000"/>
+                      </a:schemeClr>
+                    </a:solidFill>
+                  </a:tcPr>
+                </a:tc>
+                <a:extLst>
+                  <a:ext uri="{0D108BD9-81ED-4DB2-BD59-A6C34878D82A}">
+                    <a16:rowId xmlns:a16="http://schemas.microsoft.com/office/drawing/2014/main" val="10007"/>
+                  </a:ext>
+                </a:extLst>
+              </a:tr>
+              <a:tr h="540000">
+                <a:tc gridSpan="3">
+                  <a:txBody>
+                    <a:bodyPr/>
+                    <a:lstStyle/>
+                    <a:p>
+                      <a:pPr algn="r"/>
+                      <a:r>
+                        <a:rPr lang="uk-UA" sz="2800" noProof="0" dirty="0">
+                          <a:gradFill flip="none" rotWithShape="1">
+                            <a:gsLst>
+                              <a:gs pos="0">
+                                <a:schemeClr val="tx1">
+                                  <a:lumMod val="95000"/>
+                                  <a:lumOff val="5000"/>
+                                </a:schemeClr>
+                              </a:gs>
+                              <a:gs pos="100000">
+                                <a:schemeClr val="tx1">
+                                  <a:lumMod val="85000"/>
+                                  <a:lumOff val="15000"/>
+                                </a:schemeClr>
+                              </a:gs>
+                            </a:gsLst>
+                            <a:lin ang="18900000" scaled="1"/>
+                            <a:tileRect/>
+                          </a:gradFill>
+                          <a:effectLst/>
+                          <a:latin typeface="Tahoma" panose="020B0604030504040204" pitchFamily="34" charset="0"/>
+                          <a:ea typeface="Tahoma" panose="020B0604030504040204" pitchFamily="34" charset="0"/>
+                          <a:cs typeface="Tahoma" panose="020B0604030504040204" pitchFamily="34" charset="0"/>
+                        </a:rPr>
+                        <a:t>Всього:</a:t>
+                      </a:r>
+                      <a:endParaRPr lang="uk-UA" sz="2800" b="1" i="0" noProof="0" dirty="0">
+                        <a:gradFill flip="none" rotWithShape="1">
+                          <a:gsLst>
+                            <a:gs pos="0">
+                              <a:schemeClr val="tx1">
+                                <a:lumMod val="95000"/>
+                                <a:lumOff val="5000"/>
+                              </a:schemeClr>
+                            </a:gs>
+                            <a:gs pos="100000">
+                              <a:schemeClr val="tx1">
+                                <a:lumMod val="85000"/>
+                                <a:lumOff val="15000"/>
+                              </a:schemeClr>
+                            </a:gs>
+                          </a:gsLst>
+                          <a:lin ang="18900000" scaled="1"/>
+                          <a:tileRect/>
+                        </a:gradFill>
+                        <a:effectLst/>
+                        <a:latin typeface="Tahoma" panose="020B0604030504040204" pitchFamily="34" charset="0"/>
+                        <a:ea typeface="Tahoma" panose="020B0604030504040204" pitchFamily="34" charset="0"/>
+                        <a:cs typeface="Tahoma" panose="020B0604030504040204" pitchFamily="34" charset="0"/>
+                      </a:endParaRPr>
+                    </a:p>
+                  </a:txBody>
+                  <a:tcPr anchor="ctr">
+                    <a:solidFill>
+                      <a:schemeClr val="accent6">
+                        <a:alpha val="80000"/>
+                      </a:schemeClr>
+                    </a:solidFill>
+                  </a:tcPr>
+                </a:tc>
+                <a:tc hMerge="1">
+                  <a:txBody>
+                    <a:bodyPr/>
+                    <a:lstStyle/>
+                    <a:p>
+                      <a:pPr algn="ctr"/>
+                      <a:endParaRPr lang="ru-RU" sz="2000" dirty="0">
+                        <a:latin typeface="Segoe Print" panose="02000600000000000000" pitchFamily="2" charset="0"/>
+                      </a:endParaRPr>
+                    </a:p>
+                  </a:txBody>
+                  <a:tcPr anchor="ctr"/>
+                </a:tc>
+                <a:tc hMerge="1">
+                  <a:txBody>
+                    <a:bodyPr/>
+                    <a:lstStyle/>
+                    <a:p>
+                      <a:pPr algn="ctr"/>
+                      <a:endParaRPr lang="ru-RU" sz="2000" dirty="0">
+                        <a:latin typeface="Segoe Print" panose="02000600000000000000" pitchFamily="2" charset="0"/>
+                      </a:endParaRPr>
+                    </a:p>
+                  </a:txBody>
+                  <a:tcPr anchor="ctr"/>
+                </a:tc>
+                <a:tc>
+                  <a:txBody>
+                    <a:bodyPr/>
+                    <a:lstStyle/>
+                    <a:p>
+                      <a:pPr algn="ctr"/>
+                      <a:r>
+                        <a:rPr lang="uk-UA" sz="2000" noProof="0" dirty="0">
+                          <a:gradFill flip="none" rotWithShape="1">
+                            <a:gsLst>
+                              <a:gs pos="0">
+                                <a:schemeClr val="tx1">
+                                  <a:lumMod val="95000"/>
+                                  <a:lumOff val="5000"/>
+                                </a:schemeClr>
+                              </a:gs>
+                              <a:gs pos="100000">
+                                <a:schemeClr val="tx1">
+                                  <a:lumMod val="85000"/>
+                                  <a:lumOff val="15000"/>
+                                </a:schemeClr>
+                              </a:gs>
+                            </a:gsLst>
+                            <a:lin ang="18900000" scaled="1"/>
+                            <a:tileRect/>
+                          </a:gradFill>
+                          <a:effectLst/>
+                          <a:latin typeface="Tahoma" panose="020B0604030504040204" pitchFamily="34" charset="0"/>
+                          <a:ea typeface="Tahoma" panose="020B0604030504040204" pitchFamily="34" charset="0"/>
+                          <a:cs typeface="Tahoma" panose="020B0604030504040204" pitchFamily="34" charset="0"/>
+                        </a:rPr>
+                        <a:t>1</a:t>
+                      </a:r>
+                      <a:r>
+                        <a:rPr lang="en-US" sz="2000" noProof="0" dirty="0">
+                          <a:gradFill flip="none" rotWithShape="1">
+                            <a:gsLst>
+                              <a:gs pos="0">
+                                <a:schemeClr val="tx1">
+                                  <a:lumMod val="95000"/>
+                                  <a:lumOff val="5000"/>
+                                </a:schemeClr>
+                              </a:gs>
+                              <a:gs pos="100000">
+                                <a:schemeClr val="tx1">
+                                  <a:lumMod val="85000"/>
+                                  <a:lumOff val="15000"/>
+                                </a:schemeClr>
+                              </a:gs>
+                            </a:gsLst>
+                            <a:lin ang="18900000" scaled="1"/>
+                            <a:tileRect/>
+                          </a:gradFill>
+                          <a:effectLst/>
+                          <a:latin typeface="Tahoma" panose="020B0604030504040204" pitchFamily="34" charset="0"/>
+                          <a:ea typeface="Tahoma" panose="020B0604030504040204" pitchFamily="34" charset="0"/>
+                          <a:cs typeface="Tahoma" panose="020B0604030504040204" pitchFamily="34" charset="0"/>
+                        </a:rPr>
+                        <a:t>09</a:t>
+                      </a:r>
+                      <a:r>
+                        <a:rPr lang="uk-UA" sz="2000" noProof="0" dirty="0">
+                          <a:gradFill flip="none" rotWithShape="1">
+                            <a:gsLst>
+                              <a:gs pos="0">
+                                <a:schemeClr val="tx1">
+                                  <a:lumMod val="95000"/>
+                                  <a:lumOff val="5000"/>
+                                </a:schemeClr>
+                              </a:gs>
+                              <a:gs pos="100000">
+                                <a:schemeClr val="tx1">
+                                  <a:lumMod val="85000"/>
+                                  <a:lumOff val="15000"/>
+                                </a:schemeClr>
+                              </a:gs>
+                            </a:gsLst>
+                            <a:lin ang="18900000" scaled="1"/>
+                            <a:tileRect/>
+                          </a:gradFill>
+                          <a:effectLst/>
+                          <a:latin typeface="Tahoma" panose="020B0604030504040204" pitchFamily="34" charset="0"/>
+                          <a:ea typeface="Tahoma" panose="020B0604030504040204" pitchFamily="34" charset="0"/>
+                          <a:cs typeface="Tahoma" panose="020B0604030504040204" pitchFamily="34" charset="0"/>
+                        </a:rPr>
+                        <a:t> 000 </a:t>
+                      </a:r>
+                      <a:r>
+                        <a:rPr lang="uk-UA" sz="2000" i="0" noProof="0" dirty="0">
+                          <a:gradFill flip="none" rotWithShape="1">
+                            <a:gsLst>
+                              <a:gs pos="0">
+                                <a:schemeClr val="tx1">
+                                  <a:lumMod val="95000"/>
+                                  <a:lumOff val="5000"/>
+                                </a:schemeClr>
+                              </a:gs>
+                              <a:gs pos="100000">
+                                <a:schemeClr val="tx1">
+                                  <a:lumMod val="85000"/>
+                                  <a:lumOff val="15000"/>
+                                </a:schemeClr>
+                              </a:gs>
+                            </a:gsLst>
+                            <a:lin ang="18900000" scaled="1"/>
+                            <a:tileRect/>
+                          </a:gradFill>
+                          <a:effectLst/>
+                          <a:latin typeface="Tahoma" panose="020B0604030504040204" pitchFamily="34" charset="0"/>
+                          <a:ea typeface="Tahoma" panose="020B0604030504040204" pitchFamily="34" charset="0"/>
+                          <a:cs typeface="Tahoma" panose="020B0604030504040204" pitchFamily="34" charset="0"/>
+                        </a:rPr>
+                        <a:t>грн</a:t>
+                      </a:r>
+                      <a:endParaRPr lang="uk-UA" sz="2000" b="1" i="0" noProof="0" dirty="0">
+                        <a:gradFill flip="none" rotWithShape="1">
+                          <a:gsLst>
+                            <a:gs pos="0">
+                              <a:schemeClr val="tx1">
+                                <a:lumMod val="95000"/>
+                                <a:lumOff val="5000"/>
+                              </a:schemeClr>
+                            </a:gs>
+                            <a:gs pos="100000">
+                              <a:schemeClr val="tx1">
+                                <a:lumMod val="85000"/>
+                                <a:lumOff val="15000"/>
+                              </a:schemeClr>
+                            </a:gs>
+                          </a:gsLst>
+                          <a:lin ang="18900000" scaled="1"/>
+                          <a:tileRect/>
+                        </a:gradFill>
+                        <a:effectLst/>
+                        <a:latin typeface="Tahoma" panose="020B0604030504040204" pitchFamily="34" charset="0"/>
+                        <a:ea typeface="Tahoma" panose="020B0604030504040204" pitchFamily="34" charset="0"/>
+                        <a:cs typeface="Tahoma" panose="020B0604030504040204" pitchFamily="34" charset="0"/>
+                      </a:endParaRPr>
+                    </a:p>
+                  </a:txBody>
+                  <a:tcPr anchor="ctr">
+                    <a:solidFill>
+                      <a:schemeClr val="accent6">
+                        <a:alpha val="80000"/>
+                      </a:schemeClr>
+                    </a:solidFill>
+                  </a:tcPr>
+                </a:tc>
+                <a:extLst>
+                  <a:ext uri="{0D108BD9-81ED-4DB2-BD59-A6C34878D82A}">
+                    <a16:rowId xmlns:a16="http://schemas.microsoft.com/office/drawing/2014/main" val="10008"/>
+                  </a:ext>
+                </a:extLst>
+              </a:tr>
+            </a:tbl>
+          </a:graphicData>
+        </a:graphic>
+      </p:graphicFrame>
+    </p:spTree>
+    <p:extLst>
+      <p:ext uri="{BB962C8B-B14F-4D97-AF65-F5344CB8AC3E}">
+        <p14:creationId xmlns:p14="http://schemas.microsoft.com/office/powerpoint/2010/main" val="2952426389"/>
+      </p:ext>
+    </p:extLst>
+  </p:cSld>
+  <p:clrMapOvr>
+    <a:masterClrMapping/>
+  </p:clrMapOvr>
+  <p:transition spd="med">
+    <p:pull/>
+  </p:transition>
+</p:sld>
+</file>
+
+<file path=ppt/slides/slide11.xml><?xml version="1.0" encoding="utf-8"?>
+<p:sld xmlns:a="http://schemas.openxmlformats.org/drawingml/2006/main" xmlns:r="http://schemas.openxmlformats.org/officeDocument/2006/relationships" xmlns:p="http://schemas.openxmlformats.org/presentationml/2006/main">
+  <p:cSld>
+    <p:spTree>
+      <p:nvGrpSpPr>
+        <p:cNvPr id="1" name=""/>
+        <p:cNvGrpSpPr/>
+        <p:nvPr/>
+      </p:nvGrpSpPr>
+      <p:grpSpPr>
+        <a:xfrm>
+          <a:off x="0" y="0"/>
+          <a:ext cx="0" cy="0"/>
+          <a:chOff x="0" y="0"/>
+          <a:chExt cx="0" cy="0"/>
+        </a:xfrm>
+      </p:grpSpPr>
+      <p:sp>
+        <p:nvSpPr>
+          <p:cNvPr id="2" name="TextBox 1"/>
+          <p:cNvSpPr txBox="1"/>
+          <p:nvPr/>
+        </p:nvSpPr>
+        <p:spPr>
+          <a:xfrm>
+            <a:off x="0" y="144000"/>
+            <a:ext cx="12191999" cy="1354217"/>
+          </a:xfrm>
+          <a:prstGeom prst="rect">
+            <a:avLst/>
+          </a:prstGeom>
+          <a:noFill/>
+        </p:spPr>
+        <p:txBody>
+          <a:bodyPr wrap="square" rtlCol="0" anchor="ctr">
+            <a:spAutoFit/>
+          </a:bodyPr>
+          <a:lstStyle/>
+          <a:p>
+            <a:pPr algn="ctr"/>
+            <a:r>
+              <a:rPr lang="uk-UA" sz="5000" b="1" dirty="0">
+                <a:gradFill flip="none" rotWithShape="1">
+                  <a:gsLst>
+                    <a:gs pos="0">
+                      <a:srgbClr val="229633"/>
+                    </a:gs>
+                    <a:gs pos="100000">
+                      <a:srgbClr val="85CA3A"/>
+                    </a:gs>
+                  </a:gsLst>
+                  <a:lin ang="18900000" scaled="1"/>
+                  <a:tileRect/>
+                </a:gradFill>
+                <a:latin typeface="Segoe Print" panose="02000600000000000000" pitchFamily="2" charset="0"/>
+                <a:ea typeface="Open Sans" panose="020B0606030504020204" pitchFamily="34" charset="0"/>
+                <a:cs typeface="Open Sans" panose="020B0606030504020204" pitchFamily="34" charset="0"/>
+              </a:rPr>
+              <a:t>Фінансовий план</a:t>
+            </a:r>
+          </a:p>
+          <a:p>
+            <a:pPr algn="ctr"/>
+            <a:r>
+              <a:rPr lang="uk-UA" sz="3200" b="1" dirty="0">
+                <a:gradFill flip="none" rotWithShape="1">
+                  <a:gsLst>
+                    <a:gs pos="16000">
+                      <a:srgbClr val="276399"/>
+                    </a:gs>
+                    <a:gs pos="100000">
+                      <a:srgbClr val="5380FF"/>
+                    </a:gs>
+                  </a:gsLst>
+                  <a:lin ang="18900000" scaled="1"/>
+                  <a:tileRect/>
+                </a:gradFill>
+                <a:latin typeface="Segoe Print" panose="02000600000000000000" pitchFamily="2" charset="0"/>
+                <a:ea typeface="Open Sans" panose="020B0606030504020204" pitchFamily="34" charset="0"/>
+                <a:cs typeface="Open Sans" panose="020B0606030504020204" pitchFamily="34" charset="0"/>
+              </a:rPr>
+              <a:t>Початкові інвестиції</a:t>
+            </a:r>
+            <a:endParaRPr lang="uk-UA" sz="3200" b="1" dirty="0">
+              <a:gradFill flip="none" rotWithShape="1">
+                <a:gsLst>
+                  <a:gs pos="0">
+                    <a:srgbClr val="229633"/>
+                  </a:gs>
+                  <a:gs pos="100000">
+                    <a:srgbClr val="85CA3A"/>
+                  </a:gs>
+                </a:gsLst>
+                <a:lin ang="18900000" scaled="1"/>
+                <a:tileRect/>
+              </a:gradFill>
+              <a:latin typeface="Segoe Print" panose="02000600000000000000" pitchFamily="2" charset="0"/>
+              <a:ea typeface="Open Sans" panose="020B0606030504020204" pitchFamily="34" charset="0"/>
+              <a:cs typeface="Open Sans" panose="020B0606030504020204" pitchFamily="34" charset="0"/>
+            </a:endParaRPr>
+          </a:p>
+        </p:txBody>
+      </p:sp>
+      <p:sp>
+        <p:nvSpPr>
+          <p:cNvPr id="3" name="TextBox 2"/>
+          <p:cNvSpPr txBox="1"/>
+          <p:nvPr/>
+        </p:nvSpPr>
+        <p:spPr>
+          <a:xfrm>
+            <a:off x="335999" y="1800000"/>
+            <a:ext cx="11520000" cy="2431435"/>
+          </a:xfrm>
+          <a:prstGeom prst="rect">
+            <a:avLst/>
+          </a:prstGeom>
+          <a:noFill/>
+        </p:spPr>
+        <p:txBody>
+          <a:bodyPr wrap="square" rtlCol="0">
+            <a:spAutoFit/>
+          </a:bodyPr>
+          <a:lstStyle/>
+          <a:p>
+            <a:pPr marL="342900" indent="-342900" algn="just">
+              <a:buFont typeface="Wingdings" panose="05000000000000000000" pitchFamily="2" charset="2"/>
+              <a:buChar char="Ø"/>
+            </a:pPr>
+            <a:r>
+              <a:rPr lang="uk-UA" sz="2400" dirty="0">
+                <a:gradFill flip="none" rotWithShape="1">
+                  <a:gsLst>
+                    <a:gs pos="100000">
+                      <a:schemeClr val="tx1">
+                        <a:lumMod val="85000"/>
+                        <a:lumOff val="15000"/>
+                      </a:schemeClr>
+                    </a:gs>
+                    <a:gs pos="0">
+                      <a:schemeClr val="tx1">
+                        <a:lumMod val="95000"/>
+                        <a:lumOff val="5000"/>
+                      </a:schemeClr>
+                    </a:gs>
+                  </a:gsLst>
+                  <a:lin ang="18900000" scaled="1"/>
+                  <a:tileRect/>
+                </a:gradFill>
+                <a:latin typeface="Tahoma" panose="020B0604030504040204" pitchFamily="34" charset="0"/>
+                <a:ea typeface="Tahoma" panose="020B0604030504040204" pitchFamily="34" charset="0"/>
+                <a:cs typeface="Tahoma" panose="020B0604030504040204" pitchFamily="34" charset="0"/>
+              </a:rPr>
+              <a:t>Реєстрація бізнесу, оформлення дозвільної документації – 8 000 грн</a:t>
+            </a:r>
+          </a:p>
+          <a:p>
+            <a:pPr marL="342900" indent="-342900" algn="just">
+              <a:buFont typeface="Wingdings" panose="05000000000000000000" pitchFamily="2" charset="2"/>
+              <a:buChar char="Ø"/>
+            </a:pPr>
+            <a:r>
+              <a:rPr lang="uk-UA" sz="2400" dirty="0">
+                <a:gradFill flip="none" rotWithShape="1">
+                  <a:gsLst>
+                    <a:gs pos="100000">
+                      <a:schemeClr val="tx1">
+                        <a:lumMod val="85000"/>
+                        <a:lumOff val="15000"/>
+                      </a:schemeClr>
+                    </a:gs>
+                    <a:gs pos="0">
+                      <a:schemeClr val="tx1">
+                        <a:lumMod val="95000"/>
+                        <a:lumOff val="5000"/>
+                      </a:schemeClr>
+                    </a:gs>
+                  </a:gsLst>
+                  <a:lin ang="18900000" scaled="1"/>
+                  <a:tileRect/>
+                </a:gradFill>
+                <a:latin typeface="Tahoma" panose="020B0604030504040204" pitchFamily="34" charset="0"/>
+                <a:ea typeface="Tahoma" panose="020B0604030504040204" pitchFamily="34" charset="0"/>
+                <a:cs typeface="Tahoma" panose="020B0604030504040204" pitchFamily="34" charset="0"/>
+              </a:rPr>
+              <a:t>Інженерне та технологічні проектування, ремонт та облаштування приміщення відповідно до обов'язкових вимог– 16 000 грн</a:t>
+            </a:r>
+          </a:p>
+          <a:p>
+            <a:pPr marL="342900" indent="-342900" algn="just">
+              <a:buFont typeface="Wingdings" panose="05000000000000000000" pitchFamily="2" charset="2"/>
+              <a:buChar char="Ø"/>
+            </a:pPr>
+            <a:r>
+              <a:rPr lang="uk-UA" sz="2400" dirty="0">
+                <a:gradFill flip="none" rotWithShape="1">
+                  <a:gsLst>
+                    <a:gs pos="100000">
+                      <a:schemeClr val="tx1">
+                        <a:lumMod val="85000"/>
+                        <a:lumOff val="15000"/>
+                      </a:schemeClr>
+                    </a:gs>
+                    <a:gs pos="0">
+                      <a:schemeClr val="tx1">
+                        <a:lumMod val="95000"/>
+                        <a:lumOff val="5000"/>
+                      </a:schemeClr>
+                    </a:gs>
+                  </a:gsLst>
+                  <a:lin ang="18900000" scaled="1"/>
+                  <a:tileRect/>
+                </a:gradFill>
+                <a:latin typeface="Tahoma" panose="020B0604030504040204" pitchFamily="34" charset="0"/>
+                <a:ea typeface="Tahoma" panose="020B0604030504040204" pitchFamily="34" charset="0"/>
+                <a:cs typeface="Tahoma" panose="020B0604030504040204" pitchFamily="34" charset="0"/>
+              </a:rPr>
+              <a:t>Закупівля необхідного обладнання, інструментів та меблів – 4</a:t>
+            </a:r>
+            <a:r>
+              <a:rPr lang="en-US" sz="2400" dirty="0">
+                <a:gradFill flip="none" rotWithShape="1">
+                  <a:gsLst>
+                    <a:gs pos="100000">
+                      <a:schemeClr val="tx1">
+                        <a:lumMod val="85000"/>
+                        <a:lumOff val="15000"/>
+                      </a:schemeClr>
+                    </a:gs>
+                    <a:gs pos="0">
+                      <a:schemeClr val="tx1">
+                        <a:lumMod val="95000"/>
+                        <a:lumOff val="5000"/>
+                      </a:schemeClr>
+                    </a:gs>
+                  </a:gsLst>
+                  <a:lin ang="18900000" scaled="1"/>
+                  <a:tileRect/>
+                </a:gradFill>
+                <a:latin typeface="Tahoma" panose="020B0604030504040204" pitchFamily="34" charset="0"/>
+                <a:ea typeface="Tahoma" panose="020B0604030504040204" pitchFamily="34" charset="0"/>
+                <a:cs typeface="Tahoma" panose="020B0604030504040204" pitchFamily="34" charset="0"/>
+              </a:rPr>
+              <a:t>7</a:t>
+            </a:r>
+            <a:r>
+              <a:rPr lang="uk-UA" sz="2400" dirty="0">
+                <a:gradFill flip="none" rotWithShape="1">
+                  <a:gsLst>
+                    <a:gs pos="100000">
+                      <a:schemeClr val="tx1">
+                        <a:lumMod val="85000"/>
+                        <a:lumOff val="15000"/>
+                      </a:schemeClr>
+                    </a:gs>
+                    <a:gs pos="0">
+                      <a:schemeClr val="tx1">
+                        <a:lumMod val="95000"/>
+                        <a:lumOff val="5000"/>
+                      </a:schemeClr>
+                    </a:gs>
+                  </a:gsLst>
+                  <a:lin ang="18900000" scaled="1"/>
+                  <a:tileRect/>
+                </a:gradFill>
+                <a:latin typeface="Tahoma" panose="020B0604030504040204" pitchFamily="34" charset="0"/>
+                <a:ea typeface="Tahoma" panose="020B0604030504040204" pitchFamily="34" charset="0"/>
+                <a:cs typeface="Tahoma" panose="020B0604030504040204" pitchFamily="34" charset="0"/>
+              </a:rPr>
+              <a:t> 000 грн</a:t>
+            </a:r>
+          </a:p>
+          <a:p>
+            <a:pPr algn="just"/>
+            <a:endParaRPr lang="uk-UA" sz="2400" dirty="0">
+              <a:gradFill flip="none" rotWithShape="1">
+                <a:gsLst>
+                  <a:gs pos="100000">
+                    <a:schemeClr val="tx1">
+                      <a:lumMod val="85000"/>
+                      <a:lumOff val="15000"/>
+                    </a:schemeClr>
+                  </a:gs>
+                  <a:gs pos="0">
+                    <a:schemeClr val="tx1">
+                      <a:lumMod val="95000"/>
+                      <a:lumOff val="5000"/>
+                    </a:schemeClr>
+                  </a:gs>
+                </a:gsLst>
+                <a:lin ang="18900000" scaled="1"/>
+                <a:tileRect/>
+              </a:gradFill>
+              <a:latin typeface="Tahoma" panose="020B0604030504040204" pitchFamily="34" charset="0"/>
+              <a:ea typeface="Tahoma" panose="020B0604030504040204" pitchFamily="34" charset="0"/>
+              <a:cs typeface="Tahoma" panose="020B0604030504040204" pitchFamily="34" charset="0"/>
+            </a:endParaRPr>
+          </a:p>
+          <a:p>
+            <a:pPr algn="just"/>
+            <a:r>
+              <a:rPr lang="uk-UA" sz="3200" b="1" dirty="0">
+                <a:gradFill flip="none" rotWithShape="1">
+                  <a:gsLst>
+                    <a:gs pos="16000">
+                      <a:srgbClr val="276399"/>
+                    </a:gs>
+                    <a:gs pos="100000">
+                      <a:srgbClr val="5380FF"/>
+                    </a:gs>
+                  </a:gsLst>
+                  <a:lin ang="18900000" scaled="1"/>
+                  <a:tileRect/>
+                </a:gradFill>
+                <a:latin typeface="Segoe Print" panose="02000600000000000000" pitchFamily="2" charset="0"/>
+                <a:ea typeface="Open Sans" panose="020B0606030504020204" pitchFamily="34" charset="0"/>
+                <a:cs typeface="Open Sans" panose="020B0606030504020204" pitchFamily="34" charset="0"/>
+              </a:rPr>
+              <a:t>Разом </a:t>
+            </a:r>
+            <a:r>
+              <a:rPr lang="en-US" sz="3200" b="1" dirty="0">
+                <a:gradFill flip="none" rotWithShape="1">
+                  <a:gsLst>
+                    <a:gs pos="16000">
+                      <a:srgbClr val="276399"/>
+                    </a:gs>
+                    <a:gs pos="100000">
+                      <a:srgbClr val="5380FF"/>
+                    </a:gs>
+                  </a:gsLst>
+                  <a:lin ang="18900000" scaled="1"/>
+                  <a:tileRect/>
+                </a:gradFill>
+                <a:latin typeface="Segoe Print" panose="02000600000000000000" pitchFamily="2" charset="0"/>
+                <a:ea typeface="Open Sans" panose="020B0606030504020204" pitchFamily="34" charset="0"/>
+                <a:cs typeface="Open Sans" panose="020B0606030504020204" pitchFamily="34" charset="0"/>
+              </a:rPr>
+              <a:t>71</a:t>
+            </a:r>
+            <a:r>
+              <a:rPr lang="uk-UA" sz="3200" b="1" dirty="0">
+                <a:gradFill flip="none" rotWithShape="1">
+                  <a:gsLst>
+                    <a:gs pos="16000">
+                      <a:srgbClr val="276399"/>
+                    </a:gs>
+                    <a:gs pos="100000">
+                      <a:srgbClr val="5380FF"/>
+                    </a:gs>
+                  </a:gsLst>
+                  <a:lin ang="18900000" scaled="1"/>
+                  <a:tileRect/>
+                </a:gradFill>
+                <a:latin typeface="Segoe Print" panose="02000600000000000000" pitchFamily="2" charset="0"/>
+                <a:ea typeface="Open Sans" panose="020B0606030504020204" pitchFamily="34" charset="0"/>
+                <a:cs typeface="Open Sans" panose="020B0606030504020204" pitchFamily="34" charset="0"/>
+              </a:rPr>
+              <a:t> 0</a:t>
+            </a:r>
+            <a:r>
+              <a:rPr lang="en-US" sz="3200" b="1" dirty="0">
+                <a:gradFill flip="none" rotWithShape="1">
+                  <a:gsLst>
+                    <a:gs pos="16000">
+                      <a:srgbClr val="276399"/>
+                    </a:gs>
+                    <a:gs pos="100000">
+                      <a:srgbClr val="5380FF"/>
+                    </a:gs>
+                  </a:gsLst>
+                  <a:lin ang="18900000" scaled="1"/>
+                  <a:tileRect/>
+                </a:gradFill>
+                <a:latin typeface="Segoe Print" panose="02000600000000000000" pitchFamily="2" charset="0"/>
+                <a:ea typeface="Open Sans" panose="020B0606030504020204" pitchFamily="34" charset="0"/>
+                <a:cs typeface="Open Sans" panose="020B0606030504020204" pitchFamily="34" charset="0"/>
+              </a:rPr>
+              <a:t>0</a:t>
+            </a:r>
+            <a:r>
+              <a:rPr lang="uk-UA" sz="3200" b="1" dirty="0">
+                <a:gradFill flip="none" rotWithShape="1">
+                  <a:gsLst>
+                    <a:gs pos="16000">
+                      <a:srgbClr val="276399"/>
+                    </a:gs>
+                    <a:gs pos="100000">
+                      <a:srgbClr val="5380FF"/>
+                    </a:gs>
+                  </a:gsLst>
+                  <a:lin ang="18900000" scaled="1"/>
+                  <a:tileRect/>
+                </a:gradFill>
+                <a:latin typeface="Segoe Print" panose="02000600000000000000" pitchFamily="2" charset="0"/>
+                <a:ea typeface="Open Sans" panose="020B0606030504020204" pitchFamily="34" charset="0"/>
+                <a:cs typeface="Open Sans" panose="020B0606030504020204" pitchFamily="34" charset="0"/>
+              </a:rPr>
+              <a:t>0 грн</a:t>
+            </a:r>
+            <a:endParaRPr lang="uk-UA" sz="3200" b="1" dirty="0">
+              <a:gradFill flip="none" rotWithShape="1">
+                <a:gsLst>
+                  <a:gs pos="100000">
+                    <a:schemeClr val="tx1">
+                      <a:lumMod val="85000"/>
+                      <a:lumOff val="15000"/>
+                    </a:schemeClr>
+                  </a:gs>
+                  <a:gs pos="0">
+                    <a:schemeClr val="tx1">
+                      <a:lumMod val="95000"/>
+                      <a:lumOff val="5000"/>
+                    </a:schemeClr>
+                  </a:gs>
+                </a:gsLst>
+                <a:lin ang="18900000" scaled="1"/>
+                <a:tileRect/>
+              </a:gradFill>
+              <a:latin typeface="Tahoma" panose="020B0604030504040204" pitchFamily="34" charset="0"/>
+              <a:ea typeface="Tahoma" panose="020B0604030504040204" pitchFamily="34" charset="0"/>
+              <a:cs typeface="Tahoma" panose="020B0604030504040204" pitchFamily="34" charset="0"/>
+            </a:endParaRPr>
+          </a:p>
+        </p:txBody>
+      </p:sp>
+    </p:spTree>
+    <p:extLst>
+      <p:ext uri="{BB962C8B-B14F-4D97-AF65-F5344CB8AC3E}">
+        <p14:creationId xmlns:p14="http://schemas.microsoft.com/office/powerpoint/2010/main" val="2745074324"/>
+      </p:ext>
+    </p:extLst>
+  </p:cSld>
+  <p:clrMapOvr>
+    <a:masterClrMapping/>
+  </p:clrMapOvr>
+  <p:transition spd="med">
+    <p:pull/>
+  </p:transition>
+</p:sld>
+</file>
+
+<file path=ppt/slides/slide12.xml><?xml version="1.0" encoding="utf-8"?>
+<p:sld xmlns:a="http://schemas.openxmlformats.org/drawingml/2006/main" xmlns:r="http://schemas.openxmlformats.org/officeDocument/2006/relationships" xmlns:p="http://schemas.openxmlformats.org/presentationml/2006/main">
+  <p:cSld>
+    <p:spTree>
+      <p:nvGrpSpPr>
+        <p:cNvPr id="1" name=""/>
+        <p:cNvGrpSpPr/>
+        <p:nvPr/>
+      </p:nvGrpSpPr>
+      <p:grpSpPr>
+        <a:xfrm>
+          <a:off x="0" y="0"/>
+          <a:ext cx="0" cy="0"/>
+          <a:chOff x="0" y="0"/>
+          <a:chExt cx="0" cy="0"/>
+        </a:xfrm>
+      </p:grpSpPr>
+      <p:sp>
+        <p:nvSpPr>
+          <p:cNvPr id="2" name="TextBox 1"/>
+          <p:cNvSpPr txBox="1"/>
+          <p:nvPr/>
+        </p:nvSpPr>
+        <p:spPr>
+          <a:xfrm>
+            <a:off x="0" y="144000"/>
+            <a:ext cx="12191999" cy="1354217"/>
+          </a:xfrm>
+          <a:prstGeom prst="rect">
+            <a:avLst/>
+          </a:prstGeom>
+          <a:noFill/>
+        </p:spPr>
+        <p:txBody>
+          <a:bodyPr wrap="square" rtlCol="0" anchor="ctr">
+            <a:spAutoFit/>
+          </a:bodyPr>
+          <a:lstStyle/>
+          <a:p>
+            <a:pPr algn="ctr"/>
+            <a:r>
+              <a:rPr lang="uk-UA" sz="5000" b="1" dirty="0">
+                <a:gradFill flip="none" rotWithShape="1">
+                  <a:gsLst>
+                    <a:gs pos="0">
+                      <a:srgbClr val="229633"/>
+                    </a:gs>
+                    <a:gs pos="100000">
+                      <a:srgbClr val="85CA3A"/>
+                    </a:gs>
+                  </a:gsLst>
+                  <a:lin ang="18900000" scaled="1"/>
+                  <a:tileRect/>
+                </a:gradFill>
+                <a:latin typeface="Segoe Print" panose="02000600000000000000" pitchFamily="2" charset="0"/>
+                <a:ea typeface="Open Sans" panose="020B0606030504020204" pitchFamily="34" charset="0"/>
+                <a:cs typeface="Open Sans" panose="020B0606030504020204" pitchFamily="34" charset="0"/>
+              </a:rPr>
+              <a:t>Фінансовий план</a:t>
+            </a:r>
+          </a:p>
+          <a:p>
+            <a:pPr algn="ctr"/>
+            <a:r>
+              <a:rPr lang="uk-UA" sz="3200" b="1" dirty="0">
+                <a:gradFill flip="none" rotWithShape="1">
+                  <a:gsLst>
+                    <a:gs pos="16000">
+                      <a:srgbClr val="276399"/>
+                    </a:gs>
+                    <a:gs pos="100000">
+                      <a:srgbClr val="5380FF"/>
+                    </a:gs>
+                  </a:gsLst>
+                  <a:lin ang="18900000" scaled="1"/>
+                  <a:tileRect/>
+                </a:gradFill>
+                <a:latin typeface="Segoe Print" panose="02000600000000000000" pitchFamily="2" charset="0"/>
+                <a:ea typeface="Open Sans" panose="020B0606030504020204" pitchFamily="34" charset="0"/>
+                <a:cs typeface="Open Sans" panose="020B0606030504020204" pitchFamily="34" charset="0"/>
+              </a:rPr>
               <a:t>Щомісячні витрати</a:t>
             </a:r>
-            <a:endParaRPr lang="uk-UA" sz="3200" b="1" dirty="0" smtClean="0">
+            <a:endParaRPr lang="uk-UA" sz="3200" b="1" dirty="0">
               <a:gradFill flip="none" rotWithShape="1">
                 <a:gsLst>
                   <a:gs pos="0">
@@ -3725,7 +5590,7 @@
           <a:p>
             <a:pPr algn="just"/>
             <a:r>
-              <a:rPr lang="uk-UA" sz="2400" dirty="0" smtClean="0">
+              <a:rPr lang="uk-UA" sz="2400" dirty="0">
                 <a:gradFill flip="none" rotWithShape="1">
                   <a:gsLst>
                     <a:gs pos="100000">
@@ -3748,13 +5613,10 @@
                 <a:ea typeface="Tahoma" panose="020B0604030504040204" pitchFamily="34" charset="0"/>
                 <a:cs typeface="Tahoma" panose="020B0604030504040204" pitchFamily="34" charset="0"/>
               </a:rPr>
-              <a:t>Оренда приміщення – 8 000 грн</a:t>
-            </a:r>
-          </a:p>
-          <a:p>
-            <a:pPr algn="just"/>
-            <a:r>
-              <a:rPr lang="uk-UA" sz="2400" dirty="0" smtClean="0">
+              <a:t>Оренда приміщення – </a:t>
+            </a:r>
+            <a:r>
+              <a:rPr lang="en-US" sz="2400" dirty="0">
                 <a:gradFill flip="none" rotWithShape="1">
                   <a:gsLst>
                     <a:gs pos="100000">
@@ -3777,13 +5639,120 @@
                 <a:ea typeface="Tahoma" panose="020B0604030504040204" pitchFamily="34" charset="0"/>
                 <a:cs typeface="Tahoma" panose="020B0604030504040204" pitchFamily="34" charset="0"/>
               </a:rPr>
-              <a:t>Комунальні платежі – 9 000 грн</a:t>
+              <a:t>6</a:t>
+            </a:r>
+            <a:r>
+              <a:rPr lang="uk-UA" sz="2400" dirty="0">
+                <a:gradFill flip="none" rotWithShape="1">
+                  <a:gsLst>
+                    <a:gs pos="100000">
+                      <a:schemeClr val="tx1">
+                        <a:lumMod val="85000"/>
+                        <a:lumOff val="15000"/>
+                      </a:schemeClr>
+                    </a:gs>
+                    <a:gs pos="0">
+                      <a:schemeClr val="tx1">
+                        <a:lumMod val="95000"/>
+                        <a:lumOff val="5000"/>
+                      </a:schemeClr>
+                    </a:gs>
+                  </a:gsLst>
+                  <a:lin ang="18900000" scaled="1"/>
+                  <a:tileRect/>
+                </a:gradFill>
+                <a:latin typeface="Tahoma" panose="020B0604030504040204" pitchFamily="34" charset="0"/>
+                <a:ea typeface="Tahoma" panose="020B0604030504040204" pitchFamily="34" charset="0"/>
+                <a:cs typeface="Tahoma" panose="020B0604030504040204" pitchFamily="34" charset="0"/>
+              </a:rPr>
+              <a:t> 000 грн</a:t>
             </a:r>
           </a:p>
           <a:p>
             <a:pPr algn="just"/>
             <a:r>
-              <a:rPr lang="uk-UA" sz="2400" dirty="0" smtClean="0">
+              <a:rPr lang="uk-UA" sz="2400" dirty="0">
+                <a:gradFill flip="none" rotWithShape="1">
+                  <a:gsLst>
+                    <a:gs pos="100000">
+                      <a:schemeClr val="tx1">
+                        <a:lumMod val="85000"/>
+                        <a:lumOff val="15000"/>
+                      </a:schemeClr>
+                    </a:gs>
+                    <a:gs pos="0">
+                      <a:schemeClr val="tx1">
+                        <a:lumMod val="95000"/>
+                        <a:lumOff val="5000"/>
+                      </a:schemeClr>
+                    </a:gs>
+                  </a:gsLst>
+                  <a:lin ang="18900000" scaled="1"/>
+                  <a:tileRect/>
+                </a:gradFill>
+                <a:latin typeface="Tahoma" panose="020B0604030504040204" pitchFamily="34" charset="0"/>
+                <a:ea typeface="Tahoma" panose="020B0604030504040204" pitchFamily="34" charset="0"/>
+                <a:cs typeface="Tahoma" panose="020B0604030504040204" pitchFamily="34" charset="0"/>
+              </a:rPr>
+              <a:t>Комунальні платежі – </a:t>
+            </a:r>
+            <a:r>
+              <a:rPr lang="en-US" sz="2400" dirty="0">
+                <a:gradFill flip="none" rotWithShape="1">
+                  <a:gsLst>
+                    <a:gs pos="100000">
+                      <a:schemeClr val="tx1">
+                        <a:lumMod val="85000"/>
+                        <a:lumOff val="15000"/>
+                      </a:schemeClr>
+                    </a:gs>
+                    <a:gs pos="0">
+                      <a:schemeClr val="tx1">
+                        <a:lumMod val="95000"/>
+                        <a:lumOff val="5000"/>
+                      </a:schemeClr>
+                    </a:gs>
+                  </a:gsLst>
+                  <a:lin ang="18900000" scaled="1"/>
+                  <a:tileRect/>
+                </a:gradFill>
+                <a:latin typeface="Tahoma" panose="020B0604030504040204" pitchFamily="34" charset="0"/>
+                <a:ea typeface="Tahoma" panose="020B0604030504040204" pitchFamily="34" charset="0"/>
+                <a:cs typeface="Tahoma" panose="020B0604030504040204" pitchFamily="34" charset="0"/>
+              </a:rPr>
+              <a:t>4</a:t>
+            </a:r>
+            <a:r>
+              <a:rPr lang="uk-UA" sz="2400" dirty="0">
+                <a:gradFill flip="none" rotWithShape="1">
+                  <a:gsLst>
+                    <a:gs pos="100000">
+                      <a:schemeClr val="tx1">
+                        <a:lumMod val="85000"/>
+                        <a:lumOff val="15000"/>
+                      </a:schemeClr>
+                    </a:gs>
+                    <a:gs pos="0">
+                      <a:schemeClr val="tx1">
+                        <a:lumMod val="95000"/>
+                        <a:lumOff val="5000"/>
+                      </a:schemeClr>
+                    </a:gs>
+                  </a:gsLst>
+                  <a:lin ang="18900000" scaled="1"/>
+                  <a:tileRect/>
+                </a:gradFill>
+                <a:latin typeface="Tahoma" panose="020B0604030504040204" pitchFamily="34" charset="0"/>
+                <a:ea typeface="Tahoma" panose="020B0604030504040204" pitchFamily="34" charset="0"/>
+                <a:cs typeface="Tahoma" panose="020B0604030504040204" pitchFamily="34" charset="0"/>
+              </a:rPr>
+              <a:t> 000 грн</a:t>
+            </a:r>
+          </a:p>
+          <a:p>
+            <a:pPr algn="just"/>
+            <a:r>
+              <a:rPr lang="uk-UA" sz="2400" dirty="0">
                 <a:gradFill flip="none" rotWithShape="1">
                   <a:gsLst>
                     <a:gs pos="100000">
@@ -3812,7 +5781,7 @@
           <a:p>
             <a:pPr algn="just"/>
             <a:r>
-              <a:rPr lang="uk-UA" sz="2400" dirty="0" smtClean="0">
+              <a:rPr lang="uk-UA" sz="2400" dirty="0">
                 <a:gradFill flip="none" rotWithShape="1">
                   <a:gsLst>
                     <a:gs pos="100000">
@@ -3835,13 +5804,65 @@
                 <a:ea typeface="Tahoma" panose="020B0604030504040204" pitchFamily="34" charset="0"/>
                 <a:cs typeface="Tahoma" panose="020B0604030504040204" pitchFamily="34" charset="0"/>
               </a:rPr>
-              <a:t>Оплата праці персоналу – 135 000 грн</a:t>
+              <a:t>Оплата праці персоналу – 1</a:t>
+            </a:r>
+            <a:r>
+              <a:rPr lang="en-US" sz="2400" dirty="0">
+                <a:gradFill flip="none" rotWithShape="1">
+                  <a:gsLst>
+                    <a:gs pos="100000">
+                      <a:schemeClr val="tx1">
+                        <a:lumMod val="85000"/>
+                        <a:lumOff val="15000"/>
+                      </a:schemeClr>
+                    </a:gs>
+                    <a:gs pos="0">
+                      <a:schemeClr val="tx1">
+                        <a:lumMod val="95000"/>
+                        <a:lumOff val="5000"/>
+                      </a:schemeClr>
+                    </a:gs>
+                  </a:gsLst>
+                  <a:lin ang="18900000" scaled="1"/>
+                  <a:tileRect/>
+                </a:gradFill>
+                <a:latin typeface="Tahoma" panose="020B0604030504040204" pitchFamily="34" charset="0"/>
+                <a:ea typeface="Tahoma" panose="020B0604030504040204" pitchFamily="34" charset="0"/>
+                <a:cs typeface="Tahoma" panose="020B0604030504040204" pitchFamily="34" charset="0"/>
+              </a:rPr>
+              <a:t>09</a:t>
+            </a:r>
+            <a:r>
+              <a:rPr lang="uk-UA" sz="2400" dirty="0">
+                <a:gradFill flip="none" rotWithShape="1">
+                  <a:gsLst>
+                    <a:gs pos="100000">
+                      <a:schemeClr val="tx1">
+                        <a:lumMod val="85000"/>
+                        <a:lumOff val="15000"/>
+                      </a:schemeClr>
+                    </a:gs>
+                    <a:gs pos="0">
+                      <a:schemeClr val="tx1">
+                        <a:lumMod val="95000"/>
+                        <a:lumOff val="5000"/>
+                      </a:schemeClr>
+                    </a:gs>
+                  </a:gsLst>
+                  <a:lin ang="18900000" scaled="1"/>
+                  <a:tileRect/>
+                </a:gradFill>
+                <a:latin typeface="Tahoma" panose="020B0604030504040204" pitchFamily="34" charset="0"/>
+                <a:ea typeface="Tahoma" panose="020B0604030504040204" pitchFamily="34" charset="0"/>
+                <a:cs typeface="Tahoma" panose="020B0604030504040204" pitchFamily="34" charset="0"/>
+              </a:rPr>
+              <a:t> 000 грн</a:t>
             </a:r>
           </a:p>
           <a:p>
             <a:pPr algn="just"/>
             <a:r>
-              <a:rPr lang="uk-UA" sz="2400" dirty="0" smtClean="0">
+              <a:rPr lang="uk-UA" sz="2400" dirty="0">
                 <a:gradFill flip="none" rotWithShape="1">
                   <a:gsLst>
                     <a:gs pos="100000">
@@ -3869,7 +5890,7 @@
           </a:p>
           <a:p>
             <a:pPr algn="just"/>
-            <a:endParaRPr lang="uk-UA" sz="2400" dirty="0" smtClean="0">
+            <a:endParaRPr lang="uk-UA" sz="2400" dirty="0">
               <a:gradFill flip="none" rotWithShape="1">
                 <a:gsLst>
                   <a:gs pos="100000">
@@ -3913,10 +5934,10 @@
                 <a:ea typeface="Open Sans" panose="020B0606030504020204" pitchFamily="34" charset="0"/>
                 <a:cs typeface="Open Sans" panose="020B0606030504020204" pitchFamily="34" charset="0"/>
               </a:rPr>
-              <a:t>Разом 165 020 </a:t>
-            </a:r>
-            <a:r>
-              <a:rPr lang="uk-UA" sz="3200" b="1" dirty="0" smtClean="0">
+              <a:t>Разом 1</a:t>
+            </a:r>
+            <a:r>
+              <a:rPr lang="en-US" sz="3200" b="1" dirty="0">
                 <a:gradFill flip="none" rotWithShape="1">
                   <a:gsLst>
                     <a:gs pos="16000">
@@ -3933,7 +5954,27 @@
                 <a:ea typeface="Open Sans" panose="020B0606030504020204" pitchFamily="34" charset="0"/>
                 <a:cs typeface="Open Sans" panose="020B0606030504020204" pitchFamily="34" charset="0"/>
               </a:rPr>
-              <a:t>грн</a:t>
+              <a:t>32</a:t>
+            </a:r>
+            <a:r>
+              <a:rPr lang="uk-UA" sz="3200" b="1" dirty="0">
+                <a:gradFill flip="none" rotWithShape="1">
+                  <a:gsLst>
+                    <a:gs pos="16000">
+                      <a:srgbClr val="276399"/>
+                    </a:gs>
+                    <a:gs pos="100000">
+                      <a:srgbClr val="5380FF"/>
+                    </a:gs>
+                  </a:gsLst>
+                  <a:lin ang="18900000" scaled="1"/>
+                  <a:tileRect/>
+                </a:gradFill>
+                <a:latin typeface="Segoe Print" panose="02000600000000000000" pitchFamily="2" charset="0"/>
+                <a:ea typeface="Open Sans" panose="020B0606030504020204" pitchFamily="34" charset="0"/>
+                <a:cs typeface="Open Sans" panose="020B0606030504020204" pitchFamily="34" charset="0"/>
+              </a:rPr>
+              <a:t> 020 грн</a:t>
             </a:r>
             <a:endParaRPr lang="uk-UA" sz="3200" b="1" dirty="0">
               <a:gradFill flip="none" rotWithShape="1">
@@ -3974,17 +6015,10 @@
   <p:transition spd="med">
     <p:pull/>
   </p:transition>
-  <p:timing>
-    <p:tnLst>
-      <p:par>
-        <p:cTn id="1" dur="indefinite" restart="never" nodeType="tmRoot"/>
-      </p:par>
-    </p:tnLst>
-  </p:timing>
 </p:sld>
 </file>
 
-<file path=ppt/slides/slide11.xml><?xml version="1.0" encoding="utf-8"?>
+<file path=ppt/slides/slide13.xml><?xml version="1.0" encoding="utf-8"?>
 <p:sld xmlns:a="http://schemas.openxmlformats.org/drawingml/2006/main" xmlns:r="http://schemas.openxmlformats.org/officeDocument/2006/relationships" xmlns:p="http://schemas.openxmlformats.org/presentationml/2006/main">
   <p:cSld>
     <p:spTree>
@@ -4044,23 +6078,6 @@
               </a:rPr>
               <a:t>Манікюрний кабінет</a:t>
             </a:r>
-            <a:endParaRPr lang="uk-UA" sz="5000" b="1" dirty="0" smtClean="0">
-              <a:gradFill flip="none" rotWithShape="1">
-                <a:gsLst>
-                  <a:gs pos="0">
-                    <a:srgbClr val="229633"/>
-                  </a:gs>
-                  <a:gs pos="100000">
-                    <a:srgbClr val="85CA3A"/>
-                  </a:gs>
-                </a:gsLst>
-                <a:lin ang="18900000" scaled="1"/>
-                <a:tileRect/>
-              </a:gradFill>
-              <a:latin typeface="Segoe Print" panose="02000600000000000000" pitchFamily="2" charset="0"/>
-              <a:ea typeface="Open Sans" panose="020B0606030504020204" pitchFamily="34" charset="0"/>
-              <a:cs typeface="Open Sans" panose="020B0606030504020204" pitchFamily="34" charset="0"/>
-            </a:endParaRPr>
           </a:p>
         </p:txBody>
       </p:sp>
@@ -4073,7 +6090,7 @@
           <p:nvPr>
             <p:extLst>
               <p:ext uri="{D42A27DB-BD31-4B8C-83A1-F6EECF244321}">
-                <p14:modId xmlns:p14="http://schemas.microsoft.com/office/powerpoint/2010/main" val="3695030345"/>
+                <p14:modId xmlns:p14="http://schemas.microsoft.com/office/powerpoint/2010/main" val="925084297"/>
               </p:ext>
             </p:extLst>
           </p:nvPr>
@@ -4096,10 +6113,34 @@
                 <a:tableStyleId>{93296810-A885-4BE3-A3E7-6D5BEEA58F35}</a:tableStyleId>
               </a:tblPr>
               <a:tblGrid>
-                <a:gridCol w="3600000"/>
-                <a:gridCol w="2520000"/>
-                <a:gridCol w="2088000"/>
-                <a:gridCol w="2088000"/>
+                <a:gridCol w="3600000">
+                  <a:extLst>
+                    <a:ext uri="{9D8B030D-6E8A-4147-A177-3AD203B41FA5}">
+                      <a16:colId xmlns:a16="http://schemas.microsoft.com/office/drawing/2014/main" val="20000"/>
+                    </a:ext>
+                  </a:extLst>
+                </a:gridCol>
+                <a:gridCol w="2520000">
+                  <a:extLst>
+                    <a:ext uri="{9D8B030D-6E8A-4147-A177-3AD203B41FA5}">
+                      <a16:colId xmlns:a16="http://schemas.microsoft.com/office/drawing/2014/main" val="20001"/>
+                    </a:ext>
+                  </a:extLst>
+                </a:gridCol>
+                <a:gridCol w="2088000">
+                  <a:extLst>
+                    <a:ext uri="{9D8B030D-6E8A-4147-A177-3AD203B41FA5}">
+                      <a16:colId xmlns:a16="http://schemas.microsoft.com/office/drawing/2014/main" val="20002"/>
+                    </a:ext>
+                  </a:extLst>
+                </a:gridCol>
+                <a:gridCol w="2088000">
+                  <a:extLst>
+                    <a:ext uri="{9D8B030D-6E8A-4147-A177-3AD203B41FA5}">
+                      <a16:colId xmlns:a16="http://schemas.microsoft.com/office/drawing/2014/main" val="20003"/>
+                    </a:ext>
+                  </a:extLst>
+                </a:gridCol>
               </a:tblGrid>
               <a:tr h="864000">
                 <a:tc>
@@ -4109,7 +6150,7 @@
                     <a:p>
                       <a:pPr algn="ctr"/>
                       <a:r>
-                        <a:rPr lang="uk-UA" sz="2400" noProof="0" dirty="0" smtClean="0">
+                        <a:rPr lang="uk-UA" sz="2400" noProof="0" dirty="0">
                           <a:solidFill>
                             <a:schemeClr val="tx1"/>
                           </a:solidFill>
@@ -4120,15 +6161,6 @@
                         </a:rPr>
                         <a:t>Інвентар</a:t>
                       </a:r>
-                      <a:endParaRPr lang="uk-UA" sz="2400" noProof="0" dirty="0">
-                        <a:solidFill>
-                          <a:schemeClr val="tx1"/>
-                        </a:solidFill>
-                        <a:effectLst/>
-                        <a:latin typeface="Open Sans" panose="020B0606030504020204" pitchFamily="34" charset="0"/>
-                        <a:ea typeface="Open Sans" panose="020B0606030504020204" pitchFamily="34" charset="0"/>
-                        <a:cs typeface="Open Sans" panose="020B0606030504020204" pitchFamily="34" charset="0"/>
-                      </a:endParaRPr>
                     </a:p>
                   </a:txBody>
                   <a:tcPr anchor="ctr">
@@ -4146,7 +6178,7 @@
                     <a:p>
                       <a:pPr algn="ctr"/>
                       <a:r>
-                        <a:rPr lang="uk-UA" sz="2400" noProof="0" dirty="0" smtClean="0">
+                        <a:rPr lang="uk-UA" sz="2400" noProof="0" dirty="0">
                           <a:solidFill>
                             <a:schemeClr val="tx1"/>
                           </a:solidFill>
@@ -4157,15 +6189,6 @@
                         </a:rPr>
                         <a:t>Вартість 1 шт.</a:t>
                       </a:r>
-                      <a:endParaRPr lang="uk-UA" sz="2400" noProof="0" dirty="0">
-                        <a:solidFill>
-                          <a:schemeClr val="tx1"/>
-                        </a:solidFill>
-                        <a:effectLst/>
-                        <a:latin typeface="Open Sans" panose="020B0606030504020204" pitchFamily="34" charset="0"/>
-                        <a:ea typeface="Open Sans" panose="020B0606030504020204" pitchFamily="34" charset="0"/>
-                        <a:cs typeface="Open Sans" panose="020B0606030504020204" pitchFamily="34" charset="0"/>
-                      </a:endParaRPr>
                     </a:p>
                   </a:txBody>
                   <a:tcPr anchor="ctr">
@@ -4183,7 +6206,7 @@
                     <a:p>
                       <a:pPr algn="ctr"/>
                       <a:r>
-                        <a:rPr lang="uk-UA" sz="2400" noProof="0" dirty="0" smtClean="0">
+                        <a:rPr lang="uk-UA" sz="2400" noProof="0" dirty="0">
                           <a:solidFill>
                             <a:schemeClr val="tx1"/>
                           </a:solidFill>
@@ -4194,15 +6217,6 @@
                         </a:rPr>
                         <a:t>Кількість</a:t>
                       </a:r>
-                      <a:endParaRPr lang="uk-UA" sz="2400" noProof="0" dirty="0">
-                        <a:solidFill>
-                          <a:schemeClr val="tx1"/>
-                        </a:solidFill>
-                        <a:effectLst/>
-                        <a:latin typeface="Open Sans" panose="020B0606030504020204" pitchFamily="34" charset="0"/>
-                        <a:ea typeface="Open Sans" panose="020B0606030504020204" pitchFamily="34" charset="0"/>
-                        <a:cs typeface="Open Sans" panose="020B0606030504020204" pitchFamily="34" charset="0"/>
-                      </a:endParaRPr>
                     </a:p>
                   </a:txBody>
                   <a:tcPr anchor="ctr">
@@ -4220,7 +6234,7 @@
                     <a:p>
                       <a:pPr algn="ctr"/>
                       <a:r>
-                        <a:rPr lang="uk-UA" sz="2400" noProof="0" dirty="0" smtClean="0">
+                        <a:rPr lang="uk-UA" sz="2400" noProof="0" dirty="0">
                           <a:solidFill>
                             <a:schemeClr val="tx1"/>
                           </a:solidFill>
@@ -4231,15 +6245,6 @@
                         </a:rPr>
                         <a:t>Сума</a:t>
                       </a:r>
-                      <a:endParaRPr lang="uk-UA" sz="2400" noProof="0" dirty="0">
-                        <a:solidFill>
-                          <a:schemeClr val="tx1"/>
-                        </a:solidFill>
-                        <a:effectLst/>
-                        <a:latin typeface="Open Sans" panose="020B0606030504020204" pitchFamily="34" charset="0"/>
-                        <a:ea typeface="Open Sans" panose="020B0606030504020204" pitchFamily="34" charset="0"/>
-                        <a:cs typeface="Open Sans" panose="020B0606030504020204" pitchFamily="34" charset="0"/>
-                      </a:endParaRPr>
                     </a:p>
                   </a:txBody>
                   <a:tcPr anchor="ctr">
@@ -4250,6 +6255,11 @@
                     </a:solidFill>
                   </a:tcPr>
                 </a:tc>
+                <a:extLst>
+                  <a:ext uri="{0D108BD9-81ED-4DB2-BD59-A6C34878D82A}">
+                    <a16:rowId xmlns:a16="http://schemas.microsoft.com/office/drawing/2014/main" val="10000"/>
+                  </a:ext>
+                </a:extLst>
               </a:tr>
               <a:tr h="504000">
                 <a:tc>
@@ -4259,7 +6269,7 @@
                     <a:p>
                       <a:pPr algn="l"/>
                       <a:r>
-                        <a:rPr lang="uk-UA" sz="2000" b="1" i="0" noProof="0" dirty="0" smtClean="0">
+                        <a:rPr lang="uk-UA" sz="2000" b="1" i="0" noProof="0" dirty="0">
                           <a:effectLst/>
                           <a:latin typeface="Segoe Print" panose="02000600000000000000" pitchFamily="2" charset="0"/>
                           <a:ea typeface="Tahoma" panose="020B0604030504040204" pitchFamily="34" charset="0"/>
@@ -4267,12 +6277,6 @@
                         </a:rPr>
                         <a:t>Крісло</a:t>
                       </a:r>
-                      <a:endParaRPr lang="uk-UA" sz="2000" b="1" i="0" noProof="0" dirty="0">
-                        <a:effectLst/>
-                        <a:latin typeface="Segoe Print" panose="02000600000000000000" pitchFamily="2" charset="0"/>
-                        <a:ea typeface="Tahoma" panose="020B0604030504040204" pitchFamily="34" charset="0"/>
-                        <a:cs typeface="Tahoma" panose="020B0604030504040204" pitchFamily="34" charset="0"/>
-                      </a:endParaRPr>
                     </a:p>
                   </a:txBody>
                   <a:tcPr anchor="ctr">
@@ -4291,7 +6295,7 @@
                     <a:p>
                       <a:pPr algn="ctr"/>
                       <a:r>
-                        <a:rPr lang="uk-UA" sz="2000" noProof="0" dirty="0" smtClean="0">
+                        <a:rPr lang="uk-UA" sz="2000" noProof="0" dirty="0">
                           <a:effectLst/>
                           <a:latin typeface="Segoe Print" panose="02000600000000000000" pitchFamily="2" charset="0"/>
                         </a:rPr>
@@ -4321,7 +6325,7 @@
                     <a:p>
                       <a:pPr algn="ctr"/>
                       <a:r>
-                        <a:rPr lang="en-US" sz="2000" noProof="0" dirty="0" smtClean="0">
+                        <a:rPr lang="en-US" sz="2000" noProof="0" dirty="0">
                           <a:effectLst/>
                           <a:latin typeface="Segoe Print" panose="02000600000000000000" pitchFamily="2" charset="0"/>
                         </a:rPr>
@@ -4351,7 +6355,7 @@
                     <a:p>
                       <a:pPr algn="ctr"/>
                       <a:r>
-                        <a:rPr lang="en-US" sz="2000" noProof="0" dirty="0" smtClean="0">
+                        <a:rPr lang="en-US" sz="2000" noProof="0" dirty="0">
                           <a:effectLst/>
                           <a:latin typeface="Segoe Print" panose="02000600000000000000" pitchFamily="2" charset="0"/>
                           <a:ea typeface="Tahoma" panose="020B0604030504040204" pitchFamily="34" charset="0"/>
@@ -4360,7 +6364,7 @@
                         <a:t>8</a:t>
                       </a:r>
                       <a:r>
-                        <a:rPr lang="uk-UA" sz="2000" noProof="0" dirty="0" smtClean="0">
+                        <a:rPr lang="uk-UA" sz="2000" noProof="0" dirty="0">
                           <a:effectLst/>
                           <a:latin typeface="Segoe Print" panose="02000600000000000000" pitchFamily="2" charset="0"/>
                           <a:ea typeface="Tahoma" panose="020B0604030504040204" pitchFamily="34" charset="0"/>
@@ -4368,12 +6372,6 @@
                         </a:rPr>
                         <a:t> 000 грн</a:t>
                       </a:r>
-                      <a:endParaRPr lang="uk-UA" sz="2000" noProof="0" dirty="0">
-                        <a:effectLst/>
-                        <a:latin typeface="Segoe Print" panose="02000600000000000000" pitchFamily="2" charset="0"/>
-                        <a:ea typeface="Tahoma" panose="020B0604030504040204" pitchFamily="34" charset="0"/>
-                        <a:cs typeface="Tahoma" panose="020B0604030504040204" pitchFamily="34" charset="0"/>
-                      </a:endParaRPr>
                     </a:p>
                   </a:txBody>
                   <a:tcPr anchor="ctr">
@@ -4385,6 +6383,11 @@
                     </a:solidFill>
                   </a:tcPr>
                 </a:tc>
+                <a:extLst>
+                  <a:ext uri="{0D108BD9-81ED-4DB2-BD59-A6C34878D82A}">
+                    <a16:rowId xmlns:a16="http://schemas.microsoft.com/office/drawing/2014/main" val="10001"/>
+                  </a:ext>
+                </a:extLst>
               </a:tr>
               <a:tr h="504000">
                 <a:tc>
@@ -4394,7 +6397,7 @@
                     <a:p>
                       <a:pPr algn="l"/>
                       <a:r>
-                        <a:rPr lang="uk-UA" sz="2000" b="1" i="0" noProof="0" dirty="0" smtClean="0">
+                        <a:rPr lang="uk-UA" sz="2000" b="1" i="0" noProof="0" dirty="0">
                           <a:effectLst/>
                           <a:latin typeface="Segoe Print" panose="02000600000000000000" pitchFamily="2" charset="0"/>
                           <a:ea typeface="Tahoma" panose="020B0604030504040204" pitchFamily="34" charset="0"/>
@@ -4402,12 +6405,6 @@
                         </a:rPr>
                         <a:t>Манікюрна витяжка</a:t>
                       </a:r>
-                      <a:endParaRPr lang="uk-UA" sz="2000" b="1" i="0" noProof="0" dirty="0">
-                        <a:effectLst/>
-                        <a:latin typeface="Segoe Print" panose="02000600000000000000" pitchFamily="2" charset="0"/>
-                        <a:ea typeface="Tahoma" panose="020B0604030504040204" pitchFamily="34" charset="0"/>
-                        <a:cs typeface="Tahoma" panose="020B0604030504040204" pitchFamily="34" charset="0"/>
-                      </a:endParaRPr>
                     </a:p>
                   </a:txBody>
                   <a:tcPr anchor="ctr">
@@ -4426,7 +6423,7 @@
                     <a:p>
                       <a:pPr algn="ctr"/>
                       <a:r>
-                        <a:rPr lang="en-US" sz="2000" noProof="0" dirty="0" smtClean="0">
+                        <a:rPr lang="en-US" sz="2000" noProof="0" dirty="0">
                           <a:effectLst/>
                           <a:latin typeface="Segoe Print" panose="02000600000000000000" pitchFamily="2" charset="0"/>
                           <a:ea typeface="Tahoma" panose="020B0604030504040204" pitchFamily="34" charset="0"/>
@@ -4435,13 +6432,37 @@
                         <a:t>8</a:t>
                       </a:r>
                       <a:r>
-                        <a:rPr lang="uk-UA" sz="2000" noProof="0" dirty="0" smtClean="0">
+                        <a:rPr lang="uk-UA" sz="2000" noProof="0" dirty="0">
                           <a:effectLst/>
                           <a:latin typeface="Segoe Print" panose="02000600000000000000" pitchFamily="2" charset="0"/>
                           <a:ea typeface="Tahoma" panose="020B0604030504040204" pitchFamily="34" charset="0"/>
                           <a:cs typeface="Tahoma" panose="020B0604030504040204" pitchFamily="34" charset="0"/>
                         </a:rPr>
                         <a:t> 000 грн</a:t>
+                      </a:r>
+                    </a:p>
+                  </a:txBody>
+                  <a:tcPr anchor="ctr">
+                    <a:solidFill>
+                      <a:schemeClr val="accent6">
+                        <a:tint val="20000"/>
+                        <a:alpha val="80000"/>
+                      </a:schemeClr>
+                    </a:solidFill>
+                  </a:tcPr>
+                </a:tc>
+                <a:tc>
+                  <a:txBody>
+                    <a:bodyPr/>
+                    <a:lstStyle/>
+                    <a:p>
+                      <a:pPr algn="ctr"/>
+                      <a:r>
+                        <a:rPr lang="en-US" sz="2000" noProof="0" dirty="0">
+                          <a:effectLst/>
+                          <a:latin typeface="Segoe Print" panose="02000600000000000000" pitchFamily="2" charset="0"/>
+                        </a:rPr>
+                        <a:t>2</a:t>
                       </a:r>
                       <a:endParaRPr lang="uk-UA" sz="2000" noProof="0" dirty="0">
                         <a:effectLst/>
@@ -4467,11 +6488,243 @@
                     <a:p>
                       <a:pPr algn="ctr"/>
                       <a:r>
-                        <a:rPr lang="en-US" sz="2000" noProof="0" dirty="0" smtClean="0">
+                        <a:rPr lang="en-US" sz="2000" b="0" noProof="0" dirty="0">
                           <a:effectLst/>
                           <a:latin typeface="Segoe Print" panose="02000600000000000000" pitchFamily="2" charset="0"/>
+                          <a:ea typeface="Tahoma" panose="020B0604030504040204" pitchFamily="34" charset="0"/>
+                          <a:cs typeface="Tahoma" panose="020B0604030504040204" pitchFamily="34" charset="0"/>
+                        </a:rPr>
+                        <a:t>16</a:t>
+                      </a:r>
+                      <a:r>
+                        <a:rPr lang="uk-UA" sz="2000" b="0" noProof="0" dirty="0">
+                          <a:effectLst/>
+                          <a:latin typeface="Segoe Print" panose="02000600000000000000" pitchFamily="2" charset="0"/>
+                          <a:ea typeface="Tahoma" panose="020B0604030504040204" pitchFamily="34" charset="0"/>
+                          <a:cs typeface="Tahoma" panose="020B0604030504040204" pitchFamily="34" charset="0"/>
+                        </a:rPr>
+                        <a:t> 000 грн</a:t>
+                      </a:r>
+                    </a:p>
+                  </a:txBody>
+                  <a:tcPr anchor="ctr">
+                    <a:solidFill>
+                      <a:schemeClr val="accent6">
+                        <a:tint val="20000"/>
+                        <a:alpha val="80000"/>
+                      </a:schemeClr>
+                    </a:solidFill>
+                  </a:tcPr>
+                </a:tc>
+                <a:extLst>
+                  <a:ext uri="{0D108BD9-81ED-4DB2-BD59-A6C34878D82A}">
+                    <a16:rowId xmlns:a16="http://schemas.microsoft.com/office/drawing/2014/main" val="10002"/>
+                  </a:ext>
+                </a:extLst>
+              </a:tr>
+              <a:tr h="504000">
+                <a:tc>
+                  <a:txBody>
+                    <a:bodyPr/>
+                    <a:lstStyle/>
+                    <a:p>
+                      <a:pPr algn="l"/>
+                      <a:r>
+                        <a:rPr lang="uk-UA" sz="2000" b="1" i="0" noProof="0" dirty="0">
+                          <a:effectLst/>
+                          <a:latin typeface="Segoe Print" panose="02000600000000000000" pitchFamily="2" charset="0"/>
+                          <a:ea typeface="Tahoma" panose="020B0604030504040204" pitchFamily="34" charset="0"/>
+                          <a:cs typeface="Tahoma" panose="020B0604030504040204" pitchFamily="34" charset="0"/>
+                        </a:rPr>
+                        <a:t>Манікюрна лампа</a:t>
+                      </a:r>
+                    </a:p>
+                  </a:txBody>
+                  <a:tcPr anchor="ctr">
+                    <a:solidFill>
+                      <a:schemeClr val="accent6">
+                        <a:tint val="40000"/>
+                        <a:alpha val="80000"/>
+                      </a:schemeClr>
+                    </a:solidFill>
+                  </a:tcPr>
+                </a:tc>
+                <a:tc>
+                  <a:txBody>
+                    <a:bodyPr/>
+                    <a:lstStyle/>
+                    <a:p>
+                      <a:pPr algn="ctr"/>
+                      <a:r>
+                        <a:rPr lang="en-US" sz="2000" noProof="0" dirty="0">
+                          <a:effectLst/>
+                          <a:latin typeface="Segoe Print" panose="02000600000000000000" pitchFamily="2" charset="0"/>
+                          <a:ea typeface="Tahoma" panose="020B0604030504040204" pitchFamily="34" charset="0"/>
+                          <a:cs typeface="Tahoma" panose="020B0604030504040204" pitchFamily="34" charset="0"/>
                         </a:rPr>
                         <a:t>2</a:t>
+                      </a:r>
+                      <a:r>
+                        <a:rPr lang="uk-UA" sz="2000" noProof="0" dirty="0">
+                          <a:effectLst/>
+                          <a:latin typeface="Segoe Print" panose="02000600000000000000" pitchFamily="2" charset="0"/>
+                          <a:ea typeface="Tahoma" panose="020B0604030504040204" pitchFamily="34" charset="0"/>
+                          <a:cs typeface="Tahoma" panose="020B0604030504040204" pitchFamily="34" charset="0"/>
+                        </a:rPr>
+                        <a:t> 000 грн</a:t>
+                      </a:r>
+                    </a:p>
+                  </a:txBody>
+                  <a:tcPr anchor="ctr">
+                    <a:solidFill>
+                      <a:schemeClr val="accent6">
+                        <a:tint val="40000"/>
+                        <a:alpha val="80000"/>
+                      </a:schemeClr>
+                    </a:solidFill>
+                  </a:tcPr>
+                </a:tc>
+                <a:tc>
+                  <a:txBody>
+                    <a:bodyPr/>
+                    <a:lstStyle/>
+                    <a:p>
+                      <a:pPr algn="ctr"/>
+                      <a:r>
+                        <a:rPr lang="uk-UA" sz="2000" noProof="0" dirty="0">
+                          <a:effectLst/>
+                          <a:latin typeface="Segoe Print" panose="02000600000000000000" pitchFamily="2" charset="0"/>
+                          <a:ea typeface="Tahoma" panose="020B0604030504040204" pitchFamily="34" charset="0"/>
+                          <a:cs typeface="Tahoma" panose="020B0604030504040204" pitchFamily="34" charset="0"/>
+                        </a:rPr>
+                        <a:t>2</a:t>
+                      </a:r>
+                    </a:p>
+                  </a:txBody>
+                  <a:tcPr anchor="ctr">
+                    <a:solidFill>
+                      <a:schemeClr val="accent6">
+                        <a:tint val="40000"/>
+                        <a:alpha val="80000"/>
+                      </a:schemeClr>
+                    </a:solidFill>
+                  </a:tcPr>
+                </a:tc>
+                <a:tc>
+                  <a:txBody>
+                    <a:bodyPr/>
+                    <a:lstStyle/>
+                    <a:p>
+                      <a:pPr algn="ctr"/>
+                      <a:r>
+                        <a:rPr lang="en-US" sz="2000" noProof="0" dirty="0">
+                          <a:effectLst/>
+                          <a:latin typeface="Segoe Print" panose="02000600000000000000" pitchFamily="2" charset="0"/>
+                          <a:ea typeface="Tahoma" panose="020B0604030504040204" pitchFamily="34" charset="0"/>
+                          <a:cs typeface="Tahoma" panose="020B0604030504040204" pitchFamily="34" charset="0"/>
+                        </a:rPr>
+                        <a:t>4</a:t>
+                      </a:r>
+                      <a:r>
+                        <a:rPr lang="uk-UA" sz="2000" noProof="0" dirty="0">
+                          <a:effectLst/>
+                          <a:latin typeface="Segoe Print" panose="02000600000000000000" pitchFamily="2" charset="0"/>
+                          <a:ea typeface="Tahoma" panose="020B0604030504040204" pitchFamily="34" charset="0"/>
+                          <a:cs typeface="Tahoma" panose="020B0604030504040204" pitchFamily="34" charset="0"/>
+                        </a:rPr>
+                        <a:t> 000 грн</a:t>
+                      </a:r>
+                    </a:p>
+                  </a:txBody>
+                  <a:tcPr anchor="ctr">
+                    <a:solidFill>
+                      <a:schemeClr val="accent6">
+                        <a:tint val="40000"/>
+                        <a:alpha val="80000"/>
+                      </a:schemeClr>
+                    </a:solidFill>
+                  </a:tcPr>
+                </a:tc>
+                <a:extLst>
+                  <a:ext uri="{0D108BD9-81ED-4DB2-BD59-A6C34878D82A}">
+                    <a16:rowId xmlns:a16="http://schemas.microsoft.com/office/drawing/2014/main" val="10003"/>
+                  </a:ext>
+                </a:extLst>
+              </a:tr>
+              <a:tr h="504000">
+                <a:tc>
+                  <a:txBody>
+                    <a:bodyPr/>
+                    <a:lstStyle/>
+                    <a:p>
+                      <a:pPr algn="l"/>
+                      <a:r>
+                        <a:rPr lang="uk-UA" sz="2000" b="1" i="0" noProof="0" dirty="0">
+                          <a:effectLst/>
+                          <a:latin typeface="Segoe Print" panose="02000600000000000000" pitchFamily="2" charset="0"/>
+                          <a:ea typeface="Tahoma" panose="020B0604030504040204" pitchFamily="34" charset="0"/>
+                          <a:cs typeface="Tahoma" panose="020B0604030504040204" pitchFamily="34" charset="0"/>
+                        </a:rPr>
+                        <a:t>Манікюрний столик</a:t>
+                      </a:r>
+                    </a:p>
+                  </a:txBody>
+                  <a:tcPr anchor="ctr">
+                    <a:solidFill>
+                      <a:schemeClr val="accent6">
+                        <a:tint val="20000"/>
+                        <a:alpha val="80000"/>
+                      </a:schemeClr>
+                    </a:solidFill>
+                  </a:tcPr>
+                </a:tc>
+                <a:tc>
+                  <a:txBody>
+                    <a:bodyPr/>
+                    <a:lstStyle/>
+                    <a:p>
+                      <a:pPr algn="ctr"/>
+                      <a:r>
+                        <a:rPr lang="en-US" sz="2000" noProof="0" dirty="0">
+                          <a:effectLst/>
+                          <a:latin typeface="Segoe Print" panose="02000600000000000000" pitchFamily="2" charset="0"/>
+                          <a:ea typeface="Tahoma" panose="020B0604030504040204" pitchFamily="34" charset="0"/>
+                          <a:cs typeface="Tahoma" panose="020B0604030504040204" pitchFamily="34" charset="0"/>
+                        </a:rPr>
+                        <a:t>4</a:t>
+                      </a:r>
+                      <a:r>
+                        <a:rPr lang="uk-UA" sz="2000" noProof="0" dirty="0">
+                          <a:effectLst/>
+                          <a:latin typeface="Segoe Print" panose="02000600000000000000" pitchFamily="2" charset="0"/>
+                          <a:ea typeface="Tahoma" panose="020B0604030504040204" pitchFamily="34" charset="0"/>
+                          <a:cs typeface="Tahoma" panose="020B0604030504040204" pitchFamily="34" charset="0"/>
+                        </a:rPr>
+                        <a:t> 000 грн</a:t>
+                      </a:r>
+                    </a:p>
+                  </a:txBody>
+                  <a:tcPr anchor="ctr">
+                    <a:solidFill>
+                      <a:schemeClr val="accent6">
+                        <a:tint val="20000"/>
+                        <a:alpha val="80000"/>
+                      </a:schemeClr>
+                    </a:solidFill>
+                  </a:tcPr>
+                </a:tc>
+                <a:tc>
+                  <a:txBody>
+                    <a:bodyPr/>
+                    <a:lstStyle/>
+                    <a:p>
+                      <a:pPr algn="ctr"/>
+                      <a:r>
+                        <a:rPr lang="en-US" sz="2000" noProof="0" dirty="0">
+                          <a:effectLst/>
+                          <a:latin typeface="Segoe Print" panose="02000600000000000000" pitchFamily="2" charset="0"/>
+                        </a:rPr>
+                        <a:t>4</a:t>
                       </a:r>
                       <a:endParaRPr lang="uk-UA" sz="2000" noProof="0" dirty="0">
                         <a:effectLst/>
@@ -4497,29 +6750,14 @@
                     <a:p>
                       <a:pPr algn="ctr"/>
                       <a:r>
-                        <a:rPr lang="en-US" sz="2000" b="0" noProof="0" dirty="0" smtClean="0">
+                        <a:rPr lang="uk-UA" sz="2000" noProof="0" dirty="0">
                           <a:effectLst/>
                           <a:latin typeface="Segoe Print" panose="02000600000000000000" pitchFamily="2" charset="0"/>
                           <a:ea typeface="Tahoma" panose="020B0604030504040204" pitchFamily="34" charset="0"/>
                           <a:cs typeface="Tahoma" panose="020B0604030504040204" pitchFamily="34" charset="0"/>
                         </a:rPr>
-                        <a:t>16</a:t>
-                      </a:r>
-                      <a:r>
-                        <a:rPr lang="uk-UA" sz="2000" b="0" noProof="0" dirty="0" smtClean="0">
-                          <a:effectLst/>
-                          <a:latin typeface="Segoe Print" panose="02000600000000000000" pitchFamily="2" charset="0"/>
-                          <a:ea typeface="Tahoma" panose="020B0604030504040204" pitchFamily="34" charset="0"/>
-                          <a:cs typeface="Tahoma" panose="020B0604030504040204" pitchFamily="34" charset="0"/>
-                        </a:rPr>
-                        <a:t> 000 грн</a:t>
-                      </a:r>
-                      <a:endParaRPr lang="uk-UA" sz="2000" b="0" noProof="0" dirty="0">
-                        <a:effectLst/>
-                        <a:latin typeface="Segoe Print" panose="02000600000000000000" pitchFamily="2" charset="0"/>
-                        <a:ea typeface="Tahoma" panose="020B0604030504040204" pitchFamily="34" charset="0"/>
-                        <a:cs typeface="Tahoma" panose="020B0604030504040204" pitchFamily="34" charset="0"/>
-                      </a:endParaRPr>
+                        <a:t>16 000 грн</a:t>
+                      </a:r>
                     </a:p>
                   </a:txBody>
                   <a:tcPr anchor="ctr">
@@ -4531,6 +6769,11 @@
                     </a:solidFill>
                   </a:tcPr>
                 </a:tc>
+                <a:extLst>
+                  <a:ext uri="{0D108BD9-81ED-4DB2-BD59-A6C34878D82A}">
+                    <a16:rowId xmlns:a16="http://schemas.microsoft.com/office/drawing/2014/main" val="10004"/>
+                  </a:ext>
+                </a:extLst>
               </a:tr>
               <a:tr h="504000">
                 <a:tc>
@@ -4538,22 +6781,12 @@
                     <a:bodyPr/>
                     <a:lstStyle/>
                     <a:p>
-                      <a:pPr algn="l"/>
-                      <a:r>
-                        <a:rPr lang="uk-UA" sz="2000" b="1" i="0" noProof="0" dirty="0" smtClean="0">
-                          <a:effectLst/>
+                      <a:r>
+                        <a:rPr lang="uk-UA" sz="2000" b="1" noProof="0" dirty="0">
                           <a:latin typeface="Segoe Print" panose="02000600000000000000" pitchFamily="2" charset="0"/>
-                          <a:ea typeface="Tahoma" panose="020B0604030504040204" pitchFamily="34" charset="0"/>
-                          <a:cs typeface="Tahoma" panose="020B0604030504040204" pitchFamily="34" charset="0"/>
-                        </a:rPr>
-                        <a:t>Манікюрна лампа</a:t>
-                      </a:r>
-                      <a:endParaRPr lang="uk-UA" sz="2000" b="1" i="0" noProof="0" dirty="0">
-                        <a:effectLst/>
-                        <a:latin typeface="Segoe Print" panose="02000600000000000000" pitchFamily="2" charset="0"/>
-                        <a:ea typeface="Tahoma" panose="020B0604030504040204" pitchFamily="34" charset="0"/>
-                        <a:cs typeface="Tahoma" panose="020B0604030504040204" pitchFamily="34" charset="0"/>
-                      </a:endParaRPr>
+                        </a:rPr>
+                        <a:t>Підставки для лаків</a:t>
+                      </a:r>
                     </a:p>
                   </a:txBody>
                   <a:tcPr anchor="ctr">
@@ -4572,29 +6805,29 @@
                     <a:p>
                       <a:pPr algn="ctr"/>
                       <a:r>
-                        <a:rPr lang="en-US" sz="2000" noProof="0" dirty="0" smtClean="0">
-                          <a:effectLst/>
+                        <a:rPr lang="en-US" sz="2000" noProof="0" dirty="0">
                           <a:latin typeface="Segoe Print" panose="02000600000000000000" pitchFamily="2" charset="0"/>
-                          <a:ea typeface="Tahoma" panose="020B0604030504040204" pitchFamily="34" charset="0"/>
-                          <a:cs typeface="Tahoma" panose="020B0604030504040204" pitchFamily="34" charset="0"/>
-                        </a:rPr>
-                        <a:t>2</a:t>
-                      </a:r>
-                      <a:r>
-                        <a:rPr lang="uk-UA" sz="2000" noProof="0" dirty="0" smtClean="0">
-                          <a:effectLst/>
+                        </a:rPr>
+                        <a:t>1</a:t>
+                      </a:r>
+                      <a:r>
+                        <a:rPr lang="uk-UA" sz="2000" noProof="0" dirty="0">
                           <a:latin typeface="Segoe Print" panose="02000600000000000000" pitchFamily="2" charset="0"/>
-                          <a:ea typeface="Tahoma" panose="020B0604030504040204" pitchFamily="34" charset="0"/>
-                          <a:cs typeface="Tahoma" panose="020B0604030504040204" pitchFamily="34" charset="0"/>
-                        </a:rPr>
-                        <a:t> 000 грн</a:t>
-                      </a:r>
-                      <a:endParaRPr lang="uk-UA" sz="2000" noProof="0" dirty="0">
-                        <a:effectLst/>
-                        <a:latin typeface="Segoe Print" panose="02000600000000000000" pitchFamily="2" charset="0"/>
-                        <a:ea typeface="Tahoma" panose="020B0604030504040204" pitchFamily="34" charset="0"/>
-                        <a:cs typeface="Tahoma" panose="020B0604030504040204" pitchFamily="34" charset="0"/>
-                      </a:endParaRPr>
+                        </a:rPr>
+                        <a:t> </a:t>
+                      </a:r>
+                      <a:r>
+                        <a:rPr lang="en-US" sz="2000" noProof="0" dirty="0">
+                          <a:latin typeface="Segoe Print" panose="02000600000000000000" pitchFamily="2" charset="0"/>
+                        </a:rPr>
+                        <a:t>5</a:t>
+                      </a:r>
+                      <a:r>
+                        <a:rPr lang="uk-UA" sz="2000" noProof="0" dirty="0">
+                          <a:latin typeface="Segoe Print" panose="02000600000000000000" pitchFamily="2" charset="0"/>
+                        </a:rPr>
+                        <a:t>00 грн</a:t>
+                      </a:r>
                     </a:p>
                   </a:txBody>
                   <a:tcPr anchor="ctr">
@@ -4613,265 +6846,10 @@
                     <a:p>
                       <a:pPr algn="ctr"/>
                       <a:r>
-                        <a:rPr lang="uk-UA" sz="2000" noProof="0" dirty="0" smtClean="0">
-                          <a:effectLst/>
+                        <a:rPr lang="en-US" sz="2000" noProof="0" dirty="0">
                           <a:latin typeface="Segoe Print" panose="02000600000000000000" pitchFamily="2" charset="0"/>
-                          <a:ea typeface="Tahoma" panose="020B0604030504040204" pitchFamily="34" charset="0"/>
-                          <a:cs typeface="Tahoma" panose="020B0604030504040204" pitchFamily="34" charset="0"/>
                         </a:rPr>
                         <a:t>2</a:t>
-                      </a:r>
-                      <a:endParaRPr lang="uk-UA" sz="2000" noProof="0" dirty="0">
-                        <a:effectLst/>
-                        <a:latin typeface="Segoe Print" panose="02000600000000000000" pitchFamily="2" charset="0"/>
-                        <a:ea typeface="Tahoma" panose="020B0604030504040204" pitchFamily="34" charset="0"/>
-                        <a:cs typeface="Tahoma" panose="020B0604030504040204" pitchFamily="34" charset="0"/>
-                      </a:endParaRPr>
-                    </a:p>
-                  </a:txBody>
-                  <a:tcPr anchor="ctr">
-                    <a:solidFill>
-                      <a:schemeClr val="accent6">
-                        <a:tint val="40000"/>
-                        <a:alpha val="80000"/>
-                      </a:schemeClr>
-                    </a:solidFill>
-                  </a:tcPr>
-                </a:tc>
-                <a:tc>
-                  <a:txBody>
-                    <a:bodyPr/>
-                    <a:lstStyle/>
-                    <a:p>
-                      <a:pPr algn="ctr"/>
-                      <a:r>
-                        <a:rPr lang="en-US" sz="2000" noProof="0" dirty="0" smtClean="0">
-                          <a:effectLst/>
-                          <a:latin typeface="Segoe Print" panose="02000600000000000000" pitchFamily="2" charset="0"/>
-                          <a:ea typeface="Tahoma" panose="020B0604030504040204" pitchFamily="34" charset="0"/>
-                          <a:cs typeface="Tahoma" panose="020B0604030504040204" pitchFamily="34" charset="0"/>
-                        </a:rPr>
-                        <a:t>4</a:t>
-                      </a:r>
-                      <a:r>
-                        <a:rPr lang="uk-UA" sz="2000" noProof="0" dirty="0" smtClean="0">
-                          <a:effectLst/>
-                          <a:latin typeface="Segoe Print" panose="02000600000000000000" pitchFamily="2" charset="0"/>
-                          <a:ea typeface="Tahoma" panose="020B0604030504040204" pitchFamily="34" charset="0"/>
-                          <a:cs typeface="Tahoma" panose="020B0604030504040204" pitchFamily="34" charset="0"/>
-                        </a:rPr>
-                        <a:t> 000 грн</a:t>
-                      </a:r>
-                      <a:endParaRPr lang="uk-UA" sz="2000" noProof="0" dirty="0">
-                        <a:effectLst/>
-                        <a:latin typeface="Segoe Print" panose="02000600000000000000" pitchFamily="2" charset="0"/>
-                        <a:ea typeface="Tahoma" panose="020B0604030504040204" pitchFamily="34" charset="0"/>
-                        <a:cs typeface="Tahoma" panose="020B0604030504040204" pitchFamily="34" charset="0"/>
-                      </a:endParaRPr>
-                    </a:p>
-                  </a:txBody>
-                  <a:tcPr anchor="ctr">
-                    <a:solidFill>
-                      <a:schemeClr val="accent6">
-                        <a:tint val="40000"/>
-                        <a:alpha val="80000"/>
-                      </a:schemeClr>
-                    </a:solidFill>
-                  </a:tcPr>
-                </a:tc>
-              </a:tr>
-              <a:tr h="504000">
-                <a:tc>
-                  <a:txBody>
-                    <a:bodyPr/>
-                    <a:lstStyle/>
-                    <a:p>
-                      <a:pPr algn="l"/>
-                      <a:r>
-                        <a:rPr lang="uk-UA" sz="2000" b="1" i="0" noProof="0" dirty="0" smtClean="0">
-                          <a:effectLst/>
-                          <a:latin typeface="Segoe Print" panose="02000600000000000000" pitchFamily="2" charset="0"/>
-                          <a:ea typeface="Tahoma" panose="020B0604030504040204" pitchFamily="34" charset="0"/>
-                          <a:cs typeface="Tahoma" panose="020B0604030504040204" pitchFamily="34" charset="0"/>
-                        </a:rPr>
-                        <a:t>Манікюрний столик</a:t>
-                      </a:r>
-                      <a:endParaRPr lang="uk-UA" sz="2000" b="1" i="0" noProof="0" dirty="0">
-                        <a:effectLst/>
-                        <a:latin typeface="Segoe Print" panose="02000600000000000000" pitchFamily="2" charset="0"/>
-                        <a:ea typeface="Tahoma" panose="020B0604030504040204" pitchFamily="34" charset="0"/>
-                        <a:cs typeface="Tahoma" panose="020B0604030504040204" pitchFamily="34" charset="0"/>
-                      </a:endParaRPr>
-                    </a:p>
-                  </a:txBody>
-                  <a:tcPr anchor="ctr">
-                    <a:solidFill>
-                      <a:schemeClr val="accent6">
-                        <a:tint val="20000"/>
-                        <a:alpha val="80000"/>
-                      </a:schemeClr>
-                    </a:solidFill>
-                  </a:tcPr>
-                </a:tc>
-                <a:tc>
-                  <a:txBody>
-                    <a:bodyPr/>
-                    <a:lstStyle/>
-                    <a:p>
-                      <a:pPr algn="ctr"/>
-                      <a:r>
-                        <a:rPr lang="en-US" sz="2000" noProof="0" dirty="0" smtClean="0">
-                          <a:effectLst/>
-                          <a:latin typeface="Segoe Print" panose="02000600000000000000" pitchFamily="2" charset="0"/>
-                          <a:ea typeface="Tahoma" panose="020B0604030504040204" pitchFamily="34" charset="0"/>
-                          <a:cs typeface="Tahoma" panose="020B0604030504040204" pitchFamily="34" charset="0"/>
-                        </a:rPr>
-                        <a:t>4</a:t>
-                      </a:r>
-                      <a:r>
-                        <a:rPr lang="uk-UA" sz="2000" noProof="0" dirty="0" smtClean="0">
-                          <a:effectLst/>
-                          <a:latin typeface="Segoe Print" panose="02000600000000000000" pitchFamily="2" charset="0"/>
-                          <a:ea typeface="Tahoma" panose="020B0604030504040204" pitchFamily="34" charset="0"/>
-                          <a:cs typeface="Tahoma" panose="020B0604030504040204" pitchFamily="34" charset="0"/>
-                        </a:rPr>
-                        <a:t> 000 грн</a:t>
-                      </a:r>
-                      <a:endParaRPr lang="uk-UA" sz="2000" noProof="0" dirty="0">
-                        <a:effectLst/>
-                        <a:latin typeface="Segoe Print" panose="02000600000000000000" pitchFamily="2" charset="0"/>
-                        <a:ea typeface="Tahoma" panose="020B0604030504040204" pitchFamily="34" charset="0"/>
-                        <a:cs typeface="Tahoma" panose="020B0604030504040204" pitchFamily="34" charset="0"/>
-                      </a:endParaRPr>
-                    </a:p>
-                  </a:txBody>
-                  <a:tcPr anchor="ctr">
-                    <a:solidFill>
-                      <a:schemeClr val="accent6">
-                        <a:tint val="20000"/>
-                        <a:alpha val="80000"/>
-                      </a:schemeClr>
-                    </a:solidFill>
-                  </a:tcPr>
-                </a:tc>
-                <a:tc>
-                  <a:txBody>
-                    <a:bodyPr/>
-                    <a:lstStyle/>
-                    <a:p>
-                      <a:pPr algn="ctr"/>
-                      <a:r>
-                        <a:rPr lang="en-US" sz="2000" noProof="0" dirty="0" smtClean="0">
-                          <a:effectLst/>
-                          <a:latin typeface="Segoe Print" panose="02000600000000000000" pitchFamily="2" charset="0"/>
-                        </a:rPr>
-                        <a:t>4</a:t>
-                      </a:r>
-                      <a:endParaRPr lang="uk-UA" sz="2000" noProof="0" dirty="0">
-                        <a:effectLst/>
-                        <a:latin typeface="Segoe Print" panose="02000600000000000000" pitchFamily="2" charset="0"/>
-                        <a:ea typeface="Tahoma" panose="020B0604030504040204" pitchFamily="34" charset="0"/>
-                        <a:cs typeface="Tahoma" panose="020B0604030504040204" pitchFamily="34" charset="0"/>
-                      </a:endParaRPr>
-                    </a:p>
-                  </a:txBody>
-                  <a:tcPr anchor="ctr">
-                    <a:solidFill>
-                      <a:schemeClr val="accent6">
-                        <a:tint val="20000"/>
-                        <a:alpha val="80000"/>
-                      </a:schemeClr>
-                    </a:solidFill>
-                  </a:tcPr>
-                </a:tc>
-                <a:tc>
-                  <a:txBody>
-                    <a:bodyPr/>
-                    <a:lstStyle/>
-                    <a:p>
-                      <a:pPr algn="ctr"/>
-                      <a:r>
-                        <a:rPr lang="uk-UA" sz="2000" noProof="0" dirty="0" smtClean="0">
-                          <a:effectLst/>
-                          <a:latin typeface="Segoe Print" panose="02000600000000000000" pitchFamily="2" charset="0"/>
-                          <a:ea typeface="Tahoma" panose="020B0604030504040204" pitchFamily="34" charset="0"/>
-                          <a:cs typeface="Tahoma" panose="020B0604030504040204" pitchFamily="34" charset="0"/>
-                        </a:rPr>
-                        <a:t>16 000 грн</a:t>
-                      </a:r>
-                      <a:endParaRPr lang="uk-UA" sz="2000" noProof="0" dirty="0">
-                        <a:effectLst/>
-                        <a:latin typeface="Segoe Print" panose="02000600000000000000" pitchFamily="2" charset="0"/>
-                        <a:ea typeface="Tahoma" panose="020B0604030504040204" pitchFamily="34" charset="0"/>
-                        <a:cs typeface="Tahoma" panose="020B0604030504040204" pitchFamily="34" charset="0"/>
-                      </a:endParaRPr>
-                    </a:p>
-                  </a:txBody>
-                  <a:tcPr anchor="ctr">
-                    <a:solidFill>
-                      <a:schemeClr val="accent6">
-                        <a:tint val="20000"/>
-                        <a:alpha val="80000"/>
-                      </a:schemeClr>
-                    </a:solidFill>
-                  </a:tcPr>
-                </a:tc>
-              </a:tr>
-              <a:tr h="504000">
-                <a:tc>
-                  <a:txBody>
-                    <a:bodyPr/>
-                    <a:lstStyle/>
-                    <a:p>
-                      <a:r>
-                        <a:rPr lang="uk-UA" sz="2000" b="1" noProof="0" dirty="0" smtClean="0">
-                          <a:latin typeface="Segoe Print" panose="02000600000000000000" pitchFamily="2" charset="0"/>
-                        </a:rPr>
-                        <a:t>Підставки для лаків</a:t>
-                      </a:r>
-                      <a:endParaRPr lang="uk-UA" sz="2000" b="1" noProof="0" dirty="0">
-                        <a:latin typeface="Segoe Print" panose="02000600000000000000" pitchFamily="2" charset="0"/>
-                      </a:endParaRPr>
-                    </a:p>
-                  </a:txBody>
-                  <a:tcPr anchor="ctr">
-                    <a:solidFill>
-                      <a:schemeClr val="accent6">
-                        <a:tint val="40000"/>
-                        <a:alpha val="80000"/>
-                      </a:schemeClr>
-                    </a:solidFill>
-                  </a:tcPr>
-                </a:tc>
-                <a:tc>
-                  <a:txBody>
-                    <a:bodyPr/>
-                    <a:lstStyle/>
-                    <a:p>
-                      <a:pPr algn="ctr"/>
-                      <a:r>
-                        <a:rPr lang="en-US" sz="2000" noProof="0" dirty="0" smtClean="0">
-                          <a:latin typeface="Segoe Print" panose="02000600000000000000" pitchFamily="2" charset="0"/>
-                        </a:rPr>
-                        <a:t>1</a:t>
-                      </a:r>
-                      <a:r>
-                        <a:rPr lang="uk-UA" sz="2000" noProof="0" dirty="0" smtClean="0">
-                          <a:latin typeface="Segoe Print" panose="02000600000000000000" pitchFamily="2" charset="0"/>
-                        </a:rPr>
-                        <a:t> </a:t>
-                      </a:r>
-                      <a:r>
-                        <a:rPr lang="en-US" sz="2000" noProof="0" dirty="0" smtClean="0">
-                          <a:latin typeface="Segoe Print" panose="02000600000000000000" pitchFamily="2" charset="0"/>
-                        </a:rPr>
-                        <a:t>5</a:t>
-                      </a:r>
-                      <a:r>
-                        <a:rPr lang="uk-UA" sz="2000" noProof="0" dirty="0" smtClean="0">
-                          <a:latin typeface="Segoe Print" panose="02000600000000000000" pitchFamily="2" charset="0"/>
-                        </a:rPr>
-                        <a:t>00 грн</a:t>
                       </a:r>
                       <a:endParaRPr lang="uk-UA" sz="2000" noProof="0" dirty="0">
                         <a:latin typeface="Segoe Print" panose="02000600000000000000" pitchFamily="2" charset="0"/>
@@ -4894,14 +6872,17 @@
                     <a:p>
                       <a:pPr algn="ctr"/>
                       <a:r>
-                        <a:rPr lang="en-US" sz="2000" noProof="0" dirty="0" smtClean="0">
+                        <a:rPr lang="en-US" sz="2000" noProof="0" dirty="0">
                           <a:latin typeface="Segoe Print" panose="02000600000000000000" pitchFamily="2" charset="0"/>
                         </a:rPr>
-                        <a:t>2</a:t>
-                      </a:r>
-                      <a:endParaRPr lang="uk-UA" sz="2000" noProof="0" dirty="0">
-                        <a:latin typeface="Segoe Print" panose="02000600000000000000" pitchFamily="2" charset="0"/>
-                      </a:endParaRPr>
+                        <a:t>3</a:t>
+                      </a:r>
+                      <a:r>
+                        <a:rPr lang="uk-UA" sz="2000" noProof="0" dirty="0">
+                          <a:latin typeface="Segoe Print" panose="02000600000000000000" pitchFamily="2" charset="0"/>
+                        </a:rPr>
+                        <a:t> 000 грн</a:t>
+                      </a:r>
                     </a:p>
                   </a:txBody>
                   <a:tcPr anchor="ctr">
@@ -4913,38 +6894,11 @@
                     </a:solidFill>
                   </a:tcPr>
                 </a:tc>
-                <a:tc>
-                  <a:txBody>
-                    <a:bodyPr/>
-                    <a:lstStyle/>
-                    <a:p>
-                      <a:pPr algn="ctr"/>
-                      <a:r>
-                        <a:rPr lang="en-US" sz="2000" noProof="0" dirty="0" smtClean="0">
-                          <a:latin typeface="Segoe Print" panose="02000600000000000000" pitchFamily="2" charset="0"/>
-                        </a:rPr>
-                        <a:t>3</a:t>
-                      </a:r>
-                      <a:r>
-                        <a:rPr lang="uk-UA" sz="2000" noProof="0" dirty="0" smtClean="0">
-                          <a:latin typeface="Segoe Print" panose="02000600000000000000" pitchFamily="2" charset="0"/>
-                        </a:rPr>
-                        <a:t> 000 грн</a:t>
-                      </a:r>
-                      <a:endParaRPr lang="uk-UA" sz="2000" noProof="0" dirty="0">
-                        <a:latin typeface="Segoe Print" panose="02000600000000000000" pitchFamily="2" charset="0"/>
-                      </a:endParaRPr>
-                    </a:p>
-                  </a:txBody>
-                  <a:tcPr anchor="ctr">
-                    <a:solidFill>
-                      <a:schemeClr val="accent6">
-                        <a:tint val="40000"/>
-                        <a:alpha val="80000"/>
-                      </a:schemeClr>
-                    </a:solidFill>
-                  </a:tcPr>
-                </a:tc>
+                <a:extLst>
+                  <a:ext uri="{0D108BD9-81ED-4DB2-BD59-A6C34878D82A}">
+                    <a16:rowId xmlns:a16="http://schemas.microsoft.com/office/drawing/2014/main" val="10005"/>
+                  </a:ext>
+                </a:extLst>
               </a:tr>
               <a:tr h="540000">
                 <a:tc gridSpan="3">
@@ -4954,7 +6908,7 @@
                     <a:p>
                       <a:pPr algn="r"/>
                       <a:r>
-                        <a:rPr lang="uk-UA" sz="2800" noProof="0" dirty="0" smtClean="0">
+                        <a:rPr lang="uk-UA" sz="2800" noProof="0" dirty="0">
                           <a:gradFill flip="none" rotWithShape="1">
                             <a:gsLst>
                               <a:gs pos="0">
@@ -5047,7 +7001,7 @@
                     <a:p>
                       <a:pPr algn="ctr"/>
                       <a:r>
-                        <a:rPr lang="uk-UA" sz="2000" noProof="0" dirty="0" smtClean="0">
+                        <a:rPr lang="en-US" sz="2000" noProof="0" dirty="0">
                           <a:gradFill flip="none" rotWithShape="1">
                             <a:gsLst>
                               <a:gs pos="0">
@@ -5071,10 +7025,37 @@
                           <a:ea typeface="Tahoma" panose="020B0604030504040204" pitchFamily="34" charset="0"/>
                           <a:cs typeface="Tahoma" panose="020B0604030504040204" pitchFamily="34" charset="0"/>
                         </a:rPr>
-                        <a:t>135 000 </a:t>
-                      </a:r>
-                      <a:r>
-                        <a:rPr lang="uk-UA" sz="2000" i="0" noProof="0" dirty="0" smtClean="0">
+                        <a:t>47</a:t>
+                      </a:r>
+                      <a:r>
+                        <a:rPr lang="uk-UA" sz="2000" noProof="0" dirty="0">
+                          <a:gradFill flip="none" rotWithShape="1">
+                            <a:gsLst>
+                              <a:gs pos="0">
+                                <a:schemeClr val="tx1">
+                                  <a:lumMod val="95000"/>
+                                  <a:lumOff val="5000"/>
+                                </a:schemeClr>
+                              </a:gs>
+                              <a:gs pos="100000">
+                                <a:schemeClr val="tx1">
+                                  <a:lumMod val="85000"/>
+                                  <a:lumOff val="15000"/>
+                                </a:schemeClr>
+                              </a:gs>
+                            </a:gsLst>
+                            <a:lin ang="18900000" scaled="1"/>
+                            <a:tileRect/>
+                          </a:gradFill>
+                          <a:effectLst/>
+                          <a:latin typeface="Tahoma" panose="020B0604030504040204" pitchFamily="34" charset="0"/>
+                          <a:ea typeface="Tahoma" panose="020B0604030504040204" pitchFamily="34" charset="0"/>
+                          <a:cs typeface="Tahoma" panose="020B0604030504040204" pitchFamily="34" charset="0"/>
+                        </a:rPr>
+                        <a:t> 000 </a:t>
+                      </a:r>
+                      <a:r>
+                        <a:rPr lang="uk-UA" sz="2000" i="0" noProof="0" dirty="0">
                           <a:gradFill flip="none" rotWithShape="1">
                             <a:gsLst>
                               <a:gs pos="0">
@@ -5134,6 +7115,11 @@
                     </a:solidFill>
                   </a:tcPr>
                 </a:tc>
+                <a:extLst>
+                  <a:ext uri="{0D108BD9-81ED-4DB2-BD59-A6C34878D82A}">
+                    <a16:rowId xmlns:a16="http://schemas.microsoft.com/office/drawing/2014/main" val="10006"/>
+                  </a:ext>
+                </a:extLst>
               </a:tr>
             </a:tbl>
           </a:graphicData>
@@ -5152,57 +7138,10 @@
   <p:transition spd="med">
     <p:pull/>
   </p:transition>
-  <p:timing>
-    <p:tnLst>
-      <p:par>
-        <p:cTn id="1" dur="indefinite" restart="never" nodeType="tmRoot"/>
-      </p:par>
-    </p:tnLst>
-  </p:timing>
 </p:sld>
 </file>
 
-<file path=ppt/slides/slide12.xml><?xml version="1.0" encoding="utf-8"?>
-<p:sld xmlns:a="http://schemas.openxmlformats.org/drawingml/2006/main" xmlns:r="http://schemas.openxmlformats.org/officeDocument/2006/relationships" xmlns:p="http://schemas.openxmlformats.org/presentationml/2006/main">
-  <p:cSld>
-    <p:spTree>
-      <p:nvGrpSpPr>
-        <p:cNvPr id="1" name=""/>
-        <p:cNvGrpSpPr/>
-        <p:nvPr/>
-      </p:nvGrpSpPr>
-      <p:grpSpPr>
-        <a:xfrm>
-          <a:off x="0" y="0"/>
-          <a:ext cx="0" cy="0"/>
-          <a:chOff x="0" y="0"/>
-          <a:chExt cx="0" cy="0"/>
-        </a:xfrm>
-      </p:grpSpPr>
-    </p:spTree>
-    <p:extLst>
-      <p:ext uri="{BB962C8B-B14F-4D97-AF65-F5344CB8AC3E}">
-        <p14:creationId xmlns:p14="http://schemas.microsoft.com/office/powerpoint/2010/main" val="3989857749"/>
-      </p:ext>
-    </p:extLst>
-  </p:cSld>
-  <p:clrMapOvr>
-    <a:masterClrMapping/>
-  </p:clrMapOvr>
-  <p:transition spd="med">
-    <p:pull/>
-  </p:transition>
-  <p:timing>
-    <p:tnLst>
-      <p:par>
-        <p:cTn id="1" dur="indefinite" restart="never" nodeType="tmRoot"/>
-      </p:par>
-    </p:tnLst>
-  </p:timing>
-</p:sld>
-</file>
-
-<file path=ppt/slides/slide13.xml><?xml version="1.0" encoding="utf-8"?>
+<file path=ppt/slides/slide14.xml><?xml version="1.0" encoding="utf-8"?>
 <p:sld xmlns:a="http://schemas.openxmlformats.org/drawingml/2006/main" xmlns:r="http://schemas.openxmlformats.org/officeDocument/2006/relationships" xmlns:p="http://schemas.openxmlformats.org/presentationml/2006/main">
   <p:cSld>
     <p:spTree>
@@ -5232,17 +7171,10 @@
   <p:transition spd="med">
     <p:pull/>
   </p:transition>
-  <p:timing>
-    <p:tnLst>
-      <p:par>
-        <p:cTn id="1" dur="indefinite" restart="never" nodeType="tmRoot"/>
-      </p:par>
-    </p:tnLst>
-  </p:timing>
 </p:sld>
 </file>
 
-<file path=ppt/slides/slide14.xml><?xml version="1.0" encoding="utf-8"?>
+<file path=ppt/slides/slide15.xml><?xml version="1.0" encoding="utf-8"?>
 <p:sld xmlns:a="http://schemas.openxmlformats.org/drawingml/2006/main" xmlns:r="http://schemas.openxmlformats.org/officeDocument/2006/relationships" xmlns:p="http://schemas.openxmlformats.org/presentationml/2006/main">
   <p:cSld>
     <p:spTree>
@@ -5272,17 +7204,10 @@
   <p:transition spd="med">
     <p:pull/>
   </p:transition>
-  <p:timing>
-    <p:tnLst>
-      <p:par>
-        <p:cTn id="1" dur="indefinite" restart="never" nodeType="tmRoot"/>
-      </p:par>
-    </p:tnLst>
-  </p:timing>
 </p:sld>
 </file>
 
-<file path=ppt/slides/slide15.xml><?xml version="1.0" encoding="utf-8"?>
+<file path=ppt/slides/slide16.xml><?xml version="1.0" encoding="utf-8"?>
 <p:sld xmlns:a="http://schemas.openxmlformats.org/drawingml/2006/main" xmlns:r="http://schemas.openxmlformats.org/officeDocument/2006/relationships" xmlns:p="http://schemas.openxmlformats.org/presentationml/2006/main">
   <p:cSld>
     <p:spTree>
@@ -5312,17 +7237,10 @@
   <p:transition spd="med">
     <p:pull/>
   </p:transition>
-  <p:timing>
-    <p:tnLst>
-      <p:par>
-        <p:cTn id="1" dur="indefinite" restart="never" nodeType="tmRoot"/>
-      </p:par>
-    </p:tnLst>
-  </p:timing>
 </p:sld>
 </file>
 
-<file path=ppt/slides/slide16.xml><?xml version="1.0" encoding="utf-8"?>
+<file path=ppt/slides/slide17.xml><?xml version="1.0" encoding="utf-8"?>
 <p:sld xmlns:a="http://schemas.openxmlformats.org/drawingml/2006/main" xmlns:r="http://schemas.openxmlformats.org/officeDocument/2006/relationships" xmlns:p="http://schemas.openxmlformats.org/presentationml/2006/main">
   <p:cSld>
     <p:spTree>
@@ -5352,17 +7270,10 @@
   <p:transition spd="med">
     <p:pull/>
   </p:transition>
-  <p:timing>
-    <p:tnLst>
-      <p:par>
-        <p:cTn id="1" dur="indefinite" restart="never" nodeType="tmRoot"/>
-      </p:par>
-    </p:tnLst>
-  </p:timing>
 </p:sld>
 </file>
 
-<file path=ppt/slides/slide17.xml><?xml version="1.0" encoding="utf-8"?>
+<file path=ppt/slides/slide18.xml><?xml version="1.0" encoding="utf-8"?>
 <p:sld xmlns:a="http://schemas.openxmlformats.org/drawingml/2006/main" xmlns:r="http://schemas.openxmlformats.org/officeDocument/2006/relationships" xmlns:p="http://schemas.openxmlformats.org/presentationml/2006/main">
   <p:cSld>
     <p:spTree>
@@ -5392,17 +7303,10 @@
   <p:transition spd="med">
     <p:pull/>
   </p:transition>
-  <p:timing>
-    <p:tnLst>
-      <p:par>
-        <p:cTn id="1" dur="indefinite" restart="never" nodeType="tmRoot"/>
-      </p:par>
-    </p:tnLst>
-  </p:timing>
 </p:sld>
 </file>
 
-<file path=ppt/slides/slide18.xml><?xml version="1.0" encoding="utf-8"?>
+<file path=ppt/slides/slide19.xml><?xml version="1.0" encoding="utf-8"?>
 <p:sld xmlns:a="http://schemas.openxmlformats.org/drawingml/2006/main" xmlns:r="http://schemas.openxmlformats.org/officeDocument/2006/relationships" xmlns:p="http://schemas.openxmlformats.org/presentationml/2006/main">
   <p:cSld>
     <p:spTree>
@@ -5432,277 +7336,6 @@
   <p:transition spd="med">
     <p:pull/>
   </p:transition>
-  <p:timing>
-    <p:tnLst>
-      <p:par>
-        <p:cTn id="1" dur="indefinite" restart="never" nodeType="tmRoot"/>
-      </p:par>
-    </p:tnLst>
-  </p:timing>
-</p:sld>
-</file>
-
-<file path=ppt/slides/slide19.xml><?xml version="1.0" encoding="utf-8"?>
-<p:sld xmlns:a="http://schemas.openxmlformats.org/drawingml/2006/main" xmlns:r="http://schemas.openxmlformats.org/officeDocument/2006/relationships" xmlns:p="http://schemas.openxmlformats.org/presentationml/2006/main">
-  <p:cSld>
-    <p:spTree>
-      <p:nvGrpSpPr>
-        <p:cNvPr id="1" name=""/>
-        <p:cNvGrpSpPr/>
-        <p:nvPr/>
-      </p:nvGrpSpPr>
-      <p:grpSpPr>
-        <a:xfrm>
-          <a:off x="0" y="0"/>
-          <a:ext cx="0" cy="0"/>
-          <a:chOff x="0" y="0"/>
-          <a:chExt cx="0" cy="0"/>
-        </a:xfrm>
-      </p:grpSpPr>
-      <p:sp>
-        <p:nvSpPr>
-          <p:cNvPr id="5" name="TextBox 4"/>
-          <p:cNvSpPr txBox="1"/>
-          <p:nvPr/>
-        </p:nvSpPr>
-        <p:spPr>
-          <a:xfrm>
-            <a:off x="1869507" y="144000"/>
-            <a:ext cx="8452987" cy="861774"/>
-          </a:xfrm>
-          <a:prstGeom prst="rect">
-            <a:avLst/>
-          </a:prstGeom>
-          <a:noFill/>
-        </p:spPr>
-        <p:txBody>
-          <a:bodyPr wrap="square" rtlCol="0" anchor="ctr">
-            <a:spAutoFit/>
-          </a:bodyPr>
-          <a:lstStyle/>
-          <a:p>
-            <a:pPr algn="ctr"/>
-            <a:r>
-              <a:rPr lang="uk-UA" sz="5000" b="1" dirty="0" smtClean="0">
-                <a:gradFill flip="none" rotWithShape="1">
-                  <a:gsLst>
-                    <a:gs pos="0">
-                      <a:srgbClr val="229633"/>
-                    </a:gs>
-                    <a:gs pos="100000">
-                      <a:srgbClr val="85CA3A"/>
-                    </a:gs>
-                  </a:gsLst>
-                  <a:lin ang="18900000" scaled="1"/>
-                  <a:tileRect/>
-                </a:gradFill>
-                <a:latin typeface="Segoe Print" panose="02000600000000000000" pitchFamily="2" charset="0"/>
-                <a:ea typeface="Open Sans" panose="020B0606030504020204" pitchFamily="34" charset="0"/>
-                <a:cs typeface="Open Sans" panose="020B0606030504020204" pitchFamily="34" charset="0"/>
-              </a:rPr>
-              <a:t>Ризики</a:t>
-            </a:r>
-          </a:p>
-        </p:txBody>
-      </p:sp>
-      <p:sp>
-        <p:nvSpPr>
-          <p:cNvPr id="3" name="TextBox 2"/>
-          <p:cNvSpPr txBox="1"/>
-          <p:nvPr/>
-        </p:nvSpPr>
-        <p:spPr>
-          <a:xfrm>
-            <a:off x="336000" y="1152000"/>
-            <a:ext cx="11520000" cy="4524315"/>
-          </a:xfrm>
-          <a:prstGeom prst="rect">
-            <a:avLst/>
-          </a:prstGeom>
-          <a:noFill/>
-        </p:spPr>
-        <p:txBody>
-          <a:bodyPr wrap="square" rtlCol="0">
-            <a:spAutoFit/>
-          </a:bodyPr>
-          <a:lstStyle/>
-          <a:p>
-            <a:pPr algn="just"/>
-            <a:r>
-              <a:rPr lang="uk-UA" sz="2400" dirty="0" smtClean="0">
-                <a:latin typeface="Tahoma" panose="020B0604030504040204" pitchFamily="34" charset="0"/>
-                <a:ea typeface="Tahoma" panose="020B0604030504040204" pitchFamily="34" charset="0"/>
-                <a:cs typeface="Tahoma" panose="020B0604030504040204" pitchFamily="34" charset="0"/>
-              </a:rPr>
-              <a:t>Внутрішні ризики пов'язані з помилками підприємця в організації бізнесу. До них відносяться наступні:</a:t>
-            </a:r>
-          </a:p>
-          <a:p>
-            <a:pPr marL="342900" indent="-342900" algn="just">
-              <a:buFont typeface="Wingdings" panose="05000000000000000000" pitchFamily="2" charset="2"/>
-              <a:buChar char="Ø"/>
-            </a:pPr>
-            <a:r>
-              <a:rPr lang="uk-UA" sz="2400" dirty="0" smtClean="0">
-                <a:latin typeface="Tahoma" panose="020B0604030504040204" pitchFamily="34" charset="0"/>
-                <a:ea typeface="Tahoma" panose="020B0604030504040204" pitchFamily="34" charset="0"/>
-                <a:cs typeface="Tahoma" panose="020B0604030504040204" pitchFamily="34" charset="0"/>
-              </a:rPr>
-              <a:t>Низька компетентність персоналу</a:t>
-            </a:r>
-          </a:p>
-          <a:p>
-            <a:pPr marL="342900" indent="-342900" algn="just">
-              <a:buFont typeface="Wingdings" panose="05000000000000000000" pitchFamily="2" charset="2"/>
-              <a:buChar char="Ø"/>
-            </a:pPr>
-            <a:r>
-              <a:rPr lang="uk-UA" sz="2400" dirty="0" smtClean="0">
-                <a:latin typeface="Tahoma" panose="020B0604030504040204" pitchFamily="34" charset="0"/>
-                <a:ea typeface="Tahoma" panose="020B0604030504040204" pitchFamily="34" charset="0"/>
-                <a:cs typeface="Tahoma" panose="020B0604030504040204" pitchFamily="34" charset="0"/>
-              </a:rPr>
-              <a:t>Текучка кадрів</a:t>
-            </a:r>
-          </a:p>
-          <a:p>
-            <a:pPr marL="342900" indent="-342900" algn="just">
-              <a:buFont typeface="Wingdings" panose="05000000000000000000" pitchFamily="2" charset="2"/>
-              <a:buChar char="Ø"/>
-            </a:pPr>
-            <a:r>
-              <a:rPr lang="uk-UA" sz="2400" dirty="0" smtClean="0">
-                <a:latin typeface="Tahoma" panose="020B0604030504040204" pitchFamily="34" charset="0"/>
-                <a:ea typeface="Tahoma" panose="020B0604030504040204" pitchFamily="34" charset="0"/>
-                <a:cs typeface="Tahoma" panose="020B0604030504040204" pitchFamily="34" charset="0"/>
-              </a:rPr>
-              <a:t>Крадіжка майна</a:t>
-            </a:r>
-          </a:p>
-          <a:p>
-            <a:pPr marL="342900" indent="-342900" algn="just">
-              <a:buFont typeface="Wingdings" panose="05000000000000000000" pitchFamily="2" charset="2"/>
-              <a:buChar char="Ø"/>
-            </a:pPr>
-            <a:r>
-              <a:rPr lang="uk-UA" sz="2400" dirty="0" smtClean="0">
-                <a:latin typeface="Tahoma" panose="020B0604030504040204" pitchFamily="34" charset="0"/>
-                <a:ea typeface="Tahoma" panose="020B0604030504040204" pitchFamily="34" charset="0"/>
-                <a:cs typeface="Tahoma" panose="020B0604030504040204" pitchFamily="34" charset="0"/>
-              </a:rPr>
-              <a:t>Неефективна реклама</a:t>
-            </a:r>
-          </a:p>
-          <a:p>
-            <a:pPr algn="just"/>
-            <a:endParaRPr lang="uk-UA" sz="2400" dirty="0" smtClean="0">
-              <a:gradFill flip="none" rotWithShape="1">
-                <a:gsLst>
-                  <a:gs pos="100000">
-                    <a:schemeClr val="tx1">
-                      <a:lumMod val="85000"/>
-                      <a:lumOff val="15000"/>
-                    </a:schemeClr>
-                  </a:gs>
-                  <a:gs pos="0">
-                    <a:schemeClr val="tx1">
-                      <a:lumMod val="95000"/>
-                      <a:lumOff val="5000"/>
-                    </a:schemeClr>
-                  </a:gs>
-                </a:gsLst>
-                <a:lin ang="18900000" scaled="1"/>
-                <a:tileRect/>
-              </a:gradFill>
-              <a:latin typeface="Tahoma" panose="020B0604030504040204" pitchFamily="34" charset="0"/>
-              <a:ea typeface="Tahoma" panose="020B0604030504040204" pitchFamily="34" charset="0"/>
-              <a:cs typeface="Tahoma" panose="020B0604030504040204" pitchFamily="34" charset="0"/>
-            </a:endParaRPr>
-          </a:p>
-          <a:p>
-            <a:pPr algn="just"/>
-            <a:r>
-              <a:rPr lang="uk-UA" sz="2400" dirty="0" smtClean="0">
-                <a:latin typeface="Tahoma" panose="020B0604030504040204" pitchFamily="34" charset="0"/>
-                <a:ea typeface="Tahoma" panose="020B0604030504040204" pitchFamily="34" charset="0"/>
-                <a:cs typeface="Tahoma" panose="020B0604030504040204" pitchFamily="34" charset="0"/>
-              </a:rPr>
-              <a:t>Більшою мірою бізнес салону краси схильний до зовнішніх ризиків. Останні не залежать від організаторських здібностей підприємця. До них відносяться наступні:</a:t>
-            </a:r>
-          </a:p>
-          <a:p>
-            <a:pPr marL="342900" indent="-342900" algn="just">
-              <a:buFont typeface="Wingdings" panose="05000000000000000000" pitchFamily="2" charset="2"/>
-              <a:buChar char="Ø"/>
-            </a:pPr>
-            <a:r>
-              <a:rPr lang="uk-UA" sz="2400" dirty="0" smtClean="0">
-                <a:latin typeface="Tahoma" panose="020B0604030504040204" pitchFamily="34" charset="0"/>
-                <a:ea typeface="Tahoma" panose="020B0604030504040204" pitchFamily="34" charset="0"/>
-                <a:cs typeface="Tahoma" panose="020B0604030504040204" pitchFamily="34" charset="0"/>
-              </a:rPr>
-              <a:t>Поява нових конкурентів</a:t>
-            </a:r>
-          </a:p>
-          <a:p>
-            <a:pPr marL="342900" indent="-342900" algn="just">
-              <a:buFont typeface="Wingdings" panose="05000000000000000000" pitchFamily="2" charset="2"/>
-              <a:buChar char="Ø"/>
-            </a:pPr>
-            <a:r>
-              <a:rPr lang="uk-UA" sz="2400" dirty="0" smtClean="0">
-                <a:latin typeface="Tahoma" panose="020B0604030504040204" pitchFamily="34" charset="0"/>
-                <a:ea typeface="Tahoma" panose="020B0604030504040204" pitchFamily="34" charset="0"/>
-                <a:cs typeface="Tahoma" panose="020B0604030504040204" pitchFamily="34" charset="0"/>
-              </a:rPr>
-              <a:t>Зниження платоспроможності населення</a:t>
-            </a:r>
-            <a:endParaRPr lang="uk-UA" sz="2400" dirty="0">
-              <a:gradFill flip="none" rotWithShape="1">
-                <a:gsLst>
-                  <a:gs pos="100000">
-                    <a:schemeClr val="tx1">
-                      <a:lumMod val="85000"/>
-                      <a:lumOff val="15000"/>
-                    </a:schemeClr>
-                  </a:gs>
-                  <a:gs pos="0">
-                    <a:schemeClr val="tx1">
-                      <a:lumMod val="95000"/>
-                      <a:lumOff val="5000"/>
-                    </a:schemeClr>
-                  </a:gs>
-                </a:gsLst>
-                <a:lin ang="18900000" scaled="1"/>
-                <a:tileRect/>
-              </a:gradFill>
-              <a:latin typeface="Tahoma" panose="020B0604030504040204" pitchFamily="34" charset="0"/>
-              <a:ea typeface="Tahoma" panose="020B0604030504040204" pitchFamily="34" charset="0"/>
-              <a:cs typeface="Tahoma" panose="020B0604030504040204" pitchFamily="34" charset="0"/>
-            </a:endParaRPr>
-          </a:p>
-        </p:txBody>
-      </p:sp>
-    </p:spTree>
-    <p:extLst>
-      <p:ext uri="{BB962C8B-B14F-4D97-AF65-F5344CB8AC3E}">
-        <p14:creationId xmlns:p14="http://schemas.microsoft.com/office/powerpoint/2010/main" val="204865308"/>
-      </p:ext>
-    </p:extLst>
-  </p:cSld>
-  <p:clrMapOvr>
-    <a:masterClrMapping/>
-  </p:clrMapOvr>
-  <p:transition spd="med">
-    <p:pull/>
-  </p:transition>
-  <p:timing>
-    <p:tnLst>
-      <p:par>
-        <p:cTn id="1" dur="indefinite" restart="never" nodeType="tmRoot"/>
-      </p:par>
-    </p:tnLst>
-  </p:timing>
 </p:sld>
 </file>
 
@@ -5747,7 +7380,7 @@
           <a:p>
             <a:pPr algn="ctr"/>
             <a:r>
-              <a:rPr lang="uk-UA" sz="5000" b="1" dirty="0" smtClean="0">
+              <a:rPr lang="uk-UA" sz="5000" b="1" dirty="0">
                 <a:gradFill flip="none" rotWithShape="1">
                   <a:gsLst>
                     <a:gs pos="0">
@@ -5777,8 +7410,8 @@
         </p:nvSpPr>
         <p:spPr>
           <a:xfrm>
-            <a:off x="336000" y="1080000"/>
-            <a:ext cx="11520000" cy="3570208"/>
+            <a:off x="336000" y="826085"/>
+            <a:ext cx="11520000" cy="4078039"/>
           </a:xfrm>
           <a:prstGeom prst="rect">
             <a:avLst/>
@@ -5799,7 +7432,7 @@
               <a:buChar char="Ø"/>
             </a:pPr>
             <a:r>
-              <a:rPr lang="uk-UA" sz="2800" b="1" dirty="0" smtClean="0">
+              <a:rPr lang="uk-UA" sz="2800" b="1" dirty="0">
                 <a:gradFill flip="none" rotWithShape="1">
                   <a:gsLst>
                     <a:gs pos="0">
@@ -5845,10 +7478,19 @@
                 <a:ea typeface="Open Sans" panose="020B0606030504020204" pitchFamily="34" charset="0"/>
                 <a:cs typeface="Open Sans" panose="020B0606030504020204" pitchFamily="34" charset="0"/>
               </a:rPr>
-              <a:t>Опис підприємства (графік роботи</a:t>
-            </a:r>
-            <a:r>
-              <a:rPr lang="uk-UA" sz="2800" b="1" dirty="0" smtClean="0">
+              <a:t>Опис підприємства</a:t>
+            </a:r>
+          </a:p>
+          <a:p>
+            <a:pPr marL="342900" indent="-342900">
+              <a:spcAft>
+                <a:spcPts val="600"/>
+              </a:spcAft>
+              <a:buFont typeface="Wingdings" panose="05000000000000000000" pitchFamily="2" charset="2"/>
+              <a:buChar char="Ø"/>
+            </a:pPr>
+            <a:r>
+              <a:rPr lang="uk-UA" sz="2800" b="1" dirty="0">
                 <a:gradFill flip="none" rotWithShape="1">
                   <a:gsLst>
                     <a:gs pos="0">
@@ -5865,7 +7507,7 @@
                 <a:ea typeface="Open Sans" panose="020B0606030504020204" pitchFamily="34" charset="0"/>
                 <a:cs typeface="Open Sans" panose="020B0606030504020204" pitchFamily="34" charset="0"/>
               </a:rPr>
-              <a:t>)</a:t>
+              <a:t>Аналіз ринку</a:t>
             </a:r>
           </a:p>
           <a:p>
@@ -5894,10 +7536,19 @@
                 <a:ea typeface="Open Sans" panose="020B0606030504020204" pitchFamily="34" charset="0"/>
                 <a:cs typeface="Open Sans" panose="020B0606030504020204" pitchFamily="34" charset="0"/>
               </a:rPr>
-              <a:t>Аналіз </a:t>
-            </a:r>
-            <a:r>
-              <a:rPr lang="uk-UA" sz="2800" b="1" dirty="0" smtClean="0">
+              <a:t>Маркетинговий план</a:t>
+            </a:r>
+          </a:p>
+          <a:p>
+            <a:pPr marL="342900" indent="-342900">
+              <a:spcAft>
+                <a:spcPts val="600"/>
+              </a:spcAft>
+              <a:buFont typeface="Wingdings" panose="05000000000000000000" pitchFamily="2" charset="2"/>
+              <a:buChar char="Ø"/>
+            </a:pPr>
+            <a:r>
+              <a:rPr lang="uk-UA" sz="2800" b="1" dirty="0">
                 <a:gradFill flip="none" rotWithShape="1">
                   <a:gsLst>
                     <a:gs pos="0">
@@ -5914,7 +7565,7 @@
                 <a:ea typeface="Open Sans" panose="020B0606030504020204" pitchFamily="34" charset="0"/>
                 <a:cs typeface="Open Sans" panose="020B0606030504020204" pitchFamily="34" charset="0"/>
               </a:rPr>
-              <a:t>ринку</a:t>
+              <a:t>Ціль салону краси</a:t>
             </a:r>
           </a:p>
           <a:p>
@@ -5943,10 +7594,10 @@
                 <a:ea typeface="Open Sans" panose="020B0606030504020204" pitchFamily="34" charset="0"/>
                 <a:cs typeface="Open Sans" panose="020B0606030504020204" pitchFamily="34" charset="0"/>
               </a:rPr>
-              <a:t>Маркетинговий </a:t>
-            </a:r>
-            <a:r>
-              <a:rPr lang="uk-UA" sz="2800" b="1" dirty="0" smtClean="0">
+              <a:t>Організація виробництва</a:t>
+            </a:r>
+            <a:r>
+              <a:rPr lang="en-US" sz="2800" b="1" dirty="0">
                 <a:gradFill flip="none" rotWithShape="1">
                   <a:gsLst>
                     <a:gs pos="0">
@@ -5963,17 +7614,8 @@
                 <a:ea typeface="Open Sans" panose="020B0606030504020204" pitchFamily="34" charset="0"/>
                 <a:cs typeface="Open Sans" panose="020B0606030504020204" pitchFamily="34" charset="0"/>
               </a:rPr>
-              <a:t>план</a:t>
-            </a:r>
-          </a:p>
-          <a:p>
-            <a:pPr marL="342900" indent="-342900">
-              <a:spcAft>
-                <a:spcPts val="600"/>
-              </a:spcAft>
-              <a:buFont typeface="Wingdings" panose="05000000000000000000" pitchFamily="2" charset="2"/>
-              <a:buChar char="Ø"/>
-            </a:pPr>
+              <a:t> </a:t>
+            </a:r>
             <a:r>
               <a:rPr lang="uk-UA" sz="2800" b="1" dirty="0">
                 <a:gradFill flip="none" rotWithShape="1">
@@ -5992,107 +7634,9 @@
                 <a:ea typeface="Open Sans" panose="020B0606030504020204" pitchFamily="34" charset="0"/>
                 <a:cs typeface="Open Sans" panose="020B0606030504020204" pitchFamily="34" charset="0"/>
               </a:rPr>
-              <a:t>Організація </a:t>
-            </a:r>
-            <a:r>
-              <a:rPr lang="uk-UA" sz="2800" b="1" dirty="0" smtClean="0">
-                <a:gradFill flip="none" rotWithShape="1">
-                  <a:gsLst>
-                    <a:gs pos="0">
-                      <a:srgbClr val="276399"/>
-                    </a:gs>
-                    <a:gs pos="100000">
-                      <a:srgbClr val="5380FF"/>
-                    </a:gs>
-                  </a:gsLst>
-                  <a:lin ang="18900000" scaled="1"/>
-                  <a:tileRect/>
-                </a:gradFill>
-                <a:latin typeface="Segoe Print" panose="02000600000000000000" pitchFamily="2" charset="0"/>
-                <a:ea typeface="Open Sans" panose="020B0606030504020204" pitchFamily="34" charset="0"/>
-                <a:cs typeface="Open Sans" panose="020B0606030504020204" pitchFamily="34" charset="0"/>
-              </a:rPr>
-              <a:t>виробництва</a:t>
-            </a:r>
-          </a:p>
-          <a:p>
-            <a:pPr marL="342900" indent="-342900">
-              <a:spcAft>
-                <a:spcPts val="600"/>
-              </a:spcAft>
-              <a:buFont typeface="Wingdings" panose="05000000000000000000" pitchFamily="2" charset="2"/>
-              <a:buChar char="Ø"/>
-            </a:pPr>
-            <a:r>
-              <a:rPr lang="uk-UA" sz="2800" b="1" dirty="0">
-                <a:gradFill flip="none" rotWithShape="1">
-                  <a:gsLst>
-                    <a:gs pos="0">
-                      <a:srgbClr val="276399"/>
-                    </a:gs>
-                    <a:gs pos="100000">
-                      <a:srgbClr val="5380FF"/>
-                    </a:gs>
-                  </a:gsLst>
-                  <a:lin ang="18900000" scaled="1"/>
-                  <a:tileRect/>
-                </a:gradFill>
-                <a:latin typeface="Segoe Print" panose="02000600000000000000" pitchFamily="2" charset="0"/>
-                <a:ea typeface="Open Sans" panose="020B0606030504020204" pitchFamily="34" charset="0"/>
-                <a:cs typeface="Open Sans" panose="020B0606030504020204" pitchFamily="34" charset="0"/>
-              </a:rPr>
-              <a:t>Фінансовий </a:t>
-            </a:r>
-            <a:r>
-              <a:rPr lang="uk-UA" sz="2800" b="1" dirty="0" smtClean="0">
-                <a:gradFill flip="none" rotWithShape="1">
-                  <a:gsLst>
-                    <a:gs pos="0">
-                      <a:srgbClr val="276399"/>
-                    </a:gs>
-                    <a:gs pos="100000">
-                      <a:srgbClr val="5380FF"/>
-                    </a:gs>
-                  </a:gsLst>
-                  <a:lin ang="18900000" scaled="1"/>
-                  <a:tileRect/>
-                </a:gradFill>
-                <a:latin typeface="Segoe Print" panose="02000600000000000000" pitchFamily="2" charset="0"/>
-                <a:ea typeface="Open Sans" panose="020B0606030504020204" pitchFamily="34" charset="0"/>
-                <a:cs typeface="Open Sans" panose="020B0606030504020204" pitchFamily="34" charset="0"/>
-              </a:rPr>
-              <a:t>план</a:t>
-            </a:r>
-          </a:p>
-          <a:p>
-            <a:pPr marL="342900" indent="-342900">
-              <a:spcAft>
-                <a:spcPts val="600"/>
-              </a:spcAft>
-              <a:buFont typeface="Wingdings" panose="05000000000000000000" pitchFamily="2" charset="2"/>
-              <a:buChar char="Ø"/>
-            </a:pPr>
-            <a:r>
-              <a:rPr lang="uk-UA" sz="2800" b="1" dirty="0">
-                <a:gradFill flip="none" rotWithShape="1">
-                  <a:gsLst>
-                    <a:gs pos="0">
-                      <a:srgbClr val="276399"/>
-                    </a:gs>
-                    <a:gs pos="100000">
-                      <a:srgbClr val="5380FF"/>
-                    </a:gs>
-                  </a:gsLst>
-                  <a:lin ang="18900000" scaled="1"/>
-                  <a:tileRect/>
-                </a:gradFill>
-                <a:latin typeface="Segoe Print" panose="02000600000000000000" pitchFamily="2" charset="0"/>
-                <a:ea typeface="Open Sans" panose="020B0606030504020204" pitchFamily="34" charset="0"/>
-                <a:cs typeface="Open Sans" panose="020B0606030504020204" pitchFamily="34" charset="0"/>
-              </a:rPr>
-              <a:t>Ризики</a:t>
-            </a:r>
-            <a:endParaRPr lang="uk-UA" sz="2800" b="1" dirty="0" smtClean="0">
+              <a:t>(графік роботи)</a:t>
+            </a:r>
+            <a:endParaRPr lang="en-US" sz="2800" b="1" dirty="0">
               <a:gradFill flip="none" rotWithShape="1">
                 <a:gsLst>
                   <a:gs pos="0">
@@ -6110,6 +7654,64 @@
               <a:cs typeface="Open Sans" panose="020B0606030504020204" pitchFamily="34" charset="0"/>
             </a:endParaRPr>
           </a:p>
+          <a:p>
+            <a:pPr marL="342900" indent="-342900">
+              <a:spcAft>
+                <a:spcPts val="600"/>
+              </a:spcAft>
+              <a:buFont typeface="Wingdings" panose="05000000000000000000" pitchFamily="2" charset="2"/>
+              <a:buChar char="Ø"/>
+            </a:pPr>
+            <a:r>
+              <a:rPr lang="uk-UA" sz="2800" b="1" dirty="0">
+                <a:gradFill flip="none" rotWithShape="1">
+                  <a:gsLst>
+                    <a:gs pos="0">
+                      <a:srgbClr val="276399"/>
+                    </a:gs>
+                    <a:gs pos="100000">
+                      <a:srgbClr val="5380FF"/>
+                    </a:gs>
+                  </a:gsLst>
+                  <a:lin ang="18900000" scaled="1"/>
+                  <a:tileRect/>
+                </a:gradFill>
+                <a:latin typeface="Segoe Print" panose="02000600000000000000" pitchFamily="2" charset="0"/>
+                <a:ea typeface="Open Sans" panose="020B0606030504020204" pitchFamily="34" charset="0"/>
+                <a:cs typeface="Open Sans" panose="020B0606030504020204" pitchFamily="34" charset="0"/>
+              </a:rPr>
+              <a:t>Фінансовий план</a:t>
+            </a:r>
+          </a:p>
+          <a:p>
+            <a:pPr marL="342900" indent="-342900">
+              <a:spcAft>
+                <a:spcPts val="600"/>
+              </a:spcAft>
+              <a:buFont typeface="Wingdings" panose="05000000000000000000" pitchFamily="2" charset="2"/>
+              <a:buChar char="Ø"/>
+            </a:pPr>
+            <a:r>
+              <a:rPr lang="uk-UA" sz="2800" b="1" dirty="0">
+                <a:gradFill flip="none" rotWithShape="1">
+                  <a:gsLst>
+                    <a:gs pos="0">
+                      <a:srgbClr val="276399"/>
+                    </a:gs>
+                    <a:gs pos="100000">
+                      <a:srgbClr val="5380FF"/>
+                    </a:gs>
+                  </a:gsLst>
+                  <a:lin ang="18900000" scaled="1"/>
+                  <a:tileRect/>
+                </a:gradFill>
+                <a:latin typeface="Segoe Print" panose="02000600000000000000" pitchFamily="2" charset="0"/>
+                <a:ea typeface="Open Sans" panose="020B0606030504020204" pitchFamily="34" charset="0"/>
+                <a:cs typeface="Open Sans" panose="020B0606030504020204" pitchFamily="34" charset="0"/>
+              </a:rPr>
+              <a:t>Ризики</a:t>
+            </a:r>
+          </a:p>
         </p:txBody>
       </p:sp>
     </p:spTree>
@@ -6125,17 +7727,267 @@
   <p:transition spd="med">
     <p:pull/>
   </p:transition>
-  <p:timing>
-    <p:tnLst>
-      <p:par>
-        <p:cTn id="1" dur="indefinite" restart="never" nodeType="tmRoot"/>
-      </p:par>
-    </p:tnLst>
-  </p:timing>
 </p:sld>
 </file>
 
 <file path=ppt/slides/slide20.xml><?xml version="1.0" encoding="utf-8"?>
+<p:sld xmlns:a="http://schemas.openxmlformats.org/drawingml/2006/main" xmlns:r="http://schemas.openxmlformats.org/officeDocument/2006/relationships" xmlns:p="http://schemas.openxmlformats.org/presentationml/2006/main">
+  <p:cSld>
+    <p:spTree>
+      <p:nvGrpSpPr>
+        <p:cNvPr id="1" name=""/>
+        <p:cNvGrpSpPr/>
+        <p:nvPr/>
+      </p:nvGrpSpPr>
+      <p:grpSpPr>
+        <a:xfrm>
+          <a:off x="0" y="0"/>
+          <a:ext cx="0" cy="0"/>
+          <a:chOff x="0" y="0"/>
+          <a:chExt cx="0" cy="0"/>
+        </a:xfrm>
+      </p:grpSpPr>
+      <p:sp>
+        <p:nvSpPr>
+          <p:cNvPr id="5" name="TextBox 4"/>
+          <p:cNvSpPr txBox="1"/>
+          <p:nvPr/>
+        </p:nvSpPr>
+        <p:spPr>
+          <a:xfrm>
+            <a:off x="1869507" y="144000"/>
+            <a:ext cx="8452987" cy="861774"/>
+          </a:xfrm>
+          <a:prstGeom prst="rect">
+            <a:avLst/>
+          </a:prstGeom>
+          <a:noFill/>
+        </p:spPr>
+        <p:txBody>
+          <a:bodyPr wrap="square" rtlCol="0" anchor="ctr">
+            <a:spAutoFit/>
+          </a:bodyPr>
+          <a:lstStyle/>
+          <a:p>
+            <a:pPr algn="ctr"/>
+            <a:r>
+              <a:rPr lang="uk-UA" sz="5000" b="1" dirty="0">
+                <a:gradFill flip="none" rotWithShape="1">
+                  <a:gsLst>
+                    <a:gs pos="0">
+                      <a:srgbClr val="229633"/>
+                    </a:gs>
+                    <a:gs pos="100000">
+                      <a:srgbClr val="85CA3A"/>
+                    </a:gs>
+                  </a:gsLst>
+                  <a:lin ang="18900000" scaled="1"/>
+                  <a:tileRect/>
+                </a:gradFill>
+                <a:latin typeface="Segoe Print" panose="02000600000000000000" pitchFamily="2" charset="0"/>
+                <a:ea typeface="Open Sans" panose="020B0606030504020204" pitchFamily="34" charset="0"/>
+                <a:cs typeface="Open Sans" panose="020B0606030504020204" pitchFamily="34" charset="0"/>
+              </a:rPr>
+              <a:t>Ризики</a:t>
+            </a:r>
+          </a:p>
+        </p:txBody>
+      </p:sp>
+      <p:sp>
+        <p:nvSpPr>
+          <p:cNvPr id="3" name="TextBox 2"/>
+          <p:cNvSpPr txBox="1"/>
+          <p:nvPr/>
+        </p:nvSpPr>
+        <p:spPr>
+          <a:xfrm>
+            <a:off x="336000" y="1152000"/>
+            <a:ext cx="11520000" cy="4524315"/>
+          </a:xfrm>
+          <a:prstGeom prst="rect">
+            <a:avLst/>
+          </a:prstGeom>
+          <a:noFill/>
+        </p:spPr>
+        <p:txBody>
+          <a:bodyPr wrap="square" rtlCol="0">
+            <a:spAutoFit/>
+          </a:bodyPr>
+          <a:lstStyle/>
+          <a:p>
+            <a:pPr algn="just"/>
+            <a:r>
+              <a:rPr lang="uk-UA" sz="2400" dirty="0">
+                <a:latin typeface="Tahoma" panose="020B0604030504040204" pitchFamily="34" charset="0"/>
+                <a:ea typeface="Tahoma" panose="020B0604030504040204" pitchFamily="34" charset="0"/>
+                <a:cs typeface="Tahoma" panose="020B0604030504040204" pitchFamily="34" charset="0"/>
+              </a:rPr>
+              <a:t>Внутрішні ризики пов'язані з помилками підприємця в організації бізнесу. До них відносяться наступні:</a:t>
+            </a:r>
+          </a:p>
+          <a:p>
+            <a:pPr marL="342900" indent="-342900" algn="just">
+              <a:buFont typeface="Wingdings" panose="05000000000000000000" pitchFamily="2" charset="2"/>
+              <a:buChar char="Ø"/>
+            </a:pPr>
+            <a:r>
+              <a:rPr lang="uk-UA" sz="2400" dirty="0">
+                <a:latin typeface="Tahoma" panose="020B0604030504040204" pitchFamily="34" charset="0"/>
+                <a:ea typeface="Tahoma" panose="020B0604030504040204" pitchFamily="34" charset="0"/>
+                <a:cs typeface="Tahoma" panose="020B0604030504040204" pitchFamily="34" charset="0"/>
+              </a:rPr>
+              <a:t>Низька компетентність персоналу</a:t>
+            </a:r>
+          </a:p>
+          <a:p>
+            <a:pPr marL="342900" indent="-342900" algn="just">
+              <a:buFont typeface="Wingdings" panose="05000000000000000000" pitchFamily="2" charset="2"/>
+              <a:buChar char="Ø"/>
+            </a:pPr>
+            <a:r>
+              <a:rPr lang="uk-UA" sz="2400" dirty="0">
+                <a:latin typeface="Tahoma" panose="020B0604030504040204" pitchFamily="34" charset="0"/>
+                <a:ea typeface="Tahoma" panose="020B0604030504040204" pitchFamily="34" charset="0"/>
+                <a:cs typeface="Tahoma" panose="020B0604030504040204" pitchFamily="34" charset="0"/>
+              </a:rPr>
+              <a:t>Текучка кадрів</a:t>
+            </a:r>
+          </a:p>
+          <a:p>
+            <a:pPr marL="342900" indent="-342900" algn="just">
+              <a:buFont typeface="Wingdings" panose="05000000000000000000" pitchFamily="2" charset="2"/>
+              <a:buChar char="Ø"/>
+            </a:pPr>
+            <a:r>
+              <a:rPr lang="uk-UA" sz="2400" dirty="0">
+                <a:latin typeface="Tahoma" panose="020B0604030504040204" pitchFamily="34" charset="0"/>
+                <a:ea typeface="Tahoma" panose="020B0604030504040204" pitchFamily="34" charset="0"/>
+                <a:cs typeface="Tahoma" panose="020B0604030504040204" pitchFamily="34" charset="0"/>
+              </a:rPr>
+              <a:t>Крадіжка майна</a:t>
+            </a:r>
+          </a:p>
+          <a:p>
+            <a:pPr marL="342900" indent="-342900" algn="just">
+              <a:buFont typeface="Wingdings" panose="05000000000000000000" pitchFamily="2" charset="2"/>
+              <a:buChar char="Ø"/>
+            </a:pPr>
+            <a:r>
+              <a:rPr lang="uk-UA" sz="2400" dirty="0">
+                <a:latin typeface="Tahoma" panose="020B0604030504040204" pitchFamily="34" charset="0"/>
+                <a:ea typeface="Tahoma" panose="020B0604030504040204" pitchFamily="34" charset="0"/>
+                <a:cs typeface="Tahoma" panose="020B0604030504040204" pitchFamily="34" charset="0"/>
+              </a:rPr>
+              <a:t>Неефективна реклама</a:t>
+            </a:r>
+          </a:p>
+          <a:p>
+            <a:pPr algn="just"/>
+            <a:endParaRPr lang="uk-UA" sz="2400" dirty="0">
+              <a:gradFill flip="none" rotWithShape="1">
+                <a:gsLst>
+                  <a:gs pos="100000">
+                    <a:schemeClr val="tx1">
+                      <a:lumMod val="85000"/>
+                      <a:lumOff val="15000"/>
+                    </a:schemeClr>
+                  </a:gs>
+                  <a:gs pos="0">
+                    <a:schemeClr val="tx1">
+                      <a:lumMod val="95000"/>
+                      <a:lumOff val="5000"/>
+                    </a:schemeClr>
+                  </a:gs>
+                </a:gsLst>
+                <a:lin ang="18900000" scaled="1"/>
+                <a:tileRect/>
+              </a:gradFill>
+              <a:latin typeface="Tahoma" panose="020B0604030504040204" pitchFamily="34" charset="0"/>
+              <a:ea typeface="Tahoma" panose="020B0604030504040204" pitchFamily="34" charset="0"/>
+              <a:cs typeface="Tahoma" panose="020B0604030504040204" pitchFamily="34" charset="0"/>
+            </a:endParaRPr>
+          </a:p>
+          <a:p>
+            <a:pPr algn="just"/>
+            <a:r>
+              <a:rPr lang="uk-UA" sz="2400" dirty="0">
+                <a:latin typeface="Tahoma" panose="020B0604030504040204" pitchFamily="34" charset="0"/>
+                <a:ea typeface="Tahoma" panose="020B0604030504040204" pitchFamily="34" charset="0"/>
+                <a:cs typeface="Tahoma" panose="020B0604030504040204" pitchFamily="34" charset="0"/>
+              </a:rPr>
+              <a:t>Більшою мірою бізнес салону краси схильний до зовнішніх ризиків. Останні не залежать від організаторських здібностей підприємця. До них відносяться наступні:</a:t>
+            </a:r>
+          </a:p>
+          <a:p>
+            <a:pPr marL="342900" indent="-342900" algn="just">
+              <a:buFont typeface="Wingdings" panose="05000000000000000000" pitchFamily="2" charset="2"/>
+              <a:buChar char="Ø"/>
+            </a:pPr>
+            <a:r>
+              <a:rPr lang="uk-UA" sz="2400" dirty="0">
+                <a:latin typeface="Tahoma" panose="020B0604030504040204" pitchFamily="34" charset="0"/>
+                <a:ea typeface="Tahoma" panose="020B0604030504040204" pitchFamily="34" charset="0"/>
+                <a:cs typeface="Tahoma" panose="020B0604030504040204" pitchFamily="34" charset="0"/>
+              </a:rPr>
+              <a:t>Поява нових конкурентів</a:t>
+            </a:r>
+          </a:p>
+          <a:p>
+            <a:pPr marL="342900" indent="-342900" algn="just">
+              <a:buFont typeface="Wingdings" panose="05000000000000000000" pitchFamily="2" charset="2"/>
+              <a:buChar char="Ø"/>
+            </a:pPr>
+            <a:r>
+              <a:rPr lang="uk-UA" sz="2400" dirty="0">
+                <a:latin typeface="Tahoma" panose="020B0604030504040204" pitchFamily="34" charset="0"/>
+                <a:ea typeface="Tahoma" panose="020B0604030504040204" pitchFamily="34" charset="0"/>
+                <a:cs typeface="Tahoma" panose="020B0604030504040204" pitchFamily="34" charset="0"/>
+              </a:rPr>
+              <a:t>Зниження платоспроможності населення</a:t>
+            </a:r>
+            <a:endParaRPr lang="uk-UA" sz="2400" dirty="0">
+              <a:gradFill flip="none" rotWithShape="1">
+                <a:gsLst>
+                  <a:gs pos="100000">
+                    <a:schemeClr val="tx1">
+                      <a:lumMod val="85000"/>
+                      <a:lumOff val="15000"/>
+                    </a:schemeClr>
+                  </a:gs>
+                  <a:gs pos="0">
+                    <a:schemeClr val="tx1">
+                      <a:lumMod val="95000"/>
+                      <a:lumOff val="5000"/>
+                    </a:schemeClr>
+                  </a:gs>
+                </a:gsLst>
+                <a:lin ang="18900000" scaled="1"/>
+                <a:tileRect/>
+              </a:gradFill>
+              <a:latin typeface="Tahoma" panose="020B0604030504040204" pitchFamily="34" charset="0"/>
+              <a:ea typeface="Tahoma" panose="020B0604030504040204" pitchFamily="34" charset="0"/>
+              <a:cs typeface="Tahoma" panose="020B0604030504040204" pitchFamily="34" charset="0"/>
+            </a:endParaRPr>
+          </a:p>
+        </p:txBody>
+      </p:sp>
+    </p:spTree>
+    <p:extLst>
+      <p:ext uri="{BB962C8B-B14F-4D97-AF65-F5344CB8AC3E}">
+        <p14:creationId xmlns:p14="http://schemas.microsoft.com/office/powerpoint/2010/main" val="204865308"/>
+      </p:ext>
+    </p:extLst>
+  </p:cSld>
+  <p:clrMapOvr>
+    <a:masterClrMapping/>
+  </p:clrMapOvr>
+  <p:transition spd="med">
+    <p:pull/>
+  </p:transition>
+</p:sld>
+</file>
+
+<file path=ppt/slides/slide21.xml><?xml version="1.0" encoding="utf-8"?>
 <p:sld xmlns:a="http://schemas.openxmlformats.org/drawingml/2006/main" xmlns:r="http://schemas.openxmlformats.org/officeDocument/2006/relationships" xmlns:p="http://schemas.openxmlformats.org/presentationml/2006/main">
   <p:cSld>
     <p:spTree>
@@ -6176,7 +8028,7 @@
           <a:p>
             <a:pPr algn="ctr"/>
             <a:r>
-              <a:rPr lang="uk-UA" sz="5000" b="1" dirty="0" smtClean="0">
+              <a:rPr lang="uk-UA" sz="5000" b="1" dirty="0">
                 <a:gradFill flip="none" rotWithShape="1">
                   <a:gsLst>
                     <a:gs pos="16000">
@@ -6211,17 +8063,40 @@
   <p:transition spd="med">
     <p:pull/>
   </p:transition>
-  <p:timing>
-    <p:tnLst>
-      <p:par>
-        <p:cTn id="1" dur="indefinite" restart="never" nodeType="tmRoot"/>
-      </p:par>
-    </p:tnLst>
-  </p:timing>
 </p:sld>
 </file>
 
 <file path=ppt/slides/slide3.xml><?xml version="1.0" encoding="utf-8"?>
+<p:sld xmlns:a="http://schemas.openxmlformats.org/drawingml/2006/main" xmlns:r="http://schemas.openxmlformats.org/officeDocument/2006/relationships" xmlns:p="http://schemas.openxmlformats.org/presentationml/2006/main">
+  <p:cSld>
+    <p:spTree>
+      <p:nvGrpSpPr>
+        <p:cNvPr id="1" name=""/>
+        <p:cNvGrpSpPr/>
+        <p:nvPr/>
+      </p:nvGrpSpPr>
+      <p:grpSpPr>
+        <a:xfrm>
+          <a:off x="0" y="0"/>
+          <a:ext cx="0" cy="0"/>
+          <a:chOff x="0" y="0"/>
+          <a:chExt cx="0" cy="0"/>
+        </a:xfrm>
+      </p:grpSpPr>
+    </p:spTree>
+    <p:extLst>
+      <p:ext uri="{BB962C8B-B14F-4D97-AF65-F5344CB8AC3E}">
+        <p14:creationId xmlns:p14="http://schemas.microsoft.com/office/powerpoint/2010/main" val="2121058718"/>
+      </p:ext>
+    </p:extLst>
+  </p:cSld>
+  <p:clrMapOvr>
+    <a:masterClrMapping/>
+  </p:clrMapOvr>
+</p:sld>
+</file>
+
+<file path=ppt/slides/slide4.xml><?xml version="1.0" encoding="utf-8"?>
 <p:sld xmlns:a="http://schemas.openxmlformats.org/drawingml/2006/main" xmlns:r="http://schemas.openxmlformats.org/officeDocument/2006/relationships" xmlns:p="http://schemas.openxmlformats.org/presentationml/2006/main">
   <p:cSld>
     <p:spTree>
@@ -6262,7 +8137,7 @@
           <a:p>
             <a:pPr algn="ctr"/>
             <a:r>
-              <a:rPr lang="uk-UA" sz="5000" b="1" dirty="0" smtClean="0">
+              <a:rPr lang="uk-UA" sz="5000" b="1" dirty="0">
                 <a:gradFill flip="none" rotWithShape="1">
                   <a:gsLst>
                     <a:gs pos="0">
@@ -6308,7 +8183,7 @@
           <a:p>
             <a:pPr algn="just"/>
             <a:r>
-              <a:rPr lang="uk-UA" sz="2400" dirty="0" smtClean="0">
+              <a:rPr lang="uk-UA" sz="2400" dirty="0">
                 <a:gradFill flip="none" rotWithShape="1">
                   <a:gsLst>
                     <a:gs pos="100000">
@@ -6335,7 +8210,7 @@
             </a:r>
           </a:p>
           <a:p>
-            <a:endParaRPr lang="uk-UA" sz="2400" dirty="0" smtClean="0">
+            <a:endParaRPr lang="uk-UA" sz="2400" dirty="0">
               <a:latin typeface="Tahoma" panose="020B0604030504040204" pitchFamily="34" charset="0"/>
               <a:ea typeface="Tahoma" panose="020B0604030504040204" pitchFamily="34" charset="0"/>
               <a:cs typeface="Tahoma" panose="020B0604030504040204" pitchFamily="34" charset="0"/>
@@ -6343,7 +8218,7 @@
           </a:p>
           <a:p>
             <a:r>
-              <a:rPr lang="uk-UA" sz="2400" dirty="0" smtClean="0">
+              <a:rPr lang="uk-UA" sz="2400" dirty="0">
                 <a:gradFill flip="none" rotWithShape="1">
                   <a:gsLst>
                     <a:gs pos="100000">
@@ -6375,7 +8250,7 @@
               <a:buChar char="Ø"/>
             </a:pPr>
             <a:r>
-              <a:rPr lang="uk-UA" sz="2400" dirty="0" smtClean="0">
+              <a:rPr lang="uk-UA" sz="2400" dirty="0">
                 <a:gradFill flip="none" rotWithShape="1">
                   <a:gsLst>
                     <a:gs pos="100000">
@@ -6407,7 +8282,7 @@
               <a:buChar char="Ø"/>
             </a:pPr>
             <a:r>
-              <a:rPr lang="uk-UA" sz="2400" dirty="0" smtClean="0">
+              <a:rPr lang="uk-UA" sz="2400" dirty="0">
                 <a:gradFill flip="none" rotWithShape="1">
                   <a:gsLst>
                     <a:gs pos="100000">
@@ -6439,7 +8314,7 @@
               <a:buChar char="Ø"/>
             </a:pPr>
             <a:r>
-              <a:rPr lang="uk-UA" sz="2400" dirty="0" smtClean="0">
+              <a:rPr lang="uk-UA" sz="2400" dirty="0">
                 <a:gradFill flip="none" rotWithShape="1">
                   <a:gsLst>
                     <a:gs pos="100000">
@@ -6465,7 +8340,7 @@
               <a:t>Косметологічні послуги (догляд за шкірою і чистка обличчя, догляд за бровами, догляд за віями, </a:t>
             </a:r>
             <a:r>
-              <a:rPr lang="uk-UA" sz="2400" dirty="0" err="1" smtClean="0">
+              <a:rPr lang="uk-UA" sz="2400" dirty="0" err="1">
                 <a:gradFill flip="none" rotWithShape="1">
                   <a:gsLst>
                     <a:gs pos="100000">
@@ -6491,7 +8366,7 @@
               <a:t>демакияж</a:t>
             </a:r>
             <a:r>
-              <a:rPr lang="uk-UA" sz="2400" dirty="0" smtClean="0">
+              <a:rPr lang="uk-UA" sz="2400" dirty="0">
                 <a:gradFill flip="none" rotWithShape="1">
                   <a:gsLst>
                     <a:gs pos="100000">
@@ -6516,29 +8391,6 @@
               </a:rPr>
               <a:t>);</a:t>
             </a:r>
-            <a:endParaRPr lang="uk-UA" sz="2400" dirty="0">
-              <a:gradFill flip="none" rotWithShape="1">
-                <a:gsLst>
-                  <a:gs pos="100000">
-                    <a:schemeClr val="tx1">
-                      <a:lumMod val="85000"/>
-                      <a:lumOff val="15000"/>
-                    </a:schemeClr>
-                  </a:gs>
-                  <a:gs pos="0">
-                    <a:schemeClr val="tx1">
-                      <a:lumMod val="95000"/>
-                      <a:lumOff val="5000"/>
-                    </a:schemeClr>
-                  </a:gs>
-                </a:gsLst>
-                <a:lin ang="18900000" scaled="1"/>
-                <a:tileRect/>
-              </a:gradFill>
-              <a:latin typeface="Tahoma" panose="020B0604030504040204" pitchFamily="34" charset="0"/>
-              <a:ea typeface="Tahoma" panose="020B0604030504040204" pitchFamily="34" charset="0"/>
-              <a:cs typeface="Tahoma" panose="020B0604030504040204" pitchFamily="34" charset="0"/>
-            </a:endParaRPr>
           </a:p>
         </p:txBody>
       </p:sp>
@@ -6555,17 +8407,10 @@
   <p:transition spd="med">
     <p:pull/>
   </p:transition>
-  <p:timing>
-    <p:tnLst>
-      <p:par>
-        <p:cTn id="1" dur="indefinite" restart="never" nodeType="tmRoot"/>
-      </p:par>
-    </p:tnLst>
-  </p:timing>
 </p:sld>
 </file>
 
-<file path=ppt/slides/slide4.xml><?xml version="1.0" encoding="utf-8"?>
+<file path=ppt/slides/slide5.xml><?xml version="1.0" encoding="utf-8"?>
 <p:sld xmlns:a="http://schemas.openxmlformats.org/drawingml/2006/main" xmlns:r="http://schemas.openxmlformats.org/officeDocument/2006/relationships" xmlns:p="http://schemas.openxmlformats.org/presentationml/2006/main">
   <p:cSld>
     <p:spTree>
@@ -6625,23 +8470,302 @@
               </a:rPr>
               <a:t>Опис підприємства</a:t>
             </a:r>
-            <a:endParaRPr lang="uk-UA" sz="5000" b="1" dirty="0" smtClean="0">
+          </a:p>
+        </p:txBody>
+      </p:sp>
+      <p:sp>
+        <p:nvSpPr>
+          <p:cNvPr id="4" name="TextBox 3">
+            <a:extLst>
+              <a:ext uri="{FF2B5EF4-FFF2-40B4-BE49-F238E27FC236}">
+                <a16:creationId xmlns:a16="http://schemas.microsoft.com/office/drawing/2014/main" id="{92F18041-3C0B-4EAF-876A-625657F421FF}"/>
+              </a:ext>
+            </a:extLst>
+          </p:cNvPr>
+          <p:cNvSpPr txBox="1"/>
+          <p:nvPr/>
+        </p:nvSpPr>
+        <p:spPr>
+          <a:xfrm>
+            <a:off x="336000" y="1080000"/>
+            <a:ext cx="11520000" cy="4524315"/>
+          </a:xfrm>
+          <a:prstGeom prst="rect">
+            <a:avLst/>
+          </a:prstGeom>
+          <a:noFill/>
+        </p:spPr>
+        <p:txBody>
+          <a:bodyPr wrap="square" rtlCol="0">
+            <a:spAutoFit/>
+          </a:bodyPr>
+          <a:lstStyle/>
+          <a:p>
+            <a:pPr algn="just"/>
+            <a:r>
+              <a:rPr lang="uk-UA" sz="2400" dirty="0">
+                <a:gradFill flip="none" rotWithShape="1">
+                  <a:gsLst>
+                    <a:gs pos="100000">
+                      <a:schemeClr val="tx1">
+                        <a:lumMod val="85000"/>
+                        <a:lumOff val="15000"/>
+                      </a:schemeClr>
+                    </a:gs>
+                    <a:gs pos="0">
+                      <a:schemeClr val="tx1">
+                        <a:lumMod val="95000"/>
+                        <a:lumOff val="5000"/>
+                      </a:schemeClr>
+                    </a:gs>
+                  </a:gsLst>
+                  <a:lin ang="18900000" scaled="1"/>
+                  <a:tileRect/>
+                </a:gradFill>
+                <a:latin typeface="Tahoma" panose="020B0604030504040204" pitchFamily="34" charset="0"/>
+                <a:ea typeface="Tahoma" panose="020B0604030504040204" pitchFamily="34" charset="0"/>
+                <a:cs typeface="Tahoma" panose="020B0604030504040204" pitchFamily="34" charset="0"/>
+              </a:rPr>
+              <a:t>Ми забезпечуємо широкий вибір стрижок та зачісок на будь-який смак і тільки у сучасних каталогах. Майстри салону завжди запропонують те, що справді підкреслить Вашу чарівність, додасть шарму, задасть індивідуальний стиль.</a:t>
+            </a:r>
+          </a:p>
+          <a:p>
+            <a:pPr algn="just"/>
+            <a:endParaRPr lang="uk-UA" sz="2400" dirty="0">
               <a:gradFill flip="none" rotWithShape="1">
                 <a:gsLst>
+                  <a:gs pos="100000">
+                    <a:schemeClr val="tx1">
+                      <a:lumMod val="85000"/>
+                      <a:lumOff val="15000"/>
+                    </a:schemeClr>
+                  </a:gs>
                   <a:gs pos="0">
-                    <a:srgbClr val="229633"/>
-                  </a:gs>
-                  <a:gs pos="100000">
-                    <a:srgbClr val="85CA3A"/>
+                    <a:schemeClr val="tx1">
+                      <a:lumMod val="95000"/>
+                      <a:lumOff val="5000"/>
+                    </a:schemeClr>
                   </a:gs>
                 </a:gsLst>
                 <a:lin ang="18900000" scaled="1"/>
                 <a:tileRect/>
               </a:gradFill>
-              <a:latin typeface="Segoe Print" panose="02000600000000000000" pitchFamily="2" charset="0"/>
-              <a:ea typeface="Open Sans" panose="020B0606030504020204" pitchFamily="34" charset="0"/>
-              <a:cs typeface="Open Sans" panose="020B0606030504020204" pitchFamily="34" charset="0"/>
+              <a:latin typeface="Tahoma" panose="020B0604030504040204" pitchFamily="34" charset="0"/>
+              <a:ea typeface="Tahoma" panose="020B0604030504040204" pitchFamily="34" charset="0"/>
+              <a:cs typeface="Tahoma" panose="020B0604030504040204" pitchFamily="34" charset="0"/>
             </a:endParaRPr>
+          </a:p>
+          <a:p>
+            <a:pPr algn="just"/>
+            <a:r>
+              <a:rPr lang="uk-UA" sz="2400" dirty="0">
+                <a:gradFill flip="none" rotWithShape="1">
+                  <a:gsLst>
+                    <a:gs pos="100000">
+                      <a:schemeClr val="tx1">
+                        <a:lumMod val="85000"/>
+                        <a:lumOff val="15000"/>
+                      </a:schemeClr>
+                    </a:gs>
+                    <a:gs pos="0">
+                      <a:schemeClr val="tx1">
+                        <a:lumMod val="95000"/>
+                        <a:lumOff val="5000"/>
+                      </a:schemeClr>
+                    </a:gs>
+                  </a:gsLst>
+                  <a:lin ang="18900000" scaled="1"/>
+                  <a:tileRect/>
+                </a:gradFill>
+                <a:latin typeface="Tahoma" panose="020B0604030504040204" pitchFamily="34" charset="0"/>
+                <a:ea typeface="Tahoma" panose="020B0604030504040204" pitchFamily="34" charset="0"/>
+                <a:cs typeface="Tahoma" panose="020B0604030504040204" pitchFamily="34" charset="0"/>
+              </a:rPr>
+              <a:t>Салон краси «Гламур» надає досить актуальні на кожен день послуги: перукарські та послуги манікюру та педикюру і макіяж.</a:t>
+            </a:r>
+          </a:p>
+          <a:p>
+            <a:pPr algn="just"/>
+            <a:endParaRPr lang="uk-UA" sz="2400" dirty="0">
+              <a:gradFill flip="none" rotWithShape="1">
+                <a:gsLst>
+                  <a:gs pos="100000">
+                    <a:schemeClr val="tx1">
+                      <a:lumMod val="85000"/>
+                      <a:lumOff val="15000"/>
+                    </a:schemeClr>
+                  </a:gs>
+                  <a:gs pos="0">
+                    <a:schemeClr val="tx1">
+                      <a:lumMod val="95000"/>
+                      <a:lumOff val="5000"/>
+                    </a:schemeClr>
+                  </a:gs>
+                </a:gsLst>
+                <a:lin ang="18900000" scaled="1"/>
+                <a:tileRect/>
+              </a:gradFill>
+              <a:latin typeface="Tahoma" panose="020B0604030504040204" pitchFamily="34" charset="0"/>
+              <a:ea typeface="Tahoma" panose="020B0604030504040204" pitchFamily="34" charset="0"/>
+              <a:cs typeface="Tahoma" panose="020B0604030504040204" pitchFamily="34" charset="0"/>
+            </a:endParaRPr>
+          </a:p>
+          <a:p>
+            <a:pPr algn="just"/>
+            <a:r>
+              <a:rPr lang="uk-UA" sz="2400" dirty="0">
+                <a:gradFill flip="none" rotWithShape="1">
+                  <a:gsLst>
+                    <a:gs pos="100000">
+                      <a:schemeClr val="tx1">
+                        <a:lumMod val="85000"/>
+                        <a:lumOff val="15000"/>
+                      </a:schemeClr>
+                    </a:gs>
+                    <a:gs pos="0">
+                      <a:schemeClr val="tx1">
+                        <a:lumMod val="95000"/>
+                        <a:lumOff val="5000"/>
+                      </a:schemeClr>
+                    </a:gs>
+                  </a:gsLst>
+                  <a:lin ang="18900000" scaled="1"/>
+                  <a:tileRect/>
+                </a:gradFill>
+                <a:latin typeface="Tahoma" panose="020B0604030504040204" pitchFamily="34" charset="0"/>
+                <a:ea typeface="Tahoma" panose="020B0604030504040204" pitchFamily="34" charset="0"/>
+                <a:cs typeface="Tahoma" panose="020B0604030504040204" pitchFamily="34" charset="0"/>
+              </a:rPr>
+              <a:t>Салон краси надає послуги по 4 основних напрямках. Серед них:</a:t>
+            </a:r>
+          </a:p>
+          <a:p>
+            <a:pPr marL="342900" indent="-342900" algn="just">
+              <a:buFont typeface="Wingdings" panose="05000000000000000000" pitchFamily="2" charset="2"/>
+              <a:buChar char="Ø"/>
+            </a:pPr>
+            <a:r>
+              <a:rPr lang="uk-UA" sz="2400" dirty="0">
+                <a:gradFill flip="none" rotWithShape="1">
+                  <a:gsLst>
+                    <a:gs pos="100000">
+                      <a:schemeClr val="tx1">
+                        <a:lumMod val="85000"/>
+                        <a:lumOff val="15000"/>
+                      </a:schemeClr>
+                    </a:gs>
+                    <a:gs pos="0">
+                      <a:schemeClr val="tx1">
+                        <a:lumMod val="95000"/>
+                        <a:lumOff val="5000"/>
+                      </a:schemeClr>
+                    </a:gs>
+                  </a:gsLst>
+                  <a:lin ang="18900000" scaled="1"/>
+                  <a:tileRect/>
+                </a:gradFill>
+                <a:latin typeface="Tahoma" panose="020B0604030504040204" pitchFamily="34" charset="0"/>
+                <a:ea typeface="Tahoma" panose="020B0604030504040204" pitchFamily="34" charset="0"/>
+                <a:cs typeface="Tahoma" panose="020B0604030504040204" pitchFamily="34" charset="0"/>
+              </a:rPr>
+              <a:t>Послуги  перукаря</a:t>
+            </a:r>
+          </a:p>
+          <a:p>
+            <a:pPr marL="342900" indent="-342900" algn="just">
+              <a:buFont typeface="Wingdings" panose="05000000000000000000" pitchFamily="2" charset="2"/>
+              <a:buChar char="Ø"/>
+            </a:pPr>
+            <a:r>
+              <a:rPr lang="uk-UA" sz="2400" dirty="0">
+                <a:gradFill flip="none" rotWithShape="1">
+                  <a:gsLst>
+                    <a:gs pos="100000">
+                      <a:schemeClr val="tx1">
+                        <a:lumMod val="85000"/>
+                        <a:lumOff val="15000"/>
+                      </a:schemeClr>
+                    </a:gs>
+                    <a:gs pos="0">
+                      <a:schemeClr val="tx1">
+                        <a:lumMod val="95000"/>
+                        <a:lumOff val="5000"/>
+                      </a:schemeClr>
+                    </a:gs>
+                  </a:gsLst>
+                  <a:lin ang="18900000" scaled="1"/>
+                  <a:tileRect/>
+                </a:gradFill>
+                <a:latin typeface="Tahoma" panose="020B0604030504040204" pitchFamily="34" charset="0"/>
+                <a:ea typeface="Tahoma" panose="020B0604030504040204" pitchFamily="34" charset="0"/>
+                <a:cs typeface="Tahoma" panose="020B0604030504040204" pitchFamily="34" charset="0"/>
+              </a:rPr>
+              <a:t>Манікюр та педикюр</a:t>
+            </a:r>
+          </a:p>
+          <a:p>
+            <a:pPr marL="342900" indent="-342900" algn="just">
+              <a:buFont typeface="Wingdings" panose="05000000000000000000" pitchFamily="2" charset="2"/>
+              <a:buChar char="Ø"/>
+            </a:pPr>
+            <a:r>
+              <a:rPr lang="uk-UA" sz="2400" dirty="0">
+                <a:gradFill flip="none" rotWithShape="1">
+                  <a:gsLst>
+                    <a:gs pos="100000">
+                      <a:schemeClr val="tx1">
+                        <a:lumMod val="85000"/>
+                        <a:lumOff val="15000"/>
+                      </a:schemeClr>
+                    </a:gs>
+                    <a:gs pos="0">
+                      <a:schemeClr val="tx1">
+                        <a:lumMod val="95000"/>
+                        <a:lumOff val="5000"/>
+                      </a:schemeClr>
+                    </a:gs>
+                  </a:gsLst>
+                  <a:lin ang="18900000" scaled="1"/>
+                  <a:tileRect/>
+                </a:gradFill>
+                <a:latin typeface="Tahoma" panose="020B0604030504040204" pitchFamily="34" charset="0"/>
+                <a:ea typeface="Tahoma" panose="020B0604030504040204" pitchFamily="34" charset="0"/>
+                <a:cs typeface="Tahoma" panose="020B0604030504040204" pitchFamily="34" charset="0"/>
+              </a:rPr>
+              <a:t>Косметологічні послуги</a:t>
+            </a:r>
+          </a:p>
+          <a:p>
+            <a:pPr marL="342900" indent="-342900" algn="just">
+              <a:buFont typeface="Wingdings" panose="05000000000000000000" pitchFamily="2" charset="2"/>
+              <a:buChar char="Ø"/>
+            </a:pPr>
+            <a:r>
+              <a:rPr lang="uk-UA" sz="2400" dirty="0">
+                <a:gradFill flip="none" rotWithShape="1">
+                  <a:gsLst>
+                    <a:gs pos="100000">
+                      <a:schemeClr val="tx1">
+                        <a:lumMod val="85000"/>
+                        <a:lumOff val="15000"/>
+                      </a:schemeClr>
+                    </a:gs>
+                    <a:gs pos="0">
+                      <a:schemeClr val="tx1">
+                        <a:lumMod val="95000"/>
+                        <a:lumOff val="5000"/>
+                      </a:schemeClr>
+                    </a:gs>
+                  </a:gsLst>
+                  <a:lin ang="18900000" scaled="1"/>
+                  <a:tileRect/>
+                </a:gradFill>
+                <a:latin typeface="Tahoma" panose="020B0604030504040204" pitchFamily="34" charset="0"/>
+                <a:ea typeface="Tahoma" panose="020B0604030504040204" pitchFamily="34" charset="0"/>
+                <a:cs typeface="Tahoma" panose="020B0604030504040204" pitchFamily="34" charset="0"/>
+              </a:rPr>
+              <a:t>Догляд за шкірою тіла</a:t>
+            </a:r>
           </a:p>
         </p:txBody>
       </p:sp>
@@ -6658,116 +8782,6 @@
   <p:transition spd="med">
     <p:pull/>
   </p:transition>
-  <p:timing>
-    <p:tnLst>
-      <p:par>
-        <p:cTn id="1" dur="indefinite" restart="never" nodeType="tmRoot"/>
-      </p:par>
-    </p:tnLst>
-  </p:timing>
-</p:sld>
-</file>
-
-<file path=ppt/slides/slide5.xml><?xml version="1.0" encoding="utf-8"?>
-<p:sld xmlns:a="http://schemas.openxmlformats.org/drawingml/2006/main" xmlns:r="http://schemas.openxmlformats.org/officeDocument/2006/relationships" xmlns:p="http://schemas.openxmlformats.org/presentationml/2006/main">
-  <p:cSld>
-    <p:spTree>
-      <p:nvGrpSpPr>
-        <p:cNvPr id="1" name=""/>
-        <p:cNvGrpSpPr/>
-        <p:nvPr/>
-      </p:nvGrpSpPr>
-      <p:grpSpPr>
-        <a:xfrm>
-          <a:off x="0" y="0"/>
-          <a:ext cx="0" cy="0"/>
-          <a:chOff x="0" y="0"/>
-          <a:chExt cx="0" cy="0"/>
-        </a:xfrm>
-      </p:grpSpPr>
-      <p:sp>
-        <p:nvSpPr>
-          <p:cNvPr id="2" name="TextBox 1"/>
-          <p:cNvSpPr txBox="1"/>
-          <p:nvPr/>
-        </p:nvSpPr>
-        <p:spPr>
-          <a:xfrm>
-            <a:off x="1869507" y="144000"/>
-            <a:ext cx="8452987" cy="861774"/>
-          </a:xfrm>
-          <a:prstGeom prst="rect">
-            <a:avLst/>
-          </a:prstGeom>
-          <a:noFill/>
-        </p:spPr>
-        <p:txBody>
-          <a:bodyPr wrap="square" rtlCol="0" anchor="ctr">
-            <a:spAutoFit/>
-          </a:bodyPr>
-          <a:lstStyle/>
-          <a:p>
-            <a:pPr algn="ctr"/>
-            <a:r>
-              <a:rPr lang="uk-UA" sz="5000" b="1" dirty="0">
-                <a:gradFill flip="none" rotWithShape="1">
-                  <a:gsLst>
-                    <a:gs pos="0">
-                      <a:srgbClr val="229633"/>
-                    </a:gs>
-                    <a:gs pos="100000">
-                      <a:srgbClr val="85CA3A"/>
-                    </a:gs>
-                  </a:gsLst>
-                  <a:lin ang="18900000" scaled="1"/>
-                  <a:tileRect/>
-                </a:gradFill>
-                <a:latin typeface="Segoe Print" panose="02000600000000000000" pitchFamily="2" charset="0"/>
-                <a:ea typeface="Open Sans" panose="020B0606030504020204" pitchFamily="34" charset="0"/>
-                <a:cs typeface="Open Sans" panose="020B0606030504020204" pitchFamily="34" charset="0"/>
-              </a:rPr>
-              <a:t>Аналіз ринку</a:t>
-            </a:r>
-            <a:endParaRPr lang="uk-UA" sz="5000" b="1" dirty="0" smtClean="0">
-              <a:gradFill flip="none" rotWithShape="1">
-                <a:gsLst>
-                  <a:gs pos="0">
-                    <a:srgbClr val="229633"/>
-                  </a:gs>
-                  <a:gs pos="100000">
-                    <a:srgbClr val="85CA3A"/>
-                  </a:gs>
-                </a:gsLst>
-                <a:lin ang="18900000" scaled="1"/>
-                <a:tileRect/>
-              </a:gradFill>
-              <a:latin typeface="Segoe Print" panose="02000600000000000000" pitchFamily="2" charset="0"/>
-              <a:ea typeface="Open Sans" panose="020B0606030504020204" pitchFamily="34" charset="0"/>
-              <a:cs typeface="Open Sans" panose="020B0606030504020204" pitchFamily="34" charset="0"/>
-            </a:endParaRPr>
-          </a:p>
-        </p:txBody>
-      </p:sp>
-    </p:spTree>
-    <p:extLst>
-      <p:ext uri="{BB962C8B-B14F-4D97-AF65-F5344CB8AC3E}">
-        <p14:creationId xmlns:p14="http://schemas.microsoft.com/office/powerpoint/2010/main" val="3733678756"/>
-      </p:ext>
-    </p:extLst>
-  </p:cSld>
-  <p:clrMapOvr>
-    <a:masterClrMapping/>
-  </p:clrMapOvr>
-  <p:transition spd="med">
-    <p:pull/>
-  </p:transition>
-  <p:timing>
-    <p:tnLst>
-      <p:par>
-        <p:cTn id="1" dur="indefinite" restart="never" nodeType="tmRoot"/>
-      </p:par>
-    </p:tnLst>
-  </p:timing>
 </p:sld>
 </file>
 
@@ -6829,25 +8843,87 @@
                 <a:ea typeface="Open Sans" panose="020B0606030504020204" pitchFamily="34" charset="0"/>
                 <a:cs typeface="Open Sans" panose="020B0606030504020204" pitchFamily="34" charset="0"/>
               </a:rPr>
+              <a:t>Аналіз ринку</a:t>
+            </a:r>
+          </a:p>
+        </p:txBody>
+      </p:sp>
+    </p:spTree>
+    <p:extLst>
+      <p:ext uri="{BB962C8B-B14F-4D97-AF65-F5344CB8AC3E}">
+        <p14:creationId xmlns:p14="http://schemas.microsoft.com/office/powerpoint/2010/main" val="3733678756"/>
+      </p:ext>
+    </p:extLst>
+  </p:cSld>
+  <p:clrMapOvr>
+    <a:masterClrMapping/>
+  </p:clrMapOvr>
+  <p:transition spd="med">
+    <p:pull/>
+  </p:transition>
+</p:sld>
+</file>
+
+<file path=ppt/slides/slide7.xml><?xml version="1.0" encoding="utf-8"?>
+<p:sld xmlns:a="http://schemas.openxmlformats.org/drawingml/2006/main" xmlns:r="http://schemas.openxmlformats.org/officeDocument/2006/relationships" xmlns:p="http://schemas.openxmlformats.org/presentationml/2006/main">
+  <p:cSld>
+    <p:spTree>
+      <p:nvGrpSpPr>
+        <p:cNvPr id="1" name=""/>
+        <p:cNvGrpSpPr/>
+        <p:nvPr/>
+      </p:nvGrpSpPr>
+      <p:grpSpPr>
+        <a:xfrm>
+          <a:off x="0" y="0"/>
+          <a:ext cx="0" cy="0"/>
+          <a:chOff x="0" y="0"/>
+          <a:chExt cx="0" cy="0"/>
+        </a:xfrm>
+      </p:grpSpPr>
+      <p:sp>
+        <p:nvSpPr>
+          <p:cNvPr id="2" name="TextBox 1"/>
+          <p:cNvSpPr txBox="1"/>
+          <p:nvPr/>
+        </p:nvSpPr>
+        <p:spPr>
+          <a:xfrm>
+            <a:off x="1869507" y="144000"/>
+            <a:ext cx="8452987" cy="861774"/>
+          </a:xfrm>
+          <a:prstGeom prst="rect">
+            <a:avLst/>
+          </a:prstGeom>
+          <a:noFill/>
+        </p:spPr>
+        <p:txBody>
+          <a:bodyPr wrap="square" rtlCol="0" anchor="ctr">
+            <a:spAutoFit/>
+          </a:bodyPr>
+          <a:lstStyle/>
+          <a:p>
+            <a:pPr algn="ctr"/>
+            <a:r>
+              <a:rPr lang="uk-UA" sz="5000" b="1" dirty="0">
+                <a:gradFill flip="none" rotWithShape="1">
+                  <a:gsLst>
+                    <a:gs pos="0">
+                      <a:srgbClr val="229633"/>
+                    </a:gs>
+                    <a:gs pos="100000">
+                      <a:srgbClr val="85CA3A"/>
+                    </a:gs>
+                  </a:gsLst>
+                  <a:lin ang="18900000" scaled="1"/>
+                  <a:tileRect/>
+                </a:gradFill>
+                <a:latin typeface="Segoe Print" panose="02000600000000000000" pitchFamily="2" charset="0"/>
+                <a:ea typeface="Open Sans" panose="020B0606030504020204" pitchFamily="34" charset="0"/>
+                <a:cs typeface="Open Sans" panose="020B0606030504020204" pitchFamily="34" charset="0"/>
+              </a:rPr>
               <a:t>Маркетинговий план</a:t>
             </a:r>
-            <a:endParaRPr lang="uk-UA" sz="5000" b="1" dirty="0" smtClean="0">
-              <a:gradFill flip="none" rotWithShape="1">
-                <a:gsLst>
-                  <a:gs pos="0">
-                    <a:srgbClr val="229633"/>
-                  </a:gs>
-                  <a:gs pos="100000">
-                    <a:srgbClr val="85CA3A"/>
-                  </a:gs>
-                </a:gsLst>
-                <a:lin ang="18900000" scaled="1"/>
-                <a:tileRect/>
-              </a:gradFill>
-              <a:latin typeface="Segoe Print" panose="02000600000000000000" pitchFamily="2" charset="0"/>
-              <a:ea typeface="Open Sans" panose="020B0606030504020204" pitchFamily="34" charset="0"/>
-              <a:cs typeface="Open Sans" panose="020B0606030504020204" pitchFamily="34" charset="0"/>
-            </a:endParaRPr>
           </a:p>
         </p:txBody>
       </p:sp>
@@ -6883,10 +8959,34 @@
                 <a:tableStyleId>{93296810-A885-4BE3-A3E7-6D5BEEA58F35}</a:tableStyleId>
               </a:tblPr>
               <a:tblGrid>
-                <a:gridCol w="5400000"/>
-                <a:gridCol w="1980000"/>
-                <a:gridCol w="1980000"/>
-                <a:gridCol w="1980000"/>
+                <a:gridCol w="5400000">
+                  <a:extLst>
+                    <a:ext uri="{9D8B030D-6E8A-4147-A177-3AD203B41FA5}">
+                      <a16:colId xmlns:a16="http://schemas.microsoft.com/office/drawing/2014/main" val="20000"/>
+                    </a:ext>
+                  </a:extLst>
+                </a:gridCol>
+                <a:gridCol w="1980000">
+                  <a:extLst>
+                    <a:ext uri="{9D8B030D-6E8A-4147-A177-3AD203B41FA5}">
+                      <a16:colId xmlns:a16="http://schemas.microsoft.com/office/drawing/2014/main" val="20001"/>
+                    </a:ext>
+                  </a:extLst>
+                </a:gridCol>
+                <a:gridCol w="1980000">
+                  <a:extLst>
+                    <a:ext uri="{9D8B030D-6E8A-4147-A177-3AD203B41FA5}">
+                      <a16:colId xmlns:a16="http://schemas.microsoft.com/office/drawing/2014/main" val="20002"/>
+                    </a:ext>
+                  </a:extLst>
+                </a:gridCol>
+                <a:gridCol w="1980000">
+                  <a:extLst>
+                    <a:ext uri="{9D8B030D-6E8A-4147-A177-3AD203B41FA5}">
+                      <a16:colId xmlns:a16="http://schemas.microsoft.com/office/drawing/2014/main" val="20003"/>
+                    </a:ext>
+                  </a:extLst>
+                </a:gridCol>
               </a:tblGrid>
               <a:tr h="936000">
                 <a:tc>
@@ -6896,7 +8996,7 @@
                     <a:p>
                       <a:pPr algn="ctr"/>
                       <a:r>
-                        <a:rPr lang="uk-UA" sz="2000" noProof="0" dirty="0" smtClean="0">
+                        <a:rPr lang="uk-UA" sz="2000" noProof="0" dirty="0">
                           <a:solidFill>
                             <a:schemeClr val="tx1"/>
                           </a:solidFill>
@@ -6907,15 +9007,6 @@
                         </a:rPr>
                         <a:t>Послуга</a:t>
                       </a:r>
-                      <a:endParaRPr lang="uk-UA" sz="2000" noProof="0" dirty="0">
-                        <a:solidFill>
-                          <a:schemeClr val="tx1"/>
-                        </a:solidFill>
-                        <a:effectLst/>
-                        <a:latin typeface="Open Sans" panose="020B0606030504020204" pitchFamily="34" charset="0"/>
-                        <a:ea typeface="Open Sans" panose="020B0606030504020204" pitchFamily="34" charset="0"/>
-                        <a:cs typeface="Open Sans" panose="020B0606030504020204" pitchFamily="34" charset="0"/>
-                      </a:endParaRPr>
                     </a:p>
                   </a:txBody>
                   <a:tcPr anchor="ctr">
@@ -6933,7 +9024,7 @@
                     <a:p>
                       <a:pPr algn="ctr"/>
                       <a:r>
-                        <a:rPr lang="uk-UA" sz="2000" noProof="0" dirty="0" smtClean="0">
+                        <a:rPr lang="uk-UA" sz="2000" noProof="0" dirty="0">
                           <a:solidFill>
                             <a:schemeClr val="tx1"/>
                           </a:solidFill>
@@ -6948,7 +9039,7 @@
                     <a:p>
                       <a:pPr algn="ctr"/>
                       <a:r>
-                        <a:rPr lang="uk-UA" sz="2000" noProof="0" dirty="0" smtClean="0">
+                        <a:rPr lang="uk-UA" sz="2000" noProof="0" dirty="0">
                           <a:solidFill>
                             <a:schemeClr val="tx1"/>
                           </a:solidFill>
@@ -6959,15 +9050,6 @@
                         </a:rPr>
                         <a:t>1 шт.</a:t>
                       </a:r>
-                      <a:endParaRPr lang="uk-UA" sz="2000" noProof="0" dirty="0">
-                        <a:solidFill>
-                          <a:schemeClr val="tx1"/>
-                        </a:solidFill>
-                        <a:effectLst/>
-                        <a:latin typeface="Open Sans" panose="020B0606030504020204" pitchFamily="34" charset="0"/>
-                        <a:ea typeface="Open Sans" panose="020B0606030504020204" pitchFamily="34" charset="0"/>
-                        <a:cs typeface="Open Sans" panose="020B0606030504020204" pitchFamily="34" charset="0"/>
-                      </a:endParaRPr>
                     </a:p>
                   </a:txBody>
                   <a:tcPr anchor="ctr">
@@ -6985,7 +9067,7 @@
                     <a:p>
                       <a:pPr algn="ctr"/>
                       <a:r>
-                        <a:rPr lang="uk-UA" sz="2000" noProof="0" dirty="0" smtClean="0">
+                        <a:rPr lang="uk-UA" sz="2000" noProof="0" dirty="0">
                           <a:solidFill>
                             <a:schemeClr val="tx1"/>
                           </a:solidFill>
@@ -6996,15 +9078,6 @@
                         </a:rPr>
                         <a:t>Кількість</a:t>
                       </a:r>
-                      <a:endParaRPr lang="uk-UA" sz="2000" noProof="0" dirty="0">
-                        <a:solidFill>
-                          <a:schemeClr val="tx1"/>
-                        </a:solidFill>
-                        <a:effectLst/>
-                        <a:latin typeface="Open Sans" panose="020B0606030504020204" pitchFamily="34" charset="0"/>
-                        <a:ea typeface="Open Sans" panose="020B0606030504020204" pitchFamily="34" charset="0"/>
-                        <a:cs typeface="Open Sans" panose="020B0606030504020204" pitchFamily="34" charset="0"/>
-                      </a:endParaRPr>
                     </a:p>
                   </a:txBody>
                   <a:tcPr anchor="ctr">
@@ -7022,7 +9095,7 @@
                     <a:p>
                       <a:pPr algn="ctr"/>
                       <a:r>
-                        <a:rPr lang="uk-UA" sz="2000" noProof="0" dirty="0" smtClean="0">
+                        <a:rPr lang="uk-UA" sz="2000" noProof="0" dirty="0">
                           <a:solidFill>
                             <a:schemeClr val="tx1"/>
                           </a:solidFill>
@@ -7033,15 +9106,6 @@
                         </a:rPr>
                         <a:t>Вартість</a:t>
                       </a:r>
-                      <a:endParaRPr lang="uk-UA" sz="2000" noProof="0" dirty="0">
-                        <a:solidFill>
-                          <a:schemeClr val="tx1"/>
-                        </a:solidFill>
-                        <a:effectLst/>
-                        <a:latin typeface="Open Sans" panose="020B0606030504020204" pitchFamily="34" charset="0"/>
-                        <a:ea typeface="Open Sans" panose="020B0606030504020204" pitchFamily="34" charset="0"/>
-                        <a:cs typeface="Open Sans" panose="020B0606030504020204" pitchFamily="34" charset="0"/>
-                      </a:endParaRPr>
                     </a:p>
                   </a:txBody>
                   <a:tcPr anchor="ctr">
@@ -7052,6 +9116,11 @@
                     </a:solidFill>
                   </a:tcPr>
                 </a:tc>
+                <a:extLst>
+                  <a:ext uri="{0D108BD9-81ED-4DB2-BD59-A6C34878D82A}">
+                    <a16:rowId xmlns:a16="http://schemas.microsoft.com/office/drawing/2014/main" val="10000"/>
+                  </a:ext>
+                </a:extLst>
               </a:tr>
               <a:tr h="617143">
                 <a:tc>
@@ -7061,7 +9130,7 @@
                     <a:p>
                       <a:pPr algn="l"/>
                       <a:r>
-                        <a:rPr lang="uk-UA" sz="2400" b="1" noProof="0" dirty="0" smtClean="0">
+                        <a:rPr lang="uk-UA" sz="2400" b="1" noProof="0" dirty="0">
                           <a:effectLst/>
                           <a:latin typeface="Segoe Print" panose="02000600000000000000" pitchFamily="2" charset="0"/>
                         </a:rPr>
@@ -7091,7 +9160,7 @@
                     <a:p>
                       <a:pPr algn="ctr"/>
                       <a:r>
-                        <a:rPr lang="uk-UA" sz="2000" noProof="0" dirty="0" smtClean="0">
+                        <a:rPr lang="uk-UA" sz="2000" noProof="0" dirty="0">
                           <a:effectLst/>
                           <a:latin typeface="Segoe Print" panose="02000600000000000000" pitchFamily="2" charset="0"/>
                         </a:rPr>
@@ -7121,7 +9190,7 @@
                     <a:p>
                       <a:pPr algn="ctr"/>
                       <a:r>
-                        <a:rPr lang="uk-UA" sz="2000" noProof="0" dirty="0" smtClean="0">
+                        <a:rPr lang="uk-UA" sz="2000" noProof="0" dirty="0">
                           <a:effectLst/>
                           <a:latin typeface="Segoe Print" panose="02000600000000000000" pitchFamily="2" charset="0"/>
                         </a:rPr>
@@ -7151,7 +9220,7 @@
                     <a:p>
                       <a:pPr algn="ctr"/>
                       <a:r>
-                        <a:rPr lang="uk-UA" sz="2000" noProof="0" dirty="0" smtClean="0">
+                        <a:rPr lang="uk-UA" sz="2000" noProof="0" dirty="0">
                           <a:effectLst/>
                           <a:latin typeface="Segoe Print" panose="02000600000000000000" pitchFamily="2" charset="0"/>
                         </a:rPr>
@@ -7174,6 +9243,11 @@
                     </a:solidFill>
                   </a:tcPr>
                 </a:tc>
+                <a:extLst>
+                  <a:ext uri="{0D108BD9-81ED-4DB2-BD59-A6C34878D82A}">
+                    <a16:rowId xmlns:a16="http://schemas.microsoft.com/office/drawing/2014/main" val="10001"/>
+                  </a:ext>
+                </a:extLst>
               </a:tr>
               <a:tr h="617143">
                 <a:tc>
@@ -7183,14 +9257,14 @@
                     <a:p>
                       <a:pPr algn="l"/>
                       <a:r>
-                        <a:rPr lang="uk-UA" sz="2400" b="1" noProof="0" dirty="0" smtClean="0">
+                        <a:rPr lang="uk-UA" sz="2400" b="1" noProof="0" dirty="0">
                           <a:effectLst/>
                           <a:latin typeface="Segoe Print" panose="02000600000000000000" pitchFamily="2" charset="0"/>
                         </a:rPr>
                         <a:t>Візитки</a:t>
                       </a:r>
                       <a:r>
-                        <a:rPr lang="uk-UA" sz="2400" b="1" baseline="0" noProof="0" dirty="0" smtClean="0">
+                        <a:rPr lang="uk-UA" sz="2400" b="1" baseline="0" noProof="0" dirty="0">
                           <a:effectLst/>
                           <a:latin typeface="Segoe Print" panose="02000600000000000000" pitchFamily="2" charset="0"/>
                         </a:rPr>
@@ -7220,14 +9294,14 @@
                     <a:p>
                       <a:pPr algn="ctr"/>
                       <a:r>
-                        <a:rPr lang="uk-UA" sz="2000" noProof="0" dirty="0" smtClean="0">
+                        <a:rPr lang="uk-UA" sz="2000" noProof="0" dirty="0">
                           <a:effectLst/>
                           <a:latin typeface="Segoe Print" panose="02000600000000000000" pitchFamily="2" charset="0"/>
                         </a:rPr>
                         <a:t>2</a:t>
                       </a:r>
                       <a:r>
-                        <a:rPr lang="uk-UA" sz="2000" baseline="0" noProof="0" dirty="0" smtClean="0">
+                        <a:rPr lang="uk-UA" sz="2000" baseline="0" noProof="0" dirty="0">
                           <a:effectLst/>
                           <a:latin typeface="Segoe Print" panose="02000600000000000000" pitchFamily="2" charset="0"/>
                         </a:rPr>
@@ -7257,7 +9331,7 @@
                     <a:p>
                       <a:pPr algn="ctr"/>
                       <a:r>
-                        <a:rPr lang="uk-UA" sz="2000" noProof="0" dirty="0" smtClean="0">
+                        <a:rPr lang="uk-UA" sz="2000" noProof="0" dirty="0">
                           <a:effectLst/>
                           <a:latin typeface="Segoe Print" panose="02000600000000000000" pitchFamily="2" charset="0"/>
                         </a:rPr>
@@ -7287,7 +9361,7 @@
                     <a:p>
                       <a:pPr algn="ctr"/>
                       <a:r>
-                        <a:rPr lang="uk-UA" sz="2000" noProof="0" dirty="0" smtClean="0">
+                        <a:rPr lang="uk-UA" sz="2000" noProof="0" dirty="0">
                           <a:effectLst/>
                           <a:latin typeface="Segoe Print" panose="02000600000000000000" pitchFamily="2" charset="0"/>
                         </a:rPr>
@@ -7310,6 +9384,11 @@
                     </a:solidFill>
                   </a:tcPr>
                 </a:tc>
+                <a:extLst>
+                  <a:ext uri="{0D108BD9-81ED-4DB2-BD59-A6C34878D82A}">
+                    <a16:rowId xmlns:a16="http://schemas.microsoft.com/office/drawing/2014/main" val="10002"/>
+                  </a:ext>
+                </a:extLst>
               </a:tr>
               <a:tr h="617143">
                 <a:tc>
@@ -7319,7 +9398,7 @@
                     <a:p>
                       <a:pPr algn="l"/>
                       <a:r>
-                        <a:rPr lang="uk-UA" sz="2400" b="1" i="0" noProof="0" dirty="0" smtClean="0">
+                        <a:rPr lang="uk-UA" sz="2400" b="1" i="0" noProof="0" dirty="0">
                           <a:effectLst/>
                           <a:latin typeface="Segoe Print" panose="02000600000000000000" pitchFamily="2" charset="0"/>
                           <a:ea typeface="Tahoma" panose="020B0604030504040204" pitchFamily="34" charset="0"/>
@@ -7328,7 +9407,7 @@
                         <a:t>Оголошення</a:t>
                       </a:r>
                       <a:r>
-                        <a:rPr lang="uk-UA" sz="2400" b="1" i="0" baseline="0" noProof="0" dirty="0" smtClean="0">
+                        <a:rPr lang="uk-UA" sz="2400" b="1" i="0" baseline="0" noProof="0" dirty="0">
                           <a:effectLst/>
                           <a:latin typeface="Segoe Print" panose="02000600000000000000" pitchFamily="2" charset="0"/>
                           <a:ea typeface="Tahoma" panose="020B0604030504040204" pitchFamily="34" charset="0"/>
@@ -7360,7 +9439,7 @@
                     <a:p>
                       <a:pPr algn="ctr"/>
                       <a:r>
-                        <a:rPr lang="uk-UA" sz="2000" noProof="0" dirty="0" smtClean="0">
+                        <a:rPr lang="uk-UA" sz="2000" noProof="0" dirty="0">
                           <a:effectLst/>
                           <a:latin typeface="Segoe Print" panose="02000600000000000000" pitchFamily="2" charset="0"/>
                           <a:ea typeface="Tahoma" panose="020B0604030504040204" pitchFamily="34" charset="0"/>
@@ -7368,12 +9447,6 @@
                         </a:rPr>
                         <a:t>25 грн</a:t>
                       </a:r>
-                      <a:endParaRPr lang="uk-UA" sz="2000" noProof="0" dirty="0">
-                        <a:effectLst/>
-                        <a:latin typeface="Segoe Print" panose="02000600000000000000" pitchFamily="2" charset="0"/>
-                        <a:ea typeface="Tahoma" panose="020B0604030504040204" pitchFamily="34" charset="0"/>
-                        <a:cs typeface="Tahoma" panose="020B0604030504040204" pitchFamily="34" charset="0"/>
-                      </a:endParaRPr>
                     </a:p>
                   </a:txBody>
                   <a:tcPr anchor="ctr">
@@ -7392,7 +9465,7 @@
                     <a:p>
                       <a:pPr algn="ctr"/>
                       <a:r>
-                        <a:rPr lang="uk-UA" sz="2000" noProof="0" dirty="0" smtClean="0">
+                        <a:rPr lang="uk-UA" sz="2000" noProof="0" dirty="0">
                           <a:effectLst/>
                           <a:latin typeface="Segoe Print" panose="02000600000000000000" pitchFamily="2" charset="0"/>
                           <a:ea typeface="Tahoma" panose="020B0604030504040204" pitchFamily="34" charset="0"/>
@@ -7400,12 +9473,6 @@
                         </a:rPr>
                         <a:t>20</a:t>
                       </a:r>
-                      <a:endParaRPr lang="uk-UA" sz="2000" noProof="0" dirty="0">
-                        <a:effectLst/>
-                        <a:latin typeface="Segoe Print" panose="02000600000000000000" pitchFamily="2" charset="0"/>
-                        <a:ea typeface="Tahoma" panose="020B0604030504040204" pitchFamily="34" charset="0"/>
-                        <a:cs typeface="Tahoma" panose="020B0604030504040204" pitchFamily="34" charset="0"/>
-                      </a:endParaRPr>
                     </a:p>
                   </a:txBody>
                   <a:tcPr anchor="ctr">
@@ -7424,7 +9491,7 @@
                     <a:p>
                       <a:pPr algn="ctr"/>
                       <a:r>
-                        <a:rPr lang="uk-UA" sz="2000" noProof="0" dirty="0" smtClean="0">
+                        <a:rPr lang="uk-UA" sz="2000" noProof="0" dirty="0">
                           <a:effectLst/>
                           <a:latin typeface="Segoe Print" panose="02000600000000000000" pitchFamily="2" charset="0"/>
                           <a:ea typeface="Tahoma" panose="020B0604030504040204" pitchFamily="34" charset="0"/>
@@ -7432,12 +9499,6 @@
                         </a:rPr>
                         <a:t>500 грн</a:t>
                       </a:r>
-                      <a:endParaRPr lang="uk-UA" sz="2000" noProof="0" dirty="0">
-                        <a:effectLst/>
-                        <a:latin typeface="Segoe Print" panose="02000600000000000000" pitchFamily="2" charset="0"/>
-                        <a:ea typeface="Tahoma" panose="020B0604030504040204" pitchFamily="34" charset="0"/>
-                        <a:cs typeface="Tahoma" panose="020B0604030504040204" pitchFamily="34" charset="0"/>
-                      </a:endParaRPr>
                     </a:p>
                   </a:txBody>
                   <a:tcPr anchor="ctr">
@@ -7449,6 +9510,11 @@
                     </a:solidFill>
                   </a:tcPr>
                 </a:tc>
+                <a:extLst>
+                  <a:ext uri="{0D108BD9-81ED-4DB2-BD59-A6C34878D82A}">
+                    <a16:rowId xmlns:a16="http://schemas.microsoft.com/office/drawing/2014/main" val="10003"/>
+                  </a:ext>
+                </a:extLst>
               </a:tr>
               <a:tr h="617143">
                 <a:tc>
@@ -7458,7 +9524,7 @@
                     <a:p>
                       <a:pPr algn="l"/>
                       <a:r>
-                        <a:rPr lang="uk-UA" sz="2400" b="1" noProof="0" dirty="0" smtClean="0">
+                        <a:rPr lang="uk-UA" sz="2400" b="1" noProof="0" dirty="0">
                           <a:effectLst/>
                           <a:latin typeface="Segoe Print" panose="02000600000000000000" pitchFamily="2" charset="0"/>
                         </a:rPr>
@@ -7488,7 +9554,7 @@
                     <a:p>
                       <a:pPr algn="ctr"/>
                       <a:r>
-                        <a:rPr lang="uk-UA" sz="2000" noProof="0" dirty="0" smtClean="0">
+                        <a:rPr lang="uk-UA" sz="2000" noProof="0" dirty="0">
                           <a:effectLst/>
                           <a:latin typeface="Segoe Print" panose="02000600000000000000" pitchFamily="2" charset="0"/>
                         </a:rPr>
@@ -7518,7 +9584,7 @@
                     <a:p>
                       <a:pPr algn="ctr"/>
                       <a:r>
-                        <a:rPr lang="uk-UA" sz="2000" noProof="0" dirty="0" smtClean="0">
+                        <a:rPr lang="uk-UA" sz="2000" noProof="0" dirty="0">
                           <a:effectLst/>
                           <a:latin typeface="Segoe Print" panose="02000600000000000000" pitchFamily="2" charset="0"/>
                         </a:rPr>
@@ -7548,7 +9614,7 @@
                     <a:p>
                       <a:pPr algn="ctr"/>
                       <a:r>
-                        <a:rPr lang="uk-UA" sz="2000" noProof="0" dirty="0" smtClean="0">
+                        <a:rPr lang="uk-UA" sz="2000" noProof="0" dirty="0">
                           <a:effectLst/>
                           <a:latin typeface="Segoe Print" panose="02000600000000000000" pitchFamily="2" charset="0"/>
                         </a:rPr>
@@ -7571,6 +9637,11 @@
                     </a:solidFill>
                   </a:tcPr>
                 </a:tc>
+                <a:extLst>
+                  <a:ext uri="{0D108BD9-81ED-4DB2-BD59-A6C34878D82A}">
+                    <a16:rowId xmlns:a16="http://schemas.microsoft.com/office/drawing/2014/main" val="10004"/>
+                  </a:ext>
+                </a:extLst>
               </a:tr>
               <a:tr h="617143">
                 <a:tc>
@@ -7647,6 +9718,11 @@
                     </a:solidFill>
                   </a:tcPr>
                 </a:tc>
+                <a:extLst>
+                  <a:ext uri="{0D108BD9-81ED-4DB2-BD59-A6C34878D82A}">
+                    <a16:rowId xmlns:a16="http://schemas.microsoft.com/office/drawing/2014/main" val="10005"/>
+                  </a:ext>
+                </a:extLst>
               </a:tr>
               <a:tr h="617143">
                 <a:tc gridSpan="3">
@@ -7656,7 +9732,7 @@
                     <a:p>
                       <a:pPr algn="r"/>
                       <a:r>
-                        <a:rPr lang="uk-UA" sz="2800" noProof="0" dirty="0" smtClean="0">
+                        <a:rPr lang="uk-UA" sz="2800" noProof="0" dirty="0">
                           <a:gradFill flip="none" rotWithShape="1">
                             <a:gsLst>
                               <a:gs pos="0">
@@ -7749,7 +9825,7 @@
                     <a:p>
                       <a:pPr algn="ctr"/>
                       <a:r>
-                        <a:rPr lang="uk-UA" sz="2000" noProof="0" dirty="0" smtClean="0">
+                        <a:rPr lang="uk-UA" sz="2000" noProof="0" dirty="0">
                           <a:gradFill flip="none" rotWithShape="1">
                             <a:gsLst>
                               <a:gs pos="0">
@@ -7809,6 +9885,11 @@
                     </a:solidFill>
                   </a:tcPr>
                 </a:tc>
+                <a:extLst>
+                  <a:ext uri="{0D108BD9-81ED-4DB2-BD59-A6C34878D82A}">
+                    <a16:rowId xmlns:a16="http://schemas.microsoft.com/office/drawing/2014/main" val="10006"/>
+                  </a:ext>
+                </a:extLst>
               </a:tr>
             </a:tbl>
           </a:graphicData>
@@ -7827,17 +9908,261 @@
   <p:transition spd="med">
     <p:pull/>
   </p:transition>
-  <p:timing>
-    <p:tnLst>
-      <p:par>
-        <p:cTn id="1" dur="indefinite" restart="never" nodeType="tmRoot"/>
-      </p:par>
-    </p:tnLst>
-  </p:timing>
 </p:sld>
 </file>
 
-<file path=ppt/slides/slide7.xml><?xml version="1.0" encoding="utf-8"?>
+<file path=ppt/slides/slide8.xml><?xml version="1.0" encoding="utf-8"?>
+<p:sld xmlns:a="http://schemas.openxmlformats.org/drawingml/2006/main" xmlns:r="http://schemas.openxmlformats.org/officeDocument/2006/relationships" xmlns:p="http://schemas.openxmlformats.org/presentationml/2006/main">
+  <p:cSld>
+    <p:spTree>
+      <p:nvGrpSpPr>
+        <p:cNvPr id="1" name=""/>
+        <p:cNvGrpSpPr/>
+        <p:nvPr/>
+      </p:nvGrpSpPr>
+      <p:grpSpPr>
+        <a:xfrm>
+          <a:off x="0" y="0"/>
+          <a:ext cx="0" cy="0"/>
+          <a:chOff x="0" y="0"/>
+          <a:chExt cx="0" cy="0"/>
+        </a:xfrm>
+      </p:grpSpPr>
+      <p:sp>
+        <p:nvSpPr>
+          <p:cNvPr id="2" name="TextBox 1">
+            <a:extLst>
+              <a:ext uri="{FF2B5EF4-FFF2-40B4-BE49-F238E27FC236}">
+                <a16:creationId xmlns:a16="http://schemas.microsoft.com/office/drawing/2014/main" id="{910BF738-3BF6-4A57-9AB8-34B512369A58}"/>
+              </a:ext>
+            </a:extLst>
+          </p:cNvPr>
+          <p:cNvSpPr txBox="1"/>
+          <p:nvPr/>
+        </p:nvSpPr>
+        <p:spPr>
+          <a:xfrm>
+            <a:off x="0" y="144000"/>
+            <a:ext cx="12191999" cy="861774"/>
+          </a:xfrm>
+          <a:prstGeom prst="rect">
+            <a:avLst/>
+          </a:prstGeom>
+          <a:noFill/>
+        </p:spPr>
+        <p:txBody>
+          <a:bodyPr wrap="square" rtlCol="0" anchor="ctr">
+            <a:spAutoFit/>
+          </a:bodyPr>
+          <a:lstStyle/>
+          <a:p>
+            <a:pPr algn="ctr"/>
+            <a:r>
+              <a:rPr lang="uk-UA" sz="5000" b="1" dirty="0">
+                <a:gradFill flip="none" rotWithShape="1">
+                  <a:gsLst>
+                    <a:gs pos="0">
+                      <a:srgbClr val="229633"/>
+                    </a:gs>
+                    <a:gs pos="100000">
+                      <a:srgbClr val="85CA3A"/>
+                    </a:gs>
+                  </a:gsLst>
+                  <a:lin ang="18900000" scaled="1"/>
+                  <a:tileRect/>
+                </a:gradFill>
+                <a:latin typeface="Segoe Print" panose="02000600000000000000" pitchFamily="2" charset="0"/>
+                <a:ea typeface="Open Sans" panose="020B0606030504020204" pitchFamily="34" charset="0"/>
+                <a:cs typeface="Open Sans" panose="020B0606030504020204" pitchFamily="34" charset="0"/>
+              </a:rPr>
+              <a:t>Ціль салону краси</a:t>
+            </a:r>
+          </a:p>
+        </p:txBody>
+      </p:sp>
+      <p:sp>
+        <p:nvSpPr>
+          <p:cNvPr id="3" name="TextBox 2">
+            <a:extLst>
+              <a:ext uri="{FF2B5EF4-FFF2-40B4-BE49-F238E27FC236}">
+                <a16:creationId xmlns:a16="http://schemas.microsoft.com/office/drawing/2014/main" id="{81CE74F3-70C9-4B16-B4E5-EE0FF03296A1}"/>
+              </a:ext>
+            </a:extLst>
+          </p:cNvPr>
+          <p:cNvSpPr txBox="1"/>
+          <p:nvPr/>
+        </p:nvSpPr>
+        <p:spPr>
+          <a:xfrm>
+            <a:off x="336000" y="1080000"/>
+            <a:ext cx="11520000" cy="1938992"/>
+          </a:xfrm>
+          <a:prstGeom prst="rect">
+            <a:avLst/>
+          </a:prstGeom>
+          <a:noFill/>
+        </p:spPr>
+        <p:txBody>
+          <a:bodyPr wrap="square" rtlCol="0">
+            <a:spAutoFit/>
+          </a:bodyPr>
+          <a:lstStyle/>
+          <a:p>
+            <a:pPr algn="just"/>
+            <a:r>
+              <a:rPr lang="uk-UA" sz="2400" dirty="0">
+                <a:gradFill flip="none" rotWithShape="1">
+                  <a:gsLst>
+                    <a:gs pos="100000">
+                      <a:schemeClr val="tx1">
+                        <a:lumMod val="85000"/>
+                        <a:lumOff val="15000"/>
+                      </a:schemeClr>
+                    </a:gs>
+                    <a:gs pos="0">
+                      <a:schemeClr val="tx1">
+                        <a:lumMod val="95000"/>
+                        <a:lumOff val="5000"/>
+                      </a:schemeClr>
+                    </a:gs>
+                  </a:gsLst>
+                  <a:lin ang="18900000" scaled="1"/>
+                  <a:tileRect/>
+                </a:gradFill>
+                <a:latin typeface="Tahoma" panose="020B0604030504040204" pitchFamily="34" charset="0"/>
+                <a:ea typeface="Tahoma" panose="020B0604030504040204" pitchFamily="34" charset="0"/>
+                <a:cs typeface="Tahoma" panose="020B0604030504040204" pitchFamily="34" charset="0"/>
+              </a:rPr>
+              <a:t>Ціль в нас полягає в тому щоб були в першу чергу задоволенні клієнти яких ми не маємо втратити, а для цього всього потрібно мати </a:t>
+            </a:r>
+            <a:r>
+              <a:rPr lang="uk-UA" sz="2400" dirty="0" err="1">
+                <a:gradFill flip="none" rotWithShape="1">
+                  <a:gsLst>
+                    <a:gs pos="100000">
+                      <a:schemeClr val="tx1">
+                        <a:lumMod val="85000"/>
+                        <a:lumOff val="15000"/>
+                      </a:schemeClr>
+                    </a:gs>
+                    <a:gs pos="0">
+                      <a:schemeClr val="tx1">
+                        <a:lumMod val="95000"/>
+                        <a:lumOff val="5000"/>
+                      </a:schemeClr>
+                    </a:gs>
+                  </a:gsLst>
+                  <a:lin ang="18900000" scaled="1"/>
+                  <a:tileRect/>
+                </a:gradFill>
+                <a:latin typeface="Tahoma" panose="020B0604030504040204" pitchFamily="34" charset="0"/>
+                <a:ea typeface="Tahoma" panose="020B0604030504040204" pitchFamily="34" charset="0"/>
+                <a:cs typeface="Tahoma" panose="020B0604030504040204" pitchFamily="34" charset="0"/>
+              </a:rPr>
+              <a:t>зкомплектований</a:t>
+            </a:r>
+            <a:r>
+              <a:rPr lang="uk-UA" sz="2400" dirty="0">
+                <a:gradFill flip="none" rotWithShape="1">
+                  <a:gsLst>
+                    <a:gs pos="100000">
+                      <a:schemeClr val="tx1">
+                        <a:lumMod val="85000"/>
+                        <a:lumOff val="15000"/>
+                      </a:schemeClr>
+                    </a:gs>
+                    <a:gs pos="0">
+                      <a:schemeClr val="tx1">
+                        <a:lumMod val="95000"/>
+                        <a:lumOff val="5000"/>
+                      </a:schemeClr>
+                    </a:gs>
+                  </a:gsLst>
+                  <a:lin ang="18900000" scaled="1"/>
+                  <a:tileRect/>
+                </a:gradFill>
+                <a:latin typeface="Tahoma" panose="020B0604030504040204" pitchFamily="34" charset="0"/>
+                <a:ea typeface="Tahoma" panose="020B0604030504040204" pitchFamily="34" charset="0"/>
+                <a:cs typeface="Tahoma" panose="020B0604030504040204" pitchFamily="34" charset="0"/>
+              </a:rPr>
+              <a:t> повністю персонал. Тобто починаючи від прибиральниці закінчуючи до керівника. Також щоб салон мав прибуток потрібно розглядати усіх варіантів майстрів як перукарів манікюрниць так і до косметології</a:t>
+            </a:r>
+          </a:p>
+        </p:txBody>
+      </p:sp>
+      <p:pic>
+        <p:nvPicPr>
+          <p:cNvPr id="6" name="Picture 2" descr="Подарункові сертифікати на салони краси в Києві | DONUM">
+            <a:extLst>
+              <a:ext uri="{FF2B5EF4-FFF2-40B4-BE49-F238E27FC236}">
+                <a16:creationId xmlns:a16="http://schemas.microsoft.com/office/drawing/2014/main" id="{EFC429FE-20CA-45DF-8E8B-BF6535D2BAE3}"/>
+              </a:ext>
+            </a:extLst>
+          </p:cNvPr>
+          <p:cNvPicPr>
+            <a:picLocks noChangeAspect="1" noChangeArrowheads="1"/>
+          </p:cNvPicPr>
+          <p:nvPr/>
+        </p:nvPicPr>
+        <p:blipFill>
+          <a:blip r:embed="rId2">
+            <a:extLst>
+              <a:ext uri="{28A0092B-C50C-407E-A947-70E740481C1C}">
+                <a14:useLocalDpi xmlns:a14="http://schemas.microsoft.com/office/drawing/2010/main" val="0"/>
+              </a:ext>
+            </a:extLst>
+          </a:blip>
+          <a:srcRect/>
+          <a:stretch>
+            <a:fillRect/>
+          </a:stretch>
+        </p:blipFill>
+        <p:spPr bwMode="auto">
+          <a:xfrm>
+            <a:off x="2190544" y="3146253"/>
+            <a:ext cx="7810910" cy="3254546"/>
+          </a:xfrm>
+          <a:prstGeom prst="rect">
+            <a:avLst/>
+          </a:prstGeom>
+          <a:ln>
+            <a:noFill/>
+          </a:ln>
+          <a:effectLst>
+            <a:outerShdw blurRad="190500" algn="tl" rotWithShape="0">
+              <a:srgbClr val="000000">
+                <a:alpha val="70000"/>
+              </a:srgbClr>
+            </a:outerShdw>
+          </a:effectLst>
+          <a:extLst>
+            <a:ext uri="{909E8E84-426E-40DD-AFC4-6F175D3DCCD1}">
+              <a14:hiddenFill xmlns:a14="http://schemas.microsoft.com/office/drawing/2010/main">
+                <a:solidFill>
+                  <a:srgbClr val="FFFFFF"/>
+                </a:solidFill>
+              </a14:hiddenFill>
+            </a:ext>
+          </a:extLst>
+        </p:spPr>
+      </p:pic>
+    </p:spTree>
+    <p:extLst>
+      <p:ext uri="{BB962C8B-B14F-4D97-AF65-F5344CB8AC3E}">
+        <p14:creationId xmlns:p14="http://schemas.microsoft.com/office/powerpoint/2010/main" val="3989857749"/>
+      </p:ext>
+    </p:extLst>
+  </p:cSld>
+  <p:clrMapOvr>
+    <a:masterClrMapping/>
+  </p:clrMapOvr>
+  <p:transition spd="med">
+    <p:pull/>
+  </p:transition>
+</p:sld>
+</file>
+
+<file path=ppt/slides/slide9.xml><?xml version="1.0" encoding="utf-8"?>
 <p:sld xmlns:a="http://schemas.openxmlformats.org/drawingml/2006/main" xmlns:r="http://schemas.openxmlformats.org/officeDocument/2006/relationships" xmlns:p="http://schemas.openxmlformats.org/presentationml/2006/main">
   <p:cSld>
     <p:spTree>
@@ -7878,7 +10203,7 @@
           <a:p>
             <a:pPr algn="ctr"/>
             <a:r>
-              <a:rPr lang="uk-UA" sz="5000" b="1" dirty="0" smtClean="0">
+              <a:rPr lang="uk-UA" sz="5000" b="1" dirty="0">
                 <a:gradFill flip="none" rotWithShape="1">
                   <a:gsLst>
                     <a:gs pos="0">
@@ -7924,7 +10249,7 @@
           <a:p>
             <a:pPr algn="ctr"/>
             <a:r>
-              <a:rPr lang="uk-UA" sz="4000" b="1" dirty="0" smtClean="0">
+              <a:rPr lang="uk-UA" sz="4000" b="1" dirty="0">
                 <a:gradFill flip="none" rotWithShape="1">
                   <a:gsLst>
                     <a:gs pos="5000">
@@ -7950,7 +10275,7 @@
               <a:t>Графік роботи</a:t>
             </a:r>
             <a:r>
-              <a:rPr lang="en-US" sz="4000" b="1" dirty="0" smtClean="0">
+              <a:rPr lang="en-US" sz="4000" b="1" dirty="0">
                 <a:gradFill flip="none" rotWithShape="1">
                   <a:gsLst>
                     <a:gs pos="5000">
@@ -7975,7 +10300,7 @@
               </a:rPr>
               <a:t>:</a:t>
             </a:r>
-            <a:endParaRPr lang="uk-UA" sz="4000" b="1" dirty="0" smtClean="0">
+            <a:endParaRPr lang="uk-UA" sz="4000" b="1" dirty="0">
               <a:gradFill flip="none" rotWithShape="1">
                 <a:gsLst>
                   <a:gs pos="5000">
@@ -8002,7 +10327,7 @@
           <a:p>
             <a:pPr algn="ctr"/>
             <a:r>
-              <a:rPr lang="uk-UA" sz="4000" dirty="0" smtClean="0">
+              <a:rPr lang="uk-UA" sz="4000" dirty="0">
                 <a:gradFill flip="none" rotWithShape="1">
                   <a:gsLst>
                     <a:gs pos="5000">
@@ -8028,7 +10353,7 @@
               <a:t>Працюємо без вихідних з 9</a:t>
             </a:r>
             <a:r>
-              <a:rPr lang="en-US" sz="4000" dirty="0" smtClean="0">
+              <a:rPr lang="en-US" sz="4000" dirty="0">
                 <a:gradFill flip="none" rotWithShape="1">
                   <a:gsLst>
                     <a:gs pos="5000">
@@ -8054,7 +10379,7 @@
               <a:t>:00 </a:t>
             </a:r>
             <a:r>
-              <a:rPr lang="ru-RU" sz="4000" dirty="0" smtClean="0">
+              <a:rPr lang="ru-RU" sz="4000" dirty="0">
                 <a:gradFill flip="none" rotWithShape="1">
                   <a:gsLst>
                     <a:gs pos="5000">
@@ -8080,7 +10405,7 @@
               <a:t>до 18</a:t>
             </a:r>
             <a:r>
-              <a:rPr lang="en-US" sz="4000" dirty="0" smtClean="0">
+              <a:rPr lang="en-US" sz="4000" dirty="0">
                 <a:gradFill flip="none" rotWithShape="1">
                   <a:gsLst>
                     <a:gs pos="5000">
@@ -8121,1700 +10446,6 @@
   <p:transition spd="med">
     <p:pull/>
   </p:transition>
-  <p:timing>
-    <p:tnLst>
-      <p:par>
-        <p:cTn id="1" dur="indefinite" restart="never" nodeType="tmRoot"/>
-      </p:par>
-    </p:tnLst>
-  </p:timing>
-</p:sld>
-</file>
-
-<file path=ppt/slides/slide8.xml><?xml version="1.0" encoding="utf-8"?>
-<p:sld xmlns:a="http://schemas.openxmlformats.org/drawingml/2006/main" xmlns:r="http://schemas.openxmlformats.org/officeDocument/2006/relationships" xmlns:p="http://schemas.openxmlformats.org/presentationml/2006/main">
-  <p:cSld>
-    <p:spTree>
-      <p:nvGrpSpPr>
-        <p:cNvPr id="1" name=""/>
-        <p:cNvGrpSpPr/>
-        <p:nvPr/>
-      </p:nvGrpSpPr>
-      <p:grpSpPr>
-        <a:xfrm>
-          <a:off x="0" y="0"/>
-          <a:ext cx="0" cy="0"/>
-          <a:chOff x="0" y="0"/>
-          <a:chExt cx="0" cy="0"/>
-        </a:xfrm>
-      </p:grpSpPr>
-      <p:sp>
-        <p:nvSpPr>
-          <p:cNvPr id="2" name="TextBox 1"/>
-          <p:cNvSpPr txBox="1"/>
-          <p:nvPr/>
-        </p:nvSpPr>
-        <p:spPr>
-          <a:xfrm>
-            <a:off x="0" y="144000"/>
-            <a:ext cx="12191999" cy="1354217"/>
-          </a:xfrm>
-          <a:prstGeom prst="rect">
-            <a:avLst/>
-          </a:prstGeom>
-          <a:noFill/>
-        </p:spPr>
-        <p:txBody>
-          <a:bodyPr wrap="square" rtlCol="0" anchor="ctr">
-            <a:spAutoFit/>
-          </a:bodyPr>
-          <a:lstStyle/>
-          <a:p>
-            <a:pPr algn="ctr"/>
-            <a:r>
-              <a:rPr lang="uk-UA" sz="5000" b="1" dirty="0" smtClean="0">
-                <a:gradFill flip="none" rotWithShape="1">
-                  <a:gsLst>
-                    <a:gs pos="0">
-                      <a:srgbClr val="229633"/>
-                    </a:gs>
-                    <a:gs pos="100000">
-                      <a:srgbClr val="85CA3A"/>
-                    </a:gs>
-                  </a:gsLst>
-                  <a:lin ang="18900000" scaled="1"/>
-                  <a:tileRect/>
-                </a:gradFill>
-                <a:latin typeface="Segoe Print" panose="02000600000000000000" pitchFamily="2" charset="0"/>
-                <a:ea typeface="Open Sans" panose="020B0606030504020204" pitchFamily="34" charset="0"/>
-                <a:cs typeface="Open Sans" panose="020B0606030504020204" pitchFamily="34" charset="0"/>
-              </a:rPr>
-              <a:t>Фінансовий план</a:t>
-            </a:r>
-          </a:p>
-          <a:p>
-            <a:pPr algn="ctr"/>
-            <a:r>
-              <a:rPr lang="uk-UA" sz="3200" b="1" dirty="0" smtClean="0">
-                <a:gradFill flip="none" rotWithShape="1">
-                  <a:gsLst>
-                    <a:gs pos="16000">
-                      <a:srgbClr val="276399"/>
-                    </a:gs>
-                    <a:gs pos="100000">
-                      <a:srgbClr val="5380FF"/>
-                    </a:gs>
-                  </a:gsLst>
-                  <a:lin ang="18900000" scaled="1"/>
-                  <a:tileRect/>
-                </a:gradFill>
-                <a:latin typeface="Segoe Print" panose="02000600000000000000" pitchFamily="2" charset="0"/>
-                <a:ea typeface="Open Sans" panose="020B0606030504020204" pitchFamily="34" charset="0"/>
-                <a:cs typeface="Open Sans" panose="020B0606030504020204" pitchFamily="34" charset="0"/>
-              </a:rPr>
-              <a:t>Витрати на персонал</a:t>
-            </a:r>
-            <a:endParaRPr lang="uk-UA" sz="3200" b="1" dirty="0" smtClean="0">
-              <a:gradFill flip="none" rotWithShape="1">
-                <a:gsLst>
-                  <a:gs pos="0">
-                    <a:srgbClr val="229633"/>
-                  </a:gs>
-                  <a:gs pos="100000">
-                    <a:srgbClr val="85CA3A"/>
-                  </a:gs>
-                </a:gsLst>
-                <a:lin ang="18900000" scaled="1"/>
-                <a:tileRect/>
-              </a:gradFill>
-              <a:latin typeface="Segoe Print" panose="02000600000000000000" pitchFamily="2" charset="0"/>
-              <a:ea typeface="Open Sans" panose="020B0606030504020204" pitchFamily="34" charset="0"/>
-              <a:cs typeface="Open Sans" panose="020B0606030504020204" pitchFamily="34" charset="0"/>
-            </a:endParaRPr>
-          </a:p>
-        </p:txBody>
-      </p:sp>
-      <p:graphicFrame>
-        <p:nvGraphicFramePr>
-          <p:cNvPr id="3" name="Таблица 2"/>
-          <p:cNvGraphicFramePr>
-            <a:graphicFrameLocks noGrp="1"/>
-          </p:cNvGraphicFramePr>
-          <p:nvPr>
-            <p:extLst>
-              <p:ext uri="{D42A27DB-BD31-4B8C-83A1-F6EECF244321}">
-                <p14:modId xmlns:p14="http://schemas.microsoft.com/office/powerpoint/2010/main" val="465075575"/>
-              </p:ext>
-            </p:extLst>
-          </p:nvPr>
-        </p:nvGraphicFramePr>
-        <p:xfrm>
-          <a:off x="1145999" y="1916640"/>
-          <a:ext cx="9900000" cy="3964320"/>
-        </p:xfrm>
-        <a:graphic>
-          <a:graphicData uri="http://schemas.openxmlformats.org/drawingml/2006/table">
-            <a:tbl>
-              <a:tblPr firstRow="1" lastRow="1" bandRow="1">
-                <a:effectLst>
-                  <a:outerShdw blurRad="571500" dir="5400000" algn="ctr" rotWithShape="0">
-                    <a:schemeClr val="tx1">
-                      <a:alpha val="35000"/>
-                    </a:schemeClr>
-                  </a:outerShdw>
-                </a:effectLst>
-                <a:tableStyleId>{93296810-A885-4BE3-A3E7-6D5BEEA58F35}</a:tableStyleId>
-              </a:tblPr>
-              <a:tblGrid>
-                <a:gridCol w="3600000"/>
-                <a:gridCol w="2340000"/>
-                <a:gridCol w="1980000"/>
-                <a:gridCol w="1980000"/>
-              </a:tblGrid>
-              <a:tr h="864000">
-                <a:tc>
-                  <a:txBody>
-                    <a:bodyPr/>
-                    <a:lstStyle/>
-                    <a:p>
-                      <a:pPr algn="ctr"/>
-                      <a:r>
-                        <a:rPr lang="uk-UA" sz="2000" noProof="0" dirty="0" smtClean="0">
-                          <a:solidFill>
-                            <a:schemeClr val="tx1"/>
-                          </a:solidFill>
-                          <a:effectLst/>
-                          <a:latin typeface="Open Sans" panose="020B0606030504020204" pitchFamily="34" charset="0"/>
-                          <a:ea typeface="Open Sans" panose="020B0606030504020204" pitchFamily="34" charset="0"/>
-                          <a:cs typeface="Open Sans" panose="020B0606030504020204" pitchFamily="34" charset="0"/>
-                        </a:rPr>
-                        <a:t>Посада</a:t>
-                      </a:r>
-                      <a:endParaRPr lang="uk-UA" sz="2000" noProof="0" dirty="0">
-                        <a:solidFill>
-                          <a:schemeClr val="tx1"/>
-                        </a:solidFill>
-                        <a:effectLst/>
-                        <a:latin typeface="Open Sans" panose="020B0606030504020204" pitchFamily="34" charset="0"/>
-                        <a:ea typeface="Open Sans" panose="020B0606030504020204" pitchFamily="34" charset="0"/>
-                        <a:cs typeface="Open Sans" panose="020B0606030504020204" pitchFamily="34" charset="0"/>
-                      </a:endParaRPr>
-                    </a:p>
-                  </a:txBody>
-                  <a:tcPr anchor="ctr">
-                    <a:solidFill>
-                      <a:schemeClr val="accent6">
-                        <a:alpha val="80000"/>
-                      </a:schemeClr>
-                    </a:solidFill>
-                  </a:tcPr>
-                </a:tc>
-                <a:tc>
-                  <a:txBody>
-                    <a:bodyPr/>
-                    <a:lstStyle/>
-                    <a:p>
-                      <a:pPr algn="ctr"/>
-                      <a:r>
-                        <a:rPr lang="uk-UA" sz="2000" noProof="0" dirty="0" smtClean="0">
-                          <a:solidFill>
-                            <a:schemeClr val="tx1"/>
-                          </a:solidFill>
-                          <a:effectLst/>
-                          <a:latin typeface="Open Sans" panose="020B0606030504020204" pitchFamily="34" charset="0"/>
-                          <a:ea typeface="Open Sans" panose="020B0606030504020204" pitchFamily="34" charset="0"/>
-                          <a:cs typeface="Open Sans" panose="020B0606030504020204" pitchFamily="34" charset="0"/>
-                        </a:rPr>
-                        <a:t>Оплата одному працівникові</a:t>
-                      </a:r>
-                      <a:endParaRPr lang="uk-UA" sz="2000" noProof="0" dirty="0">
-                        <a:solidFill>
-                          <a:schemeClr val="tx1"/>
-                        </a:solidFill>
-                        <a:effectLst/>
-                        <a:latin typeface="Open Sans" panose="020B0606030504020204" pitchFamily="34" charset="0"/>
-                        <a:ea typeface="Open Sans" panose="020B0606030504020204" pitchFamily="34" charset="0"/>
-                        <a:cs typeface="Open Sans" panose="020B0606030504020204" pitchFamily="34" charset="0"/>
-                      </a:endParaRPr>
-                    </a:p>
-                  </a:txBody>
-                  <a:tcPr anchor="ctr">
-                    <a:solidFill>
-                      <a:schemeClr val="accent6">
-                        <a:alpha val="80000"/>
-                      </a:schemeClr>
-                    </a:solidFill>
-                  </a:tcPr>
-                </a:tc>
-                <a:tc>
-                  <a:txBody>
-                    <a:bodyPr/>
-                    <a:lstStyle/>
-                    <a:p>
-                      <a:pPr algn="ctr"/>
-                      <a:r>
-                        <a:rPr lang="uk-UA" sz="2000" noProof="0" dirty="0" smtClean="0">
-                          <a:solidFill>
-                            <a:schemeClr val="tx1"/>
-                          </a:solidFill>
-                          <a:effectLst/>
-                          <a:latin typeface="Open Sans" panose="020B0606030504020204" pitchFamily="34" charset="0"/>
-                          <a:ea typeface="Open Sans" panose="020B0606030504020204" pitchFamily="34" charset="0"/>
-                          <a:cs typeface="Open Sans" panose="020B0606030504020204" pitchFamily="34" charset="0"/>
-                        </a:rPr>
-                        <a:t>Кількість</a:t>
-                      </a:r>
-                    </a:p>
-                    <a:p>
-                      <a:pPr algn="ctr"/>
-                      <a:r>
-                        <a:rPr lang="uk-UA" sz="2000" noProof="0" dirty="0" smtClean="0">
-                          <a:solidFill>
-                            <a:schemeClr val="tx1"/>
-                          </a:solidFill>
-                          <a:effectLst/>
-                          <a:latin typeface="Open Sans" panose="020B0606030504020204" pitchFamily="34" charset="0"/>
-                          <a:ea typeface="Open Sans" panose="020B0606030504020204" pitchFamily="34" charset="0"/>
-                          <a:cs typeface="Open Sans" panose="020B0606030504020204" pitchFamily="34" charset="0"/>
-                        </a:rPr>
-                        <a:t>працівників</a:t>
-                      </a:r>
-                      <a:endParaRPr lang="uk-UA" sz="2000" noProof="0" dirty="0">
-                        <a:solidFill>
-                          <a:schemeClr val="tx1"/>
-                        </a:solidFill>
-                        <a:effectLst/>
-                        <a:latin typeface="Open Sans" panose="020B0606030504020204" pitchFamily="34" charset="0"/>
-                        <a:ea typeface="Open Sans" panose="020B0606030504020204" pitchFamily="34" charset="0"/>
-                        <a:cs typeface="Open Sans" panose="020B0606030504020204" pitchFamily="34" charset="0"/>
-                      </a:endParaRPr>
-                    </a:p>
-                  </a:txBody>
-                  <a:tcPr anchor="ctr">
-                    <a:solidFill>
-                      <a:schemeClr val="accent6">
-                        <a:alpha val="80000"/>
-                      </a:schemeClr>
-                    </a:solidFill>
-                  </a:tcPr>
-                </a:tc>
-                <a:tc>
-                  <a:txBody>
-                    <a:bodyPr/>
-                    <a:lstStyle/>
-                    <a:p>
-                      <a:pPr algn="ctr"/>
-                      <a:r>
-                        <a:rPr lang="uk-UA" sz="2000" noProof="0" dirty="0" smtClean="0">
-                          <a:solidFill>
-                            <a:schemeClr val="tx1"/>
-                          </a:solidFill>
-                          <a:effectLst/>
-                          <a:latin typeface="Open Sans" panose="020B0606030504020204" pitchFamily="34" charset="0"/>
-                          <a:ea typeface="Open Sans" panose="020B0606030504020204" pitchFamily="34" charset="0"/>
-                          <a:cs typeface="Open Sans" panose="020B0606030504020204" pitchFamily="34" charset="0"/>
-                        </a:rPr>
-                        <a:t>Сума</a:t>
-                      </a:r>
-                      <a:endParaRPr lang="uk-UA" sz="2000" noProof="0" dirty="0">
-                        <a:solidFill>
-                          <a:schemeClr val="tx1"/>
-                        </a:solidFill>
-                        <a:effectLst/>
-                        <a:latin typeface="Open Sans" panose="020B0606030504020204" pitchFamily="34" charset="0"/>
-                        <a:ea typeface="Open Sans" panose="020B0606030504020204" pitchFamily="34" charset="0"/>
-                        <a:cs typeface="Open Sans" panose="020B0606030504020204" pitchFamily="34" charset="0"/>
-                      </a:endParaRPr>
-                    </a:p>
-                  </a:txBody>
-                  <a:tcPr anchor="ctr">
-                    <a:solidFill>
-                      <a:schemeClr val="accent6">
-                        <a:alpha val="80000"/>
-                      </a:schemeClr>
-                    </a:solidFill>
-                  </a:tcPr>
-                </a:tc>
-              </a:tr>
-              <a:tr h="0">
-                <a:tc>
-                  <a:txBody>
-                    <a:bodyPr/>
-                    <a:lstStyle/>
-                    <a:p>
-                      <a:pPr algn="l"/>
-                      <a:r>
-                        <a:rPr lang="uk-UA" sz="1800" b="1" i="0" noProof="0" dirty="0" smtClean="0">
-                          <a:effectLst/>
-                          <a:latin typeface="Segoe Print" panose="02000600000000000000" pitchFamily="2" charset="0"/>
-                          <a:ea typeface="Tahoma" panose="020B0604030504040204" pitchFamily="34" charset="0"/>
-                          <a:cs typeface="Tahoma" panose="020B0604030504040204" pitchFamily="34" charset="0"/>
-                        </a:rPr>
-                        <a:t>Директор</a:t>
-                      </a:r>
-                      <a:endParaRPr lang="uk-UA" sz="1800" b="1" i="0" noProof="0" dirty="0">
-                        <a:effectLst/>
-                        <a:latin typeface="Segoe Print" panose="02000600000000000000" pitchFamily="2" charset="0"/>
-                        <a:ea typeface="Tahoma" panose="020B0604030504040204" pitchFamily="34" charset="0"/>
-                        <a:cs typeface="Tahoma" panose="020B0604030504040204" pitchFamily="34" charset="0"/>
-                      </a:endParaRPr>
-                    </a:p>
-                  </a:txBody>
-                  <a:tcPr anchor="ctr">
-                    <a:solidFill>
-                      <a:schemeClr val="accent6">
-                        <a:tint val="40000"/>
-                        <a:alpha val="80000"/>
-                      </a:schemeClr>
-                    </a:solidFill>
-                  </a:tcPr>
-                </a:tc>
-                <a:tc>
-                  <a:txBody>
-                    <a:bodyPr/>
-                    <a:lstStyle/>
-                    <a:p>
-                      <a:pPr algn="ctr"/>
-                      <a:r>
-                        <a:rPr lang="uk-UA" sz="1800" noProof="0" dirty="0" smtClean="0">
-                          <a:effectLst/>
-                          <a:latin typeface="Segoe Print" panose="02000600000000000000" pitchFamily="2" charset="0"/>
-                        </a:rPr>
-                        <a:t>12 000 грн</a:t>
-                      </a:r>
-                      <a:endParaRPr lang="uk-UA" sz="1800" noProof="0" dirty="0">
-                        <a:effectLst/>
-                        <a:latin typeface="Segoe Print" panose="02000600000000000000" pitchFamily="2" charset="0"/>
-                        <a:ea typeface="Tahoma" panose="020B0604030504040204" pitchFamily="34" charset="0"/>
-                        <a:cs typeface="Tahoma" panose="020B0604030504040204" pitchFamily="34" charset="0"/>
-                      </a:endParaRPr>
-                    </a:p>
-                  </a:txBody>
-                  <a:tcPr anchor="ctr">
-                    <a:solidFill>
-                      <a:schemeClr val="accent6">
-                        <a:tint val="40000"/>
-                        <a:alpha val="80000"/>
-                      </a:schemeClr>
-                    </a:solidFill>
-                  </a:tcPr>
-                </a:tc>
-                <a:tc>
-                  <a:txBody>
-                    <a:bodyPr/>
-                    <a:lstStyle/>
-                    <a:p>
-                      <a:pPr algn="ctr"/>
-                      <a:r>
-                        <a:rPr lang="en-US" sz="1800" noProof="0" dirty="0" smtClean="0">
-                          <a:effectLst/>
-                          <a:latin typeface="Segoe Print" panose="02000600000000000000" pitchFamily="2" charset="0"/>
-                        </a:rPr>
-                        <a:t>1</a:t>
-                      </a:r>
-                      <a:endParaRPr lang="uk-UA" sz="1800" noProof="0" dirty="0">
-                        <a:effectLst/>
-                        <a:latin typeface="Segoe Print" panose="02000600000000000000" pitchFamily="2" charset="0"/>
-                        <a:ea typeface="Tahoma" panose="020B0604030504040204" pitchFamily="34" charset="0"/>
-                        <a:cs typeface="Tahoma" panose="020B0604030504040204" pitchFamily="34" charset="0"/>
-                      </a:endParaRPr>
-                    </a:p>
-                  </a:txBody>
-                  <a:tcPr anchor="ctr">
-                    <a:solidFill>
-                      <a:schemeClr val="accent6">
-                        <a:tint val="40000"/>
-                        <a:alpha val="80000"/>
-                      </a:schemeClr>
-                    </a:solidFill>
-                  </a:tcPr>
-                </a:tc>
-                <a:tc>
-                  <a:txBody>
-                    <a:bodyPr/>
-                    <a:lstStyle/>
-                    <a:p>
-                      <a:pPr algn="ctr"/>
-                      <a:r>
-                        <a:rPr lang="uk-UA" sz="1800" noProof="0" dirty="0" smtClean="0">
-                          <a:effectLst/>
-                          <a:latin typeface="Segoe Print" panose="02000600000000000000" pitchFamily="2" charset="0"/>
-                          <a:ea typeface="Tahoma" panose="020B0604030504040204" pitchFamily="34" charset="0"/>
-                          <a:cs typeface="Tahoma" panose="020B0604030504040204" pitchFamily="34" charset="0"/>
-                        </a:rPr>
-                        <a:t>12 000 грн</a:t>
-                      </a:r>
-                      <a:endParaRPr lang="uk-UA" sz="1800" noProof="0" dirty="0">
-                        <a:effectLst/>
-                        <a:latin typeface="Segoe Print" panose="02000600000000000000" pitchFamily="2" charset="0"/>
-                        <a:ea typeface="Tahoma" panose="020B0604030504040204" pitchFamily="34" charset="0"/>
-                        <a:cs typeface="Tahoma" panose="020B0604030504040204" pitchFamily="34" charset="0"/>
-                      </a:endParaRPr>
-                    </a:p>
-                  </a:txBody>
-                  <a:tcPr anchor="ctr">
-                    <a:solidFill>
-                      <a:schemeClr val="accent6">
-                        <a:tint val="40000"/>
-                        <a:alpha val="80000"/>
-                      </a:schemeClr>
-                    </a:solidFill>
-                  </a:tcPr>
-                </a:tc>
-              </a:tr>
-              <a:tr h="0">
-                <a:tc>
-                  <a:txBody>
-                    <a:bodyPr/>
-                    <a:lstStyle/>
-                    <a:p>
-                      <a:pPr algn="l"/>
-                      <a:r>
-                        <a:rPr lang="uk-UA" sz="1800" b="1" i="0" noProof="0" dirty="0" smtClean="0">
-                          <a:effectLst/>
-                          <a:latin typeface="Segoe Print" panose="02000600000000000000" pitchFamily="2" charset="0"/>
-                          <a:ea typeface="Tahoma" panose="020B0604030504040204" pitchFamily="34" charset="0"/>
-                          <a:cs typeface="Tahoma" panose="020B0604030504040204" pitchFamily="34" charset="0"/>
-                        </a:rPr>
-                        <a:t>Майстер манікюру</a:t>
-                      </a:r>
-                      <a:endParaRPr lang="uk-UA" sz="1800" b="1" i="0" noProof="0" dirty="0">
-                        <a:effectLst/>
-                        <a:latin typeface="Segoe Print" panose="02000600000000000000" pitchFamily="2" charset="0"/>
-                        <a:ea typeface="Tahoma" panose="020B0604030504040204" pitchFamily="34" charset="0"/>
-                        <a:cs typeface="Tahoma" panose="020B0604030504040204" pitchFamily="34" charset="0"/>
-                      </a:endParaRPr>
-                    </a:p>
-                  </a:txBody>
-                  <a:tcPr anchor="ctr">
-                    <a:solidFill>
-                      <a:schemeClr val="accent6">
-                        <a:tint val="20000"/>
-                        <a:alpha val="80000"/>
-                      </a:schemeClr>
-                    </a:solidFill>
-                  </a:tcPr>
-                </a:tc>
-                <a:tc>
-                  <a:txBody>
-                    <a:bodyPr/>
-                    <a:lstStyle/>
-                    <a:p>
-                      <a:pPr algn="ctr"/>
-                      <a:r>
-                        <a:rPr lang="uk-UA" sz="1800" noProof="0" dirty="0" smtClean="0">
-                          <a:effectLst/>
-                          <a:latin typeface="Segoe Print" panose="02000600000000000000" pitchFamily="2" charset="0"/>
-                          <a:ea typeface="Tahoma" panose="020B0604030504040204" pitchFamily="34" charset="0"/>
-                          <a:cs typeface="Tahoma" panose="020B0604030504040204" pitchFamily="34" charset="0"/>
-                        </a:rPr>
-                        <a:t>10 000 грн</a:t>
-                      </a:r>
-                      <a:endParaRPr lang="uk-UA" sz="1800" noProof="0" dirty="0">
-                        <a:effectLst/>
-                        <a:latin typeface="Segoe Print" panose="02000600000000000000" pitchFamily="2" charset="0"/>
-                        <a:ea typeface="Tahoma" panose="020B0604030504040204" pitchFamily="34" charset="0"/>
-                        <a:cs typeface="Tahoma" panose="020B0604030504040204" pitchFamily="34" charset="0"/>
-                      </a:endParaRPr>
-                    </a:p>
-                  </a:txBody>
-                  <a:tcPr anchor="ctr">
-                    <a:solidFill>
-                      <a:schemeClr val="accent6">
-                        <a:tint val="20000"/>
-                        <a:alpha val="80000"/>
-                      </a:schemeClr>
-                    </a:solidFill>
-                  </a:tcPr>
-                </a:tc>
-                <a:tc>
-                  <a:txBody>
-                    <a:bodyPr/>
-                    <a:lstStyle/>
-                    <a:p>
-                      <a:pPr algn="ctr"/>
-                      <a:r>
-                        <a:rPr lang="en-US" sz="1800" noProof="0" dirty="0" smtClean="0">
-                          <a:effectLst/>
-                          <a:latin typeface="Segoe Print" panose="02000600000000000000" pitchFamily="2" charset="0"/>
-                        </a:rPr>
-                        <a:t>4</a:t>
-                      </a:r>
-                      <a:endParaRPr lang="uk-UA" sz="1800" noProof="0" dirty="0">
-                        <a:effectLst/>
-                        <a:latin typeface="Segoe Print" panose="02000600000000000000" pitchFamily="2" charset="0"/>
-                        <a:ea typeface="Tahoma" panose="020B0604030504040204" pitchFamily="34" charset="0"/>
-                        <a:cs typeface="Tahoma" panose="020B0604030504040204" pitchFamily="34" charset="0"/>
-                      </a:endParaRPr>
-                    </a:p>
-                  </a:txBody>
-                  <a:tcPr anchor="ctr">
-                    <a:solidFill>
-                      <a:schemeClr val="accent6">
-                        <a:tint val="20000"/>
-                        <a:alpha val="80000"/>
-                      </a:schemeClr>
-                    </a:solidFill>
-                  </a:tcPr>
-                </a:tc>
-                <a:tc>
-                  <a:txBody>
-                    <a:bodyPr/>
-                    <a:lstStyle/>
-                    <a:p>
-                      <a:pPr algn="ctr"/>
-                      <a:r>
-                        <a:rPr lang="uk-UA" sz="1800" b="0" noProof="0" dirty="0" smtClean="0">
-                          <a:effectLst/>
-                          <a:latin typeface="Segoe Print" panose="02000600000000000000" pitchFamily="2" charset="0"/>
-                          <a:ea typeface="Tahoma" panose="020B0604030504040204" pitchFamily="34" charset="0"/>
-                          <a:cs typeface="Tahoma" panose="020B0604030504040204" pitchFamily="34" charset="0"/>
-                        </a:rPr>
-                        <a:t>40 000 грн</a:t>
-                      </a:r>
-                      <a:endParaRPr lang="uk-UA" sz="1800" b="0" noProof="0" dirty="0">
-                        <a:effectLst/>
-                        <a:latin typeface="Segoe Print" panose="02000600000000000000" pitchFamily="2" charset="0"/>
-                        <a:ea typeface="Tahoma" panose="020B0604030504040204" pitchFamily="34" charset="0"/>
-                        <a:cs typeface="Tahoma" panose="020B0604030504040204" pitchFamily="34" charset="0"/>
-                      </a:endParaRPr>
-                    </a:p>
-                  </a:txBody>
-                  <a:tcPr anchor="ctr">
-                    <a:solidFill>
-                      <a:schemeClr val="accent6">
-                        <a:tint val="20000"/>
-                        <a:alpha val="80000"/>
-                      </a:schemeClr>
-                    </a:solidFill>
-                  </a:tcPr>
-                </a:tc>
-              </a:tr>
-              <a:tr h="0">
-                <a:tc>
-                  <a:txBody>
-                    <a:bodyPr/>
-                    <a:lstStyle/>
-                    <a:p>
-                      <a:pPr algn="l"/>
-                      <a:r>
-                        <a:rPr lang="uk-UA" sz="1800" b="1" i="0" noProof="0" dirty="0" smtClean="0">
-                          <a:effectLst/>
-                          <a:latin typeface="Segoe Print" panose="02000600000000000000" pitchFamily="2" charset="0"/>
-                          <a:ea typeface="Tahoma" panose="020B0604030504040204" pitchFamily="34" charset="0"/>
-                          <a:cs typeface="Tahoma" panose="020B0604030504040204" pitchFamily="34" charset="0"/>
-                        </a:rPr>
-                        <a:t>Майстер педикюру</a:t>
-                      </a:r>
-                      <a:endParaRPr lang="uk-UA" sz="1800" b="1" i="0" noProof="0" dirty="0">
-                        <a:effectLst/>
-                        <a:latin typeface="Segoe Print" panose="02000600000000000000" pitchFamily="2" charset="0"/>
-                        <a:ea typeface="Tahoma" panose="020B0604030504040204" pitchFamily="34" charset="0"/>
-                        <a:cs typeface="Tahoma" panose="020B0604030504040204" pitchFamily="34" charset="0"/>
-                      </a:endParaRPr>
-                    </a:p>
-                  </a:txBody>
-                  <a:tcPr anchor="ctr">
-                    <a:solidFill>
-                      <a:schemeClr val="accent6">
-                        <a:tint val="40000"/>
-                        <a:alpha val="80000"/>
-                      </a:schemeClr>
-                    </a:solidFill>
-                  </a:tcPr>
-                </a:tc>
-                <a:tc>
-                  <a:txBody>
-                    <a:bodyPr/>
-                    <a:lstStyle/>
-                    <a:p>
-                      <a:pPr algn="ctr"/>
-                      <a:r>
-                        <a:rPr lang="uk-UA" sz="1800" noProof="0" dirty="0" smtClean="0">
-                          <a:effectLst/>
-                          <a:latin typeface="Segoe Print" panose="02000600000000000000" pitchFamily="2" charset="0"/>
-                          <a:ea typeface="Tahoma" panose="020B0604030504040204" pitchFamily="34" charset="0"/>
-                          <a:cs typeface="Tahoma" panose="020B0604030504040204" pitchFamily="34" charset="0"/>
-                        </a:rPr>
-                        <a:t>10 000 грн</a:t>
-                      </a:r>
-                      <a:endParaRPr lang="uk-UA" sz="1800" noProof="0" dirty="0">
-                        <a:effectLst/>
-                        <a:latin typeface="Segoe Print" panose="02000600000000000000" pitchFamily="2" charset="0"/>
-                        <a:ea typeface="Tahoma" panose="020B0604030504040204" pitchFamily="34" charset="0"/>
-                        <a:cs typeface="Tahoma" panose="020B0604030504040204" pitchFamily="34" charset="0"/>
-                      </a:endParaRPr>
-                    </a:p>
-                  </a:txBody>
-                  <a:tcPr anchor="ctr">
-                    <a:solidFill>
-                      <a:schemeClr val="accent6">
-                        <a:tint val="40000"/>
-                        <a:alpha val="80000"/>
-                      </a:schemeClr>
-                    </a:solidFill>
-                  </a:tcPr>
-                </a:tc>
-                <a:tc>
-                  <a:txBody>
-                    <a:bodyPr/>
-                    <a:lstStyle/>
-                    <a:p>
-                      <a:pPr algn="ctr"/>
-                      <a:r>
-                        <a:rPr lang="uk-UA" sz="1800" noProof="0" dirty="0" smtClean="0">
-                          <a:effectLst/>
-                          <a:latin typeface="Segoe Print" panose="02000600000000000000" pitchFamily="2" charset="0"/>
-                          <a:ea typeface="Tahoma" panose="020B0604030504040204" pitchFamily="34" charset="0"/>
-                          <a:cs typeface="Tahoma" panose="020B0604030504040204" pitchFamily="34" charset="0"/>
-                        </a:rPr>
-                        <a:t>2</a:t>
-                      </a:r>
-                      <a:endParaRPr lang="uk-UA" sz="1800" noProof="0" dirty="0">
-                        <a:effectLst/>
-                        <a:latin typeface="Segoe Print" panose="02000600000000000000" pitchFamily="2" charset="0"/>
-                        <a:ea typeface="Tahoma" panose="020B0604030504040204" pitchFamily="34" charset="0"/>
-                        <a:cs typeface="Tahoma" panose="020B0604030504040204" pitchFamily="34" charset="0"/>
-                      </a:endParaRPr>
-                    </a:p>
-                  </a:txBody>
-                  <a:tcPr anchor="ctr">
-                    <a:solidFill>
-                      <a:schemeClr val="accent6">
-                        <a:tint val="40000"/>
-                        <a:alpha val="80000"/>
-                      </a:schemeClr>
-                    </a:solidFill>
-                  </a:tcPr>
-                </a:tc>
-                <a:tc>
-                  <a:txBody>
-                    <a:bodyPr/>
-                    <a:lstStyle/>
-                    <a:p>
-                      <a:pPr algn="ctr"/>
-                      <a:r>
-                        <a:rPr lang="uk-UA" sz="1800" noProof="0" dirty="0" smtClean="0">
-                          <a:effectLst/>
-                          <a:latin typeface="Segoe Print" panose="02000600000000000000" pitchFamily="2" charset="0"/>
-                          <a:ea typeface="Tahoma" panose="020B0604030504040204" pitchFamily="34" charset="0"/>
-                          <a:cs typeface="Tahoma" panose="020B0604030504040204" pitchFamily="34" charset="0"/>
-                        </a:rPr>
-                        <a:t>20 000 грн</a:t>
-                      </a:r>
-                      <a:endParaRPr lang="uk-UA" sz="1800" noProof="0" dirty="0">
-                        <a:effectLst/>
-                        <a:latin typeface="Segoe Print" panose="02000600000000000000" pitchFamily="2" charset="0"/>
-                        <a:ea typeface="Tahoma" panose="020B0604030504040204" pitchFamily="34" charset="0"/>
-                        <a:cs typeface="Tahoma" panose="020B0604030504040204" pitchFamily="34" charset="0"/>
-                      </a:endParaRPr>
-                    </a:p>
-                  </a:txBody>
-                  <a:tcPr anchor="ctr">
-                    <a:solidFill>
-                      <a:schemeClr val="accent6">
-                        <a:tint val="40000"/>
-                        <a:alpha val="80000"/>
-                      </a:schemeClr>
-                    </a:solidFill>
-                  </a:tcPr>
-                </a:tc>
-              </a:tr>
-              <a:tr h="0">
-                <a:tc>
-                  <a:txBody>
-                    <a:bodyPr/>
-                    <a:lstStyle/>
-                    <a:p>
-                      <a:pPr algn="l"/>
-                      <a:r>
-                        <a:rPr lang="uk-UA" sz="1800" b="1" i="0" noProof="0" dirty="0" smtClean="0">
-                          <a:effectLst/>
-                          <a:latin typeface="Segoe Print" panose="02000600000000000000" pitchFamily="2" charset="0"/>
-                          <a:ea typeface="Tahoma" panose="020B0604030504040204" pitchFamily="34" charset="0"/>
-                          <a:cs typeface="Tahoma" panose="020B0604030504040204" pitchFamily="34" charset="0"/>
-                        </a:rPr>
-                        <a:t>Косметолог</a:t>
-                      </a:r>
-                      <a:endParaRPr lang="uk-UA" sz="1800" b="1" i="0" noProof="0" dirty="0">
-                        <a:effectLst/>
-                        <a:latin typeface="Segoe Print" panose="02000600000000000000" pitchFamily="2" charset="0"/>
-                        <a:ea typeface="Tahoma" panose="020B0604030504040204" pitchFamily="34" charset="0"/>
-                        <a:cs typeface="Tahoma" panose="020B0604030504040204" pitchFamily="34" charset="0"/>
-                      </a:endParaRPr>
-                    </a:p>
-                  </a:txBody>
-                  <a:tcPr anchor="ctr">
-                    <a:solidFill>
-                      <a:schemeClr val="accent6">
-                        <a:tint val="20000"/>
-                        <a:alpha val="80000"/>
-                      </a:schemeClr>
-                    </a:solidFill>
-                  </a:tcPr>
-                </a:tc>
-                <a:tc>
-                  <a:txBody>
-                    <a:bodyPr/>
-                    <a:lstStyle/>
-                    <a:p>
-                      <a:pPr algn="ctr"/>
-                      <a:r>
-                        <a:rPr lang="uk-UA" sz="1800" noProof="0" dirty="0" smtClean="0">
-                          <a:effectLst/>
-                          <a:latin typeface="Segoe Print" panose="02000600000000000000" pitchFamily="2" charset="0"/>
-                          <a:ea typeface="Tahoma" panose="020B0604030504040204" pitchFamily="34" charset="0"/>
-                          <a:cs typeface="Tahoma" panose="020B0604030504040204" pitchFamily="34" charset="0"/>
-                        </a:rPr>
-                        <a:t>8 000 грн</a:t>
-                      </a:r>
-                      <a:endParaRPr lang="uk-UA" sz="1800" noProof="0" dirty="0">
-                        <a:effectLst/>
-                        <a:latin typeface="Segoe Print" panose="02000600000000000000" pitchFamily="2" charset="0"/>
-                        <a:ea typeface="Tahoma" panose="020B0604030504040204" pitchFamily="34" charset="0"/>
-                        <a:cs typeface="Tahoma" panose="020B0604030504040204" pitchFamily="34" charset="0"/>
-                      </a:endParaRPr>
-                    </a:p>
-                  </a:txBody>
-                  <a:tcPr anchor="ctr">
-                    <a:solidFill>
-                      <a:schemeClr val="accent6">
-                        <a:tint val="20000"/>
-                        <a:alpha val="80000"/>
-                      </a:schemeClr>
-                    </a:solidFill>
-                  </a:tcPr>
-                </a:tc>
-                <a:tc>
-                  <a:txBody>
-                    <a:bodyPr/>
-                    <a:lstStyle/>
-                    <a:p>
-                      <a:pPr algn="ctr"/>
-                      <a:r>
-                        <a:rPr lang="uk-UA" sz="1800" noProof="0" dirty="0" smtClean="0">
-                          <a:effectLst/>
-                          <a:latin typeface="Segoe Print" panose="02000600000000000000" pitchFamily="2" charset="0"/>
-                        </a:rPr>
-                        <a:t>2</a:t>
-                      </a:r>
-                      <a:endParaRPr lang="uk-UA" sz="1800" noProof="0" dirty="0">
-                        <a:effectLst/>
-                        <a:latin typeface="Segoe Print" panose="02000600000000000000" pitchFamily="2" charset="0"/>
-                        <a:ea typeface="Tahoma" panose="020B0604030504040204" pitchFamily="34" charset="0"/>
-                        <a:cs typeface="Tahoma" panose="020B0604030504040204" pitchFamily="34" charset="0"/>
-                      </a:endParaRPr>
-                    </a:p>
-                  </a:txBody>
-                  <a:tcPr anchor="ctr">
-                    <a:solidFill>
-                      <a:schemeClr val="accent6">
-                        <a:tint val="20000"/>
-                        <a:alpha val="80000"/>
-                      </a:schemeClr>
-                    </a:solidFill>
-                  </a:tcPr>
-                </a:tc>
-                <a:tc>
-                  <a:txBody>
-                    <a:bodyPr/>
-                    <a:lstStyle/>
-                    <a:p>
-                      <a:pPr algn="ctr"/>
-                      <a:r>
-                        <a:rPr lang="uk-UA" sz="1800" noProof="0" dirty="0" smtClean="0">
-                          <a:effectLst/>
-                          <a:latin typeface="Segoe Print" panose="02000600000000000000" pitchFamily="2" charset="0"/>
-                          <a:ea typeface="Tahoma" panose="020B0604030504040204" pitchFamily="34" charset="0"/>
-                          <a:cs typeface="Tahoma" panose="020B0604030504040204" pitchFamily="34" charset="0"/>
-                        </a:rPr>
-                        <a:t>16 000 грн</a:t>
-                      </a:r>
-                      <a:endParaRPr lang="uk-UA" sz="1800" noProof="0" dirty="0">
-                        <a:effectLst/>
-                        <a:latin typeface="Segoe Print" panose="02000600000000000000" pitchFamily="2" charset="0"/>
-                        <a:ea typeface="Tahoma" panose="020B0604030504040204" pitchFamily="34" charset="0"/>
-                        <a:cs typeface="Tahoma" panose="020B0604030504040204" pitchFamily="34" charset="0"/>
-                      </a:endParaRPr>
-                    </a:p>
-                  </a:txBody>
-                  <a:tcPr anchor="ctr">
-                    <a:solidFill>
-                      <a:schemeClr val="accent6">
-                        <a:tint val="20000"/>
-                        <a:alpha val="80000"/>
-                      </a:schemeClr>
-                    </a:solidFill>
-                  </a:tcPr>
-                </a:tc>
-              </a:tr>
-              <a:tr h="0">
-                <a:tc>
-                  <a:txBody>
-                    <a:bodyPr/>
-                    <a:lstStyle/>
-                    <a:p>
-                      <a:r>
-                        <a:rPr lang="uk-UA" sz="1800" b="1" noProof="0" dirty="0" smtClean="0">
-                          <a:latin typeface="Segoe Print" panose="02000600000000000000" pitchFamily="2" charset="0"/>
-                        </a:rPr>
-                        <a:t>Масажист</a:t>
-                      </a:r>
-                      <a:endParaRPr lang="uk-UA" sz="1800" b="1" noProof="0" dirty="0">
-                        <a:latin typeface="Segoe Print" panose="02000600000000000000" pitchFamily="2" charset="0"/>
-                      </a:endParaRPr>
-                    </a:p>
-                  </a:txBody>
-                  <a:tcPr anchor="ctr">
-                    <a:solidFill>
-                      <a:schemeClr val="accent6">
-                        <a:tint val="40000"/>
-                        <a:alpha val="80000"/>
-                      </a:schemeClr>
-                    </a:solidFill>
-                  </a:tcPr>
-                </a:tc>
-                <a:tc>
-                  <a:txBody>
-                    <a:bodyPr/>
-                    <a:lstStyle/>
-                    <a:p>
-                      <a:pPr algn="ctr"/>
-                      <a:r>
-                        <a:rPr lang="uk-UA" sz="1800" noProof="0" dirty="0" smtClean="0">
-                          <a:latin typeface="Segoe Print" panose="02000600000000000000" pitchFamily="2" charset="0"/>
-                        </a:rPr>
-                        <a:t>8 000 грн</a:t>
-                      </a:r>
-                      <a:endParaRPr lang="uk-UA" sz="1800" noProof="0" dirty="0">
-                        <a:latin typeface="Segoe Print" panose="02000600000000000000" pitchFamily="2" charset="0"/>
-                      </a:endParaRPr>
-                    </a:p>
-                  </a:txBody>
-                  <a:tcPr anchor="ctr">
-                    <a:solidFill>
-                      <a:schemeClr val="accent6">
-                        <a:tint val="40000"/>
-                        <a:alpha val="80000"/>
-                      </a:schemeClr>
-                    </a:solidFill>
-                  </a:tcPr>
-                </a:tc>
-                <a:tc>
-                  <a:txBody>
-                    <a:bodyPr/>
-                    <a:lstStyle/>
-                    <a:p>
-                      <a:pPr algn="ctr"/>
-                      <a:r>
-                        <a:rPr lang="en-US" sz="1800" noProof="0" dirty="0" smtClean="0">
-                          <a:latin typeface="Segoe Print" panose="02000600000000000000" pitchFamily="2" charset="0"/>
-                        </a:rPr>
-                        <a:t>2</a:t>
-                      </a:r>
-                      <a:endParaRPr lang="uk-UA" sz="1800" noProof="0" dirty="0">
-                        <a:latin typeface="Segoe Print" panose="02000600000000000000" pitchFamily="2" charset="0"/>
-                      </a:endParaRPr>
-                    </a:p>
-                  </a:txBody>
-                  <a:tcPr anchor="ctr">
-                    <a:solidFill>
-                      <a:schemeClr val="accent6">
-                        <a:tint val="40000"/>
-                        <a:alpha val="80000"/>
-                      </a:schemeClr>
-                    </a:solidFill>
-                  </a:tcPr>
-                </a:tc>
-                <a:tc>
-                  <a:txBody>
-                    <a:bodyPr/>
-                    <a:lstStyle/>
-                    <a:p>
-                      <a:pPr algn="ctr"/>
-                      <a:r>
-                        <a:rPr lang="uk-UA" sz="1800" noProof="0" dirty="0" smtClean="0">
-                          <a:latin typeface="Segoe Print" panose="02000600000000000000" pitchFamily="2" charset="0"/>
-                        </a:rPr>
-                        <a:t>16 000 грн</a:t>
-                      </a:r>
-                      <a:endParaRPr lang="uk-UA" sz="1800" noProof="0" dirty="0">
-                        <a:latin typeface="Segoe Print" panose="02000600000000000000" pitchFamily="2" charset="0"/>
-                      </a:endParaRPr>
-                    </a:p>
-                  </a:txBody>
-                  <a:tcPr anchor="ctr">
-                    <a:solidFill>
-                      <a:schemeClr val="accent6">
-                        <a:tint val="40000"/>
-                        <a:alpha val="80000"/>
-                      </a:schemeClr>
-                    </a:solidFill>
-                  </a:tcPr>
-                </a:tc>
-              </a:tr>
-              <a:tr h="0">
-                <a:tc>
-                  <a:txBody>
-                    <a:bodyPr/>
-                    <a:lstStyle/>
-                    <a:p>
-                      <a:r>
-                        <a:rPr lang="uk-UA" sz="1800" b="1" noProof="0" dirty="0" smtClean="0">
-                          <a:latin typeface="Segoe Print" panose="02000600000000000000" pitchFamily="2" charset="0"/>
-                        </a:rPr>
-                        <a:t>Перукар</a:t>
-                      </a:r>
-                      <a:endParaRPr lang="uk-UA" sz="1800" b="1" noProof="0" dirty="0">
-                        <a:latin typeface="Segoe Print" panose="02000600000000000000" pitchFamily="2" charset="0"/>
-                      </a:endParaRPr>
-                    </a:p>
-                  </a:txBody>
-                  <a:tcPr anchor="ctr">
-                    <a:solidFill>
-                      <a:srgbClr val="EBF1E9">
-                        <a:alpha val="80000"/>
-                      </a:srgbClr>
-                    </a:solidFill>
-                  </a:tcPr>
-                </a:tc>
-                <a:tc>
-                  <a:txBody>
-                    <a:bodyPr/>
-                    <a:lstStyle/>
-                    <a:p>
-                      <a:pPr algn="ctr"/>
-                      <a:r>
-                        <a:rPr lang="uk-UA" sz="1800" noProof="0" dirty="0" smtClean="0">
-                          <a:latin typeface="Segoe Print" panose="02000600000000000000" pitchFamily="2" charset="0"/>
-                        </a:rPr>
-                        <a:t>8 000 грн</a:t>
-                      </a:r>
-                      <a:endParaRPr lang="uk-UA" sz="1800" noProof="0" dirty="0">
-                        <a:latin typeface="Segoe Print" panose="02000600000000000000" pitchFamily="2" charset="0"/>
-                      </a:endParaRPr>
-                    </a:p>
-                  </a:txBody>
-                  <a:tcPr anchor="ctr">
-                    <a:solidFill>
-                      <a:srgbClr val="EBF1E9">
-                        <a:alpha val="80000"/>
-                      </a:srgbClr>
-                    </a:solidFill>
-                  </a:tcPr>
-                </a:tc>
-                <a:tc>
-                  <a:txBody>
-                    <a:bodyPr/>
-                    <a:lstStyle/>
-                    <a:p>
-                      <a:pPr algn="ctr"/>
-                      <a:r>
-                        <a:rPr lang="en-US" sz="1800" noProof="0" dirty="0" smtClean="0">
-                          <a:latin typeface="Segoe Print" panose="02000600000000000000" pitchFamily="2" charset="0"/>
-                        </a:rPr>
-                        <a:t>3</a:t>
-                      </a:r>
-                      <a:endParaRPr lang="uk-UA" sz="1800" noProof="0" dirty="0">
-                        <a:latin typeface="Segoe Print" panose="02000600000000000000" pitchFamily="2" charset="0"/>
-                      </a:endParaRPr>
-                    </a:p>
-                  </a:txBody>
-                  <a:tcPr anchor="ctr">
-                    <a:solidFill>
-                      <a:srgbClr val="EBF1E9">
-                        <a:alpha val="80000"/>
-                      </a:srgbClr>
-                    </a:solidFill>
-                  </a:tcPr>
-                </a:tc>
-                <a:tc>
-                  <a:txBody>
-                    <a:bodyPr/>
-                    <a:lstStyle/>
-                    <a:p>
-                      <a:pPr algn="ctr"/>
-                      <a:r>
-                        <a:rPr lang="uk-UA" sz="1800" noProof="0" dirty="0" smtClean="0">
-                          <a:latin typeface="Segoe Print" panose="02000600000000000000" pitchFamily="2" charset="0"/>
-                        </a:rPr>
-                        <a:t>24 000 грн</a:t>
-                      </a:r>
-                      <a:endParaRPr lang="uk-UA" sz="1800" noProof="0" dirty="0">
-                        <a:latin typeface="Segoe Print" panose="02000600000000000000" pitchFamily="2" charset="0"/>
-                      </a:endParaRPr>
-                    </a:p>
-                  </a:txBody>
-                  <a:tcPr anchor="ctr">
-                    <a:solidFill>
-                      <a:srgbClr val="EBF1E9">
-                        <a:alpha val="80000"/>
-                      </a:srgbClr>
-                    </a:solidFill>
-                  </a:tcPr>
-                </a:tc>
-              </a:tr>
-              <a:tr h="0">
-                <a:tc>
-                  <a:txBody>
-                    <a:bodyPr/>
-                    <a:lstStyle/>
-                    <a:p>
-                      <a:r>
-                        <a:rPr lang="uk-UA" sz="1800" b="1" noProof="0" dirty="0" smtClean="0">
-                          <a:latin typeface="Segoe Print" panose="02000600000000000000" pitchFamily="2" charset="0"/>
-                        </a:rPr>
-                        <a:t>Прибиральниця</a:t>
-                      </a:r>
-                      <a:endParaRPr lang="uk-UA" sz="1800" b="1" noProof="0" dirty="0">
-                        <a:latin typeface="Segoe Print" panose="02000600000000000000" pitchFamily="2" charset="0"/>
-                      </a:endParaRPr>
-                    </a:p>
-                  </a:txBody>
-                  <a:tcPr anchor="ctr">
-                    <a:solidFill>
-                      <a:schemeClr val="accent6">
-                        <a:tint val="40000"/>
-                        <a:alpha val="80000"/>
-                      </a:schemeClr>
-                    </a:solidFill>
-                  </a:tcPr>
-                </a:tc>
-                <a:tc>
-                  <a:txBody>
-                    <a:bodyPr/>
-                    <a:lstStyle/>
-                    <a:p>
-                      <a:pPr algn="ctr"/>
-                      <a:r>
-                        <a:rPr lang="uk-UA" sz="1800" noProof="0" dirty="0" smtClean="0">
-                          <a:latin typeface="Segoe Print" panose="02000600000000000000" pitchFamily="2" charset="0"/>
-                        </a:rPr>
-                        <a:t>7 000грн</a:t>
-                      </a:r>
-                      <a:endParaRPr lang="uk-UA" sz="1800" noProof="0" dirty="0">
-                        <a:latin typeface="Segoe Print" panose="02000600000000000000" pitchFamily="2" charset="0"/>
-                      </a:endParaRPr>
-                    </a:p>
-                  </a:txBody>
-                  <a:tcPr anchor="ctr">
-                    <a:solidFill>
-                      <a:schemeClr val="accent6">
-                        <a:tint val="40000"/>
-                        <a:alpha val="80000"/>
-                      </a:schemeClr>
-                    </a:solidFill>
-                  </a:tcPr>
-                </a:tc>
-                <a:tc>
-                  <a:txBody>
-                    <a:bodyPr/>
-                    <a:lstStyle/>
-                    <a:p>
-                      <a:pPr algn="ctr"/>
-                      <a:r>
-                        <a:rPr lang="en-US" sz="1800" noProof="0" dirty="0" smtClean="0">
-                          <a:latin typeface="Segoe Print" panose="02000600000000000000" pitchFamily="2" charset="0"/>
-                        </a:rPr>
-                        <a:t>1</a:t>
-                      </a:r>
-                      <a:endParaRPr lang="uk-UA" sz="1800" noProof="0" dirty="0">
-                        <a:latin typeface="Segoe Print" panose="02000600000000000000" pitchFamily="2" charset="0"/>
-                      </a:endParaRPr>
-                    </a:p>
-                  </a:txBody>
-                  <a:tcPr anchor="ctr">
-                    <a:solidFill>
-                      <a:schemeClr val="accent6">
-                        <a:tint val="40000"/>
-                        <a:alpha val="80000"/>
-                      </a:schemeClr>
-                    </a:solidFill>
-                  </a:tcPr>
-                </a:tc>
-                <a:tc>
-                  <a:txBody>
-                    <a:bodyPr/>
-                    <a:lstStyle/>
-                    <a:p>
-                      <a:pPr algn="ctr"/>
-                      <a:r>
-                        <a:rPr lang="en-US" sz="1800" noProof="0" dirty="0" smtClean="0">
-                          <a:latin typeface="Segoe Print" panose="02000600000000000000" pitchFamily="2" charset="0"/>
-                        </a:rPr>
-                        <a:t>7 000 </a:t>
-                      </a:r>
-                      <a:r>
-                        <a:rPr lang="uk-UA" sz="1800" noProof="0" dirty="0" smtClean="0">
-                          <a:latin typeface="Segoe Print" panose="02000600000000000000" pitchFamily="2" charset="0"/>
-                        </a:rPr>
-                        <a:t>грн</a:t>
-                      </a:r>
-                      <a:endParaRPr lang="uk-UA" sz="1800" noProof="0" dirty="0">
-                        <a:latin typeface="Segoe Print" panose="02000600000000000000" pitchFamily="2" charset="0"/>
-                      </a:endParaRPr>
-                    </a:p>
-                  </a:txBody>
-                  <a:tcPr anchor="ctr">
-                    <a:solidFill>
-                      <a:schemeClr val="accent6">
-                        <a:tint val="40000"/>
-                        <a:alpha val="80000"/>
-                      </a:schemeClr>
-                    </a:solidFill>
-                  </a:tcPr>
-                </a:tc>
-              </a:tr>
-              <a:tr h="540000">
-                <a:tc gridSpan="3">
-                  <a:txBody>
-                    <a:bodyPr/>
-                    <a:lstStyle/>
-                    <a:p>
-                      <a:pPr algn="r"/>
-                      <a:r>
-                        <a:rPr lang="uk-UA" sz="2800" noProof="0" dirty="0" smtClean="0">
-                          <a:gradFill flip="none" rotWithShape="1">
-                            <a:gsLst>
-                              <a:gs pos="0">
-                                <a:schemeClr val="tx1">
-                                  <a:lumMod val="95000"/>
-                                  <a:lumOff val="5000"/>
-                                </a:schemeClr>
-                              </a:gs>
-                              <a:gs pos="100000">
-                                <a:schemeClr val="tx1">
-                                  <a:lumMod val="85000"/>
-                                  <a:lumOff val="15000"/>
-                                </a:schemeClr>
-                              </a:gs>
-                            </a:gsLst>
-                            <a:lin ang="18900000" scaled="1"/>
-                            <a:tileRect/>
-                          </a:gradFill>
-                          <a:effectLst/>
-                          <a:latin typeface="Tahoma" panose="020B0604030504040204" pitchFamily="34" charset="0"/>
-                          <a:ea typeface="Tahoma" panose="020B0604030504040204" pitchFamily="34" charset="0"/>
-                          <a:cs typeface="Tahoma" panose="020B0604030504040204" pitchFamily="34" charset="0"/>
-                        </a:rPr>
-                        <a:t>Всього:</a:t>
-                      </a:r>
-                      <a:endParaRPr lang="uk-UA" sz="2800" b="1" i="0" noProof="0" dirty="0">
-                        <a:gradFill flip="none" rotWithShape="1">
-                          <a:gsLst>
-                            <a:gs pos="0">
-                              <a:schemeClr val="tx1">
-                                <a:lumMod val="95000"/>
-                                <a:lumOff val="5000"/>
-                              </a:schemeClr>
-                            </a:gs>
-                            <a:gs pos="100000">
-                              <a:schemeClr val="tx1">
-                                <a:lumMod val="85000"/>
-                                <a:lumOff val="15000"/>
-                              </a:schemeClr>
-                            </a:gs>
-                          </a:gsLst>
-                          <a:lin ang="18900000" scaled="1"/>
-                          <a:tileRect/>
-                        </a:gradFill>
-                        <a:effectLst/>
-                        <a:latin typeface="Tahoma" panose="020B0604030504040204" pitchFamily="34" charset="0"/>
-                        <a:ea typeface="Tahoma" panose="020B0604030504040204" pitchFamily="34" charset="0"/>
-                        <a:cs typeface="Tahoma" panose="020B0604030504040204" pitchFamily="34" charset="0"/>
-                      </a:endParaRPr>
-                    </a:p>
-                  </a:txBody>
-                  <a:tcPr anchor="ctr">
-                    <a:solidFill>
-                      <a:schemeClr val="accent6">
-                        <a:alpha val="80000"/>
-                      </a:schemeClr>
-                    </a:solidFill>
-                  </a:tcPr>
-                </a:tc>
-                <a:tc hMerge="1">
-                  <a:txBody>
-                    <a:bodyPr/>
-                    <a:lstStyle/>
-                    <a:p>
-                      <a:pPr algn="ctr"/>
-                      <a:endParaRPr lang="ru-RU" sz="2000" dirty="0">
-                        <a:latin typeface="Segoe Print" panose="02000600000000000000" pitchFamily="2" charset="0"/>
-                      </a:endParaRPr>
-                    </a:p>
-                  </a:txBody>
-                  <a:tcPr anchor="ctr"/>
-                </a:tc>
-                <a:tc hMerge="1">
-                  <a:txBody>
-                    <a:bodyPr/>
-                    <a:lstStyle/>
-                    <a:p>
-                      <a:pPr algn="ctr"/>
-                      <a:endParaRPr lang="ru-RU" sz="2000" dirty="0">
-                        <a:latin typeface="Segoe Print" panose="02000600000000000000" pitchFamily="2" charset="0"/>
-                      </a:endParaRPr>
-                    </a:p>
-                  </a:txBody>
-                  <a:tcPr anchor="ctr"/>
-                </a:tc>
-                <a:tc>
-                  <a:txBody>
-                    <a:bodyPr/>
-                    <a:lstStyle/>
-                    <a:p>
-                      <a:pPr algn="ctr"/>
-                      <a:r>
-                        <a:rPr lang="uk-UA" sz="2000" noProof="0" dirty="0" smtClean="0">
-                          <a:gradFill flip="none" rotWithShape="1">
-                            <a:gsLst>
-                              <a:gs pos="0">
-                                <a:schemeClr val="tx1">
-                                  <a:lumMod val="95000"/>
-                                  <a:lumOff val="5000"/>
-                                </a:schemeClr>
-                              </a:gs>
-                              <a:gs pos="100000">
-                                <a:schemeClr val="tx1">
-                                  <a:lumMod val="85000"/>
-                                  <a:lumOff val="15000"/>
-                                </a:schemeClr>
-                              </a:gs>
-                            </a:gsLst>
-                            <a:lin ang="18900000" scaled="1"/>
-                            <a:tileRect/>
-                          </a:gradFill>
-                          <a:effectLst/>
-                          <a:latin typeface="Tahoma" panose="020B0604030504040204" pitchFamily="34" charset="0"/>
-                          <a:ea typeface="Tahoma" panose="020B0604030504040204" pitchFamily="34" charset="0"/>
-                          <a:cs typeface="Tahoma" panose="020B0604030504040204" pitchFamily="34" charset="0"/>
-                        </a:rPr>
-                        <a:t>135 000 </a:t>
-                      </a:r>
-                      <a:r>
-                        <a:rPr lang="uk-UA" sz="2000" i="0" noProof="0" dirty="0" smtClean="0">
-                          <a:gradFill flip="none" rotWithShape="1">
-                            <a:gsLst>
-                              <a:gs pos="0">
-                                <a:schemeClr val="tx1">
-                                  <a:lumMod val="95000"/>
-                                  <a:lumOff val="5000"/>
-                                </a:schemeClr>
-                              </a:gs>
-                              <a:gs pos="100000">
-                                <a:schemeClr val="tx1">
-                                  <a:lumMod val="85000"/>
-                                  <a:lumOff val="15000"/>
-                                </a:schemeClr>
-                              </a:gs>
-                            </a:gsLst>
-                            <a:lin ang="18900000" scaled="1"/>
-                            <a:tileRect/>
-                          </a:gradFill>
-                          <a:effectLst/>
-                          <a:latin typeface="Tahoma" panose="020B0604030504040204" pitchFamily="34" charset="0"/>
-                          <a:ea typeface="Tahoma" panose="020B0604030504040204" pitchFamily="34" charset="0"/>
-                          <a:cs typeface="Tahoma" panose="020B0604030504040204" pitchFamily="34" charset="0"/>
-                        </a:rPr>
-                        <a:t>грн</a:t>
-                      </a:r>
-                      <a:endParaRPr lang="uk-UA" sz="2000" b="1" i="0" noProof="0" dirty="0">
-                        <a:gradFill flip="none" rotWithShape="1">
-                          <a:gsLst>
-                            <a:gs pos="0">
-                              <a:schemeClr val="tx1">
-                                <a:lumMod val="95000"/>
-                                <a:lumOff val="5000"/>
-                              </a:schemeClr>
-                            </a:gs>
-                            <a:gs pos="100000">
-                              <a:schemeClr val="tx1">
-                                <a:lumMod val="85000"/>
-                                <a:lumOff val="15000"/>
-                              </a:schemeClr>
-                            </a:gs>
-                          </a:gsLst>
-                          <a:lin ang="18900000" scaled="1"/>
-                          <a:tileRect/>
-                        </a:gradFill>
-                        <a:effectLst/>
-                        <a:latin typeface="Tahoma" panose="020B0604030504040204" pitchFamily="34" charset="0"/>
-                        <a:ea typeface="Tahoma" panose="020B0604030504040204" pitchFamily="34" charset="0"/>
-                        <a:cs typeface="Tahoma" panose="020B0604030504040204" pitchFamily="34" charset="0"/>
-                      </a:endParaRPr>
-                    </a:p>
-                  </a:txBody>
-                  <a:tcPr anchor="ctr">
-                    <a:solidFill>
-                      <a:schemeClr val="accent6">
-                        <a:alpha val="80000"/>
-                      </a:schemeClr>
-                    </a:solidFill>
-                  </a:tcPr>
-                </a:tc>
-              </a:tr>
-            </a:tbl>
-          </a:graphicData>
-        </a:graphic>
-      </p:graphicFrame>
-    </p:spTree>
-    <p:extLst>
-      <p:ext uri="{BB962C8B-B14F-4D97-AF65-F5344CB8AC3E}">
-        <p14:creationId xmlns:p14="http://schemas.microsoft.com/office/powerpoint/2010/main" val="2952426389"/>
-      </p:ext>
-    </p:extLst>
-  </p:cSld>
-  <p:clrMapOvr>
-    <a:masterClrMapping/>
-  </p:clrMapOvr>
-  <p:transition spd="med">
-    <p:pull/>
-  </p:transition>
-  <p:timing>
-    <p:tnLst>
-      <p:par>
-        <p:cTn id="1" dur="indefinite" restart="never" nodeType="tmRoot"/>
-      </p:par>
-    </p:tnLst>
-  </p:timing>
-</p:sld>
-</file>
-
-<file path=ppt/slides/slide9.xml><?xml version="1.0" encoding="utf-8"?>
-<p:sld xmlns:a="http://schemas.openxmlformats.org/drawingml/2006/main" xmlns:r="http://schemas.openxmlformats.org/officeDocument/2006/relationships" xmlns:p="http://schemas.openxmlformats.org/presentationml/2006/main">
-  <p:cSld>
-    <p:spTree>
-      <p:nvGrpSpPr>
-        <p:cNvPr id="1" name=""/>
-        <p:cNvGrpSpPr/>
-        <p:nvPr/>
-      </p:nvGrpSpPr>
-      <p:grpSpPr>
-        <a:xfrm>
-          <a:off x="0" y="0"/>
-          <a:ext cx="0" cy="0"/>
-          <a:chOff x="0" y="0"/>
-          <a:chExt cx="0" cy="0"/>
-        </a:xfrm>
-      </p:grpSpPr>
-      <p:sp>
-        <p:nvSpPr>
-          <p:cNvPr id="2" name="TextBox 1"/>
-          <p:cNvSpPr txBox="1"/>
-          <p:nvPr/>
-        </p:nvSpPr>
-        <p:spPr>
-          <a:xfrm>
-            <a:off x="0" y="144000"/>
-            <a:ext cx="12191999" cy="1354217"/>
-          </a:xfrm>
-          <a:prstGeom prst="rect">
-            <a:avLst/>
-          </a:prstGeom>
-          <a:noFill/>
-        </p:spPr>
-        <p:txBody>
-          <a:bodyPr wrap="square" rtlCol="0" anchor="ctr">
-            <a:spAutoFit/>
-          </a:bodyPr>
-          <a:lstStyle/>
-          <a:p>
-            <a:pPr algn="ctr"/>
-            <a:r>
-              <a:rPr lang="uk-UA" sz="5000" b="1" dirty="0" smtClean="0">
-                <a:gradFill flip="none" rotWithShape="1">
-                  <a:gsLst>
-                    <a:gs pos="0">
-                      <a:srgbClr val="229633"/>
-                    </a:gs>
-                    <a:gs pos="100000">
-                      <a:srgbClr val="85CA3A"/>
-                    </a:gs>
-                  </a:gsLst>
-                  <a:lin ang="18900000" scaled="1"/>
-                  <a:tileRect/>
-                </a:gradFill>
-                <a:latin typeface="Segoe Print" panose="02000600000000000000" pitchFamily="2" charset="0"/>
-                <a:ea typeface="Open Sans" panose="020B0606030504020204" pitchFamily="34" charset="0"/>
-                <a:cs typeface="Open Sans" panose="020B0606030504020204" pitchFamily="34" charset="0"/>
-              </a:rPr>
-              <a:t>Фінансовий план</a:t>
-            </a:r>
-          </a:p>
-          <a:p>
-            <a:pPr algn="ctr"/>
-            <a:r>
-              <a:rPr lang="uk-UA" sz="3200" b="1" dirty="0">
-                <a:gradFill flip="none" rotWithShape="1">
-                  <a:gsLst>
-                    <a:gs pos="16000">
-                      <a:srgbClr val="276399"/>
-                    </a:gs>
-                    <a:gs pos="100000">
-                      <a:srgbClr val="5380FF"/>
-                    </a:gs>
-                  </a:gsLst>
-                  <a:lin ang="18900000" scaled="1"/>
-                  <a:tileRect/>
-                </a:gradFill>
-                <a:latin typeface="Segoe Print" panose="02000600000000000000" pitchFamily="2" charset="0"/>
-                <a:ea typeface="Open Sans" panose="020B0606030504020204" pitchFamily="34" charset="0"/>
-                <a:cs typeface="Open Sans" panose="020B0606030504020204" pitchFamily="34" charset="0"/>
-              </a:rPr>
-              <a:t>Початкові </a:t>
-            </a:r>
-            <a:r>
-              <a:rPr lang="uk-UA" sz="3200" b="1" dirty="0" smtClean="0">
-                <a:gradFill flip="none" rotWithShape="1">
-                  <a:gsLst>
-                    <a:gs pos="16000">
-                      <a:srgbClr val="276399"/>
-                    </a:gs>
-                    <a:gs pos="100000">
-                      <a:srgbClr val="5380FF"/>
-                    </a:gs>
-                  </a:gsLst>
-                  <a:lin ang="18900000" scaled="1"/>
-                  <a:tileRect/>
-                </a:gradFill>
-                <a:latin typeface="Segoe Print" panose="02000600000000000000" pitchFamily="2" charset="0"/>
-                <a:ea typeface="Open Sans" panose="020B0606030504020204" pitchFamily="34" charset="0"/>
-                <a:cs typeface="Open Sans" panose="020B0606030504020204" pitchFamily="34" charset="0"/>
-              </a:rPr>
-              <a:t>інвестиції</a:t>
-            </a:r>
-            <a:endParaRPr lang="uk-UA" sz="3200" b="1" dirty="0" smtClean="0">
-              <a:gradFill flip="none" rotWithShape="1">
-                <a:gsLst>
-                  <a:gs pos="0">
-                    <a:srgbClr val="229633"/>
-                  </a:gs>
-                  <a:gs pos="100000">
-                    <a:srgbClr val="85CA3A"/>
-                  </a:gs>
-                </a:gsLst>
-                <a:lin ang="18900000" scaled="1"/>
-                <a:tileRect/>
-              </a:gradFill>
-              <a:latin typeface="Segoe Print" panose="02000600000000000000" pitchFamily="2" charset="0"/>
-              <a:ea typeface="Open Sans" panose="020B0606030504020204" pitchFamily="34" charset="0"/>
-              <a:cs typeface="Open Sans" panose="020B0606030504020204" pitchFamily="34" charset="0"/>
-            </a:endParaRPr>
-          </a:p>
-        </p:txBody>
-      </p:sp>
-      <p:sp>
-        <p:nvSpPr>
-          <p:cNvPr id="3" name="TextBox 2"/>
-          <p:cNvSpPr txBox="1"/>
-          <p:nvPr/>
-        </p:nvSpPr>
-        <p:spPr>
-          <a:xfrm>
-            <a:off x="335999" y="1800000"/>
-            <a:ext cx="11520000" cy="2431435"/>
-          </a:xfrm>
-          <a:prstGeom prst="rect">
-            <a:avLst/>
-          </a:prstGeom>
-          <a:noFill/>
-        </p:spPr>
-        <p:txBody>
-          <a:bodyPr wrap="square" rtlCol="0">
-            <a:spAutoFit/>
-          </a:bodyPr>
-          <a:lstStyle/>
-          <a:p>
-            <a:pPr marL="342900" indent="-342900" algn="just">
-              <a:buFont typeface="Wingdings" panose="05000000000000000000" pitchFamily="2" charset="2"/>
-              <a:buChar char="Ø"/>
-            </a:pPr>
-            <a:r>
-              <a:rPr lang="uk-UA" sz="2400" dirty="0" smtClean="0">
-                <a:gradFill flip="none" rotWithShape="1">
-                  <a:gsLst>
-                    <a:gs pos="100000">
-                      <a:schemeClr val="tx1">
-                        <a:lumMod val="85000"/>
-                        <a:lumOff val="15000"/>
-                      </a:schemeClr>
-                    </a:gs>
-                    <a:gs pos="0">
-                      <a:schemeClr val="tx1">
-                        <a:lumMod val="95000"/>
-                        <a:lumOff val="5000"/>
-                      </a:schemeClr>
-                    </a:gs>
-                  </a:gsLst>
-                  <a:lin ang="18900000" scaled="1"/>
-                  <a:tileRect/>
-                </a:gradFill>
-                <a:latin typeface="Tahoma" panose="020B0604030504040204" pitchFamily="34" charset="0"/>
-                <a:ea typeface="Tahoma" panose="020B0604030504040204" pitchFamily="34" charset="0"/>
-                <a:cs typeface="Tahoma" panose="020B0604030504040204" pitchFamily="34" charset="0"/>
-              </a:rPr>
-              <a:t>Реєстрація бізнесу, оформлення дозвільної документації – 8 000 грн</a:t>
-            </a:r>
-          </a:p>
-          <a:p>
-            <a:pPr marL="342900" indent="-342900" algn="just">
-              <a:buFont typeface="Wingdings" panose="05000000000000000000" pitchFamily="2" charset="2"/>
-              <a:buChar char="Ø"/>
-            </a:pPr>
-            <a:r>
-              <a:rPr lang="uk-UA" sz="2400" dirty="0" smtClean="0">
-                <a:gradFill flip="none" rotWithShape="1">
-                  <a:gsLst>
-                    <a:gs pos="100000">
-                      <a:schemeClr val="tx1">
-                        <a:lumMod val="85000"/>
-                        <a:lumOff val="15000"/>
-                      </a:schemeClr>
-                    </a:gs>
-                    <a:gs pos="0">
-                      <a:schemeClr val="tx1">
-                        <a:lumMod val="95000"/>
-                        <a:lumOff val="5000"/>
-                      </a:schemeClr>
-                    </a:gs>
-                  </a:gsLst>
-                  <a:lin ang="18900000" scaled="1"/>
-                  <a:tileRect/>
-                </a:gradFill>
-                <a:latin typeface="Tahoma" panose="020B0604030504040204" pitchFamily="34" charset="0"/>
-                <a:ea typeface="Tahoma" panose="020B0604030504040204" pitchFamily="34" charset="0"/>
-                <a:cs typeface="Tahoma" panose="020B0604030504040204" pitchFamily="34" charset="0"/>
-              </a:rPr>
-              <a:t>Інженерне та технологічні проектування, ремонт та облаштування приміщення відповідно до обов'язкових вимог– 16 000 грн</a:t>
-            </a:r>
-          </a:p>
-          <a:p>
-            <a:pPr marL="342900" indent="-342900" algn="just">
-              <a:buFont typeface="Wingdings" panose="05000000000000000000" pitchFamily="2" charset="2"/>
-              <a:buChar char="Ø"/>
-            </a:pPr>
-            <a:r>
-              <a:rPr lang="uk-UA" sz="2400" dirty="0" smtClean="0">
-                <a:gradFill flip="none" rotWithShape="1">
-                  <a:gsLst>
-                    <a:gs pos="100000">
-                      <a:schemeClr val="tx1">
-                        <a:lumMod val="85000"/>
-                        <a:lumOff val="15000"/>
-                      </a:schemeClr>
-                    </a:gs>
-                    <a:gs pos="0">
-                      <a:schemeClr val="tx1">
-                        <a:lumMod val="95000"/>
-                        <a:lumOff val="5000"/>
-                      </a:schemeClr>
-                    </a:gs>
-                  </a:gsLst>
-                  <a:lin ang="18900000" scaled="1"/>
-                  <a:tileRect/>
-                </a:gradFill>
-                <a:latin typeface="Tahoma" panose="020B0604030504040204" pitchFamily="34" charset="0"/>
-                <a:ea typeface="Tahoma" panose="020B0604030504040204" pitchFamily="34" charset="0"/>
-                <a:cs typeface="Tahoma" panose="020B0604030504040204" pitchFamily="34" charset="0"/>
-              </a:rPr>
-              <a:t>Закупівля необхідного обладнання, інструментів та меблів – 40 000 грн</a:t>
-            </a:r>
-          </a:p>
-          <a:p>
-            <a:pPr algn="just"/>
-            <a:endParaRPr lang="uk-UA" sz="2400" dirty="0" smtClean="0">
-              <a:gradFill flip="none" rotWithShape="1">
-                <a:gsLst>
-                  <a:gs pos="100000">
-                    <a:schemeClr val="tx1">
-                      <a:lumMod val="85000"/>
-                      <a:lumOff val="15000"/>
-                    </a:schemeClr>
-                  </a:gs>
-                  <a:gs pos="0">
-                    <a:schemeClr val="tx1">
-                      <a:lumMod val="95000"/>
-                      <a:lumOff val="5000"/>
-                    </a:schemeClr>
-                  </a:gs>
-                </a:gsLst>
-                <a:lin ang="18900000" scaled="1"/>
-                <a:tileRect/>
-              </a:gradFill>
-              <a:latin typeface="Tahoma" panose="020B0604030504040204" pitchFamily="34" charset="0"/>
-              <a:ea typeface="Tahoma" panose="020B0604030504040204" pitchFamily="34" charset="0"/>
-              <a:cs typeface="Tahoma" panose="020B0604030504040204" pitchFamily="34" charset="0"/>
-            </a:endParaRPr>
-          </a:p>
-          <a:p>
-            <a:pPr algn="just"/>
-            <a:r>
-              <a:rPr lang="uk-UA" sz="3200" b="1" dirty="0" smtClean="0">
-                <a:gradFill flip="none" rotWithShape="1">
-                  <a:gsLst>
-                    <a:gs pos="16000">
-                      <a:srgbClr val="276399"/>
-                    </a:gs>
-                    <a:gs pos="100000">
-                      <a:srgbClr val="5380FF"/>
-                    </a:gs>
-                  </a:gsLst>
-                  <a:lin ang="18900000" scaled="1"/>
-                  <a:tileRect/>
-                </a:gradFill>
-                <a:latin typeface="Segoe Print" panose="02000600000000000000" pitchFamily="2" charset="0"/>
-                <a:ea typeface="Open Sans" panose="020B0606030504020204" pitchFamily="34" charset="0"/>
-                <a:cs typeface="Open Sans" panose="020B0606030504020204" pitchFamily="34" charset="0"/>
-              </a:rPr>
-              <a:t>Разом 165 020 грн</a:t>
-            </a:r>
-            <a:endParaRPr lang="uk-UA" sz="3200" b="1" dirty="0">
-              <a:gradFill flip="none" rotWithShape="1">
-                <a:gsLst>
-                  <a:gs pos="100000">
-                    <a:schemeClr val="tx1">
-                      <a:lumMod val="85000"/>
-                      <a:lumOff val="15000"/>
-                    </a:schemeClr>
-                  </a:gs>
-                  <a:gs pos="0">
-                    <a:schemeClr val="tx1">
-                      <a:lumMod val="95000"/>
-                      <a:lumOff val="5000"/>
-                    </a:schemeClr>
-                  </a:gs>
-                </a:gsLst>
-                <a:lin ang="18900000" scaled="1"/>
-                <a:tileRect/>
-              </a:gradFill>
-              <a:latin typeface="Tahoma" panose="020B0604030504040204" pitchFamily="34" charset="0"/>
-              <a:ea typeface="Tahoma" panose="020B0604030504040204" pitchFamily="34" charset="0"/>
-              <a:cs typeface="Tahoma" panose="020B0604030504040204" pitchFamily="34" charset="0"/>
-            </a:endParaRPr>
-          </a:p>
-        </p:txBody>
-      </p:sp>
-    </p:spTree>
-    <p:extLst>
-      <p:ext uri="{BB962C8B-B14F-4D97-AF65-F5344CB8AC3E}">
-        <p14:creationId xmlns:p14="http://schemas.microsoft.com/office/powerpoint/2010/main" val="2745074324"/>
-      </p:ext>
-    </p:extLst>
-  </p:cSld>
-  <p:clrMapOvr>
-    <a:masterClrMapping/>
-  </p:clrMapOvr>
-  <p:transition spd="med">
-    <p:pull/>
-  </p:transition>
-  <p:timing>
-    <p:tnLst>
-      <p:par>
-        <p:cTn id="1" dur="indefinite" restart="never" nodeType="tmRoot"/>
-      </p:par>
-    </p:tnLst>
-  </p:timing>
 </p:sld>
 </file>
 

--- a/diplomna.pptx
+++ b/diplomna.pptx
@@ -35,7 +35,7 @@
       <p:bold r:id="rId21"/>
     </p:embeddedFont>
     <p:embeddedFont>
-      <p:font typeface="Open Sans" pitchFamily="34" charset="0"/>
+      <p:font typeface="Open Sans" charset="0"/>
       <p:regular r:id="rId22"/>
       <p:bold r:id="rId23"/>
       <p:italic r:id="rId24"/>
@@ -245,7 +245,7 @@
             <a:fld id="{34ECBCA9-90F6-4EB5-BA36-98AE7DDCEFD0}" type="datetimeFigureOut">
               <a:rPr lang="ru-RU" smtClean="0"/>
               <a:pPr/>
-              <a:t>21.04.2021</a:t>
+              <a:t>10.06.2021</a:t>
             </a:fld>
             <a:endParaRPr lang="ru-RU" dirty="0"/>
           </a:p>
@@ -728,7 +728,7 @@
             <a:fld id="{EF786B2F-4D74-4715-9B36-473B5F938BB9}" type="datetimeFigureOut">
               <a:rPr lang="ru-RU" smtClean="0"/>
               <a:pPr/>
-              <a:t>21.04.2021</a:t>
+              <a:t>10.06.2021</a:t>
             </a:fld>
             <a:endParaRPr lang="ru-RU" dirty="0"/>
           </a:p>
@@ -898,7 +898,7 @@
             <a:fld id="{EF786B2F-4D74-4715-9B36-473B5F938BB9}" type="datetimeFigureOut">
               <a:rPr lang="ru-RU" smtClean="0"/>
               <a:pPr/>
-              <a:t>21.04.2021</a:t>
+              <a:t>10.06.2021</a:t>
             </a:fld>
             <a:endParaRPr lang="ru-RU" dirty="0"/>
           </a:p>
@@ -1078,7 +1078,7 @@
             <a:fld id="{EF786B2F-4D74-4715-9B36-473B5F938BB9}" type="datetimeFigureOut">
               <a:rPr lang="ru-RU" smtClean="0"/>
               <a:pPr/>
-              <a:t>21.04.2021</a:t>
+              <a:t>10.06.2021</a:t>
             </a:fld>
             <a:endParaRPr lang="ru-RU" dirty="0"/>
           </a:p>
@@ -1248,7 +1248,7 @@
             <a:fld id="{EF786B2F-4D74-4715-9B36-473B5F938BB9}" type="datetimeFigureOut">
               <a:rPr lang="ru-RU" smtClean="0"/>
               <a:pPr/>
-              <a:t>21.04.2021</a:t>
+              <a:t>10.06.2021</a:t>
             </a:fld>
             <a:endParaRPr lang="ru-RU" dirty="0"/>
           </a:p>
@@ -1495,7 +1495,7 @@
             <a:fld id="{EF786B2F-4D74-4715-9B36-473B5F938BB9}" type="datetimeFigureOut">
               <a:rPr lang="ru-RU" smtClean="0"/>
               <a:pPr/>
-              <a:t>21.04.2021</a:t>
+              <a:t>10.06.2021</a:t>
             </a:fld>
             <a:endParaRPr lang="ru-RU" dirty="0"/>
           </a:p>
@@ -1726,7 +1726,7 @@
             <a:fld id="{EF786B2F-4D74-4715-9B36-473B5F938BB9}" type="datetimeFigureOut">
               <a:rPr lang="ru-RU" smtClean="0"/>
               <a:pPr/>
-              <a:t>21.04.2021</a:t>
+              <a:t>10.06.2021</a:t>
             </a:fld>
             <a:endParaRPr lang="ru-RU" dirty="0"/>
           </a:p>
@@ -2092,7 +2092,7 @@
             <a:fld id="{EF786B2F-4D74-4715-9B36-473B5F938BB9}" type="datetimeFigureOut">
               <a:rPr lang="ru-RU" smtClean="0"/>
               <a:pPr/>
-              <a:t>21.04.2021</a:t>
+              <a:t>10.06.2021</a:t>
             </a:fld>
             <a:endParaRPr lang="ru-RU" dirty="0"/>
           </a:p>
@@ -2211,7 +2211,7 @@
             <a:fld id="{EF786B2F-4D74-4715-9B36-473B5F938BB9}" type="datetimeFigureOut">
               <a:rPr lang="ru-RU" smtClean="0"/>
               <a:pPr/>
-              <a:t>21.04.2021</a:t>
+              <a:t>10.06.2021</a:t>
             </a:fld>
             <a:endParaRPr lang="ru-RU" dirty="0"/>
           </a:p>
@@ -2308,7 +2308,7 @@
             <a:fld id="{EF786B2F-4D74-4715-9B36-473B5F938BB9}" type="datetimeFigureOut">
               <a:rPr lang="ru-RU" smtClean="0"/>
               <a:pPr/>
-              <a:t>21.04.2021</a:t>
+              <a:t>10.06.2021</a:t>
             </a:fld>
             <a:endParaRPr lang="ru-RU" dirty="0"/>
           </a:p>
@@ -2585,7 +2585,7 @@
             <a:fld id="{EF786B2F-4D74-4715-9B36-473B5F938BB9}" type="datetimeFigureOut">
               <a:rPr lang="ru-RU" smtClean="0"/>
               <a:pPr/>
-              <a:t>21.04.2021</a:t>
+              <a:t>10.06.2021</a:t>
             </a:fld>
             <a:endParaRPr lang="ru-RU" dirty="0"/>
           </a:p>
@@ -2839,7 +2839,7 @@
             <a:fld id="{EF786B2F-4D74-4715-9B36-473B5F938BB9}" type="datetimeFigureOut">
               <a:rPr lang="ru-RU" smtClean="0"/>
               <a:pPr/>
-              <a:t>21.04.2021</a:t>
+              <a:t>10.06.2021</a:t>
             </a:fld>
             <a:endParaRPr lang="ru-RU" dirty="0"/>
           </a:p>
@@ -3069,7 +3069,7 @@
             <a:fld id="{EF786B2F-4D74-4715-9B36-473B5F938BB9}" type="datetimeFigureOut">
               <a:rPr lang="ru-RU" smtClean="0"/>
               <a:pPr/>
-              <a:t>21.04.2021</a:t>
+              <a:t>10.06.2021</a:t>
             </a:fld>
             <a:endParaRPr lang="ru-RU" dirty="0"/>
           </a:p>
@@ -4385,9 +4385,9 @@
                             <a:schemeClr val="tx1"/>
                           </a:solidFill>
                           <a:effectLst/>
-                          <a:latin typeface="Open Sans" panose="020B0606030504020204" pitchFamily="34" charset="0"/>
-                          <a:ea typeface="Open Sans" panose="020B0606030504020204" pitchFamily="34" charset="0"/>
-                          <a:cs typeface="Open Sans" panose="020B0606030504020204" pitchFamily="34" charset="0"/>
+                          <a:latin typeface="Tahoma" pitchFamily="34" charset="0"/>
+                          <a:ea typeface="Tahoma" pitchFamily="34" charset="0"/>
+                          <a:cs typeface="Tahoma" pitchFamily="34" charset="0"/>
                         </a:rPr>
                         <a:t>Послуга</a:t>
                       </a:r>
@@ -4396,9 +4396,9 @@
                           <a:schemeClr val="tx1"/>
                         </a:solidFill>
                         <a:effectLst/>
-                        <a:latin typeface="Open Sans" panose="020B0606030504020204" pitchFamily="34" charset="0"/>
-                        <a:ea typeface="Open Sans" panose="020B0606030504020204" pitchFamily="34" charset="0"/>
-                        <a:cs typeface="Open Sans" panose="020B0606030504020204" pitchFamily="34" charset="0"/>
+                        <a:latin typeface="Tahoma" pitchFamily="34" charset="0"/>
+                        <a:ea typeface="Tahoma" pitchFamily="34" charset="0"/>
+                        <a:cs typeface="Tahoma" pitchFamily="34" charset="0"/>
                       </a:endParaRPr>
                     </a:p>
                   </a:txBody>
@@ -4422,9 +4422,9 @@
                             <a:schemeClr val="tx1"/>
                           </a:solidFill>
                           <a:effectLst/>
-                          <a:latin typeface="Open Sans" panose="020B0606030504020204" pitchFamily="34" charset="0"/>
-                          <a:ea typeface="Open Sans" panose="020B0606030504020204" pitchFamily="34" charset="0"/>
-                          <a:cs typeface="Open Sans" panose="020B0606030504020204" pitchFamily="34" charset="0"/>
+                          <a:latin typeface="Tahoma" pitchFamily="34" charset="0"/>
+                          <a:ea typeface="Tahoma" pitchFamily="34" charset="0"/>
+                          <a:cs typeface="Tahoma" pitchFamily="34" charset="0"/>
                         </a:rPr>
                         <a:t>Вартість</a:t>
                       </a:r>
@@ -4433,9 +4433,9 @@
                           <a:schemeClr val="tx1"/>
                         </a:solidFill>
                         <a:effectLst/>
-                        <a:latin typeface="Open Sans" panose="020B0606030504020204" pitchFamily="34" charset="0"/>
-                        <a:ea typeface="Open Sans" panose="020B0606030504020204" pitchFamily="34" charset="0"/>
-                        <a:cs typeface="Open Sans" panose="020B0606030504020204" pitchFamily="34" charset="0"/>
+                        <a:latin typeface="Tahoma" pitchFamily="34" charset="0"/>
+                        <a:ea typeface="Tahoma" pitchFamily="34" charset="0"/>
+                        <a:cs typeface="Tahoma" pitchFamily="34" charset="0"/>
                       </a:endParaRPr>
                     </a:p>
                   </a:txBody>
@@ -4499,7 +4499,7 @@
                           <a:ea typeface="Tahoma" panose="020B0604030504040204" pitchFamily="34" charset="0"/>
                           <a:cs typeface="Tahoma" panose="020B0604030504040204" pitchFamily="34" charset="0"/>
                         </a:rPr>
-                        <a:t>8 </a:t>
+                        <a:t>4 </a:t>
                       </a:r>
                       <a:r>
                         <a:rPr lang="uk-UA" sz="1800" noProof="0" dirty="0">
@@ -4559,16 +4559,10 @@
                     <a:p>
                       <a:pPr algn="ctr"/>
                       <a:r>
-                        <a:rPr lang="uk-UA" sz="1800" noProof="0" dirty="0" smtClean="0">
-                          <a:latin typeface="Segoe Print" panose="02000600000000000000" pitchFamily="2" charset="0"/>
-                        </a:rPr>
-                        <a:t>1</a:t>
-                      </a:r>
-                      <a:r>
                         <a:rPr lang="en-US" sz="1800" noProof="0" dirty="0" smtClean="0">
                           <a:latin typeface="Segoe Print" panose="02000600000000000000" pitchFamily="2" charset="0"/>
                         </a:rPr>
-                        <a:t>2</a:t>
+                        <a:t>7</a:t>
                       </a:r>
                       <a:r>
                         <a:rPr lang="uk-UA" sz="1800" noProof="0" dirty="0" smtClean="0">
@@ -4634,7 +4628,7 @@
                         <a:rPr lang="en-US" sz="1800" noProof="0" dirty="0" smtClean="0">
                           <a:latin typeface="Segoe Print" panose="02000600000000000000" pitchFamily="2" charset="0"/>
                         </a:rPr>
-                        <a:t>76 800 </a:t>
+                        <a:t>53 000 </a:t>
                       </a:r>
                       <a:r>
                         <a:rPr lang="uk-UA" sz="1800" noProof="0" dirty="0">
@@ -4749,7 +4743,7 @@
                           <a:ea typeface="Tahoma" panose="020B0604030504040204" pitchFamily="34" charset="0"/>
                           <a:cs typeface="Tahoma" panose="020B0604030504040204" pitchFamily="34" charset="0"/>
                         </a:rPr>
-                        <a:t>96</a:t>
+                        <a:t>64</a:t>
                       </a:r>
                       <a:r>
                         <a:rPr lang="uk-UA" sz="2000" baseline="0" noProof="0" dirty="0" smtClean="0">
@@ -4776,30 +4770,6 @@
                         <a:t> </a:t>
                       </a:r>
                       <a:r>
-                        <a:rPr lang="en-US" sz="2000" baseline="0" noProof="0" dirty="0" smtClean="0">
-                          <a:gradFill flip="none" rotWithShape="1">
-                            <a:gsLst>
-                              <a:gs pos="0">
-                                <a:schemeClr val="tx1"/>
-                              </a:gs>
-                              <a:gs pos="100000">
-                                <a:schemeClr val="tx1">
-                                  <a:lumMod val="85000"/>
-                                  <a:lumOff val="15000"/>
-                                </a:schemeClr>
-                              </a:gs>
-                            </a:gsLst>
-                            <a:lin ang="16200000" scaled="1"/>
-                            <a:tileRect/>
-                          </a:gradFill>
-                          <a:effectLst/>
-                          <a:latin typeface="Tahoma" panose="020B0604030504040204" pitchFamily="34" charset="0"/>
-                          <a:ea typeface="Tahoma" panose="020B0604030504040204" pitchFamily="34" charset="0"/>
-                          <a:cs typeface="Tahoma" panose="020B0604030504040204" pitchFamily="34" charset="0"/>
-                        </a:rPr>
-                        <a:t>8</a:t>
-                      </a:r>
-                      <a:r>
                         <a:rPr lang="uk-UA" sz="2000" baseline="0" noProof="0" dirty="0" smtClean="0">
                           <a:gradFill flip="none" rotWithShape="1">
                             <a:gsLst>
@@ -4821,7 +4791,7 @@
                           <a:ea typeface="Tahoma" panose="020B0604030504040204" pitchFamily="34" charset="0"/>
                           <a:cs typeface="Tahoma" panose="020B0604030504040204" pitchFamily="34" charset="0"/>
                         </a:rPr>
-                        <a:t>00</a:t>
+                        <a:t>000</a:t>
                       </a:r>
                       <a:r>
                         <a:rPr lang="uk-UA" sz="2000" noProof="0" dirty="0" smtClean="0">
@@ -5276,9 +5246,9 @@
                             <a:schemeClr val="tx1"/>
                           </a:solidFill>
                           <a:effectLst/>
-                          <a:latin typeface="Open Sans" panose="020B0606030504020204" pitchFamily="34" charset="0"/>
-                          <a:ea typeface="Open Sans" panose="020B0606030504020204" pitchFamily="34" charset="0"/>
-                          <a:cs typeface="Open Sans" panose="020B0606030504020204" pitchFamily="34" charset="0"/>
+                          <a:latin typeface="Tahoma" pitchFamily="34" charset="0"/>
+                          <a:ea typeface="Tahoma" pitchFamily="34" charset="0"/>
+                          <a:cs typeface="Tahoma" pitchFamily="34" charset="0"/>
                         </a:rPr>
                         <a:t>Послуга</a:t>
                       </a:r>
@@ -5287,9 +5257,9 @@
                           <a:schemeClr val="tx1"/>
                         </a:solidFill>
                         <a:effectLst/>
-                        <a:latin typeface="Open Sans" panose="020B0606030504020204" pitchFamily="34" charset="0"/>
-                        <a:ea typeface="Open Sans" panose="020B0606030504020204" pitchFamily="34" charset="0"/>
-                        <a:cs typeface="Open Sans" panose="020B0606030504020204" pitchFamily="34" charset="0"/>
+                        <a:latin typeface="Tahoma" pitchFamily="34" charset="0"/>
+                        <a:ea typeface="Tahoma" pitchFamily="34" charset="0"/>
+                        <a:cs typeface="Tahoma" pitchFamily="34" charset="0"/>
                       </a:endParaRPr>
                     </a:p>
                   </a:txBody>
@@ -5313,9 +5283,9 @@
                             <a:schemeClr val="tx1"/>
                           </a:solidFill>
                           <a:effectLst/>
-                          <a:latin typeface="Open Sans" panose="020B0606030504020204" pitchFamily="34" charset="0"/>
-                          <a:ea typeface="Open Sans" panose="020B0606030504020204" pitchFamily="34" charset="0"/>
-                          <a:cs typeface="Open Sans" panose="020B0606030504020204" pitchFamily="34" charset="0"/>
+                          <a:latin typeface="Tahoma" pitchFamily="34" charset="0"/>
+                          <a:ea typeface="Tahoma" pitchFamily="34" charset="0"/>
+                          <a:cs typeface="Tahoma" pitchFamily="34" charset="0"/>
                         </a:rPr>
                         <a:t>Вартість</a:t>
                       </a:r>
@@ -5324,9 +5294,9 @@
                           <a:schemeClr val="tx1"/>
                         </a:solidFill>
                         <a:effectLst/>
-                        <a:latin typeface="Open Sans" panose="020B0606030504020204" pitchFamily="34" charset="0"/>
-                        <a:ea typeface="Open Sans" panose="020B0606030504020204" pitchFamily="34" charset="0"/>
-                        <a:cs typeface="Open Sans" panose="020B0606030504020204" pitchFamily="34" charset="0"/>
+                        <a:latin typeface="Tahoma" pitchFamily="34" charset="0"/>
+                        <a:ea typeface="Tahoma" pitchFamily="34" charset="0"/>
+                        <a:cs typeface="Tahoma" pitchFamily="34" charset="0"/>
                       </a:endParaRPr>
                     </a:p>
                   </a:txBody>
@@ -5384,22 +5354,13 @@
                     <a:p>
                       <a:pPr algn="ctr"/>
                       <a:r>
-                        <a:rPr lang="en-US" sz="1800" noProof="0" dirty="0" smtClean="0">
-                          <a:effectLst/>
-                          <a:latin typeface="Segoe Print" panose="02000600000000000000" pitchFamily="2" charset="0"/>
-                          <a:ea typeface="Tahoma" panose="020B0604030504040204" pitchFamily="34" charset="0"/>
-                          <a:cs typeface="Tahoma" panose="020B0604030504040204" pitchFamily="34" charset="0"/>
-                        </a:rPr>
-                        <a:t>6</a:t>
-                      </a:r>
-                      <a:r>
                         <a:rPr lang="uk-UA" sz="1800" noProof="0" dirty="0" smtClean="0">
                           <a:effectLst/>
                           <a:latin typeface="Segoe Print" panose="02000600000000000000" pitchFamily="2" charset="0"/>
                           <a:ea typeface="Tahoma" panose="020B0604030504040204" pitchFamily="34" charset="0"/>
                           <a:cs typeface="Tahoma" panose="020B0604030504040204" pitchFamily="34" charset="0"/>
                         </a:rPr>
-                        <a:t> </a:t>
+                        <a:t>5 </a:t>
                       </a:r>
                       <a:r>
                         <a:rPr lang="uk-UA" sz="1800" noProof="0" dirty="0">
@@ -5468,19 +5429,7 @@
                         <a:rPr lang="uk-UA" sz="1800" noProof="0" dirty="0" smtClean="0">
                           <a:latin typeface="Segoe Print" panose="02000600000000000000" pitchFamily="2" charset="0"/>
                         </a:rPr>
-                        <a:t> </a:t>
-                      </a:r>
-                      <a:r>
-                        <a:rPr lang="en-US" sz="1800" noProof="0" dirty="0" smtClean="0">
-                          <a:latin typeface="Segoe Print" panose="02000600000000000000" pitchFamily="2" charset="0"/>
-                        </a:rPr>
-                        <a:t>6</a:t>
-                      </a:r>
-                      <a:r>
-                        <a:rPr lang="uk-UA" sz="1800" noProof="0" dirty="0" smtClean="0">
-                          <a:latin typeface="Segoe Print" panose="02000600000000000000" pitchFamily="2" charset="0"/>
-                        </a:rPr>
-                        <a:t>00 </a:t>
+                        <a:t> 000 </a:t>
                       </a:r>
                       <a:r>
                         <a:rPr lang="uk-UA" sz="1800" noProof="0" dirty="0">
@@ -5536,10 +5485,28 @@
                     <a:p>
                       <a:pPr algn="ctr"/>
                       <a:r>
+                        <a:rPr lang="ru-RU" sz="1800" noProof="0" dirty="0" smtClean="0">
+                          <a:latin typeface="Segoe Print" panose="02000600000000000000" pitchFamily="2" charset="0"/>
+                        </a:rPr>
+                        <a:t>1</a:t>
+                      </a:r>
+                      <a:r>
                         <a:rPr lang="en-US" sz="1800" noProof="0" dirty="0" smtClean="0">
                           <a:latin typeface="Segoe Print" panose="02000600000000000000" pitchFamily="2" charset="0"/>
                         </a:rPr>
-                        <a:t>2 650 </a:t>
+                        <a:t> </a:t>
+                      </a:r>
+                      <a:r>
+                        <a:rPr lang="uk-UA" sz="1800" noProof="0" dirty="0" smtClean="0">
+                          <a:latin typeface="Segoe Print" panose="02000600000000000000" pitchFamily="2" charset="0"/>
+                        </a:rPr>
+                        <a:t>2</a:t>
+                      </a:r>
+                      <a:r>
+                        <a:rPr lang="en-US" sz="1800" noProof="0" dirty="0" smtClean="0">
+                          <a:latin typeface="Segoe Print" panose="02000600000000000000" pitchFamily="2" charset="0"/>
+                        </a:rPr>
+                        <a:t>40 </a:t>
                       </a:r>
                       <a:r>
                         <a:rPr lang="uk-UA" sz="1800" noProof="0" dirty="0" smtClean="0">
@@ -5593,10 +5560,10 @@
                     <a:p>
                       <a:pPr algn="ctr"/>
                       <a:r>
-                        <a:rPr lang="en-US" sz="1800" noProof="0" dirty="0" smtClean="0">
+                        <a:rPr lang="ru-RU" sz="1800" noProof="0" dirty="0" smtClean="0">
                           <a:latin typeface="Segoe Print" panose="02000600000000000000" pitchFamily="2" charset="0"/>
                         </a:rPr>
-                        <a:t>47</a:t>
+                        <a:t>30</a:t>
                       </a:r>
                       <a:r>
                         <a:rPr lang="uk-UA" sz="1800" noProof="0" dirty="0" smtClean="0">
@@ -5653,7 +5620,7 @@
                         <a:rPr lang="en-US" sz="1800" noProof="0" dirty="0" smtClean="0">
                           <a:latin typeface="Segoe Print" panose="02000600000000000000" pitchFamily="2" charset="0"/>
                         </a:rPr>
-                        <a:t>6</a:t>
+                        <a:t>5</a:t>
                       </a:r>
                       <a:r>
                         <a:rPr lang="uk-UA" sz="1800" noProof="0" dirty="0" smtClean="0">
@@ -5707,10 +5674,34 @@
                     <a:p>
                       <a:pPr algn="ctr"/>
                       <a:r>
+                        <a:rPr lang="en-US" sz="1800" noProof="0" dirty="0" smtClean="0">
+                          <a:latin typeface="Segoe Print" panose="02000600000000000000" pitchFamily="2" charset="0"/>
+                        </a:rPr>
+                        <a:t>3</a:t>
+                      </a:r>
+                      <a:r>
                         <a:rPr lang="uk-UA" sz="1800" noProof="0" dirty="0" smtClean="0">
                           <a:latin typeface="Segoe Print" panose="02000600000000000000" pitchFamily="2" charset="0"/>
                         </a:rPr>
-                        <a:t>3 169 грн</a:t>
+                        <a:t> </a:t>
+                      </a:r>
+                      <a:r>
+                        <a:rPr lang="en-US" sz="1800" noProof="0" dirty="0" smtClean="0">
+                          <a:latin typeface="Segoe Print" panose="02000600000000000000" pitchFamily="2" charset="0"/>
+                        </a:rPr>
+                        <a:t>218</a:t>
+                      </a:r>
+                      <a:r>
+                        <a:rPr lang="uk-UA" sz="1800" noProof="0" dirty="0" smtClean="0">
+                          <a:latin typeface="Segoe Print" panose="02000600000000000000" pitchFamily="2" charset="0"/>
+                        </a:rPr>
+                        <a:t> </a:t>
+                      </a:r>
+                      <a:r>
+                        <a:rPr lang="uk-UA" sz="1800" noProof="0" dirty="0" smtClean="0">
+                          <a:latin typeface="Segoe Print" panose="02000600000000000000" pitchFamily="2" charset="0"/>
+                        </a:rPr>
+                        <a:t>грн</a:t>
                       </a:r>
                       <a:endParaRPr lang="uk-UA" sz="1800" noProof="0" dirty="0">
                         <a:latin typeface="Segoe Print" panose="02000600000000000000" pitchFamily="2" charset="0"/>
@@ -5795,30 +5786,6 @@
                     <a:p>
                       <a:pPr algn="ctr"/>
                       <a:r>
-                        <a:rPr lang="en-US" sz="2000" noProof="0" dirty="0" smtClean="0">
-                          <a:gradFill flip="none" rotWithShape="1">
-                            <a:gsLst>
-                              <a:gs pos="0">
-                                <a:schemeClr val="tx1"/>
-                              </a:gs>
-                              <a:gs pos="100000">
-                                <a:schemeClr val="tx1">
-                                  <a:lumMod val="85000"/>
-                                  <a:lumOff val="15000"/>
-                                </a:schemeClr>
-                              </a:gs>
-                            </a:gsLst>
-                            <a:lin ang="16200000" scaled="1"/>
-                            <a:tileRect/>
-                          </a:gradFill>
-                          <a:effectLst/>
-                          <a:latin typeface="Tahoma" panose="020B0604030504040204" pitchFamily="34" charset="0"/>
-                          <a:ea typeface="Tahoma" panose="020B0604030504040204" pitchFamily="34" charset="0"/>
-                          <a:cs typeface="Tahoma" panose="020B0604030504040204" pitchFamily="34" charset="0"/>
-                        </a:rPr>
-                        <a:t>6</a:t>
-                      </a:r>
-                      <a:r>
                         <a:rPr lang="uk-UA" sz="2000" noProof="0" dirty="0" smtClean="0">
                           <a:gradFill flip="none" rotWithShape="1">
                             <a:gsLst>
@@ -5840,55 +5807,7 @@
                           <a:ea typeface="Tahoma" panose="020B0604030504040204" pitchFamily="34" charset="0"/>
                           <a:cs typeface="Tahoma" panose="020B0604030504040204" pitchFamily="34" charset="0"/>
                         </a:rPr>
-                        <a:t>7</a:t>
-                      </a:r>
-                      <a:r>
-                        <a:rPr lang="uk-UA" sz="2000" baseline="0" noProof="0" dirty="0" smtClean="0">
-                          <a:gradFill flip="none" rotWithShape="1">
-                            <a:gsLst>
-                              <a:gs pos="0">
-                                <a:schemeClr val="tx1"/>
-                              </a:gs>
-                              <a:gs pos="100000">
-                                <a:schemeClr val="tx1">
-                                  <a:lumMod val="85000"/>
-                                  <a:lumOff val="15000"/>
-                                </a:schemeClr>
-                              </a:gs>
-                            </a:gsLst>
-                            <a:lin ang="16200000" scaled="1"/>
-                            <a:tileRect/>
-                          </a:gradFill>
-                          <a:effectLst/>
-                          <a:latin typeface="Tahoma" panose="020B0604030504040204" pitchFamily="34" charset="0"/>
-                          <a:ea typeface="Tahoma" panose="020B0604030504040204" pitchFamily="34" charset="0"/>
-                          <a:cs typeface="Tahoma" panose="020B0604030504040204" pitchFamily="34" charset="0"/>
-                        </a:rPr>
-                        <a:t> 419</a:t>
-                      </a:r>
-                      <a:r>
-                        <a:rPr lang="uk-UA" sz="2000" noProof="0" dirty="0" smtClean="0">
-                          <a:gradFill flip="none" rotWithShape="1">
-                            <a:gsLst>
-                              <a:gs pos="0">
-                                <a:schemeClr val="tx1"/>
-                              </a:gs>
-                              <a:gs pos="100000">
-                                <a:schemeClr val="tx1">
-                                  <a:lumMod val="85000"/>
-                                  <a:lumOff val="15000"/>
-                                </a:schemeClr>
-                              </a:gs>
-                            </a:gsLst>
-                            <a:lin ang="16200000" scaled="1"/>
-                            <a:tileRect/>
-                          </a:gradFill>
-                          <a:effectLst/>
-                          <a:latin typeface="Tahoma" panose="020B0604030504040204" pitchFamily="34" charset="0"/>
-                          <a:ea typeface="Tahoma" panose="020B0604030504040204" pitchFamily="34" charset="0"/>
-                          <a:cs typeface="Tahoma" panose="020B0604030504040204" pitchFamily="34" charset="0"/>
-                        </a:rPr>
-                        <a:t> </a:t>
+                        <a:t>46 458 </a:t>
                       </a:r>
                       <a:r>
                         <a:rPr lang="uk-UA" sz="2000" i="0" noProof="0" dirty="0">
@@ -6237,7 +6156,7 @@
                 <a:ea typeface="Tahoma" panose="020B0604030504040204" pitchFamily="34" charset="0"/>
                 <a:cs typeface="Tahoma" panose="020B0604030504040204" pitchFamily="34" charset="0"/>
               </a:rPr>
-              <a:t>114</a:t>
+              <a:t>107</a:t>
             </a:r>
             <a:r>
               <a:rPr lang="uk-UA" sz="2800" b="1" dirty="0">
@@ -6263,7 +6182,7 @@
               <a:t> </a:t>
             </a:r>
             <a:r>
-              <a:rPr lang="uk-UA" sz="2800" b="1" dirty="0" smtClean="0">
+              <a:rPr lang="en-US" sz="2800" b="1" dirty="0" smtClean="0">
                 <a:gradFill flip="none" rotWithShape="1">
                   <a:gsLst>
                     <a:gs pos="0">
@@ -6283,30 +6202,7 @@
                 <a:ea typeface="Tahoma" panose="020B0604030504040204" pitchFamily="34" charset="0"/>
                 <a:cs typeface="Tahoma" panose="020B0604030504040204" pitchFamily="34" charset="0"/>
               </a:rPr>
-              <a:t>0</a:t>
-            </a:r>
-            <a:r>
-              <a:rPr lang="en-US" sz="2800" b="1" dirty="0" smtClean="0">
-                <a:gradFill flip="none" rotWithShape="1">
-                  <a:gsLst>
-                    <a:gs pos="0">
-                      <a:schemeClr val="tx1"/>
-                    </a:gs>
-                    <a:gs pos="100000">
-                      <a:schemeClr val="tx1">
-                        <a:lumMod val="75000"/>
-                        <a:lumOff val="25000"/>
-                      </a:schemeClr>
-                    </a:gs>
-                  </a:gsLst>
-                  <a:lin ang="16200000" scaled="1"/>
-                  <a:tileRect/>
-                </a:gradFill>
-                <a:latin typeface="Segoe Print" pitchFamily="2" charset="0"/>
-                <a:ea typeface="Tahoma" panose="020B0604030504040204" pitchFamily="34" charset="0"/>
-                <a:cs typeface="Tahoma" panose="020B0604030504040204" pitchFamily="34" charset="0"/>
-              </a:rPr>
-              <a:t>5</a:t>
+              <a:t>24</a:t>
             </a:r>
             <a:r>
               <a:rPr lang="uk-UA" sz="2800" b="1" dirty="0" smtClean="0">
@@ -6493,76 +6389,7 @@
                 <a:ea typeface="Tahoma" panose="020B0604030504040204" pitchFamily="34" charset="0"/>
                 <a:cs typeface="Tahoma" panose="020B0604030504040204" pitchFamily="34" charset="0"/>
               </a:rPr>
-              <a:t>3</a:t>
-            </a:r>
-            <a:r>
-              <a:rPr lang="uk-UA" sz="2800" b="1" dirty="0">
-                <a:gradFill flip="none" rotWithShape="1">
-                  <a:gsLst>
-                    <a:gs pos="0">
-                      <a:schemeClr val="tx1"/>
-                    </a:gs>
-                    <a:gs pos="100000">
-                      <a:schemeClr val="tx1">
-                        <a:lumMod val="75000"/>
-                        <a:lumOff val="25000"/>
-                      </a:schemeClr>
-                    </a:gs>
-                  </a:gsLst>
-                  <a:lin ang="16200000" scaled="1"/>
-                  <a:tileRect/>
-                </a:gradFill>
-                <a:latin typeface="Segoe Print" pitchFamily="2" charset="0"/>
-                <a:ea typeface="Tahoma" panose="020B0604030504040204" pitchFamily="34" charset="0"/>
-                <a:cs typeface="Tahoma" panose="020B0604030504040204" pitchFamily="34" charset="0"/>
-              </a:rPr>
-              <a:t> </a:t>
-            </a:r>
-            <a:r>
-              <a:rPr lang="uk-UA" sz="2800" b="1" dirty="0" smtClean="0">
-                <a:gradFill flip="none" rotWithShape="1">
-                  <a:gsLst>
-                    <a:gs pos="0">
-                      <a:schemeClr val="tx1"/>
-                    </a:gs>
-                    <a:gs pos="100000">
-                      <a:schemeClr val="tx1">
-                        <a:lumMod val="75000"/>
-                        <a:lumOff val="25000"/>
-                      </a:schemeClr>
-                    </a:gs>
-                  </a:gsLst>
-                  <a:lin ang="16200000" scaled="1"/>
-                  <a:tileRect/>
-                </a:gradFill>
-                <a:latin typeface="Segoe Print" pitchFamily="2" charset="0"/>
-                <a:ea typeface="Tahoma" panose="020B0604030504040204" pitchFamily="34" charset="0"/>
-                <a:cs typeface="Tahoma" panose="020B0604030504040204" pitchFamily="34" charset="0"/>
-              </a:rPr>
-              <a:t>92</a:t>
-            </a:r>
-            <a:r>
-              <a:rPr lang="en-US" sz="2800" b="1" dirty="0" smtClean="0">
-                <a:gradFill flip="none" rotWithShape="1">
-                  <a:gsLst>
-                    <a:gs pos="0">
-                      <a:schemeClr val="tx1"/>
-                    </a:gs>
-                    <a:gs pos="100000">
-                      <a:schemeClr val="tx1">
-                        <a:lumMod val="75000"/>
-                        <a:lumOff val="25000"/>
-                      </a:schemeClr>
-                    </a:gs>
-                  </a:gsLst>
-                  <a:lin ang="16200000" scaled="1"/>
-                  <a:tileRect/>
-                </a:gradFill>
-                <a:latin typeface="Segoe Print" pitchFamily="2" charset="0"/>
-                <a:ea typeface="Tahoma" panose="020B0604030504040204" pitchFamily="34" charset="0"/>
-                <a:cs typeface="Tahoma" panose="020B0604030504040204" pitchFamily="34" charset="0"/>
-              </a:rPr>
-              <a:t>9</a:t>
+              <a:t>3 218</a:t>
             </a:r>
             <a:r>
               <a:rPr lang="uk-UA" sz="2800" b="1" dirty="0" smtClean="0">
@@ -6899,11 +6726,8 @@
                 <a:ea typeface="Open Sans" panose="020B0606030504020204" pitchFamily="34" charset="0"/>
                 <a:cs typeface="Open Sans" panose="020B0606030504020204" pitchFamily="34" charset="0"/>
               </a:rPr>
-              <a:t>Мінімальна кількість відвідувачів в день 23</a:t>
-            </a:r>
-          </a:p>
-          <a:p>
-            <a:pPr algn="ctr"/>
+              <a:t>Мінімальна кількість відвідувачів в день </a:t>
+            </a:r>
             <a:r>
               <a:rPr lang="uk-UA" sz="2800" b="1" dirty="0" smtClean="0">
                 <a:gradFill flip="none" rotWithShape="1">
@@ -6925,7 +6749,76 @@
                 <a:ea typeface="Open Sans" panose="020B0606030504020204" pitchFamily="34" charset="0"/>
                 <a:cs typeface="Open Sans" panose="020B0606030504020204" pitchFamily="34" charset="0"/>
               </a:rPr>
-              <a:t>100</a:t>
+              <a:t>2</a:t>
+            </a:r>
+            <a:r>
+              <a:rPr lang="en-US" sz="2800" b="1" dirty="0" smtClean="0">
+                <a:gradFill flip="none" rotWithShape="1">
+                  <a:gsLst>
+                    <a:gs pos="0">
+                      <a:schemeClr val="tx1"/>
+                    </a:gs>
+                    <a:gs pos="100000">
+                      <a:schemeClr val="tx1">
+                        <a:lumMod val="75000"/>
+                        <a:lumOff val="25000"/>
+                      </a:schemeClr>
+                    </a:gs>
+                  </a:gsLst>
+                  <a:lin ang="16200000" scaled="1"/>
+                  <a:tileRect/>
+                </a:gradFill>
+                <a:latin typeface="Segoe Print" panose="02000600000000000000" pitchFamily="2" charset="0"/>
+                <a:ea typeface="Open Sans" panose="020B0606030504020204" pitchFamily="34" charset="0"/>
+                <a:cs typeface="Open Sans" panose="020B0606030504020204" pitchFamily="34" charset="0"/>
+              </a:rPr>
+              <a:t>3</a:t>
+            </a:r>
+            <a:endParaRPr lang="uk-UA" sz="2800" b="1" dirty="0" smtClean="0">
+              <a:gradFill flip="none" rotWithShape="1">
+                <a:gsLst>
+                  <a:gs pos="0">
+                    <a:schemeClr val="tx1"/>
+                  </a:gs>
+                  <a:gs pos="100000">
+                    <a:schemeClr val="tx1">
+                      <a:lumMod val="75000"/>
+                      <a:lumOff val="25000"/>
+                    </a:schemeClr>
+                  </a:gs>
+                </a:gsLst>
+                <a:lin ang="16200000" scaled="1"/>
+                <a:tileRect/>
+              </a:gradFill>
+              <a:latin typeface="Segoe Print" panose="02000600000000000000" pitchFamily="2" charset="0"/>
+              <a:ea typeface="Open Sans" panose="020B0606030504020204" pitchFamily="34" charset="0"/>
+              <a:cs typeface="Open Sans" panose="020B0606030504020204" pitchFamily="34" charset="0"/>
+            </a:endParaRPr>
+          </a:p>
+          <a:p>
+            <a:pPr algn="ctr"/>
+            <a:r>
+              <a:rPr lang="en-US" sz="2800" b="1" dirty="0" smtClean="0">
+                <a:gradFill flip="none" rotWithShape="1">
+                  <a:gsLst>
+                    <a:gs pos="0">
+                      <a:schemeClr val="tx1"/>
+                    </a:gs>
+                    <a:gs pos="100000">
+                      <a:schemeClr val="tx1">
+                        <a:lumMod val="75000"/>
+                        <a:lumOff val="25000"/>
+                      </a:schemeClr>
+                    </a:gs>
+                  </a:gsLst>
+                  <a:lin ang="16200000" scaled="1"/>
+                  <a:tileRect/>
+                </a:gradFill>
+                <a:latin typeface="Segoe Print" panose="02000600000000000000" pitchFamily="2" charset="0"/>
+                <a:ea typeface="Open Sans" panose="020B0606030504020204" pitchFamily="34" charset="0"/>
+                <a:cs typeface="Open Sans" panose="020B0606030504020204" pitchFamily="34" charset="0"/>
+              </a:rPr>
+              <a:t>80</a:t>
             </a:r>
             <a:r>
               <a:rPr lang="ru-RU" sz="2800" b="1" dirty="0" smtClean="0">
@@ -7043,7 +6936,7 @@
               <a:t> * </a:t>
             </a:r>
             <a:r>
-              <a:rPr lang="uk-UA" sz="2800" b="1" dirty="0" smtClean="0">
+              <a:rPr lang="en-US" sz="2800" b="1" dirty="0" smtClean="0">
                 <a:gradFill flip="none" rotWithShape="1">
                   <a:gsLst>
                     <a:gs pos="0">
@@ -7063,11 +6956,8 @@
                 <a:ea typeface="Open Sans" panose="020B0606030504020204" pitchFamily="34" charset="0"/>
                 <a:cs typeface="Open Sans" panose="020B0606030504020204" pitchFamily="34" charset="0"/>
               </a:rPr>
-              <a:t>100 = 2 300 гривень в день</a:t>
-            </a:r>
-          </a:p>
-          <a:p>
-            <a:pPr algn="ctr"/>
+              <a:t>80</a:t>
+            </a:r>
             <a:r>
               <a:rPr lang="uk-UA" sz="2800" b="1" dirty="0" smtClean="0">
                 <a:gradFill flip="none" rotWithShape="1">
@@ -7089,11 +6979,8 @@
                 <a:ea typeface="Open Sans" panose="020B0606030504020204" pitchFamily="34" charset="0"/>
                 <a:cs typeface="Open Sans" panose="020B0606030504020204" pitchFamily="34" charset="0"/>
               </a:rPr>
-              <a:t>2 300 * 30 днів в місяці = 69 000 гривень в місяць</a:t>
-            </a:r>
-          </a:p>
-          <a:p>
-            <a:pPr algn="ctr"/>
+              <a:t> </a:t>
+            </a:r>
             <a:r>
               <a:rPr lang="uk-UA" sz="2800" b="1" dirty="0" smtClean="0">
                 <a:gradFill flip="none" rotWithShape="1">
@@ -7115,7 +7002,703 @@
                 <a:ea typeface="Open Sans" panose="020B0606030504020204" pitchFamily="34" charset="0"/>
                 <a:cs typeface="Open Sans" panose="020B0606030504020204" pitchFamily="34" charset="0"/>
               </a:rPr>
-              <a:t>69 000 грн – 67 419 грн = 1 581 гривень мінімальний прибуток в місяць</a:t>
+              <a:t>= </a:t>
+            </a:r>
+            <a:r>
+              <a:rPr lang="en-US" sz="2800" b="1" dirty="0" smtClean="0">
+                <a:gradFill flip="none" rotWithShape="1">
+                  <a:gsLst>
+                    <a:gs pos="0">
+                      <a:schemeClr val="tx1"/>
+                    </a:gs>
+                    <a:gs pos="100000">
+                      <a:schemeClr val="tx1">
+                        <a:lumMod val="75000"/>
+                        <a:lumOff val="25000"/>
+                      </a:schemeClr>
+                    </a:gs>
+                  </a:gsLst>
+                  <a:lin ang="16200000" scaled="1"/>
+                  <a:tileRect/>
+                </a:gradFill>
+                <a:latin typeface="Segoe Print" panose="02000600000000000000" pitchFamily="2" charset="0"/>
+                <a:ea typeface="Open Sans" panose="020B0606030504020204" pitchFamily="34" charset="0"/>
+                <a:cs typeface="Open Sans" panose="020B0606030504020204" pitchFamily="34" charset="0"/>
+              </a:rPr>
+              <a:t>1</a:t>
+            </a:r>
+            <a:r>
+              <a:rPr lang="uk-UA" sz="2800" b="1" dirty="0" smtClean="0">
+                <a:gradFill flip="none" rotWithShape="1">
+                  <a:gsLst>
+                    <a:gs pos="0">
+                      <a:schemeClr val="tx1"/>
+                    </a:gs>
+                    <a:gs pos="100000">
+                      <a:schemeClr val="tx1">
+                        <a:lumMod val="75000"/>
+                        <a:lumOff val="25000"/>
+                      </a:schemeClr>
+                    </a:gs>
+                  </a:gsLst>
+                  <a:lin ang="16200000" scaled="1"/>
+                  <a:tileRect/>
+                </a:gradFill>
+                <a:latin typeface="Segoe Print" panose="02000600000000000000" pitchFamily="2" charset="0"/>
+                <a:ea typeface="Open Sans" panose="020B0606030504020204" pitchFamily="34" charset="0"/>
+                <a:cs typeface="Open Sans" panose="020B0606030504020204" pitchFamily="34" charset="0"/>
+              </a:rPr>
+              <a:t> </a:t>
+            </a:r>
+            <a:r>
+              <a:rPr lang="en-US" sz="2800" b="1" dirty="0" smtClean="0">
+                <a:gradFill flip="none" rotWithShape="1">
+                  <a:gsLst>
+                    <a:gs pos="0">
+                      <a:schemeClr val="tx1"/>
+                    </a:gs>
+                    <a:gs pos="100000">
+                      <a:schemeClr val="tx1">
+                        <a:lumMod val="75000"/>
+                        <a:lumOff val="25000"/>
+                      </a:schemeClr>
+                    </a:gs>
+                  </a:gsLst>
+                  <a:lin ang="16200000" scaled="1"/>
+                  <a:tileRect/>
+                </a:gradFill>
+                <a:latin typeface="Segoe Print" panose="02000600000000000000" pitchFamily="2" charset="0"/>
+                <a:ea typeface="Open Sans" panose="020B0606030504020204" pitchFamily="34" charset="0"/>
+                <a:cs typeface="Open Sans" panose="020B0606030504020204" pitchFamily="34" charset="0"/>
+              </a:rPr>
+              <a:t>84</a:t>
+            </a:r>
+            <a:r>
+              <a:rPr lang="uk-UA" sz="2800" b="1" dirty="0" smtClean="0">
+                <a:gradFill flip="none" rotWithShape="1">
+                  <a:gsLst>
+                    <a:gs pos="0">
+                      <a:schemeClr val="tx1"/>
+                    </a:gs>
+                    <a:gs pos="100000">
+                      <a:schemeClr val="tx1">
+                        <a:lumMod val="75000"/>
+                        <a:lumOff val="25000"/>
+                      </a:schemeClr>
+                    </a:gs>
+                  </a:gsLst>
+                  <a:lin ang="16200000" scaled="1"/>
+                  <a:tileRect/>
+                </a:gradFill>
+                <a:latin typeface="Segoe Print" panose="02000600000000000000" pitchFamily="2" charset="0"/>
+                <a:ea typeface="Open Sans" panose="020B0606030504020204" pitchFamily="34" charset="0"/>
+                <a:cs typeface="Open Sans" panose="020B0606030504020204" pitchFamily="34" charset="0"/>
+              </a:rPr>
+              <a:t>0 </a:t>
+            </a:r>
+            <a:r>
+              <a:rPr lang="uk-UA" sz="2800" b="1" dirty="0" smtClean="0">
+                <a:gradFill flip="none" rotWithShape="1">
+                  <a:gsLst>
+                    <a:gs pos="0">
+                      <a:schemeClr val="tx1"/>
+                    </a:gs>
+                    <a:gs pos="100000">
+                      <a:schemeClr val="tx1">
+                        <a:lumMod val="75000"/>
+                        <a:lumOff val="25000"/>
+                      </a:schemeClr>
+                    </a:gs>
+                  </a:gsLst>
+                  <a:lin ang="16200000" scaled="1"/>
+                  <a:tileRect/>
+                </a:gradFill>
+                <a:latin typeface="Segoe Print" panose="02000600000000000000" pitchFamily="2" charset="0"/>
+                <a:ea typeface="Open Sans" panose="020B0606030504020204" pitchFamily="34" charset="0"/>
+                <a:cs typeface="Open Sans" panose="020B0606030504020204" pitchFamily="34" charset="0"/>
+              </a:rPr>
+              <a:t>гривень в день</a:t>
+            </a:r>
+          </a:p>
+          <a:p>
+            <a:pPr algn="ctr"/>
+            <a:r>
+              <a:rPr lang="en-US" sz="2800" b="1" dirty="0" smtClean="0">
+                <a:gradFill flip="none" rotWithShape="1">
+                  <a:gsLst>
+                    <a:gs pos="0">
+                      <a:schemeClr val="tx1"/>
+                    </a:gs>
+                    <a:gs pos="100000">
+                      <a:schemeClr val="tx1">
+                        <a:lumMod val="75000"/>
+                        <a:lumOff val="25000"/>
+                      </a:schemeClr>
+                    </a:gs>
+                  </a:gsLst>
+                  <a:lin ang="16200000" scaled="1"/>
+                  <a:tileRect/>
+                </a:gradFill>
+                <a:latin typeface="Segoe Print" panose="02000600000000000000" pitchFamily="2" charset="0"/>
+                <a:ea typeface="Open Sans" panose="020B0606030504020204" pitchFamily="34" charset="0"/>
+                <a:cs typeface="Open Sans" panose="020B0606030504020204" pitchFamily="34" charset="0"/>
+              </a:rPr>
+              <a:t>1</a:t>
+            </a:r>
+            <a:r>
+              <a:rPr lang="uk-UA" sz="2800" b="1" dirty="0" smtClean="0">
+                <a:gradFill flip="none" rotWithShape="1">
+                  <a:gsLst>
+                    <a:gs pos="0">
+                      <a:schemeClr val="tx1"/>
+                    </a:gs>
+                    <a:gs pos="100000">
+                      <a:schemeClr val="tx1">
+                        <a:lumMod val="75000"/>
+                        <a:lumOff val="25000"/>
+                      </a:schemeClr>
+                    </a:gs>
+                  </a:gsLst>
+                  <a:lin ang="16200000" scaled="1"/>
+                  <a:tileRect/>
+                </a:gradFill>
+                <a:latin typeface="Segoe Print" panose="02000600000000000000" pitchFamily="2" charset="0"/>
+                <a:ea typeface="Open Sans" panose="020B0606030504020204" pitchFamily="34" charset="0"/>
+                <a:cs typeface="Open Sans" panose="020B0606030504020204" pitchFamily="34" charset="0"/>
+              </a:rPr>
+              <a:t> </a:t>
+            </a:r>
+            <a:r>
+              <a:rPr lang="en-US" sz="2800" b="1" dirty="0" smtClean="0">
+                <a:gradFill flip="none" rotWithShape="1">
+                  <a:gsLst>
+                    <a:gs pos="0">
+                      <a:schemeClr val="tx1"/>
+                    </a:gs>
+                    <a:gs pos="100000">
+                      <a:schemeClr val="tx1">
+                        <a:lumMod val="75000"/>
+                        <a:lumOff val="25000"/>
+                      </a:schemeClr>
+                    </a:gs>
+                  </a:gsLst>
+                  <a:lin ang="16200000" scaled="1"/>
+                  <a:tileRect/>
+                </a:gradFill>
+                <a:latin typeface="Segoe Print" panose="02000600000000000000" pitchFamily="2" charset="0"/>
+                <a:ea typeface="Open Sans" panose="020B0606030504020204" pitchFamily="34" charset="0"/>
+                <a:cs typeface="Open Sans" panose="020B0606030504020204" pitchFamily="34" charset="0"/>
+              </a:rPr>
+              <a:t>84</a:t>
+            </a:r>
+            <a:r>
+              <a:rPr lang="uk-UA" sz="2800" b="1" dirty="0" smtClean="0">
+                <a:gradFill flip="none" rotWithShape="1">
+                  <a:gsLst>
+                    <a:gs pos="0">
+                      <a:schemeClr val="tx1"/>
+                    </a:gs>
+                    <a:gs pos="100000">
+                      <a:schemeClr val="tx1">
+                        <a:lumMod val="75000"/>
+                        <a:lumOff val="25000"/>
+                      </a:schemeClr>
+                    </a:gs>
+                  </a:gsLst>
+                  <a:lin ang="16200000" scaled="1"/>
+                  <a:tileRect/>
+                </a:gradFill>
+                <a:latin typeface="Segoe Print" panose="02000600000000000000" pitchFamily="2" charset="0"/>
+                <a:ea typeface="Open Sans" panose="020B0606030504020204" pitchFamily="34" charset="0"/>
+                <a:cs typeface="Open Sans" panose="020B0606030504020204" pitchFamily="34" charset="0"/>
+              </a:rPr>
+              <a:t>0 </a:t>
+            </a:r>
+            <a:r>
+              <a:rPr lang="uk-UA" sz="2800" b="1" dirty="0" smtClean="0">
+                <a:gradFill flip="none" rotWithShape="1">
+                  <a:gsLst>
+                    <a:gs pos="0">
+                      <a:schemeClr val="tx1"/>
+                    </a:gs>
+                    <a:gs pos="100000">
+                      <a:schemeClr val="tx1">
+                        <a:lumMod val="75000"/>
+                        <a:lumOff val="25000"/>
+                      </a:schemeClr>
+                    </a:gs>
+                  </a:gsLst>
+                  <a:lin ang="16200000" scaled="1"/>
+                  <a:tileRect/>
+                </a:gradFill>
+                <a:latin typeface="Segoe Print" panose="02000600000000000000" pitchFamily="2" charset="0"/>
+                <a:ea typeface="Open Sans" panose="020B0606030504020204" pitchFamily="34" charset="0"/>
+                <a:cs typeface="Open Sans" panose="020B0606030504020204" pitchFamily="34" charset="0"/>
+              </a:rPr>
+              <a:t>* 30 днів в місяці = </a:t>
+            </a:r>
+            <a:r>
+              <a:rPr lang="en-US" sz="2800" b="1" dirty="0" smtClean="0">
+                <a:gradFill flip="none" rotWithShape="1">
+                  <a:gsLst>
+                    <a:gs pos="0">
+                      <a:schemeClr val="tx1"/>
+                    </a:gs>
+                    <a:gs pos="100000">
+                      <a:schemeClr val="tx1">
+                        <a:lumMod val="75000"/>
+                        <a:lumOff val="25000"/>
+                      </a:schemeClr>
+                    </a:gs>
+                  </a:gsLst>
+                  <a:lin ang="16200000" scaled="1"/>
+                  <a:tileRect/>
+                </a:gradFill>
+                <a:latin typeface="Segoe Print" panose="02000600000000000000" pitchFamily="2" charset="0"/>
+                <a:ea typeface="Open Sans" panose="020B0606030504020204" pitchFamily="34" charset="0"/>
+                <a:cs typeface="Open Sans" panose="020B0606030504020204" pitchFamily="34" charset="0"/>
+              </a:rPr>
+              <a:t>55</a:t>
+            </a:r>
+            <a:r>
+              <a:rPr lang="uk-UA" sz="2800" b="1" dirty="0" smtClean="0">
+                <a:gradFill flip="none" rotWithShape="1">
+                  <a:gsLst>
+                    <a:gs pos="0">
+                      <a:schemeClr val="tx1"/>
+                    </a:gs>
+                    <a:gs pos="100000">
+                      <a:schemeClr val="tx1">
+                        <a:lumMod val="75000"/>
+                        <a:lumOff val="25000"/>
+                      </a:schemeClr>
+                    </a:gs>
+                  </a:gsLst>
+                  <a:lin ang="16200000" scaled="1"/>
+                  <a:tileRect/>
+                </a:gradFill>
+                <a:latin typeface="Segoe Print" panose="02000600000000000000" pitchFamily="2" charset="0"/>
+                <a:ea typeface="Open Sans" panose="020B0606030504020204" pitchFamily="34" charset="0"/>
+                <a:cs typeface="Open Sans" panose="020B0606030504020204" pitchFamily="34" charset="0"/>
+              </a:rPr>
+              <a:t> </a:t>
+            </a:r>
+            <a:r>
+              <a:rPr lang="en-US" sz="2800" b="1" dirty="0" smtClean="0">
+                <a:gradFill flip="none" rotWithShape="1">
+                  <a:gsLst>
+                    <a:gs pos="0">
+                      <a:schemeClr val="tx1"/>
+                    </a:gs>
+                    <a:gs pos="100000">
+                      <a:schemeClr val="tx1">
+                        <a:lumMod val="75000"/>
+                        <a:lumOff val="25000"/>
+                      </a:schemeClr>
+                    </a:gs>
+                  </a:gsLst>
+                  <a:lin ang="16200000" scaled="1"/>
+                  <a:tileRect/>
+                </a:gradFill>
+                <a:latin typeface="Segoe Print" panose="02000600000000000000" pitchFamily="2" charset="0"/>
+                <a:ea typeface="Open Sans" panose="020B0606030504020204" pitchFamily="34" charset="0"/>
+                <a:cs typeface="Open Sans" panose="020B0606030504020204" pitchFamily="34" charset="0"/>
+              </a:rPr>
+              <a:t>2</a:t>
+            </a:r>
+            <a:r>
+              <a:rPr lang="uk-UA" sz="2800" b="1" dirty="0" smtClean="0">
+                <a:gradFill flip="none" rotWithShape="1">
+                  <a:gsLst>
+                    <a:gs pos="0">
+                      <a:schemeClr val="tx1"/>
+                    </a:gs>
+                    <a:gs pos="100000">
+                      <a:schemeClr val="tx1">
+                        <a:lumMod val="75000"/>
+                        <a:lumOff val="25000"/>
+                      </a:schemeClr>
+                    </a:gs>
+                  </a:gsLst>
+                  <a:lin ang="16200000" scaled="1"/>
+                  <a:tileRect/>
+                </a:gradFill>
+                <a:latin typeface="Segoe Print" panose="02000600000000000000" pitchFamily="2" charset="0"/>
+                <a:ea typeface="Open Sans" panose="020B0606030504020204" pitchFamily="34" charset="0"/>
+                <a:cs typeface="Open Sans" panose="020B0606030504020204" pitchFamily="34" charset="0"/>
+              </a:rPr>
+              <a:t>00 </a:t>
+            </a:r>
+            <a:r>
+              <a:rPr lang="uk-UA" sz="2800" b="1" dirty="0" smtClean="0">
+                <a:gradFill flip="none" rotWithShape="1">
+                  <a:gsLst>
+                    <a:gs pos="0">
+                      <a:schemeClr val="tx1"/>
+                    </a:gs>
+                    <a:gs pos="100000">
+                      <a:schemeClr val="tx1">
+                        <a:lumMod val="75000"/>
+                        <a:lumOff val="25000"/>
+                      </a:schemeClr>
+                    </a:gs>
+                  </a:gsLst>
+                  <a:lin ang="16200000" scaled="1"/>
+                  <a:tileRect/>
+                </a:gradFill>
+                <a:latin typeface="Segoe Print" panose="02000600000000000000" pitchFamily="2" charset="0"/>
+                <a:ea typeface="Open Sans" panose="020B0606030504020204" pitchFamily="34" charset="0"/>
+                <a:cs typeface="Open Sans" panose="020B0606030504020204" pitchFamily="34" charset="0"/>
+              </a:rPr>
+              <a:t>гривень в місяць</a:t>
+            </a:r>
+          </a:p>
+          <a:p>
+            <a:pPr algn="ctr"/>
+            <a:r>
+              <a:rPr lang="en-US" sz="2800" b="1" dirty="0" smtClean="0">
+                <a:gradFill flip="none" rotWithShape="1">
+                  <a:gsLst>
+                    <a:gs pos="0">
+                      <a:schemeClr val="tx1"/>
+                    </a:gs>
+                    <a:gs pos="100000">
+                      <a:schemeClr val="tx1">
+                        <a:lumMod val="75000"/>
+                        <a:lumOff val="25000"/>
+                      </a:schemeClr>
+                    </a:gs>
+                  </a:gsLst>
+                  <a:lin ang="16200000" scaled="1"/>
+                  <a:tileRect/>
+                </a:gradFill>
+                <a:latin typeface="Segoe Print" panose="02000600000000000000" pitchFamily="2" charset="0"/>
+                <a:ea typeface="Open Sans" panose="020B0606030504020204" pitchFamily="34" charset="0"/>
+                <a:cs typeface="Open Sans" panose="020B0606030504020204" pitchFamily="34" charset="0"/>
+              </a:rPr>
+              <a:t>55</a:t>
+            </a:r>
+            <a:r>
+              <a:rPr lang="uk-UA" sz="2800" b="1" dirty="0" smtClean="0">
+                <a:gradFill flip="none" rotWithShape="1">
+                  <a:gsLst>
+                    <a:gs pos="0">
+                      <a:schemeClr val="tx1"/>
+                    </a:gs>
+                    <a:gs pos="100000">
+                      <a:schemeClr val="tx1">
+                        <a:lumMod val="75000"/>
+                        <a:lumOff val="25000"/>
+                      </a:schemeClr>
+                    </a:gs>
+                  </a:gsLst>
+                  <a:lin ang="16200000" scaled="1"/>
+                  <a:tileRect/>
+                </a:gradFill>
+                <a:latin typeface="Segoe Print" panose="02000600000000000000" pitchFamily="2" charset="0"/>
+                <a:ea typeface="Open Sans" panose="020B0606030504020204" pitchFamily="34" charset="0"/>
+                <a:cs typeface="Open Sans" panose="020B0606030504020204" pitchFamily="34" charset="0"/>
+              </a:rPr>
+              <a:t> </a:t>
+            </a:r>
+            <a:r>
+              <a:rPr lang="en-US" sz="2800" b="1" dirty="0" smtClean="0">
+                <a:gradFill flip="none" rotWithShape="1">
+                  <a:gsLst>
+                    <a:gs pos="0">
+                      <a:schemeClr val="tx1"/>
+                    </a:gs>
+                    <a:gs pos="100000">
+                      <a:schemeClr val="tx1">
+                        <a:lumMod val="75000"/>
+                        <a:lumOff val="25000"/>
+                      </a:schemeClr>
+                    </a:gs>
+                  </a:gsLst>
+                  <a:lin ang="16200000" scaled="1"/>
+                  <a:tileRect/>
+                </a:gradFill>
+                <a:latin typeface="Segoe Print" panose="02000600000000000000" pitchFamily="2" charset="0"/>
+                <a:ea typeface="Open Sans" panose="020B0606030504020204" pitchFamily="34" charset="0"/>
+                <a:cs typeface="Open Sans" panose="020B0606030504020204" pitchFamily="34" charset="0"/>
+              </a:rPr>
+              <a:t>2</a:t>
+            </a:r>
+            <a:r>
+              <a:rPr lang="uk-UA" sz="2800" b="1" dirty="0" smtClean="0">
+                <a:gradFill flip="none" rotWithShape="1">
+                  <a:gsLst>
+                    <a:gs pos="0">
+                      <a:schemeClr val="tx1"/>
+                    </a:gs>
+                    <a:gs pos="100000">
+                      <a:schemeClr val="tx1">
+                        <a:lumMod val="75000"/>
+                        <a:lumOff val="25000"/>
+                      </a:schemeClr>
+                    </a:gs>
+                  </a:gsLst>
+                  <a:lin ang="16200000" scaled="1"/>
+                  <a:tileRect/>
+                </a:gradFill>
+                <a:latin typeface="Segoe Print" panose="02000600000000000000" pitchFamily="2" charset="0"/>
+                <a:ea typeface="Open Sans" panose="020B0606030504020204" pitchFamily="34" charset="0"/>
+                <a:cs typeface="Open Sans" panose="020B0606030504020204" pitchFamily="34" charset="0"/>
+              </a:rPr>
+              <a:t>00 </a:t>
+            </a:r>
+            <a:r>
+              <a:rPr lang="uk-UA" sz="2800" b="1" dirty="0" smtClean="0">
+                <a:gradFill flip="none" rotWithShape="1">
+                  <a:gsLst>
+                    <a:gs pos="0">
+                      <a:schemeClr val="tx1"/>
+                    </a:gs>
+                    <a:gs pos="100000">
+                      <a:schemeClr val="tx1">
+                        <a:lumMod val="75000"/>
+                        <a:lumOff val="25000"/>
+                      </a:schemeClr>
+                    </a:gs>
+                  </a:gsLst>
+                  <a:lin ang="16200000" scaled="1"/>
+                  <a:tileRect/>
+                </a:gradFill>
+                <a:latin typeface="Segoe Print" panose="02000600000000000000" pitchFamily="2" charset="0"/>
+                <a:ea typeface="Open Sans" panose="020B0606030504020204" pitchFamily="34" charset="0"/>
+                <a:cs typeface="Open Sans" panose="020B0606030504020204" pitchFamily="34" charset="0"/>
+              </a:rPr>
+              <a:t>грн – </a:t>
+            </a:r>
+            <a:r>
+              <a:rPr lang="en-US" sz="2800" b="1" dirty="0" smtClean="0">
+                <a:gradFill flip="none" rotWithShape="1">
+                  <a:gsLst>
+                    <a:gs pos="0">
+                      <a:schemeClr val="tx1"/>
+                    </a:gs>
+                    <a:gs pos="100000">
+                      <a:schemeClr val="tx1">
+                        <a:lumMod val="75000"/>
+                        <a:lumOff val="25000"/>
+                      </a:schemeClr>
+                    </a:gs>
+                  </a:gsLst>
+                  <a:lin ang="16200000" scaled="1"/>
+                  <a:tileRect/>
+                </a:gradFill>
+                <a:latin typeface="Segoe Print" panose="02000600000000000000" pitchFamily="2" charset="0"/>
+                <a:ea typeface="Open Sans" panose="020B0606030504020204" pitchFamily="34" charset="0"/>
+                <a:cs typeface="Open Sans" panose="020B0606030504020204" pitchFamily="34" charset="0"/>
+              </a:rPr>
+              <a:t>46</a:t>
+            </a:r>
+            <a:r>
+              <a:rPr lang="uk-UA" sz="2800" b="1" dirty="0" smtClean="0">
+                <a:gradFill flip="none" rotWithShape="1">
+                  <a:gsLst>
+                    <a:gs pos="0">
+                      <a:schemeClr val="tx1"/>
+                    </a:gs>
+                    <a:gs pos="100000">
+                      <a:schemeClr val="tx1">
+                        <a:lumMod val="75000"/>
+                        <a:lumOff val="25000"/>
+                      </a:schemeClr>
+                    </a:gs>
+                  </a:gsLst>
+                  <a:lin ang="16200000" scaled="1"/>
+                  <a:tileRect/>
+                </a:gradFill>
+                <a:latin typeface="Segoe Print" panose="02000600000000000000" pitchFamily="2" charset="0"/>
+                <a:ea typeface="Open Sans" panose="020B0606030504020204" pitchFamily="34" charset="0"/>
+                <a:cs typeface="Open Sans" panose="020B0606030504020204" pitchFamily="34" charset="0"/>
+              </a:rPr>
+              <a:t> </a:t>
+            </a:r>
+            <a:r>
+              <a:rPr lang="en-US" sz="2800" b="1" dirty="0" smtClean="0">
+                <a:gradFill flip="none" rotWithShape="1">
+                  <a:gsLst>
+                    <a:gs pos="0">
+                      <a:schemeClr val="tx1"/>
+                    </a:gs>
+                    <a:gs pos="100000">
+                      <a:schemeClr val="tx1">
+                        <a:lumMod val="75000"/>
+                        <a:lumOff val="25000"/>
+                      </a:schemeClr>
+                    </a:gs>
+                  </a:gsLst>
+                  <a:lin ang="16200000" scaled="1"/>
+                  <a:tileRect/>
+                </a:gradFill>
+                <a:latin typeface="Segoe Print" panose="02000600000000000000" pitchFamily="2" charset="0"/>
+                <a:ea typeface="Open Sans" panose="020B0606030504020204" pitchFamily="34" charset="0"/>
+                <a:cs typeface="Open Sans" panose="020B0606030504020204" pitchFamily="34" charset="0"/>
+              </a:rPr>
+              <a:t>458</a:t>
+            </a:r>
+            <a:r>
+              <a:rPr lang="uk-UA" sz="2800" b="1" dirty="0" smtClean="0">
+                <a:gradFill flip="none" rotWithShape="1">
+                  <a:gsLst>
+                    <a:gs pos="0">
+                      <a:schemeClr val="tx1"/>
+                    </a:gs>
+                    <a:gs pos="100000">
+                      <a:schemeClr val="tx1">
+                        <a:lumMod val="75000"/>
+                        <a:lumOff val="25000"/>
+                      </a:schemeClr>
+                    </a:gs>
+                  </a:gsLst>
+                  <a:lin ang="16200000" scaled="1"/>
+                  <a:tileRect/>
+                </a:gradFill>
+                <a:latin typeface="Segoe Print" panose="02000600000000000000" pitchFamily="2" charset="0"/>
+                <a:ea typeface="Open Sans" panose="020B0606030504020204" pitchFamily="34" charset="0"/>
+                <a:cs typeface="Open Sans" panose="020B0606030504020204" pitchFamily="34" charset="0"/>
+              </a:rPr>
+              <a:t> </a:t>
+            </a:r>
+            <a:r>
+              <a:rPr lang="uk-UA" sz="2800" b="1" dirty="0" smtClean="0">
+                <a:gradFill flip="none" rotWithShape="1">
+                  <a:gsLst>
+                    <a:gs pos="0">
+                      <a:schemeClr val="tx1"/>
+                    </a:gs>
+                    <a:gs pos="100000">
+                      <a:schemeClr val="tx1">
+                        <a:lumMod val="75000"/>
+                        <a:lumOff val="25000"/>
+                      </a:schemeClr>
+                    </a:gs>
+                  </a:gsLst>
+                  <a:lin ang="16200000" scaled="1"/>
+                  <a:tileRect/>
+                </a:gradFill>
+                <a:latin typeface="Segoe Print" panose="02000600000000000000" pitchFamily="2" charset="0"/>
+                <a:ea typeface="Open Sans" panose="020B0606030504020204" pitchFamily="34" charset="0"/>
+                <a:cs typeface="Open Sans" panose="020B0606030504020204" pitchFamily="34" charset="0"/>
+              </a:rPr>
+              <a:t>грн = </a:t>
+            </a:r>
+            <a:r>
+              <a:rPr lang="en-US" sz="2800" b="1" dirty="0" smtClean="0">
+                <a:gradFill flip="none" rotWithShape="1">
+                  <a:gsLst>
+                    <a:gs pos="0">
+                      <a:schemeClr val="tx1"/>
+                    </a:gs>
+                    <a:gs pos="100000">
+                      <a:schemeClr val="tx1">
+                        <a:lumMod val="75000"/>
+                        <a:lumOff val="25000"/>
+                      </a:schemeClr>
+                    </a:gs>
+                  </a:gsLst>
+                  <a:lin ang="16200000" scaled="1"/>
+                  <a:tileRect/>
+                </a:gradFill>
+                <a:latin typeface="Segoe Print" panose="02000600000000000000" pitchFamily="2" charset="0"/>
+                <a:ea typeface="Open Sans" panose="020B0606030504020204" pitchFamily="34" charset="0"/>
+                <a:cs typeface="Open Sans" panose="020B0606030504020204" pitchFamily="34" charset="0"/>
+              </a:rPr>
+              <a:t>8</a:t>
+            </a:r>
+            <a:r>
+              <a:rPr lang="uk-UA" sz="2800" b="1" dirty="0" smtClean="0">
+                <a:gradFill flip="none" rotWithShape="1">
+                  <a:gsLst>
+                    <a:gs pos="0">
+                      <a:schemeClr val="tx1"/>
+                    </a:gs>
+                    <a:gs pos="100000">
+                      <a:schemeClr val="tx1">
+                        <a:lumMod val="75000"/>
+                        <a:lumOff val="25000"/>
+                      </a:schemeClr>
+                    </a:gs>
+                  </a:gsLst>
+                  <a:lin ang="16200000" scaled="1"/>
+                  <a:tileRect/>
+                </a:gradFill>
+                <a:latin typeface="Segoe Print" panose="02000600000000000000" pitchFamily="2" charset="0"/>
+                <a:ea typeface="Open Sans" panose="020B0606030504020204" pitchFamily="34" charset="0"/>
+                <a:cs typeface="Open Sans" panose="020B0606030504020204" pitchFamily="34" charset="0"/>
+              </a:rPr>
+              <a:t> </a:t>
+            </a:r>
+            <a:r>
+              <a:rPr lang="en-US" sz="2800" b="1" dirty="0" smtClean="0">
+                <a:gradFill flip="none" rotWithShape="1">
+                  <a:gsLst>
+                    <a:gs pos="0">
+                      <a:schemeClr val="tx1"/>
+                    </a:gs>
+                    <a:gs pos="100000">
+                      <a:schemeClr val="tx1">
+                        <a:lumMod val="75000"/>
+                        <a:lumOff val="25000"/>
+                      </a:schemeClr>
+                    </a:gs>
+                  </a:gsLst>
+                  <a:lin ang="16200000" scaled="1"/>
+                  <a:tileRect/>
+                </a:gradFill>
+                <a:latin typeface="Segoe Print" panose="02000600000000000000" pitchFamily="2" charset="0"/>
+                <a:ea typeface="Open Sans" panose="020B0606030504020204" pitchFamily="34" charset="0"/>
+                <a:cs typeface="Open Sans" panose="020B0606030504020204" pitchFamily="34" charset="0"/>
+              </a:rPr>
+              <a:t>742</a:t>
+            </a:r>
+            <a:r>
+              <a:rPr lang="uk-UA" sz="2800" b="1" dirty="0" smtClean="0">
+                <a:gradFill flip="none" rotWithShape="1">
+                  <a:gsLst>
+                    <a:gs pos="0">
+                      <a:schemeClr val="tx1"/>
+                    </a:gs>
+                    <a:gs pos="100000">
+                      <a:schemeClr val="tx1">
+                        <a:lumMod val="75000"/>
+                        <a:lumOff val="25000"/>
+                      </a:schemeClr>
+                    </a:gs>
+                  </a:gsLst>
+                  <a:lin ang="16200000" scaled="1"/>
+                  <a:tileRect/>
+                </a:gradFill>
+                <a:latin typeface="Segoe Print" panose="02000600000000000000" pitchFamily="2" charset="0"/>
+                <a:ea typeface="Open Sans" panose="020B0606030504020204" pitchFamily="34" charset="0"/>
+                <a:cs typeface="Open Sans" panose="020B0606030504020204" pitchFamily="34" charset="0"/>
+              </a:rPr>
+              <a:t> </a:t>
+            </a:r>
+            <a:r>
+              <a:rPr lang="uk-UA" sz="2800" b="1" dirty="0" smtClean="0">
+                <a:gradFill flip="none" rotWithShape="1">
+                  <a:gsLst>
+                    <a:gs pos="0">
+                      <a:schemeClr val="tx1"/>
+                    </a:gs>
+                    <a:gs pos="100000">
+                      <a:schemeClr val="tx1">
+                        <a:lumMod val="75000"/>
+                        <a:lumOff val="25000"/>
+                      </a:schemeClr>
+                    </a:gs>
+                  </a:gsLst>
+                  <a:lin ang="16200000" scaled="1"/>
+                  <a:tileRect/>
+                </a:gradFill>
+                <a:latin typeface="Segoe Print" panose="02000600000000000000" pitchFamily="2" charset="0"/>
+                <a:ea typeface="Open Sans" panose="020B0606030504020204" pitchFamily="34" charset="0"/>
+                <a:cs typeface="Open Sans" panose="020B0606030504020204" pitchFamily="34" charset="0"/>
+              </a:rPr>
+              <a:t>гривень мінімальний прибуток в місяць</a:t>
             </a:r>
           </a:p>
         </p:txBody>
@@ -7974,7 +8557,7 @@
                       </a:schemeClr>
                     </a:gs>
                   </a:gsLst>
-                  <a:lin ang="18900000" scaled="1"/>
+                  <a:lin ang="16200000" scaled="1"/>
                   <a:tileRect/>
                 </a:gradFill>
                 <a:latin typeface="Segoe Print" pitchFamily="2" charset="0"/>
@@ -7997,7 +8580,7 @@
                       </a:schemeClr>
                     </a:gs>
                   </a:gsLst>
-                  <a:lin ang="18900000" scaled="1"/>
+                  <a:lin ang="16200000" scaled="1"/>
                   <a:tileRect/>
                 </a:gradFill>
                 <a:latin typeface="Segoe Print" pitchFamily="2" charset="0"/>
@@ -11650,7 +12233,7 @@
                 <a:ea typeface="Open Sans" panose="020B0606030504020204" pitchFamily="34" charset="0"/>
                 <a:cs typeface="Open Sans" panose="020B0606030504020204" pitchFamily="34" charset="0"/>
               </a:rPr>
-              <a:t>, і вартістю 6 000 гривень в місяць. Вартість комунальних послуг 2 600 гривень в місяць.</a:t>
+              <a:t>, і вартістю 5 000 гривень в місяць. Вартість комунальних послуг 2 000 гривень в місяць.</a:t>
             </a:r>
             <a:endParaRPr lang="uk-UA" sz="2800" b="1" dirty="0">
               <a:gradFill flip="none" rotWithShape="1">
@@ -11986,7 +12569,7 @@
         </p:nvGraphicFramePr>
         <p:xfrm>
           <a:off x="426000" y="1368000"/>
-          <a:ext cx="11375560" cy="3348000"/>
+          <a:ext cx="11375560" cy="2880000"/>
         </p:xfrm>
         <a:graphic>
           <a:graphicData uri="http://schemas.openxmlformats.org/drawingml/2006/table">
@@ -12032,9 +12615,9 @@
                             <a:schemeClr val="tx1"/>
                           </a:solidFill>
                           <a:effectLst/>
-                          <a:latin typeface="Open Sans" panose="020B0606030504020204" pitchFamily="34" charset="0"/>
-                          <a:ea typeface="Open Sans" panose="020B0606030504020204" pitchFamily="34" charset="0"/>
-                          <a:cs typeface="Open Sans" panose="020B0606030504020204" pitchFamily="34" charset="0"/>
+                          <a:latin typeface="Tahoma" pitchFamily="34" charset="0"/>
+                          <a:ea typeface="Tahoma" pitchFamily="34" charset="0"/>
+                          <a:cs typeface="Tahoma" pitchFamily="34" charset="0"/>
                         </a:rPr>
                         <a:t>Послуга</a:t>
                       </a:r>
@@ -12060,9 +12643,9 @@
                             <a:schemeClr val="tx1"/>
                           </a:solidFill>
                           <a:effectLst/>
-                          <a:latin typeface="Open Sans" panose="020B0606030504020204" pitchFamily="34" charset="0"/>
-                          <a:ea typeface="Open Sans" panose="020B0606030504020204" pitchFamily="34" charset="0"/>
-                          <a:cs typeface="Open Sans" panose="020B0606030504020204" pitchFamily="34" charset="0"/>
+                          <a:latin typeface="Tahoma" pitchFamily="34" charset="0"/>
+                          <a:ea typeface="Tahoma" pitchFamily="34" charset="0"/>
+                          <a:cs typeface="Tahoma" pitchFamily="34" charset="0"/>
                         </a:rPr>
                         <a:t>Вартість</a:t>
                       </a:r>
@@ -12072,9 +12655,9 @@
                             <a:schemeClr val="tx1"/>
                           </a:solidFill>
                           <a:effectLst/>
-                          <a:latin typeface="Open Sans" panose="020B0606030504020204" pitchFamily="34" charset="0"/>
-                          <a:ea typeface="Open Sans" panose="020B0606030504020204" pitchFamily="34" charset="0"/>
-                          <a:cs typeface="Open Sans" panose="020B0606030504020204" pitchFamily="34" charset="0"/>
+                          <a:latin typeface="Tahoma" pitchFamily="34" charset="0"/>
+                          <a:ea typeface="Tahoma" pitchFamily="34" charset="0"/>
+                          <a:cs typeface="Tahoma" pitchFamily="34" charset="0"/>
                         </a:rPr>
                         <a:t> </a:t>
                       </a:r>
@@ -12084,9 +12667,9 @@
                             <a:schemeClr val="tx1"/>
                           </a:solidFill>
                           <a:effectLst/>
-                          <a:latin typeface="Open Sans" panose="020B0606030504020204" pitchFamily="34" charset="0"/>
-                          <a:ea typeface="Open Sans" panose="020B0606030504020204" pitchFamily="34" charset="0"/>
-                          <a:cs typeface="Open Sans" panose="020B0606030504020204" pitchFamily="34" charset="0"/>
+                          <a:latin typeface="Tahoma" pitchFamily="34" charset="0"/>
+                          <a:ea typeface="Tahoma" pitchFamily="34" charset="0"/>
+                          <a:cs typeface="Tahoma" pitchFamily="34" charset="0"/>
                         </a:rPr>
                         <a:t>1 </a:t>
                       </a:r>
@@ -12096,9 +12679,9 @@
                             <a:schemeClr val="tx1"/>
                           </a:solidFill>
                           <a:effectLst/>
-                          <a:latin typeface="Open Sans" panose="020B0606030504020204" pitchFamily="34" charset="0"/>
-                          <a:ea typeface="Open Sans" panose="020B0606030504020204" pitchFamily="34" charset="0"/>
-                          <a:cs typeface="Open Sans" panose="020B0606030504020204" pitchFamily="34" charset="0"/>
+                          <a:latin typeface="Tahoma" pitchFamily="34" charset="0"/>
+                          <a:ea typeface="Tahoma" pitchFamily="34" charset="0"/>
+                          <a:cs typeface="Tahoma" pitchFamily="34" charset="0"/>
                         </a:rPr>
                         <a:t>шт.</a:t>
                       </a:r>
@@ -12124,9 +12707,9 @@
                             <a:schemeClr val="tx1"/>
                           </a:solidFill>
                           <a:effectLst/>
-                          <a:latin typeface="Open Sans" panose="020B0606030504020204" pitchFamily="34" charset="0"/>
-                          <a:ea typeface="Open Sans" panose="020B0606030504020204" pitchFamily="34" charset="0"/>
-                          <a:cs typeface="Open Sans" panose="020B0606030504020204" pitchFamily="34" charset="0"/>
+                          <a:latin typeface="Tahoma" pitchFamily="34" charset="0"/>
+                          <a:ea typeface="Tahoma" pitchFamily="34" charset="0"/>
+                          <a:cs typeface="Tahoma" pitchFamily="34" charset="0"/>
                         </a:rPr>
                         <a:t>Кількість</a:t>
                       </a:r>
@@ -12152,9 +12735,9 @@
                             <a:schemeClr val="tx1"/>
                           </a:solidFill>
                           <a:effectLst/>
-                          <a:latin typeface="Open Sans" panose="020B0606030504020204" pitchFamily="34" charset="0"/>
-                          <a:ea typeface="Open Sans" panose="020B0606030504020204" pitchFamily="34" charset="0"/>
-                          <a:cs typeface="Open Sans" panose="020B0606030504020204" pitchFamily="34" charset="0"/>
+                          <a:latin typeface="Tahoma" pitchFamily="34" charset="0"/>
+                          <a:ea typeface="Tahoma" pitchFamily="34" charset="0"/>
+                          <a:cs typeface="Tahoma" pitchFamily="34" charset="0"/>
                         </a:rPr>
                         <a:t>Вартість</a:t>
                       </a:r>
@@ -12212,11 +12795,18 @@
                     <a:p>
                       <a:pPr algn="ctr"/>
                       <a:r>
+                        <a:rPr lang="uk-UA" sz="2000" noProof="0" dirty="0" smtClean="0">
+                          <a:effectLst/>
+                          <a:latin typeface="Segoe Print" panose="02000600000000000000" pitchFamily="2" charset="0"/>
+                        </a:rPr>
+                        <a:t>80 </a:t>
+                      </a:r>
+                      <a:r>
                         <a:rPr lang="uk-UA" sz="2000" noProof="0" dirty="0">
                           <a:effectLst/>
                           <a:latin typeface="Segoe Print" panose="02000600000000000000" pitchFamily="2" charset="0"/>
                         </a:rPr>
-                        <a:t>100 грн</a:t>
+                        <a:t>грн</a:t>
                       </a:r>
                       <a:endParaRPr lang="uk-UA" sz="2000" noProof="0" dirty="0">
                         <a:effectLst/>
@@ -12242,11 +12832,13 @@
                     <a:p>
                       <a:pPr algn="ctr"/>
                       <a:r>
-                        <a:rPr lang="uk-UA" sz="2000" noProof="0" dirty="0">
+                        <a:rPr lang="en-US" sz="2000" noProof="0" dirty="0" smtClean="0">
                           <a:effectLst/>
                           <a:latin typeface="Segoe Print" panose="02000600000000000000" pitchFamily="2" charset="0"/>
-                        </a:rPr>
-                        <a:t>4</a:t>
+                          <a:ea typeface="+mn-ea"/>
+                          <a:cs typeface="+mn-cs"/>
+                        </a:rPr>
+                        <a:t>3</a:t>
                       </a:r>
                       <a:endParaRPr lang="uk-UA" sz="2000" noProof="0" dirty="0">
                         <a:effectLst/>
@@ -12272,11 +12864,25 @@
                     <a:p>
                       <a:pPr algn="ctr"/>
                       <a:r>
+                        <a:rPr lang="en-US" sz="2000" noProof="0" dirty="0" smtClean="0">
+                          <a:effectLst/>
+                          <a:latin typeface="Segoe Print" panose="02000600000000000000" pitchFamily="2" charset="0"/>
+                        </a:rPr>
+                        <a:t>24</a:t>
+                      </a:r>
+                      <a:r>
+                        <a:rPr lang="uk-UA" sz="2000" noProof="0" dirty="0" smtClean="0">
+                          <a:effectLst/>
+                          <a:latin typeface="Segoe Print" panose="02000600000000000000" pitchFamily="2" charset="0"/>
+                        </a:rPr>
+                        <a:t>0 </a:t>
+                      </a:r>
+                      <a:r>
                         <a:rPr lang="uk-UA" sz="2000" noProof="0" dirty="0">
                           <a:effectLst/>
                           <a:latin typeface="Segoe Print" panose="02000600000000000000" pitchFamily="2" charset="0"/>
                         </a:rPr>
-                        <a:t>400 грн</a:t>
+                        <a:t>грн</a:t>
                       </a:r>
                       <a:endParaRPr lang="uk-UA" sz="2000" noProof="0" dirty="0">
                         <a:effectLst/>
@@ -12383,11 +12989,11 @@
                     <a:p>
                       <a:pPr algn="ctr"/>
                       <a:r>
-                        <a:rPr lang="uk-UA" sz="2000" noProof="0" dirty="0">
+                        <a:rPr lang="uk-UA" sz="2000" noProof="0" dirty="0" smtClean="0">
                           <a:effectLst/>
                           <a:latin typeface="Segoe Print" panose="02000600000000000000" pitchFamily="2" charset="0"/>
                         </a:rPr>
-                        <a:t>1 000</a:t>
+                        <a:t>500</a:t>
                       </a:r>
                       <a:endParaRPr lang="uk-UA" sz="2000" noProof="0" dirty="0">
                         <a:effectLst/>
@@ -12413,11 +13019,18 @@
                     <a:p>
                       <a:pPr algn="ctr"/>
                       <a:r>
+                        <a:rPr lang="uk-UA" sz="2000" noProof="0" dirty="0" smtClean="0">
+                          <a:effectLst/>
+                          <a:latin typeface="Segoe Print" panose="02000600000000000000" pitchFamily="2" charset="0"/>
+                        </a:rPr>
+                        <a:t>1 </a:t>
+                      </a:r>
+                      <a:r>
                         <a:rPr lang="uk-UA" sz="2000" noProof="0" dirty="0">
                           <a:effectLst/>
                           <a:latin typeface="Segoe Print" panose="02000600000000000000" pitchFamily="2" charset="0"/>
                         </a:rPr>
-                        <a:t>2 000 грн</a:t>
+                        <a:t>000 грн</a:t>
                       </a:r>
                       <a:endParaRPr lang="uk-UA" sz="2000" b="0" noProof="0" dirty="0">
                         <a:effectLst/>
@@ -12439,156 +13052,6 @@
                 <a:extLst>
                   <a:ext uri="{0D108BD9-81ED-4DB2-BD59-A6C34878D82A}">
                     <a16:rowId xmlns:a16="http://schemas.microsoft.com/office/drawing/2014/main" xmlns="" val="10002"/>
-                  </a:ext>
-                </a:extLst>
-              </a:tr>
-              <a:tr h="468000">
-                <a:tc>
-                  <a:txBody>
-                    <a:bodyPr/>
-                    <a:lstStyle/>
-                    <a:p>
-                      <a:pPr algn="l"/>
-                      <a:r>
-                        <a:rPr lang="uk-UA" sz="2000" b="1" i="0" noProof="0" dirty="0">
-                          <a:effectLst/>
-                          <a:latin typeface="Segoe Print" panose="02000600000000000000" pitchFamily="2" charset="0"/>
-                          <a:ea typeface="Tahoma" panose="020B0604030504040204" pitchFamily="34" charset="0"/>
-                          <a:cs typeface="Tahoma" panose="020B0604030504040204" pitchFamily="34" charset="0"/>
-                        </a:rPr>
-                        <a:t>Оголошення</a:t>
-                      </a:r>
-                      <a:r>
-                        <a:rPr lang="uk-UA" sz="2000" b="1" i="0" baseline="0" noProof="0" dirty="0">
-                          <a:effectLst/>
-                          <a:latin typeface="Segoe Print" panose="02000600000000000000" pitchFamily="2" charset="0"/>
-                          <a:ea typeface="Tahoma" panose="020B0604030504040204" pitchFamily="34" charset="0"/>
-                          <a:cs typeface="Tahoma" panose="020B0604030504040204" pitchFamily="34" charset="0"/>
-                        </a:rPr>
-                        <a:t> в газеті</a:t>
-                      </a:r>
-                      <a:endParaRPr lang="uk-UA" sz="2000" b="1" i="0" noProof="0" dirty="0">
-                        <a:effectLst/>
-                        <a:latin typeface="Segoe Print" panose="02000600000000000000" pitchFamily="2" charset="0"/>
-                        <a:ea typeface="Tahoma" panose="020B0604030504040204" pitchFamily="34" charset="0"/>
-                        <a:cs typeface="Tahoma" panose="020B0604030504040204" pitchFamily="34" charset="0"/>
-                      </a:endParaRPr>
-                    </a:p>
-                  </a:txBody>
-                  <a:tcPr anchor="ctr">
-                    <a:solidFill>
-                      <a:schemeClr val="accent6">
-                        <a:tint val="40000"/>
-                        <a:alpha val="80000"/>
-                      </a:schemeClr>
-                    </a:solidFill>
-                  </a:tcPr>
-                </a:tc>
-                <a:tc>
-                  <a:txBody>
-                    <a:bodyPr/>
-                    <a:lstStyle/>
-                    <a:p>
-                      <a:pPr algn="ctr"/>
-                      <a:r>
-                        <a:rPr lang="uk-UA" sz="2000" noProof="0" dirty="0" smtClean="0">
-                          <a:effectLst/>
-                          <a:latin typeface="Segoe Print" panose="02000600000000000000" pitchFamily="2" charset="0"/>
-                          <a:ea typeface="Tahoma" panose="020B0604030504040204" pitchFamily="34" charset="0"/>
-                          <a:cs typeface="Tahoma" panose="020B0604030504040204" pitchFamily="34" charset="0"/>
-                        </a:rPr>
-                        <a:t>250 </a:t>
-                      </a:r>
-                      <a:r>
-                        <a:rPr lang="uk-UA" sz="2000" noProof="0" dirty="0">
-                          <a:effectLst/>
-                          <a:latin typeface="Segoe Print" panose="02000600000000000000" pitchFamily="2" charset="0"/>
-                          <a:ea typeface="Tahoma" panose="020B0604030504040204" pitchFamily="34" charset="0"/>
-                          <a:cs typeface="Tahoma" panose="020B0604030504040204" pitchFamily="34" charset="0"/>
-                        </a:rPr>
-                        <a:t>грн</a:t>
-                      </a:r>
-                    </a:p>
-                  </a:txBody>
-                  <a:tcPr anchor="ctr">
-                    <a:solidFill>
-                      <a:schemeClr val="accent6">
-                        <a:tint val="40000"/>
-                        <a:alpha val="80000"/>
-                      </a:schemeClr>
-                    </a:solidFill>
-                  </a:tcPr>
-                </a:tc>
-                <a:tc>
-                  <a:txBody>
-                    <a:bodyPr/>
-                    <a:lstStyle/>
-                    <a:p>
-                      <a:pPr algn="ctr"/>
-                      <a:r>
-                        <a:rPr lang="uk-UA" sz="2000" noProof="0" dirty="0" smtClean="0">
-                          <a:effectLst/>
-                          <a:latin typeface="Segoe Print" panose="02000600000000000000" pitchFamily="2" charset="0"/>
-                          <a:ea typeface="Tahoma" panose="020B0604030504040204" pitchFamily="34" charset="0"/>
-                          <a:cs typeface="Tahoma" panose="020B0604030504040204" pitchFamily="34" charset="0"/>
-                        </a:rPr>
-                        <a:t>1</a:t>
-                      </a:r>
-                      <a:endParaRPr lang="uk-UA" sz="2000" noProof="0" dirty="0">
-                        <a:effectLst/>
-                        <a:latin typeface="Segoe Print" panose="02000600000000000000" pitchFamily="2" charset="0"/>
-                        <a:ea typeface="Tahoma" panose="020B0604030504040204" pitchFamily="34" charset="0"/>
-                        <a:cs typeface="Tahoma" panose="020B0604030504040204" pitchFamily="34" charset="0"/>
-                      </a:endParaRPr>
-                    </a:p>
-                  </a:txBody>
-                  <a:tcPr anchor="ctr">
-                    <a:solidFill>
-                      <a:schemeClr val="accent6">
-                        <a:tint val="40000"/>
-                        <a:alpha val="80000"/>
-                      </a:schemeClr>
-                    </a:solidFill>
-                  </a:tcPr>
-                </a:tc>
-                <a:tc>
-                  <a:txBody>
-                    <a:bodyPr/>
-                    <a:lstStyle/>
-                    <a:p>
-                      <a:pPr algn="ctr"/>
-                      <a:r>
-                        <a:rPr lang="uk-UA" sz="2000" noProof="0" dirty="0" smtClean="0">
-                          <a:effectLst/>
-                          <a:latin typeface="Segoe Print" panose="02000600000000000000" pitchFamily="2" charset="0"/>
-                          <a:ea typeface="Tahoma" panose="020B0604030504040204" pitchFamily="34" charset="0"/>
-                          <a:cs typeface="Tahoma" panose="020B0604030504040204" pitchFamily="34" charset="0"/>
-                        </a:rPr>
-                        <a:t>250 </a:t>
-                      </a:r>
-                      <a:r>
-                        <a:rPr lang="uk-UA" sz="2000" noProof="0" dirty="0">
-                          <a:effectLst/>
-                          <a:latin typeface="Segoe Print" panose="02000600000000000000" pitchFamily="2" charset="0"/>
-                          <a:ea typeface="Tahoma" panose="020B0604030504040204" pitchFamily="34" charset="0"/>
-                          <a:cs typeface="Tahoma" panose="020B0604030504040204" pitchFamily="34" charset="0"/>
-                        </a:rPr>
-                        <a:t>грн</a:t>
-                      </a:r>
-                    </a:p>
-                  </a:txBody>
-                  <a:tcPr anchor="ctr">
-                    <a:solidFill>
-                      <a:schemeClr val="accent6">
-                        <a:tint val="40000"/>
-                        <a:alpha val="80000"/>
-                      </a:schemeClr>
-                    </a:solidFill>
-                  </a:tcPr>
-                </a:tc>
-                <a:extLst>
-                  <a:ext uri="{0D108BD9-81ED-4DB2-BD59-A6C34878D82A}">
-                    <a16:rowId xmlns:a16="http://schemas.microsoft.com/office/drawing/2014/main" xmlns="" val="10003"/>
                   </a:ext>
                 </a:extLst>
               </a:tr>
@@ -12819,6 +13282,30 @@
                     <a:p>
                       <a:pPr algn="ctr"/>
                       <a:r>
+                        <a:rPr lang="uk-UA" sz="2000" noProof="0" dirty="0" smtClean="0">
+                          <a:gradFill flip="none" rotWithShape="1">
+                            <a:gsLst>
+                              <a:gs pos="0">
+                                <a:schemeClr val="tx1"/>
+                              </a:gs>
+                              <a:gs pos="100000">
+                                <a:schemeClr val="tx1">
+                                  <a:lumMod val="85000"/>
+                                  <a:lumOff val="15000"/>
+                                </a:schemeClr>
+                              </a:gs>
+                            </a:gsLst>
+                            <a:lin ang="16200000" scaled="1"/>
+                            <a:tileRect/>
+                          </a:gradFill>
+                          <a:effectLst/>
+                          <a:latin typeface="Tahoma" panose="020B0604030504040204" pitchFamily="34" charset="0"/>
+                          <a:ea typeface="Tahoma" panose="020B0604030504040204" pitchFamily="34" charset="0"/>
+                          <a:cs typeface="Tahoma" panose="020B0604030504040204" pitchFamily="34" charset="0"/>
+                        </a:rPr>
+                        <a:t>1</a:t>
+                      </a:r>
+                      <a:r>
                         <a:rPr lang="en-US" sz="2000" noProof="0" dirty="0" smtClean="0">
                           <a:gradFill flip="none" rotWithShape="1">
                             <a:gsLst>
@@ -12840,7 +13327,55 @@
                           <a:ea typeface="Tahoma" panose="020B0604030504040204" pitchFamily="34" charset="0"/>
                           <a:cs typeface="Tahoma" panose="020B0604030504040204" pitchFamily="34" charset="0"/>
                         </a:rPr>
-                        <a:t>2 650 </a:t>
+                        <a:t> </a:t>
+                      </a:r>
+                      <a:r>
+                        <a:rPr lang="uk-UA" sz="2000" noProof="0" dirty="0" smtClean="0">
+                          <a:gradFill flip="none" rotWithShape="1">
+                            <a:gsLst>
+                              <a:gs pos="0">
+                                <a:schemeClr val="tx1"/>
+                              </a:gs>
+                              <a:gs pos="100000">
+                                <a:schemeClr val="tx1">
+                                  <a:lumMod val="85000"/>
+                                  <a:lumOff val="15000"/>
+                                </a:schemeClr>
+                              </a:gs>
+                            </a:gsLst>
+                            <a:lin ang="16200000" scaled="1"/>
+                            <a:tileRect/>
+                          </a:gradFill>
+                          <a:effectLst/>
+                          <a:latin typeface="Tahoma" panose="020B0604030504040204" pitchFamily="34" charset="0"/>
+                          <a:ea typeface="Tahoma" panose="020B0604030504040204" pitchFamily="34" charset="0"/>
+                          <a:cs typeface="Tahoma" panose="020B0604030504040204" pitchFamily="34" charset="0"/>
+                        </a:rPr>
+                        <a:t>2</a:t>
+                      </a:r>
+                      <a:r>
+                        <a:rPr lang="en-US" sz="2000" noProof="0" dirty="0" smtClean="0">
+                          <a:gradFill flip="none" rotWithShape="1">
+                            <a:gsLst>
+                              <a:gs pos="0">
+                                <a:schemeClr val="tx1"/>
+                              </a:gs>
+                              <a:gs pos="100000">
+                                <a:schemeClr val="tx1">
+                                  <a:lumMod val="85000"/>
+                                  <a:lumOff val="15000"/>
+                                </a:schemeClr>
+                              </a:gs>
+                            </a:gsLst>
+                            <a:lin ang="16200000" scaled="1"/>
+                            <a:tileRect/>
+                          </a:gradFill>
+                          <a:effectLst/>
+                          <a:latin typeface="Tahoma" panose="020B0604030504040204" pitchFamily="34" charset="0"/>
+                          <a:ea typeface="Tahoma" panose="020B0604030504040204" pitchFamily="34" charset="0"/>
+                          <a:cs typeface="Tahoma" panose="020B0604030504040204" pitchFamily="34" charset="0"/>
+                        </a:rPr>
+                        <a:t>40 </a:t>
                       </a:r>
                       <a:r>
                         <a:rPr lang="uk-UA" sz="2000" noProof="0" dirty="0" smtClean="0">
@@ -13317,9 +13852,9 @@
                             <a:schemeClr val="tx1"/>
                           </a:solidFill>
                           <a:effectLst/>
-                          <a:latin typeface="Open Sans" panose="020B0606030504020204" pitchFamily="34" charset="0"/>
-                          <a:ea typeface="Open Sans" panose="020B0606030504020204" pitchFamily="34" charset="0"/>
-                          <a:cs typeface="Open Sans" panose="020B0606030504020204" pitchFamily="34" charset="0"/>
+                          <a:latin typeface="Tahoma" pitchFamily="34" charset="0"/>
+                          <a:ea typeface="Tahoma" pitchFamily="34" charset="0"/>
+                          <a:cs typeface="Tahoma" pitchFamily="34" charset="0"/>
                         </a:rPr>
                         <a:t>Послуга</a:t>
                       </a:r>
@@ -13328,9 +13863,9 @@
                           <a:schemeClr val="tx1"/>
                         </a:solidFill>
                         <a:effectLst/>
-                        <a:latin typeface="Open Sans" panose="020B0606030504020204" pitchFamily="34" charset="0"/>
-                        <a:ea typeface="Open Sans" panose="020B0606030504020204" pitchFamily="34" charset="0"/>
-                        <a:cs typeface="Open Sans" panose="020B0606030504020204" pitchFamily="34" charset="0"/>
+                        <a:latin typeface="Tahoma" pitchFamily="34" charset="0"/>
+                        <a:ea typeface="Tahoma" pitchFamily="34" charset="0"/>
+                        <a:cs typeface="Tahoma" pitchFamily="34" charset="0"/>
                       </a:endParaRPr>
                     </a:p>
                   </a:txBody>
@@ -13354,9 +13889,9 @@
                             <a:schemeClr val="tx1"/>
                           </a:solidFill>
                           <a:effectLst/>
-                          <a:latin typeface="Open Sans" panose="020B0606030504020204" pitchFamily="34" charset="0"/>
-                          <a:ea typeface="Open Sans" panose="020B0606030504020204" pitchFamily="34" charset="0"/>
-                          <a:cs typeface="Open Sans" panose="020B0606030504020204" pitchFamily="34" charset="0"/>
+                          <a:latin typeface="Tahoma" pitchFamily="34" charset="0"/>
+                          <a:ea typeface="Tahoma" pitchFamily="34" charset="0"/>
+                          <a:cs typeface="Tahoma" pitchFamily="34" charset="0"/>
                         </a:rPr>
                         <a:t>Вартість</a:t>
                       </a:r>
@@ -13365,9 +13900,9 @@
                           <a:schemeClr val="tx1"/>
                         </a:solidFill>
                         <a:effectLst/>
-                        <a:latin typeface="Open Sans" panose="020B0606030504020204" pitchFamily="34" charset="0"/>
-                        <a:ea typeface="Open Sans" panose="020B0606030504020204" pitchFamily="34" charset="0"/>
-                        <a:cs typeface="Open Sans" panose="020B0606030504020204" pitchFamily="34" charset="0"/>
+                        <a:latin typeface="Tahoma" pitchFamily="34" charset="0"/>
+                        <a:ea typeface="Tahoma" pitchFamily="34" charset="0"/>
+                        <a:cs typeface="Tahoma" pitchFamily="34" charset="0"/>
                       </a:endParaRPr>
                     </a:p>
                   </a:txBody>
@@ -13425,22 +13960,13 @@
                     <a:p>
                       <a:pPr algn="ctr"/>
                       <a:r>
-                        <a:rPr lang="en-US" sz="2400" b="0" noProof="0" dirty="0" smtClean="0">
-                          <a:effectLst/>
-                          <a:latin typeface="Segoe Print" panose="02000600000000000000" pitchFamily="2" charset="0"/>
-                          <a:ea typeface="Tahoma" panose="020B0604030504040204" pitchFamily="34" charset="0"/>
-                          <a:cs typeface="Tahoma" panose="020B0604030504040204" pitchFamily="34" charset="0"/>
-                        </a:rPr>
-                        <a:t>24</a:t>
-                      </a:r>
-                      <a:r>
                         <a:rPr lang="uk-UA" sz="2400" b="0" noProof="0" dirty="0" smtClean="0">
                           <a:effectLst/>
                           <a:latin typeface="Segoe Print" panose="02000600000000000000" pitchFamily="2" charset="0"/>
                           <a:ea typeface="Tahoma" panose="020B0604030504040204" pitchFamily="34" charset="0"/>
                           <a:cs typeface="Tahoma" panose="020B0604030504040204" pitchFamily="34" charset="0"/>
                         </a:rPr>
-                        <a:t>0 </a:t>
+                        <a:t>140 </a:t>
                       </a:r>
                       <a:r>
                         <a:rPr lang="uk-UA" sz="2400" b="0" noProof="0" dirty="0">
@@ -13500,16 +14026,10 @@
                     <a:p>
                       <a:pPr algn="ctr"/>
                       <a:r>
-                        <a:rPr lang="en-US" sz="2400" b="0" noProof="0" dirty="0" smtClean="0">
-                          <a:latin typeface="Segoe Print" panose="02000600000000000000" pitchFamily="2" charset="0"/>
-                        </a:rPr>
-                        <a:t>2</a:t>
-                      </a:r>
-                      <a:r>
                         <a:rPr lang="uk-UA" sz="2400" b="0" noProof="0" dirty="0" smtClean="0">
                           <a:latin typeface="Segoe Print" panose="02000600000000000000" pitchFamily="2" charset="0"/>
                         </a:rPr>
-                        <a:t>00 </a:t>
+                        <a:t>140 </a:t>
                       </a:r>
                       <a:r>
                         <a:rPr lang="uk-UA" sz="2400" b="0" noProof="0" dirty="0">
@@ -13581,22 +14101,13 @@
                         <a:defRPr/>
                       </a:pPr>
                       <a:r>
-                        <a:rPr lang="en-US" sz="2400" b="0" noProof="0" dirty="0" smtClean="0">
-                          <a:effectLst/>
-                          <a:latin typeface="Segoe Print" panose="02000600000000000000" pitchFamily="2" charset="0"/>
-                          <a:ea typeface="Tahoma" panose="020B0604030504040204" pitchFamily="34" charset="0"/>
-                          <a:cs typeface="Tahoma" panose="020B0604030504040204" pitchFamily="34" charset="0"/>
-                        </a:rPr>
-                        <a:t>1</a:t>
-                      </a:r>
-                      <a:r>
                         <a:rPr lang="uk-UA" sz="2400" b="0" noProof="0" dirty="0" smtClean="0">
                           <a:effectLst/>
                           <a:latin typeface="Segoe Print" panose="02000600000000000000" pitchFamily="2" charset="0"/>
                           <a:ea typeface="Tahoma" panose="020B0604030504040204" pitchFamily="34" charset="0"/>
                           <a:cs typeface="Tahoma" panose="020B0604030504040204" pitchFamily="34" charset="0"/>
                         </a:rPr>
-                        <a:t>00 грн</a:t>
+                        <a:t>80 грн</a:t>
                       </a:r>
                     </a:p>
                   </a:txBody>
@@ -13641,22 +14152,13 @@
                     <a:p>
                       <a:pPr algn="ctr"/>
                       <a:r>
-                        <a:rPr lang="en-US" sz="2400" b="0" noProof="0" dirty="0" smtClean="0">
-                          <a:effectLst/>
-                          <a:latin typeface="Segoe Print" panose="02000600000000000000" pitchFamily="2" charset="0"/>
-                          <a:ea typeface="Tahoma" panose="020B0604030504040204" pitchFamily="34" charset="0"/>
-                          <a:cs typeface="Tahoma" panose="020B0604030504040204" pitchFamily="34" charset="0"/>
-                        </a:rPr>
-                        <a:t>22</a:t>
-                      </a:r>
-                      <a:r>
                         <a:rPr lang="uk-UA" sz="2400" b="0" noProof="0" dirty="0" smtClean="0">
                           <a:effectLst/>
                           <a:latin typeface="Segoe Print" panose="02000600000000000000" pitchFamily="2" charset="0"/>
                           <a:ea typeface="Tahoma" panose="020B0604030504040204" pitchFamily="34" charset="0"/>
                           <a:cs typeface="Tahoma" panose="020B0604030504040204" pitchFamily="34" charset="0"/>
                         </a:rPr>
-                        <a:t>0 грн</a:t>
+                        <a:t>130 грн</a:t>
                       </a:r>
                       <a:endParaRPr lang="uk-UA" sz="2400" b="0" noProof="0" dirty="0">
                         <a:latin typeface="Segoe Print" panose="02000600000000000000" pitchFamily="2" charset="0"/>
@@ -13704,22 +14206,13 @@
                     <a:p>
                       <a:pPr algn="ctr"/>
                       <a:r>
-                        <a:rPr lang="en-US" sz="2400" b="0" noProof="0" dirty="0" smtClean="0">
-                          <a:effectLst/>
-                          <a:latin typeface="Segoe Print" panose="02000600000000000000" pitchFamily="2" charset="0"/>
-                          <a:ea typeface="Tahoma" panose="020B0604030504040204" pitchFamily="34" charset="0"/>
-                          <a:cs typeface="Tahoma" panose="020B0604030504040204" pitchFamily="34" charset="0"/>
-                        </a:rPr>
-                        <a:t>23</a:t>
-                      </a:r>
-                      <a:r>
                         <a:rPr lang="uk-UA" sz="2400" b="0" noProof="0" dirty="0" smtClean="0">
                           <a:effectLst/>
                           <a:latin typeface="Segoe Print" panose="02000600000000000000" pitchFamily="2" charset="0"/>
                           <a:ea typeface="Tahoma" panose="020B0604030504040204" pitchFamily="34" charset="0"/>
                           <a:cs typeface="Tahoma" panose="020B0604030504040204" pitchFamily="34" charset="0"/>
                         </a:rPr>
-                        <a:t>0 грн</a:t>
+                        <a:t>130 грн</a:t>
                       </a:r>
                       <a:endParaRPr lang="uk-UA" sz="2400" b="0" noProof="0" dirty="0">
                         <a:latin typeface="Segoe Print" panose="02000600000000000000" pitchFamily="2" charset="0"/>
@@ -14082,9 +14575,9 @@
                             <a:schemeClr val="tx1"/>
                           </a:solidFill>
                           <a:effectLst/>
-                          <a:latin typeface="Open Sans" panose="020B0606030504020204" pitchFamily="34" charset="0"/>
-                          <a:ea typeface="Open Sans" panose="020B0606030504020204" pitchFamily="34" charset="0"/>
-                          <a:cs typeface="Open Sans" panose="020B0606030504020204" pitchFamily="34" charset="0"/>
+                          <a:latin typeface="Tahoma" pitchFamily="34" charset="0"/>
+                          <a:ea typeface="Tahoma" pitchFamily="34" charset="0"/>
+                          <a:cs typeface="Tahoma" pitchFamily="34" charset="0"/>
                         </a:rPr>
                         <a:t>Обладнання</a:t>
                       </a:r>
@@ -14093,9 +14586,9 @@
                           <a:schemeClr val="tx1"/>
                         </a:solidFill>
                         <a:effectLst/>
-                        <a:latin typeface="Open Sans" panose="020B0606030504020204" pitchFamily="34" charset="0"/>
-                        <a:ea typeface="Open Sans" panose="020B0606030504020204" pitchFamily="34" charset="0"/>
-                        <a:cs typeface="Open Sans" panose="020B0606030504020204" pitchFamily="34" charset="0"/>
+                        <a:latin typeface="Tahoma" pitchFamily="34" charset="0"/>
+                        <a:ea typeface="Tahoma" pitchFamily="34" charset="0"/>
+                        <a:cs typeface="Tahoma" pitchFamily="34" charset="0"/>
                       </a:endParaRPr>
                     </a:p>
                   </a:txBody>
@@ -14119,9 +14612,9 @@
                             <a:schemeClr val="tx1"/>
                           </a:solidFill>
                           <a:effectLst/>
-                          <a:latin typeface="Open Sans" panose="020B0606030504020204" pitchFamily="34" charset="0"/>
-                          <a:ea typeface="Open Sans" panose="020B0606030504020204" pitchFamily="34" charset="0"/>
-                          <a:cs typeface="Open Sans" panose="020B0606030504020204" pitchFamily="34" charset="0"/>
+                          <a:latin typeface="Tahoma" pitchFamily="34" charset="0"/>
+                          <a:ea typeface="Tahoma" pitchFamily="34" charset="0"/>
+                          <a:cs typeface="Tahoma" pitchFamily="34" charset="0"/>
                         </a:rPr>
                         <a:t>Вартість за 1</a:t>
                       </a:r>
@@ -14147,9 +14640,9 @@
                             <a:schemeClr val="tx1"/>
                           </a:solidFill>
                           <a:effectLst/>
-                          <a:latin typeface="Open Sans" panose="020B0606030504020204" pitchFamily="34" charset="0"/>
-                          <a:ea typeface="Open Sans" panose="020B0606030504020204" pitchFamily="34" charset="0"/>
-                          <a:cs typeface="Open Sans" panose="020B0606030504020204" pitchFamily="34" charset="0"/>
+                          <a:latin typeface="Tahoma" pitchFamily="34" charset="0"/>
+                          <a:ea typeface="Tahoma" pitchFamily="34" charset="0"/>
+                          <a:cs typeface="Tahoma" pitchFamily="34" charset="0"/>
                         </a:rPr>
                         <a:t>Кількість</a:t>
                       </a:r>
@@ -14158,9 +14651,9 @@
                           <a:schemeClr val="tx1"/>
                         </a:solidFill>
                         <a:effectLst/>
-                        <a:latin typeface="Open Sans" panose="020B0606030504020204" pitchFamily="34" charset="0"/>
-                        <a:ea typeface="Open Sans" panose="020B0606030504020204" pitchFamily="34" charset="0"/>
-                        <a:cs typeface="Open Sans" panose="020B0606030504020204" pitchFamily="34" charset="0"/>
+                        <a:latin typeface="Tahoma" pitchFamily="34" charset="0"/>
+                        <a:ea typeface="Tahoma" pitchFamily="34" charset="0"/>
+                        <a:cs typeface="Tahoma" pitchFamily="34" charset="0"/>
                       </a:endParaRPr>
                     </a:p>
                   </a:txBody>
@@ -14184,9 +14677,9 @@
                             <a:schemeClr val="tx1"/>
                           </a:solidFill>
                           <a:effectLst/>
-                          <a:latin typeface="Open Sans" panose="020B0606030504020204" pitchFamily="34" charset="0"/>
-                          <a:ea typeface="Open Sans" panose="020B0606030504020204" pitchFamily="34" charset="0"/>
-                          <a:cs typeface="Open Sans" panose="020B0606030504020204" pitchFamily="34" charset="0"/>
+                          <a:latin typeface="Tahoma" pitchFamily="34" charset="0"/>
+                          <a:ea typeface="Tahoma" pitchFamily="34" charset="0"/>
+                          <a:cs typeface="Tahoma" pitchFamily="34" charset="0"/>
                         </a:rPr>
                         <a:t>Сума</a:t>
                       </a:r>
@@ -14385,7 +14878,7 @@
                           <a:ea typeface="Tahoma" panose="020B0604030504040204" pitchFamily="34" charset="0"/>
                           <a:cs typeface="Tahoma" panose="020B0604030504040204" pitchFamily="34" charset="0"/>
                         </a:rPr>
-                        <a:t>6 200 грн</a:t>
+                        <a:t>4 000 грн</a:t>
                       </a:r>
                       <a:endParaRPr lang="uk-UA" sz="1600" noProof="0" dirty="0">
                         <a:effectLst/>
@@ -14463,7 +14956,7 @@
                           <a:ea typeface="Tahoma" panose="020B0604030504040204" pitchFamily="34" charset="0"/>
                           <a:cs typeface="Tahoma" panose="020B0604030504040204" pitchFamily="34" charset="0"/>
                         </a:rPr>
-                        <a:t>18 600 грн</a:t>
+                        <a:t>12 000 грн</a:t>
                       </a:r>
                     </a:p>
                   </a:txBody>
@@ -14522,7 +15015,7 @@
                           <a:ea typeface="Tahoma" panose="020B0604030504040204" pitchFamily="34" charset="0"/>
                           <a:cs typeface="Tahoma" panose="020B0604030504040204" pitchFamily="34" charset="0"/>
                         </a:rPr>
-                        <a:t>3 000 грн</a:t>
+                        <a:t>2 000 грн</a:t>
                       </a:r>
                       <a:endParaRPr lang="uk-UA" sz="1600" noProof="0" dirty="0">
                         <a:effectLst/>
@@ -14586,7 +15079,7 @@
                           <a:ea typeface="Tahoma" panose="020B0604030504040204" pitchFamily="34" charset="0"/>
                           <a:cs typeface="Tahoma" panose="020B0604030504040204" pitchFamily="34" charset="0"/>
                         </a:rPr>
-                        <a:t>3 000 грн</a:t>
+                        <a:t>2 000 грн</a:t>
                       </a:r>
                       <a:endParaRPr lang="uk-UA" sz="1600" noProof="0" dirty="0">
                         <a:effectLst/>
@@ -14651,7 +15144,7 @@
                           <a:ea typeface="Tahoma" panose="020B0604030504040204" pitchFamily="34" charset="0"/>
                           <a:cs typeface="Tahoma" panose="020B0604030504040204" pitchFamily="34" charset="0"/>
                         </a:rPr>
-                        <a:t>2 000 грн</a:t>
+                        <a:t>1 000 грн</a:t>
                       </a:r>
                       <a:endParaRPr lang="uk-UA" sz="1600" noProof="0" dirty="0">
                         <a:effectLst/>
@@ -14713,7 +15206,7 @@
                           <a:ea typeface="Tahoma" panose="020B0604030504040204" pitchFamily="34" charset="0"/>
                           <a:cs typeface="Tahoma" panose="020B0604030504040204" pitchFamily="34" charset="0"/>
                         </a:rPr>
-                        <a:t>12 000 грн</a:t>
+                        <a:t>6 000 грн</a:t>
                       </a:r>
                       <a:endParaRPr lang="uk-UA" sz="1600" noProof="0" dirty="0">
                         <a:effectLst/>
@@ -14777,7 +15270,7 @@
                           <a:ea typeface="Tahoma" panose="020B0604030504040204" pitchFamily="34" charset="0"/>
                           <a:cs typeface="Tahoma" panose="020B0604030504040204" pitchFamily="34" charset="0"/>
                         </a:rPr>
-                        <a:t>6 000 грн</a:t>
+                        <a:t>4 000 грн</a:t>
                       </a:r>
                       <a:endParaRPr lang="uk-UA" sz="1600" noProof="0" dirty="0">
                         <a:effectLst/>
@@ -14839,7 +15332,7 @@
                           <a:ea typeface="Tahoma" panose="020B0604030504040204" pitchFamily="34" charset="0"/>
                           <a:cs typeface="Tahoma" panose="020B0604030504040204" pitchFamily="34" charset="0"/>
                         </a:rPr>
-                        <a:t>12 000 грн</a:t>
+                        <a:t>8 000 грн</a:t>
                       </a:r>
                       <a:endParaRPr lang="uk-UA" sz="1600" b="0" noProof="0" dirty="0">
                         <a:effectLst/>
@@ -14909,7 +15402,7 @@
                           <a:ea typeface="Tahoma" panose="020B0604030504040204" pitchFamily="34" charset="0"/>
                           <a:cs typeface="Tahoma" panose="020B0604030504040204" pitchFamily="34" charset="0"/>
                         </a:rPr>
-                        <a:t>1 800 грн</a:t>
+                        <a:t>1 000 грн</a:t>
                       </a:r>
                       <a:endParaRPr lang="uk-UA" sz="1600" noProof="0" dirty="0">
                         <a:effectLst/>
@@ -14973,7 +15466,7 @@
                           <a:ea typeface="Tahoma" panose="020B0604030504040204" pitchFamily="34" charset="0"/>
                           <a:cs typeface="Tahoma" panose="020B0604030504040204" pitchFamily="34" charset="0"/>
                         </a:rPr>
-                        <a:t>3 600 грн</a:t>
+                        <a:t>2 000 грн</a:t>
                       </a:r>
                       <a:endParaRPr lang="uk-UA" sz="1600" noProof="0" dirty="0">
                         <a:effectLst/>
@@ -15034,7 +15527,7 @@
                         <a:rPr lang="uk-UA" sz="1600" noProof="0" dirty="0" smtClean="0">
                           <a:latin typeface="Segoe Print" panose="02000600000000000000" pitchFamily="2" charset="0"/>
                         </a:rPr>
-                        <a:t>3 500 грн</a:t>
+                        <a:t>2 500 грн</a:t>
                       </a:r>
                       <a:endParaRPr lang="uk-UA" sz="1600" noProof="0" dirty="0">
                         <a:latin typeface="Segoe Print" panose="02000600000000000000" pitchFamily="2" charset="0"/>
@@ -15086,7 +15579,7 @@
                         <a:rPr lang="uk-UA" sz="1600" noProof="0" dirty="0" smtClean="0">
                           <a:latin typeface="Segoe Print" panose="02000600000000000000" pitchFamily="2" charset="0"/>
                         </a:rPr>
-                        <a:t>7 000 грн</a:t>
+                        <a:t>5 000 грн</a:t>
                       </a:r>
                       <a:endParaRPr lang="uk-UA" sz="1600" noProof="0" dirty="0">
                         <a:latin typeface="Segoe Print" panose="02000600000000000000" pitchFamily="2" charset="0"/>
@@ -15143,7 +15636,7 @@
                         <a:rPr lang="uk-UA" sz="1600" noProof="0" dirty="0" smtClean="0">
                           <a:latin typeface="Segoe Print" panose="02000600000000000000" pitchFamily="2" charset="0"/>
                         </a:rPr>
-                        <a:t>800 грн</a:t>
+                        <a:t>400 грн</a:t>
                       </a:r>
                       <a:endParaRPr lang="uk-UA" sz="1600" noProof="0" dirty="0">
                         <a:latin typeface="Segoe Print" panose="02000600000000000000" pitchFamily="2" charset="0"/>
@@ -15193,7 +15686,7 @@
                         <a:rPr lang="uk-UA" sz="1600" noProof="0" dirty="0" smtClean="0">
                           <a:latin typeface="Segoe Print" panose="02000600000000000000" pitchFamily="2" charset="0"/>
                         </a:rPr>
-                        <a:t>1 600 грн</a:t>
+                        <a:t>800 грн</a:t>
                       </a:r>
                       <a:endParaRPr lang="uk-UA" sz="1600" noProof="0" dirty="0">
                         <a:latin typeface="Segoe Print" panose="02000600000000000000" pitchFamily="2" charset="0"/>
@@ -15250,7 +15743,7 @@
                         <a:rPr lang="uk-UA" sz="1600" noProof="0" dirty="0" smtClean="0">
                           <a:latin typeface="Segoe Print" panose="02000600000000000000" pitchFamily="2" charset="0"/>
                         </a:rPr>
-                        <a:t>3 000 грн</a:t>
+                        <a:t>2 800 грн</a:t>
                       </a:r>
                       <a:endParaRPr lang="uk-UA" sz="1600" noProof="0" dirty="0">
                         <a:latin typeface="Segoe Print" panose="02000600000000000000" pitchFamily="2" charset="0"/>
@@ -15302,7 +15795,7 @@
                         <a:rPr lang="uk-UA" sz="1600" noProof="0" dirty="0" smtClean="0">
                           <a:latin typeface="Segoe Print" panose="02000600000000000000" pitchFamily="2" charset="0"/>
                         </a:rPr>
-                        <a:t>6 000 грн</a:t>
+                        <a:t>5 600 грн</a:t>
                       </a:r>
                       <a:endParaRPr lang="uk-UA" sz="1600" noProof="0" dirty="0">
                         <a:latin typeface="Segoe Print" panose="02000600000000000000" pitchFamily="2" charset="0"/>
@@ -15359,7 +15852,7 @@
                         <a:rPr lang="uk-UA" sz="1600" noProof="0" dirty="0" smtClean="0">
                           <a:latin typeface="Segoe Print" panose="02000600000000000000" pitchFamily="2" charset="0"/>
                         </a:rPr>
-                        <a:t>4 000 грн</a:t>
+                        <a:t>3 600 грн</a:t>
                       </a:r>
                       <a:endParaRPr lang="uk-UA" sz="1600" noProof="0" dirty="0">
                         <a:latin typeface="Segoe Print" panose="02000600000000000000" pitchFamily="2" charset="0"/>
@@ -15409,7 +15902,7 @@
                         <a:rPr lang="uk-UA" sz="1600" noProof="0" dirty="0" smtClean="0">
                           <a:latin typeface="Segoe Print" panose="02000600000000000000" pitchFamily="2" charset="0"/>
                         </a:rPr>
-                        <a:t>4 000 грн</a:t>
+                        <a:t>3 600 грн</a:t>
                       </a:r>
                       <a:endParaRPr lang="uk-UA" sz="1600" noProof="0" dirty="0">
                         <a:latin typeface="Segoe Print" panose="02000600000000000000" pitchFamily="2" charset="0"/>
@@ -15461,7 +15954,7 @@
                         <a:rPr lang="uk-UA" sz="1600" noProof="0" dirty="0" smtClean="0">
                           <a:latin typeface="Segoe Print" panose="02000600000000000000" pitchFamily="2" charset="0"/>
                         </a:rPr>
-                        <a:t>6 000 грн</a:t>
+                        <a:t>5 000 грн</a:t>
                       </a:r>
                       <a:endParaRPr lang="uk-UA" sz="1600" noProof="0" dirty="0">
                         <a:latin typeface="Segoe Print" panose="02000600000000000000" pitchFamily="2" charset="0"/>
@@ -15513,7 +16006,7 @@
                         <a:rPr lang="uk-UA" sz="1600" noProof="0" dirty="0" smtClean="0">
                           <a:latin typeface="Segoe Print" panose="02000600000000000000" pitchFamily="2" charset="0"/>
                         </a:rPr>
-                        <a:t>6 000 грнн</a:t>
+                        <a:t>5 000 грнн</a:t>
                       </a:r>
                       <a:endParaRPr lang="uk-UA" sz="1600" noProof="0" dirty="0">
                         <a:latin typeface="Segoe Print" panose="02000600000000000000" pitchFamily="2" charset="0"/>
@@ -15655,7 +16148,7 @@
                           <a:ea typeface="Tahoma" panose="020B0604030504040204" pitchFamily="34" charset="0"/>
                           <a:cs typeface="Tahoma" panose="020B0604030504040204" pitchFamily="34" charset="0"/>
                         </a:rPr>
-                        <a:t>76 800 </a:t>
+                        <a:t>53 000 </a:t>
                       </a:r>
                       <a:r>
                         <a:rPr lang="uk-UA" sz="2000" i="0" noProof="0" dirty="0">
@@ -15950,7 +16443,7 @@
         </p:nvGraphicFramePr>
         <p:xfrm>
           <a:off x="1145999" y="1663422"/>
-          <a:ext cx="9900000" cy="3836880"/>
+          <a:ext cx="9900000" cy="3471120"/>
         </p:xfrm>
         <a:graphic>
           <a:graphicData uri="http://schemas.openxmlformats.org/drawingml/2006/table">
@@ -16008,9 +16501,9 @@
                             <a:schemeClr val="tx1"/>
                           </a:solidFill>
                           <a:effectLst/>
-                          <a:latin typeface="Open Sans" panose="020B0606030504020204" pitchFamily="34" charset="0"/>
-                          <a:ea typeface="Open Sans" panose="020B0606030504020204" pitchFamily="34" charset="0"/>
-                          <a:cs typeface="Open Sans" panose="020B0606030504020204" pitchFamily="34" charset="0"/>
+                          <a:latin typeface="Tahoma" pitchFamily="34" charset="0"/>
+                          <a:ea typeface="Tahoma" pitchFamily="34" charset="0"/>
+                          <a:cs typeface="Tahoma" pitchFamily="34" charset="0"/>
                         </a:rPr>
                         <a:t>Посада</a:t>
                       </a:r>
@@ -16036,9 +16529,9 @@
                             <a:schemeClr val="tx1"/>
                           </a:solidFill>
                           <a:effectLst/>
-                          <a:latin typeface="Open Sans" panose="020B0606030504020204" pitchFamily="34" charset="0"/>
-                          <a:ea typeface="Open Sans" panose="020B0606030504020204" pitchFamily="34" charset="0"/>
-                          <a:cs typeface="Open Sans" panose="020B0606030504020204" pitchFamily="34" charset="0"/>
+                          <a:latin typeface="Tahoma" pitchFamily="34" charset="0"/>
+                          <a:ea typeface="Tahoma" pitchFamily="34" charset="0"/>
+                          <a:cs typeface="Tahoma" pitchFamily="34" charset="0"/>
                         </a:rPr>
                         <a:t>Оплата одному працівникові</a:t>
                       </a:r>
@@ -16064,9 +16557,9 @@
                             <a:schemeClr val="tx1"/>
                           </a:solidFill>
                           <a:effectLst/>
-                          <a:latin typeface="Open Sans" panose="020B0606030504020204" pitchFamily="34" charset="0"/>
-                          <a:ea typeface="Open Sans" panose="020B0606030504020204" pitchFamily="34" charset="0"/>
-                          <a:cs typeface="Open Sans" panose="020B0606030504020204" pitchFamily="34" charset="0"/>
+                          <a:latin typeface="Tahoma" pitchFamily="34" charset="0"/>
+                          <a:ea typeface="Tahoma" pitchFamily="34" charset="0"/>
+                          <a:cs typeface="Tahoma" pitchFamily="34" charset="0"/>
                         </a:rPr>
                         <a:t>Кількість</a:t>
                       </a:r>
@@ -16079,9 +16572,9 @@
                             <a:schemeClr val="tx1"/>
                           </a:solidFill>
                           <a:effectLst/>
-                          <a:latin typeface="Open Sans" panose="020B0606030504020204" pitchFamily="34" charset="0"/>
-                          <a:ea typeface="Open Sans" panose="020B0606030504020204" pitchFamily="34" charset="0"/>
-                          <a:cs typeface="Open Sans" panose="020B0606030504020204" pitchFamily="34" charset="0"/>
+                          <a:latin typeface="Tahoma" pitchFamily="34" charset="0"/>
+                          <a:ea typeface="Tahoma" pitchFamily="34" charset="0"/>
+                          <a:cs typeface="Tahoma" pitchFamily="34" charset="0"/>
                         </a:rPr>
                         <a:t>працівників</a:t>
                       </a:r>
@@ -16107,9 +16600,9 @@
                             <a:schemeClr val="tx1"/>
                           </a:solidFill>
                           <a:effectLst/>
-                          <a:latin typeface="Open Sans" panose="020B0606030504020204" pitchFamily="34" charset="0"/>
-                          <a:ea typeface="Open Sans" panose="020B0606030504020204" pitchFamily="34" charset="0"/>
-                          <a:cs typeface="Open Sans" panose="020B0606030504020204" pitchFamily="34" charset="0"/>
+                          <a:latin typeface="Tahoma" pitchFamily="34" charset="0"/>
+                          <a:ea typeface="Tahoma" pitchFamily="34" charset="0"/>
+                          <a:cs typeface="Tahoma" pitchFamily="34" charset="0"/>
                         </a:rPr>
                         <a:t>Сума</a:t>
                       </a:r>
@@ -16143,157 +16636,6 @@
                           <a:ea typeface="Tahoma" panose="020B0604030504040204" pitchFamily="34" charset="0"/>
                           <a:cs typeface="Tahoma" panose="020B0604030504040204" pitchFamily="34" charset="0"/>
                         </a:rPr>
-                        <a:t>Директор</a:t>
-                      </a:r>
-                    </a:p>
-                  </a:txBody>
-                  <a:tcPr anchor="ctr">
-                    <a:solidFill>
-                      <a:schemeClr val="accent6">
-                        <a:tint val="40000"/>
-                        <a:alpha val="80000"/>
-                      </a:schemeClr>
-                    </a:solidFill>
-                  </a:tcPr>
-                </a:tc>
-                <a:tc>
-                  <a:txBody>
-                    <a:bodyPr/>
-                    <a:lstStyle/>
-                    <a:p>
-                      <a:pPr algn="ctr"/>
-                      <a:r>
-                        <a:rPr lang="en-US" sz="1800" noProof="0" dirty="0" smtClean="0">
-                          <a:effectLst/>
-                          <a:latin typeface="Segoe Print" panose="02000600000000000000" pitchFamily="2" charset="0"/>
-                        </a:rPr>
-                        <a:t>8</a:t>
-                      </a:r>
-                      <a:r>
-                        <a:rPr lang="uk-UA" sz="1800" noProof="0" dirty="0" smtClean="0">
-                          <a:effectLst/>
-                          <a:latin typeface="Segoe Print" panose="02000600000000000000" pitchFamily="2" charset="0"/>
-                        </a:rPr>
-                        <a:t> </a:t>
-                      </a:r>
-                      <a:r>
-                        <a:rPr lang="uk-UA" sz="1800" noProof="0" dirty="0">
-                          <a:effectLst/>
-                          <a:latin typeface="Segoe Print" panose="02000600000000000000" pitchFamily="2" charset="0"/>
-                        </a:rPr>
-                        <a:t>000 грн</a:t>
-                      </a:r>
-                      <a:endParaRPr lang="uk-UA" sz="1800" noProof="0" dirty="0">
-                        <a:effectLst/>
-                        <a:latin typeface="Segoe Print" panose="02000600000000000000" pitchFamily="2" charset="0"/>
-                        <a:ea typeface="Tahoma" panose="020B0604030504040204" pitchFamily="34" charset="0"/>
-                        <a:cs typeface="Tahoma" panose="020B0604030504040204" pitchFamily="34" charset="0"/>
-                      </a:endParaRPr>
-                    </a:p>
-                  </a:txBody>
-                  <a:tcPr anchor="ctr">
-                    <a:solidFill>
-                      <a:schemeClr val="accent6">
-                        <a:tint val="40000"/>
-                        <a:alpha val="80000"/>
-                      </a:schemeClr>
-                    </a:solidFill>
-                  </a:tcPr>
-                </a:tc>
-                <a:tc>
-                  <a:txBody>
-                    <a:bodyPr/>
-                    <a:lstStyle/>
-                    <a:p>
-                      <a:pPr algn="ctr"/>
-                      <a:r>
-                        <a:rPr lang="en-US" sz="1800" noProof="0" dirty="0">
-                          <a:effectLst/>
-                          <a:latin typeface="Segoe Print" panose="02000600000000000000" pitchFamily="2" charset="0"/>
-                        </a:rPr>
-                        <a:t>1</a:t>
-                      </a:r>
-                      <a:endParaRPr lang="uk-UA" sz="1800" noProof="0" dirty="0">
-                        <a:effectLst/>
-                        <a:latin typeface="Segoe Print" panose="02000600000000000000" pitchFamily="2" charset="0"/>
-                        <a:ea typeface="Tahoma" panose="020B0604030504040204" pitchFamily="34" charset="0"/>
-                        <a:cs typeface="Tahoma" panose="020B0604030504040204" pitchFamily="34" charset="0"/>
-                      </a:endParaRPr>
-                    </a:p>
-                  </a:txBody>
-                  <a:tcPr anchor="ctr">
-                    <a:solidFill>
-                      <a:schemeClr val="accent6">
-                        <a:tint val="40000"/>
-                        <a:alpha val="80000"/>
-                      </a:schemeClr>
-                    </a:solidFill>
-                  </a:tcPr>
-                </a:tc>
-                <a:tc>
-                  <a:txBody>
-                    <a:bodyPr/>
-                    <a:lstStyle/>
-                    <a:p>
-                      <a:pPr algn="ctr"/>
-                      <a:r>
-                        <a:rPr lang="en-US" sz="1800" noProof="0" dirty="0" smtClean="0">
-                          <a:effectLst/>
-                          <a:latin typeface="Segoe Print" panose="02000600000000000000" pitchFamily="2" charset="0"/>
-                          <a:ea typeface="Tahoma" panose="020B0604030504040204" pitchFamily="34" charset="0"/>
-                          <a:cs typeface="Tahoma" panose="020B0604030504040204" pitchFamily="34" charset="0"/>
-                        </a:rPr>
-                        <a:t>8</a:t>
-                      </a:r>
-                      <a:r>
-                        <a:rPr lang="uk-UA" sz="1800" noProof="0" dirty="0" smtClean="0">
-                          <a:effectLst/>
-                          <a:latin typeface="Segoe Print" panose="02000600000000000000" pitchFamily="2" charset="0"/>
-                          <a:ea typeface="Tahoma" panose="020B0604030504040204" pitchFamily="34" charset="0"/>
-                          <a:cs typeface="Tahoma" panose="020B0604030504040204" pitchFamily="34" charset="0"/>
-                        </a:rPr>
-                        <a:t> </a:t>
-                      </a:r>
-                      <a:r>
-                        <a:rPr lang="uk-UA" sz="1800" noProof="0" dirty="0">
-                          <a:effectLst/>
-                          <a:latin typeface="Segoe Print" panose="02000600000000000000" pitchFamily="2" charset="0"/>
-                          <a:ea typeface="Tahoma" panose="020B0604030504040204" pitchFamily="34" charset="0"/>
-                          <a:cs typeface="Tahoma" panose="020B0604030504040204" pitchFamily="34" charset="0"/>
-                        </a:rPr>
-                        <a:t>000 грн</a:t>
-                      </a:r>
-                    </a:p>
-                  </a:txBody>
-                  <a:tcPr anchor="ctr">
-                    <a:solidFill>
-                      <a:schemeClr val="accent6">
-                        <a:tint val="40000"/>
-                        <a:alpha val="80000"/>
-                      </a:schemeClr>
-                    </a:solidFill>
-                  </a:tcPr>
-                </a:tc>
-                <a:extLst>
-                  <a:ext uri="{0D108BD9-81ED-4DB2-BD59-A6C34878D82A}">
-                    <a16:rowId xmlns:a16="http://schemas.microsoft.com/office/drawing/2014/main" xmlns="" val="10001"/>
-                  </a:ext>
-                </a:extLst>
-              </a:tr>
-              <a:tr h="0">
-                <a:tc>
-                  <a:txBody>
-                    <a:bodyPr/>
-                    <a:lstStyle/>
-                    <a:p>
-                      <a:pPr algn="l"/>
-                      <a:r>
-                        <a:rPr lang="uk-UA" sz="1800" b="1" i="0" noProof="0" dirty="0">
-                          <a:effectLst/>
-                          <a:latin typeface="Segoe Print" panose="02000600000000000000" pitchFamily="2" charset="0"/>
-                          <a:ea typeface="Tahoma" panose="020B0604030504040204" pitchFamily="34" charset="0"/>
-                          <a:cs typeface="Tahoma" panose="020B0604030504040204" pitchFamily="34" charset="0"/>
-                        </a:rPr>
                         <a:t>Майстер </a:t>
                       </a:r>
                       <a:r>
@@ -16417,7 +16759,7 @@
                           <a:ea typeface="Tahoma" panose="020B0604030504040204" pitchFamily="34" charset="0"/>
                           <a:cs typeface="Tahoma" panose="020B0604030504040204" pitchFamily="34" charset="0"/>
                         </a:rPr>
-                        <a:t>14</a:t>
+                        <a:t>1</a:t>
                       </a:r>
                       <a:r>
                         <a:rPr lang="uk-UA" sz="1800" b="0" noProof="0" dirty="0" smtClean="0">
@@ -16426,7 +16768,7 @@
                           <a:ea typeface="Tahoma" panose="020B0604030504040204" pitchFamily="34" charset="0"/>
                           <a:cs typeface="Tahoma" panose="020B0604030504040204" pitchFamily="34" charset="0"/>
                         </a:rPr>
-                        <a:t> </a:t>
+                        <a:t>0 </a:t>
                       </a:r>
                       <a:r>
                         <a:rPr lang="uk-UA" sz="1800" b="0" noProof="0" dirty="0">
@@ -16579,22 +16921,13 @@
                     <a:p>
                       <a:pPr algn="ctr"/>
                       <a:r>
-                        <a:rPr lang="en-US" sz="1800" noProof="0" dirty="0" smtClean="0">
-                          <a:effectLst/>
-                          <a:latin typeface="Segoe Print" panose="02000600000000000000" pitchFamily="2" charset="0"/>
-                          <a:ea typeface="Tahoma" panose="020B0604030504040204" pitchFamily="34" charset="0"/>
-                          <a:cs typeface="Tahoma" panose="020B0604030504040204" pitchFamily="34" charset="0"/>
-                        </a:rPr>
-                        <a:t>6</a:t>
-                      </a:r>
-                      <a:r>
                         <a:rPr lang="uk-UA" sz="1800" noProof="0" dirty="0" smtClean="0">
                           <a:effectLst/>
                           <a:latin typeface="Segoe Print" panose="02000600000000000000" pitchFamily="2" charset="0"/>
                           <a:ea typeface="Tahoma" panose="020B0604030504040204" pitchFamily="34" charset="0"/>
                           <a:cs typeface="Tahoma" panose="020B0604030504040204" pitchFamily="34" charset="0"/>
                         </a:rPr>
-                        <a:t> </a:t>
+                        <a:t>5 </a:t>
                       </a:r>
                       <a:r>
                         <a:rPr lang="en-US" sz="1800" noProof="0" dirty="0" smtClean="0">
@@ -16854,16 +17187,10 @@
                     <a:p>
                       <a:pPr algn="ctr"/>
                       <a:r>
-                        <a:rPr lang="en-US" sz="1800" noProof="0" dirty="0" smtClean="0">
-                          <a:latin typeface="Segoe Print" panose="02000600000000000000" pitchFamily="2" charset="0"/>
-                        </a:rPr>
-                        <a:t>10</a:t>
-                      </a:r>
-                      <a:r>
                         <a:rPr lang="uk-UA" sz="1800" noProof="0" dirty="0" smtClean="0">
                           <a:latin typeface="Segoe Print" panose="02000600000000000000" pitchFamily="2" charset="0"/>
                         </a:rPr>
-                        <a:t> </a:t>
+                        <a:t>6 </a:t>
                       </a:r>
                       <a:r>
                         <a:rPr lang="uk-UA" sz="1800" noProof="0" dirty="0">
@@ -17103,30 +17430,6 @@
                     <a:p>
                       <a:pPr algn="ctr"/>
                       <a:r>
-                        <a:rPr lang="en-US" sz="2000" noProof="0" dirty="0" smtClean="0">
-                          <a:gradFill flip="none" rotWithShape="1">
-                            <a:gsLst>
-                              <a:gs pos="0">
-                                <a:schemeClr val="tx1"/>
-                              </a:gs>
-                              <a:gs pos="100000">
-                                <a:schemeClr val="tx1">
-                                  <a:lumMod val="85000"/>
-                                  <a:lumOff val="15000"/>
-                                </a:schemeClr>
-                              </a:gs>
-                            </a:gsLst>
-                            <a:lin ang="16200000" scaled="1"/>
-                            <a:tileRect/>
-                          </a:gradFill>
-                          <a:effectLst/>
-                          <a:latin typeface="Tahoma" panose="020B0604030504040204" pitchFamily="34" charset="0"/>
-                          <a:ea typeface="Tahoma" panose="020B0604030504040204" pitchFamily="34" charset="0"/>
-                          <a:cs typeface="Tahoma" panose="020B0604030504040204" pitchFamily="34" charset="0"/>
-                        </a:rPr>
-                        <a:t>47</a:t>
-                      </a:r>
-                      <a:r>
                         <a:rPr lang="uk-UA" sz="2000" noProof="0" dirty="0" smtClean="0">
                           <a:gradFill flip="none" rotWithShape="1">
                             <a:gsLst>
@@ -17148,7 +17451,7 @@
                           <a:ea typeface="Tahoma" panose="020B0604030504040204" pitchFamily="34" charset="0"/>
                           <a:cs typeface="Tahoma" panose="020B0604030504040204" pitchFamily="34" charset="0"/>
                         </a:rPr>
-                        <a:t> </a:t>
+                        <a:t>30 </a:t>
                       </a:r>
                       <a:r>
                         <a:rPr lang="en-US" sz="2000" noProof="0" dirty="0" smtClean="0">

--- a/diplomna.pptx
+++ b/diplomna.pptx
@@ -156,7 +156,7 @@
   </p:defaultTextStyle>
   <p:extLst>
     <p:ext uri="{EFAFB233-063F-42B5-8137-9DF3F51BA10A}">
-      <p15:sldGuideLst xmlns:p15="http://schemas.microsoft.com/office/powerpoint/2012/main" xmlns=""/>
+      <p15:sldGuideLst xmlns="" xmlns:p15="http://schemas.microsoft.com/office/powerpoint/2012/main"/>
     </p:ext>
   </p:extLst>
 </p:presentation>
@@ -413,7 +413,7 @@
     </p:spTree>
     <p:extLst>
       <p:ext uri="{BB962C8B-B14F-4D97-AF65-F5344CB8AC3E}">
-        <p14:creationId xmlns:p14="http://schemas.microsoft.com/office/powerpoint/2010/main" xmlns="" val="571422458"/>
+        <p14:creationId xmlns="" xmlns:p14="http://schemas.microsoft.com/office/powerpoint/2010/main" val="571422458"/>
       </p:ext>
     </p:extLst>
   </p:cSld>
@@ -588,7 +588,7 @@
     </p:spTree>
     <p:extLst>
       <p:ext uri="{BB962C8B-B14F-4D97-AF65-F5344CB8AC3E}">
-        <p14:creationId xmlns:p14="http://schemas.microsoft.com/office/powerpoint/2010/main" xmlns="" val="4232312718"/>
+        <p14:creationId xmlns="" xmlns:p14="http://schemas.microsoft.com/office/powerpoint/2010/main" val="4232312718"/>
       </p:ext>
     </p:extLst>
   </p:cSld>
@@ -780,7 +780,7 @@
     </p:spTree>
     <p:extLst>
       <p:ext uri="{BB962C8B-B14F-4D97-AF65-F5344CB8AC3E}">
-        <p14:creationId xmlns:p14="http://schemas.microsoft.com/office/powerpoint/2010/main" xmlns="" val="691810472"/>
+        <p14:creationId xmlns="" xmlns:p14="http://schemas.microsoft.com/office/powerpoint/2010/main" val="691810472"/>
       </p:ext>
     </p:extLst>
   </p:cSld>
@@ -950,7 +950,7 @@
     </p:spTree>
     <p:extLst>
       <p:ext uri="{BB962C8B-B14F-4D97-AF65-F5344CB8AC3E}">
-        <p14:creationId xmlns:p14="http://schemas.microsoft.com/office/powerpoint/2010/main" xmlns="" val="1355819167"/>
+        <p14:creationId xmlns="" xmlns:p14="http://schemas.microsoft.com/office/powerpoint/2010/main" val="1355819167"/>
       </p:ext>
     </p:extLst>
   </p:cSld>
@@ -1130,7 +1130,7 @@
     </p:spTree>
     <p:extLst>
       <p:ext uri="{BB962C8B-B14F-4D97-AF65-F5344CB8AC3E}">
-        <p14:creationId xmlns:p14="http://schemas.microsoft.com/office/powerpoint/2010/main" xmlns="" val="25386468"/>
+        <p14:creationId xmlns="" xmlns:p14="http://schemas.microsoft.com/office/powerpoint/2010/main" val="25386468"/>
       </p:ext>
     </p:extLst>
   </p:cSld>
@@ -1300,7 +1300,7 @@
     </p:spTree>
     <p:extLst>
       <p:ext uri="{BB962C8B-B14F-4D97-AF65-F5344CB8AC3E}">
-        <p14:creationId xmlns:p14="http://schemas.microsoft.com/office/powerpoint/2010/main" xmlns="" val="4103092837"/>
+        <p14:creationId xmlns="" xmlns:p14="http://schemas.microsoft.com/office/powerpoint/2010/main" val="4103092837"/>
       </p:ext>
     </p:extLst>
   </p:cSld>
@@ -1547,7 +1547,7 @@
     </p:spTree>
     <p:extLst>
       <p:ext uri="{BB962C8B-B14F-4D97-AF65-F5344CB8AC3E}">
-        <p14:creationId xmlns:p14="http://schemas.microsoft.com/office/powerpoint/2010/main" xmlns="" val="642932172"/>
+        <p14:creationId xmlns="" xmlns:p14="http://schemas.microsoft.com/office/powerpoint/2010/main" val="642932172"/>
       </p:ext>
     </p:extLst>
   </p:cSld>
@@ -1778,7 +1778,7 @@
     </p:spTree>
     <p:extLst>
       <p:ext uri="{BB962C8B-B14F-4D97-AF65-F5344CB8AC3E}">
-        <p14:creationId xmlns:p14="http://schemas.microsoft.com/office/powerpoint/2010/main" xmlns="" val="1439442558"/>
+        <p14:creationId xmlns="" xmlns:p14="http://schemas.microsoft.com/office/powerpoint/2010/main" val="1439442558"/>
       </p:ext>
     </p:extLst>
   </p:cSld>
@@ -2144,7 +2144,7 @@
     </p:spTree>
     <p:extLst>
       <p:ext uri="{BB962C8B-B14F-4D97-AF65-F5344CB8AC3E}">
-        <p14:creationId xmlns:p14="http://schemas.microsoft.com/office/powerpoint/2010/main" xmlns="" val="1209327759"/>
+        <p14:creationId xmlns="" xmlns:p14="http://schemas.microsoft.com/office/powerpoint/2010/main" val="1209327759"/>
       </p:ext>
     </p:extLst>
   </p:cSld>
@@ -2263,7 +2263,7 @@
     </p:spTree>
     <p:extLst>
       <p:ext uri="{BB962C8B-B14F-4D97-AF65-F5344CB8AC3E}">
-        <p14:creationId xmlns:p14="http://schemas.microsoft.com/office/powerpoint/2010/main" xmlns="" val="4212898653"/>
+        <p14:creationId xmlns="" xmlns:p14="http://schemas.microsoft.com/office/powerpoint/2010/main" val="4212898653"/>
       </p:ext>
     </p:extLst>
   </p:cSld>
@@ -2360,7 +2360,7 @@
     </p:spTree>
     <p:extLst>
       <p:ext uri="{BB962C8B-B14F-4D97-AF65-F5344CB8AC3E}">
-        <p14:creationId xmlns:p14="http://schemas.microsoft.com/office/powerpoint/2010/main" xmlns="" val="2587781966"/>
+        <p14:creationId xmlns="" xmlns:p14="http://schemas.microsoft.com/office/powerpoint/2010/main" val="2587781966"/>
       </p:ext>
     </p:extLst>
   </p:cSld>
@@ -2637,7 +2637,7 @@
     </p:spTree>
     <p:extLst>
       <p:ext uri="{BB962C8B-B14F-4D97-AF65-F5344CB8AC3E}">
-        <p14:creationId xmlns:p14="http://schemas.microsoft.com/office/powerpoint/2010/main" xmlns="" val="3171794395"/>
+        <p14:creationId xmlns="" xmlns:p14="http://schemas.microsoft.com/office/powerpoint/2010/main" val="3171794395"/>
       </p:ext>
     </p:extLst>
   </p:cSld>
@@ -2891,7 +2891,7 @@
     </p:spTree>
     <p:extLst>
       <p:ext uri="{BB962C8B-B14F-4D97-AF65-F5344CB8AC3E}">
-        <p14:creationId xmlns:p14="http://schemas.microsoft.com/office/powerpoint/2010/main" xmlns="" val="2260479920"/>
+        <p14:creationId xmlns="" xmlns:p14="http://schemas.microsoft.com/office/powerpoint/2010/main" val="2260479920"/>
       </p:ext>
     </p:extLst>
   </p:cSld>
@@ -3157,7 +3157,7 @@
     </p:spTree>
     <p:extLst>
       <p:ext uri="{BB962C8B-B14F-4D97-AF65-F5344CB8AC3E}">
-        <p14:creationId xmlns:p14="http://schemas.microsoft.com/office/powerpoint/2010/main" xmlns="" val="3229768880"/>
+        <p14:creationId xmlns="" xmlns:p14="http://schemas.microsoft.com/office/powerpoint/2010/main" val="3229768880"/>
       </p:ext>
     </p:extLst>
   </p:cSld>
@@ -3854,7 +3854,7 @@
     </p:spTree>
     <p:extLst>
       <p:ext uri="{BB962C8B-B14F-4D97-AF65-F5344CB8AC3E}">
-        <p14:creationId xmlns:p14="http://schemas.microsoft.com/office/powerpoint/2010/main" xmlns="" val="438760337"/>
+        <p14:creationId xmlns="" xmlns:p14="http://schemas.microsoft.com/office/powerpoint/2010/main" val="438760337"/>
       </p:ext>
     </p:extLst>
   </p:cSld>
@@ -4334,7 +4334,7 @@
           <p:nvPr>
             <p:extLst>
               <p:ext uri="{D42A27DB-BD31-4B8C-83A1-F6EECF244321}">
-                <p14:modId xmlns:p14="http://schemas.microsoft.com/office/powerpoint/2010/main" xmlns="" val="3684284401"/>
+                <p14:modId xmlns="" xmlns:p14="http://schemas.microsoft.com/office/powerpoint/2010/main" val="3684284401"/>
               </p:ext>
             </p:extLst>
           </p:nvPr>
@@ -4360,14 +4360,14 @@
                 <a:gridCol w="9037320">
                   <a:extLst>
                     <a:ext uri="{9D8B030D-6E8A-4147-A177-3AD203B41FA5}">
-                      <a16:colId xmlns:a16="http://schemas.microsoft.com/office/drawing/2014/main" xmlns="" val="20000"/>
+                      <a16:colId xmlns="" xmlns:a16="http://schemas.microsoft.com/office/drawing/2014/main" val="20000"/>
                     </a:ext>
                   </a:extLst>
                 </a:gridCol>
                 <a:gridCol w="1920240">
                   <a:extLst>
                     <a:ext uri="{9D8B030D-6E8A-4147-A177-3AD203B41FA5}">
-                      <a16:colId xmlns:a16="http://schemas.microsoft.com/office/drawing/2014/main" xmlns="" val="20003"/>
+                      <a16:colId xmlns="" xmlns:a16="http://schemas.microsoft.com/office/drawing/2014/main" val="20003"/>
                     </a:ext>
                   </a:extLst>
                 </a:gridCol>
@@ -4449,7 +4449,7 @@
                 </a:tc>
                 <a:extLst>
                   <a:ext uri="{0D108BD9-81ED-4DB2-BD59-A6C34878D82A}">
-                    <a16:rowId xmlns:a16="http://schemas.microsoft.com/office/drawing/2014/main" xmlns="" val="10000"/>
+                    <a16:rowId xmlns="" xmlns:a16="http://schemas.microsoft.com/office/drawing/2014/main" val="10000"/>
                   </a:ext>
                 </a:extLst>
               </a:tr>
@@ -4523,7 +4523,7 @@
                 </a:tc>
                 <a:extLst>
                   <a:ext uri="{0D108BD9-81ED-4DB2-BD59-A6C34878D82A}">
-                    <a16:rowId xmlns:a16="http://schemas.microsoft.com/office/drawing/2014/main" xmlns="" val="10001"/>
+                    <a16:rowId xmlns="" xmlns:a16="http://schemas.microsoft.com/office/drawing/2014/main" val="10001"/>
                   </a:ext>
                 </a:extLst>
               </a:tr>
@@ -4588,7 +4588,7 @@
                 </a:tc>
                 <a:extLst>
                   <a:ext uri="{0D108BD9-81ED-4DB2-BD59-A6C34878D82A}">
-                    <a16:rowId xmlns:a16="http://schemas.microsoft.com/office/drawing/2014/main" xmlns="" val="10006"/>
+                    <a16:rowId xmlns="" xmlns:a16="http://schemas.microsoft.com/office/drawing/2014/main" val="10006"/>
                   </a:ext>
                 </a:extLst>
               </a:tr>
@@ -4628,7 +4628,25 @@
                         <a:rPr lang="en-US" sz="1800" noProof="0" dirty="0" smtClean="0">
                           <a:latin typeface="Segoe Print" panose="02000600000000000000" pitchFamily="2" charset="0"/>
                         </a:rPr>
-                        <a:t>53 000 </a:t>
+                        <a:t>5</a:t>
+                      </a:r>
+                      <a:r>
+                        <a:rPr lang="ru-RU" sz="1800" noProof="0" dirty="0" smtClean="0">
+                          <a:latin typeface="Segoe Print" panose="02000600000000000000" pitchFamily="2" charset="0"/>
+                        </a:rPr>
+                        <a:t>0</a:t>
+                      </a:r>
+                      <a:r>
+                        <a:rPr lang="en-US" sz="1800" noProof="0" dirty="0" smtClean="0">
+                          <a:latin typeface="Segoe Print" panose="02000600000000000000" pitchFamily="2" charset="0"/>
+                        </a:rPr>
+                        <a:t> </a:t>
+                      </a:r>
+                      <a:r>
+                        <a:rPr lang="en-US" sz="1800" noProof="0" dirty="0" smtClean="0">
+                          <a:latin typeface="Segoe Print" panose="02000600000000000000" pitchFamily="2" charset="0"/>
+                        </a:rPr>
+                        <a:t>000 </a:t>
                       </a:r>
                       <a:r>
                         <a:rPr lang="uk-UA" sz="1800" noProof="0" dirty="0">
@@ -4649,7 +4667,7 @@
                 </a:tc>
                 <a:extLst>
                   <a:ext uri="{0D108BD9-81ED-4DB2-BD59-A6C34878D82A}">
-                    <a16:rowId xmlns:a16="http://schemas.microsoft.com/office/drawing/2014/main" xmlns="" val="10007"/>
+                    <a16:rowId xmlns="" xmlns:a16="http://schemas.microsoft.com/office/drawing/2014/main" val="10007"/>
                   </a:ext>
                 </a:extLst>
               </a:tr>
@@ -4743,7 +4761,31 @@
                           <a:ea typeface="Tahoma" panose="020B0604030504040204" pitchFamily="34" charset="0"/>
                           <a:cs typeface="Tahoma" panose="020B0604030504040204" pitchFamily="34" charset="0"/>
                         </a:rPr>
-                        <a:t>64</a:t>
+                        <a:t>6</a:t>
+                      </a:r>
+                      <a:r>
+                        <a:rPr lang="ru-RU" sz="2000" noProof="0" dirty="0" smtClean="0">
+                          <a:gradFill flip="none" rotWithShape="1">
+                            <a:gsLst>
+                              <a:gs pos="0">
+                                <a:schemeClr val="tx1"/>
+                              </a:gs>
+                              <a:gs pos="100000">
+                                <a:schemeClr val="tx1">
+                                  <a:lumMod val="85000"/>
+                                  <a:lumOff val="15000"/>
+                                </a:schemeClr>
+                              </a:gs>
+                            </a:gsLst>
+                            <a:lin ang="16200000" scaled="1"/>
+                            <a:tileRect/>
+                          </a:gradFill>
+                          <a:effectLst/>
+                          <a:latin typeface="Tahoma" panose="020B0604030504040204" pitchFamily="34" charset="0"/>
+                          <a:ea typeface="Tahoma" panose="020B0604030504040204" pitchFamily="34" charset="0"/>
+                          <a:cs typeface="Tahoma" panose="020B0604030504040204" pitchFamily="34" charset="0"/>
+                        </a:rPr>
+                        <a:t>1</a:t>
                       </a:r>
                       <a:r>
                         <a:rPr lang="uk-UA" sz="2000" baseline="0" noProof="0" dirty="0" smtClean="0">
@@ -4874,7 +4916,7 @@
                 </a:tc>
                 <a:extLst>
                   <a:ext uri="{0D108BD9-81ED-4DB2-BD59-A6C34878D82A}">
-                    <a16:rowId xmlns:a16="http://schemas.microsoft.com/office/drawing/2014/main" xmlns="" val="10008"/>
+                    <a16:rowId xmlns="" xmlns:a16="http://schemas.microsoft.com/office/drawing/2014/main" val="10008"/>
                   </a:ext>
                 </a:extLst>
               </a:tr>
@@ -4911,7 +4953,7 @@
     </p:spTree>
     <p:extLst>
       <p:ext uri="{BB962C8B-B14F-4D97-AF65-F5344CB8AC3E}">
-        <p14:creationId xmlns:p14="http://schemas.microsoft.com/office/powerpoint/2010/main" xmlns="" val="2745074324"/>
+        <p14:creationId xmlns="" xmlns:p14="http://schemas.microsoft.com/office/powerpoint/2010/main" val="2745074324"/>
       </p:ext>
     </p:extLst>
   </p:cSld>
@@ -5195,7 +5237,7 @@
           <p:nvPr>
             <p:extLst>
               <p:ext uri="{D42A27DB-BD31-4B8C-83A1-F6EECF244321}">
-                <p14:modId xmlns:p14="http://schemas.microsoft.com/office/powerpoint/2010/main" xmlns="" val="3684284401"/>
+                <p14:modId xmlns="" xmlns:p14="http://schemas.microsoft.com/office/powerpoint/2010/main" val="3684284401"/>
               </p:ext>
             </p:extLst>
           </p:nvPr>
@@ -5221,14 +5263,14 @@
                 <a:gridCol w="9037320">
                   <a:extLst>
                     <a:ext uri="{9D8B030D-6E8A-4147-A177-3AD203B41FA5}">
-                      <a16:colId xmlns:a16="http://schemas.microsoft.com/office/drawing/2014/main" xmlns="" val="20000"/>
+                      <a16:colId xmlns="" xmlns:a16="http://schemas.microsoft.com/office/drawing/2014/main" val="20000"/>
                     </a:ext>
                   </a:extLst>
                 </a:gridCol>
                 <a:gridCol w="1920240">
                   <a:extLst>
                     <a:ext uri="{9D8B030D-6E8A-4147-A177-3AD203B41FA5}">
-                      <a16:colId xmlns:a16="http://schemas.microsoft.com/office/drawing/2014/main" xmlns="" val="20003"/>
+                      <a16:colId xmlns="" xmlns:a16="http://schemas.microsoft.com/office/drawing/2014/main" val="20003"/>
                     </a:ext>
                   </a:extLst>
                 </a:gridCol>
@@ -5310,7 +5352,7 @@
                 </a:tc>
                 <a:extLst>
                   <a:ext uri="{0D108BD9-81ED-4DB2-BD59-A6C34878D82A}">
-                    <a16:rowId xmlns:a16="http://schemas.microsoft.com/office/drawing/2014/main" xmlns="" val="10000"/>
+                    <a16:rowId xmlns="" xmlns:a16="http://schemas.microsoft.com/office/drawing/2014/main" val="10000"/>
                   </a:ext>
                 </a:extLst>
               </a:tr>
@@ -5384,7 +5426,7 @@
                 </a:tc>
                 <a:extLst>
                   <a:ext uri="{0D108BD9-81ED-4DB2-BD59-A6C34878D82A}">
-                    <a16:rowId xmlns:a16="http://schemas.microsoft.com/office/drawing/2014/main" xmlns="" val="10001"/>
+                    <a16:rowId xmlns="" xmlns:a16="http://schemas.microsoft.com/office/drawing/2014/main" val="10001"/>
                   </a:ext>
                 </a:extLst>
               </a:tr>
@@ -5449,7 +5491,7 @@
                 </a:tc>
                 <a:extLst>
                   <a:ext uri="{0D108BD9-81ED-4DB2-BD59-A6C34878D82A}">
-                    <a16:rowId xmlns:a16="http://schemas.microsoft.com/office/drawing/2014/main" xmlns="" val="10006"/>
+                    <a16:rowId xmlns="" xmlns:a16="http://schemas.microsoft.com/office/drawing/2014/main" val="10006"/>
                   </a:ext>
                 </a:extLst>
               </a:tr>
@@ -5695,13 +5737,7 @@
                         <a:rPr lang="uk-UA" sz="1800" noProof="0" dirty="0" smtClean="0">
                           <a:latin typeface="Segoe Print" panose="02000600000000000000" pitchFamily="2" charset="0"/>
                         </a:rPr>
-                        <a:t> </a:t>
-                      </a:r>
-                      <a:r>
-                        <a:rPr lang="uk-UA" sz="1800" noProof="0" dirty="0" smtClean="0">
-                          <a:latin typeface="Segoe Print" panose="02000600000000000000" pitchFamily="2" charset="0"/>
-                        </a:rPr>
-                        <a:t>грн</a:t>
+                        <a:t> грн</a:t>
                       </a:r>
                       <a:endParaRPr lang="uk-UA" sz="1800" noProof="0" dirty="0">
                         <a:latin typeface="Segoe Print" panose="02000600000000000000" pitchFamily="2" charset="0"/>
@@ -5807,7 +5843,31 @@
                           <a:ea typeface="Tahoma" panose="020B0604030504040204" pitchFamily="34" charset="0"/>
                           <a:cs typeface="Tahoma" panose="020B0604030504040204" pitchFamily="34" charset="0"/>
                         </a:rPr>
-                        <a:t>46 458 </a:t>
+                        <a:t>46 </a:t>
+                      </a:r>
+                      <a:r>
+                        <a:rPr lang="uk-UA" sz="2000" noProof="0" dirty="0" smtClean="0">
+                          <a:gradFill flip="none" rotWithShape="1">
+                            <a:gsLst>
+                              <a:gs pos="0">
+                                <a:schemeClr val="tx1"/>
+                              </a:gs>
+                              <a:gs pos="100000">
+                                <a:schemeClr val="tx1">
+                                  <a:lumMod val="85000"/>
+                                  <a:lumOff val="15000"/>
+                                </a:schemeClr>
+                              </a:gs>
+                            </a:gsLst>
+                            <a:lin ang="16200000" scaled="1"/>
+                            <a:tileRect/>
+                          </a:gradFill>
+                          <a:effectLst/>
+                          <a:latin typeface="Tahoma" panose="020B0604030504040204" pitchFamily="34" charset="0"/>
+                          <a:ea typeface="Tahoma" panose="020B0604030504040204" pitchFamily="34" charset="0"/>
+                          <a:cs typeface="Tahoma" panose="020B0604030504040204" pitchFamily="34" charset="0"/>
+                        </a:rPr>
+                        <a:t>368 </a:t>
                       </a:r>
                       <a:r>
                         <a:rPr lang="uk-UA" sz="2000" i="0" noProof="0" dirty="0">
@@ -5866,7 +5926,7 @@
                 </a:tc>
                 <a:extLst>
                   <a:ext uri="{0D108BD9-81ED-4DB2-BD59-A6C34878D82A}">
-                    <a16:rowId xmlns:a16="http://schemas.microsoft.com/office/drawing/2014/main" xmlns="" val="10008"/>
+                    <a16:rowId xmlns="" xmlns:a16="http://schemas.microsoft.com/office/drawing/2014/main" val="10008"/>
                   </a:ext>
                 </a:extLst>
               </a:tr>
@@ -5877,7 +5937,7 @@
     </p:spTree>
     <p:extLst>
       <p:ext uri="{BB962C8B-B14F-4D97-AF65-F5344CB8AC3E}">
-        <p14:creationId xmlns:p14="http://schemas.microsoft.com/office/powerpoint/2010/main" xmlns="" val="1660777227"/>
+        <p14:creationId xmlns="" xmlns:p14="http://schemas.microsoft.com/office/powerpoint/2010/main" val="1660777227"/>
       </p:ext>
     </p:extLst>
   </p:cSld>
@@ -6036,7 +6096,7 @@
           <p:cNvPr id="2" name="TextBox 1">
             <a:extLst>
               <a:ext uri="{FF2B5EF4-FFF2-40B4-BE49-F238E27FC236}">
-                <a16:creationId xmlns:a16="http://schemas.microsoft.com/office/drawing/2014/main" xmlns="" id="{25832EBB-8E12-4241-BEB1-485AB6B82A2F}"/>
+                <a16:creationId xmlns="" xmlns:a16="http://schemas.microsoft.com/office/drawing/2014/main" id="{25832EBB-8E12-4241-BEB1-485AB6B82A2F}"/>
               </a:ext>
             </a:extLst>
           </p:cNvPr>
@@ -6088,7 +6148,7 @@
           <p:cNvPr id="3" name="TextBox 2">
             <a:extLst>
               <a:ext uri="{FF2B5EF4-FFF2-40B4-BE49-F238E27FC236}">
-                <a16:creationId xmlns:a16="http://schemas.microsoft.com/office/drawing/2014/main" xmlns="" id="{49F07CA5-98ED-45C0-9580-6557BF637F29}"/>
+                <a16:creationId xmlns="" xmlns:a16="http://schemas.microsoft.com/office/drawing/2014/main" id="{49F07CA5-98ED-45C0-9580-6557BF637F29}"/>
               </a:ext>
             </a:extLst>
           </p:cNvPr>
@@ -6156,7 +6216,30 @@
                 <a:ea typeface="Tahoma" panose="020B0604030504040204" pitchFamily="34" charset="0"/>
                 <a:cs typeface="Tahoma" panose="020B0604030504040204" pitchFamily="34" charset="0"/>
               </a:rPr>
-              <a:t>107</a:t>
+              <a:t>10</a:t>
+            </a:r>
+            <a:r>
+              <a:rPr lang="ru-RU" sz="2800" b="1" dirty="0" smtClean="0">
+                <a:gradFill flip="none" rotWithShape="1">
+                  <a:gsLst>
+                    <a:gs pos="0">
+                      <a:schemeClr val="tx1"/>
+                    </a:gs>
+                    <a:gs pos="100000">
+                      <a:schemeClr val="tx1">
+                        <a:lumMod val="75000"/>
+                        <a:lumOff val="25000"/>
+                      </a:schemeClr>
+                    </a:gs>
+                  </a:gsLst>
+                  <a:lin ang="16200000" scaled="1"/>
+                  <a:tileRect/>
+                </a:gradFill>
+                <a:latin typeface="Segoe Print" pitchFamily="2" charset="0"/>
+                <a:ea typeface="Tahoma" panose="020B0604030504040204" pitchFamily="34" charset="0"/>
+                <a:cs typeface="Tahoma" panose="020B0604030504040204" pitchFamily="34" charset="0"/>
+              </a:rPr>
+              <a:t>4</a:t>
             </a:r>
             <a:r>
               <a:rPr lang="uk-UA" sz="2800" b="1" dirty="0">
@@ -6369,7 +6452,7 @@
               <a:t>Виплати здійснюватимуться щомісячно в розмірі </a:t>
             </a:r>
             <a:r>
-              <a:rPr lang="en-US" sz="2800" b="1" dirty="0" smtClean="0">
+              <a:rPr lang="ru-RU" sz="2800" b="1" dirty="0" smtClean="0">
                 <a:gradFill flip="none" rotWithShape="1">
                   <a:gsLst>
                     <a:gs pos="0">
@@ -6389,7 +6472,53 @@
                 <a:ea typeface="Tahoma" panose="020B0604030504040204" pitchFamily="34" charset="0"/>
                 <a:cs typeface="Tahoma" panose="020B0604030504040204" pitchFamily="34" charset="0"/>
               </a:rPr>
-              <a:t>3 218</a:t>
+              <a:t>3</a:t>
+            </a:r>
+            <a:r>
+              <a:rPr lang="en-US" sz="2800" b="1" dirty="0" smtClean="0">
+                <a:gradFill flip="none" rotWithShape="1">
+                  <a:gsLst>
+                    <a:gs pos="0">
+                      <a:schemeClr val="tx1"/>
+                    </a:gs>
+                    <a:gs pos="100000">
+                      <a:schemeClr val="tx1">
+                        <a:lumMod val="75000"/>
+                        <a:lumOff val="25000"/>
+                      </a:schemeClr>
+                    </a:gs>
+                  </a:gsLst>
+                  <a:lin ang="16200000" scaled="1"/>
+                  <a:tileRect/>
+                </a:gradFill>
+                <a:latin typeface="Segoe Print" pitchFamily="2" charset="0"/>
+                <a:ea typeface="Tahoma" panose="020B0604030504040204" pitchFamily="34" charset="0"/>
+                <a:cs typeface="Tahoma" panose="020B0604030504040204" pitchFamily="34" charset="0"/>
+              </a:rPr>
+              <a:t> </a:t>
+            </a:r>
+            <a:r>
+              <a:rPr lang="ru-RU" sz="2800" b="1" dirty="0" smtClean="0">
+                <a:gradFill flip="none" rotWithShape="1">
+                  <a:gsLst>
+                    <a:gs pos="0">
+                      <a:schemeClr val="tx1"/>
+                    </a:gs>
+                    <a:gs pos="100000">
+                      <a:schemeClr val="tx1">
+                        <a:lumMod val="75000"/>
+                        <a:lumOff val="25000"/>
+                      </a:schemeClr>
+                    </a:gs>
+                  </a:gsLst>
+                  <a:lin ang="16200000" scaled="1"/>
+                  <a:tileRect/>
+                </a:gradFill>
+                <a:latin typeface="Segoe Print" pitchFamily="2" charset="0"/>
+                <a:ea typeface="Tahoma" panose="020B0604030504040204" pitchFamily="34" charset="0"/>
+                <a:cs typeface="Tahoma" panose="020B0604030504040204" pitchFamily="34" charset="0"/>
+              </a:rPr>
+              <a:t>128</a:t>
             </a:r>
             <a:r>
               <a:rPr lang="uk-UA" sz="2800" b="1" dirty="0" smtClean="0">
@@ -6492,7 +6621,7 @@
     </p:spTree>
     <p:extLst>
       <p:ext uri="{BB962C8B-B14F-4D97-AF65-F5344CB8AC3E}">
-        <p14:creationId xmlns:p14="http://schemas.microsoft.com/office/powerpoint/2010/main" xmlns="" val="311004352"/>
+        <p14:creationId xmlns="" xmlns:p14="http://schemas.microsoft.com/office/powerpoint/2010/main" val="311004352"/>
       </p:ext>
     </p:extLst>
   </p:cSld>
@@ -6726,30 +6855,7 @@
                 <a:ea typeface="Open Sans" panose="020B0606030504020204" pitchFamily="34" charset="0"/>
                 <a:cs typeface="Open Sans" panose="020B0606030504020204" pitchFamily="34" charset="0"/>
               </a:rPr>
-              <a:t>Мінімальна кількість відвідувачів в день </a:t>
-            </a:r>
-            <a:r>
-              <a:rPr lang="uk-UA" sz="2800" b="1" dirty="0" smtClean="0">
-                <a:gradFill flip="none" rotWithShape="1">
-                  <a:gsLst>
-                    <a:gs pos="0">
-                      <a:schemeClr val="tx1"/>
-                    </a:gs>
-                    <a:gs pos="100000">
-                      <a:schemeClr val="tx1">
-                        <a:lumMod val="75000"/>
-                        <a:lumOff val="25000"/>
-                      </a:schemeClr>
-                    </a:gs>
-                  </a:gsLst>
-                  <a:lin ang="16200000" scaled="1"/>
-                  <a:tileRect/>
-                </a:gradFill>
-                <a:latin typeface="Segoe Print" panose="02000600000000000000" pitchFamily="2" charset="0"/>
-                <a:ea typeface="Open Sans" panose="020B0606030504020204" pitchFamily="34" charset="0"/>
-                <a:cs typeface="Open Sans" panose="020B0606030504020204" pitchFamily="34" charset="0"/>
-              </a:rPr>
-              <a:t>2</a:t>
+              <a:t>Мінімальна кількість відвідувачів в день 2</a:t>
             </a:r>
             <a:r>
               <a:rPr lang="en-US" sz="2800" b="1" dirty="0" smtClean="0">
@@ -6933,10 +7039,10 @@
                 <a:ea typeface="Open Sans" panose="020B0606030504020204" pitchFamily="34" charset="0"/>
                 <a:cs typeface="Open Sans" panose="020B0606030504020204" pitchFamily="34" charset="0"/>
               </a:rPr>
-              <a:t> * </a:t>
-            </a:r>
-            <a:r>
-              <a:rPr lang="en-US" sz="2800" b="1" dirty="0" smtClean="0">
+              <a:t> * 80</a:t>
+            </a:r>
+            <a:r>
+              <a:rPr lang="uk-UA" sz="2800" b="1" dirty="0" smtClean="0">
                 <a:gradFill flip="none" rotWithShape="1">
                   <a:gsLst>
                     <a:gs pos="0">
@@ -6956,7 +7062,30 @@
                 <a:ea typeface="Open Sans" panose="020B0606030504020204" pitchFamily="34" charset="0"/>
                 <a:cs typeface="Open Sans" panose="020B0606030504020204" pitchFamily="34" charset="0"/>
               </a:rPr>
-              <a:t>80</a:t>
+              <a:t> = </a:t>
+            </a:r>
+            <a:r>
+              <a:rPr lang="en-US" sz="2800" b="1" dirty="0" smtClean="0">
+                <a:gradFill flip="none" rotWithShape="1">
+                  <a:gsLst>
+                    <a:gs pos="0">
+                      <a:schemeClr val="tx1"/>
+                    </a:gs>
+                    <a:gs pos="100000">
+                      <a:schemeClr val="tx1">
+                        <a:lumMod val="75000"/>
+                        <a:lumOff val="25000"/>
+                      </a:schemeClr>
+                    </a:gs>
+                  </a:gsLst>
+                  <a:lin ang="16200000" scaled="1"/>
+                  <a:tileRect/>
+                </a:gradFill>
+                <a:latin typeface="Segoe Print" panose="02000600000000000000" pitchFamily="2" charset="0"/>
+                <a:ea typeface="Open Sans" panose="020B0606030504020204" pitchFamily="34" charset="0"/>
+                <a:cs typeface="Open Sans" panose="020B0606030504020204" pitchFamily="34" charset="0"/>
+              </a:rPr>
+              <a:t>1</a:t>
             </a:r>
             <a:r>
               <a:rPr lang="uk-UA" sz="2800" b="1" dirty="0" smtClean="0">
@@ -6982,7 +7111,7 @@
               <a:t> </a:t>
             </a:r>
             <a:r>
-              <a:rPr lang="uk-UA" sz="2800" b="1" dirty="0" smtClean="0">
+              <a:rPr lang="en-US" sz="2800" b="1" dirty="0" smtClean="0">
                 <a:gradFill flip="none" rotWithShape="1">
                   <a:gsLst>
                     <a:gs pos="0">
@@ -7002,8 +7131,34 @@
                 <a:ea typeface="Open Sans" panose="020B0606030504020204" pitchFamily="34" charset="0"/>
                 <a:cs typeface="Open Sans" panose="020B0606030504020204" pitchFamily="34" charset="0"/>
               </a:rPr>
-              <a:t>= </a:t>
-            </a:r>
+              <a:t>84</a:t>
+            </a:r>
+            <a:r>
+              <a:rPr lang="uk-UA" sz="2800" b="1" dirty="0" smtClean="0">
+                <a:gradFill flip="none" rotWithShape="1">
+                  <a:gsLst>
+                    <a:gs pos="0">
+                      <a:schemeClr val="tx1"/>
+                    </a:gs>
+                    <a:gs pos="100000">
+                      <a:schemeClr val="tx1">
+                        <a:lumMod val="75000"/>
+                        <a:lumOff val="25000"/>
+                      </a:schemeClr>
+                    </a:gs>
+                  </a:gsLst>
+                  <a:lin ang="16200000" scaled="1"/>
+                  <a:tileRect/>
+                </a:gradFill>
+                <a:latin typeface="Segoe Print" panose="02000600000000000000" pitchFamily="2" charset="0"/>
+                <a:ea typeface="Open Sans" panose="020B0606030504020204" pitchFamily="34" charset="0"/>
+                <a:cs typeface="Open Sans" panose="020B0606030504020204" pitchFamily="34" charset="0"/>
+              </a:rPr>
+              <a:t>0 гривень в день</a:t>
+            </a:r>
+          </a:p>
+          <a:p>
+            <a:pPr algn="ctr"/>
             <a:r>
               <a:rPr lang="en-US" sz="2800" b="1" dirty="0" smtClean="0">
                 <a:gradFill flip="none" rotWithShape="1">
@@ -7094,10 +7249,10 @@
                 <a:ea typeface="Open Sans" panose="020B0606030504020204" pitchFamily="34" charset="0"/>
                 <a:cs typeface="Open Sans" panose="020B0606030504020204" pitchFamily="34" charset="0"/>
               </a:rPr>
-              <a:t>0 </a:t>
-            </a:r>
-            <a:r>
-              <a:rPr lang="uk-UA" sz="2800" b="1" dirty="0" smtClean="0">
+              <a:t>0 * 30 днів в місяці = </a:t>
+            </a:r>
+            <a:r>
+              <a:rPr lang="en-US" sz="2800" b="1" dirty="0" smtClean="0">
                 <a:gradFill flip="none" rotWithShape="1">
                   <a:gsLst>
                     <a:gs pos="0">
@@ -7117,33 +7272,7 @@
                 <a:ea typeface="Open Sans" panose="020B0606030504020204" pitchFamily="34" charset="0"/>
                 <a:cs typeface="Open Sans" panose="020B0606030504020204" pitchFamily="34" charset="0"/>
               </a:rPr>
-              <a:t>гривень в день</a:t>
-            </a:r>
-          </a:p>
-          <a:p>
-            <a:pPr algn="ctr"/>
-            <a:r>
-              <a:rPr lang="en-US" sz="2800" b="1" dirty="0" smtClean="0">
-                <a:gradFill flip="none" rotWithShape="1">
-                  <a:gsLst>
-                    <a:gs pos="0">
-                      <a:schemeClr val="tx1"/>
-                    </a:gs>
-                    <a:gs pos="100000">
-                      <a:schemeClr val="tx1">
-                        <a:lumMod val="75000"/>
-                        <a:lumOff val="25000"/>
-                      </a:schemeClr>
-                    </a:gs>
-                  </a:gsLst>
-                  <a:lin ang="16200000" scaled="1"/>
-                  <a:tileRect/>
-                </a:gradFill>
-                <a:latin typeface="Segoe Print" panose="02000600000000000000" pitchFamily="2" charset="0"/>
-                <a:ea typeface="Open Sans" panose="020B0606030504020204" pitchFamily="34" charset="0"/>
-                <a:cs typeface="Open Sans" panose="020B0606030504020204" pitchFamily="34" charset="0"/>
-              </a:rPr>
-              <a:t>1</a:t>
+              <a:t>55</a:t>
             </a:r>
             <a:r>
               <a:rPr lang="uk-UA" sz="2800" b="1" dirty="0" smtClean="0">
@@ -7189,7 +7318,7 @@
                 <a:ea typeface="Open Sans" panose="020B0606030504020204" pitchFamily="34" charset="0"/>
                 <a:cs typeface="Open Sans" panose="020B0606030504020204" pitchFamily="34" charset="0"/>
               </a:rPr>
-              <a:t>84</a:t>
+              <a:t>2</a:t>
             </a:r>
             <a:r>
               <a:rPr lang="uk-UA" sz="2800" b="1" dirty="0" smtClean="0">
@@ -7212,31 +7341,11 @@
                 <a:ea typeface="Open Sans" panose="020B0606030504020204" pitchFamily="34" charset="0"/>
                 <a:cs typeface="Open Sans" panose="020B0606030504020204" pitchFamily="34" charset="0"/>
               </a:rPr>
-              <a:t>0 </a:t>
-            </a:r>
-            <a:r>
-              <a:rPr lang="uk-UA" sz="2800" b="1" dirty="0" smtClean="0">
-                <a:gradFill flip="none" rotWithShape="1">
-                  <a:gsLst>
-                    <a:gs pos="0">
-                      <a:schemeClr val="tx1"/>
-                    </a:gs>
-                    <a:gs pos="100000">
-                      <a:schemeClr val="tx1">
-                        <a:lumMod val="75000"/>
-                        <a:lumOff val="25000"/>
-                      </a:schemeClr>
-                    </a:gs>
-                  </a:gsLst>
-                  <a:lin ang="16200000" scaled="1"/>
-                  <a:tileRect/>
-                </a:gradFill>
-                <a:latin typeface="Segoe Print" panose="02000600000000000000" pitchFamily="2" charset="0"/>
-                <a:ea typeface="Open Sans" panose="020B0606030504020204" pitchFamily="34" charset="0"/>
-                <a:cs typeface="Open Sans" panose="020B0606030504020204" pitchFamily="34" charset="0"/>
-              </a:rPr>
-              <a:t>* 30 днів в місяці = </a:t>
-            </a:r>
+              <a:t>00 гривень в місяць</a:t>
+            </a:r>
+          </a:p>
+          <a:p>
+            <a:pPr algn="ctr"/>
             <a:r>
               <a:rPr lang="en-US" sz="2800" b="1" dirty="0" smtClean="0">
                 <a:gradFill flip="none" rotWithShape="1">
@@ -7327,10 +7436,10 @@
                 <a:ea typeface="Open Sans" panose="020B0606030504020204" pitchFamily="34" charset="0"/>
                 <a:cs typeface="Open Sans" panose="020B0606030504020204" pitchFamily="34" charset="0"/>
               </a:rPr>
-              <a:t>00 </a:t>
-            </a:r>
-            <a:r>
-              <a:rPr lang="uk-UA" sz="2800" b="1" dirty="0" smtClean="0">
+              <a:t>00 грн – </a:t>
+            </a:r>
+            <a:r>
+              <a:rPr lang="en-US" sz="2800" b="1" dirty="0" smtClean="0">
                 <a:gradFill flip="none" rotWithShape="1">
                   <a:gsLst>
                     <a:gs pos="0">
@@ -7350,33 +7459,7 @@
                 <a:ea typeface="Open Sans" panose="020B0606030504020204" pitchFamily="34" charset="0"/>
                 <a:cs typeface="Open Sans" panose="020B0606030504020204" pitchFamily="34" charset="0"/>
               </a:rPr>
-              <a:t>гривень в місяць</a:t>
-            </a:r>
-          </a:p>
-          <a:p>
-            <a:pPr algn="ctr"/>
-            <a:r>
-              <a:rPr lang="en-US" sz="2800" b="1" dirty="0" smtClean="0">
-                <a:gradFill flip="none" rotWithShape="1">
-                  <a:gsLst>
-                    <a:gs pos="0">
-                      <a:schemeClr val="tx1"/>
-                    </a:gs>
-                    <a:gs pos="100000">
-                      <a:schemeClr val="tx1">
-                        <a:lumMod val="75000"/>
-                        <a:lumOff val="25000"/>
-                      </a:schemeClr>
-                    </a:gs>
-                  </a:gsLst>
-                  <a:lin ang="16200000" scaled="1"/>
-                  <a:tileRect/>
-                </a:gradFill>
-                <a:latin typeface="Segoe Print" panose="02000600000000000000" pitchFamily="2" charset="0"/>
-                <a:ea typeface="Open Sans" panose="020B0606030504020204" pitchFamily="34" charset="0"/>
-                <a:cs typeface="Open Sans" panose="020B0606030504020204" pitchFamily="34" charset="0"/>
-              </a:rPr>
-              <a:t>55</a:t>
+              <a:t>46</a:t>
             </a:r>
             <a:r>
               <a:rPr lang="uk-UA" sz="2800" b="1" dirty="0" smtClean="0">
@@ -7402,6 +7485,167 @@
               <a:t> </a:t>
             </a:r>
             <a:r>
+              <a:rPr lang="ru-RU" sz="2800" b="1" dirty="0" smtClean="0">
+                <a:gradFill flip="none" rotWithShape="1">
+                  <a:gsLst>
+                    <a:gs pos="0">
+                      <a:schemeClr val="tx1"/>
+                    </a:gs>
+                    <a:gs pos="100000">
+                      <a:schemeClr val="tx1">
+                        <a:lumMod val="75000"/>
+                        <a:lumOff val="25000"/>
+                      </a:schemeClr>
+                    </a:gs>
+                  </a:gsLst>
+                  <a:lin ang="16200000" scaled="1"/>
+                  <a:tileRect/>
+                </a:gradFill>
+                <a:latin typeface="Segoe Print" panose="02000600000000000000" pitchFamily="2" charset="0"/>
+                <a:ea typeface="Open Sans" panose="020B0606030504020204" pitchFamily="34" charset="0"/>
+                <a:cs typeface="Open Sans" panose="020B0606030504020204" pitchFamily="34" charset="0"/>
+              </a:rPr>
+              <a:t>36</a:t>
+            </a:r>
+            <a:r>
+              <a:rPr lang="en-US" sz="2800" b="1" dirty="0" smtClean="0">
+                <a:gradFill flip="none" rotWithShape="1">
+                  <a:gsLst>
+                    <a:gs pos="0">
+                      <a:schemeClr val="tx1"/>
+                    </a:gs>
+                    <a:gs pos="100000">
+                      <a:schemeClr val="tx1">
+                        <a:lumMod val="75000"/>
+                        <a:lumOff val="25000"/>
+                      </a:schemeClr>
+                    </a:gs>
+                  </a:gsLst>
+                  <a:lin ang="16200000" scaled="1"/>
+                  <a:tileRect/>
+                </a:gradFill>
+                <a:latin typeface="Segoe Print" panose="02000600000000000000" pitchFamily="2" charset="0"/>
+                <a:ea typeface="Open Sans" panose="020B0606030504020204" pitchFamily="34" charset="0"/>
+                <a:cs typeface="Open Sans" panose="020B0606030504020204" pitchFamily="34" charset="0"/>
+              </a:rPr>
+              <a:t>8</a:t>
+            </a:r>
+            <a:r>
+              <a:rPr lang="uk-UA" sz="2800" b="1" dirty="0" smtClean="0">
+                <a:gradFill flip="none" rotWithShape="1">
+                  <a:gsLst>
+                    <a:gs pos="0">
+                      <a:schemeClr val="tx1"/>
+                    </a:gs>
+                    <a:gs pos="100000">
+                      <a:schemeClr val="tx1">
+                        <a:lumMod val="75000"/>
+                        <a:lumOff val="25000"/>
+                      </a:schemeClr>
+                    </a:gs>
+                  </a:gsLst>
+                  <a:lin ang="16200000" scaled="1"/>
+                  <a:tileRect/>
+                </a:gradFill>
+                <a:latin typeface="Segoe Print" panose="02000600000000000000" pitchFamily="2" charset="0"/>
+                <a:ea typeface="Open Sans" panose="020B0606030504020204" pitchFamily="34" charset="0"/>
+                <a:cs typeface="Open Sans" panose="020B0606030504020204" pitchFamily="34" charset="0"/>
+              </a:rPr>
+              <a:t> </a:t>
+            </a:r>
+            <a:r>
+              <a:rPr lang="uk-UA" sz="2800" b="1" dirty="0" smtClean="0">
+                <a:gradFill flip="none" rotWithShape="1">
+                  <a:gsLst>
+                    <a:gs pos="0">
+                      <a:schemeClr val="tx1"/>
+                    </a:gs>
+                    <a:gs pos="100000">
+                      <a:schemeClr val="tx1">
+                        <a:lumMod val="75000"/>
+                        <a:lumOff val="25000"/>
+                      </a:schemeClr>
+                    </a:gs>
+                  </a:gsLst>
+                  <a:lin ang="16200000" scaled="1"/>
+                  <a:tileRect/>
+                </a:gradFill>
+                <a:latin typeface="Segoe Print" panose="02000600000000000000" pitchFamily="2" charset="0"/>
+                <a:ea typeface="Open Sans" panose="020B0606030504020204" pitchFamily="34" charset="0"/>
+                <a:cs typeface="Open Sans" panose="020B0606030504020204" pitchFamily="34" charset="0"/>
+              </a:rPr>
+              <a:t>грн = </a:t>
+            </a:r>
+            <a:r>
+              <a:rPr lang="en-US" sz="2800" b="1" dirty="0" smtClean="0">
+                <a:gradFill flip="none" rotWithShape="1">
+                  <a:gsLst>
+                    <a:gs pos="0">
+                      <a:schemeClr val="tx1"/>
+                    </a:gs>
+                    <a:gs pos="100000">
+                      <a:schemeClr val="tx1">
+                        <a:lumMod val="75000"/>
+                        <a:lumOff val="25000"/>
+                      </a:schemeClr>
+                    </a:gs>
+                  </a:gsLst>
+                  <a:lin ang="16200000" scaled="1"/>
+                  <a:tileRect/>
+                </a:gradFill>
+                <a:latin typeface="Segoe Print" panose="02000600000000000000" pitchFamily="2" charset="0"/>
+                <a:ea typeface="Open Sans" panose="020B0606030504020204" pitchFamily="34" charset="0"/>
+                <a:cs typeface="Open Sans" panose="020B0606030504020204" pitchFamily="34" charset="0"/>
+              </a:rPr>
+              <a:t>8</a:t>
+            </a:r>
+            <a:r>
+              <a:rPr lang="uk-UA" sz="2800" b="1" dirty="0" smtClean="0">
+                <a:gradFill flip="none" rotWithShape="1">
+                  <a:gsLst>
+                    <a:gs pos="0">
+                      <a:schemeClr val="tx1"/>
+                    </a:gs>
+                    <a:gs pos="100000">
+                      <a:schemeClr val="tx1">
+                        <a:lumMod val="75000"/>
+                        <a:lumOff val="25000"/>
+                      </a:schemeClr>
+                    </a:gs>
+                  </a:gsLst>
+                  <a:lin ang="16200000" scaled="1"/>
+                  <a:tileRect/>
+                </a:gradFill>
+                <a:latin typeface="Segoe Print" panose="02000600000000000000" pitchFamily="2" charset="0"/>
+                <a:ea typeface="Open Sans" panose="020B0606030504020204" pitchFamily="34" charset="0"/>
+                <a:cs typeface="Open Sans" panose="020B0606030504020204" pitchFamily="34" charset="0"/>
+              </a:rPr>
+              <a:t> </a:t>
+            </a:r>
+            <a:r>
+              <a:rPr lang="ru-RU" sz="2800" b="1" dirty="0" smtClean="0">
+                <a:gradFill flip="none" rotWithShape="1">
+                  <a:gsLst>
+                    <a:gs pos="0">
+                      <a:schemeClr val="tx1"/>
+                    </a:gs>
+                    <a:gs pos="100000">
+                      <a:schemeClr val="tx1">
+                        <a:lumMod val="75000"/>
+                        <a:lumOff val="25000"/>
+                      </a:schemeClr>
+                    </a:gs>
+                  </a:gsLst>
+                  <a:lin ang="16200000" scaled="1"/>
+                  <a:tileRect/>
+                </a:gradFill>
+                <a:latin typeface="Segoe Print" panose="02000600000000000000" pitchFamily="2" charset="0"/>
+                <a:ea typeface="Open Sans" panose="020B0606030504020204" pitchFamily="34" charset="0"/>
+                <a:cs typeface="Open Sans" panose="020B0606030504020204" pitchFamily="34" charset="0"/>
+              </a:rPr>
+              <a:t>83</a:t>
+            </a:r>
+            <a:r>
               <a:rPr lang="en-US" sz="2800" b="1" dirty="0" smtClean="0">
                 <a:gradFill flip="none" rotWithShape="1">
                   <a:gsLst>
@@ -7423,236 +7667,6 @@
                 <a:cs typeface="Open Sans" panose="020B0606030504020204" pitchFamily="34" charset="0"/>
               </a:rPr>
               <a:t>2</a:t>
-            </a:r>
-            <a:r>
-              <a:rPr lang="uk-UA" sz="2800" b="1" dirty="0" smtClean="0">
-                <a:gradFill flip="none" rotWithShape="1">
-                  <a:gsLst>
-                    <a:gs pos="0">
-                      <a:schemeClr val="tx1"/>
-                    </a:gs>
-                    <a:gs pos="100000">
-                      <a:schemeClr val="tx1">
-                        <a:lumMod val="75000"/>
-                        <a:lumOff val="25000"/>
-                      </a:schemeClr>
-                    </a:gs>
-                  </a:gsLst>
-                  <a:lin ang="16200000" scaled="1"/>
-                  <a:tileRect/>
-                </a:gradFill>
-                <a:latin typeface="Segoe Print" panose="02000600000000000000" pitchFamily="2" charset="0"/>
-                <a:ea typeface="Open Sans" panose="020B0606030504020204" pitchFamily="34" charset="0"/>
-                <a:cs typeface="Open Sans" panose="020B0606030504020204" pitchFamily="34" charset="0"/>
-              </a:rPr>
-              <a:t>00 </a:t>
-            </a:r>
-            <a:r>
-              <a:rPr lang="uk-UA" sz="2800" b="1" dirty="0" smtClean="0">
-                <a:gradFill flip="none" rotWithShape="1">
-                  <a:gsLst>
-                    <a:gs pos="0">
-                      <a:schemeClr val="tx1"/>
-                    </a:gs>
-                    <a:gs pos="100000">
-                      <a:schemeClr val="tx1">
-                        <a:lumMod val="75000"/>
-                        <a:lumOff val="25000"/>
-                      </a:schemeClr>
-                    </a:gs>
-                  </a:gsLst>
-                  <a:lin ang="16200000" scaled="1"/>
-                  <a:tileRect/>
-                </a:gradFill>
-                <a:latin typeface="Segoe Print" panose="02000600000000000000" pitchFamily="2" charset="0"/>
-                <a:ea typeface="Open Sans" panose="020B0606030504020204" pitchFamily="34" charset="0"/>
-                <a:cs typeface="Open Sans" panose="020B0606030504020204" pitchFamily="34" charset="0"/>
-              </a:rPr>
-              <a:t>грн – </a:t>
-            </a:r>
-            <a:r>
-              <a:rPr lang="en-US" sz="2800" b="1" dirty="0" smtClean="0">
-                <a:gradFill flip="none" rotWithShape="1">
-                  <a:gsLst>
-                    <a:gs pos="0">
-                      <a:schemeClr val="tx1"/>
-                    </a:gs>
-                    <a:gs pos="100000">
-                      <a:schemeClr val="tx1">
-                        <a:lumMod val="75000"/>
-                        <a:lumOff val="25000"/>
-                      </a:schemeClr>
-                    </a:gs>
-                  </a:gsLst>
-                  <a:lin ang="16200000" scaled="1"/>
-                  <a:tileRect/>
-                </a:gradFill>
-                <a:latin typeface="Segoe Print" panose="02000600000000000000" pitchFamily="2" charset="0"/>
-                <a:ea typeface="Open Sans" panose="020B0606030504020204" pitchFamily="34" charset="0"/>
-                <a:cs typeface="Open Sans" panose="020B0606030504020204" pitchFamily="34" charset="0"/>
-              </a:rPr>
-              <a:t>46</a:t>
-            </a:r>
-            <a:r>
-              <a:rPr lang="uk-UA" sz="2800" b="1" dirty="0" smtClean="0">
-                <a:gradFill flip="none" rotWithShape="1">
-                  <a:gsLst>
-                    <a:gs pos="0">
-                      <a:schemeClr val="tx1"/>
-                    </a:gs>
-                    <a:gs pos="100000">
-                      <a:schemeClr val="tx1">
-                        <a:lumMod val="75000"/>
-                        <a:lumOff val="25000"/>
-                      </a:schemeClr>
-                    </a:gs>
-                  </a:gsLst>
-                  <a:lin ang="16200000" scaled="1"/>
-                  <a:tileRect/>
-                </a:gradFill>
-                <a:latin typeface="Segoe Print" panose="02000600000000000000" pitchFamily="2" charset="0"/>
-                <a:ea typeface="Open Sans" panose="020B0606030504020204" pitchFamily="34" charset="0"/>
-                <a:cs typeface="Open Sans" panose="020B0606030504020204" pitchFamily="34" charset="0"/>
-              </a:rPr>
-              <a:t> </a:t>
-            </a:r>
-            <a:r>
-              <a:rPr lang="en-US" sz="2800" b="1" dirty="0" smtClean="0">
-                <a:gradFill flip="none" rotWithShape="1">
-                  <a:gsLst>
-                    <a:gs pos="0">
-                      <a:schemeClr val="tx1"/>
-                    </a:gs>
-                    <a:gs pos="100000">
-                      <a:schemeClr val="tx1">
-                        <a:lumMod val="75000"/>
-                        <a:lumOff val="25000"/>
-                      </a:schemeClr>
-                    </a:gs>
-                  </a:gsLst>
-                  <a:lin ang="16200000" scaled="1"/>
-                  <a:tileRect/>
-                </a:gradFill>
-                <a:latin typeface="Segoe Print" panose="02000600000000000000" pitchFamily="2" charset="0"/>
-                <a:ea typeface="Open Sans" panose="020B0606030504020204" pitchFamily="34" charset="0"/>
-                <a:cs typeface="Open Sans" panose="020B0606030504020204" pitchFamily="34" charset="0"/>
-              </a:rPr>
-              <a:t>458</a:t>
-            </a:r>
-            <a:r>
-              <a:rPr lang="uk-UA" sz="2800" b="1" dirty="0" smtClean="0">
-                <a:gradFill flip="none" rotWithShape="1">
-                  <a:gsLst>
-                    <a:gs pos="0">
-                      <a:schemeClr val="tx1"/>
-                    </a:gs>
-                    <a:gs pos="100000">
-                      <a:schemeClr val="tx1">
-                        <a:lumMod val="75000"/>
-                        <a:lumOff val="25000"/>
-                      </a:schemeClr>
-                    </a:gs>
-                  </a:gsLst>
-                  <a:lin ang="16200000" scaled="1"/>
-                  <a:tileRect/>
-                </a:gradFill>
-                <a:latin typeface="Segoe Print" panose="02000600000000000000" pitchFamily="2" charset="0"/>
-                <a:ea typeface="Open Sans" panose="020B0606030504020204" pitchFamily="34" charset="0"/>
-                <a:cs typeface="Open Sans" panose="020B0606030504020204" pitchFamily="34" charset="0"/>
-              </a:rPr>
-              <a:t> </a:t>
-            </a:r>
-            <a:r>
-              <a:rPr lang="uk-UA" sz="2800" b="1" dirty="0" smtClean="0">
-                <a:gradFill flip="none" rotWithShape="1">
-                  <a:gsLst>
-                    <a:gs pos="0">
-                      <a:schemeClr val="tx1"/>
-                    </a:gs>
-                    <a:gs pos="100000">
-                      <a:schemeClr val="tx1">
-                        <a:lumMod val="75000"/>
-                        <a:lumOff val="25000"/>
-                      </a:schemeClr>
-                    </a:gs>
-                  </a:gsLst>
-                  <a:lin ang="16200000" scaled="1"/>
-                  <a:tileRect/>
-                </a:gradFill>
-                <a:latin typeface="Segoe Print" panose="02000600000000000000" pitchFamily="2" charset="0"/>
-                <a:ea typeface="Open Sans" panose="020B0606030504020204" pitchFamily="34" charset="0"/>
-                <a:cs typeface="Open Sans" panose="020B0606030504020204" pitchFamily="34" charset="0"/>
-              </a:rPr>
-              <a:t>грн = </a:t>
-            </a:r>
-            <a:r>
-              <a:rPr lang="en-US" sz="2800" b="1" dirty="0" smtClean="0">
-                <a:gradFill flip="none" rotWithShape="1">
-                  <a:gsLst>
-                    <a:gs pos="0">
-                      <a:schemeClr val="tx1"/>
-                    </a:gs>
-                    <a:gs pos="100000">
-                      <a:schemeClr val="tx1">
-                        <a:lumMod val="75000"/>
-                        <a:lumOff val="25000"/>
-                      </a:schemeClr>
-                    </a:gs>
-                  </a:gsLst>
-                  <a:lin ang="16200000" scaled="1"/>
-                  <a:tileRect/>
-                </a:gradFill>
-                <a:latin typeface="Segoe Print" panose="02000600000000000000" pitchFamily="2" charset="0"/>
-                <a:ea typeface="Open Sans" panose="020B0606030504020204" pitchFamily="34" charset="0"/>
-                <a:cs typeface="Open Sans" panose="020B0606030504020204" pitchFamily="34" charset="0"/>
-              </a:rPr>
-              <a:t>8</a:t>
-            </a:r>
-            <a:r>
-              <a:rPr lang="uk-UA" sz="2800" b="1" dirty="0" smtClean="0">
-                <a:gradFill flip="none" rotWithShape="1">
-                  <a:gsLst>
-                    <a:gs pos="0">
-                      <a:schemeClr val="tx1"/>
-                    </a:gs>
-                    <a:gs pos="100000">
-                      <a:schemeClr val="tx1">
-                        <a:lumMod val="75000"/>
-                        <a:lumOff val="25000"/>
-                      </a:schemeClr>
-                    </a:gs>
-                  </a:gsLst>
-                  <a:lin ang="16200000" scaled="1"/>
-                  <a:tileRect/>
-                </a:gradFill>
-                <a:latin typeface="Segoe Print" panose="02000600000000000000" pitchFamily="2" charset="0"/>
-                <a:ea typeface="Open Sans" panose="020B0606030504020204" pitchFamily="34" charset="0"/>
-                <a:cs typeface="Open Sans" panose="020B0606030504020204" pitchFamily="34" charset="0"/>
-              </a:rPr>
-              <a:t> </a:t>
-            </a:r>
-            <a:r>
-              <a:rPr lang="en-US" sz="2800" b="1" dirty="0" smtClean="0">
-                <a:gradFill flip="none" rotWithShape="1">
-                  <a:gsLst>
-                    <a:gs pos="0">
-                      <a:schemeClr val="tx1"/>
-                    </a:gs>
-                    <a:gs pos="100000">
-                      <a:schemeClr val="tx1">
-                        <a:lumMod val="75000"/>
-                        <a:lumOff val="25000"/>
-                      </a:schemeClr>
-                    </a:gs>
-                  </a:gsLst>
-                  <a:lin ang="16200000" scaled="1"/>
-                  <a:tileRect/>
-                </a:gradFill>
-                <a:latin typeface="Segoe Print" panose="02000600000000000000" pitchFamily="2" charset="0"/>
-                <a:ea typeface="Open Sans" panose="020B0606030504020204" pitchFamily="34" charset="0"/>
-                <a:cs typeface="Open Sans" panose="020B0606030504020204" pitchFamily="34" charset="0"/>
-              </a:rPr>
-              <a:t>742</a:t>
             </a:r>
             <a:r>
               <a:rPr lang="uk-UA" sz="2800" b="1" dirty="0" smtClean="0">
@@ -8005,7 +8019,7 @@
           <p:cNvPr id="2" name="TextBox 1">
             <a:extLst>
               <a:ext uri="{FF2B5EF4-FFF2-40B4-BE49-F238E27FC236}">
-                <a16:creationId xmlns:a16="http://schemas.microsoft.com/office/drawing/2014/main" xmlns="" id="{4E3BE0BB-2609-4B8A-A85C-9D0C80A652D2}"/>
+                <a16:creationId xmlns="" xmlns:a16="http://schemas.microsoft.com/office/drawing/2014/main" id="{4E3BE0BB-2609-4B8A-A85C-9D0C80A652D2}"/>
               </a:ext>
             </a:extLst>
           </p:cNvPr>
@@ -8057,7 +8071,7 @@
           <p:cNvPr id="3" name="TextBox 2">
             <a:extLst>
               <a:ext uri="{FF2B5EF4-FFF2-40B4-BE49-F238E27FC236}">
-                <a16:creationId xmlns:a16="http://schemas.microsoft.com/office/drawing/2014/main" xmlns="" id="{3D1AC5F4-0ED6-42FB-8F63-EE13C8BD417F}"/>
+                <a16:creationId xmlns="" xmlns:a16="http://schemas.microsoft.com/office/drawing/2014/main" id="{3D1AC5F4-0ED6-42FB-8F63-EE13C8BD417F}"/>
               </a:ext>
             </a:extLst>
           </p:cNvPr>
@@ -8243,7 +8257,7 @@
     </p:spTree>
     <p:extLst>
       <p:ext uri="{BB962C8B-B14F-4D97-AF65-F5344CB8AC3E}">
-        <p14:creationId xmlns:p14="http://schemas.microsoft.com/office/powerpoint/2010/main" xmlns="" val="2886211671"/>
+        <p14:creationId xmlns="" xmlns:p14="http://schemas.microsoft.com/office/powerpoint/2010/main" val="2886211671"/>
       </p:ext>
     </p:extLst>
   </p:cSld>
@@ -8519,7 +8533,7 @@
           <p:cNvPr id="3" name="TextBox 2">
             <a:extLst>
               <a:ext uri="{FF2B5EF4-FFF2-40B4-BE49-F238E27FC236}">
-                <a16:creationId xmlns:a16="http://schemas.microsoft.com/office/drawing/2014/main" xmlns="" id="{9237B415-7E2C-4C05-B110-9E240A8CB015}"/>
+                <a16:creationId xmlns="" xmlns:a16="http://schemas.microsoft.com/office/drawing/2014/main" id="{9237B415-7E2C-4C05-B110-9E240A8CB015}"/>
               </a:ext>
             </a:extLst>
           </p:cNvPr>
@@ -8595,7 +8609,7 @@
     </p:spTree>
     <p:extLst>
       <p:ext uri="{BB962C8B-B14F-4D97-AF65-F5344CB8AC3E}">
-        <p14:creationId xmlns:p14="http://schemas.microsoft.com/office/powerpoint/2010/main" xmlns="" val="3733678756"/>
+        <p14:creationId xmlns="" xmlns:p14="http://schemas.microsoft.com/office/powerpoint/2010/main" val="3733678756"/>
       </p:ext>
     </p:extLst>
   </p:cSld>
@@ -9087,7 +9101,7 @@
     </p:spTree>
     <p:extLst>
       <p:ext uri="{BB962C8B-B14F-4D97-AF65-F5344CB8AC3E}">
-        <p14:creationId xmlns:p14="http://schemas.microsoft.com/office/powerpoint/2010/main" xmlns="" val="204865308"/>
+        <p14:creationId xmlns="" xmlns:p14="http://schemas.microsoft.com/office/powerpoint/2010/main" val="204865308"/>
       </p:ext>
     </p:extLst>
   </p:cSld>
@@ -9608,7 +9622,7 @@
     </p:spTree>
     <p:extLst>
       <p:ext uri="{BB962C8B-B14F-4D97-AF65-F5344CB8AC3E}">
-        <p14:creationId xmlns:p14="http://schemas.microsoft.com/office/powerpoint/2010/main" xmlns="" val="3345881076"/>
+        <p14:creationId xmlns="" xmlns:p14="http://schemas.microsoft.com/office/powerpoint/2010/main" val="3345881076"/>
       </p:ext>
     </p:extLst>
   </p:cSld>
@@ -10096,7 +10110,7 @@
     </p:spTree>
     <p:extLst>
       <p:ext uri="{BB962C8B-B14F-4D97-AF65-F5344CB8AC3E}">
-        <p14:creationId xmlns:p14="http://schemas.microsoft.com/office/powerpoint/2010/main" xmlns="" val="3182662516"/>
+        <p14:creationId xmlns="" xmlns:p14="http://schemas.microsoft.com/office/powerpoint/2010/main" val="3182662516"/>
       </p:ext>
     </p:extLst>
   </p:cSld>
@@ -11106,7 +11120,7 @@
     </p:spTree>
     <p:extLst>
       <p:ext uri="{BB962C8B-B14F-4D97-AF65-F5344CB8AC3E}">
-        <p14:creationId xmlns:p14="http://schemas.microsoft.com/office/powerpoint/2010/main" xmlns="" val="1368415126"/>
+        <p14:creationId xmlns="" xmlns:p14="http://schemas.microsoft.com/office/powerpoint/2010/main" val="1368415126"/>
       </p:ext>
     </p:extLst>
   </p:cSld>
@@ -11347,7 +11361,7 @@
           <p:cNvPr id="4" name="TextBox 3">
             <a:extLst>
               <a:ext uri="{FF2B5EF4-FFF2-40B4-BE49-F238E27FC236}">
-                <a16:creationId xmlns:a16="http://schemas.microsoft.com/office/drawing/2014/main" xmlns="" id="{92F18041-3C0B-4EAF-876A-625657F421FF}"/>
+                <a16:creationId xmlns="" xmlns:a16="http://schemas.microsoft.com/office/drawing/2014/main" id="{92F18041-3C0B-4EAF-876A-625657F421FF}"/>
               </a:ext>
             </a:extLst>
           </p:cNvPr>
@@ -11660,7 +11674,7 @@
     </p:spTree>
     <p:extLst>
       <p:ext uri="{BB962C8B-B14F-4D97-AF65-F5344CB8AC3E}">
-        <p14:creationId xmlns:p14="http://schemas.microsoft.com/office/powerpoint/2010/main" xmlns="" val="2924096935"/>
+        <p14:creationId xmlns="" xmlns:p14="http://schemas.microsoft.com/office/powerpoint/2010/main" val="2924096935"/>
       </p:ext>
     </p:extLst>
   </p:cSld>
@@ -12263,7 +12277,7 @@
           <p:cNvPr id="4" name="Picture 2" descr="Подарункові сертифікати на салони краси в Києві | DONUM">
             <a:extLst>
               <a:ext uri="{FF2B5EF4-FFF2-40B4-BE49-F238E27FC236}">
-                <a16:creationId xmlns:a16="http://schemas.microsoft.com/office/drawing/2014/main" xmlns="" id="{EFC429FE-20CA-45DF-8E8B-BF6535D2BAE3}"/>
+                <a16:creationId xmlns="" xmlns:a16="http://schemas.microsoft.com/office/drawing/2014/main" id="{EFC429FE-20CA-45DF-8E8B-BF6535D2BAE3}"/>
               </a:ext>
             </a:extLst>
           </p:cNvPr>
@@ -12276,7 +12290,7 @@
           <a:blip r:embed="rId2" cstate="print">
             <a:extLst>
               <a:ext uri="{28A0092B-C50C-407E-A947-70E740481C1C}">
-                <a14:useLocalDpi xmlns:a14="http://schemas.microsoft.com/office/drawing/2010/main" xmlns="" val="0"/>
+                <a14:useLocalDpi xmlns="" xmlns:a14="http://schemas.microsoft.com/office/drawing/2010/main" val="0"/>
               </a:ext>
             </a:extLst>
           </a:blip>
@@ -12305,7 +12319,7 @@
           </a:effectLst>
           <a:extLst>
             <a:ext uri="{909E8E84-426E-40DD-AFC4-6F175D3DCCD1}">
-              <a14:hiddenFill xmlns:a14="http://schemas.microsoft.com/office/drawing/2010/main" xmlns="">
+              <a14:hiddenFill xmlns="" xmlns:a14="http://schemas.microsoft.com/office/drawing/2010/main">
                 <a:solidFill>
                   <a:srgbClr val="FFFFFF"/>
                 </a:solidFill>
@@ -12317,7 +12331,7 @@
     </p:spTree>
     <p:extLst>
       <p:ext uri="{BB962C8B-B14F-4D97-AF65-F5344CB8AC3E}">
-        <p14:creationId xmlns:p14="http://schemas.microsoft.com/office/powerpoint/2010/main" xmlns="" val="2902322015"/>
+        <p14:creationId xmlns="" xmlns:p14="http://schemas.microsoft.com/office/powerpoint/2010/main" val="2902322015"/>
       </p:ext>
     </p:extLst>
   </p:cSld>
@@ -12562,7 +12576,7 @@
           <p:nvPr>
             <p:extLst>
               <p:ext uri="{D42A27DB-BD31-4B8C-83A1-F6EECF244321}">
-                <p14:modId xmlns:p14="http://schemas.microsoft.com/office/powerpoint/2010/main" xmlns="" val="2058177614"/>
+                <p14:modId xmlns="" xmlns:p14="http://schemas.microsoft.com/office/powerpoint/2010/main" val="2058177614"/>
               </p:ext>
             </p:extLst>
           </p:nvPr>
@@ -12588,14 +12602,14 @@
                 <a:gridCol w="6051000">
                   <a:extLst>
                     <a:ext uri="{9D8B030D-6E8A-4147-A177-3AD203B41FA5}">
-                      <a16:colId xmlns:a16="http://schemas.microsoft.com/office/drawing/2014/main" xmlns="" val="20000"/>
+                      <a16:colId xmlns="" xmlns:a16="http://schemas.microsoft.com/office/drawing/2014/main" val="20000"/>
                     </a:ext>
                   </a:extLst>
                 </a:gridCol>
                 <a:gridCol w="2225040">
                   <a:extLst>
                     <a:ext uri="{9D8B030D-6E8A-4147-A177-3AD203B41FA5}">
-                      <a16:colId xmlns:a16="http://schemas.microsoft.com/office/drawing/2014/main" xmlns="" val="20001"/>
+                      <a16:colId xmlns="" xmlns:a16="http://schemas.microsoft.com/office/drawing/2014/main" val="20001"/>
                     </a:ext>
                   </a:extLst>
                 </a:gridCol>
@@ -12753,7 +12767,7 @@
                 </a:tc>
                 <a:extLst>
                   <a:ext uri="{0D108BD9-81ED-4DB2-BD59-A6C34878D82A}">
-                    <a16:rowId xmlns:a16="http://schemas.microsoft.com/office/drawing/2014/main" xmlns="" val="10000"/>
+                    <a16:rowId xmlns="" xmlns:a16="http://schemas.microsoft.com/office/drawing/2014/main" val="10000"/>
                   </a:ext>
                 </a:extLst>
               </a:tr>
@@ -12903,7 +12917,7 @@
                 </a:tc>
                 <a:extLst>
                   <a:ext uri="{0D108BD9-81ED-4DB2-BD59-A6C34878D82A}">
-                    <a16:rowId xmlns:a16="http://schemas.microsoft.com/office/drawing/2014/main" xmlns="" val="10001"/>
+                    <a16:rowId xmlns="" xmlns:a16="http://schemas.microsoft.com/office/drawing/2014/main" val="10001"/>
                   </a:ext>
                 </a:extLst>
               </a:tr>
@@ -13051,7 +13065,7 @@
                 </a:tc>
                 <a:extLst>
                   <a:ext uri="{0D108BD9-81ED-4DB2-BD59-A6C34878D82A}">
-                    <a16:rowId xmlns:a16="http://schemas.microsoft.com/office/drawing/2014/main" xmlns="" val="10002"/>
+                    <a16:rowId xmlns="" xmlns:a16="http://schemas.microsoft.com/office/drawing/2014/main" val="10002"/>
                   </a:ext>
                 </a:extLst>
               </a:tr>
@@ -13186,7 +13200,7 @@
                 </a:tc>
                 <a:extLst>
                   <a:ext uri="{0D108BD9-81ED-4DB2-BD59-A6C34878D82A}">
-                    <a16:rowId xmlns:a16="http://schemas.microsoft.com/office/drawing/2014/main" xmlns="" val="10004"/>
+                    <a16:rowId xmlns="" xmlns:a16="http://schemas.microsoft.com/office/drawing/2014/main" val="10004"/>
                   </a:ext>
                 </a:extLst>
               </a:tr>
@@ -13434,7 +13448,7 @@
                 </a:tc>
                 <a:extLst>
                   <a:ext uri="{0D108BD9-81ED-4DB2-BD59-A6C34878D82A}">
-                    <a16:rowId xmlns:a16="http://schemas.microsoft.com/office/drawing/2014/main" xmlns="" val="10006"/>
+                    <a16:rowId xmlns="" xmlns:a16="http://schemas.microsoft.com/office/drawing/2014/main" val="10006"/>
                   </a:ext>
                 </a:extLst>
               </a:tr>
@@ -13527,7 +13541,7 @@
     </p:spTree>
     <p:extLst>
       <p:ext uri="{BB962C8B-B14F-4D97-AF65-F5344CB8AC3E}">
-        <p14:creationId xmlns:p14="http://schemas.microsoft.com/office/powerpoint/2010/main" xmlns="" val="3371949997"/>
+        <p14:creationId xmlns="" xmlns:p14="http://schemas.microsoft.com/office/powerpoint/2010/main" val="3371949997"/>
       </p:ext>
     </p:extLst>
   </p:cSld>
@@ -13801,7 +13815,7 @@
           <p:nvPr>
             <p:extLst>
               <p:ext uri="{D42A27DB-BD31-4B8C-83A1-F6EECF244321}">
-                <p14:modId xmlns:p14="http://schemas.microsoft.com/office/powerpoint/2010/main" xmlns="" val="3684284401"/>
+                <p14:modId xmlns="" xmlns:p14="http://schemas.microsoft.com/office/powerpoint/2010/main" val="3684284401"/>
               </p:ext>
             </p:extLst>
           </p:nvPr>
@@ -13827,14 +13841,14 @@
                 <a:gridCol w="5850780">
                   <a:extLst>
                     <a:ext uri="{9D8B030D-6E8A-4147-A177-3AD203B41FA5}">
-                      <a16:colId xmlns:a16="http://schemas.microsoft.com/office/drawing/2014/main" xmlns="" val="20000"/>
+                      <a16:colId xmlns="" xmlns:a16="http://schemas.microsoft.com/office/drawing/2014/main" val="20000"/>
                     </a:ext>
                   </a:extLst>
                 </a:gridCol>
                 <a:gridCol w="2302620">
                   <a:extLst>
                     <a:ext uri="{9D8B030D-6E8A-4147-A177-3AD203B41FA5}">
-                      <a16:colId xmlns:a16="http://schemas.microsoft.com/office/drawing/2014/main" xmlns="" val="20003"/>
+                      <a16:colId xmlns="" xmlns:a16="http://schemas.microsoft.com/office/drawing/2014/main" val="20003"/>
                     </a:ext>
                   </a:extLst>
                 </a:gridCol>
@@ -13916,7 +13930,7 @@
                 </a:tc>
                 <a:extLst>
                   <a:ext uri="{0D108BD9-81ED-4DB2-BD59-A6C34878D82A}">
-                    <a16:rowId xmlns:a16="http://schemas.microsoft.com/office/drawing/2014/main" xmlns="" val="10000"/>
+                    <a16:rowId xmlns="" xmlns:a16="http://schemas.microsoft.com/office/drawing/2014/main" val="10000"/>
                   </a:ext>
                 </a:extLst>
               </a:tr>
@@ -13990,7 +14004,7 @@
                 </a:tc>
                 <a:extLst>
                   <a:ext uri="{0D108BD9-81ED-4DB2-BD59-A6C34878D82A}">
-                    <a16:rowId xmlns:a16="http://schemas.microsoft.com/office/drawing/2014/main" xmlns="" val="10001"/>
+                    <a16:rowId xmlns="" xmlns:a16="http://schemas.microsoft.com/office/drawing/2014/main" val="10001"/>
                   </a:ext>
                 </a:extLst>
               </a:tr>
@@ -14049,7 +14063,7 @@
                 </a:tc>
                 <a:extLst>
                   <a:ext uri="{0D108BD9-81ED-4DB2-BD59-A6C34878D82A}">
-                    <a16:rowId xmlns:a16="http://schemas.microsoft.com/office/drawing/2014/main" xmlns="" val="10006"/>
+                    <a16:rowId xmlns="" xmlns:a16="http://schemas.microsoft.com/office/drawing/2014/main" val="10006"/>
                   </a:ext>
                 </a:extLst>
               </a:tr>
@@ -14510,7 +14524,7 @@
           <p:nvPr>
             <p:extLst>
               <p:ext uri="{D42A27DB-BD31-4B8C-83A1-F6EECF244321}">
-                <p14:modId xmlns:p14="http://schemas.microsoft.com/office/powerpoint/2010/main" xmlns="" val="3684284401"/>
+                <p14:modId xmlns="" xmlns:p14="http://schemas.microsoft.com/office/powerpoint/2010/main" val="3684284401"/>
               </p:ext>
             </p:extLst>
           </p:nvPr>
@@ -14536,28 +14550,28 @@
                 <a:gridCol w="4591124">
                   <a:extLst>
                     <a:ext uri="{9D8B030D-6E8A-4147-A177-3AD203B41FA5}">
-                      <a16:colId xmlns:a16="http://schemas.microsoft.com/office/drawing/2014/main" xmlns="" val="20000"/>
+                      <a16:colId xmlns="" xmlns:a16="http://schemas.microsoft.com/office/drawing/2014/main" val="20000"/>
                     </a:ext>
                   </a:extLst>
                 </a:gridCol>
                 <a:gridCol w="2035277">
                   <a:extLst>
                     <a:ext uri="{9D8B030D-6E8A-4147-A177-3AD203B41FA5}">
-                      <a16:colId xmlns:a16="http://schemas.microsoft.com/office/drawing/2014/main" xmlns="" val="20001"/>
+                      <a16:colId xmlns="" xmlns:a16="http://schemas.microsoft.com/office/drawing/2014/main" val="20001"/>
                     </a:ext>
                   </a:extLst>
                 </a:gridCol>
                 <a:gridCol w="1519084">
                   <a:extLst>
                     <a:ext uri="{9D8B030D-6E8A-4147-A177-3AD203B41FA5}">
-                      <a16:colId xmlns:a16="http://schemas.microsoft.com/office/drawing/2014/main" xmlns="" val="20002"/>
+                      <a16:colId xmlns="" xmlns:a16="http://schemas.microsoft.com/office/drawing/2014/main" val="20002"/>
                     </a:ext>
                   </a:extLst>
                 </a:gridCol>
                 <a:gridCol w="1754515">
                   <a:extLst>
                     <a:ext uri="{9D8B030D-6E8A-4147-A177-3AD203B41FA5}">
-                      <a16:colId xmlns:a16="http://schemas.microsoft.com/office/drawing/2014/main" xmlns="" val="20003"/>
+                      <a16:colId xmlns="" xmlns:a16="http://schemas.microsoft.com/office/drawing/2014/main" val="20003"/>
                     </a:ext>
                   </a:extLst>
                 </a:gridCol>
@@ -14695,7 +14709,7 @@
                 </a:tc>
                 <a:extLst>
                   <a:ext uri="{0D108BD9-81ED-4DB2-BD59-A6C34878D82A}">
-                    <a16:rowId xmlns:a16="http://schemas.microsoft.com/office/drawing/2014/main" xmlns="" val="10000"/>
+                    <a16:rowId xmlns="" xmlns:a16="http://schemas.microsoft.com/office/drawing/2014/main" val="10000"/>
                   </a:ext>
                 </a:extLst>
               </a:tr>
@@ -14829,7 +14843,7 @@
                 </a:tc>
                 <a:extLst>
                   <a:ext uri="{0D108BD9-81ED-4DB2-BD59-A6C34878D82A}">
-                    <a16:rowId xmlns:a16="http://schemas.microsoft.com/office/drawing/2014/main" xmlns="" val="10001"/>
+                    <a16:rowId xmlns="" xmlns:a16="http://schemas.microsoft.com/office/drawing/2014/main" val="10001"/>
                   </a:ext>
                 </a:extLst>
               </a:tr>
@@ -15175,7 +15189,7 @@
                           <a:ea typeface="Tahoma" panose="020B0604030504040204" pitchFamily="34" charset="0"/>
                           <a:cs typeface="Tahoma" panose="020B0604030504040204" pitchFamily="34" charset="0"/>
                         </a:rPr>
-                        <a:t>6</a:t>
+                        <a:t>3</a:t>
                       </a:r>
                       <a:endParaRPr lang="uk-UA" sz="1600" noProof="0" dirty="0">
                         <a:effectLst/>
@@ -15206,7 +15220,16 @@
                           <a:ea typeface="Tahoma" panose="020B0604030504040204" pitchFamily="34" charset="0"/>
                           <a:cs typeface="Tahoma" panose="020B0604030504040204" pitchFamily="34" charset="0"/>
                         </a:rPr>
-                        <a:t>6 000 грн</a:t>
+                        <a:t>3 </a:t>
+                      </a:r>
+                      <a:r>
+                        <a:rPr lang="uk-UA" sz="1600" noProof="0" dirty="0" smtClean="0">
+                          <a:effectLst/>
+                          <a:latin typeface="Segoe Print" panose="02000600000000000000" pitchFamily="2" charset="0"/>
+                          <a:ea typeface="Tahoma" panose="020B0604030504040204" pitchFamily="34" charset="0"/>
+                          <a:cs typeface="Tahoma" panose="020B0604030504040204" pitchFamily="34" charset="0"/>
+                        </a:rPr>
+                        <a:t>000 грн</a:t>
                       </a:r>
                       <a:endParaRPr lang="uk-UA" sz="1600" noProof="0" dirty="0">
                         <a:effectLst/>
@@ -15352,7 +15375,7 @@
                 </a:tc>
                 <a:extLst>
                   <a:ext uri="{0D108BD9-81ED-4DB2-BD59-A6C34878D82A}">
-                    <a16:rowId xmlns:a16="http://schemas.microsoft.com/office/drawing/2014/main" xmlns="" val="10002"/>
+                    <a16:rowId xmlns="" xmlns:a16="http://schemas.microsoft.com/office/drawing/2014/main" val="10002"/>
                   </a:ext>
                 </a:extLst>
               </a:tr>
@@ -15487,7 +15510,7 @@
                 </a:tc>
                 <a:extLst>
                   <a:ext uri="{0D108BD9-81ED-4DB2-BD59-A6C34878D82A}">
-                    <a16:rowId xmlns:a16="http://schemas.microsoft.com/office/drawing/2014/main" xmlns="" val="10004"/>
+                    <a16:rowId xmlns="" xmlns:a16="http://schemas.microsoft.com/office/drawing/2014/main" val="10004"/>
                   </a:ext>
                 </a:extLst>
               </a:tr>
@@ -15597,7 +15620,7 @@
                 </a:tc>
                 <a:extLst>
                   <a:ext uri="{0D108BD9-81ED-4DB2-BD59-A6C34878D82A}">
-                    <a16:rowId xmlns:a16="http://schemas.microsoft.com/office/drawing/2014/main" xmlns="" val="10005"/>
+                    <a16:rowId xmlns="" xmlns:a16="http://schemas.microsoft.com/office/drawing/2014/main" val="10005"/>
                   </a:ext>
                 </a:extLst>
               </a:tr>
@@ -15703,7 +15726,7 @@
                 </a:tc>
                 <a:extLst>
                   <a:ext uri="{0D108BD9-81ED-4DB2-BD59-A6C34878D82A}">
-                    <a16:rowId xmlns:a16="http://schemas.microsoft.com/office/drawing/2014/main" xmlns="" val="10006"/>
+                    <a16:rowId xmlns="" xmlns:a16="http://schemas.microsoft.com/office/drawing/2014/main" val="10006"/>
                   </a:ext>
                 </a:extLst>
               </a:tr>
@@ -15813,7 +15836,7 @@
                 </a:tc>
                 <a:extLst>
                   <a:ext uri="{0D108BD9-81ED-4DB2-BD59-A6C34878D82A}">
-                    <a16:rowId xmlns:a16="http://schemas.microsoft.com/office/drawing/2014/main" xmlns="" val="10007"/>
+                    <a16:rowId xmlns="" xmlns:a16="http://schemas.microsoft.com/office/drawing/2014/main" val="10007"/>
                   </a:ext>
                 </a:extLst>
               </a:tr>
@@ -16148,7 +16171,34 @@
                           <a:ea typeface="Tahoma" panose="020B0604030504040204" pitchFamily="34" charset="0"/>
                           <a:cs typeface="Tahoma" panose="020B0604030504040204" pitchFamily="34" charset="0"/>
                         </a:rPr>
-                        <a:t>53 000 </a:t>
+                        <a:t>50 </a:t>
+                      </a:r>
+                      <a:r>
+                        <a:rPr lang="uk-UA" sz="2000" noProof="0" dirty="0" smtClean="0">
+                          <a:gradFill flip="none" rotWithShape="1">
+                            <a:gsLst>
+                              <a:gs pos="0">
+                                <a:schemeClr val="tx1">
+                                  <a:lumMod val="95000"/>
+                                  <a:lumOff val="5000"/>
+                                </a:schemeClr>
+                              </a:gs>
+                              <a:gs pos="100000">
+                                <a:schemeClr val="tx1">
+                                  <a:lumMod val="85000"/>
+                                  <a:lumOff val="15000"/>
+                                </a:schemeClr>
+                              </a:gs>
+                            </a:gsLst>
+                            <a:lin ang="16200000" scaled="1"/>
+                            <a:tileRect/>
+                          </a:gradFill>
+                          <a:effectLst/>
+                          <a:latin typeface="Tahoma" panose="020B0604030504040204" pitchFamily="34" charset="0"/>
+                          <a:ea typeface="Tahoma" panose="020B0604030504040204" pitchFamily="34" charset="0"/>
+                          <a:cs typeface="Tahoma" panose="020B0604030504040204" pitchFamily="34" charset="0"/>
+                        </a:rPr>
+                        <a:t>000 </a:t>
                       </a:r>
                       <a:r>
                         <a:rPr lang="uk-UA" sz="2000" i="0" noProof="0" dirty="0">
@@ -16213,7 +16263,7 @@
                 </a:tc>
                 <a:extLst>
                   <a:ext uri="{0D108BD9-81ED-4DB2-BD59-A6C34878D82A}">
-                    <a16:rowId xmlns:a16="http://schemas.microsoft.com/office/drawing/2014/main" xmlns="" val="10008"/>
+                    <a16:rowId xmlns="" xmlns:a16="http://schemas.microsoft.com/office/drawing/2014/main" val="10008"/>
                   </a:ext>
                 </a:extLst>
               </a:tr>
@@ -16436,7 +16486,7 @@
           <p:nvPr>
             <p:extLst>
               <p:ext uri="{D42A27DB-BD31-4B8C-83A1-F6EECF244321}">
-                <p14:modId xmlns:p14="http://schemas.microsoft.com/office/powerpoint/2010/main" xmlns="" val="3684284401"/>
+                <p14:modId xmlns="" xmlns:p14="http://schemas.microsoft.com/office/powerpoint/2010/main" val="3684284401"/>
               </p:ext>
             </p:extLst>
           </p:nvPr>
@@ -16462,28 +16512,28 @@
                 <a:gridCol w="3600000">
                   <a:extLst>
                     <a:ext uri="{9D8B030D-6E8A-4147-A177-3AD203B41FA5}">
-                      <a16:colId xmlns:a16="http://schemas.microsoft.com/office/drawing/2014/main" xmlns="" val="20000"/>
+                      <a16:colId xmlns="" xmlns:a16="http://schemas.microsoft.com/office/drawing/2014/main" val="20000"/>
                     </a:ext>
                   </a:extLst>
                 </a:gridCol>
                 <a:gridCol w="2340000">
                   <a:extLst>
                     <a:ext uri="{9D8B030D-6E8A-4147-A177-3AD203B41FA5}">
-                      <a16:colId xmlns:a16="http://schemas.microsoft.com/office/drawing/2014/main" xmlns="" val="20001"/>
+                      <a16:colId xmlns="" xmlns:a16="http://schemas.microsoft.com/office/drawing/2014/main" val="20001"/>
                     </a:ext>
                   </a:extLst>
                 </a:gridCol>
                 <a:gridCol w="1980000">
                   <a:extLst>
                     <a:ext uri="{9D8B030D-6E8A-4147-A177-3AD203B41FA5}">
-                      <a16:colId xmlns:a16="http://schemas.microsoft.com/office/drawing/2014/main" xmlns="" val="20002"/>
+                      <a16:colId xmlns="" xmlns:a16="http://schemas.microsoft.com/office/drawing/2014/main" val="20002"/>
                     </a:ext>
                   </a:extLst>
                 </a:gridCol>
                 <a:gridCol w="1980000">
                   <a:extLst>
                     <a:ext uri="{9D8B030D-6E8A-4147-A177-3AD203B41FA5}">
-                      <a16:colId xmlns:a16="http://schemas.microsoft.com/office/drawing/2014/main" xmlns="" val="20003"/>
+                      <a16:colId xmlns="" xmlns:a16="http://schemas.microsoft.com/office/drawing/2014/main" val="20003"/>
                     </a:ext>
                   </a:extLst>
                 </a:gridCol>
@@ -16618,7 +16668,7 @@
                 </a:tc>
                 <a:extLst>
                   <a:ext uri="{0D108BD9-81ED-4DB2-BD59-A6C34878D82A}">
-                    <a16:rowId xmlns:a16="http://schemas.microsoft.com/office/drawing/2014/main" xmlns="" val="10000"/>
+                    <a16:rowId xmlns="" xmlns:a16="http://schemas.microsoft.com/office/drawing/2014/main" val="10000"/>
                   </a:ext>
                 </a:extLst>
               </a:tr>
@@ -16792,7 +16842,7 @@
                 </a:tc>
                 <a:extLst>
                   <a:ext uri="{0D108BD9-81ED-4DB2-BD59-A6C34878D82A}">
-                    <a16:rowId xmlns:a16="http://schemas.microsoft.com/office/drawing/2014/main" xmlns="" val="10002"/>
+                    <a16:rowId xmlns="" xmlns:a16="http://schemas.microsoft.com/office/drawing/2014/main" val="10002"/>
                   </a:ext>
                 </a:extLst>
               </a:tr>
@@ -16968,7 +17018,7 @@
                 </a:tc>
                 <a:extLst>
                   <a:ext uri="{0D108BD9-81ED-4DB2-BD59-A6C34878D82A}">
-                    <a16:rowId xmlns:a16="http://schemas.microsoft.com/office/drawing/2014/main" xmlns="" val="10004"/>
+                    <a16:rowId xmlns="" xmlns:a16="http://schemas.microsoft.com/office/drawing/2014/main" val="10004"/>
                   </a:ext>
                 </a:extLst>
               </a:tr>
@@ -17101,7 +17151,7 @@
                 </a:tc>
                 <a:extLst>
                   <a:ext uri="{0D108BD9-81ED-4DB2-BD59-A6C34878D82A}">
-                    <a16:rowId xmlns:a16="http://schemas.microsoft.com/office/drawing/2014/main" xmlns="" val="10005"/>
+                    <a16:rowId xmlns="" xmlns:a16="http://schemas.microsoft.com/office/drawing/2014/main" val="10005"/>
                   </a:ext>
                 </a:extLst>
               </a:tr>
@@ -17210,7 +17260,7 @@
                 </a:tc>
                 <a:extLst>
                   <a:ext uri="{0D108BD9-81ED-4DB2-BD59-A6C34878D82A}">
-                    <a16:rowId xmlns:a16="http://schemas.microsoft.com/office/drawing/2014/main" xmlns="" val="10006"/>
+                    <a16:rowId xmlns="" xmlns:a16="http://schemas.microsoft.com/office/drawing/2014/main" val="10006"/>
                   </a:ext>
                 </a:extLst>
               </a:tr>
@@ -17331,7 +17381,7 @@
                 </a:tc>
                 <a:extLst>
                   <a:ext uri="{0D108BD9-81ED-4DB2-BD59-A6C34878D82A}">
-                    <a16:rowId xmlns:a16="http://schemas.microsoft.com/office/drawing/2014/main" xmlns="" val="10007"/>
+                    <a16:rowId xmlns="" xmlns:a16="http://schemas.microsoft.com/office/drawing/2014/main" val="10007"/>
                   </a:ext>
                 </a:extLst>
               </a:tr>
@@ -17558,7 +17608,7 @@
                 </a:tc>
                 <a:extLst>
                   <a:ext uri="{0D108BD9-81ED-4DB2-BD59-A6C34878D82A}">
-                    <a16:rowId xmlns:a16="http://schemas.microsoft.com/office/drawing/2014/main" xmlns="" val="10008"/>
+                    <a16:rowId xmlns="" xmlns:a16="http://schemas.microsoft.com/office/drawing/2014/main" val="10008"/>
                   </a:ext>
                 </a:extLst>
               </a:tr>
@@ -17569,7 +17619,7 @@
     </p:spTree>
     <p:extLst>
       <p:ext uri="{BB962C8B-B14F-4D97-AF65-F5344CB8AC3E}">
-        <p14:creationId xmlns:p14="http://schemas.microsoft.com/office/powerpoint/2010/main" xmlns="" val="2952426389"/>
+        <p14:creationId xmlns="" xmlns:p14="http://schemas.microsoft.com/office/powerpoint/2010/main" val="2952426389"/>
       </p:ext>
     </p:extLst>
   </p:cSld>
@@ -17961,7 +18011,7 @@
   <a:extraClrSchemeLst/>
   <a:extLst>
     <a:ext uri="{05A4C25C-085E-4340-85A3-A5531E510DB2}">
-      <thm15:themeFamily xmlns:thm15="http://schemas.microsoft.com/office/thememl/2012/main" xmlns="" name="Office Theme" id="{62F939B6-93AF-4DB8-9C6B-D6C7DFDC589F}" vid="{4A3C46E8-61CC-4603-A589-7422A47A8E4A}"/>
+      <thm15:themeFamily xmlns="" xmlns:thm15="http://schemas.microsoft.com/office/thememl/2012/main" name="Office Theme" id="{62F939B6-93AF-4DB8-9C6B-D6C7DFDC589F}" vid="{4A3C46E8-61CC-4603-A589-7422A47A8E4A}"/>
     </a:ext>
   </a:extLst>
 </a:theme>
@@ -18222,7 +18272,7 @@
   <a:extraClrSchemeLst/>
   <a:extLst>
     <a:ext uri="{05A4C25C-085E-4340-85A3-A5531E510DB2}">
-      <thm15:themeFamily xmlns:thm15="http://schemas.microsoft.com/office/thememl/2012/main" xmlns="" name="Office Theme" id="{62F939B6-93AF-4DB8-9C6B-D6C7DFDC589F}" vid="{4A3C46E8-61CC-4603-A589-7422A47A8E4A}"/>
+      <thm15:themeFamily xmlns="" xmlns:thm15="http://schemas.microsoft.com/office/thememl/2012/main" name="Office Theme" id="{62F939B6-93AF-4DB8-9C6B-D6C7DFDC589F}" vid="{4A3C46E8-61CC-4603-A589-7422A47A8E4A}"/>
     </a:ext>
   </a:extLst>
 </a:theme>

--- a/diplomna.pptx
+++ b/diplomna.pptx
@@ -156,7 +156,7 @@
   </p:defaultTextStyle>
   <p:extLst>
     <p:ext uri="{EFAFB233-063F-42B5-8137-9DF3F51BA10A}">
-      <p15:sldGuideLst xmlns="" xmlns:p15="http://schemas.microsoft.com/office/powerpoint/2012/main"/>
+      <p15:sldGuideLst xmlns:p15="http://schemas.microsoft.com/office/powerpoint/2012/main" xmlns=""/>
     </p:ext>
   </p:extLst>
 </p:presentation>
@@ -245,7 +245,7 @@
             <a:fld id="{34ECBCA9-90F6-4EB5-BA36-98AE7DDCEFD0}" type="datetimeFigureOut">
               <a:rPr lang="ru-RU" smtClean="0"/>
               <a:pPr/>
-              <a:t>10.06.2021</a:t>
+              <a:t>18.06.2021</a:t>
             </a:fld>
             <a:endParaRPr lang="ru-RU" dirty="0"/>
           </a:p>
@@ -413,7 +413,7 @@
     </p:spTree>
     <p:extLst>
       <p:ext uri="{BB962C8B-B14F-4D97-AF65-F5344CB8AC3E}">
-        <p14:creationId xmlns="" xmlns:p14="http://schemas.microsoft.com/office/powerpoint/2010/main" val="571422458"/>
+        <p14:creationId xmlns:p14="http://schemas.microsoft.com/office/powerpoint/2010/main" xmlns="" val="571422458"/>
       </p:ext>
     </p:extLst>
   </p:cSld>
@@ -588,7 +588,7 @@
     </p:spTree>
     <p:extLst>
       <p:ext uri="{BB962C8B-B14F-4D97-AF65-F5344CB8AC3E}">
-        <p14:creationId xmlns="" xmlns:p14="http://schemas.microsoft.com/office/powerpoint/2010/main" val="4232312718"/>
+        <p14:creationId xmlns:p14="http://schemas.microsoft.com/office/powerpoint/2010/main" xmlns="" val="4232312718"/>
       </p:ext>
     </p:extLst>
   </p:cSld>
@@ -728,7 +728,7 @@
             <a:fld id="{EF786B2F-4D74-4715-9B36-473B5F938BB9}" type="datetimeFigureOut">
               <a:rPr lang="ru-RU" smtClean="0"/>
               <a:pPr/>
-              <a:t>10.06.2021</a:t>
+              <a:t>18.06.2021</a:t>
             </a:fld>
             <a:endParaRPr lang="ru-RU" dirty="0"/>
           </a:p>
@@ -780,7 +780,7 @@
     </p:spTree>
     <p:extLst>
       <p:ext uri="{BB962C8B-B14F-4D97-AF65-F5344CB8AC3E}">
-        <p14:creationId xmlns="" xmlns:p14="http://schemas.microsoft.com/office/powerpoint/2010/main" val="691810472"/>
+        <p14:creationId xmlns:p14="http://schemas.microsoft.com/office/powerpoint/2010/main" xmlns="" val="691810472"/>
       </p:ext>
     </p:extLst>
   </p:cSld>
@@ -898,7 +898,7 @@
             <a:fld id="{EF786B2F-4D74-4715-9B36-473B5F938BB9}" type="datetimeFigureOut">
               <a:rPr lang="ru-RU" smtClean="0"/>
               <a:pPr/>
-              <a:t>10.06.2021</a:t>
+              <a:t>18.06.2021</a:t>
             </a:fld>
             <a:endParaRPr lang="ru-RU" dirty="0"/>
           </a:p>
@@ -950,7 +950,7 @@
     </p:spTree>
     <p:extLst>
       <p:ext uri="{BB962C8B-B14F-4D97-AF65-F5344CB8AC3E}">
-        <p14:creationId xmlns="" xmlns:p14="http://schemas.microsoft.com/office/powerpoint/2010/main" val="1355819167"/>
+        <p14:creationId xmlns:p14="http://schemas.microsoft.com/office/powerpoint/2010/main" xmlns="" val="1355819167"/>
       </p:ext>
     </p:extLst>
   </p:cSld>
@@ -1078,7 +1078,7 @@
             <a:fld id="{EF786B2F-4D74-4715-9B36-473B5F938BB9}" type="datetimeFigureOut">
               <a:rPr lang="ru-RU" smtClean="0"/>
               <a:pPr/>
-              <a:t>10.06.2021</a:t>
+              <a:t>18.06.2021</a:t>
             </a:fld>
             <a:endParaRPr lang="ru-RU" dirty="0"/>
           </a:p>
@@ -1130,7 +1130,7 @@
     </p:spTree>
     <p:extLst>
       <p:ext uri="{BB962C8B-B14F-4D97-AF65-F5344CB8AC3E}">
-        <p14:creationId xmlns="" xmlns:p14="http://schemas.microsoft.com/office/powerpoint/2010/main" val="25386468"/>
+        <p14:creationId xmlns:p14="http://schemas.microsoft.com/office/powerpoint/2010/main" xmlns="" val="25386468"/>
       </p:ext>
     </p:extLst>
   </p:cSld>
@@ -1248,7 +1248,7 @@
             <a:fld id="{EF786B2F-4D74-4715-9B36-473B5F938BB9}" type="datetimeFigureOut">
               <a:rPr lang="ru-RU" smtClean="0"/>
               <a:pPr/>
-              <a:t>10.06.2021</a:t>
+              <a:t>18.06.2021</a:t>
             </a:fld>
             <a:endParaRPr lang="ru-RU" dirty="0"/>
           </a:p>
@@ -1300,7 +1300,7 @@
     </p:spTree>
     <p:extLst>
       <p:ext uri="{BB962C8B-B14F-4D97-AF65-F5344CB8AC3E}">
-        <p14:creationId xmlns="" xmlns:p14="http://schemas.microsoft.com/office/powerpoint/2010/main" val="4103092837"/>
+        <p14:creationId xmlns:p14="http://schemas.microsoft.com/office/powerpoint/2010/main" xmlns="" val="4103092837"/>
       </p:ext>
     </p:extLst>
   </p:cSld>
@@ -1495,7 +1495,7 @@
             <a:fld id="{EF786B2F-4D74-4715-9B36-473B5F938BB9}" type="datetimeFigureOut">
               <a:rPr lang="ru-RU" smtClean="0"/>
               <a:pPr/>
-              <a:t>10.06.2021</a:t>
+              <a:t>18.06.2021</a:t>
             </a:fld>
             <a:endParaRPr lang="ru-RU" dirty="0"/>
           </a:p>
@@ -1547,7 +1547,7 @@
     </p:spTree>
     <p:extLst>
       <p:ext uri="{BB962C8B-B14F-4D97-AF65-F5344CB8AC3E}">
-        <p14:creationId xmlns="" xmlns:p14="http://schemas.microsoft.com/office/powerpoint/2010/main" val="642932172"/>
+        <p14:creationId xmlns:p14="http://schemas.microsoft.com/office/powerpoint/2010/main" xmlns="" val="642932172"/>
       </p:ext>
     </p:extLst>
   </p:cSld>
@@ -1726,7 +1726,7 @@
             <a:fld id="{EF786B2F-4D74-4715-9B36-473B5F938BB9}" type="datetimeFigureOut">
               <a:rPr lang="ru-RU" smtClean="0"/>
               <a:pPr/>
-              <a:t>10.06.2021</a:t>
+              <a:t>18.06.2021</a:t>
             </a:fld>
             <a:endParaRPr lang="ru-RU" dirty="0"/>
           </a:p>
@@ -1778,7 +1778,7 @@
     </p:spTree>
     <p:extLst>
       <p:ext uri="{BB962C8B-B14F-4D97-AF65-F5344CB8AC3E}">
-        <p14:creationId xmlns="" xmlns:p14="http://schemas.microsoft.com/office/powerpoint/2010/main" val="1439442558"/>
+        <p14:creationId xmlns:p14="http://schemas.microsoft.com/office/powerpoint/2010/main" xmlns="" val="1439442558"/>
       </p:ext>
     </p:extLst>
   </p:cSld>
@@ -2092,7 +2092,7 @@
             <a:fld id="{EF786B2F-4D74-4715-9B36-473B5F938BB9}" type="datetimeFigureOut">
               <a:rPr lang="ru-RU" smtClean="0"/>
               <a:pPr/>
-              <a:t>10.06.2021</a:t>
+              <a:t>18.06.2021</a:t>
             </a:fld>
             <a:endParaRPr lang="ru-RU" dirty="0"/>
           </a:p>
@@ -2144,7 +2144,7 @@
     </p:spTree>
     <p:extLst>
       <p:ext uri="{BB962C8B-B14F-4D97-AF65-F5344CB8AC3E}">
-        <p14:creationId xmlns="" xmlns:p14="http://schemas.microsoft.com/office/powerpoint/2010/main" val="1209327759"/>
+        <p14:creationId xmlns:p14="http://schemas.microsoft.com/office/powerpoint/2010/main" xmlns="" val="1209327759"/>
       </p:ext>
     </p:extLst>
   </p:cSld>
@@ -2211,7 +2211,7 @@
             <a:fld id="{EF786B2F-4D74-4715-9B36-473B5F938BB9}" type="datetimeFigureOut">
               <a:rPr lang="ru-RU" smtClean="0"/>
               <a:pPr/>
-              <a:t>10.06.2021</a:t>
+              <a:t>18.06.2021</a:t>
             </a:fld>
             <a:endParaRPr lang="ru-RU" dirty="0"/>
           </a:p>
@@ -2263,7 +2263,7 @@
     </p:spTree>
     <p:extLst>
       <p:ext uri="{BB962C8B-B14F-4D97-AF65-F5344CB8AC3E}">
-        <p14:creationId xmlns="" xmlns:p14="http://schemas.microsoft.com/office/powerpoint/2010/main" val="4212898653"/>
+        <p14:creationId xmlns:p14="http://schemas.microsoft.com/office/powerpoint/2010/main" xmlns="" val="4212898653"/>
       </p:ext>
     </p:extLst>
   </p:cSld>
@@ -2308,7 +2308,7 @@
             <a:fld id="{EF786B2F-4D74-4715-9B36-473B5F938BB9}" type="datetimeFigureOut">
               <a:rPr lang="ru-RU" smtClean="0"/>
               <a:pPr/>
-              <a:t>10.06.2021</a:t>
+              <a:t>18.06.2021</a:t>
             </a:fld>
             <a:endParaRPr lang="ru-RU" dirty="0"/>
           </a:p>
@@ -2360,7 +2360,7 @@
     </p:spTree>
     <p:extLst>
       <p:ext uri="{BB962C8B-B14F-4D97-AF65-F5344CB8AC3E}">
-        <p14:creationId xmlns="" xmlns:p14="http://schemas.microsoft.com/office/powerpoint/2010/main" val="2587781966"/>
+        <p14:creationId xmlns:p14="http://schemas.microsoft.com/office/powerpoint/2010/main" xmlns="" val="2587781966"/>
       </p:ext>
     </p:extLst>
   </p:cSld>
@@ -2585,7 +2585,7 @@
             <a:fld id="{EF786B2F-4D74-4715-9B36-473B5F938BB9}" type="datetimeFigureOut">
               <a:rPr lang="ru-RU" smtClean="0"/>
               <a:pPr/>
-              <a:t>10.06.2021</a:t>
+              <a:t>18.06.2021</a:t>
             </a:fld>
             <a:endParaRPr lang="ru-RU" dirty="0"/>
           </a:p>
@@ -2637,7 +2637,7 @@
     </p:spTree>
     <p:extLst>
       <p:ext uri="{BB962C8B-B14F-4D97-AF65-F5344CB8AC3E}">
-        <p14:creationId xmlns="" xmlns:p14="http://schemas.microsoft.com/office/powerpoint/2010/main" val="3171794395"/>
+        <p14:creationId xmlns:p14="http://schemas.microsoft.com/office/powerpoint/2010/main" xmlns="" val="3171794395"/>
       </p:ext>
     </p:extLst>
   </p:cSld>
@@ -2839,7 +2839,7 @@
             <a:fld id="{EF786B2F-4D74-4715-9B36-473B5F938BB9}" type="datetimeFigureOut">
               <a:rPr lang="ru-RU" smtClean="0"/>
               <a:pPr/>
-              <a:t>10.06.2021</a:t>
+              <a:t>18.06.2021</a:t>
             </a:fld>
             <a:endParaRPr lang="ru-RU" dirty="0"/>
           </a:p>
@@ -2891,7 +2891,7 @@
     </p:spTree>
     <p:extLst>
       <p:ext uri="{BB962C8B-B14F-4D97-AF65-F5344CB8AC3E}">
-        <p14:creationId xmlns="" xmlns:p14="http://schemas.microsoft.com/office/powerpoint/2010/main" val="2260479920"/>
+        <p14:creationId xmlns:p14="http://schemas.microsoft.com/office/powerpoint/2010/main" xmlns="" val="2260479920"/>
       </p:ext>
     </p:extLst>
   </p:cSld>
@@ -3069,7 +3069,7 @@
             <a:fld id="{EF786B2F-4D74-4715-9B36-473B5F938BB9}" type="datetimeFigureOut">
               <a:rPr lang="ru-RU" smtClean="0"/>
               <a:pPr/>
-              <a:t>10.06.2021</a:t>
+              <a:t>18.06.2021</a:t>
             </a:fld>
             <a:endParaRPr lang="ru-RU" dirty="0"/>
           </a:p>
@@ -3157,7 +3157,7 @@
     </p:spTree>
     <p:extLst>
       <p:ext uri="{BB962C8B-B14F-4D97-AF65-F5344CB8AC3E}">
-        <p14:creationId xmlns="" xmlns:p14="http://schemas.microsoft.com/office/powerpoint/2010/main" val="3229768880"/>
+        <p14:creationId xmlns:p14="http://schemas.microsoft.com/office/powerpoint/2010/main" xmlns="" val="3229768880"/>
       </p:ext>
     </p:extLst>
   </p:cSld>
@@ -3854,7 +3854,7 @@
     </p:spTree>
     <p:extLst>
       <p:ext uri="{BB962C8B-B14F-4D97-AF65-F5344CB8AC3E}">
-        <p14:creationId xmlns="" xmlns:p14="http://schemas.microsoft.com/office/powerpoint/2010/main" val="438760337"/>
+        <p14:creationId xmlns:p14="http://schemas.microsoft.com/office/powerpoint/2010/main" xmlns="" val="438760337"/>
       </p:ext>
     </p:extLst>
   </p:cSld>
@@ -4334,7 +4334,7 @@
           <p:nvPr>
             <p:extLst>
               <p:ext uri="{D42A27DB-BD31-4B8C-83A1-F6EECF244321}">
-                <p14:modId xmlns="" xmlns:p14="http://schemas.microsoft.com/office/powerpoint/2010/main" val="3684284401"/>
+                <p14:modId xmlns:p14="http://schemas.microsoft.com/office/powerpoint/2010/main" xmlns="" val="3684284401"/>
               </p:ext>
             </p:extLst>
           </p:nvPr>
@@ -4360,14 +4360,14 @@
                 <a:gridCol w="9037320">
                   <a:extLst>
                     <a:ext uri="{9D8B030D-6E8A-4147-A177-3AD203B41FA5}">
-                      <a16:colId xmlns="" xmlns:a16="http://schemas.microsoft.com/office/drawing/2014/main" val="20000"/>
+                      <a16:colId xmlns:a16="http://schemas.microsoft.com/office/drawing/2014/main" xmlns="" val="20000"/>
                     </a:ext>
                   </a:extLst>
                 </a:gridCol>
                 <a:gridCol w="1920240">
                   <a:extLst>
                     <a:ext uri="{9D8B030D-6E8A-4147-A177-3AD203B41FA5}">
-                      <a16:colId xmlns="" xmlns:a16="http://schemas.microsoft.com/office/drawing/2014/main" val="20003"/>
+                      <a16:colId xmlns:a16="http://schemas.microsoft.com/office/drawing/2014/main" xmlns="" val="20003"/>
                     </a:ext>
                   </a:extLst>
                 </a:gridCol>
@@ -4449,7 +4449,7 @@
                 </a:tc>
                 <a:extLst>
                   <a:ext uri="{0D108BD9-81ED-4DB2-BD59-A6C34878D82A}">
-                    <a16:rowId xmlns="" xmlns:a16="http://schemas.microsoft.com/office/drawing/2014/main" val="10000"/>
+                    <a16:rowId xmlns:a16="http://schemas.microsoft.com/office/drawing/2014/main" xmlns="" val="10000"/>
                   </a:ext>
                 </a:extLst>
               </a:tr>
@@ -4523,7 +4523,7 @@
                 </a:tc>
                 <a:extLst>
                   <a:ext uri="{0D108BD9-81ED-4DB2-BD59-A6C34878D82A}">
-                    <a16:rowId xmlns="" xmlns:a16="http://schemas.microsoft.com/office/drawing/2014/main" val="10001"/>
+                    <a16:rowId xmlns:a16="http://schemas.microsoft.com/office/drawing/2014/main" xmlns="" val="10001"/>
                   </a:ext>
                 </a:extLst>
               </a:tr>
@@ -4588,7 +4588,7 @@
                 </a:tc>
                 <a:extLst>
                   <a:ext uri="{0D108BD9-81ED-4DB2-BD59-A6C34878D82A}">
-                    <a16:rowId xmlns="" xmlns:a16="http://schemas.microsoft.com/office/drawing/2014/main" val="10006"/>
+                    <a16:rowId xmlns:a16="http://schemas.microsoft.com/office/drawing/2014/main" xmlns="" val="10006"/>
                   </a:ext>
                 </a:extLst>
               </a:tr>
@@ -4640,13 +4640,7 @@
                         <a:rPr lang="en-US" sz="1800" noProof="0" dirty="0" smtClean="0">
                           <a:latin typeface="Segoe Print" panose="02000600000000000000" pitchFamily="2" charset="0"/>
                         </a:rPr>
-                        <a:t> </a:t>
-                      </a:r>
-                      <a:r>
-                        <a:rPr lang="en-US" sz="1800" noProof="0" dirty="0" smtClean="0">
-                          <a:latin typeface="Segoe Print" panose="02000600000000000000" pitchFamily="2" charset="0"/>
-                        </a:rPr>
-                        <a:t>000 </a:t>
+                        <a:t> 000 </a:t>
                       </a:r>
                       <a:r>
                         <a:rPr lang="uk-UA" sz="1800" noProof="0" dirty="0">
@@ -4667,7 +4661,7 @@
                 </a:tc>
                 <a:extLst>
                   <a:ext uri="{0D108BD9-81ED-4DB2-BD59-A6C34878D82A}">
-                    <a16:rowId xmlns="" xmlns:a16="http://schemas.microsoft.com/office/drawing/2014/main" val="10007"/>
+                    <a16:rowId xmlns:a16="http://schemas.microsoft.com/office/drawing/2014/main" xmlns="" val="10007"/>
                   </a:ext>
                 </a:extLst>
               </a:tr>
@@ -4809,31 +4803,7 @@
                           <a:ea typeface="Tahoma" panose="020B0604030504040204" pitchFamily="34" charset="0"/>
                           <a:cs typeface="Tahoma" panose="020B0604030504040204" pitchFamily="34" charset="0"/>
                         </a:rPr>
-                        <a:t> </a:t>
-                      </a:r>
-                      <a:r>
-                        <a:rPr lang="uk-UA" sz="2000" baseline="0" noProof="0" dirty="0" smtClean="0">
-                          <a:gradFill flip="none" rotWithShape="1">
-                            <a:gsLst>
-                              <a:gs pos="0">
-                                <a:schemeClr val="tx1"/>
-                              </a:gs>
-                              <a:gs pos="100000">
-                                <a:schemeClr val="tx1">
-                                  <a:lumMod val="85000"/>
-                                  <a:lumOff val="15000"/>
-                                </a:schemeClr>
-                              </a:gs>
-                            </a:gsLst>
-                            <a:lin ang="16200000" scaled="1"/>
-                            <a:tileRect/>
-                          </a:gradFill>
-                          <a:effectLst/>
-                          <a:latin typeface="Tahoma" panose="020B0604030504040204" pitchFamily="34" charset="0"/>
-                          <a:ea typeface="Tahoma" panose="020B0604030504040204" pitchFamily="34" charset="0"/>
-                          <a:cs typeface="Tahoma" panose="020B0604030504040204" pitchFamily="34" charset="0"/>
-                        </a:rPr>
-                        <a:t>000</a:t>
+                        <a:t> 000</a:t>
                       </a:r>
                       <a:r>
                         <a:rPr lang="uk-UA" sz="2000" noProof="0" dirty="0" smtClean="0">
@@ -4916,7 +4886,7 @@
                 </a:tc>
                 <a:extLst>
                   <a:ext uri="{0D108BD9-81ED-4DB2-BD59-A6C34878D82A}">
-                    <a16:rowId xmlns="" xmlns:a16="http://schemas.microsoft.com/office/drawing/2014/main" val="10008"/>
+                    <a16:rowId xmlns:a16="http://schemas.microsoft.com/office/drawing/2014/main" xmlns="" val="10008"/>
                   </a:ext>
                 </a:extLst>
               </a:tr>
@@ -4953,7 +4923,7 @@
     </p:spTree>
     <p:extLst>
       <p:ext uri="{BB962C8B-B14F-4D97-AF65-F5344CB8AC3E}">
-        <p14:creationId xmlns="" xmlns:p14="http://schemas.microsoft.com/office/powerpoint/2010/main" val="2745074324"/>
+        <p14:creationId xmlns:p14="http://schemas.microsoft.com/office/powerpoint/2010/main" xmlns="" val="2745074324"/>
       </p:ext>
     </p:extLst>
   </p:cSld>
@@ -5237,7 +5207,7 @@
           <p:nvPr>
             <p:extLst>
               <p:ext uri="{D42A27DB-BD31-4B8C-83A1-F6EECF244321}">
-                <p14:modId xmlns="" xmlns:p14="http://schemas.microsoft.com/office/powerpoint/2010/main" val="3684284401"/>
+                <p14:modId xmlns:p14="http://schemas.microsoft.com/office/powerpoint/2010/main" xmlns="" val="3684284401"/>
               </p:ext>
             </p:extLst>
           </p:nvPr>
@@ -5263,14 +5233,14 @@
                 <a:gridCol w="9037320">
                   <a:extLst>
                     <a:ext uri="{9D8B030D-6E8A-4147-A177-3AD203B41FA5}">
-                      <a16:colId xmlns="" xmlns:a16="http://schemas.microsoft.com/office/drawing/2014/main" val="20000"/>
+                      <a16:colId xmlns:a16="http://schemas.microsoft.com/office/drawing/2014/main" xmlns="" val="20000"/>
                     </a:ext>
                   </a:extLst>
                 </a:gridCol>
                 <a:gridCol w="1920240">
                   <a:extLst>
                     <a:ext uri="{9D8B030D-6E8A-4147-A177-3AD203B41FA5}">
-                      <a16:colId xmlns="" xmlns:a16="http://schemas.microsoft.com/office/drawing/2014/main" val="20003"/>
+                      <a16:colId xmlns:a16="http://schemas.microsoft.com/office/drawing/2014/main" xmlns="" val="20003"/>
                     </a:ext>
                   </a:extLst>
                 </a:gridCol>
@@ -5352,7 +5322,7 @@
                 </a:tc>
                 <a:extLst>
                   <a:ext uri="{0D108BD9-81ED-4DB2-BD59-A6C34878D82A}">
-                    <a16:rowId xmlns="" xmlns:a16="http://schemas.microsoft.com/office/drawing/2014/main" val="10000"/>
+                    <a16:rowId xmlns:a16="http://schemas.microsoft.com/office/drawing/2014/main" xmlns="" val="10000"/>
                   </a:ext>
                 </a:extLst>
               </a:tr>
@@ -5426,7 +5396,7 @@
                 </a:tc>
                 <a:extLst>
                   <a:ext uri="{0D108BD9-81ED-4DB2-BD59-A6C34878D82A}">
-                    <a16:rowId xmlns="" xmlns:a16="http://schemas.microsoft.com/office/drawing/2014/main" val="10001"/>
+                    <a16:rowId xmlns:a16="http://schemas.microsoft.com/office/drawing/2014/main" xmlns="" val="10001"/>
                   </a:ext>
                 </a:extLst>
               </a:tr>
@@ -5491,7 +5461,7 @@
                 </a:tc>
                 <a:extLst>
                   <a:ext uri="{0D108BD9-81ED-4DB2-BD59-A6C34878D82A}">
-                    <a16:rowId xmlns="" xmlns:a16="http://schemas.microsoft.com/office/drawing/2014/main" val="10006"/>
+                    <a16:rowId xmlns:a16="http://schemas.microsoft.com/office/drawing/2014/main" xmlns="" val="10006"/>
                   </a:ext>
                 </a:extLst>
               </a:tr>
@@ -5731,13 +5701,19 @@
                         <a:rPr lang="en-US" sz="1800" noProof="0" dirty="0" smtClean="0">
                           <a:latin typeface="Segoe Print" panose="02000600000000000000" pitchFamily="2" charset="0"/>
                         </a:rPr>
-                        <a:t>218</a:t>
+                        <a:t>475</a:t>
                       </a:r>
                       <a:r>
                         <a:rPr lang="uk-UA" sz="1800" noProof="0" dirty="0" smtClean="0">
                           <a:latin typeface="Segoe Print" panose="02000600000000000000" pitchFamily="2" charset="0"/>
                         </a:rPr>
-                        <a:t> грн</a:t>
+                        <a:t> </a:t>
+                      </a:r>
+                      <a:r>
+                        <a:rPr lang="uk-UA" sz="1800" noProof="0" dirty="0" smtClean="0">
+                          <a:latin typeface="Segoe Print" panose="02000600000000000000" pitchFamily="2" charset="0"/>
+                        </a:rPr>
+                        <a:t>грн</a:t>
                       </a:r>
                       <a:endParaRPr lang="uk-UA" sz="1800" noProof="0" dirty="0">
                         <a:latin typeface="Segoe Print" panose="02000600000000000000" pitchFamily="2" charset="0"/>
@@ -5846,6 +5822,30 @@
                         <a:t>46 </a:t>
                       </a:r>
                       <a:r>
+                        <a:rPr lang="en-US" sz="2000" noProof="0" dirty="0" smtClean="0">
+                          <a:gradFill flip="none" rotWithShape="1">
+                            <a:gsLst>
+                              <a:gs pos="0">
+                                <a:schemeClr val="tx1"/>
+                              </a:gs>
+                              <a:gs pos="100000">
+                                <a:schemeClr val="tx1">
+                                  <a:lumMod val="85000"/>
+                                  <a:lumOff val="15000"/>
+                                </a:schemeClr>
+                              </a:gs>
+                            </a:gsLst>
+                            <a:lin ang="16200000" scaled="1"/>
+                            <a:tileRect/>
+                          </a:gradFill>
+                          <a:effectLst/>
+                          <a:latin typeface="Tahoma" panose="020B0604030504040204" pitchFamily="34" charset="0"/>
+                          <a:ea typeface="Tahoma" panose="020B0604030504040204" pitchFamily="34" charset="0"/>
+                          <a:cs typeface="Tahoma" panose="020B0604030504040204" pitchFamily="34" charset="0"/>
+                        </a:rPr>
+                        <a:t>715</a:t>
+                      </a:r>
+                      <a:r>
                         <a:rPr lang="uk-UA" sz="2000" noProof="0" dirty="0" smtClean="0">
                           <a:gradFill flip="none" rotWithShape="1">
                             <a:gsLst>
@@ -5867,7 +5867,7 @@
                           <a:ea typeface="Tahoma" panose="020B0604030504040204" pitchFamily="34" charset="0"/>
                           <a:cs typeface="Tahoma" panose="020B0604030504040204" pitchFamily="34" charset="0"/>
                         </a:rPr>
-                        <a:t>368 </a:t>
+                        <a:t> </a:t>
                       </a:r>
                       <a:r>
                         <a:rPr lang="uk-UA" sz="2000" i="0" noProof="0" dirty="0">
@@ -5926,7 +5926,7 @@
                 </a:tc>
                 <a:extLst>
                   <a:ext uri="{0D108BD9-81ED-4DB2-BD59-A6C34878D82A}">
-                    <a16:rowId xmlns="" xmlns:a16="http://schemas.microsoft.com/office/drawing/2014/main" val="10008"/>
+                    <a16:rowId xmlns:a16="http://schemas.microsoft.com/office/drawing/2014/main" xmlns="" val="10008"/>
                   </a:ext>
                 </a:extLst>
               </a:tr>
@@ -5937,7 +5937,7 @@
     </p:spTree>
     <p:extLst>
       <p:ext uri="{BB962C8B-B14F-4D97-AF65-F5344CB8AC3E}">
-        <p14:creationId xmlns="" xmlns:p14="http://schemas.microsoft.com/office/powerpoint/2010/main" val="1660777227"/>
+        <p14:creationId xmlns:p14="http://schemas.microsoft.com/office/powerpoint/2010/main" xmlns="" val="1660777227"/>
       </p:ext>
     </p:extLst>
   </p:cSld>
@@ -6096,7 +6096,7 @@
           <p:cNvPr id="2" name="TextBox 1">
             <a:extLst>
               <a:ext uri="{FF2B5EF4-FFF2-40B4-BE49-F238E27FC236}">
-                <a16:creationId xmlns="" xmlns:a16="http://schemas.microsoft.com/office/drawing/2014/main" id="{25832EBB-8E12-4241-BEB1-485AB6B82A2F}"/>
+                <a16:creationId xmlns:a16="http://schemas.microsoft.com/office/drawing/2014/main" xmlns="" id="{25832EBB-8E12-4241-BEB1-485AB6B82A2F}"/>
               </a:ext>
             </a:extLst>
           </p:cNvPr>
@@ -6148,7 +6148,7 @@
           <p:cNvPr id="3" name="TextBox 2">
             <a:extLst>
               <a:ext uri="{FF2B5EF4-FFF2-40B4-BE49-F238E27FC236}">
-                <a16:creationId xmlns="" xmlns:a16="http://schemas.microsoft.com/office/drawing/2014/main" id="{49F07CA5-98ED-45C0-9580-6557BF637F29}"/>
+                <a16:creationId xmlns:a16="http://schemas.microsoft.com/office/drawing/2014/main" xmlns="" id="{49F07CA5-98ED-45C0-9580-6557BF637F29}"/>
               </a:ext>
             </a:extLst>
           </p:cNvPr>
@@ -6426,7 +6426,76 @@
                 <a:ea typeface="Tahoma" panose="020B0604030504040204" pitchFamily="34" charset="0"/>
                 <a:cs typeface="Tahoma" panose="020B0604030504040204" pitchFamily="34" charset="0"/>
               </a:rPr>
-              <a:t> роки під 8% річних. </a:t>
+              <a:t> роки під </a:t>
+            </a:r>
+            <a:r>
+              <a:rPr lang="en-US" sz="2800" b="1" dirty="0" smtClean="0">
+                <a:gradFill flip="none" rotWithShape="1">
+                  <a:gsLst>
+                    <a:gs pos="0">
+                      <a:schemeClr val="tx1"/>
+                    </a:gs>
+                    <a:gs pos="100000">
+                      <a:schemeClr val="tx1">
+                        <a:lumMod val="75000"/>
+                        <a:lumOff val="25000"/>
+                      </a:schemeClr>
+                    </a:gs>
+                  </a:gsLst>
+                  <a:lin ang="16200000" scaled="1"/>
+                  <a:tileRect/>
+                </a:gradFill>
+                <a:latin typeface="Segoe Print" pitchFamily="2" charset="0"/>
+                <a:ea typeface="Tahoma" panose="020B0604030504040204" pitchFamily="34" charset="0"/>
+                <a:cs typeface="Tahoma" panose="020B0604030504040204" pitchFamily="34" charset="0"/>
+              </a:rPr>
+              <a:t>20</a:t>
+            </a:r>
+            <a:r>
+              <a:rPr lang="uk-UA" sz="2800" b="1" dirty="0" smtClean="0">
+                <a:gradFill flip="none" rotWithShape="1">
+                  <a:gsLst>
+                    <a:gs pos="0">
+                      <a:schemeClr val="tx1"/>
+                    </a:gs>
+                    <a:gs pos="100000">
+                      <a:schemeClr val="tx1">
+                        <a:lumMod val="75000"/>
+                        <a:lumOff val="25000"/>
+                      </a:schemeClr>
+                    </a:gs>
+                  </a:gsLst>
+                  <a:lin ang="16200000" scaled="1"/>
+                  <a:tileRect/>
+                </a:gradFill>
+                <a:latin typeface="Segoe Print" pitchFamily="2" charset="0"/>
+                <a:ea typeface="Tahoma" panose="020B0604030504040204" pitchFamily="34" charset="0"/>
+                <a:cs typeface="Tahoma" panose="020B0604030504040204" pitchFamily="34" charset="0"/>
+              </a:rPr>
+              <a:t>% </a:t>
+            </a:r>
+            <a:r>
+              <a:rPr lang="uk-UA" sz="2800" b="1" dirty="0" smtClean="0">
+                <a:gradFill flip="none" rotWithShape="1">
+                  <a:gsLst>
+                    <a:gs pos="0">
+                      <a:schemeClr val="tx1"/>
+                    </a:gs>
+                    <a:gs pos="100000">
+                      <a:schemeClr val="tx1">
+                        <a:lumMod val="75000"/>
+                        <a:lumOff val="25000"/>
+                      </a:schemeClr>
+                    </a:gs>
+                  </a:gsLst>
+                  <a:lin ang="16200000" scaled="1"/>
+                  <a:tileRect/>
+                </a:gradFill>
+                <a:latin typeface="Segoe Print" pitchFamily="2" charset="0"/>
+                <a:ea typeface="Tahoma" panose="020B0604030504040204" pitchFamily="34" charset="0"/>
+                <a:cs typeface="Tahoma" panose="020B0604030504040204" pitchFamily="34" charset="0"/>
+              </a:rPr>
+              <a:t>річних. </a:t>
             </a:r>
             <a:r>
               <a:rPr lang="uk-UA" sz="2800" b="1" dirty="0">
@@ -6452,7 +6521,7 @@
               <a:t>Виплати здійснюватимуться щомісячно в розмірі </a:t>
             </a:r>
             <a:r>
-              <a:rPr lang="ru-RU" sz="2800" b="1" dirty="0" smtClean="0">
+              <a:rPr lang="en-US" sz="2800" b="1" dirty="0" smtClean="0">
                 <a:gradFill flip="none" rotWithShape="1">
                   <a:gsLst>
                     <a:gs pos="0">
@@ -6495,30 +6564,7 @@
                 <a:ea typeface="Tahoma" panose="020B0604030504040204" pitchFamily="34" charset="0"/>
                 <a:cs typeface="Tahoma" panose="020B0604030504040204" pitchFamily="34" charset="0"/>
               </a:rPr>
-              <a:t> </a:t>
-            </a:r>
-            <a:r>
-              <a:rPr lang="ru-RU" sz="2800" b="1" dirty="0" smtClean="0">
-                <a:gradFill flip="none" rotWithShape="1">
-                  <a:gsLst>
-                    <a:gs pos="0">
-                      <a:schemeClr val="tx1"/>
-                    </a:gs>
-                    <a:gs pos="100000">
-                      <a:schemeClr val="tx1">
-                        <a:lumMod val="75000"/>
-                        <a:lumOff val="25000"/>
-                      </a:schemeClr>
-                    </a:gs>
-                  </a:gsLst>
-                  <a:lin ang="16200000" scaled="1"/>
-                  <a:tileRect/>
-                </a:gradFill>
-                <a:latin typeface="Segoe Print" pitchFamily="2" charset="0"/>
-                <a:ea typeface="Tahoma" panose="020B0604030504040204" pitchFamily="34" charset="0"/>
-                <a:cs typeface="Tahoma" panose="020B0604030504040204" pitchFamily="34" charset="0"/>
-              </a:rPr>
-              <a:t>128</a:t>
+              <a:t> 475</a:t>
             </a:r>
             <a:r>
               <a:rPr lang="uk-UA" sz="2800" b="1" dirty="0" smtClean="0">
@@ -6621,7 +6667,7 @@
     </p:spTree>
     <p:extLst>
       <p:ext uri="{BB962C8B-B14F-4D97-AF65-F5344CB8AC3E}">
-        <p14:creationId xmlns="" xmlns:p14="http://schemas.microsoft.com/office/powerpoint/2010/main" val="311004352"/>
+        <p14:creationId xmlns:p14="http://schemas.microsoft.com/office/powerpoint/2010/main" xmlns="" val="311004352"/>
       </p:ext>
     </p:extLst>
   </p:cSld>
@@ -7485,7 +7531,7 @@
               <a:t> </a:t>
             </a:r>
             <a:r>
-              <a:rPr lang="ru-RU" sz="2800" b="1" dirty="0" smtClean="0">
+              <a:rPr lang="en-US" sz="2800" b="1" dirty="0" smtClean="0">
                 <a:gradFill flip="none" rotWithShape="1">
                   <a:gsLst>
                     <a:gs pos="0">
@@ -7505,7 +7551,53 @@
                 <a:ea typeface="Open Sans" panose="020B0606030504020204" pitchFamily="34" charset="0"/>
                 <a:cs typeface="Open Sans" panose="020B0606030504020204" pitchFamily="34" charset="0"/>
               </a:rPr>
-              <a:t>36</a:t>
+              <a:t>715</a:t>
+            </a:r>
+            <a:r>
+              <a:rPr lang="uk-UA" sz="2800" b="1" dirty="0" smtClean="0">
+                <a:gradFill flip="none" rotWithShape="1">
+                  <a:gsLst>
+                    <a:gs pos="0">
+                      <a:schemeClr val="tx1"/>
+                    </a:gs>
+                    <a:gs pos="100000">
+                      <a:schemeClr val="tx1">
+                        <a:lumMod val="75000"/>
+                        <a:lumOff val="25000"/>
+                      </a:schemeClr>
+                    </a:gs>
+                  </a:gsLst>
+                  <a:lin ang="16200000" scaled="1"/>
+                  <a:tileRect/>
+                </a:gradFill>
+                <a:latin typeface="Segoe Print" panose="02000600000000000000" pitchFamily="2" charset="0"/>
+                <a:ea typeface="Open Sans" panose="020B0606030504020204" pitchFamily="34" charset="0"/>
+                <a:cs typeface="Open Sans" panose="020B0606030504020204" pitchFamily="34" charset="0"/>
+              </a:rPr>
+              <a:t> </a:t>
+            </a:r>
+            <a:r>
+              <a:rPr lang="uk-UA" sz="2800" b="1" dirty="0" smtClean="0">
+                <a:gradFill flip="none" rotWithShape="1">
+                  <a:gsLst>
+                    <a:gs pos="0">
+                      <a:schemeClr val="tx1"/>
+                    </a:gs>
+                    <a:gs pos="100000">
+                      <a:schemeClr val="tx1">
+                        <a:lumMod val="75000"/>
+                        <a:lumOff val="25000"/>
+                      </a:schemeClr>
+                    </a:gs>
+                  </a:gsLst>
+                  <a:lin ang="16200000" scaled="1"/>
+                  <a:tileRect/>
+                </a:gradFill>
+                <a:latin typeface="Segoe Print" panose="02000600000000000000" pitchFamily="2" charset="0"/>
+                <a:ea typeface="Open Sans" panose="020B0606030504020204" pitchFamily="34" charset="0"/>
+                <a:cs typeface="Open Sans" panose="020B0606030504020204" pitchFamily="34" charset="0"/>
+              </a:rPr>
+              <a:t>грн = </a:t>
             </a:r>
             <a:r>
               <a:rPr lang="en-US" sz="2800" b="1" dirty="0" smtClean="0">
@@ -7554,7 +7646,7 @@
               <a:t> </a:t>
             </a:r>
             <a:r>
-              <a:rPr lang="uk-UA" sz="2800" b="1" dirty="0" smtClean="0">
+              <a:rPr lang="en-US" sz="2800" b="1" dirty="0" smtClean="0">
                 <a:gradFill flip="none" rotWithShape="1">
                   <a:gsLst>
                     <a:gs pos="0">
@@ -7574,99 +7666,7 @@
                 <a:ea typeface="Open Sans" panose="020B0606030504020204" pitchFamily="34" charset="0"/>
                 <a:cs typeface="Open Sans" panose="020B0606030504020204" pitchFamily="34" charset="0"/>
               </a:rPr>
-              <a:t>грн = </a:t>
-            </a:r>
-            <a:r>
-              <a:rPr lang="en-US" sz="2800" b="1" dirty="0" smtClean="0">
-                <a:gradFill flip="none" rotWithShape="1">
-                  <a:gsLst>
-                    <a:gs pos="0">
-                      <a:schemeClr val="tx1"/>
-                    </a:gs>
-                    <a:gs pos="100000">
-                      <a:schemeClr val="tx1">
-                        <a:lumMod val="75000"/>
-                        <a:lumOff val="25000"/>
-                      </a:schemeClr>
-                    </a:gs>
-                  </a:gsLst>
-                  <a:lin ang="16200000" scaled="1"/>
-                  <a:tileRect/>
-                </a:gradFill>
-                <a:latin typeface="Segoe Print" panose="02000600000000000000" pitchFamily="2" charset="0"/>
-                <a:ea typeface="Open Sans" panose="020B0606030504020204" pitchFamily="34" charset="0"/>
-                <a:cs typeface="Open Sans" panose="020B0606030504020204" pitchFamily="34" charset="0"/>
-              </a:rPr>
-              <a:t>8</a:t>
-            </a:r>
-            <a:r>
-              <a:rPr lang="uk-UA" sz="2800" b="1" dirty="0" smtClean="0">
-                <a:gradFill flip="none" rotWithShape="1">
-                  <a:gsLst>
-                    <a:gs pos="0">
-                      <a:schemeClr val="tx1"/>
-                    </a:gs>
-                    <a:gs pos="100000">
-                      <a:schemeClr val="tx1">
-                        <a:lumMod val="75000"/>
-                        <a:lumOff val="25000"/>
-                      </a:schemeClr>
-                    </a:gs>
-                  </a:gsLst>
-                  <a:lin ang="16200000" scaled="1"/>
-                  <a:tileRect/>
-                </a:gradFill>
-                <a:latin typeface="Segoe Print" panose="02000600000000000000" pitchFamily="2" charset="0"/>
-                <a:ea typeface="Open Sans" panose="020B0606030504020204" pitchFamily="34" charset="0"/>
-                <a:cs typeface="Open Sans" panose="020B0606030504020204" pitchFamily="34" charset="0"/>
-              </a:rPr>
-              <a:t> </a:t>
-            </a:r>
-            <a:r>
-              <a:rPr lang="ru-RU" sz="2800" b="1" dirty="0" smtClean="0">
-                <a:gradFill flip="none" rotWithShape="1">
-                  <a:gsLst>
-                    <a:gs pos="0">
-                      <a:schemeClr val="tx1"/>
-                    </a:gs>
-                    <a:gs pos="100000">
-                      <a:schemeClr val="tx1">
-                        <a:lumMod val="75000"/>
-                        <a:lumOff val="25000"/>
-                      </a:schemeClr>
-                    </a:gs>
-                  </a:gsLst>
-                  <a:lin ang="16200000" scaled="1"/>
-                  <a:tileRect/>
-                </a:gradFill>
-                <a:latin typeface="Segoe Print" panose="02000600000000000000" pitchFamily="2" charset="0"/>
-                <a:ea typeface="Open Sans" panose="020B0606030504020204" pitchFamily="34" charset="0"/>
-                <a:cs typeface="Open Sans" panose="020B0606030504020204" pitchFamily="34" charset="0"/>
-              </a:rPr>
-              <a:t>83</a:t>
-            </a:r>
-            <a:r>
-              <a:rPr lang="en-US" sz="2800" b="1" dirty="0" smtClean="0">
-                <a:gradFill flip="none" rotWithShape="1">
-                  <a:gsLst>
-                    <a:gs pos="0">
-                      <a:schemeClr val="tx1"/>
-                    </a:gs>
-                    <a:gs pos="100000">
-                      <a:schemeClr val="tx1">
-                        <a:lumMod val="75000"/>
-                        <a:lumOff val="25000"/>
-                      </a:schemeClr>
-                    </a:gs>
-                  </a:gsLst>
-                  <a:lin ang="16200000" scaled="1"/>
-                  <a:tileRect/>
-                </a:gradFill>
-                <a:latin typeface="Segoe Print" panose="02000600000000000000" pitchFamily="2" charset="0"/>
-                <a:ea typeface="Open Sans" panose="020B0606030504020204" pitchFamily="34" charset="0"/>
-                <a:cs typeface="Open Sans" panose="020B0606030504020204" pitchFamily="34" charset="0"/>
-              </a:rPr>
-              <a:t>2</a:t>
+              <a:t>485</a:t>
             </a:r>
             <a:r>
               <a:rPr lang="uk-UA" sz="2800" b="1" dirty="0" smtClean="0">
@@ -8019,7 +8019,7 @@
           <p:cNvPr id="2" name="TextBox 1">
             <a:extLst>
               <a:ext uri="{FF2B5EF4-FFF2-40B4-BE49-F238E27FC236}">
-                <a16:creationId xmlns="" xmlns:a16="http://schemas.microsoft.com/office/drawing/2014/main" id="{4E3BE0BB-2609-4B8A-A85C-9D0C80A652D2}"/>
+                <a16:creationId xmlns:a16="http://schemas.microsoft.com/office/drawing/2014/main" xmlns="" id="{4E3BE0BB-2609-4B8A-A85C-9D0C80A652D2}"/>
               </a:ext>
             </a:extLst>
           </p:cNvPr>
@@ -8071,7 +8071,7 @@
           <p:cNvPr id="3" name="TextBox 2">
             <a:extLst>
               <a:ext uri="{FF2B5EF4-FFF2-40B4-BE49-F238E27FC236}">
-                <a16:creationId xmlns="" xmlns:a16="http://schemas.microsoft.com/office/drawing/2014/main" id="{3D1AC5F4-0ED6-42FB-8F63-EE13C8BD417F}"/>
+                <a16:creationId xmlns:a16="http://schemas.microsoft.com/office/drawing/2014/main" xmlns="" id="{3D1AC5F4-0ED6-42FB-8F63-EE13C8BD417F}"/>
               </a:ext>
             </a:extLst>
           </p:cNvPr>
@@ -8257,7 +8257,7 @@
     </p:spTree>
     <p:extLst>
       <p:ext uri="{BB962C8B-B14F-4D97-AF65-F5344CB8AC3E}">
-        <p14:creationId xmlns="" xmlns:p14="http://schemas.microsoft.com/office/powerpoint/2010/main" val="2886211671"/>
+        <p14:creationId xmlns:p14="http://schemas.microsoft.com/office/powerpoint/2010/main" xmlns="" val="2886211671"/>
       </p:ext>
     </p:extLst>
   </p:cSld>
@@ -8533,7 +8533,7 @@
           <p:cNvPr id="3" name="TextBox 2">
             <a:extLst>
               <a:ext uri="{FF2B5EF4-FFF2-40B4-BE49-F238E27FC236}">
-                <a16:creationId xmlns="" xmlns:a16="http://schemas.microsoft.com/office/drawing/2014/main" id="{9237B415-7E2C-4C05-B110-9E240A8CB015}"/>
+                <a16:creationId xmlns:a16="http://schemas.microsoft.com/office/drawing/2014/main" xmlns="" id="{9237B415-7E2C-4C05-B110-9E240A8CB015}"/>
               </a:ext>
             </a:extLst>
           </p:cNvPr>
@@ -8609,7 +8609,7 @@
     </p:spTree>
     <p:extLst>
       <p:ext uri="{BB962C8B-B14F-4D97-AF65-F5344CB8AC3E}">
-        <p14:creationId xmlns="" xmlns:p14="http://schemas.microsoft.com/office/powerpoint/2010/main" val="3733678756"/>
+        <p14:creationId xmlns:p14="http://schemas.microsoft.com/office/powerpoint/2010/main" xmlns="" val="3733678756"/>
       </p:ext>
     </p:extLst>
   </p:cSld>
@@ -9101,7 +9101,7 @@
     </p:spTree>
     <p:extLst>
       <p:ext uri="{BB962C8B-B14F-4D97-AF65-F5344CB8AC3E}">
-        <p14:creationId xmlns="" xmlns:p14="http://schemas.microsoft.com/office/powerpoint/2010/main" val="204865308"/>
+        <p14:creationId xmlns:p14="http://schemas.microsoft.com/office/powerpoint/2010/main" xmlns="" val="204865308"/>
       </p:ext>
     </p:extLst>
   </p:cSld>
@@ -9622,7 +9622,7 @@
     </p:spTree>
     <p:extLst>
       <p:ext uri="{BB962C8B-B14F-4D97-AF65-F5344CB8AC3E}">
-        <p14:creationId xmlns="" xmlns:p14="http://schemas.microsoft.com/office/powerpoint/2010/main" val="3345881076"/>
+        <p14:creationId xmlns:p14="http://schemas.microsoft.com/office/powerpoint/2010/main" xmlns="" val="3345881076"/>
       </p:ext>
     </p:extLst>
   </p:cSld>
@@ -10110,7 +10110,7 @@
     </p:spTree>
     <p:extLst>
       <p:ext uri="{BB962C8B-B14F-4D97-AF65-F5344CB8AC3E}">
-        <p14:creationId xmlns="" xmlns:p14="http://schemas.microsoft.com/office/powerpoint/2010/main" val="3182662516"/>
+        <p14:creationId xmlns:p14="http://schemas.microsoft.com/office/powerpoint/2010/main" xmlns="" val="3182662516"/>
       </p:ext>
     </p:extLst>
   </p:cSld>
@@ -11120,7 +11120,7 @@
     </p:spTree>
     <p:extLst>
       <p:ext uri="{BB962C8B-B14F-4D97-AF65-F5344CB8AC3E}">
-        <p14:creationId xmlns="" xmlns:p14="http://schemas.microsoft.com/office/powerpoint/2010/main" val="1368415126"/>
+        <p14:creationId xmlns:p14="http://schemas.microsoft.com/office/powerpoint/2010/main" xmlns="" val="1368415126"/>
       </p:ext>
     </p:extLst>
   </p:cSld>
@@ -11361,7 +11361,7 @@
           <p:cNvPr id="4" name="TextBox 3">
             <a:extLst>
               <a:ext uri="{FF2B5EF4-FFF2-40B4-BE49-F238E27FC236}">
-                <a16:creationId xmlns="" xmlns:a16="http://schemas.microsoft.com/office/drawing/2014/main" id="{92F18041-3C0B-4EAF-876A-625657F421FF}"/>
+                <a16:creationId xmlns:a16="http://schemas.microsoft.com/office/drawing/2014/main" xmlns="" id="{92F18041-3C0B-4EAF-876A-625657F421FF}"/>
               </a:ext>
             </a:extLst>
           </p:cNvPr>
@@ -11674,7 +11674,7 @@
     </p:spTree>
     <p:extLst>
       <p:ext uri="{BB962C8B-B14F-4D97-AF65-F5344CB8AC3E}">
-        <p14:creationId xmlns="" xmlns:p14="http://schemas.microsoft.com/office/powerpoint/2010/main" val="2924096935"/>
+        <p14:creationId xmlns:p14="http://schemas.microsoft.com/office/powerpoint/2010/main" xmlns="" val="2924096935"/>
       </p:ext>
     </p:extLst>
   </p:cSld>
@@ -12277,7 +12277,7 @@
           <p:cNvPr id="4" name="Picture 2" descr="Подарункові сертифікати на салони краси в Києві | DONUM">
             <a:extLst>
               <a:ext uri="{FF2B5EF4-FFF2-40B4-BE49-F238E27FC236}">
-                <a16:creationId xmlns="" xmlns:a16="http://schemas.microsoft.com/office/drawing/2014/main" id="{EFC429FE-20CA-45DF-8E8B-BF6535D2BAE3}"/>
+                <a16:creationId xmlns:a16="http://schemas.microsoft.com/office/drawing/2014/main" xmlns="" id="{EFC429FE-20CA-45DF-8E8B-BF6535D2BAE3}"/>
               </a:ext>
             </a:extLst>
           </p:cNvPr>
@@ -12290,7 +12290,7 @@
           <a:blip r:embed="rId2" cstate="print">
             <a:extLst>
               <a:ext uri="{28A0092B-C50C-407E-A947-70E740481C1C}">
-                <a14:useLocalDpi xmlns="" xmlns:a14="http://schemas.microsoft.com/office/drawing/2010/main" val="0"/>
+                <a14:useLocalDpi xmlns:a14="http://schemas.microsoft.com/office/drawing/2010/main" xmlns="" val="0"/>
               </a:ext>
             </a:extLst>
           </a:blip>
@@ -12319,7 +12319,7 @@
           </a:effectLst>
           <a:extLst>
             <a:ext uri="{909E8E84-426E-40DD-AFC4-6F175D3DCCD1}">
-              <a14:hiddenFill xmlns="" xmlns:a14="http://schemas.microsoft.com/office/drawing/2010/main">
+              <a14:hiddenFill xmlns:a14="http://schemas.microsoft.com/office/drawing/2010/main" xmlns="">
                 <a:solidFill>
                   <a:srgbClr val="FFFFFF"/>
                 </a:solidFill>
@@ -12331,7 +12331,7 @@
     </p:spTree>
     <p:extLst>
       <p:ext uri="{BB962C8B-B14F-4D97-AF65-F5344CB8AC3E}">
-        <p14:creationId xmlns="" xmlns:p14="http://schemas.microsoft.com/office/powerpoint/2010/main" val="2902322015"/>
+        <p14:creationId xmlns:p14="http://schemas.microsoft.com/office/powerpoint/2010/main" xmlns="" val="2902322015"/>
       </p:ext>
     </p:extLst>
   </p:cSld>
@@ -12576,7 +12576,7 @@
           <p:nvPr>
             <p:extLst>
               <p:ext uri="{D42A27DB-BD31-4B8C-83A1-F6EECF244321}">
-                <p14:modId xmlns="" xmlns:p14="http://schemas.microsoft.com/office/powerpoint/2010/main" val="2058177614"/>
+                <p14:modId xmlns:p14="http://schemas.microsoft.com/office/powerpoint/2010/main" xmlns="" val="2058177614"/>
               </p:ext>
             </p:extLst>
           </p:nvPr>
@@ -12602,14 +12602,14 @@
                 <a:gridCol w="6051000">
                   <a:extLst>
                     <a:ext uri="{9D8B030D-6E8A-4147-A177-3AD203B41FA5}">
-                      <a16:colId xmlns="" xmlns:a16="http://schemas.microsoft.com/office/drawing/2014/main" val="20000"/>
+                      <a16:colId xmlns:a16="http://schemas.microsoft.com/office/drawing/2014/main" xmlns="" val="20000"/>
                     </a:ext>
                   </a:extLst>
                 </a:gridCol>
                 <a:gridCol w="2225040">
                   <a:extLst>
                     <a:ext uri="{9D8B030D-6E8A-4147-A177-3AD203B41FA5}">
-                      <a16:colId xmlns="" xmlns:a16="http://schemas.microsoft.com/office/drawing/2014/main" val="20001"/>
+                      <a16:colId xmlns:a16="http://schemas.microsoft.com/office/drawing/2014/main" xmlns="" val="20001"/>
                     </a:ext>
                   </a:extLst>
                 </a:gridCol>
@@ -12767,7 +12767,7 @@
                 </a:tc>
                 <a:extLst>
                   <a:ext uri="{0D108BD9-81ED-4DB2-BD59-A6C34878D82A}">
-                    <a16:rowId xmlns="" xmlns:a16="http://schemas.microsoft.com/office/drawing/2014/main" val="10000"/>
+                    <a16:rowId xmlns:a16="http://schemas.microsoft.com/office/drawing/2014/main" xmlns="" val="10000"/>
                   </a:ext>
                 </a:extLst>
               </a:tr>
@@ -12917,7 +12917,7 @@
                 </a:tc>
                 <a:extLst>
                   <a:ext uri="{0D108BD9-81ED-4DB2-BD59-A6C34878D82A}">
-                    <a16:rowId xmlns="" xmlns:a16="http://schemas.microsoft.com/office/drawing/2014/main" val="10001"/>
+                    <a16:rowId xmlns:a16="http://schemas.microsoft.com/office/drawing/2014/main" xmlns="" val="10001"/>
                   </a:ext>
                 </a:extLst>
               </a:tr>
@@ -13065,7 +13065,7 @@
                 </a:tc>
                 <a:extLst>
                   <a:ext uri="{0D108BD9-81ED-4DB2-BD59-A6C34878D82A}">
-                    <a16:rowId xmlns="" xmlns:a16="http://schemas.microsoft.com/office/drawing/2014/main" val="10002"/>
+                    <a16:rowId xmlns:a16="http://schemas.microsoft.com/office/drawing/2014/main" xmlns="" val="10002"/>
                   </a:ext>
                 </a:extLst>
               </a:tr>
@@ -13200,7 +13200,7 @@
                 </a:tc>
                 <a:extLst>
                   <a:ext uri="{0D108BD9-81ED-4DB2-BD59-A6C34878D82A}">
-                    <a16:rowId xmlns="" xmlns:a16="http://schemas.microsoft.com/office/drawing/2014/main" val="10004"/>
+                    <a16:rowId xmlns:a16="http://schemas.microsoft.com/office/drawing/2014/main" xmlns="" val="10004"/>
                   </a:ext>
                 </a:extLst>
               </a:tr>
@@ -13448,7 +13448,7 @@
                 </a:tc>
                 <a:extLst>
                   <a:ext uri="{0D108BD9-81ED-4DB2-BD59-A6C34878D82A}">
-                    <a16:rowId xmlns="" xmlns:a16="http://schemas.microsoft.com/office/drawing/2014/main" val="10006"/>
+                    <a16:rowId xmlns:a16="http://schemas.microsoft.com/office/drawing/2014/main" xmlns="" val="10006"/>
                   </a:ext>
                 </a:extLst>
               </a:tr>
@@ -13541,7 +13541,7 @@
     </p:spTree>
     <p:extLst>
       <p:ext uri="{BB962C8B-B14F-4D97-AF65-F5344CB8AC3E}">
-        <p14:creationId xmlns="" xmlns:p14="http://schemas.microsoft.com/office/powerpoint/2010/main" val="3371949997"/>
+        <p14:creationId xmlns:p14="http://schemas.microsoft.com/office/powerpoint/2010/main" xmlns="" val="3371949997"/>
       </p:ext>
     </p:extLst>
   </p:cSld>
@@ -13815,7 +13815,7 @@
           <p:nvPr>
             <p:extLst>
               <p:ext uri="{D42A27DB-BD31-4B8C-83A1-F6EECF244321}">
-                <p14:modId xmlns="" xmlns:p14="http://schemas.microsoft.com/office/powerpoint/2010/main" val="3684284401"/>
+                <p14:modId xmlns:p14="http://schemas.microsoft.com/office/powerpoint/2010/main" xmlns="" val="3684284401"/>
               </p:ext>
             </p:extLst>
           </p:nvPr>
@@ -13841,14 +13841,14 @@
                 <a:gridCol w="5850780">
                   <a:extLst>
                     <a:ext uri="{9D8B030D-6E8A-4147-A177-3AD203B41FA5}">
-                      <a16:colId xmlns="" xmlns:a16="http://schemas.microsoft.com/office/drawing/2014/main" val="20000"/>
+                      <a16:colId xmlns:a16="http://schemas.microsoft.com/office/drawing/2014/main" xmlns="" val="20000"/>
                     </a:ext>
                   </a:extLst>
                 </a:gridCol>
                 <a:gridCol w="2302620">
                   <a:extLst>
                     <a:ext uri="{9D8B030D-6E8A-4147-A177-3AD203B41FA5}">
-                      <a16:colId xmlns="" xmlns:a16="http://schemas.microsoft.com/office/drawing/2014/main" val="20003"/>
+                      <a16:colId xmlns:a16="http://schemas.microsoft.com/office/drawing/2014/main" xmlns="" val="20003"/>
                     </a:ext>
                   </a:extLst>
                 </a:gridCol>
@@ -13930,7 +13930,7 @@
                 </a:tc>
                 <a:extLst>
                   <a:ext uri="{0D108BD9-81ED-4DB2-BD59-A6C34878D82A}">
-                    <a16:rowId xmlns="" xmlns:a16="http://schemas.microsoft.com/office/drawing/2014/main" val="10000"/>
+                    <a16:rowId xmlns:a16="http://schemas.microsoft.com/office/drawing/2014/main" xmlns="" val="10000"/>
                   </a:ext>
                 </a:extLst>
               </a:tr>
@@ -14004,7 +14004,7 @@
                 </a:tc>
                 <a:extLst>
                   <a:ext uri="{0D108BD9-81ED-4DB2-BD59-A6C34878D82A}">
-                    <a16:rowId xmlns="" xmlns:a16="http://schemas.microsoft.com/office/drawing/2014/main" val="10001"/>
+                    <a16:rowId xmlns:a16="http://schemas.microsoft.com/office/drawing/2014/main" xmlns="" val="10001"/>
                   </a:ext>
                 </a:extLst>
               </a:tr>
@@ -14063,7 +14063,7 @@
                 </a:tc>
                 <a:extLst>
                   <a:ext uri="{0D108BD9-81ED-4DB2-BD59-A6C34878D82A}">
-                    <a16:rowId xmlns="" xmlns:a16="http://schemas.microsoft.com/office/drawing/2014/main" val="10006"/>
+                    <a16:rowId xmlns:a16="http://schemas.microsoft.com/office/drawing/2014/main" xmlns="" val="10006"/>
                   </a:ext>
                 </a:extLst>
               </a:tr>
@@ -14524,7 +14524,7 @@
           <p:nvPr>
             <p:extLst>
               <p:ext uri="{D42A27DB-BD31-4B8C-83A1-F6EECF244321}">
-                <p14:modId xmlns="" xmlns:p14="http://schemas.microsoft.com/office/powerpoint/2010/main" val="3684284401"/>
+                <p14:modId xmlns:p14="http://schemas.microsoft.com/office/powerpoint/2010/main" xmlns="" val="3684284401"/>
               </p:ext>
             </p:extLst>
           </p:nvPr>
@@ -14550,28 +14550,28 @@
                 <a:gridCol w="4591124">
                   <a:extLst>
                     <a:ext uri="{9D8B030D-6E8A-4147-A177-3AD203B41FA5}">
-                      <a16:colId xmlns="" xmlns:a16="http://schemas.microsoft.com/office/drawing/2014/main" val="20000"/>
+                      <a16:colId xmlns:a16="http://schemas.microsoft.com/office/drawing/2014/main" xmlns="" val="20000"/>
                     </a:ext>
                   </a:extLst>
                 </a:gridCol>
                 <a:gridCol w="2035277">
                   <a:extLst>
                     <a:ext uri="{9D8B030D-6E8A-4147-A177-3AD203B41FA5}">
-                      <a16:colId xmlns="" xmlns:a16="http://schemas.microsoft.com/office/drawing/2014/main" val="20001"/>
+                      <a16:colId xmlns:a16="http://schemas.microsoft.com/office/drawing/2014/main" xmlns="" val="20001"/>
                     </a:ext>
                   </a:extLst>
                 </a:gridCol>
                 <a:gridCol w="1519084">
                   <a:extLst>
                     <a:ext uri="{9D8B030D-6E8A-4147-A177-3AD203B41FA5}">
-                      <a16:colId xmlns="" xmlns:a16="http://schemas.microsoft.com/office/drawing/2014/main" val="20002"/>
+                      <a16:colId xmlns:a16="http://schemas.microsoft.com/office/drawing/2014/main" xmlns="" val="20002"/>
                     </a:ext>
                   </a:extLst>
                 </a:gridCol>
                 <a:gridCol w="1754515">
                   <a:extLst>
                     <a:ext uri="{9D8B030D-6E8A-4147-A177-3AD203B41FA5}">
-                      <a16:colId xmlns="" xmlns:a16="http://schemas.microsoft.com/office/drawing/2014/main" val="20003"/>
+                      <a16:colId xmlns:a16="http://schemas.microsoft.com/office/drawing/2014/main" xmlns="" val="20003"/>
                     </a:ext>
                   </a:extLst>
                 </a:gridCol>
@@ -14709,7 +14709,7 @@
                 </a:tc>
                 <a:extLst>
                   <a:ext uri="{0D108BD9-81ED-4DB2-BD59-A6C34878D82A}">
-                    <a16:rowId xmlns="" xmlns:a16="http://schemas.microsoft.com/office/drawing/2014/main" val="10000"/>
+                    <a16:rowId xmlns:a16="http://schemas.microsoft.com/office/drawing/2014/main" xmlns="" val="10000"/>
                   </a:ext>
                 </a:extLst>
               </a:tr>
@@ -14843,7 +14843,7 @@
                 </a:tc>
                 <a:extLst>
                   <a:ext uri="{0D108BD9-81ED-4DB2-BD59-A6C34878D82A}">
-                    <a16:rowId xmlns="" xmlns:a16="http://schemas.microsoft.com/office/drawing/2014/main" val="10001"/>
+                    <a16:rowId xmlns:a16="http://schemas.microsoft.com/office/drawing/2014/main" xmlns="" val="10001"/>
                   </a:ext>
                 </a:extLst>
               </a:tr>
@@ -15220,16 +15220,7 @@
                           <a:ea typeface="Tahoma" panose="020B0604030504040204" pitchFamily="34" charset="0"/>
                           <a:cs typeface="Tahoma" panose="020B0604030504040204" pitchFamily="34" charset="0"/>
                         </a:rPr>
-                        <a:t>3 </a:t>
-                      </a:r>
-                      <a:r>
-                        <a:rPr lang="uk-UA" sz="1600" noProof="0" dirty="0" smtClean="0">
-                          <a:effectLst/>
-                          <a:latin typeface="Segoe Print" panose="02000600000000000000" pitchFamily="2" charset="0"/>
-                          <a:ea typeface="Tahoma" panose="020B0604030504040204" pitchFamily="34" charset="0"/>
-                          <a:cs typeface="Tahoma" panose="020B0604030504040204" pitchFamily="34" charset="0"/>
-                        </a:rPr>
-                        <a:t>000 грн</a:t>
+                        <a:t>3 000 грн</a:t>
                       </a:r>
                       <a:endParaRPr lang="uk-UA" sz="1600" noProof="0" dirty="0">
                         <a:effectLst/>
@@ -15375,7 +15366,7 @@
                 </a:tc>
                 <a:extLst>
                   <a:ext uri="{0D108BD9-81ED-4DB2-BD59-A6C34878D82A}">
-                    <a16:rowId xmlns="" xmlns:a16="http://schemas.microsoft.com/office/drawing/2014/main" val="10002"/>
+                    <a16:rowId xmlns:a16="http://schemas.microsoft.com/office/drawing/2014/main" xmlns="" val="10002"/>
                   </a:ext>
                 </a:extLst>
               </a:tr>
@@ -15510,7 +15501,7 @@
                 </a:tc>
                 <a:extLst>
                   <a:ext uri="{0D108BD9-81ED-4DB2-BD59-A6C34878D82A}">
-                    <a16:rowId xmlns="" xmlns:a16="http://schemas.microsoft.com/office/drawing/2014/main" val="10004"/>
+                    <a16:rowId xmlns:a16="http://schemas.microsoft.com/office/drawing/2014/main" xmlns="" val="10004"/>
                   </a:ext>
                 </a:extLst>
               </a:tr>
@@ -15620,7 +15611,7 @@
                 </a:tc>
                 <a:extLst>
                   <a:ext uri="{0D108BD9-81ED-4DB2-BD59-A6C34878D82A}">
-                    <a16:rowId xmlns="" xmlns:a16="http://schemas.microsoft.com/office/drawing/2014/main" val="10005"/>
+                    <a16:rowId xmlns:a16="http://schemas.microsoft.com/office/drawing/2014/main" xmlns="" val="10005"/>
                   </a:ext>
                 </a:extLst>
               </a:tr>
@@ -15726,7 +15717,7 @@
                 </a:tc>
                 <a:extLst>
                   <a:ext uri="{0D108BD9-81ED-4DB2-BD59-A6C34878D82A}">
-                    <a16:rowId xmlns="" xmlns:a16="http://schemas.microsoft.com/office/drawing/2014/main" val="10006"/>
+                    <a16:rowId xmlns:a16="http://schemas.microsoft.com/office/drawing/2014/main" xmlns="" val="10006"/>
                   </a:ext>
                 </a:extLst>
               </a:tr>
@@ -15836,7 +15827,7 @@
                 </a:tc>
                 <a:extLst>
                   <a:ext uri="{0D108BD9-81ED-4DB2-BD59-A6C34878D82A}">
-                    <a16:rowId xmlns="" xmlns:a16="http://schemas.microsoft.com/office/drawing/2014/main" val="10007"/>
+                    <a16:rowId xmlns:a16="http://schemas.microsoft.com/office/drawing/2014/main" xmlns="" val="10007"/>
                   </a:ext>
                 </a:extLst>
               </a:tr>
@@ -16171,34 +16162,7 @@
                           <a:ea typeface="Tahoma" panose="020B0604030504040204" pitchFamily="34" charset="0"/>
                           <a:cs typeface="Tahoma" panose="020B0604030504040204" pitchFamily="34" charset="0"/>
                         </a:rPr>
-                        <a:t>50 </a:t>
-                      </a:r>
-                      <a:r>
-                        <a:rPr lang="uk-UA" sz="2000" noProof="0" dirty="0" smtClean="0">
-                          <a:gradFill flip="none" rotWithShape="1">
-                            <a:gsLst>
-                              <a:gs pos="0">
-                                <a:schemeClr val="tx1">
-                                  <a:lumMod val="95000"/>
-                                  <a:lumOff val="5000"/>
-                                </a:schemeClr>
-                              </a:gs>
-                              <a:gs pos="100000">
-                                <a:schemeClr val="tx1">
-                                  <a:lumMod val="85000"/>
-                                  <a:lumOff val="15000"/>
-                                </a:schemeClr>
-                              </a:gs>
-                            </a:gsLst>
-                            <a:lin ang="16200000" scaled="1"/>
-                            <a:tileRect/>
-                          </a:gradFill>
-                          <a:effectLst/>
-                          <a:latin typeface="Tahoma" panose="020B0604030504040204" pitchFamily="34" charset="0"/>
-                          <a:ea typeface="Tahoma" panose="020B0604030504040204" pitchFamily="34" charset="0"/>
-                          <a:cs typeface="Tahoma" panose="020B0604030504040204" pitchFamily="34" charset="0"/>
-                        </a:rPr>
-                        <a:t>000 </a:t>
+                        <a:t>50 000 </a:t>
                       </a:r>
                       <a:r>
                         <a:rPr lang="uk-UA" sz="2000" i="0" noProof="0" dirty="0">
@@ -16263,7 +16227,7 @@
                 </a:tc>
                 <a:extLst>
                   <a:ext uri="{0D108BD9-81ED-4DB2-BD59-A6C34878D82A}">
-                    <a16:rowId xmlns="" xmlns:a16="http://schemas.microsoft.com/office/drawing/2014/main" val="10008"/>
+                    <a16:rowId xmlns:a16="http://schemas.microsoft.com/office/drawing/2014/main" xmlns="" val="10008"/>
                   </a:ext>
                 </a:extLst>
               </a:tr>
@@ -16486,7 +16450,7 @@
           <p:nvPr>
             <p:extLst>
               <p:ext uri="{D42A27DB-BD31-4B8C-83A1-F6EECF244321}">
-                <p14:modId xmlns="" xmlns:p14="http://schemas.microsoft.com/office/powerpoint/2010/main" val="3684284401"/>
+                <p14:modId xmlns:p14="http://schemas.microsoft.com/office/powerpoint/2010/main" xmlns="" val="3684284401"/>
               </p:ext>
             </p:extLst>
           </p:nvPr>
@@ -16512,28 +16476,28 @@
                 <a:gridCol w="3600000">
                   <a:extLst>
                     <a:ext uri="{9D8B030D-6E8A-4147-A177-3AD203B41FA5}">
-                      <a16:colId xmlns="" xmlns:a16="http://schemas.microsoft.com/office/drawing/2014/main" val="20000"/>
+                      <a16:colId xmlns:a16="http://schemas.microsoft.com/office/drawing/2014/main" xmlns="" val="20000"/>
                     </a:ext>
                   </a:extLst>
                 </a:gridCol>
                 <a:gridCol w="2340000">
                   <a:extLst>
                     <a:ext uri="{9D8B030D-6E8A-4147-A177-3AD203B41FA5}">
-                      <a16:colId xmlns="" xmlns:a16="http://schemas.microsoft.com/office/drawing/2014/main" val="20001"/>
+                      <a16:colId xmlns:a16="http://schemas.microsoft.com/office/drawing/2014/main" xmlns="" val="20001"/>
                     </a:ext>
                   </a:extLst>
                 </a:gridCol>
                 <a:gridCol w="1980000">
                   <a:extLst>
                     <a:ext uri="{9D8B030D-6E8A-4147-A177-3AD203B41FA5}">
-                      <a16:colId xmlns="" xmlns:a16="http://schemas.microsoft.com/office/drawing/2014/main" val="20002"/>
+                      <a16:colId xmlns:a16="http://schemas.microsoft.com/office/drawing/2014/main" xmlns="" val="20002"/>
                     </a:ext>
                   </a:extLst>
                 </a:gridCol>
                 <a:gridCol w="1980000">
                   <a:extLst>
                     <a:ext uri="{9D8B030D-6E8A-4147-A177-3AD203B41FA5}">
-                      <a16:colId xmlns="" xmlns:a16="http://schemas.microsoft.com/office/drawing/2014/main" val="20003"/>
+                      <a16:colId xmlns:a16="http://schemas.microsoft.com/office/drawing/2014/main" xmlns="" val="20003"/>
                     </a:ext>
                   </a:extLst>
                 </a:gridCol>
@@ -16668,7 +16632,7 @@
                 </a:tc>
                 <a:extLst>
                   <a:ext uri="{0D108BD9-81ED-4DB2-BD59-A6C34878D82A}">
-                    <a16:rowId xmlns="" xmlns:a16="http://schemas.microsoft.com/office/drawing/2014/main" val="10000"/>
+                    <a16:rowId xmlns:a16="http://schemas.microsoft.com/office/drawing/2014/main" xmlns="" val="10000"/>
                   </a:ext>
                 </a:extLst>
               </a:tr>
@@ -16842,7 +16806,7 @@
                 </a:tc>
                 <a:extLst>
                   <a:ext uri="{0D108BD9-81ED-4DB2-BD59-A6C34878D82A}">
-                    <a16:rowId xmlns="" xmlns:a16="http://schemas.microsoft.com/office/drawing/2014/main" val="10002"/>
+                    <a16:rowId xmlns:a16="http://schemas.microsoft.com/office/drawing/2014/main" xmlns="" val="10002"/>
                   </a:ext>
                 </a:extLst>
               </a:tr>
@@ -17018,7 +16982,7 @@
                 </a:tc>
                 <a:extLst>
                   <a:ext uri="{0D108BD9-81ED-4DB2-BD59-A6C34878D82A}">
-                    <a16:rowId xmlns="" xmlns:a16="http://schemas.microsoft.com/office/drawing/2014/main" val="10004"/>
+                    <a16:rowId xmlns:a16="http://schemas.microsoft.com/office/drawing/2014/main" xmlns="" val="10004"/>
                   </a:ext>
                 </a:extLst>
               </a:tr>
@@ -17151,7 +17115,7 @@
                 </a:tc>
                 <a:extLst>
                   <a:ext uri="{0D108BD9-81ED-4DB2-BD59-A6C34878D82A}">
-                    <a16:rowId xmlns="" xmlns:a16="http://schemas.microsoft.com/office/drawing/2014/main" val="10005"/>
+                    <a16:rowId xmlns:a16="http://schemas.microsoft.com/office/drawing/2014/main" xmlns="" val="10005"/>
                   </a:ext>
                 </a:extLst>
               </a:tr>
@@ -17260,7 +17224,7 @@
                 </a:tc>
                 <a:extLst>
                   <a:ext uri="{0D108BD9-81ED-4DB2-BD59-A6C34878D82A}">
-                    <a16:rowId xmlns="" xmlns:a16="http://schemas.microsoft.com/office/drawing/2014/main" val="10006"/>
+                    <a16:rowId xmlns:a16="http://schemas.microsoft.com/office/drawing/2014/main" xmlns="" val="10006"/>
                   </a:ext>
                 </a:extLst>
               </a:tr>
@@ -17381,7 +17345,7 @@
                 </a:tc>
                 <a:extLst>
                   <a:ext uri="{0D108BD9-81ED-4DB2-BD59-A6C34878D82A}">
-                    <a16:rowId xmlns="" xmlns:a16="http://schemas.microsoft.com/office/drawing/2014/main" val="10007"/>
+                    <a16:rowId xmlns:a16="http://schemas.microsoft.com/office/drawing/2014/main" xmlns="" val="10007"/>
                   </a:ext>
                 </a:extLst>
               </a:tr>
@@ -17608,7 +17572,7 @@
                 </a:tc>
                 <a:extLst>
                   <a:ext uri="{0D108BD9-81ED-4DB2-BD59-A6C34878D82A}">
-                    <a16:rowId xmlns="" xmlns:a16="http://schemas.microsoft.com/office/drawing/2014/main" val="10008"/>
+                    <a16:rowId xmlns:a16="http://schemas.microsoft.com/office/drawing/2014/main" xmlns="" val="10008"/>
                   </a:ext>
                 </a:extLst>
               </a:tr>
@@ -17619,7 +17583,7 @@
     </p:spTree>
     <p:extLst>
       <p:ext uri="{BB962C8B-B14F-4D97-AF65-F5344CB8AC3E}">
-        <p14:creationId xmlns="" xmlns:p14="http://schemas.microsoft.com/office/powerpoint/2010/main" val="2952426389"/>
+        <p14:creationId xmlns:p14="http://schemas.microsoft.com/office/powerpoint/2010/main" xmlns="" val="2952426389"/>
       </p:ext>
     </p:extLst>
   </p:cSld>
@@ -18011,7 +17975,7 @@
   <a:extraClrSchemeLst/>
   <a:extLst>
     <a:ext uri="{05A4C25C-085E-4340-85A3-A5531E510DB2}">
-      <thm15:themeFamily xmlns="" xmlns:thm15="http://schemas.microsoft.com/office/thememl/2012/main" name="Office Theme" id="{62F939B6-93AF-4DB8-9C6B-D6C7DFDC589F}" vid="{4A3C46E8-61CC-4603-A589-7422A47A8E4A}"/>
+      <thm15:themeFamily xmlns:thm15="http://schemas.microsoft.com/office/thememl/2012/main" xmlns="" name="Office Theme" id="{62F939B6-93AF-4DB8-9C6B-D6C7DFDC589F}" vid="{4A3C46E8-61CC-4603-A589-7422A47A8E4A}"/>
     </a:ext>
   </a:extLst>
 </a:theme>
@@ -18272,7 +18236,7 @@
   <a:extraClrSchemeLst/>
   <a:extLst>
     <a:ext uri="{05A4C25C-085E-4340-85A3-A5531E510DB2}">
-      <thm15:themeFamily xmlns="" xmlns:thm15="http://schemas.microsoft.com/office/thememl/2012/main" name="Office Theme" id="{62F939B6-93AF-4DB8-9C6B-D6C7DFDC589F}" vid="{4A3C46E8-61CC-4603-A589-7422A47A8E4A}"/>
+      <thm15:themeFamily xmlns:thm15="http://schemas.microsoft.com/office/thememl/2012/main" xmlns="" name="Office Theme" id="{62F939B6-93AF-4DB8-9C6B-D6C7DFDC589F}" vid="{4A3C46E8-61CC-4603-A589-7422A47A8E4A}"/>
     </a:ext>
   </a:extLst>
 </a:theme>

--- a/diplomna.pptx
+++ b/diplomna.pptx
@@ -156,7 +156,7 @@
   </p:defaultTextStyle>
   <p:extLst>
     <p:ext uri="{EFAFB233-063F-42B5-8137-9DF3F51BA10A}">
-      <p15:sldGuideLst xmlns:p15="http://schemas.microsoft.com/office/powerpoint/2012/main" xmlns=""/>
+      <p15:sldGuideLst xmlns="" xmlns:p15="http://schemas.microsoft.com/office/powerpoint/2012/main"/>
     </p:ext>
   </p:extLst>
 </p:presentation>
@@ -413,7 +413,7 @@
     </p:spTree>
     <p:extLst>
       <p:ext uri="{BB962C8B-B14F-4D97-AF65-F5344CB8AC3E}">
-        <p14:creationId xmlns:p14="http://schemas.microsoft.com/office/powerpoint/2010/main" xmlns="" val="571422458"/>
+        <p14:creationId xmlns="" xmlns:p14="http://schemas.microsoft.com/office/powerpoint/2010/main" val="571422458"/>
       </p:ext>
     </p:extLst>
   </p:cSld>
@@ -588,7 +588,7 @@
     </p:spTree>
     <p:extLst>
       <p:ext uri="{BB962C8B-B14F-4D97-AF65-F5344CB8AC3E}">
-        <p14:creationId xmlns:p14="http://schemas.microsoft.com/office/powerpoint/2010/main" xmlns="" val="4232312718"/>
+        <p14:creationId xmlns="" xmlns:p14="http://schemas.microsoft.com/office/powerpoint/2010/main" val="4232312718"/>
       </p:ext>
     </p:extLst>
   </p:cSld>
@@ -780,7 +780,7 @@
     </p:spTree>
     <p:extLst>
       <p:ext uri="{BB962C8B-B14F-4D97-AF65-F5344CB8AC3E}">
-        <p14:creationId xmlns:p14="http://schemas.microsoft.com/office/powerpoint/2010/main" xmlns="" val="691810472"/>
+        <p14:creationId xmlns="" xmlns:p14="http://schemas.microsoft.com/office/powerpoint/2010/main" val="691810472"/>
       </p:ext>
     </p:extLst>
   </p:cSld>
@@ -950,7 +950,7 @@
     </p:spTree>
     <p:extLst>
       <p:ext uri="{BB962C8B-B14F-4D97-AF65-F5344CB8AC3E}">
-        <p14:creationId xmlns:p14="http://schemas.microsoft.com/office/powerpoint/2010/main" xmlns="" val="1355819167"/>
+        <p14:creationId xmlns="" xmlns:p14="http://schemas.microsoft.com/office/powerpoint/2010/main" val="1355819167"/>
       </p:ext>
     </p:extLst>
   </p:cSld>
@@ -1130,7 +1130,7 @@
     </p:spTree>
     <p:extLst>
       <p:ext uri="{BB962C8B-B14F-4D97-AF65-F5344CB8AC3E}">
-        <p14:creationId xmlns:p14="http://schemas.microsoft.com/office/powerpoint/2010/main" xmlns="" val="25386468"/>
+        <p14:creationId xmlns="" xmlns:p14="http://schemas.microsoft.com/office/powerpoint/2010/main" val="25386468"/>
       </p:ext>
     </p:extLst>
   </p:cSld>
@@ -1300,7 +1300,7 @@
     </p:spTree>
     <p:extLst>
       <p:ext uri="{BB962C8B-B14F-4D97-AF65-F5344CB8AC3E}">
-        <p14:creationId xmlns:p14="http://schemas.microsoft.com/office/powerpoint/2010/main" xmlns="" val="4103092837"/>
+        <p14:creationId xmlns="" xmlns:p14="http://schemas.microsoft.com/office/powerpoint/2010/main" val="4103092837"/>
       </p:ext>
     </p:extLst>
   </p:cSld>
@@ -1547,7 +1547,7 @@
     </p:spTree>
     <p:extLst>
       <p:ext uri="{BB962C8B-B14F-4D97-AF65-F5344CB8AC3E}">
-        <p14:creationId xmlns:p14="http://schemas.microsoft.com/office/powerpoint/2010/main" xmlns="" val="642932172"/>
+        <p14:creationId xmlns="" xmlns:p14="http://schemas.microsoft.com/office/powerpoint/2010/main" val="642932172"/>
       </p:ext>
     </p:extLst>
   </p:cSld>
@@ -1778,7 +1778,7 @@
     </p:spTree>
     <p:extLst>
       <p:ext uri="{BB962C8B-B14F-4D97-AF65-F5344CB8AC3E}">
-        <p14:creationId xmlns:p14="http://schemas.microsoft.com/office/powerpoint/2010/main" xmlns="" val="1439442558"/>
+        <p14:creationId xmlns="" xmlns:p14="http://schemas.microsoft.com/office/powerpoint/2010/main" val="1439442558"/>
       </p:ext>
     </p:extLst>
   </p:cSld>
@@ -2144,7 +2144,7 @@
     </p:spTree>
     <p:extLst>
       <p:ext uri="{BB962C8B-B14F-4D97-AF65-F5344CB8AC3E}">
-        <p14:creationId xmlns:p14="http://schemas.microsoft.com/office/powerpoint/2010/main" xmlns="" val="1209327759"/>
+        <p14:creationId xmlns="" xmlns:p14="http://schemas.microsoft.com/office/powerpoint/2010/main" val="1209327759"/>
       </p:ext>
     </p:extLst>
   </p:cSld>
@@ -2263,7 +2263,7 @@
     </p:spTree>
     <p:extLst>
       <p:ext uri="{BB962C8B-B14F-4D97-AF65-F5344CB8AC3E}">
-        <p14:creationId xmlns:p14="http://schemas.microsoft.com/office/powerpoint/2010/main" xmlns="" val="4212898653"/>
+        <p14:creationId xmlns="" xmlns:p14="http://schemas.microsoft.com/office/powerpoint/2010/main" val="4212898653"/>
       </p:ext>
     </p:extLst>
   </p:cSld>
@@ -2360,7 +2360,7 @@
     </p:spTree>
     <p:extLst>
       <p:ext uri="{BB962C8B-B14F-4D97-AF65-F5344CB8AC3E}">
-        <p14:creationId xmlns:p14="http://schemas.microsoft.com/office/powerpoint/2010/main" xmlns="" val="2587781966"/>
+        <p14:creationId xmlns="" xmlns:p14="http://schemas.microsoft.com/office/powerpoint/2010/main" val="2587781966"/>
       </p:ext>
     </p:extLst>
   </p:cSld>
@@ -2637,7 +2637,7 @@
     </p:spTree>
     <p:extLst>
       <p:ext uri="{BB962C8B-B14F-4D97-AF65-F5344CB8AC3E}">
-        <p14:creationId xmlns:p14="http://schemas.microsoft.com/office/powerpoint/2010/main" xmlns="" val="3171794395"/>
+        <p14:creationId xmlns="" xmlns:p14="http://schemas.microsoft.com/office/powerpoint/2010/main" val="3171794395"/>
       </p:ext>
     </p:extLst>
   </p:cSld>
@@ -2891,7 +2891,7 @@
     </p:spTree>
     <p:extLst>
       <p:ext uri="{BB962C8B-B14F-4D97-AF65-F5344CB8AC3E}">
-        <p14:creationId xmlns:p14="http://schemas.microsoft.com/office/powerpoint/2010/main" xmlns="" val="2260479920"/>
+        <p14:creationId xmlns="" xmlns:p14="http://schemas.microsoft.com/office/powerpoint/2010/main" val="2260479920"/>
       </p:ext>
     </p:extLst>
   </p:cSld>
@@ -3157,7 +3157,7 @@
     </p:spTree>
     <p:extLst>
       <p:ext uri="{BB962C8B-B14F-4D97-AF65-F5344CB8AC3E}">
-        <p14:creationId xmlns:p14="http://schemas.microsoft.com/office/powerpoint/2010/main" xmlns="" val="3229768880"/>
+        <p14:creationId xmlns="" xmlns:p14="http://schemas.microsoft.com/office/powerpoint/2010/main" val="3229768880"/>
       </p:ext>
     </p:extLst>
   </p:cSld>
@@ -3854,7 +3854,7 @@
     </p:spTree>
     <p:extLst>
       <p:ext uri="{BB962C8B-B14F-4D97-AF65-F5344CB8AC3E}">
-        <p14:creationId xmlns:p14="http://schemas.microsoft.com/office/powerpoint/2010/main" xmlns="" val="438760337"/>
+        <p14:creationId xmlns="" xmlns:p14="http://schemas.microsoft.com/office/powerpoint/2010/main" val="438760337"/>
       </p:ext>
     </p:extLst>
   </p:cSld>
@@ -4334,7 +4334,7 @@
           <p:nvPr>
             <p:extLst>
               <p:ext uri="{D42A27DB-BD31-4B8C-83A1-F6EECF244321}">
-                <p14:modId xmlns:p14="http://schemas.microsoft.com/office/powerpoint/2010/main" xmlns="" val="3684284401"/>
+                <p14:modId xmlns="" xmlns:p14="http://schemas.microsoft.com/office/powerpoint/2010/main" val="3684284401"/>
               </p:ext>
             </p:extLst>
           </p:nvPr>
@@ -4360,14 +4360,14 @@
                 <a:gridCol w="9037320">
                   <a:extLst>
                     <a:ext uri="{9D8B030D-6E8A-4147-A177-3AD203B41FA5}">
-                      <a16:colId xmlns:a16="http://schemas.microsoft.com/office/drawing/2014/main" xmlns="" val="20000"/>
+                      <a16:colId xmlns="" xmlns:a16="http://schemas.microsoft.com/office/drawing/2014/main" val="20000"/>
                     </a:ext>
                   </a:extLst>
                 </a:gridCol>
                 <a:gridCol w="1920240">
                   <a:extLst>
                     <a:ext uri="{9D8B030D-6E8A-4147-A177-3AD203B41FA5}">
-                      <a16:colId xmlns:a16="http://schemas.microsoft.com/office/drawing/2014/main" xmlns="" val="20003"/>
+                      <a16:colId xmlns="" xmlns:a16="http://schemas.microsoft.com/office/drawing/2014/main" val="20003"/>
                     </a:ext>
                   </a:extLst>
                 </a:gridCol>
@@ -4449,7 +4449,7 @@
                 </a:tc>
                 <a:extLst>
                   <a:ext uri="{0D108BD9-81ED-4DB2-BD59-A6C34878D82A}">
-                    <a16:rowId xmlns:a16="http://schemas.microsoft.com/office/drawing/2014/main" xmlns="" val="10000"/>
+                    <a16:rowId xmlns="" xmlns:a16="http://schemas.microsoft.com/office/drawing/2014/main" val="10000"/>
                   </a:ext>
                 </a:extLst>
               </a:tr>
@@ -4523,7 +4523,7 @@
                 </a:tc>
                 <a:extLst>
                   <a:ext uri="{0D108BD9-81ED-4DB2-BD59-A6C34878D82A}">
-                    <a16:rowId xmlns:a16="http://schemas.microsoft.com/office/drawing/2014/main" xmlns="" val="10001"/>
+                    <a16:rowId xmlns="" xmlns:a16="http://schemas.microsoft.com/office/drawing/2014/main" val="10001"/>
                   </a:ext>
                 </a:extLst>
               </a:tr>
@@ -4588,7 +4588,7 @@
                 </a:tc>
                 <a:extLst>
                   <a:ext uri="{0D108BD9-81ED-4DB2-BD59-A6C34878D82A}">
-                    <a16:rowId xmlns:a16="http://schemas.microsoft.com/office/drawing/2014/main" xmlns="" val="10006"/>
+                    <a16:rowId xmlns="" xmlns:a16="http://schemas.microsoft.com/office/drawing/2014/main" val="10006"/>
                   </a:ext>
                 </a:extLst>
               </a:tr>
@@ -4661,7 +4661,7 @@
                 </a:tc>
                 <a:extLst>
                   <a:ext uri="{0D108BD9-81ED-4DB2-BD59-A6C34878D82A}">
-                    <a16:rowId xmlns:a16="http://schemas.microsoft.com/office/drawing/2014/main" xmlns="" val="10007"/>
+                    <a16:rowId xmlns="" xmlns:a16="http://schemas.microsoft.com/office/drawing/2014/main" val="10007"/>
                   </a:ext>
                 </a:extLst>
               </a:tr>
@@ -4886,7 +4886,7 @@
                 </a:tc>
                 <a:extLst>
                   <a:ext uri="{0D108BD9-81ED-4DB2-BD59-A6C34878D82A}">
-                    <a16:rowId xmlns:a16="http://schemas.microsoft.com/office/drawing/2014/main" xmlns="" val="10008"/>
+                    <a16:rowId xmlns="" xmlns:a16="http://schemas.microsoft.com/office/drawing/2014/main" val="10008"/>
                   </a:ext>
                 </a:extLst>
               </a:tr>
@@ -4923,7 +4923,7 @@
     </p:spTree>
     <p:extLst>
       <p:ext uri="{BB962C8B-B14F-4D97-AF65-F5344CB8AC3E}">
-        <p14:creationId xmlns:p14="http://schemas.microsoft.com/office/powerpoint/2010/main" xmlns="" val="2745074324"/>
+        <p14:creationId xmlns="" xmlns:p14="http://schemas.microsoft.com/office/powerpoint/2010/main" val="2745074324"/>
       </p:ext>
     </p:extLst>
   </p:cSld>
@@ -5207,7 +5207,7 @@
           <p:nvPr>
             <p:extLst>
               <p:ext uri="{D42A27DB-BD31-4B8C-83A1-F6EECF244321}">
-                <p14:modId xmlns:p14="http://schemas.microsoft.com/office/powerpoint/2010/main" xmlns="" val="3684284401"/>
+                <p14:modId xmlns="" xmlns:p14="http://schemas.microsoft.com/office/powerpoint/2010/main" val="3684284401"/>
               </p:ext>
             </p:extLst>
           </p:nvPr>
@@ -5233,14 +5233,14 @@
                 <a:gridCol w="9037320">
                   <a:extLst>
                     <a:ext uri="{9D8B030D-6E8A-4147-A177-3AD203B41FA5}">
-                      <a16:colId xmlns:a16="http://schemas.microsoft.com/office/drawing/2014/main" xmlns="" val="20000"/>
+                      <a16:colId xmlns="" xmlns:a16="http://schemas.microsoft.com/office/drawing/2014/main" val="20000"/>
                     </a:ext>
                   </a:extLst>
                 </a:gridCol>
                 <a:gridCol w="1920240">
                   <a:extLst>
                     <a:ext uri="{9D8B030D-6E8A-4147-A177-3AD203B41FA5}">
-                      <a16:colId xmlns:a16="http://schemas.microsoft.com/office/drawing/2014/main" xmlns="" val="20003"/>
+                      <a16:colId xmlns="" xmlns:a16="http://schemas.microsoft.com/office/drawing/2014/main" val="20003"/>
                     </a:ext>
                   </a:extLst>
                 </a:gridCol>
@@ -5322,7 +5322,7 @@
                 </a:tc>
                 <a:extLst>
                   <a:ext uri="{0D108BD9-81ED-4DB2-BD59-A6C34878D82A}">
-                    <a16:rowId xmlns:a16="http://schemas.microsoft.com/office/drawing/2014/main" xmlns="" val="10000"/>
+                    <a16:rowId xmlns="" xmlns:a16="http://schemas.microsoft.com/office/drawing/2014/main" val="10000"/>
                   </a:ext>
                 </a:extLst>
               </a:tr>
@@ -5396,7 +5396,7 @@
                 </a:tc>
                 <a:extLst>
                   <a:ext uri="{0D108BD9-81ED-4DB2-BD59-A6C34878D82A}">
-                    <a16:rowId xmlns:a16="http://schemas.microsoft.com/office/drawing/2014/main" xmlns="" val="10001"/>
+                    <a16:rowId xmlns="" xmlns:a16="http://schemas.microsoft.com/office/drawing/2014/main" val="10001"/>
                   </a:ext>
                 </a:extLst>
               </a:tr>
@@ -5461,7 +5461,7 @@
                 </a:tc>
                 <a:extLst>
                   <a:ext uri="{0D108BD9-81ED-4DB2-BD59-A6C34878D82A}">
-                    <a16:rowId xmlns:a16="http://schemas.microsoft.com/office/drawing/2014/main" xmlns="" val="10006"/>
+                    <a16:rowId xmlns="" xmlns:a16="http://schemas.microsoft.com/office/drawing/2014/main" val="10006"/>
                   </a:ext>
                 </a:extLst>
               </a:tr>
@@ -5707,13 +5707,7 @@
                         <a:rPr lang="uk-UA" sz="1800" noProof="0" dirty="0" smtClean="0">
                           <a:latin typeface="Segoe Print" panose="02000600000000000000" pitchFamily="2" charset="0"/>
                         </a:rPr>
-                        <a:t> </a:t>
-                      </a:r>
-                      <a:r>
-                        <a:rPr lang="uk-UA" sz="1800" noProof="0" dirty="0" smtClean="0">
-                          <a:latin typeface="Segoe Print" panose="02000600000000000000" pitchFamily="2" charset="0"/>
-                        </a:rPr>
-                        <a:t>грн</a:t>
+                        <a:t> грн</a:t>
                       </a:r>
                       <a:endParaRPr lang="uk-UA" sz="1800" noProof="0" dirty="0">
                         <a:latin typeface="Segoe Print" panose="02000600000000000000" pitchFamily="2" charset="0"/>
@@ -5926,7 +5920,7 @@
                 </a:tc>
                 <a:extLst>
                   <a:ext uri="{0D108BD9-81ED-4DB2-BD59-A6C34878D82A}">
-                    <a16:rowId xmlns:a16="http://schemas.microsoft.com/office/drawing/2014/main" xmlns="" val="10008"/>
+                    <a16:rowId xmlns="" xmlns:a16="http://schemas.microsoft.com/office/drawing/2014/main" val="10008"/>
                   </a:ext>
                 </a:extLst>
               </a:tr>
@@ -5937,7 +5931,7 @@
     </p:spTree>
     <p:extLst>
       <p:ext uri="{BB962C8B-B14F-4D97-AF65-F5344CB8AC3E}">
-        <p14:creationId xmlns:p14="http://schemas.microsoft.com/office/powerpoint/2010/main" xmlns="" val="1660777227"/>
+        <p14:creationId xmlns="" xmlns:p14="http://schemas.microsoft.com/office/powerpoint/2010/main" val="1660777227"/>
       </p:ext>
     </p:extLst>
   </p:cSld>
@@ -6096,7 +6090,7 @@
           <p:cNvPr id="2" name="TextBox 1">
             <a:extLst>
               <a:ext uri="{FF2B5EF4-FFF2-40B4-BE49-F238E27FC236}">
-                <a16:creationId xmlns:a16="http://schemas.microsoft.com/office/drawing/2014/main" xmlns="" id="{25832EBB-8E12-4241-BEB1-485AB6B82A2F}"/>
+                <a16:creationId xmlns="" xmlns:a16="http://schemas.microsoft.com/office/drawing/2014/main" id="{25832EBB-8E12-4241-BEB1-485AB6B82A2F}"/>
               </a:ext>
             </a:extLst>
           </p:cNvPr>
@@ -6148,7 +6142,7 @@
           <p:cNvPr id="3" name="TextBox 2">
             <a:extLst>
               <a:ext uri="{FF2B5EF4-FFF2-40B4-BE49-F238E27FC236}">
-                <a16:creationId xmlns:a16="http://schemas.microsoft.com/office/drawing/2014/main" xmlns="" id="{49F07CA5-98ED-45C0-9580-6557BF637F29}"/>
+                <a16:creationId xmlns="" xmlns:a16="http://schemas.microsoft.com/office/drawing/2014/main" id="{49F07CA5-98ED-45C0-9580-6557BF637F29}"/>
               </a:ext>
             </a:extLst>
           </p:cNvPr>
@@ -6472,30 +6466,7 @@
                 <a:ea typeface="Tahoma" panose="020B0604030504040204" pitchFamily="34" charset="0"/>
                 <a:cs typeface="Tahoma" panose="020B0604030504040204" pitchFamily="34" charset="0"/>
               </a:rPr>
-              <a:t>% </a:t>
-            </a:r>
-            <a:r>
-              <a:rPr lang="uk-UA" sz="2800" b="1" dirty="0" smtClean="0">
-                <a:gradFill flip="none" rotWithShape="1">
-                  <a:gsLst>
-                    <a:gs pos="0">
-                      <a:schemeClr val="tx1"/>
-                    </a:gs>
-                    <a:gs pos="100000">
-                      <a:schemeClr val="tx1">
-                        <a:lumMod val="75000"/>
-                        <a:lumOff val="25000"/>
-                      </a:schemeClr>
-                    </a:gs>
-                  </a:gsLst>
-                  <a:lin ang="16200000" scaled="1"/>
-                  <a:tileRect/>
-                </a:gradFill>
-                <a:latin typeface="Segoe Print" pitchFamily="2" charset="0"/>
-                <a:ea typeface="Tahoma" panose="020B0604030504040204" pitchFamily="34" charset="0"/>
-                <a:cs typeface="Tahoma" panose="020B0604030504040204" pitchFamily="34" charset="0"/>
-              </a:rPr>
-              <a:t>річних. </a:t>
+              <a:t>% річних. </a:t>
             </a:r>
             <a:r>
               <a:rPr lang="uk-UA" sz="2800" b="1" dirty="0">
@@ -6541,30 +6512,7 @@
                 <a:ea typeface="Tahoma" panose="020B0604030504040204" pitchFamily="34" charset="0"/>
                 <a:cs typeface="Tahoma" panose="020B0604030504040204" pitchFamily="34" charset="0"/>
               </a:rPr>
-              <a:t>3</a:t>
-            </a:r>
-            <a:r>
-              <a:rPr lang="en-US" sz="2800" b="1" dirty="0" smtClean="0">
-                <a:gradFill flip="none" rotWithShape="1">
-                  <a:gsLst>
-                    <a:gs pos="0">
-                      <a:schemeClr val="tx1"/>
-                    </a:gs>
-                    <a:gs pos="100000">
-                      <a:schemeClr val="tx1">
-                        <a:lumMod val="75000"/>
-                        <a:lumOff val="25000"/>
-                      </a:schemeClr>
-                    </a:gs>
-                  </a:gsLst>
-                  <a:lin ang="16200000" scaled="1"/>
-                  <a:tileRect/>
-                </a:gradFill>
-                <a:latin typeface="Segoe Print" pitchFamily="2" charset="0"/>
-                <a:ea typeface="Tahoma" panose="020B0604030504040204" pitchFamily="34" charset="0"/>
-                <a:cs typeface="Tahoma" panose="020B0604030504040204" pitchFamily="34" charset="0"/>
-              </a:rPr>
-              <a:t> 475</a:t>
+              <a:t>3 475</a:t>
             </a:r>
             <a:r>
               <a:rPr lang="uk-UA" sz="2800" b="1" dirty="0" smtClean="0">
@@ -6667,7 +6615,7 @@
     </p:spTree>
     <p:extLst>
       <p:ext uri="{BB962C8B-B14F-4D97-AF65-F5344CB8AC3E}">
-        <p14:creationId xmlns:p14="http://schemas.microsoft.com/office/powerpoint/2010/main" xmlns="" val="311004352"/>
+        <p14:creationId xmlns="" xmlns:p14="http://schemas.microsoft.com/office/powerpoint/2010/main" val="311004352"/>
       </p:ext>
     </p:extLst>
   </p:cSld>
@@ -7574,30 +7522,7 @@
                 <a:ea typeface="Open Sans" panose="020B0606030504020204" pitchFamily="34" charset="0"/>
                 <a:cs typeface="Open Sans" panose="020B0606030504020204" pitchFamily="34" charset="0"/>
               </a:rPr>
-              <a:t> </a:t>
-            </a:r>
-            <a:r>
-              <a:rPr lang="uk-UA" sz="2800" b="1" dirty="0" smtClean="0">
-                <a:gradFill flip="none" rotWithShape="1">
-                  <a:gsLst>
-                    <a:gs pos="0">
-                      <a:schemeClr val="tx1"/>
-                    </a:gs>
-                    <a:gs pos="100000">
-                      <a:schemeClr val="tx1">
-                        <a:lumMod val="75000"/>
-                        <a:lumOff val="25000"/>
-                      </a:schemeClr>
-                    </a:gs>
-                  </a:gsLst>
-                  <a:lin ang="16200000" scaled="1"/>
-                  <a:tileRect/>
-                </a:gradFill>
-                <a:latin typeface="Segoe Print" panose="02000600000000000000" pitchFamily="2" charset="0"/>
-                <a:ea typeface="Open Sans" panose="020B0606030504020204" pitchFamily="34" charset="0"/>
-                <a:cs typeface="Open Sans" panose="020B0606030504020204" pitchFamily="34" charset="0"/>
-              </a:rPr>
-              <a:t>грн = </a:t>
+              <a:t> грн = </a:t>
             </a:r>
             <a:r>
               <a:rPr lang="en-US" sz="2800" b="1" dirty="0" smtClean="0">
@@ -7689,30 +7614,7 @@
                 <a:ea typeface="Open Sans" panose="020B0606030504020204" pitchFamily="34" charset="0"/>
                 <a:cs typeface="Open Sans" panose="020B0606030504020204" pitchFamily="34" charset="0"/>
               </a:rPr>
-              <a:t> </a:t>
-            </a:r>
-            <a:r>
-              <a:rPr lang="uk-UA" sz="2800" b="1" dirty="0" smtClean="0">
-                <a:gradFill flip="none" rotWithShape="1">
-                  <a:gsLst>
-                    <a:gs pos="0">
-                      <a:schemeClr val="tx1"/>
-                    </a:gs>
-                    <a:gs pos="100000">
-                      <a:schemeClr val="tx1">
-                        <a:lumMod val="75000"/>
-                        <a:lumOff val="25000"/>
-                      </a:schemeClr>
-                    </a:gs>
-                  </a:gsLst>
-                  <a:lin ang="16200000" scaled="1"/>
-                  <a:tileRect/>
-                </a:gradFill>
-                <a:latin typeface="Segoe Print" panose="02000600000000000000" pitchFamily="2" charset="0"/>
-                <a:ea typeface="Open Sans" panose="020B0606030504020204" pitchFamily="34" charset="0"/>
-                <a:cs typeface="Open Sans" panose="020B0606030504020204" pitchFamily="34" charset="0"/>
-              </a:rPr>
-              <a:t>гривень мінімальний прибуток в місяць</a:t>
+              <a:t> гривень мінімальний прибуток в місяць</a:t>
             </a:r>
           </a:p>
         </p:txBody>
@@ -8019,7 +7921,7 @@
           <p:cNvPr id="2" name="TextBox 1">
             <a:extLst>
               <a:ext uri="{FF2B5EF4-FFF2-40B4-BE49-F238E27FC236}">
-                <a16:creationId xmlns:a16="http://schemas.microsoft.com/office/drawing/2014/main" xmlns="" id="{4E3BE0BB-2609-4B8A-A85C-9D0C80A652D2}"/>
+                <a16:creationId xmlns="" xmlns:a16="http://schemas.microsoft.com/office/drawing/2014/main" id="{4E3BE0BB-2609-4B8A-A85C-9D0C80A652D2}"/>
               </a:ext>
             </a:extLst>
           </p:cNvPr>
@@ -8071,7 +7973,7 @@
           <p:cNvPr id="3" name="TextBox 2">
             <a:extLst>
               <a:ext uri="{FF2B5EF4-FFF2-40B4-BE49-F238E27FC236}">
-                <a16:creationId xmlns:a16="http://schemas.microsoft.com/office/drawing/2014/main" xmlns="" id="{3D1AC5F4-0ED6-42FB-8F63-EE13C8BD417F}"/>
+                <a16:creationId xmlns="" xmlns:a16="http://schemas.microsoft.com/office/drawing/2014/main" id="{3D1AC5F4-0ED6-42FB-8F63-EE13C8BD417F}"/>
               </a:ext>
             </a:extLst>
           </p:cNvPr>
@@ -8257,7 +8159,7 @@
     </p:spTree>
     <p:extLst>
       <p:ext uri="{BB962C8B-B14F-4D97-AF65-F5344CB8AC3E}">
-        <p14:creationId xmlns:p14="http://schemas.microsoft.com/office/powerpoint/2010/main" xmlns="" val="2886211671"/>
+        <p14:creationId xmlns="" xmlns:p14="http://schemas.microsoft.com/office/powerpoint/2010/main" val="2886211671"/>
       </p:ext>
     </p:extLst>
   </p:cSld>
@@ -8533,7 +8435,7 @@
           <p:cNvPr id="3" name="TextBox 2">
             <a:extLst>
               <a:ext uri="{FF2B5EF4-FFF2-40B4-BE49-F238E27FC236}">
-                <a16:creationId xmlns:a16="http://schemas.microsoft.com/office/drawing/2014/main" xmlns="" id="{9237B415-7E2C-4C05-B110-9E240A8CB015}"/>
+                <a16:creationId xmlns="" xmlns:a16="http://schemas.microsoft.com/office/drawing/2014/main" id="{9237B415-7E2C-4C05-B110-9E240A8CB015}"/>
               </a:ext>
             </a:extLst>
           </p:cNvPr>
@@ -8609,7 +8511,7 @@
     </p:spTree>
     <p:extLst>
       <p:ext uri="{BB962C8B-B14F-4D97-AF65-F5344CB8AC3E}">
-        <p14:creationId xmlns:p14="http://schemas.microsoft.com/office/powerpoint/2010/main" xmlns="" val="3733678756"/>
+        <p14:creationId xmlns="" xmlns:p14="http://schemas.microsoft.com/office/powerpoint/2010/main" val="3733678756"/>
       </p:ext>
     </p:extLst>
   </p:cSld>
@@ -9101,7 +9003,7 @@
     </p:spTree>
     <p:extLst>
       <p:ext uri="{BB962C8B-B14F-4D97-AF65-F5344CB8AC3E}">
-        <p14:creationId xmlns:p14="http://schemas.microsoft.com/office/powerpoint/2010/main" xmlns="" val="204865308"/>
+        <p14:creationId xmlns="" xmlns:p14="http://schemas.microsoft.com/office/powerpoint/2010/main" val="204865308"/>
       </p:ext>
     </p:extLst>
   </p:cSld>
@@ -9622,7 +9524,7 @@
     </p:spTree>
     <p:extLst>
       <p:ext uri="{BB962C8B-B14F-4D97-AF65-F5344CB8AC3E}">
-        <p14:creationId xmlns:p14="http://schemas.microsoft.com/office/powerpoint/2010/main" xmlns="" val="3345881076"/>
+        <p14:creationId xmlns="" xmlns:p14="http://schemas.microsoft.com/office/powerpoint/2010/main" val="3345881076"/>
       </p:ext>
     </p:extLst>
   </p:cSld>
@@ -10110,7 +10012,7 @@
     </p:spTree>
     <p:extLst>
       <p:ext uri="{BB962C8B-B14F-4D97-AF65-F5344CB8AC3E}">
-        <p14:creationId xmlns:p14="http://schemas.microsoft.com/office/powerpoint/2010/main" xmlns="" val="3182662516"/>
+        <p14:creationId xmlns="" xmlns:p14="http://schemas.microsoft.com/office/powerpoint/2010/main" val="3182662516"/>
       </p:ext>
     </p:extLst>
   </p:cSld>
@@ -11120,7 +11022,7 @@
     </p:spTree>
     <p:extLst>
       <p:ext uri="{BB962C8B-B14F-4D97-AF65-F5344CB8AC3E}">
-        <p14:creationId xmlns:p14="http://schemas.microsoft.com/office/powerpoint/2010/main" xmlns="" val="1368415126"/>
+        <p14:creationId xmlns="" xmlns:p14="http://schemas.microsoft.com/office/powerpoint/2010/main" val="1368415126"/>
       </p:ext>
     </p:extLst>
   </p:cSld>
@@ -11361,7 +11263,7 @@
           <p:cNvPr id="4" name="TextBox 3">
             <a:extLst>
               <a:ext uri="{FF2B5EF4-FFF2-40B4-BE49-F238E27FC236}">
-                <a16:creationId xmlns:a16="http://schemas.microsoft.com/office/drawing/2014/main" xmlns="" id="{92F18041-3C0B-4EAF-876A-625657F421FF}"/>
+                <a16:creationId xmlns="" xmlns:a16="http://schemas.microsoft.com/office/drawing/2014/main" id="{92F18041-3C0B-4EAF-876A-625657F421FF}"/>
               </a:ext>
             </a:extLst>
           </p:cNvPr>
@@ -11674,7 +11576,7 @@
     </p:spTree>
     <p:extLst>
       <p:ext uri="{BB962C8B-B14F-4D97-AF65-F5344CB8AC3E}">
-        <p14:creationId xmlns:p14="http://schemas.microsoft.com/office/powerpoint/2010/main" xmlns="" val="2924096935"/>
+        <p14:creationId xmlns="" xmlns:p14="http://schemas.microsoft.com/office/powerpoint/2010/main" val="2924096935"/>
       </p:ext>
     </p:extLst>
   </p:cSld>
@@ -12277,7 +12179,7 @@
           <p:cNvPr id="4" name="Picture 2" descr="Подарункові сертифікати на салони краси в Києві | DONUM">
             <a:extLst>
               <a:ext uri="{FF2B5EF4-FFF2-40B4-BE49-F238E27FC236}">
-                <a16:creationId xmlns:a16="http://schemas.microsoft.com/office/drawing/2014/main" xmlns="" id="{EFC429FE-20CA-45DF-8E8B-BF6535D2BAE3}"/>
+                <a16:creationId xmlns="" xmlns:a16="http://schemas.microsoft.com/office/drawing/2014/main" id="{EFC429FE-20CA-45DF-8E8B-BF6535D2BAE3}"/>
               </a:ext>
             </a:extLst>
           </p:cNvPr>
@@ -12290,7 +12192,7 @@
           <a:blip r:embed="rId2" cstate="print">
             <a:extLst>
               <a:ext uri="{28A0092B-C50C-407E-A947-70E740481C1C}">
-                <a14:useLocalDpi xmlns:a14="http://schemas.microsoft.com/office/drawing/2010/main" xmlns="" val="0"/>
+                <a14:useLocalDpi xmlns="" xmlns:a14="http://schemas.microsoft.com/office/drawing/2010/main" val="0"/>
               </a:ext>
             </a:extLst>
           </a:blip>
@@ -12319,7 +12221,7 @@
           </a:effectLst>
           <a:extLst>
             <a:ext uri="{909E8E84-426E-40DD-AFC4-6F175D3DCCD1}">
-              <a14:hiddenFill xmlns:a14="http://schemas.microsoft.com/office/drawing/2010/main" xmlns="">
+              <a14:hiddenFill xmlns="" xmlns:a14="http://schemas.microsoft.com/office/drawing/2010/main">
                 <a:solidFill>
                   <a:srgbClr val="FFFFFF"/>
                 </a:solidFill>
@@ -12331,7 +12233,7 @@
     </p:spTree>
     <p:extLst>
       <p:ext uri="{BB962C8B-B14F-4D97-AF65-F5344CB8AC3E}">
-        <p14:creationId xmlns:p14="http://schemas.microsoft.com/office/powerpoint/2010/main" xmlns="" val="2902322015"/>
+        <p14:creationId xmlns="" xmlns:p14="http://schemas.microsoft.com/office/powerpoint/2010/main" val="2902322015"/>
       </p:ext>
     </p:extLst>
   </p:cSld>
@@ -12576,7 +12478,7 @@
           <p:nvPr>
             <p:extLst>
               <p:ext uri="{D42A27DB-BD31-4B8C-83A1-F6EECF244321}">
-                <p14:modId xmlns:p14="http://schemas.microsoft.com/office/powerpoint/2010/main" xmlns="" val="2058177614"/>
+                <p14:modId xmlns="" xmlns:p14="http://schemas.microsoft.com/office/powerpoint/2010/main" val="2058177614"/>
               </p:ext>
             </p:extLst>
           </p:nvPr>
@@ -12602,14 +12504,14 @@
                 <a:gridCol w="6051000">
                   <a:extLst>
                     <a:ext uri="{9D8B030D-6E8A-4147-A177-3AD203B41FA5}">
-                      <a16:colId xmlns:a16="http://schemas.microsoft.com/office/drawing/2014/main" xmlns="" val="20000"/>
+                      <a16:colId xmlns="" xmlns:a16="http://schemas.microsoft.com/office/drawing/2014/main" val="20000"/>
                     </a:ext>
                   </a:extLst>
                 </a:gridCol>
                 <a:gridCol w="2225040">
                   <a:extLst>
                     <a:ext uri="{9D8B030D-6E8A-4147-A177-3AD203B41FA5}">
-                      <a16:colId xmlns:a16="http://schemas.microsoft.com/office/drawing/2014/main" xmlns="" val="20001"/>
+                      <a16:colId xmlns="" xmlns:a16="http://schemas.microsoft.com/office/drawing/2014/main" val="20001"/>
                     </a:ext>
                   </a:extLst>
                 </a:gridCol>
@@ -12767,7 +12669,7 @@
                 </a:tc>
                 <a:extLst>
                   <a:ext uri="{0D108BD9-81ED-4DB2-BD59-A6C34878D82A}">
-                    <a16:rowId xmlns:a16="http://schemas.microsoft.com/office/drawing/2014/main" xmlns="" val="10000"/>
+                    <a16:rowId xmlns="" xmlns:a16="http://schemas.microsoft.com/office/drawing/2014/main" val="10000"/>
                   </a:ext>
                 </a:extLst>
               </a:tr>
@@ -12917,7 +12819,7 @@
                 </a:tc>
                 <a:extLst>
                   <a:ext uri="{0D108BD9-81ED-4DB2-BD59-A6C34878D82A}">
-                    <a16:rowId xmlns:a16="http://schemas.microsoft.com/office/drawing/2014/main" xmlns="" val="10001"/>
+                    <a16:rowId xmlns="" xmlns:a16="http://schemas.microsoft.com/office/drawing/2014/main" val="10001"/>
                   </a:ext>
                 </a:extLst>
               </a:tr>
@@ -13065,7 +12967,7 @@
                 </a:tc>
                 <a:extLst>
                   <a:ext uri="{0D108BD9-81ED-4DB2-BD59-A6C34878D82A}">
-                    <a16:rowId xmlns:a16="http://schemas.microsoft.com/office/drawing/2014/main" xmlns="" val="10002"/>
+                    <a16:rowId xmlns="" xmlns:a16="http://schemas.microsoft.com/office/drawing/2014/main" val="10002"/>
                   </a:ext>
                 </a:extLst>
               </a:tr>
@@ -13200,7 +13102,7 @@
                 </a:tc>
                 <a:extLst>
                   <a:ext uri="{0D108BD9-81ED-4DB2-BD59-A6C34878D82A}">
-                    <a16:rowId xmlns:a16="http://schemas.microsoft.com/office/drawing/2014/main" xmlns="" val="10004"/>
+                    <a16:rowId xmlns="" xmlns:a16="http://schemas.microsoft.com/office/drawing/2014/main" val="10004"/>
                   </a:ext>
                 </a:extLst>
               </a:tr>
@@ -13448,7 +13350,7 @@
                 </a:tc>
                 <a:extLst>
                   <a:ext uri="{0D108BD9-81ED-4DB2-BD59-A6C34878D82A}">
-                    <a16:rowId xmlns:a16="http://schemas.microsoft.com/office/drawing/2014/main" xmlns="" val="10006"/>
+                    <a16:rowId xmlns="" xmlns:a16="http://schemas.microsoft.com/office/drawing/2014/main" val="10006"/>
                   </a:ext>
                 </a:extLst>
               </a:tr>
@@ -13541,7 +13443,7 @@
     </p:spTree>
     <p:extLst>
       <p:ext uri="{BB962C8B-B14F-4D97-AF65-F5344CB8AC3E}">
-        <p14:creationId xmlns:p14="http://schemas.microsoft.com/office/powerpoint/2010/main" xmlns="" val="3371949997"/>
+        <p14:creationId xmlns="" xmlns:p14="http://schemas.microsoft.com/office/powerpoint/2010/main" val="3371949997"/>
       </p:ext>
     </p:extLst>
   </p:cSld>
@@ -13815,7 +13717,7 @@
           <p:nvPr>
             <p:extLst>
               <p:ext uri="{D42A27DB-BD31-4B8C-83A1-F6EECF244321}">
-                <p14:modId xmlns:p14="http://schemas.microsoft.com/office/powerpoint/2010/main" xmlns="" val="3684284401"/>
+                <p14:modId xmlns="" xmlns:p14="http://schemas.microsoft.com/office/powerpoint/2010/main" val="3684284401"/>
               </p:ext>
             </p:extLst>
           </p:nvPr>
@@ -13841,14 +13743,14 @@
                 <a:gridCol w="5850780">
                   <a:extLst>
                     <a:ext uri="{9D8B030D-6E8A-4147-A177-3AD203B41FA5}">
-                      <a16:colId xmlns:a16="http://schemas.microsoft.com/office/drawing/2014/main" xmlns="" val="20000"/>
+                      <a16:colId xmlns="" xmlns:a16="http://schemas.microsoft.com/office/drawing/2014/main" val="20000"/>
                     </a:ext>
                   </a:extLst>
                 </a:gridCol>
                 <a:gridCol w="2302620">
                   <a:extLst>
                     <a:ext uri="{9D8B030D-6E8A-4147-A177-3AD203B41FA5}">
-                      <a16:colId xmlns:a16="http://schemas.microsoft.com/office/drawing/2014/main" xmlns="" val="20003"/>
+                      <a16:colId xmlns="" xmlns:a16="http://schemas.microsoft.com/office/drawing/2014/main" val="20003"/>
                     </a:ext>
                   </a:extLst>
                 </a:gridCol>
@@ -13930,7 +13832,7 @@
                 </a:tc>
                 <a:extLst>
                   <a:ext uri="{0D108BD9-81ED-4DB2-BD59-A6C34878D82A}">
-                    <a16:rowId xmlns:a16="http://schemas.microsoft.com/office/drawing/2014/main" xmlns="" val="10000"/>
+                    <a16:rowId xmlns="" xmlns:a16="http://schemas.microsoft.com/office/drawing/2014/main" val="10000"/>
                   </a:ext>
                 </a:extLst>
               </a:tr>
@@ -14004,7 +13906,7 @@
                 </a:tc>
                 <a:extLst>
                   <a:ext uri="{0D108BD9-81ED-4DB2-BD59-A6C34878D82A}">
-                    <a16:rowId xmlns:a16="http://schemas.microsoft.com/office/drawing/2014/main" xmlns="" val="10001"/>
+                    <a16:rowId xmlns="" xmlns:a16="http://schemas.microsoft.com/office/drawing/2014/main" val="10001"/>
                   </a:ext>
                 </a:extLst>
               </a:tr>
@@ -14063,7 +13965,7 @@
                 </a:tc>
                 <a:extLst>
                   <a:ext uri="{0D108BD9-81ED-4DB2-BD59-A6C34878D82A}">
-                    <a16:rowId xmlns:a16="http://schemas.microsoft.com/office/drawing/2014/main" xmlns="" val="10006"/>
+                    <a16:rowId xmlns="" xmlns:a16="http://schemas.microsoft.com/office/drawing/2014/main" val="10006"/>
                   </a:ext>
                 </a:extLst>
               </a:tr>
@@ -14166,13 +14068,31 @@
                     <a:p>
                       <a:pPr algn="ctr"/>
                       <a:r>
+                        <a:rPr lang="en-US" sz="2400" b="0" noProof="0" dirty="0" smtClean="0">
+                          <a:effectLst/>
+                          <a:latin typeface="Segoe Print" panose="02000600000000000000" pitchFamily="2" charset="0"/>
+                          <a:ea typeface="Tahoma" panose="020B0604030504040204" pitchFamily="34" charset="0"/>
+                          <a:cs typeface="Tahoma" panose="020B0604030504040204" pitchFamily="34" charset="0"/>
+                        </a:rPr>
+                        <a:t>20</a:t>
+                      </a:r>
+                      <a:r>
                         <a:rPr lang="uk-UA" sz="2400" b="0" noProof="0" dirty="0" smtClean="0">
                           <a:effectLst/>
                           <a:latin typeface="Segoe Print" panose="02000600000000000000" pitchFamily="2" charset="0"/>
                           <a:ea typeface="Tahoma" panose="020B0604030504040204" pitchFamily="34" charset="0"/>
                           <a:cs typeface="Tahoma" panose="020B0604030504040204" pitchFamily="34" charset="0"/>
                         </a:rPr>
-                        <a:t>130 грн</a:t>
+                        <a:t>0 </a:t>
+                      </a:r>
+                      <a:r>
+                        <a:rPr lang="uk-UA" sz="2400" b="0" noProof="0" dirty="0" smtClean="0">
+                          <a:effectLst/>
+                          <a:latin typeface="Segoe Print" panose="02000600000000000000" pitchFamily="2" charset="0"/>
+                          <a:ea typeface="Tahoma" panose="020B0604030504040204" pitchFamily="34" charset="0"/>
+                          <a:cs typeface="Tahoma" panose="020B0604030504040204" pitchFamily="34" charset="0"/>
+                        </a:rPr>
+                        <a:t>грн</a:t>
                       </a:r>
                       <a:endParaRPr lang="uk-UA" sz="2400" b="0" noProof="0" dirty="0">
                         <a:latin typeface="Segoe Print" panose="02000600000000000000" pitchFamily="2" charset="0"/>
@@ -14226,7 +14146,34 @@
                           <a:ea typeface="Tahoma" panose="020B0604030504040204" pitchFamily="34" charset="0"/>
                           <a:cs typeface="Tahoma" panose="020B0604030504040204" pitchFamily="34" charset="0"/>
                         </a:rPr>
-                        <a:t>130 грн</a:t>
+                        <a:t>1</a:t>
+                      </a:r>
+                      <a:r>
+                        <a:rPr lang="en-US" sz="2400" b="0" noProof="0" dirty="0" smtClean="0">
+                          <a:effectLst/>
+                          <a:latin typeface="Segoe Print" panose="02000600000000000000" pitchFamily="2" charset="0"/>
+                          <a:ea typeface="Tahoma" panose="020B0604030504040204" pitchFamily="34" charset="0"/>
+                          <a:cs typeface="Tahoma" panose="020B0604030504040204" pitchFamily="34" charset="0"/>
+                        </a:rPr>
+                        <a:t>8</a:t>
+                      </a:r>
+                      <a:r>
+                        <a:rPr lang="uk-UA" sz="2400" b="0" noProof="0" dirty="0" smtClean="0">
+                          <a:effectLst/>
+                          <a:latin typeface="Segoe Print" panose="02000600000000000000" pitchFamily="2" charset="0"/>
+                          <a:ea typeface="Tahoma" panose="020B0604030504040204" pitchFamily="34" charset="0"/>
+                          <a:cs typeface="Tahoma" panose="020B0604030504040204" pitchFamily="34" charset="0"/>
+                        </a:rPr>
+                        <a:t>0 </a:t>
+                      </a:r>
+                      <a:r>
+                        <a:rPr lang="uk-UA" sz="2400" b="0" noProof="0" dirty="0" smtClean="0">
+                          <a:effectLst/>
+                          <a:latin typeface="Segoe Print" panose="02000600000000000000" pitchFamily="2" charset="0"/>
+                          <a:ea typeface="Tahoma" panose="020B0604030504040204" pitchFamily="34" charset="0"/>
+                          <a:cs typeface="Tahoma" panose="020B0604030504040204" pitchFamily="34" charset="0"/>
+                        </a:rPr>
+                        <a:t>грн</a:t>
                       </a:r>
                       <a:endParaRPr lang="uk-UA" sz="2400" b="0" noProof="0" dirty="0">
                         <a:latin typeface="Segoe Print" panose="02000600000000000000" pitchFamily="2" charset="0"/>
@@ -14524,7 +14471,7 @@
           <p:nvPr>
             <p:extLst>
               <p:ext uri="{D42A27DB-BD31-4B8C-83A1-F6EECF244321}">
-                <p14:modId xmlns:p14="http://schemas.microsoft.com/office/powerpoint/2010/main" xmlns="" val="3684284401"/>
+                <p14:modId xmlns="" xmlns:p14="http://schemas.microsoft.com/office/powerpoint/2010/main" val="3684284401"/>
               </p:ext>
             </p:extLst>
           </p:nvPr>
@@ -14550,28 +14497,28 @@
                 <a:gridCol w="4591124">
                   <a:extLst>
                     <a:ext uri="{9D8B030D-6E8A-4147-A177-3AD203B41FA5}">
-                      <a16:colId xmlns:a16="http://schemas.microsoft.com/office/drawing/2014/main" xmlns="" val="20000"/>
+                      <a16:colId xmlns="" xmlns:a16="http://schemas.microsoft.com/office/drawing/2014/main" val="20000"/>
                     </a:ext>
                   </a:extLst>
                 </a:gridCol>
                 <a:gridCol w="2035277">
                   <a:extLst>
                     <a:ext uri="{9D8B030D-6E8A-4147-A177-3AD203B41FA5}">
-                      <a16:colId xmlns:a16="http://schemas.microsoft.com/office/drawing/2014/main" xmlns="" val="20001"/>
+                      <a16:colId xmlns="" xmlns:a16="http://schemas.microsoft.com/office/drawing/2014/main" val="20001"/>
                     </a:ext>
                   </a:extLst>
                 </a:gridCol>
                 <a:gridCol w="1519084">
                   <a:extLst>
                     <a:ext uri="{9D8B030D-6E8A-4147-A177-3AD203B41FA5}">
-                      <a16:colId xmlns:a16="http://schemas.microsoft.com/office/drawing/2014/main" xmlns="" val="20002"/>
+                      <a16:colId xmlns="" xmlns:a16="http://schemas.microsoft.com/office/drawing/2014/main" val="20002"/>
                     </a:ext>
                   </a:extLst>
                 </a:gridCol>
                 <a:gridCol w="1754515">
                   <a:extLst>
                     <a:ext uri="{9D8B030D-6E8A-4147-A177-3AD203B41FA5}">
-                      <a16:colId xmlns:a16="http://schemas.microsoft.com/office/drawing/2014/main" xmlns="" val="20003"/>
+                      <a16:colId xmlns="" xmlns:a16="http://schemas.microsoft.com/office/drawing/2014/main" val="20003"/>
                     </a:ext>
                   </a:extLst>
                 </a:gridCol>
@@ -14709,7 +14656,7 @@
                 </a:tc>
                 <a:extLst>
                   <a:ext uri="{0D108BD9-81ED-4DB2-BD59-A6C34878D82A}">
-                    <a16:rowId xmlns:a16="http://schemas.microsoft.com/office/drawing/2014/main" xmlns="" val="10000"/>
+                    <a16:rowId xmlns="" xmlns:a16="http://schemas.microsoft.com/office/drawing/2014/main" val="10000"/>
                   </a:ext>
                 </a:extLst>
               </a:tr>
@@ -14843,7 +14790,7 @@
                 </a:tc>
                 <a:extLst>
                   <a:ext uri="{0D108BD9-81ED-4DB2-BD59-A6C34878D82A}">
-                    <a16:rowId xmlns:a16="http://schemas.microsoft.com/office/drawing/2014/main" xmlns="" val="10001"/>
+                    <a16:rowId xmlns="" xmlns:a16="http://schemas.microsoft.com/office/drawing/2014/main" val="10001"/>
                   </a:ext>
                 </a:extLst>
               </a:tr>
@@ -15366,7 +15313,7 @@
                 </a:tc>
                 <a:extLst>
                   <a:ext uri="{0D108BD9-81ED-4DB2-BD59-A6C34878D82A}">
-                    <a16:rowId xmlns:a16="http://schemas.microsoft.com/office/drawing/2014/main" xmlns="" val="10002"/>
+                    <a16:rowId xmlns="" xmlns:a16="http://schemas.microsoft.com/office/drawing/2014/main" val="10002"/>
                   </a:ext>
                 </a:extLst>
               </a:tr>
@@ -15501,7 +15448,7 @@
                 </a:tc>
                 <a:extLst>
                   <a:ext uri="{0D108BD9-81ED-4DB2-BD59-A6C34878D82A}">
-                    <a16:rowId xmlns:a16="http://schemas.microsoft.com/office/drawing/2014/main" xmlns="" val="10004"/>
+                    <a16:rowId xmlns="" xmlns:a16="http://schemas.microsoft.com/office/drawing/2014/main" val="10004"/>
                   </a:ext>
                 </a:extLst>
               </a:tr>
@@ -15611,7 +15558,7 @@
                 </a:tc>
                 <a:extLst>
                   <a:ext uri="{0D108BD9-81ED-4DB2-BD59-A6C34878D82A}">
-                    <a16:rowId xmlns:a16="http://schemas.microsoft.com/office/drawing/2014/main" xmlns="" val="10005"/>
+                    <a16:rowId xmlns="" xmlns:a16="http://schemas.microsoft.com/office/drawing/2014/main" val="10005"/>
                   </a:ext>
                 </a:extLst>
               </a:tr>
@@ -15717,7 +15664,7 @@
                 </a:tc>
                 <a:extLst>
                   <a:ext uri="{0D108BD9-81ED-4DB2-BD59-A6C34878D82A}">
-                    <a16:rowId xmlns:a16="http://schemas.microsoft.com/office/drawing/2014/main" xmlns="" val="10006"/>
+                    <a16:rowId xmlns="" xmlns:a16="http://schemas.microsoft.com/office/drawing/2014/main" val="10006"/>
                   </a:ext>
                 </a:extLst>
               </a:tr>
@@ -15827,7 +15774,7 @@
                 </a:tc>
                 <a:extLst>
                   <a:ext uri="{0D108BD9-81ED-4DB2-BD59-A6C34878D82A}">
-                    <a16:rowId xmlns:a16="http://schemas.microsoft.com/office/drawing/2014/main" xmlns="" val="10007"/>
+                    <a16:rowId xmlns="" xmlns:a16="http://schemas.microsoft.com/office/drawing/2014/main" val="10007"/>
                   </a:ext>
                 </a:extLst>
               </a:tr>
@@ -16227,7 +16174,7 @@
                 </a:tc>
                 <a:extLst>
                   <a:ext uri="{0D108BD9-81ED-4DB2-BD59-A6C34878D82A}">
-                    <a16:rowId xmlns:a16="http://schemas.microsoft.com/office/drawing/2014/main" xmlns="" val="10008"/>
+                    <a16:rowId xmlns="" xmlns:a16="http://schemas.microsoft.com/office/drawing/2014/main" val="10008"/>
                   </a:ext>
                 </a:extLst>
               </a:tr>
@@ -16450,7 +16397,7 @@
           <p:nvPr>
             <p:extLst>
               <p:ext uri="{D42A27DB-BD31-4B8C-83A1-F6EECF244321}">
-                <p14:modId xmlns:p14="http://schemas.microsoft.com/office/powerpoint/2010/main" xmlns="" val="3684284401"/>
+                <p14:modId xmlns="" xmlns:p14="http://schemas.microsoft.com/office/powerpoint/2010/main" val="3684284401"/>
               </p:ext>
             </p:extLst>
           </p:nvPr>
@@ -16476,28 +16423,28 @@
                 <a:gridCol w="3600000">
                   <a:extLst>
                     <a:ext uri="{9D8B030D-6E8A-4147-A177-3AD203B41FA5}">
-                      <a16:colId xmlns:a16="http://schemas.microsoft.com/office/drawing/2014/main" xmlns="" val="20000"/>
+                      <a16:colId xmlns="" xmlns:a16="http://schemas.microsoft.com/office/drawing/2014/main" val="20000"/>
                     </a:ext>
                   </a:extLst>
                 </a:gridCol>
                 <a:gridCol w="2340000">
                   <a:extLst>
                     <a:ext uri="{9D8B030D-6E8A-4147-A177-3AD203B41FA5}">
-                      <a16:colId xmlns:a16="http://schemas.microsoft.com/office/drawing/2014/main" xmlns="" val="20001"/>
+                      <a16:colId xmlns="" xmlns:a16="http://schemas.microsoft.com/office/drawing/2014/main" val="20001"/>
                     </a:ext>
                   </a:extLst>
                 </a:gridCol>
                 <a:gridCol w="1980000">
                   <a:extLst>
                     <a:ext uri="{9D8B030D-6E8A-4147-A177-3AD203B41FA5}">
-                      <a16:colId xmlns:a16="http://schemas.microsoft.com/office/drawing/2014/main" xmlns="" val="20002"/>
+                      <a16:colId xmlns="" xmlns:a16="http://schemas.microsoft.com/office/drawing/2014/main" val="20002"/>
                     </a:ext>
                   </a:extLst>
                 </a:gridCol>
                 <a:gridCol w="1980000">
                   <a:extLst>
                     <a:ext uri="{9D8B030D-6E8A-4147-A177-3AD203B41FA5}">
-                      <a16:colId xmlns:a16="http://schemas.microsoft.com/office/drawing/2014/main" xmlns="" val="20003"/>
+                      <a16:colId xmlns="" xmlns:a16="http://schemas.microsoft.com/office/drawing/2014/main" val="20003"/>
                     </a:ext>
                   </a:extLst>
                 </a:gridCol>
@@ -16632,7 +16579,7 @@
                 </a:tc>
                 <a:extLst>
                   <a:ext uri="{0D108BD9-81ED-4DB2-BD59-A6C34878D82A}">
-                    <a16:rowId xmlns:a16="http://schemas.microsoft.com/office/drawing/2014/main" xmlns="" val="10000"/>
+                    <a16:rowId xmlns="" xmlns:a16="http://schemas.microsoft.com/office/drawing/2014/main" val="10000"/>
                   </a:ext>
                 </a:extLst>
               </a:tr>
@@ -16806,7 +16753,7 @@
                 </a:tc>
                 <a:extLst>
                   <a:ext uri="{0D108BD9-81ED-4DB2-BD59-A6C34878D82A}">
-                    <a16:rowId xmlns:a16="http://schemas.microsoft.com/office/drawing/2014/main" xmlns="" val="10002"/>
+                    <a16:rowId xmlns="" xmlns:a16="http://schemas.microsoft.com/office/drawing/2014/main" val="10002"/>
                   </a:ext>
                 </a:extLst>
               </a:tr>
@@ -16982,7 +16929,7 @@
                 </a:tc>
                 <a:extLst>
                   <a:ext uri="{0D108BD9-81ED-4DB2-BD59-A6C34878D82A}">
-                    <a16:rowId xmlns:a16="http://schemas.microsoft.com/office/drawing/2014/main" xmlns="" val="10004"/>
+                    <a16:rowId xmlns="" xmlns:a16="http://schemas.microsoft.com/office/drawing/2014/main" val="10004"/>
                   </a:ext>
                 </a:extLst>
               </a:tr>
@@ -17115,7 +17062,7 @@
                 </a:tc>
                 <a:extLst>
                   <a:ext uri="{0D108BD9-81ED-4DB2-BD59-A6C34878D82A}">
-                    <a16:rowId xmlns:a16="http://schemas.microsoft.com/office/drawing/2014/main" xmlns="" val="10005"/>
+                    <a16:rowId xmlns="" xmlns:a16="http://schemas.microsoft.com/office/drawing/2014/main" val="10005"/>
                   </a:ext>
                 </a:extLst>
               </a:tr>
@@ -17224,7 +17171,7 @@
                 </a:tc>
                 <a:extLst>
                   <a:ext uri="{0D108BD9-81ED-4DB2-BD59-A6C34878D82A}">
-                    <a16:rowId xmlns:a16="http://schemas.microsoft.com/office/drawing/2014/main" xmlns="" val="10006"/>
+                    <a16:rowId xmlns="" xmlns:a16="http://schemas.microsoft.com/office/drawing/2014/main" val="10006"/>
                   </a:ext>
                 </a:extLst>
               </a:tr>
@@ -17345,7 +17292,7 @@
                 </a:tc>
                 <a:extLst>
                   <a:ext uri="{0D108BD9-81ED-4DB2-BD59-A6C34878D82A}">
-                    <a16:rowId xmlns:a16="http://schemas.microsoft.com/office/drawing/2014/main" xmlns="" val="10007"/>
+                    <a16:rowId xmlns="" xmlns:a16="http://schemas.microsoft.com/office/drawing/2014/main" val="10007"/>
                   </a:ext>
                 </a:extLst>
               </a:tr>
@@ -17572,7 +17519,7 @@
                 </a:tc>
                 <a:extLst>
                   <a:ext uri="{0D108BD9-81ED-4DB2-BD59-A6C34878D82A}">
-                    <a16:rowId xmlns:a16="http://schemas.microsoft.com/office/drawing/2014/main" xmlns="" val="10008"/>
+                    <a16:rowId xmlns="" xmlns:a16="http://schemas.microsoft.com/office/drawing/2014/main" val="10008"/>
                   </a:ext>
                 </a:extLst>
               </a:tr>
@@ -17583,7 +17530,7 @@
     </p:spTree>
     <p:extLst>
       <p:ext uri="{BB962C8B-B14F-4D97-AF65-F5344CB8AC3E}">
-        <p14:creationId xmlns:p14="http://schemas.microsoft.com/office/powerpoint/2010/main" xmlns="" val="2952426389"/>
+        <p14:creationId xmlns="" xmlns:p14="http://schemas.microsoft.com/office/powerpoint/2010/main" val="2952426389"/>
       </p:ext>
     </p:extLst>
   </p:cSld>
@@ -17975,7 +17922,7 @@
   <a:extraClrSchemeLst/>
   <a:extLst>
     <a:ext uri="{05A4C25C-085E-4340-85A3-A5531E510DB2}">
-      <thm15:themeFamily xmlns:thm15="http://schemas.microsoft.com/office/thememl/2012/main" xmlns="" name="Office Theme" id="{62F939B6-93AF-4DB8-9C6B-D6C7DFDC589F}" vid="{4A3C46E8-61CC-4603-A589-7422A47A8E4A}"/>
+      <thm15:themeFamily xmlns="" xmlns:thm15="http://schemas.microsoft.com/office/thememl/2012/main" name="Office Theme" id="{62F939B6-93AF-4DB8-9C6B-D6C7DFDC589F}" vid="{4A3C46E8-61CC-4603-A589-7422A47A8E4A}"/>
     </a:ext>
   </a:extLst>
 </a:theme>
@@ -18236,7 +18183,7 @@
   <a:extraClrSchemeLst/>
   <a:extLst>
     <a:ext uri="{05A4C25C-085E-4340-85A3-A5531E510DB2}">
-      <thm15:themeFamily xmlns:thm15="http://schemas.microsoft.com/office/thememl/2012/main" xmlns="" name="Office Theme" id="{62F939B6-93AF-4DB8-9C6B-D6C7DFDC589F}" vid="{4A3C46E8-61CC-4603-A589-7422A47A8E4A}"/>
+      <thm15:themeFamily xmlns="" xmlns:thm15="http://schemas.microsoft.com/office/thememl/2012/main" name="Office Theme" id="{62F939B6-93AF-4DB8-9C6B-D6C7DFDC589F}" vid="{4A3C46E8-61CC-4603-A589-7422A47A8E4A}"/>
     </a:ext>
   </a:extLst>
 </a:theme>

--- a/diplomna.pptx
+++ b/diplomna.pptx
@@ -156,7 +156,7 @@
   </p:defaultTextStyle>
   <p:extLst>
     <p:ext uri="{EFAFB233-063F-42B5-8137-9DF3F51BA10A}">
-      <p15:sldGuideLst xmlns="" xmlns:p15="http://schemas.microsoft.com/office/powerpoint/2012/main"/>
+      <p15:sldGuideLst xmlns:p15="http://schemas.microsoft.com/office/powerpoint/2012/main" xmlns=""/>
     </p:ext>
   </p:extLst>
 </p:presentation>
@@ -413,7 +413,7 @@
     </p:spTree>
     <p:extLst>
       <p:ext uri="{BB962C8B-B14F-4D97-AF65-F5344CB8AC3E}">
-        <p14:creationId xmlns="" xmlns:p14="http://schemas.microsoft.com/office/powerpoint/2010/main" val="571422458"/>
+        <p14:creationId xmlns:p14="http://schemas.microsoft.com/office/powerpoint/2010/main" xmlns="" val="571422458"/>
       </p:ext>
     </p:extLst>
   </p:cSld>
@@ -588,7 +588,7 @@
     </p:spTree>
     <p:extLst>
       <p:ext uri="{BB962C8B-B14F-4D97-AF65-F5344CB8AC3E}">
-        <p14:creationId xmlns="" xmlns:p14="http://schemas.microsoft.com/office/powerpoint/2010/main" val="4232312718"/>
+        <p14:creationId xmlns:p14="http://schemas.microsoft.com/office/powerpoint/2010/main" xmlns="" val="4232312718"/>
       </p:ext>
     </p:extLst>
   </p:cSld>
@@ -780,7 +780,7 @@
     </p:spTree>
     <p:extLst>
       <p:ext uri="{BB962C8B-B14F-4D97-AF65-F5344CB8AC3E}">
-        <p14:creationId xmlns="" xmlns:p14="http://schemas.microsoft.com/office/powerpoint/2010/main" val="691810472"/>
+        <p14:creationId xmlns:p14="http://schemas.microsoft.com/office/powerpoint/2010/main" xmlns="" val="691810472"/>
       </p:ext>
     </p:extLst>
   </p:cSld>
@@ -950,7 +950,7 @@
     </p:spTree>
     <p:extLst>
       <p:ext uri="{BB962C8B-B14F-4D97-AF65-F5344CB8AC3E}">
-        <p14:creationId xmlns="" xmlns:p14="http://schemas.microsoft.com/office/powerpoint/2010/main" val="1355819167"/>
+        <p14:creationId xmlns:p14="http://schemas.microsoft.com/office/powerpoint/2010/main" xmlns="" val="1355819167"/>
       </p:ext>
     </p:extLst>
   </p:cSld>
@@ -1130,7 +1130,7 @@
     </p:spTree>
     <p:extLst>
       <p:ext uri="{BB962C8B-B14F-4D97-AF65-F5344CB8AC3E}">
-        <p14:creationId xmlns="" xmlns:p14="http://schemas.microsoft.com/office/powerpoint/2010/main" val="25386468"/>
+        <p14:creationId xmlns:p14="http://schemas.microsoft.com/office/powerpoint/2010/main" xmlns="" val="25386468"/>
       </p:ext>
     </p:extLst>
   </p:cSld>
@@ -1300,7 +1300,7 @@
     </p:spTree>
     <p:extLst>
       <p:ext uri="{BB962C8B-B14F-4D97-AF65-F5344CB8AC3E}">
-        <p14:creationId xmlns="" xmlns:p14="http://schemas.microsoft.com/office/powerpoint/2010/main" val="4103092837"/>
+        <p14:creationId xmlns:p14="http://schemas.microsoft.com/office/powerpoint/2010/main" xmlns="" val="4103092837"/>
       </p:ext>
     </p:extLst>
   </p:cSld>
@@ -1547,7 +1547,7 @@
     </p:spTree>
     <p:extLst>
       <p:ext uri="{BB962C8B-B14F-4D97-AF65-F5344CB8AC3E}">
-        <p14:creationId xmlns="" xmlns:p14="http://schemas.microsoft.com/office/powerpoint/2010/main" val="642932172"/>
+        <p14:creationId xmlns:p14="http://schemas.microsoft.com/office/powerpoint/2010/main" xmlns="" val="642932172"/>
       </p:ext>
     </p:extLst>
   </p:cSld>
@@ -1778,7 +1778,7 @@
     </p:spTree>
     <p:extLst>
       <p:ext uri="{BB962C8B-B14F-4D97-AF65-F5344CB8AC3E}">
-        <p14:creationId xmlns="" xmlns:p14="http://schemas.microsoft.com/office/powerpoint/2010/main" val="1439442558"/>
+        <p14:creationId xmlns:p14="http://schemas.microsoft.com/office/powerpoint/2010/main" xmlns="" val="1439442558"/>
       </p:ext>
     </p:extLst>
   </p:cSld>
@@ -2144,7 +2144,7 @@
     </p:spTree>
     <p:extLst>
       <p:ext uri="{BB962C8B-B14F-4D97-AF65-F5344CB8AC3E}">
-        <p14:creationId xmlns="" xmlns:p14="http://schemas.microsoft.com/office/powerpoint/2010/main" val="1209327759"/>
+        <p14:creationId xmlns:p14="http://schemas.microsoft.com/office/powerpoint/2010/main" xmlns="" val="1209327759"/>
       </p:ext>
     </p:extLst>
   </p:cSld>
@@ -2263,7 +2263,7 @@
     </p:spTree>
     <p:extLst>
       <p:ext uri="{BB962C8B-B14F-4D97-AF65-F5344CB8AC3E}">
-        <p14:creationId xmlns="" xmlns:p14="http://schemas.microsoft.com/office/powerpoint/2010/main" val="4212898653"/>
+        <p14:creationId xmlns:p14="http://schemas.microsoft.com/office/powerpoint/2010/main" xmlns="" val="4212898653"/>
       </p:ext>
     </p:extLst>
   </p:cSld>
@@ -2360,7 +2360,7 @@
     </p:spTree>
     <p:extLst>
       <p:ext uri="{BB962C8B-B14F-4D97-AF65-F5344CB8AC3E}">
-        <p14:creationId xmlns="" xmlns:p14="http://schemas.microsoft.com/office/powerpoint/2010/main" val="2587781966"/>
+        <p14:creationId xmlns:p14="http://schemas.microsoft.com/office/powerpoint/2010/main" xmlns="" val="2587781966"/>
       </p:ext>
     </p:extLst>
   </p:cSld>
@@ -2637,7 +2637,7 @@
     </p:spTree>
     <p:extLst>
       <p:ext uri="{BB962C8B-B14F-4D97-AF65-F5344CB8AC3E}">
-        <p14:creationId xmlns="" xmlns:p14="http://schemas.microsoft.com/office/powerpoint/2010/main" val="3171794395"/>
+        <p14:creationId xmlns:p14="http://schemas.microsoft.com/office/powerpoint/2010/main" xmlns="" val="3171794395"/>
       </p:ext>
     </p:extLst>
   </p:cSld>
@@ -2891,7 +2891,7 @@
     </p:spTree>
     <p:extLst>
       <p:ext uri="{BB962C8B-B14F-4D97-AF65-F5344CB8AC3E}">
-        <p14:creationId xmlns="" xmlns:p14="http://schemas.microsoft.com/office/powerpoint/2010/main" val="2260479920"/>
+        <p14:creationId xmlns:p14="http://schemas.microsoft.com/office/powerpoint/2010/main" xmlns="" val="2260479920"/>
       </p:ext>
     </p:extLst>
   </p:cSld>
@@ -3157,7 +3157,7 @@
     </p:spTree>
     <p:extLst>
       <p:ext uri="{BB962C8B-B14F-4D97-AF65-F5344CB8AC3E}">
-        <p14:creationId xmlns="" xmlns:p14="http://schemas.microsoft.com/office/powerpoint/2010/main" val="3229768880"/>
+        <p14:creationId xmlns:p14="http://schemas.microsoft.com/office/powerpoint/2010/main" xmlns="" val="3229768880"/>
       </p:ext>
     </p:extLst>
   </p:cSld>
@@ -3854,7 +3854,7 @@
     </p:spTree>
     <p:extLst>
       <p:ext uri="{BB962C8B-B14F-4D97-AF65-F5344CB8AC3E}">
-        <p14:creationId xmlns="" xmlns:p14="http://schemas.microsoft.com/office/powerpoint/2010/main" val="438760337"/>
+        <p14:creationId xmlns:p14="http://schemas.microsoft.com/office/powerpoint/2010/main" xmlns="" val="438760337"/>
       </p:ext>
     </p:extLst>
   </p:cSld>
@@ -4334,7 +4334,7 @@
           <p:nvPr>
             <p:extLst>
               <p:ext uri="{D42A27DB-BD31-4B8C-83A1-F6EECF244321}">
-                <p14:modId xmlns="" xmlns:p14="http://schemas.microsoft.com/office/powerpoint/2010/main" val="3684284401"/>
+                <p14:modId xmlns:p14="http://schemas.microsoft.com/office/powerpoint/2010/main" xmlns="" val="3684284401"/>
               </p:ext>
             </p:extLst>
           </p:nvPr>
@@ -4360,14 +4360,14 @@
                 <a:gridCol w="9037320">
                   <a:extLst>
                     <a:ext uri="{9D8B030D-6E8A-4147-A177-3AD203B41FA5}">
-                      <a16:colId xmlns="" xmlns:a16="http://schemas.microsoft.com/office/drawing/2014/main" val="20000"/>
+                      <a16:colId xmlns:a16="http://schemas.microsoft.com/office/drawing/2014/main" xmlns="" val="20000"/>
                     </a:ext>
                   </a:extLst>
                 </a:gridCol>
                 <a:gridCol w="1920240">
                   <a:extLst>
                     <a:ext uri="{9D8B030D-6E8A-4147-A177-3AD203B41FA5}">
-                      <a16:colId xmlns="" xmlns:a16="http://schemas.microsoft.com/office/drawing/2014/main" val="20003"/>
+                      <a16:colId xmlns:a16="http://schemas.microsoft.com/office/drawing/2014/main" xmlns="" val="20003"/>
                     </a:ext>
                   </a:extLst>
                 </a:gridCol>
@@ -4449,7 +4449,7 @@
                 </a:tc>
                 <a:extLst>
                   <a:ext uri="{0D108BD9-81ED-4DB2-BD59-A6C34878D82A}">
-                    <a16:rowId xmlns="" xmlns:a16="http://schemas.microsoft.com/office/drawing/2014/main" val="10000"/>
+                    <a16:rowId xmlns:a16="http://schemas.microsoft.com/office/drawing/2014/main" xmlns="" val="10000"/>
                   </a:ext>
                 </a:extLst>
               </a:tr>
@@ -4523,7 +4523,7 @@
                 </a:tc>
                 <a:extLst>
                   <a:ext uri="{0D108BD9-81ED-4DB2-BD59-A6C34878D82A}">
-                    <a16:rowId xmlns="" xmlns:a16="http://schemas.microsoft.com/office/drawing/2014/main" val="10001"/>
+                    <a16:rowId xmlns:a16="http://schemas.microsoft.com/office/drawing/2014/main" xmlns="" val="10001"/>
                   </a:ext>
                 </a:extLst>
               </a:tr>
@@ -4588,7 +4588,7 @@
                 </a:tc>
                 <a:extLst>
                   <a:ext uri="{0D108BD9-81ED-4DB2-BD59-A6C34878D82A}">
-                    <a16:rowId xmlns="" xmlns:a16="http://schemas.microsoft.com/office/drawing/2014/main" val="10006"/>
+                    <a16:rowId xmlns:a16="http://schemas.microsoft.com/office/drawing/2014/main" xmlns="" val="10006"/>
                   </a:ext>
                 </a:extLst>
               </a:tr>
@@ -4661,7 +4661,7 @@
                 </a:tc>
                 <a:extLst>
                   <a:ext uri="{0D108BD9-81ED-4DB2-BD59-A6C34878D82A}">
-                    <a16:rowId xmlns="" xmlns:a16="http://schemas.microsoft.com/office/drawing/2014/main" val="10007"/>
+                    <a16:rowId xmlns:a16="http://schemas.microsoft.com/office/drawing/2014/main" xmlns="" val="10007"/>
                   </a:ext>
                 </a:extLst>
               </a:tr>
@@ -4886,7 +4886,7 @@
                 </a:tc>
                 <a:extLst>
                   <a:ext uri="{0D108BD9-81ED-4DB2-BD59-A6C34878D82A}">
-                    <a16:rowId xmlns="" xmlns:a16="http://schemas.microsoft.com/office/drawing/2014/main" val="10008"/>
+                    <a16:rowId xmlns:a16="http://schemas.microsoft.com/office/drawing/2014/main" xmlns="" val="10008"/>
                   </a:ext>
                 </a:extLst>
               </a:tr>
@@ -4923,7 +4923,7 @@
     </p:spTree>
     <p:extLst>
       <p:ext uri="{BB962C8B-B14F-4D97-AF65-F5344CB8AC3E}">
-        <p14:creationId xmlns="" xmlns:p14="http://schemas.microsoft.com/office/powerpoint/2010/main" val="2745074324"/>
+        <p14:creationId xmlns:p14="http://schemas.microsoft.com/office/powerpoint/2010/main" xmlns="" val="2745074324"/>
       </p:ext>
     </p:extLst>
   </p:cSld>
@@ -5207,7 +5207,7 @@
           <p:nvPr>
             <p:extLst>
               <p:ext uri="{D42A27DB-BD31-4B8C-83A1-F6EECF244321}">
-                <p14:modId xmlns="" xmlns:p14="http://schemas.microsoft.com/office/powerpoint/2010/main" val="3684284401"/>
+                <p14:modId xmlns:p14="http://schemas.microsoft.com/office/powerpoint/2010/main" xmlns="" val="3684284401"/>
               </p:ext>
             </p:extLst>
           </p:nvPr>
@@ -5233,14 +5233,14 @@
                 <a:gridCol w="9037320">
                   <a:extLst>
                     <a:ext uri="{9D8B030D-6E8A-4147-A177-3AD203B41FA5}">
-                      <a16:colId xmlns="" xmlns:a16="http://schemas.microsoft.com/office/drawing/2014/main" val="20000"/>
+                      <a16:colId xmlns:a16="http://schemas.microsoft.com/office/drawing/2014/main" xmlns="" val="20000"/>
                     </a:ext>
                   </a:extLst>
                 </a:gridCol>
                 <a:gridCol w="1920240">
                   <a:extLst>
                     <a:ext uri="{9D8B030D-6E8A-4147-A177-3AD203B41FA5}">
-                      <a16:colId xmlns="" xmlns:a16="http://schemas.microsoft.com/office/drawing/2014/main" val="20003"/>
+                      <a16:colId xmlns:a16="http://schemas.microsoft.com/office/drawing/2014/main" xmlns="" val="20003"/>
                     </a:ext>
                   </a:extLst>
                 </a:gridCol>
@@ -5322,7 +5322,7 @@
                 </a:tc>
                 <a:extLst>
                   <a:ext uri="{0D108BD9-81ED-4DB2-BD59-A6C34878D82A}">
-                    <a16:rowId xmlns="" xmlns:a16="http://schemas.microsoft.com/office/drawing/2014/main" val="10000"/>
+                    <a16:rowId xmlns:a16="http://schemas.microsoft.com/office/drawing/2014/main" xmlns="" val="10000"/>
                   </a:ext>
                 </a:extLst>
               </a:tr>
@@ -5396,7 +5396,7 @@
                 </a:tc>
                 <a:extLst>
                   <a:ext uri="{0D108BD9-81ED-4DB2-BD59-A6C34878D82A}">
-                    <a16:rowId xmlns="" xmlns:a16="http://schemas.microsoft.com/office/drawing/2014/main" val="10001"/>
+                    <a16:rowId xmlns:a16="http://schemas.microsoft.com/office/drawing/2014/main" xmlns="" val="10001"/>
                   </a:ext>
                 </a:extLst>
               </a:tr>
@@ -5461,7 +5461,7 @@
                 </a:tc>
                 <a:extLst>
                   <a:ext uri="{0D108BD9-81ED-4DB2-BD59-A6C34878D82A}">
-                    <a16:rowId xmlns="" xmlns:a16="http://schemas.microsoft.com/office/drawing/2014/main" val="10006"/>
+                    <a16:rowId xmlns:a16="http://schemas.microsoft.com/office/drawing/2014/main" xmlns="" val="10006"/>
                   </a:ext>
                 </a:extLst>
               </a:tr>
@@ -5920,7 +5920,7 @@
                 </a:tc>
                 <a:extLst>
                   <a:ext uri="{0D108BD9-81ED-4DB2-BD59-A6C34878D82A}">
-                    <a16:rowId xmlns="" xmlns:a16="http://schemas.microsoft.com/office/drawing/2014/main" val="10008"/>
+                    <a16:rowId xmlns:a16="http://schemas.microsoft.com/office/drawing/2014/main" xmlns="" val="10008"/>
                   </a:ext>
                 </a:extLst>
               </a:tr>
@@ -5931,7 +5931,7 @@
     </p:spTree>
     <p:extLst>
       <p:ext uri="{BB962C8B-B14F-4D97-AF65-F5344CB8AC3E}">
-        <p14:creationId xmlns="" xmlns:p14="http://schemas.microsoft.com/office/powerpoint/2010/main" val="1660777227"/>
+        <p14:creationId xmlns:p14="http://schemas.microsoft.com/office/powerpoint/2010/main" xmlns="" val="1660777227"/>
       </p:ext>
     </p:extLst>
   </p:cSld>
@@ -6090,7 +6090,7 @@
           <p:cNvPr id="2" name="TextBox 1">
             <a:extLst>
               <a:ext uri="{FF2B5EF4-FFF2-40B4-BE49-F238E27FC236}">
-                <a16:creationId xmlns="" xmlns:a16="http://schemas.microsoft.com/office/drawing/2014/main" id="{25832EBB-8E12-4241-BEB1-485AB6B82A2F}"/>
+                <a16:creationId xmlns:a16="http://schemas.microsoft.com/office/drawing/2014/main" xmlns="" id="{25832EBB-8E12-4241-BEB1-485AB6B82A2F}"/>
               </a:ext>
             </a:extLst>
           </p:cNvPr>
@@ -6142,7 +6142,7 @@
           <p:cNvPr id="3" name="TextBox 2">
             <a:extLst>
               <a:ext uri="{FF2B5EF4-FFF2-40B4-BE49-F238E27FC236}">
-                <a16:creationId xmlns="" xmlns:a16="http://schemas.microsoft.com/office/drawing/2014/main" id="{49F07CA5-98ED-45C0-9580-6557BF637F29}"/>
+                <a16:creationId xmlns:a16="http://schemas.microsoft.com/office/drawing/2014/main" xmlns="" id="{49F07CA5-98ED-45C0-9580-6557BF637F29}"/>
               </a:ext>
             </a:extLst>
           </p:cNvPr>
@@ -6615,7 +6615,7 @@
     </p:spTree>
     <p:extLst>
       <p:ext uri="{BB962C8B-B14F-4D97-AF65-F5344CB8AC3E}">
-        <p14:creationId xmlns="" xmlns:p14="http://schemas.microsoft.com/office/powerpoint/2010/main" val="311004352"/>
+        <p14:creationId xmlns:p14="http://schemas.microsoft.com/office/powerpoint/2010/main" xmlns="" val="311004352"/>
       </p:ext>
     </p:extLst>
   </p:cSld>
@@ -6849,10 +6849,10 @@
                 <a:ea typeface="Open Sans" panose="020B0606030504020204" pitchFamily="34" charset="0"/>
                 <a:cs typeface="Open Sans" panose="020B0606030504020204" pitchFamily="34" charset="0"/>
               </a:rPr>
-              <a:t>Мінімальна кількість відвідувачів в день 2</a:t>
-            </a:r>
-            <a:r>
-              <a:rPr lang="en-US" sz="2800" b="1" dirty="0" smtClean="0">
+              <a:t>Мінімальна кількість відвідувачів в день </a:t>
+            </a:r>
+            <a:r>
+              <a:rPr lang="uk-UA" sz="2800" b="1" dirty="0" smtClean="0">
                 <a:gradFill flip="none" rotWithShape="1">
                   <a:gsLst>
                     <a:gs pos="0">
@@ -6872,7 +6872,7 @@
                 <a:ea typeface="Open Sans" panose="020B0606030504020204" pitchFamily="34" charset="0"/>
                 <a:cs typeface="Open Sans" panose="020B0606030504020204" pitchFamily="34" charset="0"/>
               </a:rPr>
-              <a:t>3</a:t>
+              <a:t>18</a:t>
             </a:r>
             <a:endParaRPr lang="uk-UA" sz="2800" b="1" dirty="0" smtClean="0">
               <a:gradFill flip="none" rotWithShape="1">
@@ -6967,6 +6967,354 @@
           <a:p>
             <a:pPr algn="ctr"/>
             <a:r>
+              <a:rPr lang="uk-UA" sz="2800" b="1" dirty="0" smtClean="0">
+                <a:gradFill flip="none" rotWithShape="1">
+                  <a:gsLst>
+                    <a:gs pos="0">
+                      <a:schemeClr val="tx1"/>
+                    </a:gs>
+                    <a:gs pos="100000">
+                      <a:schemeClr val="tx1">
+                        <a:lumMod val="75000"/>
+                        <a:lumOff val="25000"/>
+                      </a:schemeClr>
+                    </a:gs>
+                  </a:gsLst>
+                  <a:lin ang="16200000" scaled="1"/>
+                  <a:tileRect/>
+                </a:gradFill>
+                <a:latin typeface="Segoe Print" panose="02000600000000000000" pitchFamily="2" charset="0"/>
+                <a:ea typeface="Open Sans" panose="020B0606030504020204" pitchFamily="34" charset="0"/>
+                <a:cs typeface="Open Sans" panose="020B0606030504020204" pitchFamily="34" charset="0"/>
+              </a:rPr>
+              <a:t>18</a:t>
+            </a:r>
+            <a:r>
+              <a:rPr lang="en-US" sz="2800" b="1" dirty="0" smtClean="0">
+                <a:gradFill flip="none" rotWithShape="1">
+                  <a:gsLst>
+                    <a:gs pos="0">
+                      <a:schemeClr val="tx1"/>
+                    </a:gs>
+                    <a:gs pos="100000">
+                      <a:schemeClr val="tx1">
+                        <a:lumMod val="75000"/>
+                        <a:lumOff val="25000"/>
+                      </a:schemeClr>
+                    </a:gs>
+                  </a:gsLst>
+                  <a:lin ang="16200000" scaled="1"/>
+                  <a:tileRect/>
+                </a:gradFill>
+                <a:latin typeface="Segoe Print" panose="02000600000000000000" pitchFamily="2" charset="0"/>
+                <a:ea typeface="Open Sans" panose="020B0606030504020204" pitchFamily="34" charset="0"/>
+                <a:cs typeface="Open Sans" panose="020B0606030504020204" pitchFamily="34" charset="0"/>
+              </a:rPr>
+              <a:t> </a:t>
+            </a:r>
+            <a:r>
+              <a:rPr lang="en-US" sz="2800" b="1" dirty="0" smtClean="0">
+                <a:gradFill flip="none" rotWithShape="1">
+                  <a:gsLst>
+                    <a:gs pos="0">
+                      <a:schemeClr val="tx1"/>
+                    </a:gs>
+                    <a:gs pos="100000">
+                      <a:schemeClr val="tx1">
+                        <a:lumMod val="75000"/>
+                        <a:lumOff val="25000"/>
+                      </a:schemeClr>
+                    </a:gs>
+                  </a:gsLst>
+                  <a:lin ang="16200000" scaled="1"/>
+                  <a:tileRect/>
+                </a:gradFill>
+                <a:latin typeface="Segoe Print" panose="02000600000000000000" pitchFamily="2" charset="0"/>
+                <a:ea typeface="Open Sans" panose="020B0606030504020204" pitchFamily="34" charset="0"/>
+                <a:cs typeface="Open Sans" panose="020B0606030504020204" pitchFamily="34" charset="0"/>
+              </a:rPr>
+              <a:t>* 80</a:t>
+            </a:r>
+            <a:r>
+              <a:rPr lang="uk-UA" sz="2800" b="1" dirty="0" smtClean="0">
+                <a:gradFill flip="none" rotWithShape="1">
+                  <a:gsLst>
+                    <a:gs pos="0">
+                      <a:schemeClr val="tx1"/>
+                    </a:gs>
+                    <a:gs pos="100000">
+                      <a:schemeClr val="tx1">
+                        <a:lumMod val="75000"/>
+                        <a:lumOff val="25000"/>
+                      </a:schemeClr>
+                    </a:gs>
+                  </a:gsLst>
+                  <a:lin ang="16200000" scaled="1"/>
+                  <a:tileRect/>
+                </a:gradFill>
+                <a:latin typeface="Segoe Print" panose="02000600000000000000" pitchFamily="2" charset="0"/>
+                <a:ea typeface="Open Sans" panose="020B0606030504020204" pitchFamily="34" charset="0"/>
+                <a:cs typeface="Open Sans" panose="020B0606030504020204" pitchFamily="34" charset="0"/>
+              </a:rPr>
+              <a:t> = </a:t>
+            </a:r>
+            <a:r>
+              <a:rPr lang="en-US" sz="2800" b="1" dirty="0" smtClean="0">
+                <a:gradFill flip="none" rotWithShape="1">
+                  <a:gsLst>
+                    <a:gs pos="0">
+                      <a:schemeClr val="tx1"/>
+                    </a:gs>
+                    <a:gs pos="100000">
+                      <a:schemeClr val="tx1">
+                        <a:lumMod val="75000"/>
+                        <a:lumOff val="25000"/>
+                      </a:schemeClr>
+                    </a:gs>
+                  </a:gsLst>
+                  <a:lin ang="16200000" scaled="1"/>
+                  <a:tileRect/>
+                </a:gradFill>
+                <a:latin typeface="Segoe Print" panose="02000600000000000000" pitchFamily="2" charset="0"/>
+                <a:ea typeface="Open Sans" panose="020B0606030504020204" pitchFamily="34" charset="0"/>
+                <a:cs typeface="Open Sans" panose="020B0606030504020204" pitchFamily="34" charset="0"/>
+              </a:rPr>
+              <a:t>1</a:t>
+            </a:r>
+            <a:r>
+              <a:rPr lang="uk-UA" sz="2800" b="1" dirty="0" smtClean="0">
+                <a:gradFill flip="none" rotWithShape="1">
+                  <a:gsLst>
+                    <a:gs pos="0">
+                      <a:schemeClr val="tx1"/>
+                    </a:gs>
+                    <a:gs pos="100000">
+                      <a:schemeClr val="tx1">
+                        <a:lumMod val="75000"/>
+                        <a:lumOff val="25000"/>
+                      </a:schemeClr>
+                    </a:gs>
+                  </a:gsLst>
+                  <a:lin ang="16200000" scaled="1"/>
+                  <a:tileRect/>
+                </a:gradFill>
+                <a:latin typeface="Segoe Print" panose="02000600000000000000" pitchFamily="2" charset="0"/>
+                <a:ea typeface="Open Sans" panose="020B0606030504020204" pitchFamily="34" charset="0"/>
+                <a:cs typeface="Open Sans" panose="020B0606030504020204" pitchFamily="34" charset="0"/>
+              </a:rPr>
+              <a:t> </a:t>
+            </a:r>
+            <a:r>
+              <a:rPr lang="uk-UA" sz="2800" b="1" dirty="0" smtClean="0">
+                <a:gradFill flip="none" rotWithShape="1">
+                  <a:gsLst>
+                    <a:gs pos="0">
+                      <a:schemeClr val="tx1"/>
+                    </a:gs>
+                    <a:gs pos="100000">
+                      <a:schemeClr val="tx1">
+                        <a:lumMod val="75000"/>
+                        <a:lumOff val="25000"/>
+                      </a:schemeClr>
+                    </a:gs>
+                  </a:gsLst>
+                  <a:lin ang="16200000" scaled="1"/>
+                  <a:tileRect/>
+                </a:gradFill>
+                <a:latin typeface="Segoe Print" panose="02000600000000000000" pitchFamily="2" charset="0"/>
+                <a:ea typeface="Open Sans" panose="020B0606030504020204" pitchFamily="34" charset="0"/>
+                <a:cs typeface="Open Sans" panose="020B0606030504020204" pitchFamily="34" charset="0"/>
+              </a:rPr>
+              <a:t>4</a:t>
+            </a:r>
+            <a:r>
+              <a:rPr lang="en-US" sz="2800" b="1" dirty="0" smtClean="0">
+                <a:gradFill flip="none" rotWithShape="1">
+                  <a:gsLst>
+                    <a:gs pos="0">
+                      <a:schemeClr val="tx1"/>
+                    </a:gs>
+                    <a:gs pos="100000">
+                      <a:schemeClr val="tx1">
+                        <a:lumMod val="75000"/>
+                        <a:lumOff val="25000"/>
+                      </a:schemeClr>
+                    </a:gs>
+                  </a:gsLst>
+                  <a:lin ang="16200000" scaled="1"/>
+                  <a:tileRect/>
+                </a:gradFill>
+                <a:latin typeface="Segoe Print" panose="02000600000000000000" pitchFamily="2" charset="0"/>
+                <a:ea typeface="Open Sans" panose="020B0606030504020204" pitchFamily="34" charset="0"/>
+                <a:cs typeface="Open Sans" panose="020B0606030504020204" pitchFamily="34" charset="0"/>
+              </a:rPr>
+              <a:t>4</a:t>
+            </a:r>
+            <a:r>
+              <a:rPr lang="uk-UA" sz="2800" b="1" dirty="0" smtClean="0">
+                <a:gradFill flip="none" rotWithShape="1">
+                  <a:gsLst>
+                    <a:gs pos="0">
+                      <a:schemeClr val="tx1"/>
+                    </a:gs>
+                    <a:gs pos="100000">
+                      <a:schemeClr val="tx1">
+                        <a:lumMod val="75000"/>
+                        <a:lumOff val="25000"/>
+                      </a:schemeClr>
+                    </a:gs>
+                  </a:gsLst>
+                  <a:lin ang="16200000" scaled="1"/>
+                  <a:tileRect/>
+                </a:gradFill>
+                <a:latin typeface="Segoe Print" panose="02000600000000000000" pitchFamily="2" charset="0"/>
+                <a:ea typeface="Open Sans" panose="020B0606030504020204" pitchFamily="34" charset="0"/>
+                <a:cs typeface="Open Sans" panose="020B0606030504020204" pitchFamily="34" charset="0"/>
+              </a:rPr>
+              <a:t>0 гривень в день</a:t>
+            </a:r>
+          </a:p>
+          <a:p>
+            <a:pPr algn="ctr"/>
+            <a:r>
+              <a:rPr lang="en-US" sz="2800" b="1" dirty="0" smtClean="0">
+                <a:gradFill flip="none" rotWithShape="1">
+                  <a:gsLst>
+                    <a:gs pos="0">
+                      <a:schemeClr val="tx1"/>
+                    </a:gs>
+                    <a:gs pos="100000">
+                      <a:schemeClr val="tx1">
+                        <a:lumMod val="75000"/>
+                        <a:lumOff val="25000"/>
+                      </a:schemeClr>
+                    </a:gs>
+                  </a:gsLst>
+                  <a:lin ang="16200000" scaled="1"/>
+                  <a:tileRect/>
+                </a:gradFill>
+                <a:latin typeface="Segoe Print" panose="02000600000000000000" pitchFamily="2" charset="0"/>
+                <a:ea typeface="Open Sans" panose="020B0606030504020204" pitchFamily="34" charset="0"/>
+                <a:cs typeface="Open Sans" panose="020B0606030504020204" pitchFamily="34" charset="0"/>
+              </a:rPr>
+              <a:t>1</a:t>
+            </a:r>
+            <a:r>
+              <a:rPr lang="uk-UA" sz="2800" b="1" dirty="0" smtClean="0">
+                <a:gradFill flip="none" rotWithShape="1">
+                  <a:gsLst>
+                    <a:gs pos="0">
+                      <a:schemeClr val="tx1"/>
+                    </a:gs>
+                    <a:gs pos="100000">
+                      <a:schemeClr val="tx1">
+                        <a:lumMod val="75000"/>
+                        <a:lumOff val="25000"/>
+                      </a:schemeClr>
+                    </a:gs>
+                  </a:gsLst>
+                  <a:lin ang="16200000" scaled="1"/>
+                  <a:tileRect/>
+                </a:gradFill>
+                <a:latin typeface="Segoe Print" panose="02000600000000000000" pitchFamily="2" charset="0"/>
+                <a:ea typeface="Open Sans" panose="020B0606030504020204" pitchFamily="34" charset="0"/>
+                <a:cs typeface="Open Sans" panose="020B0606030504020204" pitchFamily="34" charset="0"/>
+              </a:rPr>
+              <a:t> </a:t>
+            </a:r>
+            <a:r>
+              <a:rPr lang="uk-UA" sz="2800" b="1" dirty="0" smtClean="0">
+                <a:gradFill flip="none" rotWithShape="1">
+                  <a:gsLst>
+                    <a:gs pos="0">
+                      <a:schemeClr val="tx1"/>
+                    </a:gs>
+                    <a:gs pos="100000">
+                      <a:schemeClr val="tx1">
+                        <a:lumMod val="75000"/>
+                        <a:lumOff val="25000"/>
+                      </a:schemeClr>
+                    </a:gs>
+                  </a:gsLst>
+                  <a:lin ang="16200000" scaled="1"/>
+                  <a:tileRect/>
+                </a:gradFill>
+                <a:latin typeface="Segoe Print" panose="02000600000000000000" pitchFamily="2" charset="0"/>
+                <a:ea typeface="Open Sans" panose="020B0606030504020204" pitchFamily="34" charset="0"/>
+                <a:cs typeface="Open Sans" panose="020B0606030504020204" pitchFamily="34" charset="0"/>
+              </a:rPr>
+              <a:t>4</a:t>
+            </a:r>
+            <a:r>
+              <a:rPr lang="en-US" sz="2800" b="1" dirty="0" smtClean="0">
+                <a:gradFill flip="none" rotWithShape="1">
+                  <a:gsLst>
+                    <a:gs pos="0">
+                      <a:schemeClr val="tx1"/>
+                    </a:gs>
+                    <a:gs pos="100000">
+                      <a:schemeClr val="tx1">
+                        <a:lumMod val="75000"/>
+                        <a:lumOff val="25000"/>
+                      </a:schemeClr>
+                    </a:gs>
+                  </a:gsLst>
+                  <a:lin ang="16200000" scaled="1"/>
+                  <a:tileRect/>
+                </a:gradFill>
+                <a:latin typeface="Segoe Print" panose="02000600000000000000" pitchFamily="2" charset="0"/>
+                <a:ea typeface="Open Sans" panose="020B0606030504020204" pitchFamily="34" charset="0"/>
+                <a:cs typeface="Open Sans" panose="020B0606030504020204" pitchFamily="34" charset="0"/>
+              </a:rPr>
+              <a:t>4</a:t>
+            </a:r>
+            <a:r>
+              <a:rPr lang="uk-UA" sz="2800" b="1" dirty="0" smtClean="0">
+                <a:gradFill flip="none" rotWithShape="1">
+                  <a:gsLst>
+                    <a:gs pos="0">
+                      <a:schemeClr val="tx1"/>
+                    </a:gs>
+                    <a:gs pos="100000">
+                      <a:schemeClr val="tx1">
+                        <a:lumMod val="75000"/>
+                        <a:lumOff val="25000"/>
+                      </a:schemeClr>
+                    </a:gs>
+                  </a:gsLst>
+                  <a:lin ang="16200000" scaled="1"/>
+                  <a:tileRect/>
+                </a:gradFill>
+                <a:latin typeface="Segoe Print" panose="02000600000000000000" pitchFamily="2" charset="0"/>
+                <a:ea typeface="Open Sans" panose="020B0606030504020204" pitchFamily="34" charset="0"/>
+                <a:cs typeface="Open Sans" panose="020B0606030504020204" pitchFamily="34" charset="0"/>
+              </a:rPr>
+              <a:t>0 * 30 днів в місяці = </a:t>
+            </a:r>
+            <a:r>
+              <a:rPr lang="uk-UA" sz="2800" b="1" dirty="0" smtClean="0">
+                <a:gradFill flip="none" rotWithShape="1">
+                  <a:gsLst>
+                    <a:gs pos="0">
+                      <a:schemeClr val="tx1"/>
+                    </a:gs>
+                    <a:gs pos="100000">
+                      <a:schemeClr val="tx1">
+                        <a:lumMod val="75000"/>
+                        <a:lumOff val="25000"/>
+                      </a:schemeClr>
+                    </a:gs>
+                  </a:gsLst>
+                  <a:lin ang="16200000" scaled="1"/>
+                  <a:tileRect/>
+                </a:gradFill>
+                <a:latin typeface="Segoe Print" panose="02000600000000000000" pitchFamily="2" charset="0"/>
+                <a:ea typeface="Open Sans" panose="020B0606030504020204" pitchFamily="34" charset="0"/>
+                <a:cs typeface="Open Sans" panose="020B0606030504020204" pitchFamily="34" charset="0"/>
+              </a:rPr>
+              <a:t>43 </a:t>
+            </a:r>
+            <a:r>
               <a:rPr lang="en-US" sz="2800" b="1" dirty="0" smtClean="0">
                 <a:gradFill flip="none" rotWithShape="1">
                   <a:gsLst>
@@ -7010,10 +7358,13 @@
                 <a:ea typeface="Open Sans" panose="020B0606030504020204" pitchFamily="34" charset="0"/>
                 <a:cs typeface="Open Sans" panose="020B0606030504020204" pitchFamily="34" charset="0"/>
               </a:rPr>
-              <a:t>3</a:t>
-            </a:r>
-            <a:r>
-              <a:rPr lang="en-US" sz="2800" b="1" dirty="0" smtClean="0">
+              <a:t>00 гривень в місяць</a:t>
+            </a:r>
+          </a:p>
+          <a:p>
+            <a:pPr algn="ctr"/>
+            <a:r>
+              <a:rPr lang="uk-UA" sz="2800" b="1" dirty="0" smtClean="0">
                 <a:gradFill flip="none" rotWithShape="1">
                   <a:gsLst>
                     <a:gs pos="0">
@@ -7033,10 +7384,10 @@
                 <a:ea typeface="Open Sans" panose="020B0606030504020204" pitchFamily="34" charset="0"/>
                 <a:cs typeface="Open Sans" panose="020B0606030504020204" pitchFamily="34" charset="0"/>
               </a:rPr>
-              <a:t> * 80</a:t>
-            </a:r>
-            <a:r>
-              <a:rPr lang="uk-UA" sz="2800" b="1" dirty="0" smtClean="0">
+              <a:t>43 </a:t>
+            </a:r>
+            <a:r>
+              <a:rPr lang="en-US" sz="2800" b="1" dirty="0" smtClean="0">
                 <a:gradFill flip="none" rotWithShape="1">
                   <a:gsLst>
                     <a:gs pos="0">
@@ -7056,10 +7407,10 @@
                 <a:ea typeface="Open Sans" panose="020B0606030504020204" pitchFamily="34" charset="0"/>
                 <a:cs typeface="Open Sans" panose="020B0606030504020204" pitchFamily="34" charset="0"/>
               </a:rPr>
-              <a:t> = </a:t>
-            </a:r>
-            <a:r>
-              <a:rPr lang="en-US" sz="2800" b="1" dirty="0" smtClean="0">
+              <a:t>2</a:t>
+            </a:r>
+            <a:r>
+              <a:rPr lang="uk-UA" sz="2800" b="1" dirty="0" smtClean="0">
                 <a:gradFill flip="none" rotWithShape="1">
                   <a:gsLst>
                     <a:gs pos="0">
@@ -7079,7 +7430,30 @@
                 <a:ea typeface="Open Sans" panose="020B0606030504020204" pitchFamily="34" charset="0"/>
                 <a:cs typeface="Open Sans" panose="020B0606030504020204" pitchFamily="34" charset="0"/>
               </a:rPr>
-              <a:t>1</a:t>
+              <a:t>00 грн – </a:t>
+            </a:r>
+            <a:r>
+              <a:rPr lang="en-US" sz="2800" b="1" dirty="0" smtClean="0">
+                <a:gradFill flip="none" rotWithShape="1">
+                  <a:gsLst>
+                    <a:gs pos="0">
+                      <a:schemeClr val="tx1"/>
+                    </a:gs>
+                    <a:gs pos="100000">
+                      <a:schemeClr val="tx1">
+                        <a:lumMod val="75000"/>
+                        <a:lumOff val="25000"/>
+                      </a:schemeClr>
+                    </a:gs>
+                  </a:gsLst>
+                  <a:lin ang="16200000" scaled="1"/>
+                  <a:tileRect/>
+                </a:gradFill>
+                <a:latin typeface="Segoe Print" panose="02000600000000000000" pitchFamily="2" charset="0"/>
+                <a:ea typeface="Open Sans" panose="020B0606030504020204" pitchFamily="34" charset="0"/>
+                <a:cs typeface="Open Sans" panose="020B0606030504020204" pitchFamily="34" charset="0"/>
+              </a:rPr>
+              <a:t>46</a:t>
             </a:r>
             <a:r>
               <a:rPr lang="uk-UA" sz="2800" b="1" dirty="0" smtClean="0">
@@ -7125,7 +7499,7 @@
                 <a:ea typeface="Open Sans" panose="020B0606030504020204" pitchFamily="34" charset="0"/>
                 <a:cs typeface="Open Sans" panose="020B0606030504020204" pitchFamily="34" charset="0"/>
               </a:rPr>
-              <a:t>84</a:t>
+              <a:t>715</a:t>
             </a:r>
             <a:r>
               <a:rPr lang="uk-UA" sz="2800" b="1" dirty="0" smtClean="0">
@@ -7148,13 +7522,10 @@
                 <a:ea typeface="Open Sans" panose="020B0606030504020204" pitchFamily="34" charset="0"/>
                 <a:cs typeface="Open Sans" panose="020B0606030504020204" pitchFamily="34" charset="0"/>
               </a:rPr>
-              <a:t>0 гривень в день</a:t>
-            </a:r>
-          </a:p>
-          <a:p>
-            <a:pPr algn="ctr"/>
-            <a:r>
-              <a:rPr lang="en-US" sz="2800" b="1" dirty="0" smtClean="0">
+              <a:t> грн = </a:t>
+            </a:r>
+            <a:r>
+              <a:rPr lang="uk-UA" sz="2800" b="1" dirty="0" smtClean="0">
                 <a:gradFill flip="none" rotWithShape="1">
                   <a:gsLst>
                     <a:gs pos="0">
@@ -7174,7 +7545,30 @@
                 <a:ea typeface="Open Sans" panose="020B0606030504020204" pitchFamily="34" charset="0"/>
                 <a:cs typeface="Open Sans" panose="020B0606030504020204" pitchFamily="34" charset="0"/>
               </a:rPr>
-              <a:t>1</a:t>
+              <a:t>-3 51</a:t>
+            </a:r>
+            <a:r>
+              <a:rPr lang="en-US" sz="2800" b="1" dirty="0" smtClean="0">
+                <a:gradFill flip="none" rotWithShape="1">
+                  <a:gsLst>
+                    <a:gs pos="0">
+                      <a:schemeClr val="tx1"/>
+                    </a:gs>
+                    <a:gs pos="100000">
+                      <a:schemeClr val="tx1">
+                        <a:lumMod val="75000"/>
+                        <a:lumOff val="25000"/>
+                      </a:schemeClr>
+                    </a:gs>
+                  </a:gsLst>
+                  <a:lin ang="16200000" scaled="1"/>
+                  <a:tileRect/>
+                </a:gradFill>
+                <a:latin typeface="Segoe Print" panose="02000600000000000000" pitchFamily="2" charset="0"/>
+                <a:ea typeface="Open Sans" panose="020B0606030504020204" pitchFamily="34" charset="0"/>
+                <a:cs typeface="Open Sans" panose="020B0606030504020204" pitchFamily="34" charset="0"/>
+              </a:rPr>
+              <a:t>5</a:t>
             </a:r>
             <a:r>
               <a:rPr lang="uk-UA" sz="2800" b="1" dirty="0" smtClean="0">
@@ -7200,7 +7594,7 @@
               <a:t> </a:t>
             </a:r>
             <a:r>
-              <a:rPr lang="en-US" sz="2800" b="1" dirty="0" smtClean="0">
+              <a:rPr lang="uk-UA" sz="2800" b="1" dirty="0" smtClean="0">
                 <a:gradFill flip="none" rotWithShape="1">
                   <a:gsLst>
                     <a:gs pos="0">
@@ -7220,401 +7614,7 @@
                 <a:ea typeface="Open Sans" panose="020B0606030504020204" pitchFamily="34" charset="0"/>
                 <a:cs typeface="Open Sans" panose="020B0606030504020204" pitchFamily="34" charset="0"/>
               </a:rPr>
-              <a:t>84</a:t>
-            </a:r>
-            <a:r>
-              <a:rPr lang="uk-UA" sz="2800" b="1" dirty="0" smtClean="0">
-                <a:gradFill flip="none" rotWithShape="1">
-                  <a:gsLst>
-                    <a:gs pos="0">
-                      <a:schemeClr val="tx1"/>
-                    </a:gs>
-                    <a:gs pos="100000">
-                      <a:schemeClr val="tx1">
-                        <a:lumMod val="75000"/>
-                        <a:lumOff val="25000"/>
-                      </a:schemeClr>
-                    </a:gs>
-                  </a:gsLst>
-                  <a:lin ang="16200000" scaled="1"/>
-                  <a:tileRect/>
-                </a:gradFill>
-                <a:latin typeface="Segoe Print" panose="02000600000000000000" pitchFamily="2" charset="0"/>
-                <a:ea typeface="Open Sans" panose="020B0606030504020204" pitchFamily="34" charset="0"/>
-                <a:cs typeface="Open Sans" panose="020B0606030504020204" pitchFamily="34" charset="0"/>
-              </a:rPr>
-              <a:t>0 * 30 днів в місяці = </a:t>
-            </a:r>
-            <a:r>
-              <a:rPr lang="en-US" sz="2800" b="1" dirty="0" smtClean="0">
-                <a:gradFill flip="none" rotWithShape="1">
-                  <a:gsLst>
-                    <a:gs pos="0">
-                      <a:schemeClr val="tx1"/>
-                    </a:gs>
-                    <a:gs pos="100000">
-                      <a:schemeClr val="tx1">
-                        <a:lumMod val="75000"/>
-                        <a:lumOff val="25000"/>
-                      </a:schemeClr>
-                    </a:gs>
-                  </a:gsLst>
-                  <a:lin ang="16200000" scaled="1"/>
-                  <a:tileRect/>
-                </a:gradFill>
-                <a:latin typeface="Segoe Print" panose="02000600000000000000" pitchFamily="2" charset="0"/>
-                <a:ea typeface="Open Sans" panose="020B0606030504020204" pitchFamily="34" charset="0"/>
-                <a:cs typeface="Open Sans" panose="020B0606030504020204" pitchFamily="34" charset="0"/>
-              </a:rPr>
-              <a:t>55</a:t>
-            </a:r>
-            <a:r>
-              <a:rPr lang="uk-UA" sz="2800" b="1" dirty="0" smtClean="0">
-                <a:gradFill flip="none" rotWithShape="1">
-                  <a:gsLst>
-                    <a:gs pos="0">
-                      <a:schemeClr val="tx1"/>
-                    </a:gs>
-                    <a:gs pos="100000">
-                      <a:schemeClr val="tx1">
-                        <a:lumMod val="75000"/>
-                        <a:lumOff val="25000"/>
-                      </a:schemeClr>
-                    </a:gs>
-                  </a:gsLst>
-                  <a:lin ang="16200000" scaled="1"/>
-                  <a:tileRect/>
-                </a:gradFill>
-                <a:latin typeface="Segoe Print" panose="02000600000000000000" pitchFamily="2" charset="0"/>
-                <a:ea typeface="Open Sans" panose="020B0606030504020204" pitchFamily="34" charset="0"/>
-                <a:cs typeface="Open Sans" panose="020B0606030504020204" pitchFamily="34" charset="0"/>
-              </a:rPr>
-              <a:t> </a:t>
-            </a:r>
-            <a:r>
-              <a:rPr lang="en-US" sz="2800" b="1" dirty="0" smtClean="0">
-                <a:gradFill flip="none" rotWithShape="1">
-                  <a:gsLst>
-                    <a:gs pos="0">
-                      <a:schemeClr val="tx1"/>
-                    </a:gs>
-                    <a:gs pos="100000">
-                      <a:schemeClr val="tx1">
-                        <a:lumMod val="75000"/>
-                        <a:lumOff val="25000"/>
-                      </a:schemeClr>
-                    </a:gs>
-                  </a:gsLst>
-                  <a:lin ang="16200000" scaled="1"/>
-                  <a:tileRect/>
-                </a:gradFill>
-                <a:latin typeface="Segoe Print" panose="02000600000000000000" pitchFamily="2" charset="0"/>
-                <a:ea typeface="Open Sans" panose="020B0606030504020204" pitchFamily="34" charset="0"/>
-                <a:cs typeface="Open Sans" panose="020B0606030504020204" pitchFamily="34" charset="0"/>
-              </a:rPr>
-              <a:t>2</a:t>
-            </a:r>
-            <a:r>
-              <a:rPr lang="uk-UA" sz="2800" b="1" dirty="0" smtClean="0">
-                <a:gradFill flip="none" rotWithShape="1">
-                  <a:gsLst>
-                    <a:gs pos="0">
-                      <a:schemeClr val="tx1"/>
-                    </a:gs>
-                    <a:gs pos="100000">
-                      <a:schemeClr val="tx1">
-                        <a:lumMod val="75000"/>
-                        <a:lumOff val="25000"/>
-                      </a:schemeClr>
-                    </a:gs>
-                  </a:gsLst>
-                  <a:lin ang="16200000" scaled="1"/>
-                  <a:tileRect/>
-                </a:gradFill>
-                <a:latin typeface="Segoe Print" panose="02000600000000000000" pitchFamily="2" charset="0"/>
-                <a:ea typeface="Open Sans" panose="020B0606030504020204" pitchFamily="34" charset="0"/>
-                <a:cs typeface="Open Sans" panose="020B0606030504020204" pitchFamily="34" charset="0"/>
-              </a:rPr>
-              <a:t>00 гривень в місяць</a:t>
-            </a:r>
-          </a:p>
-          <a:p>
-            <a:pPr algn="ctr"/>
-            <a:r>
-              <a:rPr lang="en-US" sz="2800" b="1" dirty="0" smtClean="0">
-                <a:gradFill flip="none" rotWithShape="1">
-                  <a:gsLst>
-                    <a:gs pos="0">
-                      <a:schemeClr val="tx1"/>
-                    </a:gs>
-                    <a:gs pos="100000">
-                      <a:schemeClr val="tx1">
-                        <a:lumMod val="75000"/>
-                        <a:lumOff val="25000"/>
-                      </a:schemeClr>
-                    </a:gs>
-                  </a:gsLst>
-                  <a:lin ang="16200000" scaled="1"/>
-                  <a:tileRect/>
-                </a:gradFill>
-                <a:latin typeface="Segoe Print" panose="02000600000000000000" pitchFamily="2" charset="0"/>
-                <a:ea typeface="Open Sans" panose="020B0606030504020204" pitchFamily="34" charset="0"/>
-                <a:cs typeface="Open Sans" panose="020B0606030504020204" pitchFamily="34" charset="0"/>
-              </a:rPr>
-              <a:t>55</a:t>
-            </a:r>
-            <a:r>
-              <a:rPr lang="uk-UA" sz="2800" b="1" dirty="0" smtClean="0">
-                <a:gradFill flip="none" rotWithShape="1">
-                  <a:gsLst>
-                    <a:gs pos="0">
-                      <a:schemeClr val="tx1"/>
-                    </a:gs>
-                    <a:gs pos="100000">
-                      <a:schemeClr val="tx1">
-                        <a:lumMod val="75000"/>
-                        <a:lumOff val="25000"/>
-                      </a:schemeClr>
-                    </a:gs>
-                  </a:gsLst>
-                  <a:lin ang="16200000" scaled="1"/>
-                  <a:tileRect/>
-                </a:gradFill>
-                <a:latin typeface="Segoe Print" panose="02000600000000000000" pitchFamily="2" charset="0"/>
-                <a:ea typeface="Open Sans" panose="020B0606030504020204" pitchFamily="34" charset="0"/>
-                <a:cs typeface="Open Sans" panose="020B0606030504020204" pitchFamily="34" charset="0"/>
-              </a:rPr>
-              <a:t> </a:t>
-            </a:r>
-            <a:r>
-              <a:rPr lang="en-US" sz="2800" b="1" dirty="0" smtClean="0">
-                <a:gradFill flip="none" rotWithShape="1">
-                  <a:gsLst>
-                    <a:gs pos="0">
-                      <a:schemeClr val="tx1"/>
-                    </a:gs>
-                    <a:gs pos="100000">
-                      <a:schemeClr val="tx1">
-                        <a:lumMod val="75000"/>
-                        <a:lumOff val="25000"/>
-                      </a:schemeClr>
-                    </a:gs>
-                  </a:gsLst>
-                  <a:lin ang="16200000" scaled="1"/>
-                  <a:tileRect/>
-                </a:gradFill>
-                <a:latin typeface="Segoe Print" panose="02000600000000000000" pitchFamily="2" charset="0"/>
-                <a:ea typeface="Open Sans" panose="020B0606030504020204" pitchFamily="34" charset="0"/>
-                <a:cs typeface="Open Sans" panose="020B0606030504020204" pitchFamily="34" charset="0"/>
-              </a:rPr>
-              <a:t>2</a:t>
-            </a:r>
-            <a:r>
-              <a:rPr lang="uk-UA" sz="2800" b="1" dirty="0" smtClean="0">
-                <a:gradFill flip="none" rotWithShape="1">
-                  <a:gsLst>
-                    <a:gs pos="0">
-                      <a:schemeClr val="tx1"/>
-                    </a:gs>
-                    <a:gs pos="100000">
-                      <a:schemeClr val="tx1">
-                        <a:lumMod val="75000"/>
-                        <a:lumOff val="25000"/>
-                      </a:schemeClr>
-                    </a:gs>
-                  </a:gsLst>
-                  <a:lin ang="16200000" scaled="1"/>
-                  <a:tileRect/>
-                </a:gradFill>
-                <a:latin typeface="Segoe Print" panose="02000600000000000000" pitchFamily="2" charset="0"/>
-                <a:ea typeface="Open Sans" panose="020B0606030504020204" pitchFamily="34" charset="0"/>
-                <a:cs typeface="Open Sans" panose="020B0606030504020204" pitchFamily="34" charset="0"/>
-              </a:rPr>
-              <a:t>00 грн – </a:t>
-            </a:r>
-            <a:r>
-              <a:rPr lang="en-US" sz="2800" b="1" dirty="0" smtClean="0">
-                <a:gradFill flip="none" rotWithShape="1">
-                  <a:gsLst>
-                    <a:gs pos="0">
-                      <a:schemeClr val="tx1"/>
-                    </a:gs>
-                    <a:gs pos="100000">
-                      <a:schemeClr val="tx1">
-                        <a:lumMod val="75000"/>
-                        <a:lumOff val="25000"/>
-                      </a:schemeClr>
-                    </a:gs>
-                  </a:gsLst>
-                  <a:lin ang="16200000" scaled="1"/>
-                  <a:tileRect/>
-                </a:gradFill>
-                <a:latin typeface="Segoe Print" panose="02000600000000000000" pitchFamily="2" charset="0"/>
-                <a:ea typeface="Open Sans" panose="020B0606030504020204" pitchFamily="34" charset="0"/>
-                <a:cs typeface="Open Sans" panose="020B0606030504020204" pitchFamily="34" charset="0"/>
-              </a:rPr>
-              <a:t>46</a:t>
-            </a:r>
-            <a:r>
-              <a:rPr lang="uk-UA" sz="2800" b="1" dirty="0" smtClean="0">
-                <a:gradFill flip="none" rotWithShape="1">
-                  <a:gsLst>
-                    <a:gs pos="0">
-                      <a:schemeClr val="tx1"/>
-                    </a:gs>
-                    <a:gs pos="100000">
-                      <a:schemeClr val="tx1">
-                        <a:lumMod val="75000"/>
-                        <a:lumOff val="25000"/>
-                      </a:schemeClr>
-                    </a:gs>
-                  </a:gsLst>
-                  <a:lin ang="16200000" scaled="1"/>
-                  <a:tileRect/>
-                </a:gradFill>
-                <a:latin typeface="Segoe Print" panose="02000600000000000000" pitchFamily="2" charset="0"/>
-                <a:ea typeface="Open Sans" panose="020B0606030504020204" pitchFamily="34" charset="0"/>
-                <a:cs typeface="Open Sans" panose="020B0606030504020204" pitchFamily="34" charset="0"/>
-              </a:rPr>
-              <a:t> </a:t>
-            </a:r>
-            <a:r>
-              <a:rPr lang="en-US" sz="2800" b="1" dirty="0" smtClean="0">
-                <a:gradFill flip="none" rotWithShape="1">
-                  <a:gsLst>
-                    <a:gs pos="0">
-                      <a:schemeClr val="tx1"/>
-                    </a:gs>
-                    <a:gs pos="100000">
-                      <a:schemeClr val="tx1">
-                        <a:lumMod val="75000"/>
-                        <a:lumOff val="25000"/>
-                      </a:schemeClr>
-                    </a:gs>
-                  </a:gsLst>
-                  <a:lin ang="16200000" scaled="1"/>
-                  <a:tileRect/>
-                </a:gradFill>
-                <a:latin typeface="Segoe Print" panose="02000600000000000000" pitchFamily="2" charset="0"/>
-                <a:ea typeface="Open Sans" panose="020B0606030504020204" pitchFamily="34" charset="0"/>
-                <a:cs typeface="Open Sans" panose="020B0606030504020204" pitchFamily="34" charset="0"/>
-              </a:rPr>
-              <a:t>715</a:t>
-            </a:r>
-            <a:r>
-              <a:rPr lang="uk-UA" sz="2800" b="1" dirty="0" smtClean="0">
-                <a:gradFill flip="none" rotWithShape="1">
-                  <a:gsLst>
-                    <a:gs pos="0">
-                      <a:schemeClr val="tx1"/>
-                    </a:gs>
-                    <a:gs pos="100000">
-                      <a:schemeClr val="tx1">
-                        <a:lumMod val="75000"/>
-                        <a:lumOff val="25000"/>
-                      </a:schemeClr>
-                    </a:gs>
-                  </a:gsLst>
-                  <a:lin ang="16200000" scaled="1"/>
-                  <a:tileRect/>
-                </a:gradFill>
-                <a:latin typeface="Segoe Print" panose="02000600000000000000" pitchFamily="2" charset="0"/>
-                <a:ea typeface="Open Sans" panose="020B0606030504020204" pitchFamily="34" charset="0"/>
-                <a:cs typeface="Open Sans" panose="020B0606030504020204" pitchFamily="34" charset="0"/>
-              </a:rPr>
-              <a:t> грн = </a:t>
-            </a:r>
-            <a:r>
-              <a:rPr lang="en-US" sz="2800" b="1" dirty="0" smtClean="0">
-                <a:gradFill flip="none" rotWithShape="1">
-                  <a:gsLst>
-                    <a:gs pos="0">
-                      <a:schemeClr val="tx1"/>
-                    </a:gs>
-                    <a:gs pos="100000">
-                      <a:schemeClr val="tx1">
-                        <a:lumMod val="75000"/>
-                        <a:lumOff val="25000"/>
-                      </a:schemeClr>
-                    </a:gs>
-                  </a:gsLst>
-                  <a:lin ang="16200000" scaled="1"/>
-                  <a:tileRect/>
-                </a:gradFill>
-                <a:latin typeface="Segoe Print" panose="02000600000000000000" pitchFamily="2" charset="0"/>
-                <a:ea typeface="Open Sans" panose="020B0606030504020204" pitchFamily="34" charset="0"/>
-                <a:cs typeface="Open Sans" panose="020B0606030504020204" pitchFamily="34" charset="0"/>
-              </a:rPr>
-              <a:t>8</a:t>
-            </a:r>
-            <a:r>
-              <a:rPr lang="uk-UA" sz="2800" b="1" dirty="0" smtClean="0">
-                <a:gradFill flip="none" rotWithShape="1">
-                  <a:gsLst>
-                    <a:gs pos="0">
-                      <a:schemeClr val="tx1"/>
-                    </a:gs>
-                    <a:gs pos="100000">
-                      <a:schemeClr val="tx1">
-                        <a:lumMod val="75000"/>
-                        <a:lumOff val="25000"/>
-                      </a:schemeClr>
-                    </a:gs>
-                  </a:gsLst>
-                  <a:lin ang="16200000" scaled="1"/>
-                  <a:tileRect/>
-                </a:gradFill>
-                <a:latin typeface="Segoe Print" panose="02000600000000000000" pitchFamily="2" charset="0"/>
-                <a:ea typeface="Open Sans" panose="020B0606030504020204" pitchFamily="34" charset="0"/>
-                <a:cs typeface="Open Sans" panose="020B0606030504020204" pitchFamily="34" charset="0"/>
-              </a:rPr>
-              <a:t> </a:t>
-            </a:r>
-            <a:r>
-              <a:rPr lang="en-US" sz="2800" b="1" dirty="0" smtClean="0">
-                <a:gradFill flip="none" rotWithShape="1">
-                  <a:gsLst>
-                    <a:gs pos="0">
-                      <a:schemeClr val="tx1"/>
-                    </a:gs>
-                    <a:gs pos="100000">
-                      <a:schemeClr val="tx1">
-                        <a:lumMod val="75000"/>
-                        <a:lumOff val="25000"/>
-                      </a:schemeClr>
-                    </a:gs>
-                  </a:gsLst>
-                  <a:lin ang="16200000" scaled="1"/>
-                  <a:tileRect/>
-                </a:gradFill>
-                <a:latin typeface="Segoe Print" panose="02000600000000000000" pitchFamily="2" charset="0"/>
-                <a:ea typeface="Open Sans" panose="020B0606030504020204" pitchFamily="34" charset="0"/>
-                <a:cs typeface="Open Sans" panose="020B0606030504020204" pitchFamily="34" charset="0"/>
-              </a:rPr>
-              <a:t>485</a:t>
-            </a:r>
-            <a:r>
-              <a:rPr lang="uk-UA" sz="2800" b="1" dirty="0" smtClean="0">
-                <a:gradFill flip="none" rotWithShape="1">
-                  <a:gsLst>
-                    <a:gs pos="0">
-                      <a:schemeClr val="tx1"/>
-                    </a:gs>
-                    <a:gs pos="100000">
-                      <a:schemeClr val="tx1">
-                        <a:lumMod val="75000"/>
-                        <a:lumOff val="25000"/>
-                      </a:schemeClr>
-                    </a:gs>
-                  </a:gsLst>
-                  <a:lin ang="16200000" scaled="1"/>
-                  <a:tileRect/>
-                </a:gradFill>
-                <a:latin typeface="Segoe Print" panose="02000600000000000000" pitchFamily="2" charset="0"/>
-                <a:ea typeface="Open Sans" panose="020B0606030504020204" pitchFamily="34" charset="0"/>
-                <a:cs typeface="Open Sans" panose="020B0606030504020204" pitchFamily="34" charset="0"/>
-              </a:rPr>
-              <a:t> гривень мінімальний прибуток в місяць</a:t>
+              <a:t>гривень мінімальний прибуток в місяць</a:t>
             </a:r>
           </a:p>
         </p:txBody>
@@ -7921,7 +7921,7 @@
           <p:cNvPr id="2" name="TextBox 1">
             <a:extLst>
               <a:ext uri="{FF2B5EF4-FFF2-40B4-BE49-F238E27FC236}">
-                <a16:creationId xmlns="" xmlns:a16="http://schemas.microsoft.com/office/drawing/2014/main" id="{4E3BE0BB-2609-4B8A-A85C-9D0C80A652D2}"/>
+                <a16:creationId xmlns:a16="http://schemas.microsoft.com/office/drawing/2014/main" xmlns="" id="{4E3BE0BB-2609-4B8A-A85C-9D0C80A652D2}"/>
               </a:ext>
             </a:extLst>
           </p:cNvPr>
@@ -7973,7 +7973,7 @@
           <p:cNvPr id="3" name="TextBox 2">
             <a:extLst>
               <a:ext uri="{FF2B5EF4-FFF2-40B4-BE49-F238E27FC236}">
-                <a16:creationId xmlns="" xmlns:a16="http://schemas.microsoft.com/office/drawing/2014/main" id="{3D1AC5F4-0ED6-42FB-8F63-EE13C8BD417F}"/>
+                <a16:creationId xmlns:a16="http://schemas.microsoft.com/office/drawing/2014/main" xmlns="" id="{3D1AC5F4-0ED6-42FB-8F63-EE13C8BD417F}"/>
               </a:ext>
             </a:extLst>
           </p:cNvPr>
@@ -8159,7 +8159,7 @@
     </p:spTree>
     <p:extLst>
       <p:ext uri="{BB962C8B-B14F-4D97-AF65-F5344CB8AC3E}">
-        <p14:creationId xmlns="" xmlns:p14="http://schemas.microsoft.com/office/powerpoint/2010/main" val="2886211671"/>
+        <p14:creationId xmlns:p14="http://schemas.microsoft.com/office/powerpoint/2010/main" xmlns="" val="2886211671"/>
       </p:ext>
     </p:extLst>
   </p:cSld>
@@ -8435,7 +8435,7 @@
           <p:cNvPr id="3" name="TextBox 2">
             <a:extLst>
               <a:ext uri="{FF2B5EF4-FFF2-40B4-BE49-F238E27FC236}">
-                <a16:creationId xmlns="" xmlns:a16="http://schemas.microsoft.com/office/drawing/2014/main" id="{9237B415-7E2C-4C05-B110-9E240A8CB015}"/>
+                <a16:creationId xmlns:a16="http://schemas.microsoft.com/office/drawing/2014/main" xmlns="" id="{9237B415-7E2C-4C05-B110-9E240A8CB015}"/>
               </a:ext>
             </a:extLst>
           </p:cNvPr>
@@ -8511,7 +8511,7 @@
     </p:spTree>
     <p:extLst>
       <p:ext uri="{BB962C8B-B14F-4D97-AF65-F5344CB8AC3E}">
-        <p14:creationId xmlns="" xmlns:p14="http://schemas.microsoft.com/office/powerpoint/2010/main" val="3733678756"/>
+        <p14:creationId xmlns:p14="http://schemas.microsoft.com/office/powerpoint/2010/main" xmlns="" val="3733678756"/>
       </p:ext>
     </p:extLst>
   </p:cSld>
@@ -9003,7 +9003,7 @@
     </p:spTree>
     <p:extLst>
       <p:ext uri="{BB962C8B-B14F-4D97-AF65-F5344CB8AC3E}">
-        <p14:creationId xmlns="" xmlns:p14="http://schemas.microsoft.com/office/powerpoint/2010/main" val="204865308"/>
+        <p14:creationId xmlns:p14="http://schemas.microsoft.com/office/powerpoint/2010/main" xmlns="" val="204865308"/>
       </p:ext>
     </p:extLst>
   </p:cSld>
@@ -9524,7 +9524,7 @@
     </p:spTree>
     <p:extLst>
       <p:ext uri="{BB962C8B-B14F-4D97-AF65-F5344CB8AC3E}">
-        <p14:creationId xmlns="" xmlns:p14="http://schemas.microsoft.com/office/powerpoint/2010/main" val="3345881076"/>
+        <p14:creationId xmlns:p14="http://schemas.microsoft.com/office/powerpoint/2010/main" xmlns="" val="3345881076"/>
       </p:ext>
     </p:extLst>
   </p:cSld>
@@ -10012,7 +10012,7 @@
     </p:spTree>
     <p:extLst>
       <p:ext uri="{BB962C8B-B14F-4D97-AF65-F5344CB8AC3E}">
-        <p14:creationId xmlns="" xmlns:p14="http://schemas.microsoft.com/office/powerpoint/2010/main" val="3182662516"/>
+        <p14:creationId xmlns:p14="http://schemas.microsoft.com/office/powerpoint/2010/main" xmlns="" val="3182662516"/>
       </p:ext>
     </p:extLst>
   </p:cSld>
@@ -11022,7 +11022,7 @@
     </p:spTree>
     <p:extLst>
       <p:ext uri="{BB962C8B-B14F-4D97-AF65-F5344CB8AC3E}">
-        <p14:creationId xmlns="" xmlns:p14="http://schemas.microsoft.com/office/powerpoint/2010/main" val="1368415126"/>
+        <p14:creationId xmlns:p14="http://schemas.microsoft.com/office/powerpoint/2010/main" xmlns="" val="1368415126"/>
       </p:ext>
     </p:extLst>
   </p:cSld>
@@ -11263,7 +11263,7 @@
           <p:cNvPr id="4" name="TextBox 3">
             <a:extLst>
               <a:ext uri="{FF2B5EF4-FFF2-40B4-BE49-F238E27FC236}">
-                <a16:creationId xmlns="" xmlns:a16="http://schemas.microsoft.com/office/drawing/2014/main" id="{92F18041-3C0B-4EAF-876A-625657F421FF}"/>
+                <a16:creationId xmlns:a16="http://schemas.microsoft.com/office/drawing/2014/main" xmlns="" id="{92F18041-3C0B-4EAF-876A-625657F421FF}"/>
               </a:ext>
             </a:extLst>
           </p:cNvPr>
@@ -11576,7 +11576,7 @@
     </p:spTree>
     <p:extLst>
       <p:ext uri="{BB962C8B-B14F-4D97-AF65-F5344CB8AC3E}">
-        <p14:creationId xmlns="" xmlns:p14="http://schemas.microsoft.com/office/powerpoint/2010/main" val="2924096935"/>
+        <p14:creationId xmlns:p14="http://schemas.microsoft.com/office/powerpoint/2010/main" xmlns="" val="2924096935"/>
       </p:ext>
     </p:extLst>
   </p:cSld>
@@ -12179,7 +12179,7 @@
           <p:cNvPr id="4" name="Picture 2" descr="Подарункові сертифікати на салони краси в Києві | DONUM">
             <a:extLst>
               <a:ext uri="{FF2B5EF4-FFF2-40B4-BE49-F238E27FC236}">
-                <a16:creationId xmlns="" xmlns:a16="http://schemas.microsoft.com/office/drawing/2014/main" id="{EFC429FE-20CA-45DF-8E8B-BF6535D2BAE3}"/>
+                <a16:creationId xmlns:a16="http://schemas.microsoft.com/office/drawing/2014/main" xmlns="" id="{EFC429FE-20CA-45DF-8E8B-BF6535D2BAE3}"/>
               </a:ext>
             </a:extLst>
           </p:cNvPr>
@@ -12192,7 +12192,7 @@
           <a:blip r:embed="rId2" cstate="print">
             <a:extLst>
               <a:ext uri="{28A0092B-C50C-407E-A947-70E740481C1C}">
-                <a14:useLocalDpi xmlns="" xmlns:a14="http://schemas.microsoft.com/office/drawing/2010/main" val="0"/>
+                <a14:useLocalDpi xmlns:a14="http://schemas.microsoft.com/office/drawing/2010/main" xmlns="" val="0"/>
               </a:ext>
             </a:extLst>
           </a:blip>
@@ -12221,7 +12221,7 @@
           </a:effectLst>
           <a:extLst>
             <a:ext uri="{909E8E84-426E-40DD-AFC4-6F175D3DCCD1}">
-              <a14:hiddenFill xmlns="" xmlns:a14="http://schemas.microsoft.com/office/drawing/2010/main">
+              <a14:hiddenFill xmlns:a14="http://schemas.microsoft.com/office/drawing/2010/main" xmlns="">
                 <a:solidFill>
                   <a:srgbClr val="FFFFFF"/>
                 </a:solidFill>
@@ -12233,7 +12233,7 @@
     </p:spTree>
     <p:extLst>
       <p:ext uri="{BB962C8B-B14F-4D97-AF65-F5344CB8AC3E}">
-        <p14:creationId xmlns="" xmlns:p14="http://schemas.microsoft.com/office/powerpoint/2010/main" val="2902322015"/>
+        <p14:creationId xmlns:p14="http://schemas.microsoft.com/office/powerpoint/2010/main" xmlns="" val="2902322015"/>
       </p:ext>
     </p:extLst>
   </p:cSld>
@@ -12478,7 +12478,7 @@
           <p:nvPr>
             <p:extLst>
               <p:ext uri="{D42A27DB-BD31-4B8C-83A1-F6EECF244321}">
-                <p14:modId xmlns="" xmlns:p14="http://schemas.microsoft.com/office/powerpoint/2010/main" val="2058177614"/>
+                <p14:modId xmlns:p14="http://schemas.microsoft.com/office/powerpoint/2010/main" xmlns="" val="2058177614"/>
               </p:ext>
             </p:extLst>
           </p:nvPr>
@@ -12504,14 +12504,14 @@
                 <a:gridCol w="6051000">
                   <a:extLst>
                     <a:ext uri="{9D8B030D-6E8A-4147-A177-3AD203B41FA5}">
-                      <a16:colId xmlns="" xmlns:a16="http://schemas.microsoft.com/office/drawing/2014/main" val="20000"/>
+                      <a16:colId xmlns:a16="http://schemas.microsoft.com/office/drawing/2014/main" xmlns="" val="20000"/>
                     </a:ext>
                   </a:extLst>
                 </a:gridCol>
                 <a:gridCol w="2225040">
                   <a:extLst>
                     <a:ext uri="{9D8B030D-6E8A-4147-A177-3AD203B41FA5}">
-                      <a16:colId xmlns="" xmlns:a16="http://schemas.microsoft.com/office/drawing/2014/main" val="20001"/>
+                      <a16:colId xmlns:a16="http://schemas.microsoft.com/office/drawing/2014/main" xmlns="" val="20001"/>
                     </a:ext>
                   </a:extLst>
                 </a:gridCol>
@@ -12669,7 +12669,7 @@
                 </a:tc>
                 <a:extLst>
                   <a:ext uri="{0D108BD9-81ED-4DB2-BD59-A6C34878D82A}">
-                    <a16:rowId xmlns="" xmlns:a16="http://schemas.microsoft.com/office/drawing/2014/main" val="10000"/>
+                    <a16:rowId xmlns:a16="http://schemas.microsoft.com/office/drawing/2014/main" xmlns="" val="10000"/>
                   </a:ext>
                 </a:extLst>
               </a:tr>
@@ -12819,7 +12819,7 @@
                 </a:tc>
                 <a:extLst>
                   <a:ext uri="{0D108BD9-81ED-4DB2-BD59-A6C34878D82A}">
-                    <a16:rowId xmlns="" xmlns:a16="http://schemas.microsoft.com/office/drawing/2014/main" val="10001"/>
+                    <a16:rowId xmlns:a16="http://schemas.microsoft.com/office/drawing/2014/main" xmlns="" val="10001"/>
                   </a:ext>
                 </a:extLst>
               </a:tr>
@@ -12967,7 +12967,7 @@
                 </a:tc>
                 <a:extLst>
                   <a:ext uri="{0D108BD9-81ED-4DB2-BD59-A6C34878D82A}">
-                    <a16:rowId xmlns="" xmlns:a16="http://schemas.microsoft.com/office/drawing/2014/main" val="10002"/>
+                    <a16:rowId xmlns:a16="http://schemas.microsoft.com/office/drawing/2014/main" xmlns="" val="10002"/>
                   </a:ext>
                 </a:extLst>
               </a:tr>
@@ -13102,7 +13102,7 @@
                 </a:tc>
                 <a:extLst>
                   <a:ext uri="{0D108BD9-81ED-4DB2-BD59-A6C34878D82A}">
-                    <a16:rowId xmlns="" xmlns:a16="http://schemas.microsoft.com/office/drawing/2014/main" val="10004"/>
+                    <a16:rowId xmlns:a16="http://schemas.microsoft.com/office/drawing/2014/main" xmlns="" val="10004"/>
                   </a:ext>
                 </a:extLst>
               </a:tr>
@@ -13350,7 +13350,7 @@
                 </a:tc>
                 <a:extLst>
                   <a:ext uri="{0D108BD9-81ED-4DB2-BD59-A6C34878D82A}">
-                    <a16:rowId xmlns="" xmlns:a16="http://schemas.microsoft.com/office/drawing/2014/main" val="10006"/>
+                    <a16:rowId xmlns:a16="http://schemas.microsoft.com/office/drawing/2014/main" xmlns="" val="10006"/>
                   </a:ext>
                 </a:extLst>
               </a:tr>
@@ -13443,7 +13443,7 @@
     </p:spTree>
     <p:extLst>
       <p:ext uri="{BB962C8B-B14F-4D97-AF65-F5344CB8AC3E}">
-        <p14:creationId xmlns="" xmlns:p14="http://schemas.microsoft.com/office/powerpoint/2010/main" val="3371949997"/>
+        <p14:creationId xmlns:p14="http://schemas.microsoft.com/office/powerpoint/2010/main" xmlns="" val="3371949997"/>
       </p:ext>
     </p:extLst>
   </p:cSld>
@@ -13717,7 +13717,7 @@
           <p:nvPr>
             <p:extLst>
               <p:ext uri="{D42A27DB-BD31-4B8C-83A1-F6EECF244321}">
-                <p14:modId xmlns="" xmlns:p14="http://schemas.microsoft.com/office/powerpoint/2010/main" val="3684284401"/>
+                <p14:modId xmlns:p14="http://schemas.microsoft.com/office/powerpoint/2010/main" xmlns="" val="3684284401"/>
               </p:ext>
             </p:extLst>
           </p:nvPr>
@@ -13743,14 +13743,14 @@
                 <a:gridCol w="5850780">
                   <a:extLst>
                     <a:ext uri="{9D8B030D-6E8A-4147-A177-3AD203B41FA5}">
-                      <a16:colId xmlns="" xmlns:a16="http://schemas.microsoft.com/office/drawing/2014/main" val="20000"/>
+                      <a16:colId xmlns:a16="http://schemas.microsoft.com/office/drawing/2014/main" xmlns="" val="20000"/>
                     </a:ext>
                   </a:extLst>
                 </a:gridCol>
                 <a:gridCol w="2302620">
                   <a:extLst>
                     <a:ext uri="{9D8B030D-6E8A-4147-A177-3AD203B41FA5}">
-                      <a16:colId xmlns="" xmlns:a16="http://schemas.microsoft.com/office/drawing/2014/main" val="20003"/>
+                      <a16:colId xmlns:a16="http://schemas.microsoft.com/office/drawing/2014/main" xmlns="" val="20003"/>
                     </a:ext>
                   </a:extLst>
                 </a:gridCol>
@@ -13832,7 +13832,7 @@
                 </a:tc>
                 <a:extLst>
                   <a:ext uri="{0D108BD9-81ED-4DB2-BD59-A6C34878D82A}">
-                    <a16:rowId xmlns="" xmlns:a16="http://schemas.microsoft.com/office/drawing/2014/main" val="10000"/>
+                    <a16:rowId xmlns:a16="http://schemas.microsoft.com/office/drawing/2014/main" xmlns="" val="10000"/>
                   </a:ext>
                 </a:extLst>
               </a:tr>
@@ -13906,7 +13906,7 @@
                 </a:tc>
                 <a:extLst>
                   <a:ext uri="{0D108BD9-81ED-4DB2-BD59-A6C34878D82A}">
-                    <a16:rowId xmlns="" xmlns:a16="http://schemas.microsoft.com/office/drawing/2014/main" val="10001"/>
+                    <a16:rowId xmlns:a16="http://schemas.microsoft.com/office/drawing/2014/main" xmlns="" val="10001"/>
                   </a:ext>
                 </a:extLst>
               </a:tr>
@@ -13965,7 +13965,7 @@
                 </a:tc>
                 <a:extLst>
                   <a:ext uri="{0D108BD9-81ED-4DB2-BD59-A6C34878D82A}">
-                    <a16:rowId xmlns="" xmlns:a16="http://schemas.microsoft.com/office/drawing/2014/main" val="10006"/>
+                    <a16:rowId xmlns:a16="http://schemas.microsoft.com/office/drawing/2014/main" xmlns="" val="10006"/>
                   </a:ext>
                 </a:extLst>
               </a:tr>
@@ -14083,16 +14083,7 @@
                           <a:ea typeface="Tahoma" panose="020B0604030504040204" pitchFamily="34" charset="0"/>
                           <a:cs typeface="Tahoma" panose="020B0604030504040204" pitchFamily="34" charset="0"/>
                         </a:rPr>
-                        <a:t>0 </a:t>
-                      </a:r>
-                      <a:r>
-                        <a:rPr lang="uk-UA" sz="2400" b="0" noProof="0" dirty="0" smtClean="0">
-                          <a:effectLst/>
-                          <a:latin typeface="Segoe Print" panose="02000600000000000000" pitchFamily="2" charset="0"/>
-                          <a:ea typeface="Tahoma" panose="020B0604030504040204" pitchFamily="34" charset="0"/>
-                          <a:cs typeface="Tahoma" panose="020B0604030504040204" pitchFamily="34" charset="0"/>
-                        </a:rPr>
-                        <a:t>грн</a:t>
+                        <a:t>0 грн</a:t>
                       </a:r>
                       <a:endParaRPr lang="uk-UA" sz="2400" b="0" noProof="0" dirty="0">
                         <a:latin typeface="Segoe Print" panose="02000600000000000000" pitchFamily="2" charset="0"/>
@@ -14164,16 +14155,7 @@
                           <a:ea typeface="Tahoma" panose="020B0604030504040204" pitchFamily="34" charset="0"/>
                           <a:cs typeface="Tahoma" panose="020B0604030504040204" pitchFamily="34" charset="0"/>
                         </a:rPr>
-                        <a:t>0 </a:t>
-                      </a:r>
-                      <a:r>
-                        <a:rPr lang="uk-UA" sz="2400" b="0" noProof="0" dirty="0" smtClean="0">
-                          <a:effectLst/>
-                          <a:latin typeface="Segoe Print" panose="02000600000000000000" pitchFamily="2" charset="0"/>
-                          <a:ea typeface="Tahoma" panose="020B0604030504040204" pitchFamily="34" charset="0"/>
-                          <a:cs typeface="Tahoma" panose="020B0604030504040204" pitchFamily="34" charset="0"/>
-                        </a:rPr>
-                        <a:t>грн</a:t>
+                        <a:t>0 грн</a:t>
                       </a:r>
                       <a:endParaRPr lang="uk-UA" sz="2400" b="0" noProof="0" dirty="0">
                         <a:latin typeface="Segoe Print" panose="02000600000000000000" pitchFamily="2" charset="0"/>
@@ -14471,7 +14453,7 @@
           <p:nvPr>
             <p:extLst>
               <p:ext uri="{D42A27DB-BD31-4B8C-83A1-F6EECF244321}">
-                <p14:modId xmlns="" xmlns:p14="http://schemas.microsoft.com/office/powerpoint/2010/main" val="3684284401"/>
+                <p14:modId xmlns:p14="http://schemas.microsoft.com/office/powerpoint/2010/main" xmlns="" val="3684284401"/>
               </p:ext>
             </p:extLst>
           </p:nvPr>
@@ -14497,28 +14479,28 @@
                 <a:gridCol w="4591124">
                   <a:extLst>
                     <a:ext uri="{9D8B030D-6E8A-4147-A177-3AD203B41FA5}">
-                      <a16:colId xmlns="" xmlns:a16="http://schemas.microsoft.com/office/drawing/2014/main" val="20000"/>
+                      <a16:colId xmlns:a16="http://schemas.microsoft.com/office/drawing/2014/main" xmlns="" val="20000"/>
                     </a:ext>
                   </a:extLst>
                 </a:gridCol>
                 <a:gridCol w="2035277">
                   <a:extLst>
                     <a:ext uri="{9D8B030D-6E8A-4147-A177-3AD203B41FA5}">
-                      <a16:colId xmlns="" xmlns:a16="http://schemas.microsoft.com/office/drawing/2014/main" val="20001"/>
+                      <a16:colId xmlns:a16="http://schemas.microsoft.com/office/drawing/2014/main" xmlns="" val="20001"/>
                     </a:ext>
                   </a:extLst>
                 </a:gridCol>
                 <a:gridCol w="1519084">
                   <a:extLst>
                     <a:ext uri="{9D8B030D-6E8A-4147-A177-3AD203B41FA5}">
-                      <a16:colId xmlns="" xmlns:a16="http://schemas.microsoft.com/office/drawing/2014/main" val="20002"/>
+                      <a16:colId xmlns:a16="http://schemas.microsoft.com/office/drawing/2014/main" xmlns="" val="20002"/>
                     </a:ext>
                   </a:extLst>
                 </a:gridCol>
                 <a:gridCol w="1754515">
                   <a:extLst>
                     <a:ext uri="{9D8B030D-6E8A-4147-A177-3AD203B41FA5}">
-                      <a16:colId xmlns="" xmlns:a16="http://schemas.microsoft.com/office/drawing/2014/main" val="20003"/>
+                      <a16:colId xmlns:a16="http://schemas.microsoft.com/office/drawing/2014/main" xmlns="" val="20003"/>
                     </a:ext>
                   </a:extLst>
                 </a:gridCol>
@@ -14656,7 +14638,7 @@
                 </a:tc>
                 <a:extLst>
                   <a:ext uri="{0D108BD9-81ED-4DB2-BD59-A6C34878D82A}">
-                    <a16:rowId xmlns="" xmlns:a16="http://schemas.microsoft.com/office/drawing/2014/main" val="10000"/>
+                    <a16:rowId xmlns:a16="http://schemas.microsoft.com/office/drawing/2014/main" xmlns="" val="10000"/>
                   </a:ext>
                 </a:extLst>
               </a:tr>
@@ -14790,7 +14772,7 @@
                 </a:tc>
                 <a:extLst>
                   <a:ext uri="{0D108BD9-81ED-4DB2-BD59-A6C34878D82A}">
-                    <a16:rowId xmlns="" xmlns:a16="http://schemas.microsoft.com/office/drawing/2014/main" val="10001"/>
+                    <a16:rowId xmlns:a16="http://schemas.microsoft.com/office/drawing/2014/main" xmlns="" val="10001"/>
                   </a:ext>
                 </a:extLst>
               </a:tr>
@@ -15313,7 +15295,7 @@
                 </a:tc>
                 <a:extLst>
                   <a:ext uri="{0D108BD9-81ED-4DB2-BD59-A6C34878D82A}">
-                    <a16:rowId xmlns="" xmlns:a16="http://schemas.microsoft.com/office/drawing/2014/main" val="10002"/>
+                    <a16:rowId xmlns:a16="http://schemas.microsoft.com/office/drawing/2014/main" xmlns="" val="10002"/>
                   </a:ext>
                 </a:extLst>
               </a:tr>
@@ -15448,7 +15430,7 @@
                 </a:tc>
                 <a:extLst>
                   <a:ext uri="{0D108BD9-81ED-4DB2-BD59-A6C34878D82A}">
-                    <a16:rowId xmlns="" xmlns:a16="http://schemas.microsoft.com/office/drawing/2014/main" val="10004"/>
+                    <a16:rowId xmlns:a16="http://schemas.microsoft.com/office/drawing/2014/main" xmlns="" val="10004"/>
                   </a:ext>
                 </a:extLst>
               </a:tr>
@@ -15558,7 +15540,7 @@
                 </a:tc>
                 <a:extLst>
                   <a:ext uri="{0D108BD9-81ED-4DB2-BD59-A6C34878D82A}">
-                    <a16:rowId xmlns="" xmlns:a16="http://schemas.microsoft.com/office/drawing/2014/main" val="10005"/>
+                    <a16:rowId xmlns:a16="http://schemas.microsoft.com/office/drawing/2014/main" xmlns="" val="10005"/>
                   </a:ext>
                 </a:extLst>
               </a:tr>
@@ -15664,7 +15646,7 @@
                 </a:tc>
                 <a:extLst>
                   <a:ext uri="{0D108BD9-81ED-4DB2-BD59-A6C34878D82A}">
-                    <a16:rowId xmlns="" xmlns:a16="http://schemas.microsoft.com/office/drawing/2014/main" val="10006"/>
+                    <a16:rowId xmlns:a16="http://schemas.microsoft.com/office/drawing/2014/main" xmlns="" val="10006"/>
                   </a:ext>
                 </a:extLst>
               </a:tr>
@@ -15774,7 +15756,7 @@
                 </a:tc>
                 <a:extLst>
                   <a:ext uri="{0D108BD9-81ED-4DB2-BD59-A6C34878D82A}">
-                    <a16:rowId xmlns="" xmlns:a16="http://schemas.microsoft.com/office/drawing/2014/main" val="10007"/>
+                    <a16:rowId xmlns:a16="http://schemas.microsoft.com/office/drawing/2014/main" xmlns="" val="10007"/>
                   </a:ext>
                 </a:extLst>
               </a:tr>
@@ -16174,7 +16156,7 @@
                 </a:tc>
                 <a:extLst>
                   <a:ext uri="{0D108BD9-81ED-4DB2-BD59-A6C34878D82A}">
-                    <a16:rowId xmlns="" xmlns:a16="http://schemas.microsoft.com/office/drawing/2014/main" val="10008"/>
+                    <a16:rowId xmlns:a16="http://schemas.microsoft.com/office/drawing/2014/main" xmlns="" val="10008"/>
                   </a:ext>
                 </a:extLst>
               </a:tr>
@@ -16397,7 +16379,7 @@
           <p:nvPr>
             <p:extLst>
               <p:ext uri="{D42A27DB-BD31-4B8C-83A1-F6EECF244321}">
-                <p14:modId xmlns="" xmlns:p14="http://schemas.microsoft.com/office/powerpoint/2010/main" val="3684284401"/>
+                <p14:modId xmlns:p14="http://schemas.microsoft.com/office/powerpoint/2010/main" xmlns="" val="3684284401"/>
               </p:ext>
             </p:extLst>
           </p:nvPr>
@@ -16423,28 +16405,28 @@
                 <a:gridCol w="3600000">
                   <a:extLst>
                     <a:ext uri="{9D8B030D-6E8A-4147-A177-3AD203B41FA5}">
-                      <a16:colId xmlns="" xmlns:a16="http://schemas.microsoft.com/office/drawing/2014/main" val="20000"/>
+                      <a16:colId xmlns:a16="http://schemas.microsoft.com/office/drawing/2014/main" xmlns="" val="20000"/>
                     </a:ext>
                   </a:extLst>
                 </a:gridCol>
                 <a:gridCol w="2340000">
                   <a:extLst>
                     <a:ext uri="{9D8B030D-6E8A-4147-A177-3AD203B41FA5}">
-                      <a16:colId xmlns="" xmlns:a16="http://schemas.microsoft.com/office/drawing/2014/main" val="20001"/>
+                      <a16:colId xmlns:a16="http://schemas.microsoft.com/office/drawing/2014/main" xmlns="" val="20001"/>
                     </a:ext>
                   </a:extLst>
                 </a:gridCol>
                 <a:gridCol w="1980000">
                   <a:extLst>
                     <a:ext uri="{9D8B030D-6E8A-4147-A177-3AD203B41FA5}">
-                      <a16:colId xmlns="" xmlns:a16="http://schemas.microsoft.com/office/drawing/2014/main" val="20002"/>
+                      <a16:colId xmlns:a16="http://schemas.microsoft.com/office/drawing/2014/main" xmlns="" val="20002"/>
                     </a:ext>
                   </a:extLst>
                 </a:gridCol>
                 <a:gridCol w="1980000">
                   <a:extLst>
                     <a:ext uri="{9D8B030D-6E8A-4147-A177-3AD203B41FA5}">
-                      <a16:colId xmlns="" xmlns:a16="http://schemas.microsoft.com/office/drawing/2014/main" val="20003"/>
+                      <a16:colId xmlns:a16="http://schemas.microsoft.com/office/drawing/2014/main" xmlns="" val="20003"/>
                     </a:ext>
                   </a:extLst>
                 </a:gridCol>
@@ -16579,7 +16561,7 @@
                 </a:tc>
                 <a:extLst>
                   <a:ext uri="{0D108BD9-81ED-4DB2-BD59-A6C34878D82A}">
-                    <a16:rowId xmlns="" xmlns:a16="http://schemas.microsoft.com/office/drawing/2014/main" val="10000"/>
+                    <a16:rowId xmlns:a16="http://schemas.microsoft.com/office/drawing/2014/main" xmlns="" val="10000"/>
                   </a:ext>
                 </a:extLst>
               </a:tr>
@@ -16753,7 +16735,7 @@
                 </a:tc>
                 <a:extLst>
                   <a:ext uri="{0D108BD9-81ED-4DB2-BD59-A6C34878D82A}">
-                    <a16:rowId xmlns="" xmlns:a16="http://schemas.microsoft.com/office/drawing/2014/main" val="10002"/>
+                    <a16:rowId xmlns:a16="http://schemas.microsoft.com/office/drawing/2014/main" xmlns="" val="10002"/>
                   </a:ext>
                 </a:extLst>
               </a:tr>
@@ -16929,7 +16911,7 @@
                 </a:tc>
                 <a:extLst>
                   <a:ext uri="{0D108BD9-81ED-4DB2-BD59-A6C34878D82A}">
-                    <a16:rowId xmlns="" xmlns:a16="http://schemas.microsoft.com/office/drawing/2014/main" val="10004"/>
+                    <a16:rowId xmlns:a16="http://schemas.microsoft.com/office/drawing/2014/main" xmlns="" val="10004"/>
                   </a:ext>
                 </a:extLst>
               </a:tr>
@@ -17062,7 +17044,7 @@
                 </a:tc>
                 <a:extLst>
                   <a:ext uri="{0D108BD9-81ED-4DB2-BD59-A6C34878D82A}">
-                    <a16:rowId xmlns="" xmlns:a16="http://schemas.microsoft.com/office/drawing/2014/main" val="10005"/>
+                    <a16:rowId xmlns:a16="http://schemas.microsoft.com/office/drawing/2014/main" xmlns="" val="10005"/>
                   </a:ext>
                 </a:extLst>
               </a:tr>
@@ -17171,7 +17153,7 @@
                 </a:tc>
                 <a:extLst>
                   <a:ext uri="{0D108BD9-81ED-4DB2-BD59-A6C34878D82A}">
-                    <a16:rowId xmlns="" xmlns:a16="http://schemas.microsoft.com/office/drawing/2014/main" val="10006"/>
+                    <a16:rowId xmlns:a16="http://schemas.microsoft.com/office/drawing/2014/main" xmlns="" val="10006"/>
                   </a:ext>
                 </a:extLst>
               </a:tr>
@@ -17292,7 +17274,7 @@
                 </a:tc>
                 <a:extLst>
                   <a:ext uri="{0D108BD9-81ED-4DB2-BD59-A6C34878D82A}">
-                    <a16:rowId xmlns="" xmlns:a16="http://schemas.microsoft.com/office/drawing/2014/main" val="10007"/>
+                    <a16:rowId xmlns:a16="http://schemas.microsoft.com/office/drawing/2014/main" xmlns="" val="10007"/>
                   </a:ext>
                 </a:extLst>
               </a:tr>
@@ -17519,7 +17501,7 @@
                 </a:tc>
                 <a:extLst>
                   <a:ext uri="{0D108BD9-81ED-4DB2-BD59-A6C34878D82A}">
-                    <a16:rowId xmlns="" xmlns:a16="http://schemas.microsoft.com/office/drawing/2014/main" val="10008"/>
+                    <a16:rowId xmlns:a16="http://schemas.microsoft.com/office/drawing/2014/main" xmlns="" val="10008"/>
                   </a:ext>
                 </a:extLst>
               </a:tr>
@@ -17530,7 +17512,7 @@
     </p:spTree>
     <p:extLst>
       <p:ext uri="{BB962C8B-B14F-4D97-AF65-F5344CB8AC3E}">
-        <p14:creationId xmlns="" xmlns:p14="http://schemas.microsoft.com/office/powerpoint/2010/main" val="2952426389"/>
+        <p14:creationId xmlns:p14="http://schemas.microsoft.com/office/powerpoint/2010/main" xmlns="" val="2952426389"/>
       </p:ext>
     </p:extLst>
   </p:cSld>
@@ -17922,7 +17904,7 @@
   <a:extraClrSchemeLst/>
   <a:extLst>
     <a:ext uri="{05A4C25C-085E-4340-85A3-A5531E510DB2}">
-      <thm15:themeFamily xmlns="" xmlns:thm15="http://schemas.microsoft.com/office/thememl/2012/main" name="Office Theme" id="{62F939B6-93AF-4DB8-9C6B-D6C7DFDC589F}" vid="{4A3C46E8-61CC-4603-A589-7422A47A8E4A}"/>
+      <thm15:themeFamily xmlns:thm15="http://schemas.microsoft.com/office/thememl/2012/main" xmlns="" name="Office Theme" id="{62F939B6-93AF-4DB8-9C6B-D6C7DFDC589F}" vid="{4A3C46E8-61CC-4603-A589-7422A47A8E4A}"/>
     </a:ext>
   </a:extLst>
 </a:theme>
@@ -18183,7 +18165,7 @@
   <a:extraClrSchemeLst/>
   <a:extLst>
     <a:ext uri="{05A4C25C-085E-4340-85A3-A5531E510DB2}">
-      <thm15:themeFamily xmlns="" xmlns:thm15="http://schemas.microsoft.com/office/thememl/2012/main" name="Office Theme" id="{62F939B6-93AF-4DB8-9C6B-D6C7DFDC589F}" vid="{4A3C46E8-61CC-4603-A589-7422A47A8E4A}"/>
+      <thm15:themeFamily xmlns:thm15="http://schemas.microsoft.com/office/thememl/2012/main" xmlns="" name="Office Theme" id="{62F939B6-93AF-4DB8-9C6B-D6C7DFDC589F}" vid="{4A3C46E8-61CC-4603-A589-7422A47A8E4A}"/>
     </a:ext>
   </a:extLst>
 </a:theme>

--- a/diplomna.pptx
+++ b/diplomna.pptx
@@ -156,7 +156,7 @@
   </p:defaultTextStyle>
   <p:extLst>
     <p:ext uri="{EFAFB233-063F-42B5-8137-9DF3F51BA10A}">
-      <p15:sldGuideLst xmlns:p15="http://schemas.microsoft.com/office/powerpoint/2012/main" xmlns=""/>
+      <p15:sldGuideLst xmlns="" xmlns:p15="http://schemas.microsoft.com/office/powerpoint/2012/main"/>
     </p:ext>
   </p:extLst>
 </p:presentation>
@@ -245,7 +245,7 @@
             <a:fld id="{34ECBCA9-90F6-4EB5-BA36-98AE7DDCEFD0}" type="datetimeFigureOut">
               <a:rPr lang="ru-RU" smtClean="0"/>
               <a:pPr/>
-              <a:t>18.06.2021</a:t>
+              <a:t>25.06.2021</a:t>
             </a:fld>
             <a:endParaRPr lang="ru-RU" dirty="0"/>
           </a:p>
@@ -413,7 +413,7 @@
     </p:spTree>
     <p:extLst>
       <p:ext uri="{BB962C8B-B14F-4D97-AF65-F5344CB8AC3E}">
-        <p14:creationId xmlns:p14="http://schemas.microsoft.com/office/powerpoint/2010/main" xmlns="" val="571422458"/>
+        <p14:creationId xmlns="" xmlns:p14="http://schemas.microsoft.com/office/powerpoint/2010/main" val="571422458"/>
       </p:ext>
     </p:extLst>
   </p:cSld>
@@ -588,7 +588,7 @@
     </p:spTree>
     <p:extLst>
       <p:ext uri="{BB962C8B-B14F-4D97-AF65-F5344CB8AC3E}">
-        <p14:creationId xmlns:p14="http://schemas.microsoft.com/office/powerpoint/2010/main" xmlns="" val="4232312718"/>
+        <p14:creationId xmlns="" xmlns:p14="http://schemas.microsoft.com/office/powerpoint/2010/main" val="4232312718"/>
       </p:ext>
     </p:extLst>
   </p:cSld>
@@ -728,7 +728,7 @@
             <a:fld id="{EF786B2F-4D74-4715-9B36-473B5F938BB9}" type="datetimeFigureOut">
               <a:rPr lang="ru-RU" smtClean="0"/>
               <a:pPr/>
-              <a:t>18.06.2021</a:t>
+              <a:t>25.06.2021</a:t>
             </a:fld>
             <a:endParaRPr lang="ru-RU" dirty="0"/>
           </a:p>
@@ -780,7 +780,7 @@
     </p:spTree>
     <p:extLst>
       <p:ext uri="{BB962C8B-B14F-4D97-AF65-F5344CB8AC3E}">
-        <p14:creationId xmlns:p14="http://schemas.microsoft.com/office/powerpoint/2010/main" xmlns="" val="691810472"/>
+        <p14:creationId xmlns="" xmlns:p14="http://schemas.microsoft.com/office/powerpoint/2010/main" val="691810472"/>
       </p:ext>
     </p:extLst>
   </p:cSld>
@@ -898,7 +898,7 @@
             <a:fld id="{EF786B2F-4D74-4715-9B36-473B5F938BB9}" type="datetimeFigureOut">
               <a:rPr lang="ru-RU" smtClean="0"/>
               <a:pPr/>
-              <a:t>18.06.2021</a:t>
+              <a:t>25.06.2021</a:t>
             </a:fld>
             <a:endParaRPr lang="ru-RU" dirty="0"/>
           </a:p>
@@ -950,7 +950,7 @@
     </p:spTree>
     <p:extLst>
       <p:ext uri="{BB962C8B-B14F-4D97-AF65-F5344CB8AC3E}">
-        <p14:creationId xmlns:p14="http://schemas.microsoft.com/office/powerpoint/2010/main" xmlns="" val="1355819167"/>
+        <p14:creationId xmlns="" xmlns:p14="http://schemas.microsoft.com/office/powerpoint/2010/main" val="1355819167"/>
       </p:ext>
     </p:extLst>
   </p:cSld>
@@ -1078,7 +1078,7 @@
             <a:fld id="{EF786B2F-4D74-4715-9B36-473B5F938BB9}" type="datetimeFigureOut">
               <a:rPr lang="ru-RU" smtClean="0"/>
               <a:pPr/>
-              <a:t>18.06.2021</a:t>
+              <a:t>25.06.2021</a:t>
             </a:fld>
             <a:endParaRPr lang="ru-RU" dirty="0"/>
           </a:p>
@@ -1130,7 +1130,7 @@
     </p:spTree>
     <p:extLst>
       <p:ext uri="{BB962C8B-B14F-4D97-AF65-F5344CB8AC3E}">
-        <p14:creationId xmlns:p14="http://schemas.microsoft.com/office/powerpoint/2010/main" xmlns="" val="25386468"/>
+        <p14:creationId xmlns="" xmlns:p14="http://schemas.microsoft.com/office/powerpoint/2010/main" val="25386468"/>
       </p:ext>
     </p:extLst>
   </p:cSld>
@@ -1248,7 +1248,7 @@
             <a:fld id="{EF786B2F-4D74-4715-9B36-473B5F938BB9}" type="datetimeFigureOut">
               <a:rPr lang="ru-RU" smtClean="0"/>
               <a:pPr/>
-              <a:t>18.06.2021</a:t>
+              <a:t>25.06.2021</a:t>
             </a:fld>
             <a:endParaRPr lang="ru-RU" dirty="0"/>
           </a:p>
@@ -1300,7 +1300,7 @@
     </p:spTree>
     <p:extLst>
       <p:ext uri="{BB962C8B-B14F-4D97-AF65-F5344CB8AC3E}">
-        <p14:creationId xmlns:p14="http://schemas.microsoft.com/office/powerpoint/2010/main" xmlns="" val="4103092837"/>
+        <p14:creationId xmlns="" xmlns:p14="http://schemas.microsoft.com/office/powerpoint/2010/main" val="4103092837"/>
       </p:ext>
     </p:extLst>
   </p:cSld>
@@ -1495,7 +1495,7 @@
             <a:fld id="{EF786B2F-4D74-4715-9B36-473B5F938BB9}" type="datetimeFigureOut">
               <a:rPr lang="ru-RU" smtClean="0"/>
               <a:pPr/>
-              <a:t>18.06.2021</a:t>
+              <a:t>25.06.2021</a:t>
             </a:fld>
             <a:endParaRPr lang="ru-RU" dirty="0"/>
           </a:p>
@@ -1547,7 +1547,7 @@
     </p:spTree>
     <p:extLst>
       <p:ext uri="{BB962C8B-B14F-4D97-AF65-F5344CB8AC3E}">
-        <p14:creationId xmlns:p14="http://schemas.microsoft.com/office/powerpoint/2010/main" xmlns="" val="642932172"/>
+        <p14:creationId xmlns="" xmlns:p14="http://schemas.microsoft.com/office/powerpoint/2010/main" val="642932172"/>
       </p:ext>
     </p:extLst>
   </p:cSld>
@@ -1726,7 +1726,7 @@
             <a:fld id="{EF786B2F-4D74-4715-9B36-473B5F938BB9}" type="datetimeFigureOut">
               <a:rPr lang="ru-RU" smtClean="0"/>
               <a:pPr/>
-              <a:t>18.06.2021</a:t>
+              <a:t>25.06.2021</a:t>
             </a:fld>
             <a:endParaRPr lang="ru-RU" dirty="0"/>
           </a:p>
@@ -1778,7 +1778,7 @@
     </p:spTree>
     <p:extLst>
       <p:ext uri="{BB962C8B-B14F-4D97-AF65-F5344CB8AC3E}">
-        <p14:creationId xmlns:p14="http://schemas.microsoft.com/office/powerpoint/2010/main" xmlns="" val="1439442558"/>
+        <p14:creationId xmlns="" xmlns:p14="http://schemas.microsoft.com/office/powerpoint/2010/main" val="1439442558"/>
       </p:ext>
     </p:extLst>
   </p:cSld>
@@ -2092,7 +2092,7 @@
             <a:fld id="{EF786B2F-4D74-4715-9B36-473B5F938BB9}" type="datetimeFigureOut">
               <a:rPr lang="ru-RU" smtClean="0"/>
               <a:pPr/>
-              <a:t>18.06.2021</a:t>
+              <a:t>25.06.2021</a:t>
             </a:fld>
             <a:endParaRPr lang="ru-RU" dirty="0"/>
           </a:p>
@@ -2144,7 +2144,7 @@
     </p:spTree>
     <p:extLst>
       <p:ext uri="{BB962C8B-B14F-4D97-AF65-F5344CB8AC3E}">
-        <p14:creationId xmlns:p14="http://schemas.microsoft.com/office/powerpoint/2010/main" xmlns="" val="1209327759"/>
+        <p14:creationId xmlns="" xmlns:p14="http://schemas.microsoft.com/office/powerpoint/2010/main" val="1209327759"/>
       </p:ext>
     </p:extLst>
   </p:cSld>
@@ -2211,7 +2211,7 @@
             <a:fld id="{EF786B2F-4D74-4715-9B36-473B5F938BB9}" type="datetimeFigureOut">
               <a:rPr lang="ru-RU" smtClean="0"/>
               <a:pPr/>
-              <a:t>18.06.2021</a:t>
+              <a:t>25.06.2021</a:t>
             </a:fld>
             <a:endParaRPr lang="ru-RU" dirty="0"/>
           </a:p>
@@ -2263,7 +2263,7 @@
     </p:spTree>
     <p:extLst>
       <p:ext uri="{BB962C8B-B14F-4D97-AF65-F5344CB8AC3E}">
-        <p14:creationId xmlns:p14="http://schemas.microsoft.com/office/powerpoint/2010/main" xmlns="" val="4212898653"/>
+        <p14:creationId xmlns="" xmlns:p14="http://schemas.microsoft.com/office/powerpoint/2010/main" val="4212898653"/>
       </p:ext>
     </p:extLst>
   </p:cSld>
@@ -2308,7 +2308,7 @@
             <a:fld id="{EF786B2F-4D74-4715-9B36-473B5F938BB9}" type="datetimeFigureOut">
               <a:rPr lang="ru-RU" smtClean="0"/>
               <a:pPr/>
-              <a:t>18.06.2021</a:t>
+              <a:t>25.06.2021</a:t>
             </a:fld>
             <a:endParaRPr lang="ru-RU" dirty="0"/>
           </a:p>
@@ -2360,7 +2360,7 @@
     </p:spTree>
     <p:extLst>
       <p:ext uri="{BB962C8B-B14F-4D97-AF65-F5344CB8AC3E}">
-        <p14:creationId xmlns:p14="http://schemas.microsoft.com/office/powerpoint/2010/main" xmlns="" val="2587781966"/>
+        <p14:creationId xmlns="" xmlns:p14="http://schemas.microsoft.com/office/powerpoint/2010/main" val="2587781966"/>
       </p:ext>
     </p:extLst>
   </p:cSld>
@@ -2585,7 +2585,7 @@
             <a:fld id="{EF786B2F-4D74-4715-9B36-473B5F938BB9}" type="datetimeFigureOut">
               <a:rPr lang="ru-RU" smtClean="0"/>
               <a:pPr/>
-              <a:t>18.06.2021</a:t>
+              <a:t>25.06.2021</a:t>
             </a:fld>
             <a:endParaRPr lang="ru-RU" dirty="0"/>
           </a:p>
@@ -2637,7 +2637,7 @@
     </p:spTree>
     <p:extLst>
       <p:ext uri="{BB962C8B-B14F-4D97-AF65-F5344CB8AC3E}">
-        <p14:creationId xmlns:p14="http://schemas.microsoft.com/office/powerpoint/2010/main" xmlns="" val="3171794395"/>
+        <p14:creationId xmlns="" xmlns:p14="http://schemas.microsoft.com/office/powerpoint/2010/main" val="3171794395"/>
       </p:ext>
     </p:extLst>
   </p:cSld>
@@ -2839,7 +2839,7 @@
             <a:fld id="{EF786B2F-4D74-4715-9B36-473B5F938BB9}" type="datetimeFigureOut">
               <a:rPr lang="ru-RU" smtClean="0"/>
               <a:pPr/>
-              <a:t>18.06.2021</a:t>
+              <a:t>25.06.2021</a:t>
             </a:fld>
             <a:endParaRPr lang="ru-RU" dirty="0"/>
           </a:p>
@@ -2891,7 +2891,7 @@
     </p:spTree>
     <p:extLst>
       <p:ext uri="{BB962C8B-B14F-4D97-AF65-F5344CB8AC3E}">
-        <p14:creationId xmlns:p14="http://schemas.microsoft.com/office/powerpoint/2010/main" xmlns="" val="2260479920"/>
+        <p14:creationId xmlns="" xmlns:p14="http://schemas.microsoft.com/office/powerpoint/2010/main" val="2260479920"/>
       </p:ext>
     </p:extLst>
   </p:cSld>
@@ -3069,7 +3069,7 @@
             <a:fld id="{EF786B2F-4D74-4715-9B36-473B5F938BB9}" type="datetimeFigureOut">
               <a:rPr lang="ru-RU" smtClean="0"/>
               <a:pPr/>
-              <a:t>18.06.2021</a:t>
+              <a:t>25.06.2021</a:t>
             </a:fld>
             <a:endParaRPr lang="ru-RU" dirty="0"/>
           </a:p>
@@ -3157,7 +3157,7 @@
     </p:spTree>
     <p:extLst>
       <p:ext uri="{BB962C8B-B14F-4D97-AF65-F5344CB8AC3E}">
-        <p14:creationId xmlns:p14="http://schemas.microsoft.com/office/powerpoint/2010/main" xmlns="" val="3229768880"/>
+        <p14:creationId xmlns="" xmlns:p14="http://schemas.microsoft.com/office/powerpoint/2010/main" val="3229768880"/>
       </p:ext>
     </p:extLst>
   </p:cSld>
@@ -3854,7 +3854,7 @@
     </p:spTree>
     <p:extLst>
       <p:ext uri="{BB962C8B-B14F-4D97-AF65-F5344CB8AC3E}">
-        <p14:creationId xmlns:p14="http://schemas.microsoft.com/office/powerpoint/2010/main" xmlns="" val="438760337"/>
+        <p14:creationId xmlns="" xmlns:p14="http://schemas.microsoft.com/office/powerpoint/2010/main" val="438760337"/>
       </p:ext>
     </p:extLst>
   </p:cSld>
@@ -4334,7 +4334,7 @@
           <p:nvPr>
             <p:extLst>
               <p:ext uri="{D42A27DB-BD31-4B8C-83A1-F6EECF244321}">
-                <p14:modId xmlns:p14="http://schemas.microsoft.com/office/powerpoint/2010/main" xmlns="" val="3684284401"/>
+                <p14:modId xmlns="" xmlns:p14="http://schemas.microsoft.com/office/powerpoint/2010/main" val="3684284401"/>
               </p:ext>
             </p:extLst>
           </p:nvPr>
@@ -4360,14 +4360,14 @@
                 <a:gridCol w="9037320">
                   <a:extLst>
                     <a:ext uri="{9D8B030D-6E8A-4147-A177-3AD203B41FA5}">
-                      <a16:colId xmlns:a16="http://schemas.microsoft.com/office/drawing/2014/main" xmlns="" val="20000"/>
+                      <a16:colId xmlns="" xmlns:a16="http://schemas.microsoft.com/office/drawing/2014/main" val="20000"/>
                     </a:ext>
                   </a:extLst>
                 </a:gridCol>
                 <a:gridCol w="1920240">
                   <a:extLst>
                     <a:ext uri="{9D8B030D-6E8A-4147-A177-3AD203B41FA5}">
-                      <a16:colId xmlns:a16="http://schemas.microsoft.com/office/drawing/2014/main" xmlns="" val="20003"/>
+                      <a16:colId xmlns="" xmlns:a16="http://schemas.microsoft.com/office/drawing/2014/main" val="20003"/>
                     </a:ext>
                   </a:extLst>
                 </a:gridCol>
@@ -4449,7 +4449,7 @@
                 </a:tc>
                 <a:extLst>
                   <a:ext uri="{0D108BD9-81ED-4DB2-BD59-A6C34878D82A}">
-                    <a16:rowId xmlns:a16="http://schemas.microsoft.com/office/drawing/2014/main" xmlns="" val="10000"/>
+                    <a16:rowId xmlns="" xmlns:a16="http://schemas.microsoft.com/office/drawing/2014/main" val="10000"/>
                   </a:ext>
                 </a:extLst>
               </a:tr>
@@ -4523,7 +4523,7 @@
                 </a:tc>
                 <a:extLst>
                   <a:ext uri="{0D108BD9-81ED-4DB2-BD59-A6C34878D82A}">
-                    <a16:rowId xmlns:a16="http://schemas.microsoft.com/office/drawing/2014/main" xmlns="" val="10001"/>
+                    <a16:rowId xmlns="" xmlns:a16="http://schemas.microsoft.com/office/drawing/2014/main" val="10001"/>
                   </a:ext>
                 </a:extLst>
               </a:tr>
@@ -4588,7 +4588,7 @@
                 </a:tc>
                 <a:extLst>
                   <a:ext uri="{0D108BD9-81ED-4DB2-BD59-A6C34878D82A}">
-                    <a16:rowId xmlns:a16="http://schemas.microsoft.com/office/drawing/2014/main" xmlns="" val="10006"/>
+                    <a16:rowId xmlns="" xmlns:a16="http://schemas.microsoft.com/office/drawing/2014/main" val="10006"/>
                   </a:ext>
                 </a:extLst>
               </a:tr>
@@ -4661,7 +4661,7 @@
                 </a:tc>
                 <a:extLst>
                   <a:ext uri="{0D108BD9-81ED-4DB2-BD59-A6C34878D82A}">
-                    <a16:rowId xmlns:a16="http://schemas.microsoft.com/office/drawing/2014/main" xmlns="" val="10007"/>
+                    <a16:rowId xmlns="" xmlns:a16="http://schemas.microsoft.com/office/drawing/2014/main" val="10007"/>
                   </a:ext>
                 </a:extLst>
               </a:tr>
@@ -4886,7 +4886,7 @@
                 </a:tc>
                 <a:extLst>
                   <a:ext uri="{0D108BD9-81ED-4DB2-BD59-A6C34878D82A}">
-                    <a16:rowId xmlns:a16="http://schemas.microsoft.com/office/drawing/2014/main" xmlns="" val="10008"/>
+                    <a16:rowId xmlns="" xmlns:a16="http://schemas.microsoft.com/office/drawing/2014/main" val="10008"/>
                   </a:ext>
                 </a:extLst>
               </a:tr>
@@ -4923,7 +4923,7 @@
     </p:spTree>
     <p:extLst>
       <p:ext uri="{BB962C8B-B14F-4D97-AF65-F5344CB8AC3E}">
-        <p14:creationId xmlns:p14="http://schemas.microsoft.com/office/powerpoint/2010/main" xmlns="" val="2745074324"/>
+        <p14:creationId xmlns="" xmlns:p14="http://schemas.microsoft.com/office/powerpoint/2010/main" val="2745074324"/>
       </p:ext>
     </p:extLst>
   </p:cSld>
@@ -5207,7 +5207,7 @@
           <p:nvPr>
             <p:extLst>
               <p:ext uri="{D42A27DB-BD31-4B8C-83A1-F6EECF244321}">
-                <p14:modId xmlns:p14="http://schemas.microsoft.com/office/powerpoint/2010/main" xmlns="" val="3684284401"/>
+                <p14:modId xmlns="" xmlns:p14="http://schemas.microsoft.com/office/powerpoint/2010/main" val="3684284401"/>
               </p:ext>
             </p:extLst>
           </p:nvPr>
@@ -5233,14 +5233,14 @@
                 <a:gridCol w="9037320">
                   <a:extLst>
                     <a:ext uri="{9D8B030D-6E8A-4147-A177-3AD203B41FA5}">
-                      <a16:colId xmlns:a16="http://schemas.microsoft.com/office/drawing/2014/main" xmlns="" val="20000"/>
+                      <a16:colId xmlns="" xmlns:a16="http://schemas.microsoft.com/office/drawing/2014/main" val="20000"/>
                     </a:ext>
                   </a:extLst>
                 </a:gridCol>
                 <a:gridCol w="1920240">
                   <a:extLst>
                     <a:ext uri="{9D8B030D-6E8A-4147-A177-3AD203B41FA5}">
-                      <a16:colId xmlns:a16="http://schemas.microsoft.com/office/drawing/2014/main" xmlns="" val="20003"/>
+                      <a16:colId xmlns="" xmlns:a16="http://schemas.microsoft.com/office/drawing/2014/main" val="20003"/>
                     </a:ext>
                   </a:extLst>
                 </a:gridCol>
@@ -5322,7 +5322,7 @@
                 </a:tc>
                 <a:extLst>
                   <a:ext uri="{0D108BD9-81ED-4DB2-BD59-A6C34878D82A}">
-                    <a16:rowId xmlns:a16="http://schemas.microsoft.com/office/drawing/2014/main" xmlns="" val="10000"/>
+                    <a16:rowId xmlns="" xmlns:a16="http://schemas.microsoft.com/office/drawing/2014/main" val="10000"/>
                   </a:ext>
                 </a:extLst>
               </a:tr>
@@ -5396,7 +5396,7 @@
                 </a:tc>
                 <a:extLst>
                   <a:ext uri="{0D108BD9-81ED-4DB2-BD59-A6C34878D82A}">
-                    <a16:rowId xmlns:a16="http://schemas.microsoft.com/office/drawing/2014/main" xmlns="" val="10001"/>
+                    <a16:rowId xmlns="" xmlns:a16="http://schemas.microsoft.com/office/drawing/2014/main" val="10001"/>
                   </a:ext>
                 </a:extLst>
               </a:tr>
@@ -5461,7 +5461,7 @@
                 </a:tc>
                 <a:extLst>
                   <a:ext uri="{0D108BD9-81ED-4DB2-BD59-A6C34878D82A}">
-                    <a16:rowId xmlns:a16="http://schemas.microsoft.com/office/drawing/2014/main" xmlns="" val="10006"/>
+                    <a16:rowId xmlns="" xmlns:a16="http://schemas.microsoft.com/office/drawing/2014/main" val="10006"/>
                   </a:ext>
                 </a:extLst>
               </a:tr>
@@ -5920,7 +5920,7 @@
                 </a:tc>
                 <a:extLst>
                   <a:ext uri="{0D108BD9-81ED-4DB2-BD59-A6C34878D82A}">
-                    <a16:rowId xmlns:a16="http://schemas.microsoft.com/office/drawing/2014/main" xmlns="" val="10008"/>
+                    <a16:rowId xmlns="" xmlns:a16="http://schemas.microsoft.com/office/drawing/2014/main" val="10008"/>
                   </a:ext>
                 </a:extLst>
               </a:tr>
@@ -5931,7 +5931,7 @@
     </p:spTree>
     <p:extLst>
       <p:ext uri="{BB962C8B-B14F-4D97-AF65-F5344CB8AC3E}">
-        <p14:creationId xmlns:p14="http://schemas.microsoft.com/office/powerpoint/2010/main" xmlns="" val="1660777227"/>
+        <p14:creationId xmlns="" xmlns:p14="http://schemas.microsoft.com/office/powerpoint/2010/main" val="1660777227"/>
       </p:ext>
     </p:extLst>
   </p:cSld>
@@ -6090,7 +6090,7 @@
           <p:cNvPr id="2" name="TextBox 1">
             <a:extLst>
               <a:ext uri="{FF2B5EF4-FFF2-40B4-BE49-F238E27FC236}">
-                <a16:creationId xmlns:a16="http://schemas.microsoft.com/office/drawing/2014/main" xmlns="" id="{25832EBB-8E12-4241-BEB1-485AB6B82A2F}"/>
+                <a16:creationId xmlns="" xmlns:a16="http://schemas.microsoft.com/office/drawing/2014/main" id="{25832EBB-8E12-4241-BEB1-485AB6B82A2F}"/>
               </a:ext>
             </a:extLst>
           </p:cNvPr>
@@ -6142,7 +6142,7 @@
           <p:cNvPr id="3" name="TextBox 2">
             <a:extLst>
               <a:ext uri="{FF2B5EF4-FFF2-40B4-BE49-F238E27FC236}">
-                <a16:creationId xmlns:a16="http://schemas.microsoft.com/office/drawing/2014/main" xmlns="" id="{49F07CA5-98ED-45C0-9580-6557BF637F29}"/>
+                <a16:creationId xmlns="" xmlns:a16="http://schemas.microsoft.com/office/drawing/2014/main" id="{49F07CA5-98ED-45C0-9580-6557BF637F29}"/>
               </a:ext>
             </a:extLst>
           </p:cNvPr>
@@ -6615,7 +6615,7 @@
     </p:spTree>
     <p:extLst>
       <p:ext uri="{BB962C8B-B14F-4D97-AF65-F5344CB8AC3E}">
-        <p14:creationId xmlns:p14="http://schemas.microsoft.com/office/powerpoint/2010/main" xmlns="" val="311004352"/>
+        <p14:creationId xmlns="" xmlns:p14="http://schemas.microsoft.com/office/powerpoint/2010/main" val="311004352"/>
       </p:ext>
     </p:extLst>
   </p:cSld>
@@ -6849,8 +6849,11 @@
                 <a:ea typeface="Open Sans" panose="020B0606030504020204" pitchFamily="34" charset="0"/>
                 <a:cs typeface="Open Sans" panose="020B0606030504020204" pitchFamily="34" charset="0"/>
               </a:rPr>
-              <a:t>Мінімальна кількість відвідувачів в день </a:t>
+              <a:t>Мінімальна кількість відвідувачів в день 18</a:t>
             </a:r>
+          </a:p>
+          <a:p>
+            <a:pPr algn="ctr"/>
             <a:r>
               <a:rPr lang="uk-UA" sz="2800" b="1" dirty="0" smtClean="0">
                 <a:gradFill flip="none" rotWithShape="1">
@@ -6872,33 +6875,10 @@
                 <a:ea typeface="Open Sans" panose="020B0606030504020204" pitchFamily="34" charset="0"/>
                 <a:cs typeface="Open Sans" panose="020B0606030504020204" pitchFamily="34" charset="0"/>
               </a:rPr>
-              <a:t>18</a:t>
+              <a:t>140</a:t>
             </a:r>
-            <a:endParaRPr lang="uk-UA" sz="2800" b="1" dirty="0" smtClean="0">
-              <a:gradFill flip="none" rotWithShape="1">
-                <a:gsLst>
-                  <a:gs pos="0">
-                    <a:schemeClr val="tx1"/>
-                  </a:gs>
-                  <a:gs pos="100000">
-                    <a:schemeClr val="tx1">
-                      <a:lumMod val="75000"/>
-                      <a:lumOff val="25000"/>
-                    </a:schemeClr>
-                  </a:gs>
-                </a:gsLst>
-                <a:lin ang="16200000" scaled="1"/>
-                <a:tileRect/>
-              </a:gradFill>
-              <a:latin typeface="Segoe Print" panose="02000600000000000000" pitchFamily="2" charset="0"/>
-              <a:ea typeface="Open Sans" panose="020B0606030504020204" pitchFamily="34" charset="0"/>
-              <a:cs typeface="Open Sans" panose="020B0606030504020204" pitchFamily="34" charset="0"/>
-            </a:endParaRPr>
-          </a:p>
-          <a:p>
-            <a:pPr algn="ctr"/>
             <a:r>
-              <a:rPr lang="en-US" sz="2800" b="1" dirty="0" smtClean="0">
+              <a:rPr lang="ru-RU" sz="2800" b="1" dirty="0" smtClean="0">
                 <a:gradFill flip="none" rotWithShape="1">
                   <a:gsLst>
                     <a:gs pos="0">
@@ -6918,7 +6898,7 @@
                 <a:ea typeface="Open Sans" panose="020B0606030504020204" pitchFamily="34" charset="0"/>
                 <a:cs typeface="Open Sans" panose="020B0606030504020204" pitchFamily="34" charset="0"/>
               </a:rPr>
-              <a:t>80</a:t>
+              <a:t> </a:t>
             </a:r>
             <a:r>
               <a:rPr lang="ru-RU" sz="2800" b="1" dirty="0" smtClean="0">
@@ -6941,7 +6921,7 @@
                 <a:ea typeface="Open Sans" panose="020B0606030504020204" pitchFamily="34" charset="0"/>
                 <a:cs typeface="Open Sans" panose="020B0606030504020204" pitchFamily="34" charset="0"/>
               </a:rPr>
-              <a:t> гривень мінімальна вартість послуги</a:t>
+              <a:t>гривень мінімальна вартість послуги</a:t>
             </a:r>
             <a:endParaRPr lang="en-US" sz="2800" b="1" dirty="0" smtClean="0">
               <a:gradFill flip="none" rotWithShape="1">
@@ -7010,10 +6990,10 @@
                 <a:ea typeface="Open Sans" panose="020B0606030504020204" pitchFamily="34" charset="0"/>
                 <a:cs typeface="Open Sans" panose="020B0606030504020204" pitchFamily="34" charset="0"/>
               </a:rPr>
-              <a:t> </a:t>
+              <a:t> * </a:t>
             </a:r>
             <a:r>
-              <a:rPr lang="en-US" sz="2800" b="1" dirty="0" smtClean="0">
+              <a:rPr lang="uk-UA" sz="2800" b="1" dirty="0" smtClean="0">
                 <a:gradFill flip="none" rotWithShape="1">
                   <a:gsLst>
                     <a:gs pos="0">
@@ -7033,7 +7013,7 @@
                 <a:ea typeface="Open Sans" panose="020B0606030504020204" pitchFamily="34" charset="0"/>
                 <a:cs typeface="Open Sans" panose="020B0606030504020204" pitchFamily="34" charset="0"/>
               </a:rPr>
-              <a:t>* 80</a:t>
+              <a:t>140 </a:t>
             </a:r>
             <a:r>
               <a:rPr lang="uk-UA" sz="2800" b="1" dirty="0" smtClean="0">
@@ -7056,10 +7036,10 @@
                 <a:ea typeface="Open Sans" panose="020B0606030504020204" pitchFamily="34" charset="0"/>
                 <a:cs typeface="Open Sans" panose="020B0606030504020204" pitchFamily="34" charset="0"/>
               </a:rPr>
-              <a:t> = </a:t>
+              <a:t>= </a:t>
             </a:r>
             <a:r>
-              <a:rPr lang="en-US" sz="2800" b="1" dirty="0" smtClean="0">
+              <a:rPr lang="uk-UA" sz="2800" b="1" dirty="0" smtClean="0">
                 <a:gradFill flip="none" rotWithShape="1">
                   <a:gsLst>
                     <a:gs pos="0">
@@ -7079,7 +7059,7 @@
                 <a:ea typeface="Open Sans" panose="020B0606030504020204" pitchFamily="34" charset="0"/>
                 <a:cs typeface="Open Sans" panose="020B0606030504020204" pitchFamily="34" charset="0"/>
               </a:rPr>
-              <a:t>1</a:t>
+              <a:t>2 520 </a:t>
             </a:r>
             <a:r>
               <a:rPr lang="uk-UA" sz="2800" b="1" dirty="0" smtClean="0">
@@ -7102,8 +7082,11 @@
                 <a:ea typeface="Open Sans" panose="020B0606030504020204" pitchFamily="34" charset="0"/>
                 <a:cs typeface="Open Sans" panose="020B0606030504020204" pitchFamily="34" charset="0"/>
               </a:rPr>
-              <a:t> </a:t>
+              <a:t>гривень в день</a:t>
             </a:r>
+          </a:p>
+          <a:p>
+            <a:pPr algn="ctr"/>
             <a:r>
               <a:rPr lang="uk-UA" sz="2800" b="1" dirty="0" smtClean="0">
                 <a:gradFill flip="none" rotWithShape="1">
@@ -7125,10 +7108,10 @@
                 <a:ea typeface="Open Sans" panose="020B0606030504020204" pitchFamily="34" charset="0"/>
                 <a:cs typeface="Open Sans" panose="020B0606030504020204" pitchFamily="34" charset="0"/>
               </a:rPr>
-              <a:t>4</a:t>
+              <a:t>2 520 </a:t>
             </a:r>
             <a:r>
-              <a:rPr lang="en-US" sz="2800" b="1" dirty="0" smtClean="0">
+              <a:rPr lang="uk-UA" sz="2800" b="1" dirty="0" smtClean="0">
                 <a:gradFill flip="none" rotWithShape="1">
                   <a:gsLst>
                     <a:gs pos="0">
@@ -7148,7 +7131,7 @@
                 <a:ea typeface="Open Sans" panose="020B0606030504020204" pitchFamily="34" charset="0"/>
                 <a:cs typeface="Open Sans" panose="020B0606030504020204" pitchFamily="34" charset="0"/>
               </a:rPr>
-              <a:t>4</a:t>
+              <a:t>* 30 днів в місяці = </a:t>
             </a:r>
             <a:r>
               <a:rPr lang="uk-UA" sz="2800" b="1" dirty="0" smtClean="0">
@@ -7171,13 +7154,10 @@
                 <a:ea typeface="Open Sans" panose="020B0606030504020204" pitchFamily="34" charset="0"/>
                 <a:cs typeface="Open Sans" panose="020B0606030504020204" pitchFamily="34" charset="0"/>
               </a:rPr>
-              <a:t>0 гривень в день</a:t>
+              <a:t>75 600 </a:t>
             </a:r>
-          </a:p>
-          <a:p>
-            <a:pPr algn="ctr"/>
             <a:r>
-              <a:rPr lang="en-US" sz="2800" b="1" dirty="0" smtClean="0">
+              <a:rPr lang="uk-UA" sz="2800" b="1" dirty="0" smtClean="0">
                 <a:gradFill flip="none" rotWithShape="1">
                   <a:gsLst>
                     <a:gs pos="0">
@@ -7197,8 +7177,11 @@
                 <a:ea typeface="Open Sans" panose="020B0606030504020204" pitchFamily="34" charset="0"/>
                 <a:cs typeface="Open Sans" panose="020B0606030504020204" pitchFamily="34" charset="0"/>
               </a:rPr>
-              <a:t>1</a:t>
+              <a:t>гривень в місяць</a:t>
             </a:r>
+          </a:p>
+          <a:p>
+            <a:pPr algn="ctr"/>
             <a:r>
               <a:rPr lang="uk-UA" sz="2800" b="1" dirty="0" smtClean="0">
                 <a:gradFill flip="none" rotWithShape="1">
@@ -7220,7 +7203,7 @@
                 <a:ea typeface="Open Sans" panose="020B0606030504020204" pitchFamily="34" charset="0"/>
                 <a:cs typeface="Open Sans" panose="020B0606030504020204" pitchFamily="34" charset="0"/>
               </a:rPr>
-              <a:t> </a:t>
+              <a:t>75 600 </a:t>
             </a:r>
             <a:r>
               <a:rPr lang="uk-UA" sz="2800" b="1" dirty="0" smtClean="0">
@@ -7243,194 +7226,7 @@
                 <a:ea typeface="Open Sans" panose="020B0606030504020204" pitchFamily="34" charset="0"/>
                 <a:cs typeface="Open Sans" panose="020B0606030504020204" pitchFamily="34" charset="0"/>
               </a:rPr>
-              <a:t>4</a:t>
-            </a:r>
-            <a:r>
-              <a:rPr lang="en-US" sz="2800" b="1" dirty="0" smtClean="0">
-                <a:gradFill flip="none" rotWithShape="1">
-                  <a:gsLst>
-                    <a:gs pos="0">
-                      <a:schemeClr val="tx1"/>
-                    </a:gs>
-                    <a:gs pos="100000">
-                      <a:schemeClr val="tx1">
-                        <a:lumMod val="75000"/>
-                        <a:lumOff val="25000"/>
-                      </a:schemeClr>
-                    </a:gs>
-                  </a:gsLst>
-                  <a:lin ang="16200000" scaled="1"/>
-                  <a:tileRect/>
-                </a:gradFill>
-                <a:latin typeface="Segoe Print" panose="02000600000000000000" pitchFamily="2" charset="0"/>
-                <a:ea typeface="Open Sans" panose="020B0606030504020204" pitchFamily="34" charset="0"/>
-                <a:cs typeface="Open Sans" panose="020B0606030504020204" pitchFamily="34" charset="0"/>
-              </a:rPr>
-              <a:t>4</a:t>
-            </a:r>
-            <a:r>
-              <a:rPr lang="uk-UA" sz="2800" b="1" dirty="0" smtClean="0">
-                <a:gradFill flip="none" rotWithShape="1">
-                  <a:gsLst>
-                    <a:gs pos="0">
-                      <a:schemeClr val="tx1"/>
-                    </a:gs>
-                    <a:gs pos="100000">
-                      <a:schemeClr val="tx1">
-                        <a:lumMod val="75000"/>
-                        <a:lumOff val="25000"/>
-                      </a:schemeClr>
-                    </a:gs>
-                  </a:gsLst>
-                  <a:lin ang="16200000" scaled="1"/>
-                  <a:tileRect/>
-                </a:gradFill>
-                <a:latin typeface="Segoe Print" panose="02000600000000000000" pitchFamily="2" charset="0"/>
-                <a:ea typeface="Open Sans" panose="020B0606030504020204" pitchFamily="34" charset="0"/>
-                <a:cs typeface="Open Sans" panose="020B0606030504020204" pitchFamily="34" charset="0"/>
-              </a:rPr>
-              <a:t>0 * 30 днів в місяці = </a:t>
-            </a:r>
-            <a:r>
-              <a:rPr lang="uk-UA" sz="2800" b="1" dirty="0" smtClean="0">
-                <a:gradFill flip="none" rotWithShape="1">
-                  <a:gsLst>
-                    <a:gs pos="0">
-                      <a:schemeClr val="tx1"/>
-                    </a:gs>
-                    <a:gs pos="100000">
-                      <a:schemeClr val="tx1">
-                        <a:lumMod val="75000"/>
-                        <a:lumOff val="25000"/>
-                      </a:schemeClr>
-                    </a:gs>
-                  </a:gsLst>
-                  <a:lin ang="16200000" scaled="1"/>
-                  <a:tileRect/>
-                </a:gradFill>
-                <a:latin typeface="Segoe Print" panose="02000600000000000000" pitchFamily="2" charset="0"/>
-                <a:ea typeface="Open Sans" panose="020B0606030504020204" pitchFamily="34" charset="0"/>
-                <a:cs typeface="Open Sans" panose="020B0606030504020204" pitchFamily="34" charset="0"/>
-              </a:rPr>
-              <a:t>43 </a:t>
-            </a:r>
-            <a:r>
-              <a:rPr lang="en-US" sz="2800" b="1" dirty="0" smtClean="0">
-                <a:gradFill flip="none" rotWithShape="1">
-                  <a:gsLst>
-                    <a:gs pos="0">
-                      <a:schemeClr val="tx1"/>
-                    </a:gs>
-                    <a:gs pos="100000">
-                      <a:schemeClr val="tx1">
-                        <a:lumMod val="75000"/>
-                        <a:lumOff val="25000"/>
-                      </a:schemeClr>
-                    </a:gs>
-                  </a:gsLst>
-                  <a:lin ang="16200000" scaled="1"/>
-                  <a:tileRect/>
-                </a:gradFill>
-                <a:latin typeface="Segoe Print" panose="02000600000000000000" pitchFamily="2" charset="0"/>
-                <a:ea typeface="Open Sans" panose="020B0606030504020204" pitchFamily="34" charset="0"/>
-                <a:cs typeface="Open Sans" panose="020B0606030504020204" pitchFamily="34" charset="0"/>
-              </a:rPr>
-              <a:t>2</a:t>
-            </a:r>
-            <a:r>
-              <a:rPr lang="uk-UA" sz="2800" b="1" dirty="0" smtClean="0">
-                <a:gradFill flip="none" rotWithShape="1">
-                  <a:gsLst>
-                    <a:gs pos="0">
-                      <a:schemeClr val="tx1"/>
-                    </a:gs>
-                    <a:gs pos="100000">
-                      <a:schemeClr val="tx1">
-                        <a:lumMod val="75000"/>
-                        <a:lumOff val="25000"/>
-                      </a:schemeClr>
-                    </a:gs>
-                  </a:gsLst>
-                  <a:lin ang="16200000" scaled="1"/>
-                  <a:tileRect/>
-                </a:gradFill>
-                <a:latin typeface="Segoe Print" panose="02000600000000000000" pitchFamily="2" charset="0"/>
-                <a:ea typeface="Open Sans" panose="020B0606030504020204" pitchFamily="34" charset="0"/>
-                <a:cs typeface="Open Sans" panose="020B0606030504020204" pitchFamily="34" charset="0"/>
-              </a:rPr>
-              <a:t>00 гривень в місяць</a:t>
-            </a:r>
-          </a:p>
-          <a:p>
-            <a:pPr algn="ctr"/>
-            <a:r>
-              <a:rPr lang="uk-UA" sz="2800" b="1" dirty="0" smtClean="0">
-                <a:gradFill flip="none" rotWithShape="1">
-                  <a:gsLst>
-                    <a:gs pos="0">
-                      <a:schemeClr val="tx1"/>
-                    </a:gs>
-                    <a:gs pos="100000">
-                      <a:schemeClr val="tx1">
-                        <a:lumMod val="75000"/>
-                        <a:lumOff val="25000"/>
-                      </a:schemeClr>
-                    </a:gs>
-                  </a:gsLst>
-                  <a:lin ang="16200000" scaled="1"/>
-                  <a:tileRect/>
-                </a:gradFill>
-                <a:latin typeface="Segoe Print" panose="02000600000000000000" pitchFamily="2" charset="0"/>
-                <a:ea typeface="Open Sans" panose="020B0606030504020204" pitchFamily="34" charset="0"/>
-                <a:cs typeface="Open Sans" panose="020B0606030504020204" pitchFamily="34" charset="0"/>
-              </a:rPr>
-              <a:t>43 </a:t>
-            </a:r>
-            <a:r>
-              <a:rPr lang="en-US" sz="2800" b="1" dirty="0" smtClean="0">
-                <a:gradFill flip="none" rotWithShape="1">
-                  <a:gsLst>
-                    <a:gs pos="0">
-                      <a:schemeClr val="tx1"/>
-                    </a:gs>
-                    <a:gs pos="100000">
-                      <a:schemeClr val="tx1">
-                        <a:lumMod val="75000"/>
-                        <a:lumOff val="25000"/>
-                      </a:schemeClr>
-                    </a:gs>
-                  </a:gsLst>
-                  <a:lin ang="16200000" scaled="1"/>
-                  <a:tileRect/>
-                </a:gradFill>
-                <a:latin typeface="Segoe Print" panose="02000600000000000000" pitchFamily="2" charset="0"/>
-                <a:ea typeface="Open Sans" panose="020B0606030504020204" pitchFamily="34" charset="0"/>
-                <a:cs typeface="Open Sans" panose="020B0606030504020204" pitchFamily="34" charset="0"/>
-              </a:rPr>
-              <a:t>2</a:t>
-            </a:r>
-            <a:r>
-              <a:rPr lang="uk-UA" sz="2800" b="1" dirty="0" smtClean="0">
-                <a:gradFill flip="none" rotWithShape="1">
-                  <a:gsLst>
-                    <a:gs pos="0">
-                      <a:schemeClr val="tx1"/>
-                    </a:gs>
-                    <a:gs pos="100000">
-                      <a:schemeClr val="tx1">
-                        <a:lumMod val="75000"/>
-                        <a:lumOff val="25000"/>
-                      </a:schemeClr>
-                    </a:gs>
-                  </a:gsLst>
-                  <a:lin ang="16200000" scaled="1"/>
-                  <a:tileRect/>
-                </a:gradFill>
-                <a:latin typeface="Segoe Print" panose="02000600000000000000" pitchFamily="2" charset="0"/>
-                <a:ea typeface="Open Sans" panose="020B0606030504020204" pitchFamily="34" charset="0"/>
-                <a:cs typeface="Open Sans" panose="020B0606030504020204" pitchFamily="34" charset="0"/>
-              </a:rPr>
-              <a:t>00 грн – </a:t>
+              <a:t>грн – </a:t>
             </a:r>
             <a:r>
               <a:rPr lang="en-US" sz="2800" b="1" dirty="0" smtClean="0">
@@ -7545,7 +7341,7 @@
                 <a:ea typeface="Open Sans" panose="020B0606030504020204" pitchFamily="34" charset="0"/>
                 <a:cs typeface="Open Sans" panose="020B0606030504020204" pitchFamily="34" charset="0"/>
               </a:rPr>
-              <a:t>-3 51</a:t>
+              <a:t>28 88</a:t>
             </a:r>
             <a:r>
               <a:rPr lang="en-US" sz="2800" b="1" dirty="0" smtClean="0">
@@ -7921,7 +7717,7 @@
           <p:cNvPr id="2" name="TextBox 1">
             <a:extLst>
               <a:ext uri="{FF2B5EF4-FFF2-40B4-BE49-F238E27FC236}">
-                <a16:creationId xmlns:a16="http://schemas.microsoft.com/office/drawing/2014/main" xmlns="" id="{4E3BE0BB-2609-4B8A-A85C-9D0C80A652D2}"/>
+                <a16:creationId xmlns="" xmlns:a16="http://schemas.microsoft.com/office/drawing/2014/main" id="{4E3BE0BB-2609-4B8A-A85C-9D0C80A652D2}"/>
               </a:ext>
             </a:extLst>
           </p:cNvPr>
@@ -7973,7 +7769,7 @@
           <p:cNvPr id="3" name="TextBox 2">
             <a:extLst>
               <a:ext uri="{FF2B5EF4-FFF2-40B4-BE49-F238E27FC236}">
-                <a16:creationId xmlns:a16="http://schemas.microsoft.com/office/drawing/2014/main" xmlns="" id="{3D1AC5F4-0ED6-42FB-8F63-EE13C8BD417F}"/>
+                <a16:creationId xmlns="" xmlns:a16="http://schemas.microsoft.com/office/drawing/2014/main" id="{3D1AC5F4-0ED6-42FB-8F63-EE13C8BD417F}"/>
               </a:ext>
             </a:extLst>
           </p:cNvPr>
@@ -8159,7 +7955,7 @@
     </p:spTree>
     <p:extLst>
       <p:ext uri="{BB962C8B-B14F-4D97-AF65-F5344CB8AC3E}">
-        <p14:creationId xmlns:p14="http://schemas.microsoft.com/office/powerpoint/2010/main" xmlns="" val="2886211671"/>
+        <p14:creationId xmlns="" xmlns:p14="http://schemas.microsoft.com/office/powerpoint/2010/main" val="2886211671"/>
       </p:ext>
     </p:extLst>
   </p:cSld>
@@ -8435,7 +8231,7 @@
           <p:cNvPr id="3" name="TextBox 2">
             <a:extLst>
               <a:ext uri="{FF2B5EF4-FFF2-40B4-BE49-F238E27FC236}">
-                <a16:creationId xmlns:a16="http://schemas.microsoft.com/office/drawing/2014/main" xmlns="" id="{9237B415-7E2C-4C05-B110-9E240A8CB015}"/>
+                <a16:creationId xmlns="" xmlns:a16="http://schemas.microsoft.com/office/drawing/2014/main" id="{9237B415-7E2C-4C05-B110-9E240A8CB015}"/>
               </a:ext>
             </a:extLst>
           </p:cNvPr>
@@ -8511,7 +8307,7 @@
     </p:spTree>
     <p:extLst>
       <p:ext uri="{BB962C8B-B14F-4D97-AF65-F5344CB8AC3E}">
-        <p14:creationId xmlns:p14="http://schemas.microsoft.com/office/powerpoint/2010/main" xmlns="" val="3733678756"/>
+        <p14:creationId xmlns="" xmlns:p14="http://schemas.microsoft.com/office/powerpoint/2010/main" val="3733678756"/>
       </p:ext>
     </p:extLst>
   </p:cSld>
@@ -9003,7 +8799,7 @@
     </p:spTree>
     <p:extLst>
       <p:ext uri="{BB962C8B-B14F-4D97-AF65-F5344CB8AC3E}">
-        <p14:creationId xmlns:p14="http://schemas.microsoft.com/office/powerpoint/2010/main" xmlns="" val="204865308"/>
+        <p14:creationId xmlns="" xmlns:p14="http://schemas.microsoft.com/office/powerpoint/2010/main" val="204865308"/>
       </p:ext>
     </p:extLst>
   </p:cSld>
@@ -9524,7 +9320,7 @@
     </p:spTree>
     <p:extLst>
       <p:ext uri="{BB962C8B-B14F-4D97-AF65-F5344CB8AC3E}">
-        <p14:creationId xmlns:p14="http://schemas.microsoft.com/office/powerpoint/2010/main" xmlns="" val="3345881076"/>
+        <p14:creationId xmlns="" xmlns:p14="http://schemas.microsoft.com/office/powerpoint/2010/main" val="3345881076"/>
       </p:ext>
     </p:extLst>
   </p:cSld>
@@ -10012,7 +9808,7 @@
     </p:spTree>
     <p:extLst>
       <p:ext uri="{BB962C8B-B14F-4D97-AF65-F5344CB8AC3E}">
-        <p14:creationId xmlns:p14="http://schemas.microsoft.com/office/powerpoint/2010/main" xmlns="" val="3182662516"/>
+        <p14:creationId xmlns="" xmlns:p14="http://schemas.microsoft.com/office/powerpoint/2010/main" val="3182662516"/>
       </p:ext>
     </p:extLst>
   </p:cSld>
@@ -11022,7 +10818,7 @@
     </p:spTree>
     <p:extLst>
       <p:ext uri="{BB962C8B-B14F-4D97-AF65-F5344CB8AC3E}">
-        <p14:creationId xmlns:p14="http://schemas.microsoft.com/office/powerpoint/2010/main" xmlns="" val="1368415126"/>
+        <p14:creationId xmlns="" xmlns:p14="http://schemas.microsoft.com/office/powerpoint/2010/main" val="1368415126"/>
       </p:ext>
     </p:extLst>
   </p:cSld>
@@ -11263,7 +11059,7 @@
           <p:cNvPr id="4" name="TextBox 3">
             <a:extLst>
               <a:ext uri="{FF2B5EF4-FFF2-40B4-BE49-F238E27FC236}">
-                <a16:creationId xmlns:a16="http://schemas.microsoft.com/office/drawing/2014/main" xmlns="" id="{92F18041-3C0B-4EAF-876A-625657F421FF}"/>
+                <a16:creationId xmlns="" xmlns:a16="http://schemas.microsoft.com/office/drawing/2014/main" id="{92F18041-3C0B-4EAF-876A-625657F421FF}"/>
               </a:ext>
             </a:extLst>
           </p:cNvPr>
@@ -11576,7 +11372,7 @@
     </p:spTree>
     <p:extLst>
       <p:ext uri="{BB962C8B-B14F-4D97-AF65-F5344CB8AC3E}">
-        <p14:creationId xmlns:p14="http://schemas.microsoft.com/office/powerpoint/2010/main" xmlns="" val="2924096935"/>
+        <p14:creationId xmlns="" xmlns:p14="http://schemas.microsoft.com/office/powerpoint/2010/main" val="2924096935"/>
       </p:ext>
     </p:extLst>
   </p:cSld>
@@ -12179,7 +11975,7 @@
           <p:cNvPr id="4" name="Picture 2" descr="Подарункові сертифікати на салони краси в Києві | DONUM">
             <a:extLst>
               <a:ext uri="{FF2B5EF4-FFF2-40B4-BE49-F238E27FC236}">
-                <a16:creationId xmlns:a16="http://schemas.microsoft.com/office/drawing/2014/main" xmlns="" id="{EFC429FE-20CA-45DF-8E8B-BF6535D2BAE3}"/>
+                <a16:creationId xmlns="" xmlns:a16="http://schemas.microsoft.com/office/drawing/2014/main" id="{EFC429FE-20CA-45DF-8E8B-BF6535D2BAE3}"/>
               </a:ext>
             </a:extLst>
           </p:cNvPr>
@@ -12192,7 +11988,7 @@
           <a:blip r:embed="rId2" cstate="print">
             <a:extLst>
               <a:ext uri="{28A0092B-C50C-407E-A947-70E740481C1C}">
-                <a14:useLocalDpi xmlns:a14="http://schemas.microsoft.com/office/drawing/2010/main" xmlns="" val="0"/>
+                <a14:useLocalDpi xmlns="" xmlns:a14="http://schemas.microsoft.com/office/drawing/2010/main" val="0"/>
               </a:ext>
             </a:extLst>
           </a:blip>
@@ -12221,7 +12017,7 @@
           </a:effectLst>
           <a:extLst>
             <a:ext uri="{909E8E84-426E-40DD-AFC4-6F175D3DCCD1}">
-              <a14:hiddenFill xmlns:a14="http://schemas.microsoft.com/office/drawing/2010/main" xmlns="">
+              <a14:hiddenFill xmlns="" xmlns:a14="http://schemas.microsoft.com/office/drawing/2010/main">
                 <a:solidFill>
                   <a:srgbClr val="FFFFFF"/>
                 </a:solidFill>
@@ -12233,7 +12029,7 @@
     </p:spTree>
     <p:extLst>
       <p:ext uri="{BB962C8B-B14F-4D97-AF65-F5344CB8AC3E}">
-        <p14:creationId xmlns:p14="http://schemas.microsoft.com/office/powerpoint/2010/main" xmlns="" val="2902322015"/>
+        <p14:creationId xmlns="" xmlns:p14="http://schemas.microsoft.com/office/powerpoint/2010/main" val="2902322015"/>
       </p:ext>
     </p:extLst>
   </p:cSld>
@@ -12478,7 +12274,7 @@
           <p:nvPr>
             <p:extLst>
               <p:ext uri="{D42A27DB-BD31-4B8C-83A1-F6EECF244321}">
-                <p14:modId xmlns:p14="http://schemas.microsoft.com/office/powerpoint/2010/main" xmlns="" val="2058177614"/>
+                <p14:modId xmlns="" xmlns:p14="http://schemas.microsoft.com/office/powerpoint/2010/main" val="2058177614"/>
               </p:ext>
             </p:extLst>
           </p:nvPr>
@@ -12504,14 +12300,14 @@
                 <a:gridCol w="6051000">
                   <a:extLst>
                     <a:ext uri="{9D8B030D-6E8A-4147-A177-3AD203B41FA5}">
-                      <a16:colId xmlns:a16="http://schemas.microsoft.com/office/drawing/2014/main" xmlns="" val="20000"/>
+                      <a16:colId xmlns="" xmlns:a16="http://schemas.microsoft.com/office/drawing/2014/main" val="20000"/>
                     </a:ext>
                   </a:extLst>
                 </a:gridCol>
                 <a:gridCol w="2225040">
                   <a:extLst>
                     <a:ext uri="{9D8B030D-6E8A-4147-A177-3AD203B41FA5}">
-                      <a16:colId xmlns:a16="http://schemas.microsoft.com/office/drawing/2014/main" xmlns="" val="20001"/>
+                      <a16:colId xmlns="" xmlns:a16="http://schemas.microsoft.com/office/drawing/2014/main" val="20001"/>
                     </a:ext>
                   </a:extLst>
                 </a:gridCol>
@@ -12669,7 +12465,7 @@
                 </a:tc>
                 <a:extLst>
                   <a:ext uri="{0D108BD9-81ED-4DB2-BD59-A6C34878D82A}">
-                    <a16:rowId xmlns:a16="http://schemas.microsoft.com/office/drawing/2014/main" xmlns="" val="10000"/>
+                    <a16:rowId xmlns="" xmlns:a16="http://schemas.microsoft.com/office/drawing/2014/main" val="10000"/>
                   </a:ext>
                 </a:extLst>
               </a:tr>
@@ -12819,7 +12615,7 @@
                 </a:tc>
                 <a:extLst>
                   <a:ext uri="{0D108BD9-81ED-4DB2-BD59-A6C34878D82A}">
-                    <a16:rowId xmlns:a16="http://schemas.microsoft.com/office/drawing/2014/main" xmlns="" val="10001"/>
+                    <a16:rowId xmlns="" xmlns:a16="http://schemas.microsoft.com/office/drawing/2014/main" val="10001"/>
                   </a:ext>
                 </a:extLst>
               </a:tr>
@@ -12967,7 +12763,7 @@
                 </a:tc>
                 <a:extLst>
                   <a:ext uri="{0D108BD9-81ED-4DB2-BD59-A6C34878D82A}">
-                    <a16:rowId xmlns:a16="http://schemas.microsoft.com/office/drawing/2014/main" xmlns="" val="10002"/>
+                    <a16:rowId xmlns="" xmlns:a16="http://schemas.microsoft.com/office/drawing/2014/main" val="10002"/>
                   </a:ext>
                 </a:extLst>
               </a:tr>
@@ -13102,7 +12898,7 @@
                 </a:tc>
                 <a:extLst>
                   <a:ext uri="{0D108BD9-81ED-4DB2-BD59-A6C34878D82A}">
-                    <a16:rowId xmlns:a16="http://schemas.microsoft.com/office/drawing/2014/main" xmlns="" val="10004"/>
+                    <a16:rowId xmlns="" xmlns:a16="http://schemas.microsoft.com/office/drawing/2014/main" val="10004"/>
                   </a:ext>
                 </a:extLst>
               </a:tr>
@@ -13350,7 +13146,7 @@
                 </a:tc>
                 <a:extLst>
                   <a:ext uri="{0D108BD9-81ED-4DB2-BD59-A6C34878D82A}">
-                    <a16:rowId xmlns:a16="http://schemas.microsoft.com/office/drawing/2014/main" xmlns="" val="10006"/>
+                    <a16:rowId xmlns="" xmlns:a16="http://schemas.microsoft.com/office/drawing/2014/main" val="10006"/>
                   </a:ext>
                 </a:extLst>
               </a:tr>
@@ -13443,7 +13239,7 @@
     </p:spTree>
     <p:extLst>
       <p:ext uri="{BB962C8B-B14F-4D97-AF65-F5344CB8AC3E}">
-        <p14:creationId xmlns:p14="http://schemas.microsoft.com/office/powerpoint/2010/main" xmlns="" val="3371949997"/>
+        <p14:creationId xmlns="" xmlns:p14="http://schemas.microsoft.com/office/powerpoint/2010/main" val="3371949997"/>
       </p:ext>
     </p:extLst>
   </p:cSld>
@@ -13717,7 +13513,7 @@
           <p:nvPr>
             <p:extLst>
               <p:ext uri="{D42A27DB-BD31-4B8C-83A1-F6EECF244321}">
-                <p14:modId xmlns:p14="http://schemas.microsoft.com/office/powerpoint/2010/main" xmlns="" val="3684284401"/>
+                <p14:modId xmlns="" xmlns:p14="http://schemas.microsoft.com/office/powerpoint/2010/main" val="3684284401"/>
               </p:ext>
             </p:extLst>
           </p:nvPr>
@@ -13743,14 +13539,14 @@
                 <a:gridCol w="5850780">
                   <a:extLst>
                     <a:ext uri="{9D8B030D-6E8A-4147-A177-3AD203B41FA5}">
-                      <a16:colId xmlns:a16="http://schemas.microsoft.com/office/drawing/2014/main" xmlns="" val="20000"/>
+                      <a16:colId xmlns="" xmlns:a16="http://schemas.microsoft.com/office/drawing/2014/main" val="20000"/>
                     </a:ext>
                   </a:extLst>
                 </a:gridCol>
                 <a:gridCol w="2302620">
                   <a:extLst>
                     <a:ext uri="{9D8B030D-6E8A-4147-A177-3AD203B41FA5}">
-                      <a16:colId xmlns:a16="http://schemas.microsoft.com/office/drawing/2014/main" xmlns="" val="20003"/>
+                      <a16:colId xmlns="" xmlns:a16="http://schemas.microsoft.com/office/drawing/2014/main" val="20003"/>
                     </a:ext>
                   </a:extLst>
                 </a:gridCol>
@@ -13832,7 +13628,7 @@
                 </a:tc>
                 <a:extLst>
                   <a:ext uri="{0D108BD9-81ED-4DB2-BD59-A6C34878D82A}">
-                    <a16:rowId xmlns:a16="http://schemas.microsoft.com/office/drawing/2014/main" xmlns="" val="10000"/>
+                    <a16:rowId xmlns="" xmlns:a16="http://schemas.microsoft.com/office/drawing/2014/main" val="10000"/>
                   </a:ext>
                 </a:extLst>
               </a:tr>
@@ -13906,7 +13702,7 @@
                 </a:tc>
                 <a:extLst>
                   <a:ext uri="{0D108BD9-81ED-4DB2-BD59-A6C34878D82A}">
-                    <a16:rowId xmlns:a16="http://schemas.microsoft.com/office/drawing/2014/main" xmlns="" val="10001"/>
+                    <a16:rowId xmlns="" xmlns:a16="http://schemas.microsoft.com/office/drawing/2014/main" val="10001"/>
                   </a:ext>
                 </a:extLst>
               </a:tr>
@@ -13965,7 +13761,7 @@
                 </a:tc>
                 <a:extLst>
                   <a:ext uri="{0D108BD9-81ED-4DB2-BD59-A6C34878D82A}">
-                    <a16:rowId xmlns:a16="http://schemas.microsoft.com/office/drawing/2014/main" xmlns="" val="10006"/>
+                    <a16:rowId xmlns="" xmlns:a16="http://schemas.microsoft.com/office/drawing/2014/main" val="10006"/>
                   </a:ext>
                 </a:extLst>
               </a:tr>
@@ -14453,7 +14249,7 @@
           <p:nvPr>
             <p:extLst>
               <p:ext uri="{D42A27DB-BD31-4B8C-83A1-F6EECF244321}">
-                <p14:modId xmlns:p14="http://schemas.microsoft.com/office/powerpoint/2010/main" xmlns="" val="3684284401"/>
+                <p14:modId xmlns="" xmlns:p14="http://schemas.microsoft.com/office/powerpoint/2010/main" val="3684284401"/>
               </p:ext>
             </p:extLst>
           </p:nvPr>
@@ -14479,28 +14275,28 @@
                 <a:gridCol w="4591124">
                   <a:extLst>
                     <a:ext uri="{9D8B030D-6E8A-4147-A177-3AD203B41FA5}">
-                      <a16:colId xmlns:a16="http://schemas.microsoft.com/office/drawing/2014/main" xmlns="" val="20000"/>
+                      <a16:colId xmlns="" xmlns:a16="http://schemas.microsoft.com/office/drawing/2014/main" val="20000"/>
                     </a:ext>
                   </a:extLst>
                 </a:gridCol>
                 <a:gridCol w="2035277">
                   <a:extLst>
                     <a:ext uri="{9D8B030D-6E8A-4147-A177-3AD203B41FA5}">
-                      <a16:colId xmlns:a16="http://schemas.microsoft.com/office/drawing/2014/main" xmlns="" val="20001"/>
+                      <a16:colId xmlns="" xmlns:a16="http://schemas.microsoft.com/office/drawing/2014/main" val="20001"/>
                     </a:ext>
                   </a:extLst>
                 </a:gridCol>
                 <a:gridCol w="1519084">
                   <a:extLst>
                     <a:ext uri="{9D8B030D-6E8A-4147-A177-3AD203B41FA5}">
-                      <a16:colId xmlns:a16="http://schemas.microsoft.com/office/drawing/2014/main" xmlns="" val="20002"/>
+                      <a16:colId xmlns="" xmlns:a16="http://schemas.microsoft.com/office/drawing/2014/main" val="20002"/>
                     </a:ext>
                   </a:extLst>
                 </a:gridCol>
                 <a:gridCol w="1754515">
                   <a:extLst>
                     <a:ext uri="{9D8B030D-6E8A-4147-A177-3AD203B41FA5}">
-                      <a16:colId xmlns:a16="http://schemas.microsoft.com/office/drawing/2014/main" xmlns="" val="20003"/>
+                      <a16:colId xmlns="" xmlns:a16="http://schemas.microsoft.com/office/drawing/2014/main" val="20003"/>
                     </a:ext>
                   </a:extLst>
                 </a:gridCol>
@@ -14638,7 +14434,7 @@
                 </a:tc>
                 <a:extLst>
                   <a:ext uri="{0D108BD9-81ED-4DB2-BD59-A6C34878D82A}">
-                    <a16:rowId xmlns:a16="http://schemas.microsoft.com/office/drawing/2014/main" xmlns="" val="10000"/>
+                    <a16:rowId xmlns="" xmlns:a16="http://schemas.microsoft.com/office/drawing/2014/main" val="10000"/>
                   </a:ext>
                 </a:extLst>
               </a:tr>
@@ -14772,7 +14568,7 @@
                 </a:tc>
                 <a:extLst>
                   <a:ext uri="{0D108BD9-81ED-4DB2-BD59-A6C34878D82A}">
-                    <a16:rowId xmlns:a16="http://schemas.microsoft.com/office/drawing/2014/main" xmlns="" val="10001"/>
+                    <a16:rowId xmlns="" xmlns:a16="http://schemas.microsoft.com/office/drawing/2014/main" val="10001"/>
                   </a:ext>
                 </a:extLst>
               </a:tr>
@@ -15295,7 +15091,7 @@
                 </a:tc>
                 <a:extLst>
                   <a:ext uri="{0D108BD9-81ED-4DB2-BD59-A6C34878D82A}">
-                    <a16:rowId xmlns:a16="http://schemas.microsoft.com/office/drawing/2014/main" xmlns="" val="10002"/>
+                    <a16:rowId xmlns="" xmlns:a16="http://schemas.microsoft.com/office/drawing/2014/main" val="10002"/>
                   </a:ext>
                 </a:extLst>
               </a:tr>
@@ -15430,7 +15226,7 @@
                 </a:tc>
                 <a:extLst>
                   <a:ext uri="{0D108BD9-81ED-4DB2-BD59-A6C34878D82A}">
-                    <a16:rowId xmlns:a16="http://schemas.microsoft.com/office/drawing/2014/main" xmlns="" val="10004"/>
+                    <a16:rowId xmlns="" xmlns:a16="http://schemas.microsoft.com/office/drawing/2014/main" val="10004"/>
                   </a:ext>
                 </a:extLst>
               </a:tr>
@@ -15540,7 +15336,7 @@
                 </a:tc>
                 <a:extLst>
                   <a:ext uri="{0D108BD9-81ED-4DB2-BD59-A6C34878D82A}">
-                    <a16:rowId xmlns:a16="http://schemas.microsoft.com/office/drawing/2014/main" xmlns="" val="10005"/>
+                    <a16:rowId xmlns="" xmlns:a16="http://schemas.microsoft.com/office/drawing/2014/main" val="10005"/>
                   </a:ext>
                 </a:extLst>
               </a:tr>
@@ -15646,7 +15442,7 @@
                 </a:tc>
                 <a:extLst>
                   <a:ext uri="{0D108BD9-81ED-4DB2-BD59-A6C34878D82A}">
-                    <a16:rowId xmlns:a16="http://schemas.microsoft.com/office/drawing/2014/main" xmlns="" val="10006"/>
+                    <a16:rowId xmlns="" xmlns:a16="http://schemas.microsoft.com/office/drawing/2014/main" val="10006"/>
                   </a:ext>
                 </a:extLst>
               </a:tr>
@@ -15756,7 +15552,7 @@
                 </a:tc>
                 <a:extLst>
                   <a:ext uri="{0D108BD9-81ED-4DB2-BD59-A6C34878D82A}">
-                    <a16:rowId xmlns:a16="http://schemas.microsoft.com/office/drawing/2014/main" xmlns="" val="10007"/>
+                    <a16:rowId xmlns="" xmlns:a16="http://schemas.microsoft.com/office/drawing/2014/main" val="10007"/>
                   </a:ext>
                 </a:extLst>
               </a:tr>
@@ -16156,7 +15952,7 @@
                 </a:tc>
                 <a:extLst>
                   <a:ext uri="{0D108BD9-81ED-4DB2-BD59-A6C34878D82A}">
-                    <a16:rowId xmlns:a16="http://schemas.microsoft.com/office/drawing/2014/main" xmlns="" val="10008"/>
+                    <a16:rowId xmlns="" xmlns:a16="http://schemas.microsoft.com/office/drawing/2014/main" val="10008"/>
                   </a:ext>
                 </a:extLst>
               </a:tr>
@@ -16379,7 +16175,7 @@
           <p:nvPr>
             <p:extLst>
               <p:ext uri="{D42A27DB-BD31-4B8C-83A1-F6EECF244321}">
-                <p14:modId xmlns:p14="http://schemas.microsoft.com/office/powerpoint/2010/main" xmlns="" val="3684284401"/>
+                <p14:modId xmlns="" xmlns:p14="http://schemas.microsoft.com/office/powerpoint/2010/main" val="3684284401"/>
               </p:ext>
             </p:extLst>
           </p:nvPr>
@@ -16405,28 +16201,28 @@
                 <a:gridCol w="3600000">
                   <a:extLst>
                     <a:ext uri="{9D8B030D-6E8A-4147-A177-3AD203B41FA5}">
-                      <a16:colId xmlns:a16="http://schemas.microsoft.com/office/drawing/2014/main" xmlns="" val="20000"/>
+                      <a16:colId xmlns="" xmlns:a16="http://schemas.microsoft.com/office/drawing/2014/main" val="20000"/>
                     </a:ext>
                   </a:extLst>
                 </a:gridCol>
                 <a:gridCol w="2340000">
                   <a:extLst>
                     <a:ext uri="{9D8B030D-6E8A-4147-A177-3AD203B41FA5}">
-                      <a16:colId xmlns:a16="http://schemas.microsoft.com/office/drawing/2014/main" xmlns="" val="20001"/>
+                      <a16:colId xmlns="" xmlns:a16="http://schemas.microsoft.com/office/drawing/2014/main" val="20001"/>
                     </a:ext>
                   </a:extLst>
                 </a:gridCol>
                 <a:gridCol w="1980000">
                   <a:extLst>
                     <a:ext uri="{9D8B030D-6E8A-4147-A177-3AD203B41FA5}">
-                      <a16:colId xmlns:a16="http://schemas.microsoft.com/office/drawing/2014/main" xmlns="" val="20002"/>
+                      <a16:colId xmlns="" xmlns:a16="http://schemas.microsoft.com/office/drawing/2014/main" val="20002"/>
                     </a:ext>
                   </a:extLst>
                 </a:gridCol>
                 <a:gridCol w="1980000">
                   <a:extLst>
                     <a:ext uri="{9D8B030D-6E8A-4147-A177-3AD203B41FA5}">
-                      <a16:colId xmlns:a16="http://schemas.microsoft.com/office/drawing/2014/main" xmlns="" val="20003"/>
+                      <a16:colId xmlns="" xmlns:a16="http://schemas.microsoft.com/office/drawing/2014/main" val="20003"/>
                     </a:ext>
                   </a:extLst>
                 </a:gridCol>
@@ -16561,7 +16357,7 @@
                 </a:tc>
                 <a:extLst>
                   <a:ext uri="{0D108BD9-81ED-4DB2-BD59-A6C34878D82A}">
-                    <a16:rowId xmlns:a16="http://schemas.microsoft.com/office/drawing/2014/main" xmlns="" val="10000"/>
+                    <a16:rowId xmlns="" xmlns:a16="http://schemas.microsoft.com/office/drawing/2014/main" val="10000"/>
                   </a:ext>
                 </a:extLst>
               </a:tr>
@@ -16735,7 +16531,7 @@
                 </a:tc>
                 <a:extLst>
                   <a:ext uri="{0D108BD9-81ED-4DB2-BD59-A6C34878D82A}">
-                    <a16:rowId xmlns:a16="http://schemas.microsoft.com/office/drawing/2014/main" xmlns="" val="10002"/>
+                    <a16:rowId xmlns="" xmlns:a16="http://schemas.microsoft.com/office/drawing/2014/main" val="10002"/>
                   </a:ext>
                 </a:extLst>
               </a:tr>
@@ -16911,7 +16707,7 @@
                 </a:tc>
                 <a:extLst>
                   <a:ext uri="{0D108BD9-81ED-4DB2-BD59-A6C34878D82A}">
-                    <a16:rowId xmlns:a16="http://schemas.microsoft.com/office/drawing/2014/main" xmlns="" val="10004"/>
+                    <a16:rowId xmlns="" xmlns:a16="http://schemas.microsoft.com/office/drawing/2014/main" val="10004"/>
                   </a:ext>
                 </a:extLst>
               </a:tr>
@@ -17044,7 +16840,7 @@
                 </a:tc>
                 <a:extLst>
                   <a:ext uri="{0D108BD9-81ED-4DB2-BD59-A6C34878D82A}">
-                    <a16:rowId xmlns:a16="http://schemas.microsoft.com/office/drawing/2014/main" xmlns="" val="10005"/>
+                    <a16:rowId xmlns="" xmlns:a16="http://schemas.microsoft.com/office/drawing/2014/main" val="10005"/>
                   </a:ext>
                 </a:extLst>
               </a:tr>
@@ -17153,7 +16949,7 @@
                 </a:tc>
                 <a:extLst>
                   <a:ext uri="{0D108BD9-81ED-4DB2-BD59-A6C34878D82A}">
-                    <a16:rowId xmlns:a16="http://schemas.microsoft.com/office/drawing/2014/main" xmlns="" val="10006"/>
+                    <a16:rowId xmlns="" xmlns:a16="http://schemas.microsoft.com/office/drawing/2014/main" val="10006"/>
                   </a:ext>
                 </a:extLst>
               </a:tr>
@@ -17274,7 +17070,7 @@
                 </a:tc>
                 <a:extLst>
                   <a:ext uri="{0D108BD9-81ED-4DB2-BD59-A6C34878D82A}">
-                    <a16:rowId xmlns:a16="http://schemas.microsoft.com/office/drawing/2014/main" xmlns="" val="10007"/>
+                    <a16:rowId xmlns="" xmlns:a16="http://schemas.microsoft.com/office/drawing/2014/main" val="10007"/>
                   </a:ext>
                 </a:extLst>
               </a:tr>
@@ -17501,7 +17297,7 @@
                 </a:tc>
                 <a:extLst>
                   <a:ext uri="{0D108BD9-81ED-4DB2-BD59-A6C34878D82A}">
-                    <a16:rowId xmlns:a16="http://schemas.microsoft.com/office/drawing/2014/main" xmlns="" val="10008"/>
+                    <a16:rowId xmlns="" xmlns:a16="http://schemas.microsoft.com/office/drawing/2014/main" val="10008"/>
                   </a:ext>
                 </a:extLst>
               </a:tr>
@@ -17512,7 +17308,7 @@
     </p:spTree>
     <p:extLst>
       <p:ext uri="{BB962C8B-B14F-4D97-AF65-F5344CB8AC3E}">
-        <p14:creationId xmlns:p14="http://schemas.microsoft.com/office/powerpoint/2010/main" xmlns="" val="2952426389"/>
+        <p14:creationId xmlns="" xmlns:p14="http://schemas.microsoft.com/office/powerpoint/2010/main" val="2952426389"/>
       </p:ext>
     </p:extLst>
   </p:cSld>
@@ -17904,7 +17700,7 @@
   <a:extraClrSchemeLst/>
   <a:extLst>
     <a:ext uri="{05A4C25C-085E-4340-85A3-A5531E510DB2}">
-      <thm15:themeFamily xmlns:thm15="http://schemas.microsoft.com/office/thememl/2012/main" xmlns="" name="Office Theme" id="{62F939B6-93AF-4DB8-9C6B-D6C7DFDC589F}" vid="{4A3C46E8-61CC-4603-A589-7422A47A8E4A}"/>
+      <thm15:themeFamily xmlns="" xmlns:thm15="http://schemas.microsoft.com/office/thememl/2012/main" name="Office Theme" id="{62F939B6-93AF-4DB8-9C6B-D6C7DFDC589F}" vid="{4A3C46E8-61CC-4603-A589-7422A47A8E4A}"/>
     </a:ext>
   </a:extLst>
 </a:theme>
@@ -18165,7 +17961,7 @@
   <a:extraClrSchemeLst/>
   <a:extLst>
     <a:ext uri="{05A4C25C-085E-4340-85A3-A5531E510DB2}">
-      <thm15:themeFamily xmlns:thm15="http://schemas.microsoft.com/office/thememl/2012/main" xmlns="" name="Office Theme" id="{62F939B6-93AF-4DB8-9C6B-D6C7DFDC589F}" vid="{4A3C46E8-61CC-4603-A589-7422A47A8E4A}"/>
+      <thm15:themeFamily xmlns="" xmlns:thm15="http://schemas.microsoft.com/office/thememl/2012/main" name="Office Theme" id="{62F939B6-93AF-4DB8-9C6B-D6C7DFDC589F}" vid="{4A3C46E8-61CC-4603-A589-7422A47A8E4A}"/>
     </a:ext>
   </a:extLst>
 </a:theme>

--- a/diplomna.pptx
+++ b/diplomna.pptx
@@ -6849,8 +6849,51 @@
                 <a:ea typeface="Open Sans" panose="020B0606030504020204" pitchFamily="34" charset="0"/>
                 <a:cs typeface="Open Sans" panose="020B0606030504020204" pitchFamily="34" charset="0"/>
               </a:rPr>
-              <a:t>Мінімальна кількість відвідувачів в день 18</a:t>
-            </a:r>
+              <a:t>Мінімальна кількість відвідувачів в день </a:t>
+            </a:r>
+            <a:r>
+              <a:rPr lang="uk-UA" sz="2800" b="1" dirty="0" smtClean="0">
+                <a:gradFill flip="none" rotWithShape="1">
+                  <a:gsLst>
+                    <a:gs pos="0">
+                      <a:schemeClr val="tx1"/>
+                    </a:gs>
+                    <a:gs pos="100000">
+                      <a:schemeClr val="tx1">
+                        <a:lumMod val="75000"/>
+                        <a:lumOff val="25000"/>
+                      </a:schemeClr>
+                    </a:gs>
+                  </a:gsLst>
+                  <a:lin ang="16200000" scaled="1"/>
+                  <a:tileRect/>
+                </a:gradFill>
+                <a:latin typeface="Segoe Print" panose="02000600000000000000" pitchFamily="2" charset="0"/>
+                <a:ea typeface="Open Sans" panose="020B0606030504020204" pitchFamily="34" charset="0"/>
+                <a:cs typeface="Open Sans" panose="020B0606030504020204" pitchFamily="34" charset="0"/>
+              </a:rPr>
+              <a:t>15</a:t>
+            </a:r>
+            <a:endParaRPr lang="uk-UA" sz="2800" b="1" dirty="0" smtClean="0">
+              <a:gradFill flip="none" rotWithShape="1">
+                <a:gsLst>
+                  <a:gs pos="0">
+                    <a:schemeClr val="tx1"/>
+                  </a:gs>
+                  <a:gs pos="100000">
+                    <a:schemeClr val="tx1">
+                      <a:lumMod val="75000"/>
+                      <a:lumOff val="25000"/>
+                    </a:schemeClr>
+                  </a:gs>
+                </a:gsLst>
+                <a:lin ang="16200000" scaled="1"/>
+                <a:tileRect/>
+              </a:gradFill>
+              <a:latin typeface="Segoe Print" panose="02000600000000000000" pitchFamily="2" charset="0"/>
+              <a:ea typeface="Open Sans" panose="020B0606030504020204" pitchFamily="34" charset="0"/>
+              <a:cs typeface="Open Sans" panose="020B0606030504020204" pitchFamily="34" charset="0"/>
+            </a:endParaRPr>
           </a:p>
           <a:p>
             <a:pPr algn="ctr"/>
@@ -6921,7 +6964,99 @@
                 <a:ea typeface="Open Sans" panose="020B0606030504020204" pitchFamily="34" charset="0"/>
                 <a:cs typeface="Open Sans" panose="020B0606030504020204" pitchFamily="34" charset="0"/>
               </a:rPr>
-              <a:t>гривень мінімальна вартість послуги</a:t>
+              <a:t>гривень </a:t>
+            </a:r>
+            <a:r>
+              <a:rPr lang="ru-RU" sz="2800" b="1" dirty="0" smtClean="0">
+                <a:gradFill flip="none" rotWithShape="1">
+                  <a:gsLst>
+                    <a:gs pos="0">
+                      <a:schemeClr val="tx1"/>
+                    </a:gs>
+                    <a:gs pos="100000">
+                      <a:schemeClr val="tx1">
+                        <a:lumMod val="75000"/>
+                        <a:lumOff val="25000"/>
+                      </a:schemeClr>
+                    </a:gs>
+                  </a:gsLst>
+                  <a:lin ang="16200000" scaled="1"/>
+                  <a:tileRect/>
+                </a:gradFill>
+                <a:latin typeface="Segoe Print" panose="02000600000000000000" pitchFamily="2" charset="0"/>
+                <a:ea typeface="Open Sans" panose="020B0606030504020204" pitchFamily="34" charset="0"/>
+                <a:cs typeface="Open Sans" panose="020B0606030504020204" pitchFamily="34" charset="0"/>
+              </a:rPr>
+              <a:t>середня </a:t>
+            </a:r>
+            <a:r>
+              <a:rPr lang="ru-RU" sz="2800" b="1" dirty="0" smtClean="0">
+                <a:gradFill flip="none" rotWithShape="1">
+                  <a:gsLst>
+                    <a:gs pos="0">
+                      <a:schemeClr val="tx1"/>
+                    </a:gs>
+                    <a:gs pos="100000">
+                      <a:schemeClr val="tx1">
+                        <a:lumMod val="75000"/>
+                        <a:lumOff val="25000"/>
+                      </a:schemeClr>
+                    </a:gs>
+                  </a:gsLst>
+                  <a:lin ang="16200000" scaled="1"/>
+                  <a:tileRect/>
+                </a:gradFill>
+                <a:latin typeface="Segoe Print" panose="02000600000000000000" pitchFamily="2" charset="0"/>
+                <a:ea typeface="Open Sans" panose="020B0606030504020204" pitchFamily="34" charset="0"/>
+                <a:cs typeface="Open Sans" panose="020B0606030504020204" pitchFamily="34" charset="0"/>
+              </a:rPr>
+              <a:t>вартість</a:t>
+            </a:r>
+            <a:r>
+              <a:rPr lang="ru-RU" sz="2800" b="1" dirty="0" smtClean="0">
+                <a:gradFill flip="none" rotWithShape="1">
+                  <a:gsLst>
+                    <a:gs pos="0">
+                      <a:schemeClr val="tx1"/>
+                    </a:gs>
+                    <a:gs pos="100000">
+                      <a:schemeClr val="tx1">
+                        <a:lumMod val="75000"/>
+                        <a:lumOff val="25000"/>
+                      </a:schemeClr>
+                    </a:gs>
+                  </a:gsLst>
+                  <a:lin ang="16200000" scaled="1"/>
+                  <a:tileRect/>
+                </a:gradFill>
+                <a:latin typeface="Segoe Print" panose="02000600000000000000" pitchFamily="2" charset="0"/>
+                <a:ea typeface="Open Sans" panose="020B0606030504020204" pitchFamily="34" charset="0"/>
+                <a:cs typeface="Open Sans" panose="020B0606030504020204" pitchFamily="34" charset="0"/>
+              </a:rPr>
+              <a:t> </a:t>
+            </a:r>
+            <a:r>
+              <a:rPr lang="ru-RU" sz="2800" b="1" dirty="0" smtClean="0">
+                <a:gradFill flip="none" rotWithShape="1">
+                  <a:gsLst>
+                    <a:gs pos="0">
+                      <a:schemeClr val="tx1"/>
+                    </a:gs>
+                    <a:gs pos="100000">
+                      <a:schemeClr val="tx1">
+                        <a:lumMod val="75000"/>
+                        <a:lumOff val="25000"/>
+                      </a:schemeClr>
+                    </a:gs>
+                  </a:gsLst>
+                  <a:lin ang="16200000" scaled="1"/>
+                  <a:tileRect/>
+                </a:gradFill>
+                <a:latin typeface="Segoe Print" panose="02000600000000000000" pitchFamily="2" charset="0"/>
+                <a:ea typeface="Open Sans" panose="020B0606030504020204" pitchFamily="34" charset="0"/>
+                <a:cs typeface="Open Sans" panose="020B0606030504020204" pitchFamily="34" charset="0"/>
+              </a:rPr>
+              <a:t>послуги</a:t>
             </a:r>
             <a:endParaRPr lang="en-US" sz="2800" b="1" dirty="0" smtClean="0">
               <a:gradFill flip="none" rotWithShape="1">
@@ -6967,7 +7102,7 @@
                 <a:ea typeface="Open Sans" panose="020B0606030504020204" pitchFamily="34" charset="0"/>
                 <a:cs typeface="Open Sans" panose="020B0606030504020204" pitchFamily="34" charset="0"/>
               </a:rPr>
-              <a:t>18</a:t>
+              <a:t>15</a:t>
             </a:r>
             <a:r>
               <a:rPr lang="en-US" sz="2800" b="1" dirty="0" smtClean="0">
@@ -6990,7 +7125,30 @@
                 <a:ea typeface="Open Sans" panose="020B0606030504020204" pitchFamily="34" charset="0"/>
                 <a:cs typeface="Open Sans" panose="020B0606030504020204" pitchFamily="34" charset="0"/>
               </a:rPr>
-              <a:t> * </a:t>
+              <a:t> </a:t>
+            </a:r>
+            <a:r>
+              <a:rPr lang="en-US" sz="2800" b="1" dirty="0" smtClean="0">
+                <a:gradFill flip="none" rotWithShape="1">
+                  <a:gsLst>
+                    <a:gs pos="0">
+                      <a:schemeClr val="tx1"/>
+                    </a:gs>
+                    <a:gs pos="100000">
+                      <a:schemeClr val="tx1">
+                        <a:lumMod val="75000"/>
+                        <a:lumOff val="25000"/>
+                      </a:schemeClr>
+                    </a:gs>
+                  </a:gsLst>
+                  <a:lin ang="16200000" scaled="1"/>
+                  <a:tileRect/>
+                </a:gradFill>
+                <a:latin typeface="Segoe Print" panose="02000600000000000000" pitchFamily="2" charset="0"/>
+                <a:ea typeface="Open Sans" panose="020B0606030504020204" pitchFamily="34" charset="0"/>
+                <a:cs typeface="Open Sans" panose="020B0606030504020204" pitchFamily="34" charset="0"/>
+              </a:rPr>
+              <a:t>* </a:t>
             </a:r>
             <a:r>
               <a:rPr lang="uk-UA" sz="2800" b="1" dirty="0" smtClean="0">
@@ -7059,7 +7217,7 @@
                 <a:ea typeface="Open Sans" panose="020B0606030504020204" pitchFamily="34" charset="0"/>
                 <a:cs typeface="Open Sans" panose="020B0606030504020204" pitchFamily="34" charset="0"/>
               </a:rPr>
-              <a:t>2 520 </a:t>
+              <a:t>2 100 </a:t>
             </a:r>
             <a:r>
               <a:rPr lang="uk-UA" sz="2800" b="1" dirty="0" smtClean="0">
@@ -7108,7 +7266,7 @@
                 <a:ea typeface="Open Sans" panose="020B0606030504020204" pitchFamily="34" charset="0"/>
                 <a:cs typeface="Open Sans" panose="020B0606030504020204" pitchFamily="34" charset="0"/>
               </a:rPr>
-              <a:t>2 520 </a:t>
+              <a:t>2 100 </a:t>
             </a:r>
             <a:r>
               <a:rPr lang="uk-UA" sz="2800" b="1" dirty="0" smtClean="0">
@@ -7154,7 +7312,7 @@
                 <a:ea typeface="Open Sans" panose="020B0606030504020204" pitchFamily="34" charset="0"/>
                 <a:cs typeface="Open Sans" panose="020B0606030504020204" pitchFamily="34" charset="0"/>
               </a:rPr>
-              <a:t>75 600 </a:t>
+              <a:t>63 000 </a:t>
             </a:r>
             <a:r>
               <a:rPr lang="uk-UA" sz="2800" b="1" dirty="0" smtClean="0">
@@ -7203,7 +7361,7 @@
                 <a:ea typeface="Open Sans" panose="020B0606030504020204" pitchFamily="34" charset="0"/>
                 <a:cs typeface="Open Sans" panose="020B0606030504020204" pitchFamily="34" charset="0"/>
               </a:rPr>
-              <a:t>75 600 </a:t>
+              <a:t>63 000 </a:t>
             </a:r>
             <a:r>
               <a:rPr lang="uk-UA" sz="2800" b="1" dirty="0" smtClean="0">
@@ -7341,10 +7499,10 @@
                 <a:ea typeface="Open Sans" panose="020B0606030504020204" pitchFamily="34" charset="0"/>
                 <a:cs typeface="Open Sans" panose="020B0606030504020204" pitchFamily="34" charset="0"/>
               </a:rPr>
-              <a:t>28 88</a:t>
-            </a:r>
-            <a:r>
-              <a:rPr lang="en-US" sz="2800" b="1" dirty="0" smtClean="0">
+              <a:t>16 285 гривень </a:t>
+            </a:r>
+            <a:r>
+              <a:rPr lang="uk-UA" sz="2800" b="1" dirty="0" smtClean="0">
                 <a:gradFill flip="none" rotWithShape="1">
                   <a:gsLst>
                     <a:gs pos="0">
@@ -7364,53 +7522,7 @@
                 <a:ea typeface="Open Sans" panose="020B0606030504020204" pitchFamily="34" charset="0"/>
                 <a:cs typeface="Open Sans" panose="020B0606030504020204" pitchFamily="34" charset="0"/>
               </a:rPr>
-              <a:t>5</a:t>
-            </a:r>
-            <a:r>
-              <a:rPr lang="uk-UA" sz="2800" b="1" dirty="0" smtClean="0">
-                <a:gradFill flip="none" rotWithShape="1">
-                  <a:gsLst>
-                    <a:gs pos="0">
-                      <a:schemeClr val="tx1"/>
-                    </a:gs>
-                    <a:gs pos="100000">
-                      <a:schemeClr val="tx1">
-                        <a:lumMod val="75000"/>
-                        <a:lumOff val="25000"/>
-                      </a:schemeClr>
-                    </a:gs>
-                  </a:gsLst>
-                  <a:lin ang="16200000" scaled="1"/>
-                  <a:tileRect/>
-                </a:gradFill>
-                <a:latin typeface="Segoe Print" panose="02000600000000000000" pitchFamily="2" charset="0"/>
-                <a:ea typeface="Open Sans" panose="020B0606030504020204" pitchFamily="34" charset="0"/>
-                <a:cs typeface="Open Sans" panose="020B0606030504020204" pitchFamily="34" charset="0"/>
-              </a:rPr>
-              <a:t> </a:t>
-            </a:r>
-            <a:r>
-              <a:rPr lang="uk-UA" sz="2800" b="1" dirty="0" smtClean="0">
-                <a:gradFill flip="none" rotWithShape="1">
-                  <a:gsLst>
-                    <a:gs pos="0">
-                      <a:schemeClr val="tx1"/>
-                    </a:gs>
-                    <a:gs pos="100000">
-                      <a:schemeClr val="tx1">
-                        <a:lumMod val="75000"/>
-                        <a:lumOff val="25000"/>
-                      </a:schemeClr>
-                    </a:gs>
-                  </a:gsLst>
-                  <a:lin ang="16200000" scaled="1"/>
-                  <a:tileRect/>
-                </a:gradFill>
-                <a:latin typeface="Segoe Print" panose="02000600000000000000" pitchFamily="2" charset="0"/>
-                <a:ea typeface="Open Sans" panose="020B0606030504020204" pitchFamily="34" charset="0"/>
-                <a:cs typeface="Open Sans" panose="020B0606030504020204" pitchFamily="34" charset="0"/>
-              </a:rPr>
-              <a:t>гривень мінімальний прибуток в місяць</a:t>
+              <a:t>мінімальний прибуток в місяць</a:t>
             </a:r>
           </a:p>
         </p:txBody>

--- a/diplomna.pptx
+++ b/diplomna.pptx
@@ -6872,7 +6872,7 @@
                 <a:ea typeface="Open Sans" panose="020B0606030504020204" pitchFamily="34" charset="0"/>
                 <a:cs typeface="Open Sans" panose="020B0606030504020204" pitchFamily="34" charset="0"/>
               </a:rPr>
-              <a:t>15</a:t>
+              <a:t>12</a:t>
             </a:r>
             <a:endParaRPr lang="uk-UA" sz="2800" b="1" dirty="0" smtClean="0">
               <a:gradFill flip="none" rotWithShape="1">
@@ -7102,7 +7102,7 @@
                 <a:ea typeface="Open Sans" panose="020B0606030504020204" pitchFamily="34" charset="0"/>
                 <a:cs typeface="Open Sans" panose="020B0606030504020204" pitchFamily="34" charset="0"/>
               </a:rPr>
-              <a:t>15</a:t>
+              <a:t>12</a:t>
             </a:r>
             <a:r>
               <a:rPr lang="en-US" sz="2800" b="1" dirty="0" smtClean="0">
@@ -7217,7 +7217,7 @@
                 <a:ea typeface="Open Sans" panose="020B0606030504020204" pitchFamily="34" charset="0"/>
                 <a:cs typeface="Open Sans" panose="020B0606030504020204" pitchFamily="34" charset="0"/>
               </a:rPr>
-              <a:t>2 100 </a:t>
+              <a:t>1 680 </a:t>
             </a:r>
             <a:r>
               <a:rPr lang="uk-UA" sz="2800" b="1" dirty="0" smtClean="0">
@@ -7266,7 +7266,7 @@
                 <a:ea typeface="Open Sans" panose="020B0606030504020204" pitchFamily="34" charset="0"/>
                 <a:cs typeface="Open Sans" panose="020B0606030504020204" pitchFamily="34" charset="0"/>
               </a:rPr>
-              <a:t>2 100 </a:t>
+              <a:t>1 680 </a:t>
             </a:r>
             <a:r>
               <a:rPr lang="uk-UA" sz="2800" b="1" dirty="0" smtClean="0">
@@ -7312,7 +7312,7 @@
                 <a:ea typeface="Open Sans" panose="020B0606030504020204" pitchFamily="34" charset="0"/>
                 <a:cs typeface="Open Sans" panose="020B0606030504020204" pitchFamily="34" charset="0"/>
               </a:rPr>
-              <a:t>63 000 </a:t>
+              <a:t>50 400 </a:t>
             </a:r>
             <a:r>
               <a:rPr lang="uk-UA" sz="2800" b="1" dirty="0" smtClean="0">
@@ -7361,7 +7361,7 @@
                 <a:ea typeface="Open Sans" panose="020B0606030504020204" pitchFamily="34" charset="0"/>
                 <a:cs typeface="Open Sans" panose="020B0606030504020204" pitchFamily="34" charset="0"/>
               </a:rPr>
-              <a:t>63 000 </a:t>
+              <a:t>50 400 </a:t>
             </a:r>
             <a:r>
               <a:rPr lang="uk-UA" sz="2800" b="1" dirty="0" smtClean="0">
@@ -7499,7 +7499,7 @@
                 <a:ea typeface="Open Sans" panose="020B0606030504020204" pitchFamily="34" charset="0"/>
                 <a:cs typeface="Open Sans" panose="020B0606030504020204" pitchFamily="34" charset="0"/>
               </a:rPr>
-              <a:t>16 285 гривень </a:t>
+              <a:t>3 685 гривень </a:t>
             </a:r>
             <a:r>
               <a:rPr lang="uk-UA" sz="2800" b="1" dirty="0" smtClean="0">
